--- a/img/card/businesscard.pptx
+++ b/img/card/businesscard.pptx
@@ -5,11 +5,13 @@
     <p:sldMasterId id="2147483672" r:id="rId1"/>
   </p:sldMasterIdLst>
   <p:notesMasterIdLst>
-    <p:notesMasterId r:id="rId4"/>
+    <p:notesMasterId r:id="rId6"/>
   </p:notesMasterIdLst>
   <p:sldIdLst>
     <p:sldId id="256" r:id="rId2"/>
-    <p:sldId id="257" r:id="rId3"/>
+    <p:sldId id="258" r:id="rId3"/>
+    <p:sldId id="257" r:id="rId4"/>
+    <p:sldId id="259" r:id="rId5"/>
   </p:sldIdLst>
   <p:sldSz cx="11520488" cy="6480175"/>
   <p:notesSz cx="6858000" cy="9144000"/>
@@ -108,6 +110,11 @@
       </a:defRPr>
     </a:lvl9pPr>
   </p:defaultTextStyle>
+  <p:extLst>
+    <p:ext uri="{EFAFB233-063F-42B5-8137-9DF3F51BA10A}">
+      <p15:sldGuideLst xmlns:p15="http://schemas.microsoft.com/office/powerpoint/2012/main"/>
+    </p:ext>
+  </p:extLst>
 </p:presentation>
 </file>
 
@@ -193,7 +200,7 @@
           <a:p>
             <a:fld id="{CAEBE9D9-678F-BD4B-8EA4-BDD07F057B8C}" type="datetimeFigureOut">
               <a:rPr kumimoji="1" lang="ja-JP" altLang="en-US" smtClean="0"/>
-              <a:t>2023/10/15</a:t>
+              <a:t>2023/10/16</a:t>
             </a:fld>
             <a:endParaRPr kumimoji="1" lang="ja-JP" altLang="en-US"/>
           </a:p>
@@ -650,7 +657,175 @@
     </p:spTree>
     <p:extLst>
       <p:ext uri="{BB962C8B-B14F-4D97-AF65-F5344CB8AC3E}">
+        <p14:creationId xmlns:p14="http://schemas.microsoft.com/office/powerpoint/2010/main" val="532265595"/>
+      </p:ext>
+    </p:extLst>
+  </p:cSld>
+  <p:clrMapOvr>
+    <a:masterClrMapping/>
+  </p:clrMapOvr>
+</p:notes>
+</file>
+
+<file path=ppt/notesSlides/notesSlide3.xml><?xml version="1.0" encoding="utf-8"?>
+<p:notes xmlns:a="http://schemas.openxmlformats.org/drawingml/2006/main" xmlns:r="http://schemas.openxmlformats.org/officeDocument/2006/relationships" xmlns:p="http://schemas.openxmlformats.org/presentationml/2006/main">
+  <p:cSld>
+    <p:spTree>
+      <p:nvGrpSpPr>
+        <p:cNvPr id="1" name=""/>
+        <p:cNvGrpSpPr/>
+        <p:nvPr/>
+      </p:nvGrpSpPr>
+      <p:grpSpPr>
+        <a:xfrm>
+          <a:off x="0" y="0"/>
+          <a:ext cx="0" cy="0"/>
+          <a:chOff x="0" y="0"/>
+          <a:chExt cx="0" cy="0"/>
+        </a:xfrm>
+      </p:grpSpPr>
+      <p:sp>
+        <p:nvSpPr>
+          <p:cNvPr id="2" name="スライド イメージ プレースホルダー 1"/>
+          <p:cNvSpPr>
+            <a:spLocks noGrp="1" noRot="1" noChangeAspect="1"/>
+          </p:cNvSpPr>
+          <p:nvPr>
+            <p:ph type="sldImg"/>
+          </p:nvPr>
+        </p:nvSpPr>
+        <p:spPr/>
+      </p:sp>
+      <p:sp>
+        <p:nvSpPr>
+          <p:cNvPr id="3" name="ノート プレースホルダー 2"/>
+          <p:cNvSpPr>
+            <a:spLocks noGrp="1"/>
+          </p:cNvSpPr>
+          <p:nvPr>
+            <p:ph type="body" idx="1"/>
+          </p:nvPr>
+        </p:nvSpPr>
+        <p:spPr/>
+        <p:txBody>
+          <a:bodyPr/>
+          <a:lstStyle/>
+          <a:p>
+            <a:endParaRPr kumimoji="1" lang="ja-JP" altLang="en-US"/>
+          </a:p>
+        </p:txBody>
+      </p:sp>
+      <p:sp>
+        <p:nvSpPr>
+          <p:cNvPr id="4" name="スライド番号プレースホルダー 3"/>
+          <p:cNvSpPr>
+            <a:spLocks noGrp="1"/>
+          </p:cNvSpPr>
+          <p:nvPr>
+            <p:ph type="sldNum" sz="quarter" idx="5"/>
+          </p:nvPr>
+        </p:nvSpPr>
+        <p:spPr/>
+        <p:txBody>
+          <a:bodyPr/>
+          <a:lstStyle/>
+          <a:p>
+            <a:fld id="{4A2BB725-D884-2B4E-86E1-8CAAD1C4FED5}" type="slidenum">
+              <a:rPr kumimoji="1" lang="ja-JP" altLang="en-US" smtClean="0"/>
+              <a:t>3</a:t>
+            </a:fld>
+            <a:endParaRPr kumimoji="1" lang="ja-JP" altLang="en-US"/>
+          </a:p>
+        </p:txBody>
+      </p:sp>
+    </p:spTree>
+    <p:extLst>
+      <p:ext uri="{BB962C8B-B14F-4D97-AF65-F5344CB8AC3E}">
         <p14:creationId xmlns:p14="http://schemas.microsoft.com/office/powerpoint/2010/main" val="172789664"/>
+      </p:ext>
+    </p:extLst>
+  </p:cSld>
+  <p:clrMapOvr>
+    <a:masterClrMapping/>
+  </p:clrMapOvr>
+</p:notes>
+</file>
+
+<file path=ppt/notesSlides/notesSlide4.xml><?xml version="1.0" encoding="utf-8"?>
+<p:notes xmlns:a="http://schemas.openxmlformats.org/drawingml/2006/main" xmlns:r="http://schemas.openxmlformats.org/officeDocument/2006/relationships" xmlns:p="http://schemas.openxmlformats.org/presentationml/2006/main">
+  <p:cSld>
+    <p:spTree>
+      <p:nvGrpSpPr>
+        <p:cNvPr id="1" name=""/>
+        <p:cNvGrpSpPr/>
+        <p:nvPr/>
+      </p:nvGrpSpPr>
+      <p:grpSpPr>
+        <a:xfrm>
+          <a:off x="0" y="0"/>
+          <a:ext cx="0" cy="0"/>
+          <a:chOff x="0" y="0"/>
+          <a:chExt cx="0" cy="0"/>
+        </a:xfrm>
+      </p:grpSpPr>
+      <p:sp>
+        <p:nvSpPr>
+          <p:cNvPr id="2" name="スライド イメージ プレースホルダー 1"/>
+          <p:cNvSpPr>
+            <a:spLocks noGrp="1" noRot="1" noChangeAspect="1"/>
+          </p:cNvSpPr>
+          <p:nvPr>
+            <p:ph type="sldImg"/>
+          </p:nvPr>
+        </p:nvSpPr>
+        <p:spPr/>
+      </p:sp>
+      <p:sp>
+        <p:nvSpPr>
+          <p:cNvPr id="3" name="ノート プレースホルダー 2"/>
+          <p:cNvSpPr>
+            <a:spLocks noGrp="1"/>
+          </p:cNvSpPr>
+          <p:nvPr>
+            <p:ph type="body" idx="1"/>
+          </p:nvPr>
+        </p:nvSpPr>
+        <p:spPr/>
+        <p:txBody>
+          <a:bodyPr/>
+          <a:lstStyle/>
+          <a:p>
+            <a:endParaRPr kumimoji="1" lang="ja-JP" altLang="en-US"/>
+          </a:p>
+        </p:txBody>
+      </p:sp>
+      <p:sp>
+        <p:nvSpPr>
+          <p:cNvPr id="4" name="スライド番号プレースホルダー 3"/>
+          <p:cNvSpPr>
+            <a:spLocks noGrp="1"/>
+          </p:cNvSpPr>
+          <p:nvPr>
+            <p:ph type="sldNum" sz="quarter" idx="5"/>
+          </p:nvPr>
+        </p:nvSpPr>
+        <p:spPr/>
+        <p:txBody>
+          <a:bodyPr/>
+          <a:lstStyle/>
+          <a:p>
+            <a:fld id="{4A2BB725-D884-2B4E-86E1-8CAAD1C4FED5}" type="slidenum">
+              <a:rPr kumimoji="1" lang="ja-JP" altLang="en-US" smtClean="0"/>
+              <a:t>4</a:t>
+            </a:fld>
+            <a:endParaRPr kumimoji="1" lang="ja-JP" altLang="en-US"/>
+          </a:p>
+        </p:txBody>
+      </p:sp>
+    </p:spTree>
+    <p:extLst>
+      <p:ext uri="{BB962C8B-B14F-4D97-AF65-F5344CB8AC3E}">
+        <p14:creationId xmlns:p14="http://schemas.microsoft.com/office/powerpoint/2010/main" val="3935095253"/>
       </p:ext>
     </p:extLst>
   </p:cSld>
@@ -791,7 +966,7 @@
           <a:p>
             <a:fld id="{2AE1D30C-6AA1-F444-A085-A136DDB05B7F}" type="datetimeFigureOut">
               <a:rPr kumimoji="1" lang="ja-JP" altLang="en-US" smtClean="0"/>
-              <a:t>2023/10/15</a:t>
+              <a:t>2023/10/16</a:t>
             </a:fld>
             <a:endParaRPr kumimoji="1" lang="ja-JP" altLang="en-US"/>
           </a:p>
@@ -993,7 +1168,7 @@
           <a:p>
             <a:fld id="{2AE1D30C-6AA1-F444-A085-A136DDB05B7F}" type="datetimeFigureOut">
               <a:rPr kumimoji="1" lang="ja-JP" altLang="en-US" smtClean="0"/>
-              <a:t>2023/10/15</a:t>
+              <a:t>2023/10/16</a:t>
             </a:fld>
             <a:endParaRPr kumimoji="1" lang="ja-JP" altLang="en-US"/>
           </a:p>
@@ -1205,7 +1380,7 @@
           <a:p>
             <a:fld id="{2AE1D30C-6AA1-F444-A085-A136DDB05B7F}" type="datetimeFigureOut">
               <a:rPr kumimoji="1" lang="ja-JP" altLang="en-US" smtClean="0"/>
-              <a:t>2023/10/15</a:t>
+              <a:t>2023/10/16</a:t>
             </a:fld>
             <a:endParaRPr kumimoji="1" lang="ja-JP" altLang="en-US"/>
           </a:p>
@@ -1407,7 +1582,7 @@
           <a:p>
             <a:fld id="{2AE1D30C-6AA1-F444-A085-A136DDB05B7F}" type="datetimeFigureOut">
               <a:rPr kumimoji="1" lang="ja-JP" altLang="en-US" smtClean="0"/>
-              <a:t>2023/10/15</a:t>
+              <a:t>2023/10/16</a:t>
             </a:fld>
             <a:endParaRPr kumimoji="1" lang="ja-JP" altLang="en-US"/>
           </a:p>
@@ -1653,7 +1828,7 @@
           <a:p>
             <a:fld id="{2AE1D30C-6AA1-F444-A085-A136DDB05B7F}" type="datetimeFigureOut">
               <a:rPr kumimoji="1" lang="ja-JP" altLang="en-US" smtClean="0"/>
-              <a:t>2023/10/15</a:t>
+              <a:t>2023/10/16</a:t>
             </a:fld>
             <a:endParaRPr kumimoji="1" lang="ja-JP" altLang="en-US"/>
           </a:p>
@@ -1949,7 +2124,7 @@
           <a:p>
             <a:fld id="{2AE1D30C-6AA1-F444-A085-A136DDB05B7F}" type="datetimeFigureOut">
               <a:rPr kumimoji="1" lang="ja-JP" altLang="en-US" smtClean="0"/>
-              <a:t>2023/10/15</a:t>
+              <a:t>2023/10/16</a:t>
             </a:fld>
             <a:endParaRPr kumimoji="1" lang="ja-JP" altLang="en-US"/>
           </a:p>
@@ -2380,7 +2555,7 @@
           <a:p>
             <a:fld id="{2AE1D30C-6AA1-F444-A085-A136DDB05B7F}" type="datetimeFigureOut">
               <a:rPr kumimoji="1" lang="ja-JP" altLang="en-US" smtClean="0"/>
-              <a:t>2023/10/15</a:t>
+              <a:t>2023/10/16</a:t>
             </a:fld>
             <a:endParaRPr kumimoji="1" lang="ja-JP" altLang="en-US"/>
           </a:p>
@@ -2498,7 +2673,7 @@
           <a:p>
             <a:fld id="{2AE1D30C-6AA1-F444-A085-A136DDB05B7F}" type="datetimeFigureOut">
               <a:rPr kumimoji="1" lang="ja-JP" altLang="en-US" smtClean="0"/>
-              <a:t>2023/10/15</a:t>
+              <a:t>2023/10/16</a:t>
             </a:fld>
             <a:endParaRPr kumimoji="1" lang="ja-JP" altLang="en-US"/>
           </a:p>
@@ -2593,7 +2768,7 @@
           <a:p>
             <a:fld id="{2AE1D30C-6AA1-F444-A085-A136DDB05B7F}" type="datetimeFigureOut">
               <a:rPr kumimoji="1" lang="ja-JP" altLang="en-US" smtClean="0"/>
-              <a:t>2023/10/15</a:t>
+              <a:t>2023/10/16</a:t>
             </a:fld>
             <a:endParaRPr kumimoji="1" lang="ja-JP" altLang="en-US"/>
           </a:p>
@@ -2902,7 +3077,7 @@
           <a:p>
             <a:fld id="{2AE1D30C-6AA1-F444-A085-A136DDB05B7F}" type="datetimeFigureOut">
               <a:rPr kumimoji="1" lang="ja-JP" altLang="en-US" smtClean="0"/>
-              <a:t>2023/10/15</a:t>
+              <a:t>2023/10/16</a:t>
             </a:fld>
             <a:endParaRPr kumimoji="1" lang="ja-JP" altLang="en-US"/>
           </a:p>
@@ -3159,7 +3334,7 @@
           <a:p>
             <a:fld id="{2AE1D30C-6AA1-F444-A085-A136DDB05B7F}" type="datetimeFigureOut">
               <a:rPr kumimoji="1" lang="ja-JP" altLang="en-US" smtClean="0"/>
-              <a:t>2023/10/15</a:t>
+              <a:t>2023/10/16</a:t>
             </a:fld>
             <a:endParaRPr kumimoji="1" lang="ja-JP" altLang="en-US"/>
           </a:p>
@@ -3404,7 +3579,7 @@
           <a:p>
             <a:fld id="{2AE1D30C-6AA1-F444-A085-A136DDB05B7F}" type="datetimeFigureOut">
               <a:rPr kumimoji="1" lang="ja-JP" altLang="en-US" smtClean="0"/>
-              <a:t>2023/10/15</a:t>
+              <a:t>2023/10/16</a:t>
             </a:fld>
             <a:endParaRPr kumimoji="1" lang="ja-JP" altLang="en-US"/>
           </a:p>
@@ -4640,6 +4815,613 @@
         </p:nvGrpSpPr>
         <p:grpSpPr>
           <a:xfrm>
+            <a:off x="720000" y="4689050"/>
+            <a:ext cx="5778671" cy="1442256"/>
+            <a:chOff x="632177" y="4767789"/>
+            <a:chExt cx="5778671" cy="1442256"/>
+          </a:xfrm>
+        </p:grpSpPr>
+        <p:pic>
+          <p:nvPicPr>
+            <p:cNvPr id="24" name="グラフィックス 23">
+              <a:extLst>
+                <a:ext uri="{FF2B5EF4-FFF2-40B4-BE49-F238E27FC236}">
+                  <a16:creationId xmlns:a16="http://schemas.microsoft.com/office/drawing/2014/main" id="{A9089DB6-3D8D-B8ED-75E1-A462088C8A70}"/>
+                </a:ext>
+              </a:extLst>
+            </p:cNvPr>
+            <p:cNvPicPr>
+              <a:picLocks noChangeAspect="1"/>
+            </p:cNvPicPr>
+            <p:nvPr/>
+          </p:nvPicPr>
+          <p:blipFill>
+            <a:blip r:embed="rId4">
+              <a:extLst>
+                <a:ext uri="{96DAC541-7B7A-43D3-8B79-37D633B846F1}">
+                  <asvg:svgBlip xmlns:asvg="http://schemas.microsoft.com/office/drawing/2016/SVG/main" r:embed="rId5"/>
+                </a:ext>
+              </a:extLst>
+            </a:blip>
+            <a:srcRect/>
+            <a:stretch/>
+          </p:blipFill>
+          <p:spPr>
+            <a:xfrm>
+              <a:off x="633047" y="4767789"/>
+              <a:ext cx="360000" cy="360000"/>
+            </a:xfrm>
+            <a:prstGeom prst="rect">
+              <a:avLst/>
+            </a:prstGeom>
+          </p:spPr>
+        </p:pic>
+        <p:pic>
+          <p:nvPicPr>
+            <p:cNvPr id="25" name="グラフィックス 24" descr="校舎 単色塗りつぶし">
+              <a:extLst>
+                <a:ext uri="{FF2B5EF4-FFF2-40B4-BE49-F238E27FC236}">
+                  <a16:creationId xmlns:a16="http://schemas.microsoft.com/office/drawing/2014/main" id="{3249F8CD-CAD7-7F1B-E2BB-864423EC16CC}"/>
+                </a:ext>
+              </a:extLst>
+            </p:cNvPr>
+            <p:cNvPicPr>
+              <a:picLocks noChangeAspect="1"/>
+            </p:cNvPicPr>
+            <p:nvPr/>
+          </p:nvPicPr>
+          <p:blipFill>
+            <a:blip r:embed="rId6">
+              <a:extLst>
+                <a:ext uri="{96DAC541-7B7A-43D3-8B79-37D633B846F1}">
+                  <asvg:svgBlip xmlns:asvg="http://schemas.microsoft.com/office/drawing/2016/SVG/main" r:embed="rId7"/>
+                </a:ext>
+              </a:extLst>
+            </a:blip>
+            <a:srcRect/>
+            <a:stretch/>
+          </p:blipFill>
+          <p:spPr>
+            <a:xfrm>
+              <a:off x="633047" y="5469949"/>
+              <a:ext cx="360000" cy="360000"/>
+            </a:xfrm>
+            <a:prstGeom prst="rect">
+              <a:avLst/>
+            </a:prstGeom>
+          </p:spPr>
+        </p:pic>
+        <p:pic>
+          <p:nvPicPr>
+            <p:cNvPr id="26" name="グラフィックス 25" descr="マーカー 単色塗りつぶし">
+              <a:extLst>
+                <a:ext uri="{FF2B5EF4-FFF2-40B4-BE49-F238E27FC236}">
+                  <a16:creationId xmlns:a16="http://schemas.microsoft.com/office/drawing/2014/main" id="{5F418B13-FFA6-807C-4553-BC4209BA1D78}"/>
+                </a:ext>
+              </a:extLst>
+            </p:cNvPr>
+            <p:cNvPicPr>
+              <a:picLocks noChangeAspect="1"/>
+            </p:cNvPicPr>
+            <p:nvPr/>
+          </p:nvPicPr>
+          <p:blipFill>
+            <a:blip r:embed="rId8">
+              <a:extLst>
+                <a:ext uri="{96DAC541-7B7A-43D3-8B79-37D633B846F1}">
+                  <asvg:svgBlip xmlns:asvg="http://schemas.microsoft.com/office/drawing/2016/SVG/main" r:embed="rId9"/>
+                </a:ext>
+              </a:extLst>
+            </a:blip>
+            <a:srcRect/>
+            <a:stretch/>
+          </p:blipFill>
+          <p:spPr>
+            <a:xfrm>
+              <a:off x="632177" y="5850045"/>
+              <a:ext cx="360000" cy="360000"/>
+            </a:xfrm>
+            <a:prstGeom prst="rect">
+              <a:avLst/>
+            </a:prstGeom>
+          </p:spPr>
+        </p:pic>
+        <p:pic>
+          <p:nvPicPr>
+            <p:cNvPr id="27" name="グラフィックス 26" descr="世界 単色塗りつぶし">
+              <a:extLst>
+                <a:ext uri="{FF2B5EF4-FFF2-40B4-BE49-F238E27FC236}">
+                  <a16:creationId xmlns:a16="http://schemas.microsoft.com/office/drawing/2014/main" id="{8EA172B0-8971-E567-5B5E-57E1088DCD63}"/>
+                </a:ext>
+              </a:extLst>
+            </p:cNvPr>
+            <p:cNvPicPr>
+              <a:picLocks noChangeAspect="1"/>
+            </p:cNvPicPr>
+            <p:nvPr/>
+          </p:nvPicPr>
+          <p:blipFill>
+            <a:blip r:embed="rId10">
+              <a:extLst>
+                <a:ext uri="{96DAC541-7B7A-43D3-8B79-37D633B846F1}">
+                  <asvg:svgBlip xmlns:asvg="http://schemas.microsoft.com/office/drawing/2016/SVG/main" r:embed="rId11"/>
+                </a:ext>
+              </a:extLst>
+            </a:blip>
+            <a:srcRect/>
+            <a:stretch/>
+          </p:blipFill>
+          <p:spPr>
+            <a:xfrm>
+              <a:off x="633047" y="5147884"/>
+              <a:ext cx="360000" cy="360000"/>
+            </a:xfrm>
+            <a:prstGeom prst="rect">
+              <a:avLst/>
+            </a:prstGeom>
+          </p:spPr>
+        </p:pic>
+        <p:sp>
+          <p:nvSpPr>
+            <p:cNvPr id="29" name="正方形/長方形 28">
+              <a:extLst>
+                <a:ext uri="{FF2B5EF4-FFF2-40B4-BE49-F238E27FC236}">
+                  <a16:creationId xmlns:a16="http://schemas.microsoft.com/office/drawing/2014/main" id="{8DC38EF7-5548-F959-64B1-E3BC4BA54357}"/>
+                </a:ext>
+              </a:extLst>
+            </p:cNvPr>
+            <p:cNvSpPr/>
+            <p:nvPr/>
+          </p:nvSpPr>
+          <p:spPr>
+            <a:xfrm>
+              <a:off x="992177" y="4767789"/>
+              <a:ext cx="3516123" cy="360000"/>
+            </a:xfrm>
+            <a:prstGeom prst="rect">
+              <a:avLst/>
+            </a:prstGeom>
+            <a:noFill/>
+            <a:ln>
+              <a:noFill/>
+            </a:ln>
+          </p:spPr>
+          <p:style>
+            <a:lnRef idx="2">
+              <a:schemeClr val="accent1">
+                <a:shade val="15000"/>
+              </a:schemeClr>
+            </a:lnRef>
+            <a:fillRef idx="1">
+              <a:schemeClr val="accent1"/>
+            </a:fillRef>
+            <a:effectRef idx="0">
+              <a:schemeClr val="accent1"/>
+            </a:effectRef>
+            <a:fontRef idx="minor">
+              <a:schemeClr val="lt1"/>
+            </a:fontRef>
+          </p:style>
+          <p:txBody>
+            <a:bodyPr rtlCol="0" anchor="ctr"/>
+            <a:lstStyle/>
+            <a:p>
+              <a:r>
+                <a:rPr kumimoji="1" lang="en-US" altLang="ja-JP" sz="1400" dirty="0">
+                  <a:solidFill>
+                    <a:srgbClr val="323232"/>
+                  </a:solidFill>
+                  <a:latin typeface="Yu Gothic" panose="020B0400000000000000" pitchFamily="34" charset="-128"/>
+                  <a:ea typeface="Yu Gothic" panose="020B0400000000000000" pitchFamily="34" charset="-128"/>
+                </a:rPr>
+                <a:t>ichikawa.masanari.18@shizuoka.ac.jp</a:t>
+              </a:r>
+              <a:endParaRPr kumimoji="1" lang="ja-JP" altLang="en-US" sz="1400">
+                <a:solidFill>
+                  <a:srgbClr val="323232"/>
+                </a:solidFill>
+                <a:latin typeface="Yu Gothic" panose="020B0400000000000000" pitchFamily="34" charset="-128"/>
+                <a:ea typeface="Yu Gothic" panose="020B0400000000000000" pitchFamily="34" charset="-128"/>
+              </a:endParaRPr>
+            </a:p>
+          </p:txBody>
+        </p:sp>
+        <p:sp>
+          <p:nvSpPr>
+            <p:cNvPr id="30" name="正方形/長方形 29">
+              <a:extLst>
+                <a:ext uri="{FF2B5EF4-FFF2-40B4-BE49-F238E27FC236}">
+                  <a16:creationId xmlns:a16="http://schemas.microsoft.com/office/drawing/2014/main" id="{4ADBFF52-46C6-336B-AC3E-0478F7A04414}"/>
+                </a:ext>
+              </a:extLst>
+            </p:cNvPr>
+            <p:cNvSpPr/>
+            <p:nvPr/>
+          </p:nvSpPr>
+          <p:spPr>
+            <a:xfrm>
+              <a:off x="992177" y="5147884"/>
+              <a:ext cx="2184611" cy="360000"/>
+            </a:xfrm>
+            <a:prstGeom prst="rect">
+              <a:avLst/>
+            </a:prstGeom>
+            <a:noFill/>
+            <a:ln>
+              <a:noFill/>
+            </a:ln>
+          </p:spPr>
+          <p:style>
+            <a:lnRef idx="2">
+              <a:schemeClr val="accent1">
+                <a:shade val="15000"/>
+              </a:schemeClr>
+            </a:lnRef>
+            <a:fillRef idx="1">
+              <a:schemeClr val="accent1"/>
+            </a:fillRef>
+            <a:effectRef idx="0">
+              <a:schemeClr val="accent1"/>
+            </a:effectRef>
+            <a:fontRef idx="minor">
+              <a:schemeClr val="lt1"/>
+            </a:fontRef>
+          </p:style>
+          <p:txBody>
+            <a:bodyPr rtlCol="0" anchor="ctr"/>
+            <a:lstStyle/>
+            <a:p>
+              <a:r>
+                <a:rPr kumimoji="1" lang="en-US" altLang="ja-JP" sz="1400" dirty="0" err="1">
+                  <a:solidFill>
+                    <a:srgbClr val="323232"/>
+                  </a:solidFill>
+                  <a:latin typeface="Yu Gothic" panose="020B0400000000000000" pitchFamily="34" charset="-128"/>
+                  <a:ea typeface="Yu Gothic" panose="020B0400000000000000" pitchFamily="34" charset="-128"/>
+                </a:rPr>
+                <a:t>masanarius.github.io</a:t>
+              </a:r>
+              <a:endParaRPr kumimoji="1" lang="ja-JP" altLang="en-US" sz="1400">
+                <a:solidFill>
+                  <a:srgbClr val="323232"/>
+                </a:solidFill>
+                <a:latin typeface="Yu Gothic" panose="020B0400000000000000" pitchFamily="34" charset="-128"/>
+                <a:ea typeface="Yu Gothic" panose="020B0400000000000000" pitchFamily="34" charset="-128"/>
+              </a:endParaRPr>
+            </a:p>
+          </p:txBody>
+        </p:sp>
+        <p:sp>
+          <p:nvSpPr>
+            <p:cNvPr id="31" name="正方形/長方形 30">
+              <a:extLst>
+                <a:ext uri="{FF2B5EF4-FFF2-40B4-BE49-F238E27FC236}">
+                  <a16:creationId xmlns:a16="http://schemas.microsoft.com/office/drawing/2014/main" id="{64134785-DC12-EF74-25B7-1582113EA464}"/>
+                </a:ext>
+              </a:extLst>
+            </p:cNvPr>
+            <p:cNvSpPr/>
+            <p:nvPr/>
+          </p:nvSpPr>
+          <p:spPr>
+            <a:xfrm>
+              <a:off x="993047" y="5469949"/>
+              <a:ext cx="4677925" cy="360000"/>
+            </a:xfrm>
+            <a:prstGeom prst="rect">
+              <a:avLst/>
+            </a:prstGeom>
+            <a:noFill/>
+            <a:ln>
+              <a:noFill/>
+            </a:ln>
+          </p:spPr>
+          <p:style>
+            <a:lnRef idx="2">
+              <a:schemeClr val="accent1">
+                <a:shade val="15000"/>
+              </a:schemeClr>
+            </a:lnRef>
+            <a:fillRef idx="1">
+              <a:schemeClr val="accent1"/>
+            </a:fillRef>
+            <a:effectRef idx="0">
+              <a:schemeClr val="accent1"/>
+            </a:effectRef>
+            <a:fontRef idx="minor">
+              <a:schemeClr val="lt1"/>
+            </a:fontRef>
+          </p:style>
+          <p:txBody>
+            <a:bodyPr rtlCol="0" anchor="ctr"/>
+            <a:lstStyle/>
+            <a:p>
+              <a:r>
+                <a:rPr kumimoji="1" lang="ja-JP" altLang="en-US" sz="1400">
+                  <a:solidFill>
+                    <a:srgbClr val="323232"/>
+                  </a:solidFill>
+                  <a:latin typeface="Yu Gothic" panose="020B0400000000000000" pitchFamily="34" charset="-128"/>
+                  <a:ea typeface="Yu Gothic" panose="020B0400000000000000" pitchFamily="34" charset="-128"/>
+                </a:rPr>
+                <a:t>静岡大学大学院</a:t>
+              </a:r>
+              <a:r>
+                <a:rPr kumimoji="1" lang="en-US" altLang="ja-JP" sz="1400" dirty="0">
+                  <a:solidFill>
+                    <a:srgbClr val="323232"/>
+                  </a:solidFill>
+                  <a:latin typeface="Yu Gothic" panose="020B0400000000000000" pitchFamily="34" charset="-128"/>
+                  <a:ea typeface="Yu Gothic" panose="020B0400000000000000" pitchFamily="34" charset="-128"/>
+                </a:rPr>
+                <a:t> </a:t>
+              </a:r>
+              <a:r>
+                <a:rPr kumimoji="1" lang="ja-JP" altLang="en-US" sz="1400">
+                  <a:solidFill>
+                    <a:srgbClr val="323232"/>
+                  </a:solidFill>
+                  <a:latin typeface="Yu Gothic" panose="020B0400000000000000" pitchFamily="34" charset="-128"/>
+                  <a:ea typeface="Yu Gothic" panose="020B0400000000000000" pitchFamily="34" charset="-128"/>
+                </a:rPr>
+                <a:t>総合科学技術研究科</a:t>
+              </a:r>
+            </a:p>
+          </p:txBody>
+        </p:sp>
+        <p:sp>
+          <p:nvSpPr>
+            <p:cNvPr id="32" name="正方形/長方形 31">
+              <a:extLst>
+                <a:ext uri="{FF2B5EF4-FFF2-40B4-BE49-F238E27FC236}">
+                  <a16:creationId xmlns:a16="http://schemas.microsoft.com/office/drawing/2014/main" id="{EA986BD9-00F0-F245-F8E0-1E472116D0EB}"/>
+                </a:ext>
+              </a:extLst>
+            </p:cNvPr>
+            <p:cNvSpPr/>
+            <p:nvPr/>
+          </p:nvSpPr>
+          <p:spPr>
+            <a:xfrm>
+              <a:off x="992177" y="5850045"/>
+              <a:ext cx="5418671" cy="360000"/>
+            </a:xfrm>
+            <a:prstGeom prst="rect">
+              <a:avLst/>
+            </a:prstGeom>
+            <a:noFill/>
+            <a:ln>
+              <a:noFill/>
+            </a:ln>
+          </p:spPr>
+          <p:style>
+            <a:lnRef idx="2">
+              <a:schemeClr val="accent1">
+                <a:shade val="15000"/>
+              </a:schemeClr>
+            </a:lnRef>
+            <a:fillRef idx="1">
+              <a:schemeClr val="accent1"/>
+            </a:fillRef>
+            <a:effectRef idx="0">
+              <a:schemeClr val="accent1"/>
+            </a:effectRef>
+            <a:fontRef idx="minor">
+              <a:schemeClr val="lt1"/>
+            </a:fontRef>
+          </p:style>
+          <p:txBody>
+            <a:bodyPr rtlCol="0" anchor="ctr"/>
+            <a:lstStyle/>
+            <a:p>
+              <a:r>
+                <a:rPr kumimoji="1" lang="ja-JP" altLang="en-US" sz="1400">
+                  <a:solidFill>
+                    <a:srgbClr val="323232"/>
+                  </a:solidFill>
+                  <a:latin typeface="Yu Gothic" panose="020B0400000000000000" pitchFamily="34" charset="-128"/>
+                  <a:ea typeface="Yu Gothic" panose="020B0400000000000000" pitchFamily="34" charset="-128"/>
+                </a:rPr>
+                <a:t>〒</a:t>
+              </a:r>
+              <a:r>
+                <a:rPr kumimoji="1" lang="en-US" altLang="ja-JP" sz="1400" dirty="0">
+                  <a:solidFill>
+                    <a:srgbClr val="323232"/>
+                  </a:solidFill>
+                  <a:latin typeface="Yu Gothic" panose="020B0400000000000000" pitchFamily="34" charset="-128"/>
+                  <a:ea typeface="Yu Gothic" panose="020B0400000000000000" pitchFamily="34" charset="-128"/>
+                </a:rPr>
+                <a:t>432-8011 </a:t>
+              </a:r>
+              <a:r>
+                <a:rPr kumimoji="1" lang="ja-JP" altLang="en-US" sz="1400">
+                  <a:solidFill>
+                    <a:srgbClr val="323232"/>
+                  </a:solidFill>
+                  <a:latin typeface="Yu Gothic" panose="020B0400000000000000" pitchFamily="34" charset="-128"/>
+                  <a:ea typeface="Yu Gothic" panose="020B0400000000000000" pitchFamily="34" charset="-128"/>
+                </a:rPr>
+                <a:t>静岡県浜松市中区城北</a:t>
+              </a:r>
+              <a:r>
+                <a:rPr kumimoji="1" lang="en-US" altLang="ja-JP" sz="1400" dirty="0">
+                  <a:solidFill>
+                    <a:srgbClr val="323232"/>
+                  </a:solidFill>
+                  <a:latin typeface="Yu Gothic" panose="020B0400000000000000" pitchFamily="34" charset="-128"/>
+                  <a:ea typeface="Yu Gothic" panose="020B0400000000000000" pitchFamily="34" charset="-128"/>
+                </a:rPr>
+                <a:t>3-5-1 </a:t>
+              </a:r>
+              <a:r>
+                <a:rPr kumimoji="1" lang="ja-JP" altLang="en-US" sz="1400">
+                  <a:solidFill>
+                    <a:srgbClr val="323232"/>
+                  </a:solidFill>
+                  <a:latin typeface="Yu Gothic" panose="020B0400000000000000" pitchFamily="34" charset="-128"/>
+                  <a:ea typeface="Yu Gothic" panose="020B0400000000000000" pitchFamily="34" charset="-128"/>
+                </a:rPr>
+                <a:t>静岡大学浜松キャンパス</a:t>
+              </a:r>
+            </a:p>
+          </p:txBody>
+        </p:sp>
+      </p:grpSp>
+    </p:spTree>
+    <p:extLst>
+      <p:ext uri="{BB962C8B-B14F-4D97-AF65-F5344CB8AC3E}">
+        <p14:creationId xmlns:p14="http://schemas.microsoft.com/office/powerpoint/2010/main" val="3886938332"/>
+      </p:ext>
+    </p:extLst>
+  </p:cSld>
+  <p:clrMapOvr>
+    <a:masterClrMapping/>
+  </p:clrMapOvr>
+</p:sld>
+</file>
+
+<file path=ppt/slides/slide3.xml><?xml version="1.0" encoding="utf-8"?>
+<p:sld xmlns:a="http://schemas.openxmlformats.org/drawingml/2006/main" xmlns:r="http://schemas.openxmlformats.org/officeDocument/2006/relationships" xmlns:p="http://schemas.openxmlformats.org/presentationml/2006/main">
+  <p:cSld>
+    <p:spTree>
+      <p:nvGrpSpPr>
+        <p:cNvPr id="1" name=""/>
+        <p:cNvGrpSpPr/>
+        <p:nvPr/>
+      </p:nvGrpSpPr>
+      <p:grpSpPr>
+        <a:xfrm>
+          <a:off x="0" y="0"/>
+          <a:ext cx="0" cy="0"/>
+          <a:chOff x="0" y="0"/>
+          <a:chExt cx="0" cy="0"/>
+        </a:xfrm>
+      </p:grpSpPr>
+      <p:sp>
+        <p:nvSpPr>
+          <p:cNvPr id="4" name="正方形/長方形 3">
+            <a:extLst>
+              <a:ext uri="{FF2B5EF4-FFF2-40B4-BE49-F238E27FC236}">
+                <a16:creationId xmlns:a16="http://schemas.microsoft.com/office/drawing/2014/main" id="{BD75CB29-FDF1-04EA-CBCC-0405FD653C22}"/>
+              </a:ext>
+            </a:extLst>
+          </p:cNvPr>
+          <p:cNvSpPr/>
+          <p:nvPr/>
+        </p:nvSpPr>
+        <p:spPr>
+          <a:xfrm>
+            <a:off x="720000" y="2519002"/>
+            <a:ext cx="5336108" cy="1440000"/>
+          </a:xfrm>
+          <a:prstGeom prst="rect">
+            <a:avLst/>
+          </a:prstGeom>
+          <a:noFill/>
+          <a:ln>
+            <a:noFill/>
+          </a:ln>
+        </p:spPr>
+        <p:style>
+          <a:lnRef idx="2">
+            <a:schemeClr val="accent1">
+              <a:shade val="15000"/>
+            </a:schemeClr>
+          </a:lnRef>
+          <a:fillRef idx="1">
+            <a:schemeClr val="accent1"/>
+          </a:fillRef>
+          <a:effectRef idx="0">
+            <a:schemeClr val="accent1"/>
+          </a:effectRef>
+          <a:fontRef idx="minor">
+            <a:schemeClr val="lt1"/>
+          </a:fontRef>
+        </p:style>
+        <p:txBody>
+          <a:bodyPr rtlCol="0" anchor="ctr"/>
+          <a:lstStyle/>
+          <a:p>
+            <a:r>
+              <a:rPr kumimoji="1" lang="ja-JP" altLang="en-US" sz="6000">
+                <a:solidFill>
+                  <a:srgbClr val="323232"/>
+                </a:solidFill>
+                <a:latin typeface="+mn-ea"/>
+              </a:rPr>
+              <a:t>市 川  雅 也</a:t>
+            </a:r>
+            <a:endParaRPr kumimoji="1" lang="en-US" altLang="ja-JP" sz="6000" dirty="0">
+              <a:solidFill>
+                <a:srgbClr val="323232"/>
+              </a:solidFill>
+              <a:latin typeface="+mn-ea"/>
+            </a:endParaRPr>
+          </a:p>
+          <a:p>
+            <a:r>
+              <a:rPr kumimoji="1" lang="en-US" altLang="ja-JP" sz="2400" dirty="0">
+                <a:solidFill>
+                  <a:srgbClr val="323232"/>
+                </a:solidFill>
+                <a:latin typeface="+mn-ea"/>
+              </a:rPr>
+              <a:t>Masanari Ichikawa</a:t>
+            </a:r>
+            <a:endParaRPr kumimoji="1" lang="ja-JP" altLang="en-US" sz="2400">
+              <a:solidFill>
+                <a:srgbClr val="323232"/>
+              </a:solidFill>
+              <a:latin typeface="+mn-ea"/>
+            </a:endParaRPr>
+          </a:p>
+        </p:txBody>
+      </p:sp>
+      <p:pic>
+        <p:nvPicPr>
+          <p:cNvPr id="22" name="図 21" descr="ロゴ, アイコン&#10;&#10;自動的に生成された説明">
+            <a:extLst>
+              <a:ext uri="{FF2B5EF4-FFF2-40B4-BE49-F238E27FC236}">
+                <a16:creationId xmlns:a16="http://schemas.microsoft.com/office/drawing/2014/main" id="{00E652C2-BC75-0D52-B948-5F1F7C11B34B}"/>
+              </a:ext>
+            </a:extLst>
+          </p:cNvPr>
+          <p:cNvPicPr>
+            <a:picLocks noChangeAspect="1"/>
+          </p:cNvPicPr>
+          <p:nvPr/>
+        </p:nvPicPr>
+        <p:blipFill>
+          <a:blip r:embed="rId3"/>
+          <a:stretch>
+            <a:fillRect/>
+          </a:stretch>
+        </p:blipFill>
+        <p:spPr>
+          <a:xfrm>
+            <a:off x="9356851" y="719002"/>
+            <a:ext cx="1447273" cy="1440000"/>
+          </a:xfrm>
+          <a:prstGeom prst="rect">
+            <a:avLst/>
+          </a:prstGeom>
+        </p:spPr>
+      </p:pic>
+      <p:grpSp>
+        <p:nvGrpSpPr>
+          <p:cNvPr id="33" name="グループ化 32">
+            <a:extLst>
+              <a:ext uri="{FF2B5EF4-FFF2-40B4-BE49-F238E27FC236}">
+                <a16:creationId xmlns:a16="http://schemas.microsoft.com/office/drawing/2014/main" id="{C1BC0DFF-D215-2EAC-05E9-C95DD8AEA35F}"/>
+              </a:ext>
+            </a:extLst>
+          </p:cNvPr>
+          <p:cNvGrpSpPr/>
+          <p:nvPr/>
+        </p:nvGrpSpPr>
+        <p:grpSpPr>
+          <a:xfrm>
             <a:off x="720000" y="4308954"/>
             <a:ext cx="5778671" cy="1822352"/>
             <a:chOff x="632177" y="4387693"/>
@@ -5191,6 +5973,607 @@
     <p:extLst>
       <p:ext uri="{BB962C8B-B14F-4D97-AF65-F5344CB8AC3E}">
         <p14:creationId xmlns:p14="http://schemas.microsoft.com/office/powerpoint/2010/main" val="3988130299"/>
+      </p:ext>
+    </p:extLst>
+  </p:cSld>
+  <p:clrMapOvr>
+    <a:masterClrMapping/>
+  </p:clrMapOvr>
+</p:sld>
+</file>
+
+<file path=ppt/slides/slide4.xml><?xml version="1.0" encoding="utf-8"?>
+<p:sld xmlns:a="http://schemas.openxmlformats.org/drawingml/2006/main" xmlns:r="http://schemas.openxmlformats.org/officeDocument/2006/relationships" xmlns:p="http://schemas.openxmlformats.org/presentationml/2006/main">
+  <p:cSld>
+    <p:spTree>
+      <p:nvGrpSpPr>
+        <p:cNvPr id="1" name=""/>
+        <p:cNvGrpSpPr/>
+        <p:nvPr/>
+      </p:nvGrpSpPr>
+      <p:grpSpPr>
+        <a:xfrm>
+          <a:off x="0" y="0"/>
+          <a:ext cx="0" cy="0"/>
+          <a:chOff x="0" y="0"/>
+          <a:chExt cx="0" cy="0"/>
+        </a:xfrm>
+      </p:grpSpPr>
+      <p:sp>
+        <p:nvSpPr>
+          <p:cNvPr id="4" name="正方形/長方形 3">
+            <a:extLst>
+              <a:ext uri="{FF2B5EF4-FFF2-40B4-BE49-F238E27FC236}">
+                <a16:creationId xmlns:a16="http://schemas.microsoft.com/office/drawing/2014/main" id="{BD75CB29-FDF1-04EA-CBCC-0405FD653C22}"/>
+              </a:ext>
+            </a:extLst>
+          </p:cNvPr>
+          <p:cNvSpPr/>
+          <p:nvPr/>
+        </p:nvSpPr>
+        <p:spPr>
+          <a:xfrm>
+            <a:off x="720000" y="2519002"/>
+            <a:ext cx="5336108" cy="1440000"/>
+          </a:xfrm>
+          <a:prstGeom prst="rect">
+            <a:avLst/>
+          </a:prstGeom>
+          <a:noFill/>
+          <a:ln>
+            <a:noFill/>
+          </a:ln>
+        </p:spPr>
+        <p:style>
+          <a:lnRef idx="2">
+            <a:schemeClr val="accent1">
+              <a:shade val="15000"/>
+            </a:schemeClr>
+          </a:lnRef>
+          <a:fillRef idx="1">
+            <a:schemeClr val="accent1"/>
+          </a:fillRef>
+          <a:effectRef idx="0">
+            <a:schemeClr val="accent1"/>
+          </a:effectRef>
+          <a:fontRef idx="minor">
+            <a:schemeClr val="lt1"/>
+          </a:fontRef>
+        </p:style>
+        <p:txBody>
+          <a:bodyPr rtlCol="0" anchor="ctr"/>
+          <a:lstStyle/>
+          <a:p>
+            <a:r>
+              <a:rPr kumimoji="1" lang="ja-JP" altLang="en-US" sz="6000">
+                <a:solidFill>
+                  <a:srgbClr val="323232"/>
+                </a:solidFill>
+                <a:latin typeface="+mn-ea"/>
+              </a:rPr>
+              <a:t>市 川  雅 也</a:t>
+            </a:r>
+            <a:endParaRPr kumimoji="1" lang="en-US" altLang="ja-JP" sz="6000" dirty="0">
+              <a:solidFill>
+                <a:srgbClr val="323232"/>
+              </a:solidFill>
+              <a:latin typeface="+mn-ea"/>
+            </a:endParaRPr>
+          </a:p>
+          <a:p>
+            <a:r>
+              <a:rPr kumimoji="1" lang="en-US" altLang="ja-JP" sz="2400" dirty="0">
+                <a:solidFill>
+                  <a:srgbClr val="323232"/>
+                </a:solidFill>
+                <a:latin typeface="+mn-ea"/>
+              </a:rPr>
+              <a:t>Masanari Ichikawa</a:t>
+            </a:r>
+            <a:endParaRPr kumimoji="1" lang="ja-JP" altLang="en-US" sz="2400">
+              <a:solidFill>
+                <a:srgbClr val="323232"/>
+              </a:solidFill>
+              <a:latin typeface="+mn-ea"/>
+            </a:endParaRPr>
+          </a:p>
+        </p:txBody>
+      </p:sp>
+      <p:pic>
+        <p:nvPicPr>
+          <p:cNvPr id="22" name="図 21" descr="ロゴ, アイコン&#10;&#10;自動的に生成された説明">
+            <a:extLst>
+              <a:ext uri="{FF2B5EF4-FFF2-40B4-BE49-F238E27FC236}">
+                <a16:creationId xmlns:a16="http://schemas.microsoft.com/office/drawing/2014/main" id="{00E652C2-BC75-0D52-B948-5F1F7C11B34B}"/>
+              </a:ext>
+            </a:extLst>
+          </p:cNvPr>
+          <p:cNvPicPr>
+            <a:picLocks noChangeAspect="1"/>
+          </p:cNvPicPr>
+          <p:nvPr/>
+        </p:nvPicPr>
+        <p:blipFill>
+          <a:blip r:embed="rId3"/>
+          <a:stretch>
+            <a:fillRect/>
+          </a:stretch>
+        </p:blipFill>
+        <p:spPr>
+          <a:xfrm>
+            <a:off x="9356851" y="719002"/>
+            <a:ext cx="1447273" cy="1440000"/>
+          </a:xfrm>
+          <a:prstGeom prst="rect">
+            <a:avLst/>
+          </a:prstGeom>
+        </p:spPr>
+      </p:pic>
+      <p:grpSp>
+        <p:nvGrpSpPr>
+          <p:cNvPr id="33" name="グループ化 32">
+            <a:extLst>
+              <a:ext uri="{FF2B5EF4-FFF2-40B4-BE49-F238E27FC236}">
+                <a16:creationId xmlns:a16="http://schemas.microsoft.com/office/drawing/2014/main" id="{C1BC0DFF-D215-2EAC-05E9-C95DD8AEA35F}"/>
+              </a:ext>
+            </a:extLst>
+          </p:cNvPr>
+          <p:cNvGrpSpPr/>
+          <p:nvPr/>
+        </p:nvGrpSpPr>
+        <p:grpSpPr>
+          <a:xfrm>
+            <a:off x="720000" y="4689050"/>
+            <a:ext cx="5778671" cy="1442256"/>
+            <a:chOff x="632177" y="4767789"/>
+            <a:chExt cx="5778671" cy="1442256"/>
+          </a:xfrm>
+        </p:grpSpPr>
+        <p:pic>
+          <p:nvPicPr>
+            <p:cNvPr id="24" name="グラフィックス 23">
+              <a:extLst>
+                <a:ext uri="{FF2B5EF4-FFF2-40B4-BE49-F238E27FC236}">
+                  <a16:creationId xmlns:a16="http://schemas.microsoft.com/office/drawing/2014/main" id="{A9089DB6-3D8D-B8ED-75E1-A462088C8A70}"/>
+                </a:ext>
+              </a:extLst>
+            </p:cNvPr>
+            <p:cNvPicPr>
+              <a:picLocks noChangeAspect="1"/>
+            </p:cNvPicPr>
+            <p:nvPr/>
+          </p:nvPicPr>
+          <p:blipFill>
+            <a:blip r:embed="rId4">
+              <a:extLst>
+                <a:ext uri="{96DAC541-7B7A-43D3-8B79-37D633B846F1}">
+                  <asvg:svgBlip xmlns:asvg="http://schemas.microsoft.com/office/drawing/2016/SVG/main" r:embed="rId5"/>
+                </a:ext>
+              </a:extLst>
+            </a:blip>
+            <a:srcRect/>
+            <a:stretch/>
+          </p:blipFill>
+          <p:spPr>
+            <a:xfrm>
+              <a:off x="633047" y="4767789"/>
+              <a:ext cx="360000" cy="360000"/>
+            </a:xfrm>
+            <a:prstGeom prst="rect">
+              <a:avLst/>
+            </a:prstGeom>
+          </p:spPr>
+        </p:pic>
+        <p:pic>
+          <p:nvPicPr>
+            <p:cNvPr id="25" name="グラフィックス 24" descr="校舎 単色塗りつぶし">
+              <a:extLst>
+                <a:ext uri="{FF2B5EF4-FFF2-40B4-BE49-F238E27FC236}">
+                  <a16:creationId xmlns:a16="http://schemas.microsoft.com/office/drawing/2014/main" id="{3249F8CD-CAD7-7F1B-E2BB-864423EC16CC}"/>
+                </a:ext>
+              </a:extLst>
+            </p:cNvPr>
+            <p:cNvPicPr>
+              <a:picLocks noChangeAspect="1"/>
+            </p:cNvPicPr>
+            <p:nvPr/>
+          </p:nvPicPr>
+          <p:blipFill>
+            <a:blip r:embed="rId6">
+              <a:extLst>
+                <a:ext uri="{96DAC541-7B7A-43D3-8B79-37D633B846F1}">
+                  <asvg:svgBlip xmlns:asvg="http://schemas.microsoft.com/office/drawing/2016/SVG/main" r:embed="rId7"/>
+                </a:ext>
+              </a:extLst>
+            </a:blip>
+            <a:srcRect/>
+            <a:stretch/>
+          </p:blipFill>
+          <p:spPr>
+            <a:xfrm>
+              <a:off x="633047" y="5469949"/>
+              <a:ext cx="360000" cy="360000"/>
+            </a:xfrm>
+            <a:prstGeom prst="rect">
+              <a:avLst/>
+            </a:prstGeom>
+          </p:spPr>
+        </p:pic>
+        <p:pic>
+          <p:nvPicPr>
+            <p:cNvPr id="26" name="グラフィックス 25" descr="マーカー 単色塗りつぶし">
+              <a:extLst>
+                <a:ext uri="{FF2B5EF4-FFF2-40B4-BE49-F238E27FC236}">
+                  <a16:creationId xmlns:a16="http://schemas.microsoft.com/office/drawing/2014/main" id="{5F418B13-FFA6-807C-4553-BC4209BA1D78}"/>
+                </a:ext>
+              </a:extLst>
+            </p:cNvPr>
+            <p:cNvPicPr>
+              <a:picLocks noChangeAspect="1"/>
+            </p:cNvPicPr>
+            <p:nvPr/>
+          </p:nvPicPr>
+          <p:blipFill>
+            <a:blip r:embed="rId8">
+              <a:extLst>
+                <a:ext uri="{96DAC541-7B7A-43D3-8B79-37D633B846F1}">
+                  <asvg:svgBlip xmlns:asvg="http://schemas.microsoft.com/office/drawing/2016/SVG/main" r:embed="rId9"/>
+                </a:ext>
+              </a:extLst>
+            </a:blip>
+            <a:srcRect/>
+            <a:stretch/>
+          </p:blipFill>
+          <p:spPr>
+            <a:xfrm>
+              <a:off x="632177" y="5850045"/>
+              <a:ext cx="360000" cy="360000"/>
+            </a:xfrm>
+            <a:prstGeom prst="rect">
+              <a:avLst/>
+            </a:prstGeom>
+          </p:spPr>
+        </p:pic>
+        <p:pic>
+          <p:nvPicPr>
+            <p:cNvPr id="27" name="グラフィックス 26" descr="世界 単色塗りつぶし">
+              <a:extLst>
+                <a:ext uri="{FF2B5EF4-FFF2-40B4-BE49-F238E27FC236}">
+                  <a16:creationId xmlns:a16="http://schemas.microsoft.com/office/drawing/2014/main" id="{8EA172B0-8971-E567-5B5E-57E1088DCD63}"/>
+                </a:ext>
+              </a:extLst>
+            </p:cNvPr>
+            <p:cNvPicPr>
+              <a:picLocks noChangeAspect="1"/>
+            </p:cNvPicPr>
+            <p:nvPr/>
+          </p:nvPicPr>
+          <p:blipFill>
+            <a:blip r:embed="rId10">
+              <a:extLst>
+                <a:ext uri="{96DAC541-7B7A-43D3-8B79-37D633B846F1}">
+                  <asvg:svgBlip xmlns:asvg="http://schemas.microsoft.com/office/drawing/2016/SVG/main" r:embed="rId11"/>
+                </a:ext>
+              </a:extLst>
+            </a:blip>
+            <a:srcRect/>
+            <a:stretch/>
+          </p:blipFill>
+          <p:spPr>
+            <a:xfrm>
+              <a:off x="633047" y="5147884"/>
+              <a:ext cx="360000" cy="360000"/>
+            </a:xfrm>
+            <a:prstGeom prst="rect">
+              <a:avLst/>
+            </a:prstGeom>
+          </p:spPr>
+        </p:pic>
+        <p:sp>
+          <p:nvSpPr>
+            <p:cNvPr id="29" name="正方形/長方形 28">
+              <a:extLst>
+                <a:ext uri="{FF2B5EF4-FFF2-40B4-BE49-F238E27FC236}">
+                  <a16:creationId xmlns:a16="http://schemas.microsoft.com/office/drawing/2014/main" id="{8DC38EF7-5548-F959-64B1-E3BC4BA54357}"/>
+                </a:ext>
+              </a:extLst>
+            </p:cNvPr>
+            <p:cNvSpPr/>
+            <p:nvPr/>
+          </p:nvSpPr>
+          <p:spPr>
+            <a:xfrm>
+              <a:off x="992177" y="4767789"/>
+              <a:ext cx="3516123" cy="360000"/>
+            </a:xfrm>
+            <a:prstGeom prst="rect">
+              <a:avLst/>
+            </a:prstGeom>
+            <a:noFill/>
+            <a:ln>
+              <a:noFill/>
+            </a:ln>
+          </p:spPr>
+          <p:style>
+            <a:lnRef idx="2">
+              <a:schemeClr val="accent1">
+                <a:shade val="15000"/>
+              </a:schemeClr>
+            </a:lnRef>
+            <a:fillRef idx="1">
+              <a:schemeClr val="accent1"/>
+            </a:fillRef>
+            <a:effectRef idx="0">
+              <a:schemeClr val="accent1"/>
+            </a:effectRef>
+            <a:fontRef idx="minor">
+              <a:schemeClr val="lt1"/>
+            </a:fontRef>
+          </p:style>
+          <p:txBody>
+            <a:bodyPr rtlCol="0" anchor="ctr"/>
+            <a:lstStyle/>
+            <a:p>
+              <a:r>
+                <a:rPr kumimoji="1" lang="en-US" altLang="ja-JP" sz="1400" dirty="0">
+                  <a:solidFill>
+                    <a:srgbClr val="323232"/>
+                  </a:solidFill>
+                  <a:latin typeface="Yu Gothic" panose="020B0400000000000000" pitchFamily="34" charset="-128"/>
+                  <a:ea typeface="Yu Gothic" panose="020B0400000000000000" pitchFamily="34" charset="-128"/>
+                </a:rPr>
+                <a:t>ichikawa.masanari.18@shizuoka.ac.jp</a:t>
+              </a:r>
+              <a:endParaRPr kumimoji="1" lang="ja-JP" altLang="en-US" sz="1400">
+                <a:solidFill>
+                  <a:srgbClr val="323232"/>
+                </a:solidFill>
+                <a:latin typeface="Yu Gothic" panose="020B0400000000000000" pitchFamily="34" charset="-128"/>
+                <a:ea typeface="Yu Gothic" panose="020B0400000000000000" pitchFamily="34" charset="-128"/>
+              </a:endParaRPr>
+            </a:p>
+          </p:txBody>
+        </p:sp>
+        <p:sp>
+          <p:nvSpPr>
+            <p:cNvPr id="30" name="正方形/長方形 29">
+              <a:extLst>
+                <a:ext uri="{FF2B5EF4-FFF2-40B4-BE49-F238E27FC236}">
+                  <a16:creationId xmlns:a16="http://schemas.microsoft.com/office/drawing/2014/main" id="{4ADBFF52-46C6-336B-AC3E-0478F7A04414}"/>
+                </a:ext>
+              </a:extLst>
+            </p:cNvPr>
+            <p:cNvSpPr/>
+            <p:nvPr/>
+          </p:nvSpPr>
+          <p:spPr>
+            <a:xfrm>
+              <a:off x="992177" y="5147884"/>
+              <a:ext cx="2184611" cy="360000"/>
+            </a:xfrm>
+            <a:prstGeom prst="rect">
+              <a:avLst/>
+            </a:prstGeom>
+            <a:noFill/>
+            <a:ln>
+              <a:noFill/>
+            </a:ln>
+          </p:spPr>
+          <p:style>
+            <a:lnRef idx="2">
+              <a:schemeClr val="accent1">
+                <a:shade val="15000"/>
+              </a:schemeClr>
+            </a:lnRef>
+            <a:fillRef idx="1">
+              <a:schemeClr val="accent1"/>
+            </a:fillRef>
+            <a:effectRef idx="0">
+              <a:schemeClr val="accent1"/>
+            </a:effectRef>
+            <a:fontRef idx="minor">
+              <a:schemeClr val="lt1"/>
+            </a:fontRef>
+          </p:style>
+          <p:txBody>
+            <a:bodyPr rtlCol="0" anchor="ctr"/>
+            <a:lstStyle/>
+            <a:p>
+              <a:r>
+                <a:rPr kumimoji="1" lang="en-US" altLang="ja-JP" sz="1400" dirty="0" err="1">
+                  <a:solidFill>
+                    <a:srgbClr val="323232"/>
+                  </a:solidFill>
+                  <a:latin typeface="Yu Gothic" panose="020B0400000000000000" pitchFamily="34" charset="-128"/>
+                  <a:ea typeface="Yu Gothic" panose="020B0400000000000000" pitchFamily="34" charset="-128"/>
+                </a:rPr>
+                <a:t>masanarius.github.io</a:t>
+              </a:r>
+              <a:endParaRPr kumimoji="1" lang="ja-JP" altLang="en-US" sz="1400">
+                <a:solidFill>
+                  <a:srgbClr val="323232"/>
+                </a:solidFill>
+                <a:latin typeface="Yu Gothic" panose="020B0400000000000000" pitchFamily="34" charset="-128"/>
+                <a:ea typeface="Yu Gothic" panose="020B0400000000000000" pitchFamily="34" charset="-128"/>
+              </a:endParaRPr>
+            </a:p>
+          </p:txBody>
+        </p:sp>
+        <p:sp>
+          <p:nvSpPr>
+            <p:cNvPr id="31" name="正方形/長方形 30">
+              <a:extLst>
+                <a:ext uri="{FF2B5EF4-FFF2-40B4-BE49-F238E27FC236}">
+                  <a16:creationId xmlns:a16="http://schemas.microsoft.com/office/drawing/2014/main" id="{64134785-DC12-EF74-25B7-1582113EA464}"/>
+                </a:ext>
+              </a:extLst>
+            </p:cNvPr>
+            <p:cNvSpPr/>
+            <p:nvPr/>
+          </p:nvSpPr>
+          <p:spPr>
+            <a:xfrm>
+              <a:off x="993047" y="5469949"/>
+              <a:ext cx="4975238" cy="360000"/>
+            </a:xfrm>
+            <a:prstGeom prst="rect">
+              <a:avLst/>
+            </a:prstGeom>
+            <a:noFill/>
+            <a:ln>
+              <a:noFill/>
+            </a:ln>
+          </p:spPr>
+          <p:style>
+            <a:lnRef idx="2">
+              <a:schemeClr val="accent1">
+                <a:shade val="15000"/>
+              </a:schemeClr>
+            </a:lnRef>
+            <a:fillRef idx="1">
+              <a:schemeClr val="accent1"/>
+            </a:fillRef>
+            <a:effectRef idx="0">
+              <a:schemeClr val="accent1"/>
+            </a:effectRef>
+            <a:fontRef idx="minor">
+              <a:schemeClr val="lt1"/>
+            </a:fontRef>
+          </p:style>
+          <p:txBody>
+            <a:bodyPr rtlCol="0" anchor="ctr"/>
+            <a:lstStyle/>
+            <a:p>
+              <a:r>
+                <a:rPr kumimoji="1" lang="en-US" altLang="ja-JP" sz="1400" dirty="0">
+                  <a:solidFill>
+                    <a:srgbClr val="323232"/>
+                  </a:solidFill>
+                  <a:latin typeface="Yu Gothic" panose="020B0400000000000000" pitchFamily="34" charset="-128"/>
+                  <a:ea typeface="Yu Gothic" panose="020B0400000000000000" pitchFamily="34" charset="-128"/>
+                </a:rPr>
+                <a:t>Graduate School of Integrated Science and Technology</a:t>
+              </a:r>
+              <a:endParaRPr kumimoji="1" lang="ja-JP" altLang="en-US" sz="1400">
+                <a:solidFill>
+                  <a:srgbClr val="323232"/>
+                </a:solidFill>
+                <a:latin typeface="Yu Gothic" panose="020B0400000000000000" pitchFamily="34" charset="-128"/>
+                <a:ea typeface="Yu Gothic" panose="020B0400000000000000" pitchFamily="34" charset="-128"/>
+              </a:endParaRPr>
+            </a:p>
+          </p:txBody>
+        </p:sp>
+        <p:sp>
+          <p:nvSpPr>
+            <p:cNvPr id="32" name="正方形/長方形 31">
+              <a:extLst>
+                <a:ext uri="{FF2B5EF4-FFF2-40B4-BE49-F238E27FC236}">
+                  <a16:creationId xmlns:a16="http://schemas.microsoft.com/office/drawing/2014/main" id="{EA986BD9-00F0-F245-F8E0-1E472116D0EB}"/>
+                </a:ext>
+              </a:extLst>
+            </p:cNvPr>
+            <p:cNvSpPr/>
+            <p:nvPr/>
+          </p:nvSpPr>
+          <p:spPr>
+            <a:xfrm>
+              <a:off x="992177" y="5850045"/>
+              <a:ext cx="5418671" cy="360000"/>
+            </a:xfrm>
+            <a:prstGeom prst="rect">
+              <a:avLst/>
+            </a:prstGeom>
+            <a:noFill/>
+            <a:ln>
+              <a:noFill/>
+            </a:ln>
+          </p:spPr>
+          <p:style>
+            <a:lnRef idx="2">
+              <a:schemeClr val="accent1">
+                <a:shade val="15000"/>
+              </a:schemeClr>
+            </a:lnRef>
+            <a:fillRef idx="1">
+              <a:schemeClr val="accent1"/>
+            </a:fillRef>
+            <a:effectRef idx="0">
+              <a:schemeClr val="accent1"/>
+            </a:effectRef>
+            <a:fontRef idx="minor">
+              <a:schemeClr val="lt1"/>
+            </a:fontRef>
+          </p:style>
+          <p:txBody>
+            <a:bodyPr rtlCol="0" anchor="ctr"/>
+            <a:lstStyle/>
+            <a:p>
+              <a:r>
+                <a:rPr kumimoji="1" lang="en-US" altLang="ja-JP" sz="1400" dirty="0">
+                  <a:solidFill>
+                    <a:srgbClr val="323232"/>
+                  </a:solidFill>
+                  <a:latin typeface="Yu Gothic" panose="020B0400000000000000" pitchFamily="34" charset="-128"/>
+                  <a:ea typeface="Yu Gothic" panose="020B0400000000000000" pitchFamily="34" charset="-128"/>
+                </a:rPr>
+                <a:t>3-5-1 </a:t>
+              </a:r>
+              <a:r>
+                <a:rPr kumimoji="1" lang="en-US" altLang="ja-JP" sz="1400" dirty="0" err="1">
+                  <a:solidFill>
+                    <a:srgbClr val="323232"/>
+                  </a:solidFill>
+                  <a:latin typeface="Yu Gothic" panose="020B0400000000000000" pitchFamily="34" charset="-128"/>
+                  <a:ea typeface="Yu Gothic" panose="020B0400000000000000" pitchFamily="34" charset="-128"/>
+                </a:rPr>
+                <a:t>Johoku</a:t>
+              </a:r>
+              <a:r>
+                <a:rPr kumimoji="1" lang="en-US" altLang="ja-JP" sz="1400" dirty="0">
+                  <a:solidFill>
+                    <a:srgbClr val="323232"/>
+                  </a:solidFill>
+                  <a:latin typeface="Yu Gothic" panose="020B0400000000000000" pitchFamily="34" charset="-128"/>
+                  <a:ea typeface="Yu Gothic" panose="020B0400000000000000" pitchFamily="34" charset="-128"/>
+                </a:rPr>
+                <a:t>, Naka-</a:t>
+              </a:r>
+              <a:r>
+                <a:rPr kumimoji="1" lang="en-US" altLang="ja-JP" sz="1400" dirty="0" err="1">
+                  <a:solidFill>
+                    <a:srgbClr val="323232"/>
+                  </a:solidFill>
+                  <a:latin typeface="Yu Gothic" panose="020B0400000000000000" pitchFamily="34" charset="-128"/>
+                  <a:ea typeface="Yu Gothic" panose="020B0400000000000000" pitchFamily="34" charset="-128"/>
+                </a:rPr>
+                <a:t>ku</a:t>
+              </a:r>
+              <a:r>
+                <a:rPr kumimoji="1" lang="en-US" altLang="ja-JP" sz="1400" dirty="0">
+                  <a:solidFill>
+                    <a:srgbClr val="323232"/>
+                  </a:solidFill>
+                  <a:latin typeface="Yu Gothic" panose="020B0400000000000000" pitchFamily="34" charset="-128"/>
+                  <a:ea typeface="Yu Gothic" panose="020B0400000000000000" pitchFamily="34" charset="-128"/>
+                </a:rPr>
+                <a:t>, Hamamatsu, Japan, 432-8011</a:t>
+              </a:r>
+              <a:endParaRPr kumimoji="1" lang="ja-JP" altLang="en-US" sz="1400">
+                <a:solidFill>
+                  <a:srgbClr val="323232"/>
+                </a:solidFill>
+                <a:latin typeface="Yu Gothic" panose="020B0400000000000000" pitchFamily="34" charset="-128"/>
+                <a:ea typeface="Yu Gothic" panose="020B0400000000000000" pitchFamily="34" charset="-128"/>
+              </a:endParaRPr>
+            </a:p>
+          </p:txBody>
+        </p:sp>
+      </p:grpSp>
+    </p:spTree>
+    <p:extLst>
+      <p:ext uri="{BB962C8B-B14F-4D97-AF65-F5344CB8AC3E}">
+        <p14:creationId xmlns:p14="http://schemas.microsoft.com/office/powerpoint/2010/main" val="3438781077"/>
       </p:ext>
     </p:extLst>
   </p:cSld>

--- a/img/card/businesscard.pptx
+++ b/img/card/businesscard.pptx
@@ -5,13 +5,15 @@
     <p:sldMasterId id="2147483672" r:id="rId1"/>
   </p:sldMasterIdLst>
   <p:notesMasterIdLst>
-    <p:notesMasterId r:id="rId6"/>
+    <p:notesMasterId r:id="rId8"/>
   </p:notesMasterIdLst>
   <p:sldIdLst>
-    <p:sldId id="256" r:id="rId2"/>
-    <p:sldId id="258" r:id="rId3"/>
-    <p:sldId id="257" r:id="rId4"/>
-    <p:sldId id="259" r:id="rId5"/>
+    <p:sldId id="258" r:id="rId2"/>
+    <p:sldId id="259" r:id="rId3"/>
+    <p:sldId id="260" r:id="rId4"/>
+    <p:sldId id="256" r:id="rId5"/>
+    <p:sldId id="257" r:id="rId6"/>
+    <p:sldId id="261" r:id="rId7"/>
   </p:sldIdLst>
   <p:sldSz cx="11520488" cy="6480175"/>
   <p:notesSz cx="6858000" cy="9144000"/>
@@ -573,7 +575,7 @@
     </p:spTree>
     <p:extLst>
       <p:ext uri="{BB962C8B-B14F-4D97-AF65-F5344CB8AC3E}">
-        <p14:creationId xmlns:p14="http://schemas.microsoft.com/office/powerpoint/2010/main" val="3856950689"/>
+        <p14:creationId xmlns:p14="http://schemas.microsoft.com/office/powerpoint/2010/main" val="532265595"/>
       </p:ext>
     </p:extLst>
   </p:cSld>
@@ -657,7 +659,7 @@
     </p:spTree>
     <p:extLst>
       <p:ext uri="{BB962C8B-B14F-4D97-AF65-F5344CB8AC3E}">
-        <p14:creationId xmlns:p14="http://schemas.microsoft.com/office/powerpoint/2010/main" val="532265595"/>
+        <p14:creationId xmlns:p14="http://schemas.microsoft.com/office/powerpoint/2010/main" val="3935095253"/>
       </p:ext>
     </p:extLst>
   </p:cSld>
@@ -741,7 +743,7 @@
     </p:spTree>
     <p:extLst>
       <p:ext uri="{BB962C8B-B14F-4D97-AF65-F5344CB8AC3E}">
-        <p14:creationId xmlns:p14="http://schemas.microsoft.com/office/powerpoint/2010/main" val="172789664"/>
+        <p14:creationId xmlns:p14="http://schemas.microsoft.com/office/powerpoint/2010/main" val="1017421482"/>
       </p:ext>
     </p:extLst>
   </p:cSld>
@@ -825,7 +827,175 @@
     </p:spTree>
     <p:extLst>
       <p:ext uri="{BB962C8B-B14F-4D97-AF65-F5344CB8AC3E}">
-        <p14:creationId xmlns:p14="http://schemas.microsoft.com/office/powerpoint/2010/main" val="3935095253"/>
+        <p14:creationId xmlns:p14="http://schemas.microsoft.com/office/powerpoint/2010/main" val="3856950689"/>
+      </p:ext>
+    </p:extLst>
+  </p:cSld>
+  <p:clrMapOvr>
+    <a:masterClrMapping/>
+  </p:clrMapOvr>
+</p:notes>
+</file>
+
+<file path=ppt/notesSlides/notesSlide5.xml><?xml version="1.0" encoding="utf-8"?>
+<p:notes xmlns:a="http://schemas.openxmlformats.org/drawingml/2006/main" xmlns:r="http://schemas.openxmlformats.org/officeDocument/2006/relationships" xmlns:p="http://schemas.openxmlformats.org/presentationml/2006/main">
+  <p:cSld>
+    <p:spTree>
+      <p:nvGrpSpPr>
+        <p:cNvPr id="1" name=""/>
+        <p:cNvGrpSpPr/>
+        <p:nvPr/>
+      </p:nvGrpSpPr>
+      <p:grpSpPr>
+        <a:xfrm>
+          <a:off x="0" y="0"/>
+          <a:ext cx="0" cy="0"/>
+          <a:chOff x="0" y="0"/>
+          <a:chExt cx="0" cy="0"/>
+        </a:xfrm>
+      </p:grpSpPr>
+      <p:sp>
+        <p:nvSpPr>
+          <p:cNvPr id="2" name="スライド イメージ プレースホルダー 1"/>
+          <p:cNvSpPr>
+            <a:spLocks noGrp="1" noRot="1" noChangeAspect="1"/>
+          </p:cNvSpPr>
+          <p:nvPr>
+            <p:ph type="sldImg"/>
+          </p:nvPr>
+        </p:nvSpPr>
+        <p:spPr/>
+      </p:sp>
+      <p:sp>
+        <p:nvSpPr>
+          <p:cNvPr id="3" name="ノート プレースホルダー 2"/>
+          <p:cNvSpPr>
+            <a:spLocks noGrp="1"/>
+          </p:cNvSpPr>
+          <p:nvPr>
+            <p:ph type="body" idx="1"/>
+          </p:nvPr>
+        </p:nvSpPr>
+        <p:spPr/>
+        <p:txBody>
+          <a:bodyPr/>
+          <a:lstStyle/>
+          <a:p>
+            <a:endParaRPr kumimoji="1" lang="ja-JP" altLang="en-US"/>
+          </a:p>
+        </p:txBody>
+      </p:sp>
+      <p:sp>
+        <p:nvSpPr>
+          <p:cNvPr id="4" name="スライド番号プレースホルダー 3"/>
+          <p:cNvSpPr>
+            <a:spLocks noGrp="1"/>
+          </p:cNvSpPr>
+          <p:nvPr>
+            <p:ph type="sldNum" sz="quarter" idx="5"/>
+          </p:nvPr>
+        </p:nvSpPr>
+        <p:spPr/>
+        <p:txBody>
+          <a:bodyPr/>
+          <a:lstStyle/>
+          <a:p>
+            <a:fld id="{4A2BB725-D884-2B4E-86E1-8CAAD1C4FED5}" type="slidenum">
+              <a:rPr kumimoji="1" lang="ja-JP" altLang="en-US" smtClean="0"/>
+              <a:t>5</a:t>
+            </a:fld>
+            <a:endParaRPr kumimoji="1" lang="ja-JP" altLang="en-US"/>
+          </a:p>
+        </p:txBody>
+      </p:sp>
+    </p:spTree>
+    <p:extLst>
+      <p:ext uri="{BB962C8B-B14F-4D97-AF65-F5344CB8AC3E}">
+        <p14:creationId xmlns:p14="http://schemas.microsoft.com/office/powerpoint/2010/main" val="172789664"/>
+      </p:ext>
+    </p:extLst>
+  </p:cSld>
+  <p:clrMapOvr>
+    <a:masterClrMapping/>
+  </p:clrMapOvr>
+</p:notes>
+</file>
+
+<file path=ppt/notesSlides/notesSlide6.xml><?xml version="1.0" encoding="utf-8"?>
+<p:notes xmlns:a="http://schemas.openxmlformats.org/drawingml/2006/main" xmlns:r="http://schemas.openxmlformats.org/officeDocument/2006/relationships" xmlns:p="http://schemas.openxmlformats.org/presentationml/2006/main">
+  <p:cSld>
+    <p:spTree>
+      <p:nvGrpSpPr>
+        <p:cNvPr id="1" name=""/>
+        <p:cNvGrpSpPr/>
+        <p:nvPr/>
+      </p:nvGrpSpPr>
+      <p:grpSpPr>
+        <a:xfrm>
+          <a:off x="0" y="0"/>
+          <a:ext cx="0" cy="0"/>
+          <a:chOff x="0" y="0"/>
+          <a:chExt cx="0" cy="0"/>
+        </a:xfrm>
+      </p:grpSpPr>
+      <p:sp>
+        <p:nvSpPr>
+          <p:cNvPr id="2" name="スライド イメージ プレースホルダー 1"/>
+          <p:cNvSpPr>
+            <a:spLocks noGrp="1" noRot="1" noChangeAspect="1"/>
+          </p:cNvSpPr>
+          <p:nvPr>
+            <p:ph type="sldImg"/>
+          </p:nvPr>
+        </p:nvSpPr>
+        <p:spPr/>
+      </p:sp>
+      <p:sp>
+        <p:nvSpPr>
+          <p:cNvPr id="3" name="ノート プレースホルダー 2"/>
+          <p:cNvSpPr>
+            <a:spLocks noGrp="1"/>
+          </p:cNvSpPr>
+          <p:nvPr>
+            <p:ph type="body" idx="1"/>
+          </p:nvPr>
+        </p:nvSpPr>
+        <p:spPr/>
+        <p:txBody>
+          <a:bodyPr/>
+          <a:lstStyle/>
+          <a:p>
+            <a:endParaRPr kumimoji="1" lang="ja-JP" altLang="en-US"/>
+          </a:p>
+        </p:txBody>
+      </p:sp>
+      <p:sp>
+        <p:nvSpPr>
+          <p:cNvPr id="4" name="スライド番号プレースホルダー 3"/>
+          <p:cNvSpPr>
+            <a:spLocks noGrp="1"/>
+          </p:cNvSpPr>
+          <p:nvPr>
+            <p:ph type="sldNum" sz="quarter" idx="5"/>
+          </p:nvPr>
+        </p:nvSpPr>
+        <p:spPr/>
+        <p:txBody>
+          <a:bodyPr/>
+          <a:lstStyle/>
+          <a:p>
+            <a:fld id="{4A2BB725-D884-2B4E-86E1-8CAAD1C4FED5}" type="slidenum">
+              <a:rPr kumimoji="1" lang="ja-JP" altLang="en-US" smtClean="0"/>
+              <a:t>6</a:t>
+            </a:fld>
+            <a:endParaRPr kumimoji="1" lang="ja-JP" altLang="en-US"/>
+          </a:p>
+        </p:txBody>
+      </p:sp>
+    </p:spTree>
+    <p:extLst>
+      <p:ext uri="{BB962C8B-B14F-4D97-AF65-F5344CB8AC3E}">
+        <p14:creationId xmlns:p14="http://schemas.microsoft.com/office/powerpoint/2010/main" val="2514764873"/>
       </p:ext>
     </p:extLst>
   </p:cSld>
@@ -3968,6 +4138,1851 @@
 </file>
 
 <file path=ppt/slides/slide1.xml><?xml version="1.0" encoding="utf-8"?>
+<p:sld xmlns:a="http://schemas.openxmlformats.org/drawingml/2006/main" xmlns:r="http://schemas.openxmlformats.org/officeDocument/2006/relationships" xmlns:p="http://schemas.openxmlformats.org/presentationml/2006/main">
+  <p:cSld>
+    <p:spTree>
+      <p:nvGrpSpPr>
+        <p:cNvPr id="1" name=""/>
+        <p:cNvGrpSpPr/>
+        <p:nvPr/>
+      </p:nvGrpSpPr>
+      <p:grpSpPr>
+        <a:xfrm>
+          <a:off x="0" y="0"/>
+          <a:ext cx="0" cy="0"/>
+          <a:chOff x="0" y="0"/>
+          <a:chExt cx="0" cy="0"/>
+        </a:xfrm>
+      </p:grpSpPr>
+      <p:sp>
+        <p:nvSpPr>
+          <p:cNvPr id="4" name="正方形/長方形 3">
+            <a:extLst>
+              <a:ext uri="{FF2B5EF4-FFF2-40B4-BE49-F238E27FC236}">
+                <a16:creationId xmlns:a16="http://schemas.microsoft.com/office/drawing/2014/main" id="{BD75CB29-FDF1-04EA-CBCC-0405FD653C22}"/>
+              </a:ext>
+            </a:extLst>
+          </p:cNvPr>
+          <p:cNvSpPr/>
+          <p:nvPr/>
+        </p:nvSpPr>
+        <p:spPr>
+          <a:xfrm>
+            <a:off x="720000" y="2519002"/>
+            <a:ext cx="5336108" cy="1440000"/>
+          </a:xfrm>
+          <a:prstGeom prst="rect">
+            <a:avLst/>
+          </a:prstGeom>
+          <a:noFill/>
+          <a:ln>
+            <a:noFill/>
+          </a:ln>
+        </p:spPr>
+        <p:style>
+          <a:lnRef idx="2">
+            <a:schemeClr val="accent1">
+              <a:shade val="15000"/>
+            </a:schemeClr>
+          </a:lnRef>
+          <a:fillRef idx="1">
+            <a:schemeClr val="accent1"/>
+          </a:fillRef>
+          <a:effectRef idx="0">
+            <a:schemeClr val="accent1"/>
+          </a:effectRef>
+          <a:fontRef idx="minor">
+            <a:schemeClr val="lt1"/>
+          </a:fontRef>
+        </p:style>
+        <p:txBody>
+          <a:bodyPr rtlCol="0" anchor="ctr"/>
+          <a:lstStyle/>
+          <a:p>
+            <a:r>
+              <a:rPr kumimoji="1" lang="ja-JP" altLang="en-US" sz="6000">
+                <a:solidFill>
+                  <a:srgbClr val="323232"/>
+                </a:solidFill>
+                <a:latin typeface="+mn-ea"/>
+              </a:rPr>
+              <a:t>市 川  雅 也</a:t>
+            </a:r>
+            <a:endParaRPr kumimoji="1" lang="en-US" altLang="ja-JP" sz="6000" dirty="0">
+              <a:solidFill>
+                <a:srgbClr val="323232"/>
+              </a:solidFill>
+              <a:latin typeface="+mn-ea"/>
+            </a:endParaRPr>
+          </a:p>
+          <a:p>
+            <a:r>
+              <a:rPr kumimoji="1" lang="en-US" altLang="ja-JP" sz="2400" dirty="0">
+                <a:solidFill>
+                  <a:srgbClr val="323232"/>
+                </a:solidFill>
+                <a:latin typeface="+mn-ea"/>
+              </a:rPr>
+              <a:t>Masanari Ichikawa</a:t>
+            </a:r>
+            <a:endParaRPr kumimoji="1" lang="ja-JP" altLang="en-US" sz="2400">
+              <a:solidFill>
+                <a:srgbClr val="323232"/>
+              </a:solidFill>
+              <a:latin typeface="+mn-ea"/>
+            </a:endParaRPr>
+          </a:p>
+        </p:txBody>
+      </p:sp>
+      <p:pic>
+        <p:nvPicPr>
+          <p:cNvPr id="22" name="図 21" descr="ロゴ, アイコン&#10;&#10;自動的に生成された説明">
+            <a:extLst>
+              <a:ext uri="{FF2B5EF4-FFF2-40B4-BE49-F238E27FC236}">
+                <a16:creationId xmlns:a16="http://schemas.microsoft.com/office/drawing/2014/main" id="{00E652C2-BC75-0D52-B948-5F1F7C11B34B}"/>
+              </a:ext>
+            </a:extLst>
+          </p:cNvPr>
+          <p:cNvPicPr>
+            <a:picLocks noChangeAspect="1"/>
+          </p:cNvPicPr>
+          <p:nvPr/>
+        </p:nvPicPr>
+        <p:blipFill>
+          <a:blip r:embed="rId3"/>
+          <a:stretch>
+            <a:fillRect/>
+          </a:stretch>
+        </p:blipFill>
+        <p:spPr>
+          <a:xfrm>
+            <a:off x="9356851" y="719002"/>
+            <a:ext cx="1447273" cy="1440000"/>
+          </a:xfrm>
+          <a:prstGeom prst="rect">
+            <a:avLst/>
+          </a:prstGeom>
+        </p:spPr>
+      </p:pic>
+      <p:grpSp>
+        <p:nvGrpSpPr>
+          <p:cNvPr id="33" name="グループ化 32">
+            <a:extLst>
+              <a:ext uri="{FF2B5EF4-FFF2-40B4-BE49-F238E27FC236}">
+                <a16:creationId xmlns:a16="http://schemas.microsoft.com/office/drawing/2014/main" id="{C1BC0DFF-D215-2EAC-05E9-C95DD8AEA35F}"/>
+              </a:ext>
+            </a:extLst>
+          </p:cNvPr>
+          <p:cNvGrpSpPr/>
+          <p:nvPr/>
+        </p:nvGrpSpPr>
+        <p:grpSpPr>
+          <a:xfrm>
+            <a:off x="720000" y="4689050"/>
+            <a:ext cx="5778671" cy="1442256"/>
+            <a:chOff x="632177" y="4767789"/>
+            <a:chExt cx="5778671" cy="1442256"/>
+          </a:xfrm>
+        </p:grpSpPr>
+        <p:pic>
+          <p:nvPicPr>
+            <p:cNvPr id="24" name="グラフィックス 23">
+              <a:extLst>
+                <a:ext uri="{FF2B5EF4-FFF2-40B4-BE49-F238E27FC236}">
+                  <a16:creationId xmlns:a16="http://schemas.microsoft.com/office/drawing/2014/main" id="{A9089DB6-3D8D-B8ED-75E1-A462088C8A70}"/>
+                </a:ext>
+              </a:extLst>
+            </p:cNvPr>
+            <p:cNvPicPr>
+              <a:picLocks noChangeAspect="1"/>
+            </p:cNvPicPr>
+            <p:nvPr/>
+          </p:nvPicPr>
+          <p:blipFill>
+            <a:blip r:embed="rId4">
+              <a:extLst>
+                <a:ext uri="{96DAC541-7B7A-43D3-8B79-37D633B846F1}">
+                  <asvg:svgBlip xmlns:asvg="http://schemas.microsoft.com/office/drawing/2016/SVG/main" r:embed="rId5"/>
+                </a:ext>
+              </a:extLst>
+            </a:blip>
+            <a:srcRect/>
+            <a:stretch/>
+          </p:blipFill>
+          <p:spPr>
+            <a:xfrm>
+              <a:off x="633047" y="4767789"/>
+              <a:ext cx="360000" cy="360000"/>
+            </a:xfrm>
+            <a:prstGeom prst="rect">
+              <a:avLst/>
+            </a:prstGeom>
+          </p:spPr>
+        </p:pic>
+        <p:pic>
+          <p:nvPicPr>
+            <p:cNvPr id="25" name="グラフィックス 24" descr="校舎 単色塗りつぶし">
+              <a:extLst>
+                <a:ext uri="{FF2B5EF4-FFF2-40B4-BE49-F238E27FC236}">
+                  <a16:creationId xmlns:a16="http://schemas.microsoft.com/office/drawing/2014/main" id="{3249F8CD-CAD7-7F1B-E2BB-864423EC16CC}"/>
+                </a:ext>
+              </a:extLst>
+            </p:cNvPr>
+            <p:cNvPicPr>
+              <a:picLocks noChangeAspect="1"/>
+            </p:cNvPicPr>
+            <p:nvPr/>
+          </p:nvPicPr>
+          <p:blipFill>
+            <a:blip r:embed="rId6">
+              <a:extLst>
+                <a:ext uri="{96DAC541-7B7A-43D3-8B79-37D633B846F1}">
+                  <asvg:svgBlip xmlns:asvg="http://schemas.microsoft.com/office/drawing/2016/SVG/main" r:embed="rId7"/>
+                </a:ext>
+              </a:extLst>
+            </a:blip>
+            <a:srcRect/>
+            <a:stretch/>
+          </p:blipFill>
+          <p:spPr>
+            <a:xfrm>
+              <a:off x="633047" y="5469949"/>
+              <a:ext cx="360000" cy="360000"/>
+            </a:xfrm>
+            <a:prstGeom prst="rect">
+              <a:avLst/>
+            </a:prstGeom>
+          </p:spPr>
+        </p:pic>
+        <p:pic>
+          <p:nvPicPr>
+            <p:cNvPr id="26" name="グラフィックス 25" descr="マーカー 単色塗りつぶし">
+              <a:extLst>
+                <a:ext uri="{FF2B5EF4-FFF2-40B4-BE49-F238E27FC236}">
+                  <a16:creationId xmlns:a16="http://schemas.microsoft.com/office/drawing/2014/main" id="{5F418B13-FFA6-807C-4553-BC4209BA1D78}"/>
+                </a:ext>
+              </a:extLst>
+            </p:cNvPr>
+            <p:cNvPicPr>
+              <a:picLocks noChangeAspect="1"/>
+            </p:cNvPicPr>
+            <p:nvPr/>
+          </p:nvPicPr>
+          <p:blipFill>
+            <a:blip r:embed="rId8">
+              <a:extLst>
+                <a:ext uri="{96DAC541-7B7A-43D3-8B79-37D633B846F1}">
+                  <asvg:svgBlip xmlns:asvg="http://schemas.microsoft.com/office/drawing/2016/SVG/main" r:embed="rId9"/>
+                </a:ext>
+              </a:extLst>
+            </a:blip>
+            <a:srcRect/>
+            <a:stretch/>
+          </p:blipFill>
+          <p:spPr>
+            <a:xfrm>
+              <a:off x="632177" y="5850045"/>
+              <a:ext cx="360000" cy="360000"/>
+            </a:xfrm>
+            <a:prstGeom prst="rect">
+              <a:avLst/>
+            </a:prstGeom>
+          </p:spPr>
+        </p:pic>
+        <p:pic>
+          <p:nvPicPr>
+            <p:cNvPr id="27" name="グラフィックス 26" descr="世界 単色塗りつぶし">
+              <a:extLst>
+                <a:ext uri="{FF2B5EF4-FFF2-40B4-BE49-F238E27FC236}">
+                  <a16:creationId xmlns:a16="http://schemas.microsoft.com/office/drawing/2014/main" id="{8EA172B0-8971-E567-5B5E-57E1088DCD63}"/>
+                </a:ext>
+              </a:extLst>
+            </p:cNvPr>
+            <p:cNvPicPr>
+              <a:picLocks noChangeAspect="1"/>
+            </p:cNvPicPr>
+            <p:nvPr/>
+          </p:nvPicPr>
+          <p:blipFill>
+            <a:blip r:embed="rId10">
+              <a:extLst>
+                <a:ext uri="{96DAC541-7B7A-43D3-8B79-37D633B846F1}">
+                  <asvg:svgBlip xmlns:asvg="http://schemas.microsoft.com/office/drawing/2016/SVG/main" r:embed="rId11"/>
+                </a:ext>
+              </a:extLst>
+            </a:blip>
+            <a:srcRect/>
+            <a:stretch/>
+          </p:blipFill>
+          <p:spPr>
+            <a:xfrm>
+              <a:off x="633047" y="5147884"/>
+              <a:ext cx="360000" cy="360000"/>
+            </a:xfrm>
+            <a:prstGeom prst="rect">
+              <a:avLst/>
+            </a:prstGeom>
+          </p:spPr>
+        </p:pic>
+        <p:sp>
+          <p:nvSpPr>
+            <p:cNvPr id="29" name="正方形/長方形 28">
+              <a:extLst>
+                <a:ext uri="{FF2B5EF4-FFF2-40B4-BE49-F238E27FC236}">
+                  <a16:creationId xmlns:a16="http://schemas.microsoft.com/office/drawing/2014/main" id="{8DC38EF7-5548-F959-64B1-E3BC4BA54357}"/>
+                </a:ext>
+              </a:extLst>
+            </p:cNvPr>
+            <p:cNvSpPr/>
+            <p:nvPr/>
+          </p:nvSpPr>
+          <p:spPr>
+            <a:xfrm>
+              <a:off x="992177" y="4767789"/>
+              <a:ext cx="3516123" cy="360000"/>
+            </a:xfrm>
+            <a:prstGeom prst="rect">
+              <a:avLst/>
+            </a:prstGeom>
+            <a:noFill/>
+            <a:ln>
+              <a:noFill/>
+            </a:ln>
+          </p:spPr>
+          <p:style>
+            <a:lnRef idx="2">
+              <a:schemeClr val="accent1">
+                <a:shade val="15000"/>
+              </a:schemeClr>
+            </a:lnRef>
+            <a:fillRef idx="1">
+              <a:schemeClr val="accent1"/>
+            </a:fillRef>
+            <a:effectRef idx="0">
+              <a:schemeClr val="accent1"/>
+            </a:effectRef>
+            <a:fontRef idx="minor">
+              <a:schemeClr val="lt1"/>
+            </a:fontRef>
+          </p:style>
+          <p:txBody>
+            <a:bodyPr rtlCol="0" anchor="ctr"/>
+            <a:lstStyle/>
+            <a:p>
+              <a:r>
+                <a:rPr kumimoji="1" lang="en-US" altLang="ja-JP" sz="1400" dirty="0">
+                  <a:solidFill>
+                    <a:srgbClr val="323232"/>
+                  </a:solidFill>
+                  <a:latin typeface="Yu Gothic" panose="020B0400000000000000" pitchFamily="34" charset="-128"/>
+                  <a:ea typeface="Yu Gothic" panose="020B0400000000000000" pitchFamily="34" charset="-128"/>
+                </a:rPr>
+                <a:t>ichikawa.masanari.18@shizuoka.ac.jp</a:t>
+              </a:r>
+              <a:endParaRPr kumimoji="1" lang="ja-JP" altLang="en-US" sz="1400">
+                <a:solidFill>
+                  <a:srgbClr val="323232"/>
+                </a:solidFill>
+                <a:latin typeface="Yu Gothic" panose="020B0400000000000000" pitchFamily="34" charset="-128"/>
+                <a:ea typeface="Yu Gothic" panose="020B0400000000000000" pitchFamily="34" charset="-128"/>
+              </a:endParaRPr>
+            </a:p>
+          </p:txBody>
+        </p:sp>
+        <p:sp>
+          <p:nvSpPr>
+            <p:cNvPr id="30" name="正方形/長方形 29">
+              <a:extLst>
+                <a:ext uri="{FF2B5EF4-FFF2-40B4-BE49-F238E27FC236}">
+                  <a16:creationId xmlns:a16="http://schemas.microsoft.com/office/drawing/2014/main" id="{4ADBFF52-46C6-336B-AC3E-0478F7A04414}"/>
+                </a:ext>
+              </a:extLst>
+            </p:cNvPr>
+            <p:cNvSpPr/>
+            <p:nvPr/>
+          </p:nvSpPr>
+          <p:spPr>
+            <a:xfrm>
+              <a:off x="992177" y="5147884"/>
+              <a:ext cx="2184611" cy="360000"/>
+            </a:xfrm>
+            <a:prstGeom prst="rect">
+              <a:avLst/>
+            </a:prstGeom>
+            <a:noFill/>
+            <a:ln>
+              <a:noFill/>
+            </a:ln>
+          </p:spPr>
+          <p:style>
+            <a:lnRef idx="2">
+              <a:schemeClr val="accent1">
+                <a:shade val="15000"/>
+              </a:schemeClr>
+            </a:lnRef>
+            <a:fillRef idx="1">
+              <a:schemeClr val="accent1"/>
+            </a:fillRef>
+            <a:effectRef idx="0">
+              <a:schemeClr val="accent1"/>
+            </a:effectRef>
+            <a:fontRef idx="minor">
+              <a:schemeClr val="lt1"/>
+            </a:fontRef>
+          </p:style>
+          <p:txBody>
+            <a:bodyPr rtlCol="0" anchor="ctr"/>
+            <a:lstStyle/>
+            <a:p>
+              <a:r>
+                <a:rPr kumimoji="1" lang="en-US" altLang="ja-JP" sz="1400" dirty="0" err="1">
+                  <a:solidFill>
+                    <a:srgbClr val="323232"/>
+                  </a:solidFill>
+                  <a:latin typeface="Yu Gothic" panose="020B0400000000000000" pitchFamily="34" charset="-128"/>
+                  <a:ea typeface="Yu Gothic" panose="020B0400000000000000" pitchFamily="34" charset="-128"/>
+                </a:rPr>
+                <a:t>masanarius.github.io</a:t>
+              </a:r>
+              <a:endParaRPr kumimoji="1" lang="ja-JP" altLang="en-US" sz="1400">
+                <a:solidFill>
+                  <a:srgbClr val="323232"/>
+                </a:solidFill>
+                <a:latin typeface="Yu Gothic" panose="020B0400000000000000" pitchFamily="34" charset="-128"/>
+                <a:ea typeface="Yu Gothic" panose="020B0400000000000000" pitchFamily="34" charset="-128"/>
+              </a:endParaRPr>
+            </a:p>
+          </p:txBody>
+        </p:sp>
+        <p:sp>
+          <p:nvSpPr>
+            <p:cNvPr id="31" name="正方形/長方形 30">
+              <a:extLst>
+                <a:ext uri="{FF2B5EF4-FFF2-40B4-BE49-F238E27FC236}">
+                  <a16:creationId xmlns:a16="http://schemas.microsoft.com/office/drawing/2014/main" id="{64134785-DC12-EF74-25B7-1582113EA464}"/>
+                </a:ext>
+              </a:extLst>
+            </p:cNvPr>
+            <p:cNvSpPr/>
+            <p:nvPr/>
+          </p:nvSpPr>
+          <p:spPr>
+            <a:xfrm>
+              <a:off x="993047" y="5469949"/>
+              <a:ext cx="4677925" cy="360000"/>
+            </a:xfrm>
+            <a:prstGeom prst="rect">
+              <a:avLst/>
+            </a:prstGeom>
+            <a:noFill/>
+            <a:ln>
+              <a:noFill/>
+            </a:ln>
+          </p:spPr>
+          <p:style>
+            <a:lnRef idx="2">
+              <a:schemeClr val="accent1">
+                <a:shade val="15000"/>
+              </a:schemeClr>
+            </a:lnRef>
+            <a:fillRef idx="1">
+              <a:schemeClr val="accent1"/>
+            </a:fillRef>
+            <a:effectRef idx="0">
+              <a:schemeClr val="accent1"/>
+            </a:effectRef>
+            <a:fontRef idx="minor">
+              <a:schemeClr val="lt1"/>
+            </a:fontRef>
+          </p:style>
+          <p:txBody>
+            <a:bodyPr rtlCol="0" anchor="ctr"/>
+            <a:lstStyle/>
+            <a:p>
+              <a:r>
+                <a:rPr kumimoji="1" lang="ja-JP" altLang="en-US" sz="1400">
+                  <a:solidFill>
+                    <a:srgbClr val="323232"/>
+                  </a:solidFill>
+                  <a:latin typeface="Yu Gothic" panose="020B0400000000000000" pitchFamily="34" charset="-128"/>
+                  <a:ea typeface="Yu Gothic" panose="020B0400000000000000" pitchFamily="34" charset="-128"/>
+                </a:rPr>
+                <a:t>静岡大学大学院</a:t>
+              </a:r>
+              <a:r>
+                <a:rPr kumimoji="1" lang="en-US" altLang="ja-JP" sz="1400" dirty="0">
+                  <a:solidFill>
+                    <a:srgbClr val="323232"/>
+                  </a:solidFill>
+                  <a:latin typeface="Yu Gothic" panose="020B0400000000000000" pitchFamily="34" charset="-128"/>
+                  <a:ea typeface="Yu Gothic" panose="020B0400000000000000" pitchFamily="34" charset="-128"/>
+                </a:rPr>
+                <a:t> </a:t>
+              </a:r>
+              <a:r>
+                <a:rPr kumimoji="1" lang="ja-JP" altLang="en-US" sz="1400">
+                  <a:solidFill>
+                    <a:srgbClr val="323232"/>
+                  </a:solidFill>
+                  <a:latin typeface="Yu Gothic" panose="020B0400000000000000" pitchFamily="34" charset="-128"/>
+                  <a:ea typeface="Yu Gothic" panose="020B0400000000000000" pitchFamily="34" charset="-128"/>
+                </a:rPr>
+                <a:t>総合科学技術研究科</a:t>
+              </a:r>
+            </a:p>
+          </p:txBody>
+        </p:sp>
+        <p:sp>
+          <p:nvSpPr>
+            <p:cNvPr id="32" name="正方形/長方形 31">
+              <a:extLst>
+                <a:ext uri="{FF2B5EF4-FFF2-40B4-BE49-F238E27FC236}">
+                  <a16:creationId xmlns:a16="http://schemas.microsoft.com/office/drawing/2014/main" id="{EA986BD9-00F0-F245-F8E0-1E472116D0EB}"/>
+                </a:ext>
+              </a:extLst>
+            </p:cNvPr>
+            <p:cNvSpPr/>
+            <p:nvPr/>
+          </p:nvSpPr>
+          <p:spPr>
+            <a:xfrm>
+              <a:off x="992177" y="5850045"/>
+              <a:ext cx="5418671" cy="360000"/>
+            </a:xfrm>
+            <a:prstGeom prst="rect">
+              <a:avLst/>
+            </a:prstGeom>
+            <a:noFill/>
+            <a:ln>
+              <a:noFill/>
+            </a:ln>
+          </p:spPr>
+          <p:style>
+            <a:lnRef idx="2">
+              <a:schemeClr val="accent1">
+                <a:shade val="15000"/>
+              </a:schemeClr>
+            </a:lnRef>
+            <a:fillRef idx="1">
+              <a:schemeClr val="accent1"/>
+            </a:fillRef>
+            <a:effectRef idx="0">
+              <a:schemeClr val="accent1"/>
+            </a:effectRef>
+            <a:fontRef idx="minor">
+              <a:schemeClr val="lt1"/>
+            </a:fontRef>
+          </p:style>
+          <p:txBody>
+            <a:bodyPr rtlCol="0" anchor="ctr"/>
+            <a:lstStyle/>
+            <a:p>
+              <a:r>
+                <a:rPr kumimoji="1" lang="ja-JP" altLang="en-US" sz="1400">
+                  <a:solidFill>
+                    <a:srgbClr val="323232"/>
+                  </a:solidFill>
+                  <a:latin typeface="Yu Gothic" panose="020B0400000000000000" pitchFamily="34" charset="-128"/>
+                  <a:ea typeface="Yu Gothic" panose="020B0400000000000000" pitchFamily="34" charset="-128"/>
+                </a:rPr>
+                <a:t>〒</a:t>
+              </a:r>
+              <a:r>
+                <a:rPr kumimoji="1" lang="en-US" altLang="ja-JP" sz="1400" dirty="0">
+                  <a:solidFill>
+                    <a:srgbClr val="323232"/>
+                  </a:solidFill>
+                  <a:latin typeface="Yu Gothic" panose="020B0400000000000000" pitchFamily="34" charset="-128"/>
+                  <a:ea typeface="Yu Gothic" panose="020B0400000000000000" pitchFamily="34" charset="-128"/>
+                </a:rPr>
+                <a:t>432-8011 </a:t>
+              </a:r>
+              <a:r>
+                <a:rPr kumimoji="1" lang="ja-JP" altLang="en-US" sz="1400">
+                  <a:solidFill>
+                    <a:srgbClr val="323232"/>
+                  </a:solidFill>
+                  <a:latin typeface="Yu Gothic" panose="020B0400000000000000" pitchFamily="34" charset="-128"/>
+                  <a:ea typeface="Yu Gothic" panose="020B0400000000000000" pitchFamily="34" charset="-128"/>
+                </a:rPr>
+                <a:t>静岡県浜松市中区城北</a:t>
+              </a:r>
+              <a:r>
+                <a:rPr kumimoji="1" lang="en-US" altLang="ja-JP" sz="1400" dirty="0">
+                  <a:solidFill>
+                    <a:srgbClr val="323232"/>
+                  </a:solidFill>
+                  <a:latin typeface="Yu Gothic" panose="020B0400000000000000" pitchFamily="34" charset="-128"/>
+                  <a:ea typeface="Yu Gothic" panose="020B0400000000000000" pitchFamily="34" charset="-128"/>
+                </a:rPr>
+                <a:t>3-5-1 </a:t>
+              </a:r>
+              <a:r>
+                <a:rPr kumimoji="1" lang="ja-JP" altLang="en-US" sz="1400">
+                  <a:solidFill>
+                    <a:srgbClr val="323232"/>
+                  </a:solidFill>
+                  <a:latin typeface="Yu Gothic" panose="020B0400000000000000" pitchFamily="34" charset="-128"/>
+                  <a:ea typeface="Yu Gothic" panose="020B0400000000000000" pitchFamily="34" charset="-128"/>
+                </a:rPr>
+                <a:t>静岡大学浜松キャンパス</a:t>
+              </a:r>
+            </a:p>
+          </p:txBody>
+        </p:sp>
+      </p:grpSp>
+    </p:spTree>
+    <p:extLst>
+      <p:ext uri="{BB962C8B-B14F-4D97-AF65-F5344CB8AC3E}">
+        <p14:creationId xmlns:p14="http://schemas.microsoft.com/office/powerpoint/2010/main" val="3886938332"/>
+      </p:ext>
+    </p:extLst>
+  </p:cSld>
+  <p:clrMapOvr>
+    <a:masterClrMapping/>
+  </p:clrMapOvr>
+</p:sld>
+</file>
+
+<file path=ppt/slides/slide2.xml><?xml version="1.0" encoding="utf-8"?>
+<p:sld xmlns:a="http://schemas.openxmlformats.org/drawingml/2006/main" xmlns:r="http://schemas.openxmlformats.org/officeDocument/2006/relationships" xmlns:p="http://schemas.openxmlformats.org/presentationml/2006/main">
+  <p:cSld>
+    <p:spTree>
+      <p:nvGrpSpPr>
+        <p:cNvPr id="1" name=""/>
+        <p:cNvGrpSpPr/>
+        <p:nvPr/>
+      </p:nvGrpSpPr>
+      <p:grpSpPr>
+        <a:xfrm>
+          <a:off x="0" y="0"/>
+          <a:ext cx="0" cy="0"/>
+          <a:chOff x="0" y="0"/>
+          <a:chExt cx="0" cy="0"/>
+        </a:xfrm>
+      </p:grpSpPr>
+      <p:sp>
+        <p:nvSpPr>
+          <p:cNvPr id="4" name="正方形/長方形 3">
+            <a:extLst>
+              <a:ext uri="{FF2B5EF4-FFF2-40B4-BE49-F238E27FC236}">
+                <a16:creationId xmlns:a16="http://schemas.microsoft.com/office/drawing/2014/main" id="{BD75CB29-FDF1-04EA-CBCC-0405FD653C22}"/>
+              </a:ext>
+            </a:extLst>
+          </p:cNvPr>
+          <p:cNvSpPr/>
+          <p:nvPr/>
+        </p:nvSpPr>
+        <p:spPr>
+          <a:xfrm>
+            <a:off x="720000" y="2519002"/>
+            <a:ext cx="5336108" cy="1440000"/>
+          </a:xfrm>
+          <a:prstGeom prst="rect">
+            <a:avLst/>
+          </a:prstGeom>
+          <a:noFill/>
+          <a:ln>
+            <a:noFill/>
+          </a:ln>
+        </p:spPr>
+        <p:style>
+          <a:lnRef idx="2">
+            <a:schemeClr val="accent1">
+              <a:shade val="15000"/>
+            </a:schemeClr>
+          </a:lnRef>
+          <a:fillRef idx="1">
+            <a:schemeClr val="accent1"/>
+          </a:fillRef>
+          <a:effectRef idx="0">
+            <a:schemeClr val="accent1"/>
+          </a:effectRef>
+          <a:fontRef idx="minor">
+            <a:schemeClr val="lt1"/>
+          </a:fontRef>
+        </p:style>
+        <p:txBody>
+          <a:bodyPr rtlCol="0" anchor="ctr"/>
+          <a:lstStyle/>
+          <a:p>
+            <a:r>
+              <a:rPr kumimoji="1" lang="ja-JP" altLang="en-US" sz="6000">
+                <a:solidFill>
+                  <a:srgbClr val="323232"/>
+                </a:solidFill>
+                <a:latin typeface="+mn-ea"/>
+              </a:rPr>
+              <a:t>市 川  雅 也</a:t>
+            </a:r>
+            <a:endParaRPr kumimoji="1" lang="en-US" altLang="ja-JP" sz="6000" dirty="0">
+              <a:solidFill>
+                <a:srgbClr val="323232"/>
+              </a:solidFill>
+              <a:latin typeface="+mn-ea"/>
+            </a:endParaRPr>
+          </a:p>
+          <a:p>
+            <a:r>
+              <a:rPr kumimoji="1" lang="en-US" altLang="ja-JP" sz="2400" dirty="0">
+                <a:solidFill>
+                  <a:srgbClr val="323232"/>
+                </a:solidFill>
+                <a:latin typeface="+mn-ea"/>
+              </a:rPr>
+              <a:t>Masanari Ichikawa</a:t>
+            </a:r>
+            <a:endParaRPr kumimoji="1" lang="ja-JP" altLang="en-US" sz="2400">
+              <a:solidFill>
+                <a:srgbClr val="323232"/>
+              </a:solidFill>
+              <a:latin typeface="+mn-ea"/>
+            </a:endParaRPr>
+          </a:p>
+        </p:txBody>
+      </p:sp>
+      <p:pic>
+        <p:nvPicPr>
+          <p:cNvPr id="22" name="図 21" descr="ロゴ, アイコン&#10;&#10;自動的に生成された説明">
+            <a:extLst>
+              <a:ext uri="{FF2B5EF4-FFF2-40B4-BE49-F238E27FC236}">
+                <a16:creationId xmlns:a16="http://schemas.microsoft.com/office/drawing/2014/main" id="{00E652C2-BC75-0D52-B948-5F1F7C11B34B}"/>
+              </a:ext>
+            </a:extLst>
+          </p:cNvPr>
+          <p:cNvPicPr>
+            <a:picLocks noChangeAspect="1"/>
+          </p:cNvPicPr>
+          <p:nvPr/>
+        </p:nvPicPr>
+        <p:blipFill>
+          <a:blip r:embed="rId3"/>
+          <a:stretch>
+            <a:fillRect/>
+          </a:stretch>
+        </p:blipFill>
+        <p:spPr>
+          <a:xfrm>
+            <a:off x="9356851" y="719002"/>
+            <a:ext cx="1447273" cy="1440000"/>
+          </a:xfrm>
+          <a:prstGeom prst="rect">
+            <a:avLst/>
+          </a:prstGeom>
+        </p:spPr>
+      </p:pic>
+      <p:grpSp>
+        <p:nvGrpSpPr>
+          <p:cNvPr id="33" name="グループ化 32">
+            <a:extLst>
+              <a:ext uri="{FF2B5EF4-FFF2-40B4-BE49-F238E27FC236}">
+                <a16:creationId xmlns:a16="http://schemas.microsoft.com/office/drawing/2014/main" id="{C1BC0DFF-D215-2EAC-05E9-C95DD8AEA35F}"/>
+              </a:ext>
+            </a:extLst>
+          </p:cNvPr>
+          <p:cNvGrpSpPr/>
+          <p:nvPr/>
+        </p:nvGrpSpPr>
+        <p:grpSpPr>
+          <a:xfrm>
+            <a:off x="720000" y="4689050"/>
+            <a:ext cx="5778671" cy="1442256"/>
+            <a:chOff x="632177" y="4767789"/>
+            <a:chExt cx="5778671" cy="1442256"/>
+          </a:xfrm>
+        </p:grpSpPr>
+        <p:pic>
+          <p:nvPicPr>
+            <p:cNvPr id="24" name="グラフィックス 23">
+              <a:extLst>
+                <a:ext uri="{FF2B5EF4-FFF2-40B4-BE49-F238E27FC236}">
+                  <a16:creationId xmlns:a16="http://schemas.microsoft.com/office/drawing/2014/main" id="{A9089DB6-3D8D-B8ED-75E1-A462088C8A70}"/>
+                </a:ext>
+              </a:extLst>
+            </p:cNvPr>
+            <p:cNvPicPr>
+              <a:picLocks noChangeAspect="1"/>
+            </p:cNvPicPr>
+            <p:nvPr/>
+          </p:nvPicPr>
+          <p:blipFill>
+            <a:blip r:embed="rId4">
+              <a:extLst>
+                <a:ext uri="{96DAC541-7B7A-43D3-8B79-37D633B846F1}">
+                  <asvg:svgBlip xmlns:asvg="http://schemas.microsoft.com/office/drawing/2016/SVG/main" r:embed="rId5"/>
+                </a:ext>
+              </a:extLst>
+            </a:blip>
+            <a:srcRect/>
+            <a:stretch/>
+          </p:blipFill>
+          <p:spPr>
+            <a:xfrm>
+              <a:off x="633047" y="4767789"/>
+              <a:ext cx="360000" cy="360000"/>
+            </a:xfrm>
+            <a:prstGeom prst="rect">
+              <a:avLst/>
+            </a:prstGeom>
+          </p:spPr>
+        </p:pic>
+        <p:pic>
+          <p:nvPicPr>
+            <p:cNvPr id="25" name="グラフィックス 24" descr="校舎 単色塗りつぶし">
+              <a:extLst>
+                <a:ext uri="{FF2B5EF4-FFF2-40B4-BE49-F238E27FC236}">
+                  <a16:creationId xmlns:a16="http://schemas.microsoft.com/office/drawing/2014/main" id="{3249F8CD-CAD7-7F1B-E2BB-864423EC16CC}"/>
+                </a:ext>
+              </a:extLst>
+            </p:cNvPr>
+            <p:cNvPicPr>
+              <a:picLocks noChangeAspect="1"/>
+            </p:cNvPicPr>
+            <p:nvPr/>
+          </p:nvPicPr>
+          <p:blipFill>
+            <a:blip r:embed="rId6">
+              <a:extLst>
+                <a:ext uri="{96DAC541-7B7A-43D3-8B79-37D633B846F1}">
+                  <asvg:svgBlip xmlns:asvg="http://schemas.microsoft.com/office/drawing/2016/SVG/main" r:embed="rId7"/>
+                </a:ext>
+              </a:extLst>
+            </a:blip>
+            <a:srcRect/>
+            <a:stretch/>
+          </p:blipFill>
+          <p:spPr>
+            <a:xfrm>
+              <a:off x="633047" y="5469949"/>
+              <a:ext cx="360000" cy="360000"/>
+            </a:xfrm>
+            <a:prstGeom prst="rect">
+              <a:avLst/>
+            </a:prstGeom>
+          </p:spPr>
+        </p:pic>
+        <p:pic>
+          <p:nvPicPr>
+            <p:cNvPr id="26" name="グラフィックス 25" descr="マーカー 単色塗りつぶし">
+              <a:extLst>
+                <a:ext uri="{FF2B5EF4-FFF2-40B4-BE49-F238E27FC236}">
+                  <a16:creationId xmlns:a16="http://schemas.microsoft.com/office/drawing/2014/main" id="{5F418B13-FFA6-807C-4553-BC4209BA1D78}"/>
+                </a:ext>
+              </a:extLst>
+            </p:cNvPr>
+            <p:cNvPicPr>
+              <a:picLocks noChangeAspect="1"/>
+            </p:cNvPicPr>
+            <p:nvPr/>
+          </p:nvPicPr>
+          <p:blipFill>
+            <a:blip r:embed="rId8">
+              <a:extLst>
+                <a:ext uri="{96DAC541-7B7A-43D3-8B79-37D633B846F1}">
+                  <asvg:svgBlip xmlns:asvg="http://schemas.microsoft.com/office/drawing/2016/SVG/main" r:embed="rId9"/>
+                </a:ext>
+              </a:extLst>
+            </a:blip>
+            <a:srcRect/>
+            <a:stretch/>
+          </p:blipFill>
+          <p:spPr>
+            <a:xfrm>
+              <a:off x="632177" y="5850045"/>
+              <a:ext cx="360000" cy="360000"/>
+            </a:xfrm>
+            <a:prstGeom prst="rect">
+              <a:avLst/>
+            </a:prstGeom>
+          </p:spPr>
+        </p:pic>
+        <p:pic>
+          <p:nvPicPr>
+            <p:cNvPr id="27" name="グラフィックス 26" descr="世界 単色塗りつぶし">
+              <a:extLst>
+                <a:ext uri="{FF2B5EF4-FFF2-40B4-BE49-F238E27FC236}">
+                  <a16:creationId xmlns:a16="http://schemas.microsoft.com/office/drawing/2014/main" id="{8EA172B0-8971-E567-5B5E-57E1088DCD63}"/>
+                </a:ext>
+              </a:extLst>
+            </p:cNvPr>
+            <p:cNvPicPr>
+              <a:picLocks noChangeAspect="1"/>
+            </p:cNvPicPr>
+            <p:nvPr/>
+          </p:nvPicPr>
+          <p:blipFill>
+            <a:blip r:embed="rId10">
+              <a:extLst>
+                <a:ext uri="{96DAC541-7B7A-43D3-8B79-37D633B846F1}">
+                  <asvg:svgBlip xmlns:asvg="http://schemas.microsoft.com/office/drawing/2016/SVG/main" r:embed="rId11"/>
+                </a:ext>
+              </a:extLst>
+            </a:blip>
+            <a:srcRect/>
+            <a:stretch/>
+          </p:blipFill>
+          <p:spPr>
+            <a:xfrm>
+              <a:off x="633047" y="5147884"/>
+              <a:ext cx="360000" cy="360000"/>
+            </a:xfrm>
+            <a:prstGeom prst="rect">
+              <a:avLst/>
+            </a:prstGeom>
+          </p:spPr>
+        </p:pic>
+        <p:sp>
+          <p:nvSpPr>
+            <p:cNvPr id="29" name="正方形/長方形 28">
+              <a:extLst>
+                <a:ext uri="{FF2B5EF4-FFF2-40B4-BE49-F238E27FC236}">
+                  <a16:creationId xmlns:a16="http://schemas.microsoft.com/office/drawing/2014/main" id="{8DC38EF7-5548-F959-64B1-E3BC4BA54357}"/>
+                </a:ext>
+              </a:extLst>
+            </p:cNvPr>
+            <p:cNvSpPr/>
+            <p:nvPr/>
+          </p:nvSpPr>
+          <p:spPr>
+            <a:xfrm>
+              <a:off x="992177" y="4767789"/>
+              <a:ext cx="3516123" cy="360000"/>
+            </a:xfrm>
+            <a:prstGeom prst="rect">
+              <a:avLst/>
+            </a:prstGeom>
+            <a:noFill/>
+            <a:ln>
+              <a:noFill/>
+            </a:ln>
+          </p:spPr>
+          <p:style>
+            <a:lnRef idx="2">
+              <a:schemeClr val="accent1">
+                <a:shade val="15000"/>
+              </a:schemeClr>
+            </a:lnRef>
+            <a:fillRef idx="1">
+              <a:schemeClr val="accent1"/>
+            </a:fillRef>
+            <a:effectRef idx="0">
+              <a:schemeClr val="accent1"/>
+            </a:effectRef>
+            <a:fontRef idx="minor">
+              <a:schemeClr val="lt1"/>
+            </a:fontRef>
+          </p:style>
+          <p:txBody>
+            <a:bodyPr rtlCol="0" anchor="ctr"/>
+            <a:lstStyle/>
+            <a:p>
+              <a:r>
+                <a:rPr kumimoji="1" lang="en-US" altLang="ja-JP" sz="1400" dirty="0">
+                  <a:solidFill>
+                    <a:srgbClr val="323232"/>
+                  </a:solidFill>
+                  <a:latin typeface="Yu Gothic" panose="020B0400000000000000" pitchFamily="34" charset="-128"/>
+                  <a:ea typeface="Yu Gothic" panose="020B0400000000000000" pitchFamily="34" charset="-128"/>
+                </a:rPr>
+                <a:t>ichikawa.masanari.18@shizuoka.ac.jp</a:t>
+              </a:r>
+              <a:endParaRPr kumimoji="1" lang="ja-JP" altLang="en-US" sz="1400">
+                <a:solidFill>
+                  <a:srgbClr val="323232"/>
+                </a:solidFill>
+                <a:latin typeface="Yu Gothic" panose="020B0400000000000000" pitchFamily="34" charset="-128"/>
+                <a:ea typeface="Yu Gothic" panose="020B0400000000000000" pitchFamily="34" charset="-128"/>
+              </a:endParaRPr>
+            </a:p>
+          </p:txBody>
+        </p:sp>
+        <p:sp>
+          <p:nvSpPr>
+            <p:cNvPr id="30" name="正方形/長方形 29">
+              <a:extLst>
+                <a:ext uri="{FF2B5EF4-FFF2-40B4-BE49-F238E27FC236}">
+                  <a16:creationId xmlns:a16="http://schemas.microsoft.com/office/drawing/2014/main" id="{4ADBFF52-46C6-336B-AC3E-0478F7A04414}"/>
+                </a:ext>
+              </a:extLst>
+            </p:cNvPr>
+            <p:cNvSpPr/>
+            <p:nvPr/>
+          </p:nvSpPr>
+          <p:spPr>
+            <a:xfrm>
+              <a:off x="992177" y="5147884"/>
+              <a:ext cx="2184611" cy="360000"/>
+            </a:xfrm>
+            <a:prstGeom prst="rect">
+              <a:avLst/>
+            </a:prstGeom>
+            <a:noFill/>
+            <a:ln>
+              <a:noFill/>
+            </a:ln>
+          </p:spPr>
+          <p:style>
+            <a:lnRef idx="2">
+              <a:schemeClr val="accent1">
+                <a:shade val="15000"/>
+              </a:schemeClr>
+            </a:lnRef>
+            <a:fillRef idx="1">
+              <a:schemeClr val="accent1"/>
+            </a:fillRef>
+            <a:effectRef idx="0">
+              <a:schemeClr val="accent1"/>
+            </a:effectRef>
+            <a:fontRef idx="minor">
+              <a:schemeClr val="lt1"/>
+            </a:fontRef>
+          </p:style>
+          <p:txBody>
+            <a:bodyPr rtlCol="0" anchor="ctr"/>
+            <a:lstStyle/>
+            <a:p>
+              <a:r>
+                <a:rPr kumimoji="1" lang="en-US" altLang="ja-JP" sz="1400" dirty="0" err="1">
+                  <a:solidFill>
+                    <a:srgbClr val="323232"/>
+                  </a:solidFill>
+                  <a:latin typeface="Yu Gothic" panose="020B0400000000000000" pitchFamily="34" charset="-128"/>
+                  <a:ea typeface="Yu Gothic" panose="020B0400000000000000" pitchFamily="34" charset="-128"/>
+                </a:rPr>
+                <a:t>masanarius.github.io</a:t>
+              </a:r>
+              <a:endParaRPr kumimoji="1" lang="ja-JP" altLang="en-US" sz="1400">
+                <a:solidFill>
+                  <a:srgbClr val="323232"/>
+                </a:solidFill>
+                <a:latin typeface="Yu Gothic" panose="020B0400000000000000" pitchFamily="34" charset="-128"/>
+                <a:ea typeface="Yu Gothic" panose="020B0400000000000000" pitchFamily="34" charset="-128"/>
+              </a:endParaRPr>
+            </a:p>
+          </p:txBody>
+        </p:sp>
+        <p:sp>
+          <p:nvSpPr>
+            <p:cNvPr id="31" name="正方形/長方形 30">
+              <a:extLst>
+                <a:ext uri="{FF2B5EF4-FFF2-40B4-BE49-F238E27FC236}">
+                  <a16:creationId xmlns:a16="http://schemas.microsoft.com/office/drawing/2014/main" id="{64134785-DC12-EF74-25B7-1582113EA464}"/>
+                </a:ext>
+              </a:extLst>
+            </p:cNvPr>
+            <p:cNvSpPr/>
+            <p:nvPr/>
+          </p:nvSpPr>
+          <p:spPr>
+            <a:xfrm>
+              <a:off x="993047" y="5469949"/>
+              <a:ext cx="4975238" cy="360000"/>
+            </a:xfrm>
+            <a:prstGeom prst="rect">
+              <a:avLst/>
+            </a:prstGeom>
+            <a:noFill/>
+            <a:ln>
+              <a:noFill/>
+            </a:ln>
+          </p:spPr>
+          <p:style>
+            <a:lnRef idx="2">
+              <a:schemeClr val="accent1">
+                <a:shade val="15000"/>
+              </a:schemeClr>
+            </a:lnRef>
+            <a:fillRef idx="1">
+              <a:schemeClr val="accent1"/>
+            </a:fillRef>
+            <a:effectRef idx="0">
+              <a:schemeClr val="accent1"/>
+            </a:effectRef>
+            <a:fontRef idx="minor">
+              <a:schemeClr val="lt1"/>
+            </a:fontRef>
+          </p:style>
+          <p:txBody>
+            <a:bodyPr rtlCol="0" anchor="ctr"/>
+            <a:lstStyle/>
+            <a:p>
+              <a:r>
+                <a:rPr kumimoji="1" lang="en-US" altLang="ja-JP" sz="1400" dirty="0">
+                  <a:solidFill>
+                    <a:srgbClr val="323232"/>
+                  </a:solidFill>
+                  <a:latin typeface="Yu Gothic" panose="020B0400000000000000" pitchFamily="34" charset="-128"/>
+                  <a:ea typeface="Yu Gothic" panose="020B0400000000000000" pitchFamily="34" charset="-128"/>
+                </a:rPr>
+                <a:t>Graduate School of Integrated Science and Technology</a:t>
+              </a:r>
+              <a:endParaRPr kumimoji="1" lang="ja-JP" altLang="en-US" sz="1400">
+                <a:solidFill>
+                  <a:srgbClr val="323232"/>
+                </a:solidFill>
+                <a:latin typeface="Yu Gothic" panose="020B0400000000000000" pitchFamily="34" charset="-128"/>
+                <a:ea typeface="Yu Gothic" panose="020B0400000000000000" pitchFamily="34" charset="-128"/>
+              </a:endParaRPr>
+            </a:p>
+          </p:txBody>
+        </p:sp>
+        <p:sp>
+          <p:nvSpPr>
+            <p:cNvPr id="32" name="正方形/長方形 31">
+              <a:extLst>
+                <a:ext uri="{FF2B5EF4-FFF2-40B4-BE49-F238E27FC236}">
+                  <a16:creationId xmlns:a16="http://schemas.microsoft.com/office/drawing/2014/main" id="{EA986BD9-00F0-F245-F8E0-1E472116D0EB}"/>
+                </a:ext>
+              </a:extLst>
+            </p:cNvPr>
+            <p:cNvSpPr/>
+            <p:nvPr/>
+          </p:nvSpPr>
+          <p:spPr>
+            <a:xfrm>
+              <a:off x="992177" y="5850045"/>
+              <a:ext cx="5418671" cy="360000"/>
+            </a:xfrm>
+            <a:prstGeom prst="rect">
+              <a:avLst/>
+            </a:prstGeom>
+            <a:noFill/>
+            <a:ln>
+              <a:noFill/>
+            </a:ln>
+          </p:spPr>
+          <p:style>
+            <a:lnRef idx="2">
+              <a:schemeClr val="accent1">
+                <a:shade val="15000"/>
+              </a:schemeClr>
+            </a:lnRef>
+            <a:fillRef idx="1">
+              <a:schemeClr val="accent1"/>
+            </a:fillRef>
+            <a:effectRef idx="0">
+              <a:schemeClr val="accent1"/>
+            </a:effectRef>
+            <a:fontRef idx="minor">
+              <a:schemeClr val="lt1"/>
+            </a:fontRef>
+          </p:style>
+          <p:txBody>
+            <a:bodyPr rtlCol="0" anchor="ctr"/>
+            <a:lstStyle/>
+            <a:p>
+              <a:r>
+                <a:rPr kumimoji="1" lang="en-US" altLang="ja-JP" sz="1400" dirty="0">
+                  <a:solidFill>
+                    <a:srgbClr val="323232"/>
+                  </a:solidFill>
+                  <a:latin typeface="Yu Gothic" panose="020B0400000000000000" pitchFamily="34" charset="-128"/>
+                  <a:ea typeface="Yu Gothic" panose="020B0400000000000000" pitchFamily="34" charset="-128"/>
+                </a:rPr>
+                <a:t>3-5-1 </a:t>
+              </a:r>
+              <a:r>
+                <a:rPr kumimoji="1" lang="en-US" altLang="ja-JP" sz="1400" dirty="0" err="1">
+                  <a:solidFill>
+                    <a:srgbClr val="323232"/>
+                  </a:solidFill>
+                  <a:latin typeface="Yu Gothic" panose="020B0400000000000000" pitchFamily="34" charset="-128"/>
+                  <a:ea typeface="Yu Gothic" panose="020B0400000000000000" pitchFamily="34" charset="-128"/>
+                </a:rPr>
+                <a:t>Johoku</a:t>
+              </a:r>
+              <a:r>
+                <a:rPr kumimoji="1" lang="en-US" altLang="ja-JP" sz="1400" dirty="0">
+                  <a:solidFill>
+                    <a:srgbClr val="323232"/>
+                  </a:solidFill>
+                  <a:latin typeface="Yu Gothic" panose="020B0400000000000000" pitchFamily="34" charset="-128"/>
+                  <a:ea typeface="Yu Gothic" panose="020B0400000000000000" pitchFamily="34" charset="-128"/>
+                </a:rPr>
+                <a:t>, Naka-</a:t>
+              </a:r>
+              <a:r>
+                <a:rPr kumimoji="1" lang="en-US" altLang="ja-JP" sz="1400" dirty="0" err="1">
+                  <a:solidFill>
+                    <a:srgbClr val="323232"/>
+                  </a:solidFill>
+                  <a:latin typeface="Yu Gothic" panose="020B0400000000000000" pitchFamily="34" charset="-128"/>
+                  <a:ea typeface="Yu Gothic" panose="020B0400000000000000" pitchFamily="34" charset="-128"/>
+                </a:rPr>
+                <a:t>ku</a:t>
+              </a:r>
+              <a:r>
+                <a:rPr kumimoji="1" lang="en-US" altLang="ja-JP" sz="1400" dirty="0">
+                  <a:solidFill>
+                    <a:srgbClr val="323232"/>
+                  </a:solidFill>
+                  <a:latin typeface="Yu Gothic" panose="020B0400000000000000" pitchFamily="34" charset="-128"/>
+                  <a:ea typeface="Yu Gothic" panose="020B0400000000000000" pitchFamily="34" charset="-128"/>
+                </a:rPr>
+                <a:t>, Hamamatsu, Japan, 432-8011</a:t>
+              </a:r>
+              <a:endParaRPr kumimoji="1" lang="ja-JP" altLang="en-US" sz="1400">
+                <a:solidFill>
+                  <a:srgbClr val="323232"/>
+                </a:solidFill>
+                <a:latin typeface="Yu Gothic" panose="020B0400000000000000" pitchFamily="34" charset="-128"/>
+                <a:ea typeface="Yu Gothic" panose="020B0400000000000000" pitchFamily="34" charset="-128"/>
+              </a:endParaRPr>
+            </a:p>
+          </p:txBody>
+        </p:sp>
+      </p:grpSp>
+    </p:spTree>
+    <p:extLst>
+      <p:ext uri="{BB962C8B-B14F-4D97-AF65-F5344CB8AC3E}">
+        <p14:creationId xmlns:p14="http://schemas.microsoft.com/office/powerpoint/2010/main" val="3438781077"/>
+      </p:ext>
+    </p:extLst>
+  </p:cSld>
+  <p:clrMapOvr>
+    <a:masterClrMapping/>
+  </p:clrMapOvr>
+</p:sld>
+</file>
+
+<file path=ppt/slides/slide3.xml><?xml version="1.0" encoding="utf-8"?>
+<p:sld xmlns:a="http://schemas.openxmlformats.org/drawingml/2006/main" xmlns:r="http://schemas.openxmlformats.org/officeDocument/2006/relationships" xmlns:p="http://schemas.openxmlformats.org/presentationml/2006/main">
+  <p:cSld>
+    <p:spTree>
+      <p:nvGrpSpPr>
+        <p:cNvPr id="1" name=""/>
+        <p:cNvGrpSpPr/>
+        <p:nvPr/>
+      </p:nvGrpSpPr>
+      <p:grpSpPr>
+        <a:xfrm>
+          <a:off x="0" y="0"/>
+          <a:ext cx="0" cy="0"/>
+          <a:chOff x="0" y="0"/>
+          <a:chExt cx="0" cy="0"/>
+        </a:xfrm>
+      </p:grpSpPr>
+      <p:sp>
+        <p:nvSpPr>
+          <p:cNvPr id="4" name="正方形/長方形 3">
+            <a:extLst>
+              <a:ext uri="{FF2B5EF4-FFF2-40B4-BE49-F238E27FC236}">
+                <a16:creationId xmlns:a16="http://schemas.microsoft.com/office/drawing/2014/main" id="{BD75CB29-FDF1-04EA-CBCC-0405FD653C22}"/>
+              </a:ext>
+            </a:extLst>
+          </p:cNvPr>
+          <p:cNvSpPr/>
+          <p:nvPr/>
+        </p:nvSpPr>
+        <p:spPr>
+          <a:xfrm>
+            <a:off x="720000" y="2519002"/>
+            <a:ext cx="5336108" cy="1440000"/>
+          </a:xfrm>
+          <a:prstGeom prst="rect">
+            <a:avLst/>
+          </a:prstGeom>
+          <a:noFill/>
+          <a:ln>
+            <a:noFill/>
+          </a:ln>
+        </p:spPr>
+        <p:style>
+          <a:lnRef idx="2">
+            <a:schemeClr val="accent1">
+              <a:shade val="15000"/>
+            </a:schemeClr>
+          </a:lnRef>
+          <a:fillRef idx="1">
+            <a:schemeClr val="accent1"/>
+          </a:fillRef>
+          <a:effectRef idx="0">
+            <a:schemeClr val="accent1"/>
+          </a:effectRef>
+          <a:fontRef idx="minor">
+            <a:schemeClr val="lt1"/>
+          </a:fontRef>
+        </p:style>
+        <p:txBody>
+          <a:bodyPr rtlCol="0" anchor="ctr"/>
+          <a:lstStyle/>
+          <a:p>
+            <a:r>
+              <a:rPr kumimoji="1" lang="ja-JP" altLang="en-US" sz="6000">
+                <a:solidFill>
+                  <a:srgbClr val="323232"/>
+                </a:solidFill>
+                <a:latin typeface="+mn-ea"/>
+              </a:rPr>
+              <a:t>市 川  雅 也</a:t>
+            </a:r>
+            <a:endParaRPr kumimoji="1" lang="en-US" altLang="ja-JP" sz="6000" dirty="0">
+              <a:solidFill>
+                <a:srgbClr val="323232"/>
+              </a:solidFill>
+              <a:latin typeface="+mn-ea"/>
+            </a:endParaRPr>
+          </a:p>
+          <a:p>
+            <a:r>
+              <a:rPr kumimoji="1" lang="en-US" altLang="ja-JP" sz="2400" dirty="0">
+                <a:solidFill>
+                  <a:srgbClr val="323232"/>
+                </a:solidFill>
+                <a:latin typeface="+mn-ea"/>
+              </a:rPr>
+              <a:t>Masanari Ichikawa</a:t>
+            </a:r>
+            <a:endParaRPr kumimoji="1" lang="ja-JP" altLang="en-US" sz="2400">
+              <a:solidFill>
+                <a:srgbClr val="323232"/>
+              </a:solidFill>
+              <a:latin typeface="+mn-ea"/>
+            </a:endParaRPr>
+          </a:p>
+        </p:txBody>
+      </p:sp>
+      <p:pic>
+        <p:nvPicPr>
+          <p:cNvPr id="22" name="図 21" descr="ロゴ, アイコン&#10;&#10;自動的に生成された説明">
+            <a:extLst>
+              <a:ext uri="{FF2B5EF4-FFF2-40B4-BE49-F238E27FC236}">
+                <a16:creationId xmlns:a16="http://schemas.microsoft.com/office/drawing/2014/main" id="{00E652C2-BC75-0D52-B948-5F1F7C11B34B}"/>
+              </a:ext>
+            </a:extLst>
+          </p:cNvPr>
+          <p:cNvPicPr>
+            <a:picLocks noChangeAspect="1"/>
+          </p:cNvPicPr>
+          <p:nvPr/>
+        </p:nvPicPr>
+        <p:blipFill>
+          <a:blip r:embed="rId3"/>
+          <a:stretch>
+            <a:fillRect/>
+          </a:stretch>
+        </p:blipFill>
+        <p:spPr>
+          <a:xfrm>
+            <a:off x="9356851" y="719002"/>
+            <a:ext cx="1447273" cy="1440000"/>
+          </a:xfrm>
+          <a:prstGeom prst="rect">
+            <a:avLst/>
+          </a:prstGeom>
+        </p:spPr>
+      </p:pic>
+      <p:grpSp>
+        <p:nvGrpSpPr>
+          <p:cNvPr id="33" name="グループ化 32">
+            <a:extLst>
+              <a:ext uri="{FF2B5EF4-FFF2-40B4-BE49-F238E27FC236}">
+                <a16:creationId xmlns:a16="http://schemas.microsoft.com/office/drawing/2014/main" id="{C1BC0DFF-D215-2EAC-05E9-C95DD8AEA35F}"/>
+              </a:ext>
+            </a:extLst>
+          </p:cNvPr>
+          <p:cNvGrpSpPr/>
+          <p:nvPr/>
+        </p:nvGrpSpPr>
+        <p:grpSpPr>
+          <a:xfrm>
+            <a:off x="720000" y="4689050"/>
+            <a:ext cx="5778671" cy="1442256"/>
+            <a:chOff x="632177" y="4767789"/>
+            <a:chExt cx="5778671" cy="1442256"/>
+          </a:xfrm>
+        </p:grpSpPr>
+        <p:pic>
+          <p:nvPicPr>
+            <p:cNvPr id="24" name="グラフィックス 23">
+              <a:extLst>
+                <a:ext uri="{FF2B5EF4-FFF2-40B4-BE49-F238E27FC236}">
+                  <a16:creationId xmlns:a16="http://schemas.microsoft.com/office/drawing/2014/main" id="{A9089DB6-3D8D-B8ED-75E1-A462088C8A70}"/>
+                </a:ext>
+              </a:extLst>
+            </p:cNvPr>
+            <p:cNvPicPr>
+              <a:picLocks noChangeAspect="1"/>
+            </p:cNvPicPr>
+            <p:nvPr/>
+          </p:nvPicPr>
+          <p:blipFill>
+            <a:blip r:embed="rId4">
+              <a:extLst>
+                <a:ext uri="{96DAC541-7B7A-43D3-8B79-37D633B846F1}">
+                  <asvg:svgBlip xmlns:asvg="http://schemas.microsoft.com/office/drawing/2016/SVG/main" r:embed="rId5"/>
+                </a:ext>
+              </a:extLst>
+            </a:blip>
+            <a:srcRect/>
+            <a:stretch/>
+          </p:blipFill>
+          <p:spPr>
+            <a:xfrm>
+              <a:off x="633047" y="4767789"/>
+              <a:ext cx="360000" cy="360000"/>
+            </a:xfrm>
+            <a:prstGeom prst="rect">
+              <a:avLst/>
+            </a:prstGeom>
+          </p:spPr>
+        </p:pic>
+        <p:pic>
+          <p:nvPicPr>
+            <p:cNvPr id="25" name="グラフィックス 24" descr="校舎 単色塗りつぶし">
+              <a:extLst>
+                <a:ext uri="{FF2B5EF4-FFF2-40B4-BE49-F238E27FC236}">
+                  <a16:creationId xmlns:a16="http://schemas.microsoft.com/office/drawing/2014/main" id="{3249F8CD-CAD7-7F1B-E2BB-864423EC16CC}"/>
+                </a:ext>
+              </a:extLst>
+            </p:cNvPr>
+            <p:cNvPicPr>
+              <a:picLocks noChangeAspect="1"/>
+            </p:cNvPicPr>
+            <p:nvPr/>
+          </p:nvPicPr>
+          <p:blipFill>
+            <a:blip r:embed="rId6">
+              <a:extLst>
+                <a:ext uri="{96DAC541-7B7A-43D3-8B79-37D633B846F1}">
+                  <asvg:svgBlip xmlns:asvg="http://schemas.microsoft.com/office/drawing/2016/SVG/main" r:embed="rId7"/>
+                </a:ext>
+              </a:extLst>
+            </a:blip>
+            <a:srcRect/>
+            <a:stretch/>
+          </p:blipFill>
+          <p:spPr>
+            <a:xfrm>
+              <a:off x="633047" y="5469949"/>
+              <a:ext cx="360000" cy="360000"/>
+            </a:xfrm>
+            <a:prstGeom prst="rect">
+              <a:avLst/>
+            </a:prstGeom>
+          </p:spPr>
+        </p:pic>
+        <p:pic>
+          <p:nvPicPr>
+            <p:cNvPr id="26" name="グラフィックス 25" descr="マーカー 単色塗りつぶし">
+              <a:extLst>
+                <a:ext uri="{FF2B5EF4-FFF2-40B4-BE49-F238E27FC236}">
+                  <a16:creationId xmlns:a16="http://schemas.microsoft.com/office/drawing/2014/main" id="{5F418B13-FFA6-807C-4553-BC4209BA1D78}"/>
+                </a:ext>
+              </a:extLst>
+            </p:cNvPr>
+            <p:cNvPicPr>
+              <a:picLocks noChangeAspect="1"/>
+            </p:cNvPicPr>
+            <p:nvPr/>
+          </p:nvPicPr>
+          <p:blipFill>
+            <a:blip r:embed="rId8">
+              <a:extLst>
+                <a:ext uri="{96DAC541-7B7A-43D3-8B79-37D633B846F1}">
+                  <asvg:svgBlip xmlns:asvg="http://schemas.microsoft.com/office/drawing/2016/SVG/main" r:embed="rId9"/>
+                </a:ext>
+              </a:extLst>
+            </a:blip>
+            <a:srcRect/>
+            <a:stretch/>
+          </p:blipFill>
+          <p:spPr>
+            <a:xfrm>
+              <a:off x="632177" y="5850045"/>
+              <a:ext cx="360000" cy="360000"/>
+            </a:xfrm>
+            <a:prstGeom prst="rect">
+              <a:avLst/>
+            </a:prstGeom>
+          </p:spPr>
+        </p:pic>
+        <p:pic>
+          <p:nvPicPr>
+            <p:cNvPr id="27" name="グラフィックス 26" descr="世界 単色塗りつぶし">
+              <a:extLst>
+                <a:ext uri="{FF2B5EF4-FFF2-40B4-BE49-F238E27FC236}">
+                  <a16:creationId xmlns:a16="http://schemas.microsoft.com/office/drawing/2014/main" id="{8EA172B0-8971-E567-5B5E-57E1088DCD63}"/>
+                </a:ext>
+              </a:extLst>
+            </p:cNvPr>
+            <p:cNvPicPr>
+              <a:picLocks noChangeAspect="1"/>
+            </p:cNvPicPr>
+            <p:nvPr/>
+          </p:nvPicPr>
+          <p:blipFill>
+            <a:blip r:embed="rId10">
+              <a:extLst>
+                <a:ext uri="{96DAC541-7B7A-43D3-8B79-37D633B846F1}">
+                  <asvg:svgBlip xmlns:asvg="http://schemas.microsoft.com/office/drawing/2016/SVG/main" r:embed="rId11"/>
+                </a:ext>
+              </a:extLst>
+            </a:blip>
+            <a:srcRect/>
+            <a:stretch/>
+          </p:blipFill>
+          <p:spPr>
+            <a:xfrm>
+              <a:off x="633047" y="5147884"/>
+              <a:ext cx="360000" cy="360000"/>
+            </a:xfrm>
+            <a:prstGeom prst="rect">
+              <a:avLst/>
+            </a:prstGeom>
+          </p:spPr>
+        </p:pic>
+        <p:sp>
+          <p:nvSpPr>
+            <p:cNvPr id="29" name="正方形/長方形 28">
+              <a:extLst>
+                <a:ext uri="{FF2B5EF4-FFF2-40B4-BE49-F238E27FC236}">
+                  <a16:creationId xmlns:a16="http://schemas.microsoft.com/office/drawing/2014/main" id="{8DC38EF7-5548-F959-64B1-E3BC4BA54357}"/>
+                </a:ext>
+              </a:extLst>
+            </p:cNvPr>
+            <p:cNvSpPr/>
+            <p:nvPr/>
+          </p:nvSpPr>
+          <p:spPr>
+            <a:xfrm>
+              <a:off x="992177" y="4767789"/>
+              <a:ext cx="3516123" cy="360000"/>
+            </a:xfrm>
+            <a:prstGeom prst="rect">
+              <a:avLst/>
+            </a:prstGeom>
+            <a:noFill/>
+            <a:ln>
+              <a:noFill/>
+            </a:ln>
+          </p:spPr>
+          <p:style>
+            <a:lnRef idx="2">
+              <a:schemeClr val="accent1">
+                <a:shade val="15000"/>
+              </a:schemeClr>
+            </a:lnRef>
+            <a:fillRef idx="1">
+              <a:schemeClr val="accent1"/>
+            </a:fillRef>
+            <a:effectRef idx="0">
+              <a:schemeClr val="accent1"/>
+            </a:effectRef>
+            <a:fontRef idx="minor">
+              <a:schemeClr val="lt1"/>
+            </a:fontRef>
+          </p:style>
+          <p:txBody>
+            <a:bodyPr rtlCol="0" anchor="ctr"/>
+            <a:lstStyle/>
+            <a:p>
+              <a:r>
+                <a:rPr kumimoji="1" lang="en-US" altLang="ja-JP" sz="1400" dirty="0">
+                  <a:solidFill>
+                    <a:srgbClr val="323232"/>
+                  </a:solidFill>
+                  <a:latin typeface="Yu Gothic" panose="020B0400000000000000" pitchFamily="34" charset="-128"/>
+                  <a:ea typeface="Yu Gothic" panose="020B0400000000000000" pitchFamily="34" charset="-128"/>
+                </a:rPr>
+                <a:t>ichikawa.masanari.18@shizuoka.ac.jp</a:t>
+              </a:r>
+              <a:endParaRPr kumimoji="1" lang="ja-JP" altLang="en-US" sz="1400">
+                <a:solidFill>
+                  <a:srgbClr val="323232"/>
+                </a:solidFill>
+                <a:latin typeface="Yu Gothic" panose="020B0400000000000000" pitchFamily="34" charset="-128"/>
+                <a:ea typeface="Yu Gothic" panose="020B0400000000000000" pitchFamily="34" charset="-128"/>
+              </a:endParaRPr>
+            </a:p>
+          </p:txBody>
+        </p:sp>
+        <p:sp>
+          <p:nvSpPr>
+            <p:cNvPr id="30" name="正方形/長方形 29">
+              <a:extLst>
+                <a:ext uri="{FF2B5EF4-FFF2-40B4-BE49-F238E27FC236}">
+                  <a16:creationId xmlns:a16="http://schemas.microsoft.com/office/drawing/2014/main" id="{4ADBFF52-46C6-336B-AC3E-0478F7A04414}"/>
+                </a:ext>
+              </a:extLst>
+            </p:cNvPr>
+            <p:cNvSpPr/>
+            <p:nvPr/>
+          </p:nvSpPr>
+          <p:spPr>
+            <a:xfrm>
+              <a:off x="992177" y="5147884"/>
+              <a:ext cx="2184611" cy="360000"/>
+            </a:xfrm>
+            <a:prstGeom prst="rect">
+              <a:avLst/>
+            </a:prstGeom>
+            <a:noFill/>
+            <a:ln>
+              <a:noFill/>
+            </a:ln>
+          </p:spPr>
+          <p:style>
+            <a:lnRef idx="2">
+              <a:schemeClr val="accent1">
+                <a:shade val="15000"/>
+              </a:schemeClr>
+            </a:lnRef>
+            <a:fillRef idx="1">
+              <a:schemeClr val="accent1"/>
+            </a:fillRef>
+            <a:effectRef idx="0">
+              <a:schemeClr val="accent1"/>
+            </a:effectRef>
+            <a:fontRef idx="minor">
+              <a:schemeClr val="lt1"/>
+            </a:fontRef>
+          </p:style>
+          <p:txBody>
+            <a:bodyPr rtlCol="0" anchor="ctr"/>
+            <a:lstStyle/>
+            <a:p>
+              <a:r>
+                <a:rPr kumimoji="1" lang="en-US" altLang="ja-JP" sz="1400" dirty="0" err="1">
+                  <a:solidFill>
+                    <a:srgbClr val="323232"/>
+                  </a:solidFill>
+                  <a:latin typeface="Yu Gothic" panose="020B0400000000000000" pitchFamily="34" charset="-128"/>
+                  <a:ea typeface="Yu Gothic" panose="020B0400000000000000" pitchFamily="34" charset="-128"/>
+                </a:rPr>
+                <a:t>masanarius.github.io</a:t>
+              </a:r>
+              <a:endParaRPr kumimoji="1" lang="ja-JP" altLang="en-US" sz="1400">
+                <a:solidFill>
+                  <a:srgbClr val="323232"/>
+                </a:solidFill>
+                <a:latin typeface="Yu Gothic" panose="020B0400000000000000" pitchFamily="34" charset="-128"/>
+                <a:ea typeface="Yu Gothic" panose="020B0400000000000000" pitchFamily="34" charset="-128"/>
+              </a:endParaRPr>
+            </a:p>
+          </p:txBody>
+        </p:sp>
+        <p:sp>
+          <p:nvSpPr>
+            <p:cNvPr id="31" name="正方形/長方形 30">
+              <a:extLst>
+                <a:ext uri="{FF2B5EF4-FFF2-40B4-BE49-F238E27FC236}">
+                  <a16:creationId xmlns:a16="http://schemas.microsoft.com/office/drawing/2014/main" id="{64134785-DC12-EF74-25B7-1582113EA464}"/>
+                </a:ext>
+              </a:extLst>
+            </p:cNvPr>
+            <p:cNvSpPr/>
+            <p:nvPr/>
+          </p:nvSpPr>
+          <p:spPr>
+            <a:xfrm>
+              <a:off x="993047" y="5469949"/>
+              <a:ext cx="4677925" cy="360000"/>
+            </a:xfrm>
+            <a:prstGeom prst="rect">
+              <a:avLst/>
+            </a:prstGeom>
+            <a:noFill/>
+            <a:ln>
+              <a:noFill/>
+            </a:ln>
+          </p:spPr>
+          <p:style>
+            <a:lnRef idx="2">
+              <a:schemeClr val="accent1">
+                <a:shade val="15000"/>
+              </a:schemeClr>
+            </a:lnRef>
+            <a:fillRef idx="1">
+              <a:schemeClr val="accent1"/>
+            </a:fillRef>
+            <a:effectRef idx="0">
+              <a:schemeClr val="accent1"/>
+            </a:effectRef>
+            <a:fontRef idx="minor">
+              <a:schemeClr val="lt1"/>
+            </a:fontRef>
+          </p:style>
+          <p:txBody>
+            <a:bodyPr rtlCol="0" anchor="ctr"/>
+            <a:lstStyle/>
+            <a:p>
+              <a:r>
+                <a:rPr kumimoji="1" lang="ja-JP" altLang="en-US" sz="1400">
+                  <a:solidFill>
+                    <a:srgbClr val="323232"/>
+                  </a:solidFill>
+                  <a:latin typeface="Yu Gothic" panose="020B0400000000000000" pitchFamily="34" charset="-128"/>
+                  <a:ea typeface="Yu Gothic" panose="020B0400000000000000" pitchFamily="34" charset="-128"/>
+                </a:rPr>
+                <a:t>静岡大学大学院</a:t>
+              </a:r>
+              <a:r>
+                <a:rPr kumimoji="1" lang="en-US" altLang="ja-JP" sz="1400" dirty="0">
+                  <a:solidFill>
+                    <a:srgbClr val="323232"/>
+                  </a:solidFill>
+                  <a:latin typeface="Yu Gothic" panose="020B0400000000000000" pitchFamily="34" charset="-128"/>
+                  <a:ea typeface="Yu Gothic" panose="020B0400000000000000" pitchFamily="34" charset="-128"/>
+                </a:rPr>
+                <a:t> </a:t>
+              </a:r>
+              <a:r>
+                <a:rPr kumimoji="1" lang="ja-JP" altLang="en-US" sz="1400">
+                  <a:solidFill>
+                    <a:srgbClr val="323232"/>
+                  </a:solidFill>
+                  <a:latin typeface="Yu Gothic" panose="020B0400000000000000" pitchFamily="34" charset="-128"/>
+                  <a:ea typeface="Yu Gothic" panose="020B0400000000000000" pitchFamily="34" charset="-128"/>
+                </a:rPr>
+                <a:t>総合科学技術研究科</a:t>
+              </a:r>
+            </a:p>
+          </p:txBody>
+        </p:sp>
+        <p:sp>
+          <p:nvSpPr>
+            <p:cNvPr id="32" name="正方形/長方形 31">
+              <a:extLst>
+                <a:ext uri="{FF2B5EF4-FFF2-40B4-BE49-F238E27FC236}">
+                  <a16:creationId xmlns:a16="http://schemas.microsoft.com/office/drawing/2014/main" id="{EA986BD9-00F0-F245-F8E0-1E472116D0EB}"/>
+                </a:ext>
+              </a:extLst>
+            </p:cNvPr>
+            <p:cNvSpPr/>
+            <p:nvPr/>
+          </p:nvSpPr>
+          <p:spPr>
+            <a:xfrm>
+              <a:off x="992177" y="5850045"/>
+              <a:ext cx="5418671" cy="360000"/>
+            </a:xfrm>
+            <a:prstGeom prst="rect">
+              <a:avLst/>
+            </a:prstGeom>
+            <a:noFill/>
+            <a:ln>
+              <a:noFill/>
+            </a:ln>
+          </p:spPr>
+          <p:style>
+            <a:lnRef idx="2">
+              <a:schemeClr val="accent1">
+                <a:shade val="15000"/>
+              </a:schemeClr>
+            </a:lnRef>
+            <a:fillRef idx="1">
+              <a:schemeClr val="accent1"/>
+            </a:fillRef>
+            <a:effectRef idx="0">
+              <a:schemeClr val="accent1"/>
+            </a:effectRef>
+            <a:fontRef idx="minor">
+              <a:schemeClr val="lt1"/>
+            </a:fontRef>
+          </p:style>
+          <p:txBody>
+            <a:bodyPr rtlCol="0" anchor="ctr"/>
+            <a:lstStyle/>
+            <a:p>
+              <a:r>
+                <a:rPr kumimoji="1" lang="ja-JP" altLang="en-US" sz="1400">
+                  <a:solidFill>
+                    <a:srgbClr val="323232"/>
+                  </a:solidFill>
+                  <a:latin typeface="Yu Gothic" panose="020B0400000000000000" pitchFamily="34" charset="-128"/>
+                  <a:ea typeface="Yu Gothic" panose="020B0400000000000000" pitchFamily="34" charset="-128"/>
+                </a:rPr>
+                <a:t>〒</a:t>
+              </a:r>
+              <a:r>
+                <a:rPr kumimoji="1" lang="en-US" altLang="ja-JP" sz="1400" dirty="0">
+                  <a:solidFill>
+                    <a:srgbClr val="323232"/>
+                  </a:solidFill>
+                  <a:latin typeface="Yu Gothic" panose="020B0400000000000000" pitchFamily="34" charset="-128"/>
+                  <a:ea typeface="Yu Gothic" panose="020B0400000000000000" pitchFamily="34" charset="-128"/>
+                </a:rPr>
+                <a:t>432-8011 </a:t>
+              </a:r>
+              <a:r>
+                <a:rPr kumimoji="1" lang="ja-JP" altLang="en-US" sz="1400">
+                  <a:solidFill>
+                    <a:srgbClr val="323232"/>
+                  </a:solidFill>
+                  <a:latin typeface="Yu Gothic" panose="020B0400000000000000" pitchFamily="34" charset="-128"/>
+                  <a:ea typeface="Yu Gothic" panose="020B0400000000000000" pitchFamily="34" charset="-128"/>
+                </a:rPr>
+                <a:t>静岡県浜松市中区城北</a:t>
+              </a:r>
+              <a:r>
+                <a:rPr kumimoji="1" lang="en-US" altLang="ja-JP" sz="1400" dirty="0">
+                  <a:solidFill>
+                    <a:srgbClr val="323232"/>
+                  </a:solidFill>
+                  <a:latin typeface="Yu Gothic" panose="020B0400000000000000" pitchFamily="34" charset="-128"/>
+                  <a:ea typeface="Yu Gothic" panose="020B0400000000000000" pitchFamily="34" charset="-128"/>
+                </a:rPr>
+                <a:t>3-5-1 </a:t>
+              </a:r>
+              <a:r>
+                <a:rPr kumimoji="1" lang="ja-JP" altLang="en-US" sz="1400">
+                  <a:solidFill>
+                    <a:srgbClr val="323232"/>
+                  </a:solidFill>
+                  <a:latin typeface="Yu Gothic" panose="020B0400000000000000" pitchFamily="34" charset="-128"/>
+                  <a:ea typeface="Yu Gothic" panose="020B0400000000000000" pitchFamily="34" charset="-128"/>
+                </a:rPr>
+                <a:t>静岡大学浜松キャンパス</a:t>
+              </a:r>
+            </a:p>
+          </p:txBody>
+        </p:sp>
+      </p:grpSp>
+      <p:pic>
+        <p:nvPicPr>
+          <p:cNvPr id="3" name="図 2" descr="QR コード&#10;&#10;自動的に生成された説明">
+            <a:extLst>
+              <a:ext uri="{FF2B5EF4-FFF2-40B4-BE49-F238E27FC236}">
+                <a16:creationId xmlns:a16="http://schemas.microsoft.com/office/drawing/2014/main" id="{23BD2C65-4ED6-3566-C728-D47A66A3A60F}"/>
+              </a:ext>
+            </a:extLst>
+          </p:cNvPr>
+          <p:cNvPicPr>
+            <a:picLocks noChangeAspect="1"/>
+          </p:cNvPicPr>
+          <p:nvPr/>
+        </p:nvPicPr>
+        <p:blipFill>
+          <a:blip r:embed="rId12"/>
+          <a:stretch>
+            <a:fillRect/>
+          </a:stretch>
+        </p:blipFill>
+        <p:spPr>
+          <a:xfrm>
+            <a:off x="7919618" y="2871210"/>
+            <a:ext cx="2880000" cy="2880000"/>
+          </a:xfrm>
+          <a:prstGeom prst="rect">
+            <a:avLst/>
+          </a:prstGeom>
+        </p:spPr>
+      </p:pic>
+    </p:spTree>
+    <p:extLst>
+      <p:ext uri="{BB962C8B-B14F-4D97-AF65-F5344CB8AC3E}">
+        <p14:creationId xmlns:p14="http://schemas.microsoft.com/office/powerpoint/2010/main" val="688766225"/>
+      </p:ext>
+    </p:extLst>
+  </p:cSld>
+  <p:clrMapOvr>
+    <a:masterClrMapping/>
+  </p:clrMapOvr>
+</p:sld>
+</file>
+
+<file path=ppt/slides/slide4.xml><?xml version="1.0" encoding="utf-8"?>
 <p:sld xmlns:a="http://schemas.openxmlformats.org/drawingml/2006/main" xmlns:r="http://schemas.openxmlformats.org/officeDocument/2006/relationships" xmlns:p="http://schemas.openxmlformats.org/presentationml/2006/main">
   <p:cSld>
     <p:spTree>
@@ -4674,614 +6689,7 @@
 </p:sld>
 </file>
 
-<file path=ppt/slides/slide2.xml><?xml version="1.0" encoding="utf-8"?>
-<p:sld xmlns:a="http://schemas.openxmlformats.org/drawingml/2006/main" xmlns:r="http://schemas.openxmlformats.org/officeDocument/2006/relationships" xmlns:p="http://schemas.openxmlformats.org/presentationml/2006/main">
-  <p:cSld>
-    <p:spTree>
-      <p:nvGrpSpPr>
-        <p:cNvPr id="1" name=""/>
-        <p:cNvGrpSpPr/>
-        <p:nvPr/>
-      </p:nvGrpSpPr>
-      <p:grpSpPr>
-        <a:xfrm>
-          <a:off x="0" y="0"/>
-          <a:ext cx="0" cy="0"/>
-          <a:chOff x="0" y="0"/>
-          <a:chExt cx="0" cy="0"/>
-        </a:xfrm>
-      </p:grpSpPr>
-      <p:sp>
-        <p:nvSpPr>
-          <p:cNvPr id="4" name="正方形/長方形 3">
-            <a:extLst>
-              <a:ext uri="{FF2B5EF4-FFF2-40B4-BE49-F238E27FC236}">
-                <a16:creationId xmlns:a16="http://schemas.microsoft.com/office/drawing/2014/main" id="{BD75CB29-FDF1-04EA-CBCC-0405FD653C22}"/>
-              </a:ext>
-            </a:extLst>
-          </p:cNvPr>
-          <p:cNvSpPr/>
-          <p:nvPr/>
-        </p:nvSpPr>
-        <p:spPr>
-          <a:xfrm>
-            <a:off x="720000" y="2519002"/>
-            <a:ext cx="5336108" cy="1440000"/>
-          </a:xfrm>
-          <a:prstGeom prst="rect">
-            <a:avLst/>
-          </a:prstGeom>
-          <a:noFill/>
-          <a:ln>
-            <a:noFill/>
-          </a:ln>
-        </p:spPr>
-        <p:style>
-          <a:lnRef idx="2">
-            <a:schemeClr val="accent1">
-              <a:shade val="15000"/>
-            </a:schemeClr>
-          </a:lnRef>
-          <a:fillRef idx="1">
-            <a:schemeClr val="accent1"/>
-          </a:fillRef>
-          <a:effectRef idx="0">
-            <a:schemeClr val="accent1"/>
-          </a:effectRef>
-          <a:fontRef idx="minor">
-            <a:schemeClr val="lt1"/>
-          </a:fontRef>
-        </p:style>
-        <p:txBody>
-          <a:bodyPr rtlCol="0" anchor="ctr"/>
-          <a:lstStyle/>
-          <a:p>
-            <a:r>
-              <a:rPr kumimoji="1" lang="ja-JP" altLang="en-US" sz="6000">
-                <a:solidFill>
-                  <a:srgbClr val="323232"/>
-                </a:solidFill>
-                <a:latin typeface="+mn-ea"/>
-              </a:rPr>
-              <a:t>市 川  雅 也</a:t>
-            </a:r>
-            <a:endParaRPr kumimoji="1" lang="en-US" altLang="ja-JP" sz="6000" dirty="0">
-              <a:solidFill>
-                <a:srgbClr val="323232"/>
-              </a:solidFill>
-              <a:latin typeface="+mn-ea"/>
-            </a:endParaRPr>
-          </a:p>
-          <a:p>
-            <a:r>
-              <a:rPr kumimoji="1" lang="en-US" altLang="ja-JP" sz="2400" dirty="0">
-                <a:solidFill>
-                  <a:srgbClr val="323232"/>
-                </a:solidFill>
-                <a:latin typeface="+mn-ea"/>
-              </a:rPr>
-              <a:t>Masanari Ichikawa</a:t>
-            </a:r>
-            <a:endParaRPr kumimoji="1" lang="ja-JP" altLang="en-US" sz="2400">
-              <a:solidFill>
-                <a:srgbClr val="323232"/>
-              </a:solidFill>
-              <a:latin typeface="+mn-ea"/>
-            </a:endParaRPr>
-          </a:p>
-        </p:txBody>
-      </p:sp>
-      <p:pic>
-        <p:nvPicPr>
-          <p:cNvPr id="22" name="図 21" descr="ロゴ, アイコン&#10;&#10;自動的に生成された説明">
-            <a:extLst>
-              <a:ext uri="{FF2B5EF4-FFF2-40B4-BE49-F238E27FC236}">
-                <a16:creationId xmlns:a16="http://schemas.microsoft.com/office/drawing/2014/main" id="{00E652C2-BC75-0D52-B948-5F1F7C11B34B}"/>
-              </a:ext>
-            </a:extLst>
-          </p:cNvPr>
-          <p:cNvPicPr>
-            <a:picLocks noChangeAspect="1"/>
-          </p:cNvPicPr>
-          <p:nvPr/>
-        </p:nvPicPr>
-        <p:blipFill>
-          <a:blip r:embed="rId3"/>
-          <a:stretch>
-            <a:fillRect/>
-          </a:stretch>
-        </p:blipFill>
-        <p:spPr>
-          <a:xfrm>
-            <a:off x="9356851" y="719002"/>
-            <a:ext cx="1447273" cy="1440000"/>
-          </a:xfrm>
-          <a:prstGeom prst="rect">
-            <a:avLst/>
-          </a:prstGeom>
-        </p:spPr>
-      </p:pic>
-      <p:grpSp>
-        <p:nvGrpSpPr>
-          <p:cNvPr id="33" name="グループ化 32">
-            <a:extLst>
-              <a:ext uri="{FF2B5EF4-FFF2-40B4-BE49-F238E27FC236}">
-                <a16:creationId xmlns:a16="http://schemas.microsoft.com/office/drawing/2014/main" id="{C1BC0DFF-D215-2EAC-05E9-C95DD8AEA35F}"/>
-              </a:ext>
-            </a:extLst>
-          </p:cNvPr>
-          <p:cNvGrpSpPr/>
-          <p:nvPr/>
-        </p:nvGrpSpPr>
-        <p:grpSpPr>
-          <a:xfrm>
-            <a:off x="720000" y="4689050"/>
-            <a:ext cx="5778671" cy="1442256"/>
-            <a:chOff x="632177" y="4767789"/>
-            <a:chExt cx="5778671" cy="1442256"/>
-          </a:xfrm>
-        </p:grpSpPr>
-        <p:pic>
-          <p:nvPicPr>
-            <p:cNvPr id="24" name="グラフィックス 23">
-              <a:extLst>
-                <a:ext uri="{FF2B5EF4-FFF2-40B4-BE49-F238E27FC236}">
-                  <a16:creationId xmlns:a16="http://schemas.microsoft.com/office/drawing/2014/main" id="{A9089DB6-3D8D-B8ED-75E1-A462088C8A70}"/>
-                </a:ext>
-              </a:extLst>
-            </p:cNvPr>
-            <p:cNvPicPr>
-              <a:picLocks noChangeAspect="1"/>
-            </p:cNvPicPr>
-            <p:nvPr/>
-          </p:nvPicPr>
-          <p:blipFill>
-            <a:blip r:embed="rId4">
-              <a:extLst>
-                <a:ext uri="{96DAC541-7B7A-43D3-8B79-37D633B846F1}">
-                  <asvg:svgBlip xmlns:asvg="http://schemas.microsoft.com/office/drawing/2016/SVG/main" r:embed="rId5"/>
-                </a:ext>
-              </a:extLst>
-            </a:blip>
-            <a:srcRect/>
-            <a:stretch/>
-          </p:blipFill>
-          <p:spPr>
-            <a:xfrm>
-              <a:off x="633047" y="4767789"/>
-              <a:ext cx="360000" cy="360000"/>
-            </a:xfrm>
-            <a:prstGeom prst="rect">
-              <a:avLst/>
-            </a:prstGeom>
-          </p:spPr>
-        </p:pic>
-        <p:pic>
-          <p:nvPicPr>
-            <p:cNvPr id="25" name="グラフィックス 24" descr="校舎 単色塗りつぶし">
-              <a:extLst>
-                <a:ext uri="{FF2B5EF4-FFF2-40B4-BE49-F238E27FC236}">
-                  <a16:creationId xmlns:a16="http://schemas.microsoft.com/office/drawing/2014/main" id="{3249F8CD-CAD7-7F1B-E2BB-864423EC16CC}"/>
-                </a:ext>
-              </a:extLst>
-            </p:cNvPr>
-            <p:cNvPicPr>
-              <a:picLocks noChangeAspect="1"/>
-            </p:cNvPicPr>
-            <p:nvPr/>
-          </p:nvPicPr>
-          <p:blipFill>
-            <a:blip r:embed="rId6">
-              <a:extLst>
-                <a:ext uri="{96DAC541-7B7A-43D3-8B79-37D633B846F1}">
-                  <asvg:svgBlip xmlns:asvg="http://schemas.microsoft.com/office/drawing/2016/SVG/main" r:embed="rId7"/>
-                </a:ext>
-              </a:extLst>
-            </a:blip>
-            <a:srcRect/>
-            <a:stretch/>
-          </p:blipFill>
-          <p:spPr>
-            <a:xfrm>
-              <a:off x="633047" y="5469949"/>
-              <a:ext cx="360000" cy="360000"/>
-            </a:xfrm>
-            <a:prstGeom prst="rect">
-              <a:avLst/>
-            </a:prstGeom>
-          </p:spPr>
-        </p:pic>
-        <p:pic>
-          <p:nvPicPr>
-            <p:cNvPr id="26" name="グラフィックス 25" descr="マーカー 単色塗りつぶし">
-              <a:extLst>
-                <a:ext uri="{FF2B5EF4-FFF2-40B4-BE49-F238E27FC236}">
-                  <a16:creationId xmlns:a16="http://schemas.microsoft.com/office/drawing/2014/main" id="{5F418B13-FFA6-807C-4553-BC4209BA1D78}"/>
-                </a:ext>
-              </a:extLst>
-            </p:cNvPr>
-            <p:cNvPicPr>
-              <a:picLocks noChangeAspect="1"/>
-            </p:cNvPicPr>
-            <p:nvPr/>
-          </p:nvPicPr>
-          <p:blipFill>
-            <a:blip r:embed="rId8">
-              <a:extLst>
-                <a:ext uri="{96DAC541-7B7A-43D3-8B79-37D633B846F1}">
-                  <asvg:svgBlip xmlns:asvg="http://schemas.microsoft.com/office/drawing/2016/SVG/main" r:embed="rId9"/>
-                </a:ext>
-              </a:extLst>
-            </a:blip>
-            <a:srcRect/>
-            <a:stretch/>
-          </p:blipFill>
-          <p:spPr>
-            <a:xfrm>
-              <a:off x="632177" y="5850045"/>
-              <a:ext cx="360000" cy="360000"/>
-            </a:xfrm>
-            <a:prstGeom prst="rect">
-              <a:avLst/>
-            </a:prstGeom>
-          </p:spPr>
-        </p:pic>
-        <p:pic>
-          <p:nvPicPr>
-            <p:cNvPr id="27" name="グラフィックス 26" descr="世界 単色塗りつぶし">
-              <a:extLst>
-                <a:ext uri="{FF2B5EF4-FFF2-40B4-BE49-F238E27FC236}">
-                  <a16:creationId xmlns:a16="http://schemas.microsoft.com/office/drawing/2014/main" id="{8EA172B0-8971-E567-5B5E-57E1088DCD63}"/>
-                </a:ext>
-              </a:extLst>
-            </p:cNvPr>
-            <p:cNvPicPr>
-              <a:picLocks noChangeAspect="1"/>
-            </p:cNvPicPr>
-            <p:nvPr/>
-          </p:nvPicPr>
-          <p:blipFill>
-            <a:blip r:embed="rId10">
-              <a:extLst>
-                <a:ext uri="{96DAC541-7B7A-43D3-8B79-37D633B846F1}">
-                  <asvg:svgBlip xmlns:asvg="http://schemas.microsoft.com/office/drawing/2016/SVG/main" r:embed="rId11"/>
-                </a:ext>
-              </a:extLst>
-            </a:blip>
-            <a:srcRect/>
-            <a:stretch/>
-          </p:blipFill>
-          <p:spPr>
-            <a:xfrm>
-              <a:off x="633047" y="5147884"/>
-              <a:ext cx="360000" cy="360000"/>
-            </a:xfrm>
-            <a:prstGeom prst="rect">
-              <a:avLst/>
-            </a:prstGeom>
-          </p:spPr>
-        </p:pic>
-        <p:sp>
-          <p:nvSpPr>
-            <p:cNvPr id="29" name="正方形/長方形 28">
-              <a:extLst>
-                <a:ext uri="{FF2B5EF4-FFF2-40B4-BE49-F238E27FC236}">
-                  <a16:creationId xmlns:a16="http://schemas.microsoft.com/office/drawing/2014/main" id="{8DC38EF7-5548-F959-64B1-E3BC4BA54357}"/>
-                </a:ext>
-              </a:extLst>
-            </p:cNvPr>
-            <p:cNvSpPr/>
-            <p:nvPr/>
-          </p:nvSpPr>
-          <p:spPr>
-            <a:xfrm>
-              <a:off x="992177" y="4767789"/>
-              <a:ext cx="3516123" cy="360000"/>
-            </a:xfrm>
-            <a:prstGeom prst="rect">
-              <a:avLst/>
-            </a:prstGeom>
-            <a:noFill/>
-            <a:ln>
-              <a:noFill/>
-            </a:ln>
-          </p:spPr>
-          <p:style>
-            <a:lnRef idx="2">
-              <a:schemeClr val="accent1">
-                <a:shade val="15000"/>
-              </a:schemeClr>
-            </a:lnRef>
-            <a:fillRef idx="1">
-              <a:schemeClr val="accent1"/>
-            </a:fillRef>
-            <a:effectRef idx="0">
-              <a:schemeClr val="accent1"/>
-            </a:effectRef>
-            <a:fontRef idx="minor">
-              <a:schemeClr val="lt1"/>
-            </a:fontRef>
-          </p:style>
-          <p:txBody>
-            <a:bodyPr rtlCol="0" anchor="ctr"/>
-            <a:lstStyle/>
-            <a:p>
-              <a:r>
-                <a:rPr kumimoji="1" lang="en-US" altLang="ja-JP" sz="1400" dirty="0">
-                  <a:solidFill>
-                    <a:srgbClr val="323232"/>
-                  </a:solidFill>
-                  <a:latin typeface="Yu Gothic" panose="020B0400000000000000" pitchFamily="34" charset="-128"/>
-                  <a:ea typeface="Yu Gothic" panose="020B0400000000000000" pitchFamily="34" charset="-128"/>
-                </a:rPr>
-                <a:t>ichikawa.masanari.18@shizuoka.ac.jp</a:t>
-              </a:r>
-              <a:endParaRPr kumimoji="1" lang="ja-JP" altLang="en-US" sz="1400">
-                <a:solidFill>
-                  <a:srgbClr val="323232"/>
-                </a:solidFill>
-                <a:latin typeface="Yu Gothic" panose="020B0400000000000000" pitchFamily="34" charset="-128"/>
-                <a:ea typeface="Yu Gothic" panose="020B0400000000000000" pitchFamily="34" charset="-128"/>
-              </a:endParaRPr>
-            </a:p>
-          </p:txBody>
-        </p:sp>
-        <p:sp>
-          <p:nvSpPr>
-            <p:cNvPr id="30" name="正方形/長方形 29">
-              <a:extLst>
-                <a:ext uri="{FF2B5EF4-FFF2-40B4-BE49-F238E27FC236}">
-                  <a16:creationId xmlns:a16="http://schemas.microsoft.com/office/drawing/2014/main" id="{4ADBFF52-46C6-336B-AC3E-0478F7A04414}"/>
-                </a:ext>
-              </a:extLst>
-            </p:cNvPr>
-            <p:cNvSpPr/>
-            <p:nvPr/>
-          </p:nvSpPr>
-          <p:spPr>
-            <a:xfrm>
-              <a:off x="992177" y="5147884"/>
-              <a:ext cx="2184611" cy="360000"/>
-            </a:xfrm>
-            <a:prstGeom prst="rect">
-              <a:avLst/>
-            </a:prstGeom>
-            <a:noFill/>
-            <a:ln>
-              <a:noFill/>
-            </a:ln>
-          </p:spPr>
-          <p:style>
-            <a:lnRef idx="2">
-              <a:schemeClr val="accent1">
-                <a:shade val="15000"/>
-              </a:schemeClr>
-            </a:lnRef>
-            <a:fillRef idx="1">
-              <a:schemeClr val="accent1"/>
-            </a:fillRef>
-            <a:effectRef idx="0">
-              <a:schemeClr val="accent1"/>
-            </a:effectRef>
-            <a:fontRef idx="minor">
-              <a:schemeClr val="lt1"/>
-            </a:fontRef>
-          </p:style>
-          <p:txBody>
-            <a:bodyPr rtlCol="0" anchor="ctr"/>
-            <a:lstStyle/>
-            <a:p>
-              <a:r>
-                <a:rPr kumimoji="1" lang="en-US" altLang="ja-JP" sz="1400" dirty="0" err="1">
-                  <a:solidFill>
-                    <a:srgbClr val="323232"/>
-                  </a:solidFill>
-                  <a:latin typeface="Yu Gothic" panose="020B0400000000000000" pitchFamily="34" charset="-128"/>
-                  <a:ea typeface="Yu Gothic" panose="020B0400000000000000" pitchFamily="34" charset="-128"/>
-                </a:rPr>
-                <a:t>masanarius.github.io</a:t>
-              </a:r>
-              <a:endParaRPr kumimoji="1" lang="ja-JP" altLang="en-US" sz="1400">
-                <a:solidFill>
-                  <a:srgbClr val="323232"/>
-                </a:solidFill>
-                <a:latin typeface="Yu Gothic" panose="020B0400000000000000" pitchFamily="34" charset="-128"/>
-                <a:ea typeface="Yu Gothic" panose="020B0400000000000000" pitchFamily="34" charset="-128"/>
-              </a:endParaRPr>
-            </a:p>
-          </p:txBody>
-        </p:sp>
-        <p:sp>
-          <p:nvSpPr>
-            <p:cNvPr id="31" name="正方形/長方形 30">
-              <a:extLst>
-                <a:ext uri="{FF2B5EF4-FFF2-40B4-BE49-F238E27FC236}">
-                  <a16:creationId xmlns:a16="http://schemas.microsoft.com/office/drawing/2014/main" id="{64134785-DC12-EF74-25B7-1582113EA464}"/>
-                </a:ext>
-              </a:extLst>
-            </p:cNvPr>
-            <p:cNvSpPr/>
-            <p:nvPr/>
-          </p:nvSpPr>
-          <p:spPr>
-            <a:xfrm>
-              <a:off x="993047" y="5469949"/>
-              <a:ext cx="4677925" cy="360000"/>
-            </a:xfrm>
-            <a:prstGeom prst="rect">
-              <a:avLst/>
-            </a:prstGeom>
-            <a:noFill/>
-            <a:ln>
-              <a:noFill/>
-            </a:ln>
-          </p:spPr>
-          <p:style>
-            <a:lnRef idx="2">
-              <a:schemeClr val="accent1">
-                <a:shade val="15000"/>
-              </a:schemeClr>
-            </a:lnRef>
-            <a:fillRef idx="1">
-              <a:schemeClr val="accent1"/>
-            </a:fillRef>
-            <a:effectRef idx="0">
-              <a:schemeClr val="accent1"/>
-            </a:effectRef>
-            <a:fontRef idx="minor">
-              <a:schemeClr val="lt1"/>
-            </a:fontRef>
-          </p:style>
-          <p:txBody>
-            <a:bodyPr rtlCol="0" anchor="ctr"/>
-            <a:lstStyle/>
-            <a:p>
-              <a:r>
-                <a:rPr kumimoji="1" lang="ja-JP" altLang="en-US" sz="1400">
-                  <a:solidFill>
-                    <a:srgbClr val="323232"/>
-                  </a:solidFill>
-                  <a:latin typeface="Yu Gothic" panose="020B0400000000000000" pitchFamily="34" charset="-128"/>
-                  <a:ea typeface="Yu Gothic" panose="020B0400000000000000" pitchFamily="34" charset="-128"/>
-                </a:rPr>
-                <a:t>静岡大学大学院</a:t>
-              </a:r>
-              <a:r>
-                <a:rPr kumimoji="1" lang="en-US" altLang="ja-JP" sz="1400" dirty="0">
-                  <a:solidFill>
-                    <a:srgbClr val="323232"/>
-                  </a:solidFill>
-                  <a:latin typeface="Yu Gothic" panose="020B0400000000000000" pitchFamily="34" charset="-128"/>
-                  <a:ea typeface="Yu Gothic" panose="020B0400000000000000" pitchFamily="34" charset="-128"/>
-                </a:rPr>
-                <a:t> </a:t>
-              </a:r>
-              <a:r>
-                <a:rPr kumimoji="1" lang="ja-JP" altLang="en-US" sz="1400">
-                  <a:solidFill>
-                    <a:srgbClr val="323232"/>
-                  </a:solidFill>
-                  <a:latin typeface="Yu Gothic" panose="020B0400000000000000" pitchFamily="34" charset="-128"/>
-                  <a:ea typeface="Yu Gothic" panose="020B0400000000000000" pitchFamily="34" charset="-128"/>
-                </a:rPr>
-                <a:t>総合科学技術研究科</a:t>
-              </a:r>
-            </a:p>
-          </p:txBody>
-        </p:sp>
-        <p:sp>
-          <p:nvSpPr>
-            <p:cNvPr id="32" name="正方形/長方形 31">
-              <a:extLst>
-                <a:ext uri="{FF2B5EF4-FFF2-40B4-BE49-F238E27FC236}">
-                  <a16:creationId xmlns:a16="http://schemas.microsoft.com/office/drawing/2014/main" id="{EA986BD9-00F0-F245-F8E0-1E472116D0EB}"/>
-                </a:ext>
-              </a:extLst>
-            </p:cNvPr>
-            <p:cNvSpPr/>
-            <p:nvPr/>
-          </p:nvSpPr>
-          <p:spPr>
-            <a:xfrm>
-              <a:off x="992177" y="5850045"/>
-              <a:ext cx="5418671" cy="360000"/>
-            </a:xfrm>
-            <a:prstGeom prst="rect">
-              <a:avLst/>
-            </a:prstGeom>
-            <a:noFill/>
-            <a:ln>
-              <a:noFill/>
-            </a:ln>
-          </p:spPr>
-          <p:style>
-            <a:lnRef idx="2">
-              <a:schemeClr val="accent1">
-                <a:shade val="15000"/>
-              </a:schemeClr>
-            </a:lnRef>
-            <a:fillRef idx="1">
-              <a:schemeClr val="accent1"/>
-            </a:fillRef>
-            <a:effectRef idx="0">
-              <a:schemeClr val="accent1"/>
-            </a:effectRef>
-            <a:fontRef idx="minor">
-              <a:schemeClr val="lt1"/>
-            </a:fontRef>
-          </p:style>
-          <p:txBody>
-            <a:bodyPr rtlCol="0" anchor="ctr"/>
-            <a:lstStyle/>
-            <a:p>
-              <a:r>
-                <a:rPr kumimoji="1" lang="ja-JP" altLang="en-US" sz="1400">
-                  <a:solidFill>
-                    <a:srgbClr val="323232"/>
-                  </a:solidFill>
-                  <a:latin typeface="Yu Gothic" panose="020B0400000000000000" pitchFamily="34" charset="-128"/>
-                  <a:ea typeface="Yu Gothic" panose="020B0400000000000000" pitchFamily="34" charset="-128"/>
-                </a:rPr>
-                <a:t>〒</a:t>
-              </a:r>
-              <a:r>
-                <a:rPr kumimoji="1" lang="en-US" altLang="ja-JP" sz="1400" dirty="0">
-                  <a:solidFill>
-                    <a:srgbClr val="323232"/>
-                  </a:solidFill>
-                  <a:latin typeface="Yu Gothic" panose="020B0400000000000000" pitchFamily="34" charset="-128"/>
-                  <a:ea typeface="Yu Gothic" panose="020B0400000000000000" pitchFamily="34" charset="-128"/>
-                </a:rPr>
-                <a:t>432-8011 </a:t>
-              </a:r>
-              <a:r>
-                <a:rPr kumimoji="1" lang="ja-JP" altLang="en-US" sz="1400">
-                  <a:solidFill>
-                    <a:srgbClr val="323232"/>
-                  </a:solidFill>
-                  <a:latin typeface="Yu Gothic" panose="020B0400000000000000" pitchFamily="34" charset="-128"/>
-                  <a:ea typeface="Yu Gothic" panose="020B0400000000000000" pitchFamily="34" charset="-128"/>
-                </a:rPr>
-                <a:t>静岡県浜松市中区城北</a:t>
-              </a:r>
-              <a:r>
-                <a:rPr kumimoji="1" lang="en-US" altLang="ja-JP" sz="1400" dirty="0">
-                  <a:solidFill>
-                    <a:srgbClr val="323232"/>
-                  </a:solidFill>
-                  <a:latin typeface="Yu Gothic" panose="020B0400000000000000" pitchFamily="34" charset="-128"/>
-                  <a:ea typeface="Yu Gothic" panose="020B0400000000000000" pitchFamily="34" charset="-128"/>
-                </a:rPr>
-                <a:t>3-5-1 </a:t>
-              </a:r>
-              <a:r>
-                <a:rPr kumimoji="1" lang="ja-JP" altLang="en-US" sz="1400">
-                  <a:solidFill>
-                    <a:srgbClr val="323232"/>
-                  </a:solidFill>
-                  <a:latin typeface="Yu Gothic" panose="020B0400000000000000" pitchFamily="34" charset="-128"/>
-                  <a:ea typeface="Yu Gothic" panose="020B0400000000000000" pitchFamily="34" charset="-128"/>
-                </a:rPr>
-                <a:t>静岡大学浜松キャンパス</a:t>
-              </a:r>
-            </a:p>
-          </p:txBody>
-        </p:sp>
-      </p:grpSp>
-    </p:spTree>
-    <p:extLst>
-      <p:ext uri="{BB962C8B-B14F-4D97-AF65-F5344CB8AC3E}">
-        <p14:creationId xmlns:p14="http://schemas.microsoft.com/office/powerpoint/2010/main" val="3886938332"/>
-      </p:ext>
-    </p:extLst>
-  </p:cSld>
-  <p:clrMapOvr>
-    <a:masterClrMapping/>
-  </p:clrMapOvr>
-</p:sld>
-</file>
-
-<file path=ppt/slides/slide3.xml><?xml version="1.0" encoding="utf-8"?>
+<file path=ppt/slides/slide5.xml><?xml version="1.0" encoding="utf-8"?>
 <p:sld xmlns:a="http://schemas.openxmlformats.org/drawingml/2006/main" xmlns:r="http://schemas.openxmlformats.org/officeDocument/2006/relationships" xmlns:p="http://schemas.openxmlformats.org/presentationml/2006/main">
   <p:cSld>
     <p:spTree>
@@ -5982,7 +7390,7 @@
 </p:sld>
 </file>
 
-<file path=ppt/slides/slide4.xml><?xml version="1.0" encoding="utf-8"?>
+<file path=ppt/slides/slide6.xml><?xml version="1.0" encoding="utf-8"?>
 <p:sld xmlns:a="http://schemas.openxmlformats.org/drawingml/2006/main" xmlns:r="http://schemas.openxmlformats.org/officeDocument/2006/relationships" xmlns:p="http://schemas.openxmlformats.org/presentationml/2006/main">
   <p:cSld>
     <p:spTree>
@@ -6123,18 +7531,18 @@
         </p:nvGrpSpPr>
         <p:grpSpPr>
           <a:xfrm>
-            <a:off x="720000" y="4689050"/>
-            <a:ext cx="5778671" cy="1442256"/>
-            <a:chOff x="632177" y="4767789"/>
-            <a:chExt cx="5778671" cy="1442256"/>
+            <a:off x="720000" y="4308954"/>
+            <a:ext cx="5778671" cy="1822352"/>
+            <a:chOff x="632177" y="4387693"/>
+            <a:chExt cx="5778671" cy="1822352"/>
           </a:xfrm>
         </p:grpSpPr>
         <p:pic>
           <p:nvPicPr>
-            <p:cNvPr id="24" name="グラフィックス 23">
+            <p:cNvPr id="23" name="グラフィックス 22" descr="封筒 単色塗りつぶし">
               <a:extLst>
                 <a:ext uri="{FF2B5EF4-FFF2-40B4-BE49-F238E27FC236}">
-                  <a16:creationId xmlns:a16="http://schemas.microsoft.com/office/drawing/2014/main" id="{A9089DB6-3D8D-B8ED-75E1-A462088C8A70}"/>
+                  <a16:creationId xmlns:a16="http://schemas.microsoft.com/office/drawing/2014/main" id="{E9EDA729-8D21-A9F2-943F-11D83E32DCEB}"/>
                 </a:ext>
               </a:extLst>
             </p:cNvPr>
@@ -6148,6 +7556,41 @@
               <a:extLst>
                 <a:ext uri="{96DAC541-7B7A-43D3-8B79-37D633B846F1}">
                   <asvg:svgBlip xmlns:asvg="http://schemas.microsoft.com/office/drawing/2016/SVG/main" r:embed="rId5"/>
+                </a:ext>
+              </a:extLst>
+            </a:blip>
+            <a:srcRect/>
+            <a:stretch/>
+          </p:blipFill>
+          <p:spPr>
+            <a:xfrm>
+              <a:off x="633047" y="4387693"/>
+              <a:ext cx="360000" cy="360000"/>
+            </a:xfrm>
+            <a:prstGeom prst="rect">
+              <a:avLst/>
+            </a:prstGeom>
+          </p:spPr>
+        </p:pic>
+        <p:pic>
+          <p:nvPicPr>
+            <p:cNvPr id="24" name="グラフィックス 23" descr="スマート フォン 単色塗りつぶし">
+              <a:extLst>
+                <a:ext uri="{FF2B5EF4-FFF2-40B4-BE49-F238E27FC236}">
+                  <a16:creationId xmlns:a16="http://schemas.microsoft.com/office/drawing/2014/main" id="{A9089DB6-3D8D-B8ED-75E1-A462088C8A70}"/>
+                </a:ext>
+              </a:extLst>
+            </p:cNvPr>
+            <p:cNvPicPr>
+              <a:picLocks noChangeAspect="1"/>
+            </p:cNvPicPr>
+            <p:nvPr/>
+          </p:nvPicPr>
+          <p:blipFill>
+            <a:blip r:embed="rId6">
+              <a:extLst>
+                <a:ext uri="{96DAC541-7B7A-43D3-8B79-37D633B846F1}">
+                  <asvg:svgBlip xmlns:asvg="http://schemas.microsoft.com/office/drawing/2016/SVG/main" r:embed="rId7"/>
                 </a:ext>
               </a:extLst>
             </a:blip>
@@ -6179,10 +7622,10 @@
             <p:nvPr/>
           </p:nvPicPr>
           <p:blipFill>
-            <a:blip r:embed="rId6">
+            <a:blip r:embed="rId8">
               <a:extLst>
                 <a:ext uri="{96DAC541-7B7A-43D3-8B79-37D633B846F1}">
-                  <asvg:svgBlip xmlns:asvg="http://schemas.microsoft.com/office/drawing/2016/SVG/main" r:embed="rId7"/>
+                  <asvg:svgBlip xmlns:asvg="http://schemas.microsoft.com/office/drawing/2016/SVG/main" r:embed="rId9"/>
                 </a:ext>
               </a:extLst>
             </a:blip>
@@ -6214,10 +7657,10 @@
             <p:nvPr/>
           </p:nvPicPr>
           <p:blipFill>
-            <a:blip r:embed="rId8">
+            <a:blip r:embed="rId10">
               <a:extLst>
                 <a:ext uri="{96DAC541-7B7A-43D3-8B79-37D633B846F1}">
-                  <asvg:svgBlip xmlns:asvg="http://schemas.microsoft.com/office/drawing/2016/SVG/main" r:embed="rId9"/>
+                  <asvg:svgBlip xmlns:asvg="http://schemas.microsoft.com/office/drawing/2016/SVG/main" r:embed="rId11"/>
                 </a:ext>
               </a:extLst>
             </a:blip>
@@ -6249,10 +7692,10 @@
             <p:nvPr/>
           </p:nvPicPr>
           <p:blipFill>
-            <a:blip r:embed="rId10">
+            <a:blip r:embed="rId12">
               <a:extLst>
                 <a:ext uri="{96DAC541-7B7A-43D3-8B79-37D633B846F1}">
-                  <asvg:svgBlip xmlns:asvg="http://schemas.microsoft.com/office/drawing/2016/SVG/main" r:embed="rId11"/>
+                  <asvg:svgBlip xmlns:asvg="http://schemas.microsoft.com/office/drawing/2016/SVG/main" r:embed="rId13"/>
                 </a:ext>
               </a:extLst>
             </a:blip>
@@ -6269,6 +7712,71 @@
             </a:prstGeom>
           </p:spPr>
         </p:pic>
+        <p:sp>
+          <p:nvSpPr>
+            <p:cNvPr id="28" name="正方形/長方形 27">
+              <a:extLst>
+                <a:ext uri="{FF2B5EF4-FFF2-40B4-BE49-F238E27FC236}">
+                  <a16:creationId xmlns:a16="http://schemas.microsoft.com/office/drawing/2014/main" id="{36BB981A-E952-6225-0A98-C6341D3CEFDE}"/>
+                </a:ext>
+              </a:extLst>
+            </p:cNvPr>
+            <p:cNvSpPr/>
+            <p:nvPr/>
+          </p:nvSpPr>
+          <p:spPr>
+            <a:xfrm>
+              <a:off x="992177" y="4387693"/>
+              <a:ext cx="4533547" cy="360000"/>
+            </a:xfrm>
+            <a:prstGeom prst="rect">
+              <a:avLst/>
+            </a:prstGeom>
+            <a:noFill/>
+            <a:ln>
+              <a:noFill/>
+            </a:ln>
+          </p:spPr>
+          <p:style>
+            <a:lnRef idx="2">
+              <a:schemeClr val="accent1">
+                <a:shade val="15000"/>
+              </a:schemeClr>
+            </a:lnRef>
+            <a:fillRef idx="1">
+              <a:schemeClr val="accent1"/>
+            </a:fillRef>
+            <a:effectRef idx="0">
+              <a:schemeClr val="accent1"/>
+            </a:effectRef>
+            <a:fontRef idx="minor">
+              <a:schemeClr val="lt1"/>
+            </a:fontRef>
+          </p:style>
+          <p:txBody>
+            <a:bodyPr rtlCol="0" anchor="ctr"/>
+            <a:lstStyle/>
+            <a:p>
+              <a:r>
+                <a:rPr kumimoji="1" lang="en-US" altLang="ja-JP" sz="1400" dirty="0">
+                  <a:solidFill>
+                    <a:srgbClr val="323232"/>
+                  </a:solidFill>
+                  <a:latin typeface="Yu Gothic" panose="020B0400000000000000" pitchFamily="34" charset="-128"/>
+                  <a:ea typeface="Yu Gothic" panose="020B0400000000000000" pitchFamily="34" charset="-128"/>
+                </a:rPr>
+                <a:t>ichikawa.masanari.18@shizuoka.ac.jp</a:t>
+              </a:r>
+              <a:endParaRPr kumimoji="1" lang="ja-JP" altLang="en-US" sz="1400">
+                <a:solidFill>
+                  <a:srgbClr val="323232"/>
+                </a:solidFill>
+                <a:latin typeface="Yu Gothic" panose="020B0400000000000000" pitchFamily="34" charset="-128"/>
+                <a:ea typeface="Yu Gothic" panose="020B0400000000000000" pitchFamily="34" charset="-128"/>
+              </a:endParaRPr>
+            </a:p>
+          </p:txBody>
+        </p:sp>
         <p:sp>
           <p:nvSpPr>
             <p:cNvPr id="29" name="正方形/長方形 28">
@@ -6322,7 +7830,7 @@
                   <a:latin typeface="Yu Gothic" panose="020B0400000000000000" pitchFamily="34" charset="-128"/>
                   <a:ea typeface="Yu Gothic" panose="020B0400000000000000" pitchFamily="34" charset="-128"/>
                 </a:rPr>
-                <a:t>ichikawa.masanari.18@shizuoka.ac.jp</a:t>
+                <a:t>080-1590-6189</a:t>
               </a:r>
               <a:endParaRPr kumimoji="1" lang="ja-JP" altLang="en-US" sz="1400">
                 <a:solidFill>
@@ -6414,7 +7922,7 @@
           <p:spPr>
             <a:xfrm>
               <a:off x="993047" y="5469949"/>
-              <a:ext cx="4975238" cy="360000"/>
+              <a:ext cx="4677925" cy="360000"/>
             </a:xfrm>
             <a:prstGeom prst="rect">
               <a:avLst/>
@@ -6445,6 +7953,16 @@
             <a:lstStyle/>
             <a:p>
               <a:r>
+                <a:rPr kumimoji="1" lang="ja-JP" altLang="en-US" sz="1400">
+                  <a:solidFill>
+                    <a:srgbClr val="323232"/>
+                  </a:solidFill>
+                  <a:latin typeface="Yu Gothic" panose="020B0400000000000000" pitchFamily="34" charset="-128"/>
+                  <a:ea typeface="Yu Gothic" panose="020B0400000000000000" pitchFamily="34" charset="-128"/>
+                </a:rPr>
+                <a:t>静岡大学大学院</a:t>
+              </a:r>
+              <a:r>
                 <a:rPr kumimoji="1" lang="en-US" altLang="ja-JP" sz="1400" dirty="0">
                   <a:solidFill>
                     <a:srgbClr val="323232"/>
@@ -6452,15 +7970,18 @@
                   <a:latin typeface="Yu Gothic" panose="020B0400000000000000" pitchFamily="34" charset="-128"/>
                   <a:ea typeface="Yu Gothic" panose="020B0400000000000000" pitchFamily="34" charset="-128"/>
                 </a:rPr>
-                <a:t>Graduate School of Integrated Science and Technology</a:t>
+                <a:t> </a:t>
               </a:r>
-              <a:endParaRPr kumimoji="1" lang="ja-JP" altLang="en-US" sz="1400">
-                <a:solidFill>
-                  <a:srgbClr val="323232"/>
-                </a:solidFill>
-                <a:latin typeface="Yu Gothic" panose="020B0400000000000000" pitchFamily="34" charset="-128"/>
-                <a:ea typeface="Yu Gothic" panose="020B0400000000000000" pitchFamily="34" charset="-128"/>
-              </a:endParaRPr>
+              <a:r>
+                <a:rPr kumimoji="1" lang="ja-JP" altLang="en-US" sz="1400">
+                  <a:solidFill>
+                    <a:srgbClr val="323232"/>
+                  </a:solidFill>
+                  <a:latin typeface="Yu Gothic" panose="020B0400000000000000" pitchFamily="34" charset="-128"/>
+                  <a:ea typeface="Yu Gothic" panose="020B0400000000000000" pitchFamily="34" charset="-128"/>
+                </a:rPr>
+                <a:t>総合科学技術研究科</a:t>
+              </a:r>
             </a:p>
           </p:txBody>
         </p:sp>
@@ -6510,6 +8031,36 @@
             <a:lstStyle/>
             <a:p>
               <a:r>
+                <a:rPr kumimoji="1" lang="ja-JP" altLang="en-US" sz="1400">
+                  <a:solidFill>
+                    <a:srgbClr val="323232"/>
+                  </a:solidFill>
+                  <a:latin typeface="Yu Gothic" panose="020B0400000000000000" pitchFamily="34" charset="-128"/>
+                  <a:ea typeface="Yu Gothic" panose="020B0400000000000000" pitchFamily="34" charset="-128"/>
+                </a:rPr>
+                <a:t>〒</a:t>
+              </a:r>
+              <a:r>
+                <a:rPr kumimoji="1" lang="en-US" altLang="ja-JP" sz="1400" dirty="0">
+                  <a:solidFill>
+                    <a:srgbClr val="323232"/>
+                  </a:solidFill>
+                  <a:latin typeface="Yu Gothic" panose="020B0400000000000000" pitchFamily="34" charset="-128"/>
+                  <a:ea typeface="Yu Gothic" panose="020B0400000000000000" pitchFamily="34" charset="-128"/>
+                </a:rPr>
+                <a:t>432-8011 </a:t>
+              </a:r>
+              <a:r>
+                <a:rPr kumimoji="1" lang="ja-JP" altLang="en-US" sz="1400">
+                  <a:solidFill>
+                    <a:srgbClr val="323232"/>
+                  </a:solidFill>
+                  <a:latin typeface="Yu Gothic" panose="020B0400000000000000" pitchFamily="34" charset="-128"/>
+                  <a:ea typeface="Yu Gothic" panose="020B0400000000000000" pitchFamily="34" charset="-128"/>
+                </a:rPr>
+                <a:t>静岡県浜松市中区城北</a:t>
+              </a:r>
+              <a:r>
                 <a:rPr kumimoji="1" lang="en-US" altLang="ja-JP" sz="1400" dirty="0">
                   <a:solidFill>
                     <a:srgbClr val="323232"/>
@@ -6520,60 +8071,52 @@
                 <a:t>3-5-1 </a:t>
               </a:r>
               <a:r>
-                <a:rPr kumimoji="1" lang="en-US" altLang="ja-JP" sz="1400" dirty="0" err="1">
+                <a:rPr kumimoji="1" lang="ja-JP" altLang="en-US" sz="1400">
                   <a:solidFill>
                     <a:srgbClr val="323232"/>
                   </a:solidFill>
                   <a:latin typeface="Yu Gothic" panose="020B0400000000000000" pitchFamily="34" charset="-128"/>
                   <a:ea typeface="Yu Gothic" panose="020B0400000000000000" pitchFamily="34" charset="-128"/>
                 </a:rPr>
-                <a:t>Johoku</a:t>
+                <a:t>静岡大学浜松キャンパス</a:t>
               </a:r>
-              <a:r>
-                <a:rPr kumimoji="1" lang="en-US" altLang="ja-JP" sz="1400" dirty="0">
-                  <a:solidFill>
-                    <a:srgbClr val="323232"/>
-                  </a:solidFill>
-                  <a:latin typeface="Yu Gothic" panose="020B0400000000000000" pitchFamily="34" charset="-128"/>
-                  <a:ea typeface="Yu Gothic" panose="020B0400000000000000" pitchFamily="34" charset="-128"/>
-                </a:rPr>
-                <a:t>, Naka-</a:t>
-              </a:r>
-              <a:r>
-                <a:rPr kumimoji="1" lang="en-US" altLang="ja-JP" sz="1400" dirty="0" err="1">
-                  <a:solidFill>
-                    <a:srgbClr val="323232"/>
-                  </a:solidFill>
-                  <a:latin typeface="Yu Gothic" panose="020B0400000000000000" pitchFamily="34" charset="-128"/>
-                  <a:ea typeface="Yu Gothic" panose="020B0400000000000000" pitchFamily="34" charset="-128"/>
-                </a:rPr>
-                <a:t>ku</a:t>
-              </a:r>
-              <a:r>
-                <a:rPr kumimoji="1" lang="en-US" altLang="ja-JP" sz="1400" dirty="0">
-                  <a:solidFill>
-                    <a:srgbClr val="323232"/>
-                  </a:solidFill>
-                  <a:latin typeface="Yu Gothic" panose="020B0400000000000000" pitchFamily="34" charset="-128"/>
-                  <a:ea typeface="Yu Gothic" panose="020B0400000000000000" pitchFamily="34" charset="-128"/>
-                </a:rPr>
-                <a:t>, Hamamatsu, Japan, 432-8011</a:t>
-              </a:r>
-              <a:endParaRPr kumimoji="1" lang="ja-JP" altLang="en-US" sz="1400">
-                <a:solidFill>
-                  <a:srgbClr val="323232"/>
-                </a:solidFill>
-                <a:latin typeface="Yu Gothic" panose="020B0400000000000000" pitchFamily="34" charset="-128"/>
-                <a:ea typeface="Yu Gothic" panose="020B0400000000000000" pitchFamily="34" charset="-128"/>
-              </a:endParaRPr>
             </a:p>
           </p:txBody>
         </p:sp>
       </p:grpSp>
+      <p:pic>
+        <p:nvPicPr>
+          <p:cNvPr id="2" name="図 1">
+            <a:extLst>
+              <a:ext uri="{FF2B5EF4-FFF2-40B4-BE49-F238E27FC236}">
+                <a16:creationId xmlns:a16="http://schemas.microsoft.com/office/drawing/2014/main" id="{F64EEF6C-FC84-E21B-ACEE-106A742DA4E0}"/>
+              </a:ext>
+            </a:extLst>
+          </p:cNvPr>
+          <p:cNvPicPr>
+            <a:picLocks noChangeAspect="1"/>
+          </p:cNvPicPr>
+          <p:nvPr/>
+        </p:nvPicPr>
+        <p:blipFill>
+          <a:blip r:embed="rId14"/>
+          <a:srcRect/>
+          <a:stretch/>
+        </p:blipFill>
+        <p:spPr>
+          <a:xfrm>
+            <a:off x="7919618" y="2871210"/>
+            <a:ext cx="2880000" cy="2880000"/>
+          </a:xfrm>
+          <a:prstGeom prst="rect">
+            <a:avLst/>
+          </a:prstGeom>
+        </p:spPr>
+      </p:pic>
     </p:spTree>
     <p:extLst>
       <p:ext uri="{BB962C8B-B14F-4D97-AF65-F5344CB8AC3E}">
-        <p14:creationId xmlns:p14="http://schemas.microsoft.com/office/powerpoint/2010/main" val="3438781077"/>
+        <p14:creationId xmlns:p14="http://schemas.microsoft.com/office/powerpoint/2010/main" val="803469186"/>
       </p:ext>
     </p:extLst>
   </p:cSld>

--- a/img/card/businesscard.pptx
+++ b/img/card/businesscard.pptx
@@ -9,11 +9,11 @@
   </p:notesMasterIdLst>
   <p:sldIdLst>
     <p:sldId id="258" r:id="rId2"/>
-    <p:sldId id="259" r:id="rId3"/>
-    <p:sldId id="260" r:id="rId4"/>
+    <p:sldId id="263" r:id="rId3"/>
+    <p:sldId id="262" r:id="rId4"/>
     <p:sldId id="256" r:id="rId5"/>
-    <p:sldId id="257" r:id="rId6"/>
-    <p:sldId id="261" r:id="rId7"/>
+    <p:sldId id="265" r:id="rId6"/>
+    <p:sldId id="264" r:id="rId7"/>
   </p:sldIdLst>
   <p:sldSz cx="11520488" cy="6480175"/>
   <p:notesSz cx="6858000" cy="9144000"/>
@@ -659,7 +659,7 @@
     </p:spTree>
     <p:extLst>
       <p:ext uri="{BB962C8B-B14F-4D97-AF65-F5344CB8AC3E}">
-        <p14:creationId xmlns:p14="http://schemas.microsoft.com/office/powerpoint/2010/main" val="3935095253"/>
+        <p14:creationId xmlns:p14="http://schemas.microsoft.com/office/powerpoint/2010/main" val="1016834221"/>
       </p:ext>
     </p:extLst>
   </p:cSld>
@@ -743,7 +743,7 @@
     </p:spTree>
     <p:extLst>
       <p:ext uri="{BB962C8B-B14F-4D97-AF65-F5344CB8AC3E}">
-        <p14:creationId xmlns:p14="http://schemas.microsoft.com/office/powerpoint/2010/main" val="1017421482"/>
+        <p14:creationId xmlns:p14="http://schemas.microsoft.com/office/powerpoint/2010/main" val="2726933785"/>
       </p:ext>
     </p:extLst>
   </p:cSld>
@@ -911,7 +911,7 @@
     </p:spTree>
     <p:extLst>
       <p:ext uri="{BB962C8B-B14F-4D97-AF65-F5344CB8AC3E}">
-        <p14:creationId xmlns:p14="http://schemas.microsoft.com/office/powerpoint/2010/main" val="172789664"/>
+        <p14:creationId xmlns:p14="http://schemas.microsoft.com/office/powerpoint/2010/main" val="4214927413"/>
       </p:ext>
     </p:extLst>
   </p:cSld>
@@ -995,7 +995,7 @@
     </p:spTree>
     <p:extLst>
       <p:ext uri="{BB962C8B-B14F-4D97-AF65-F5344CB8AC3E}">
-        <p14:creationId xmlns:p14="http://schemas.microsoft.com/office/powerpoint/2010/main" val="2514764873"/>
+        <p14:creationId xmlns:p14="http://schemas.microsoft.com/office/powerpoint/2010/main" val="2832278395"/>
       </p:ext>
     </p:extLst>
   </p:cSld>
@@ -4279,9 +4279,9 @@
         <p:grpSpPr>
           <a:xfrm>
             <a:off x="720000" y="4689050"/>
-            <a:ext cx="5778671" cy="1442256"/>
+            <a:ext cx="6299365" cy="1442256"/>
             <a:chOff x="632177" y="4767789"/>
-            <a:chExt cx="5778671" cy="1442256"/>
+            <a:chExt cx="6299365" cy="1442256"/>
           </a:xfrm>
         </p:grpSpPr>
         <p:pic>
@@ -4321,7 +4321,7 @@
         </p:pic>
         <p:pic>
           <p:nvPicPr>
-            <p:cNvPr id="25" name="グラフィックス 24" descr="校舎 単色塗りつぶし">
+            <p:cNvPr id="25" name="グラフィックス 24">
               <a:extLst>
                 <a:ext uri="{FF2B5EF4-FFF2-40B4-BE49-F238E27FC236}">
                   <a16:creationId xmlns:a16="http://schemas.microsoft.com/office/drawing/2014/main" id="{3249F8CD-CAD7-7F1B-E2BB-864423EC16CC}"/>
@@ -4356,7 +4356,7 @@
         </p:pic>
         <p:pic>
           <p:nvPicPr>
-            <p:cNvPr id="26" name="グラフィックス 25" descr="マーカー 単色塗りつぶし">
+            <p:cNvPr id="26" name="グラフィックス 25">
               <a:extLst>
                 <a:ext uri="{FF2B5EF4-FFF2-40B4-BE49-F238E27FC236}">
                   <a16:creationId xmlns:a16="http://schemas.microsoft.com/office/drawing/2014/main" id="{5F418B13-FFA6-807C-4553-BC4209BA1D78}"/>
@@ -4391,7 +4391,7 @@
         </p:pic>
         <p:pic>
           <p:nvPicPr>
-            <p:cNvPr id="27" name="グラフィックス 26" descr="世界 単色塗りつぶし">
+            <p:cNvPr id="27" name="グラフィックス 26">
               <a:extLst>
                 <a:ext uri="{FF2B5EF4-FFF2-40B4-BE49-F238E27FC236}">
                   <a16:creationId xmlns:a16="http://schemas.microsoft.com/office/drawing/2014/main" id="{8EA172B0-8971-E567-5B5E-57E1088DCD63}"/>
@@ -4439,137 +4439,7 @@
           <p:spPr>
             <a:xfrm>
               <a:off x="992177" y="4767789"/>
-              <a:ext cx="3516123" cy="360000"/>
-            </a:xfrm>
-            <a:prstGeom prst="rect">
-              <a:avLst/>
-            </a:prstGeom>
-            <a:noFill/>
-            <a:ln>
-              <a:noFill/>
-            </a:ln>
-          </p:spPr>
-          <p:style>
-            <a:lnRef idx="2">
-              <a:schemeClr val="accent1">
-                <a:shade val="15000"/>
-              </a:schemeClr>
-            </a:lnRef>
-            <a:fillRef idx="1">
-              <a:schemeClr val="accent1"/>
-            </a:fillRef>
-            <a:effectRef idx="0">
-              <a:schemeClr val="accent1"/>
-            </a:effectRef>
-            <a:fontRef idx="minor">
-              <a:schemeClr val="lt1"/>
-            </a:fontRef>
-          </p:style>
-          <p:txBody>
-            <a:bodyPr rtlCol="0" anchor="ctr"/>
-            <a:lstStyle/>
-            <a:p>
-              <a:r>
-                <a:rPr kumimoji="1" lang="en-US" altLang="ja-JP" sz="1400" dirty="0">
-                  <a:solidFill>
-                    <a:srgbClr val="323232"/>
-                  </a:solidFill>
-                  <a:latin typeface="Yu Gothic" panose="020B0400000000000000" pitchFamily="34" charset="-128"/>
-                  <a:ea typeface="Yu Gothic" panose="020B0400000000000000" pitchFamily="34" charset="-128"/>
-                </a:rPr>
-                <a:t>ichikawa.masanari.18@shizuoka.ac.jp</a:t>
-              </a:r>
-              <a:endParaRPr kumimoji="1" lang="ja-JP" altLang="en-US" sz="1400">
-                <a:solidFill>
-                  <a:srgbClr val="323232"/>
-                </a:solidFill>
-                <a:latin typeface="Yu Gothic" panose="020B0400000000000000" pitchFamily="34" charset="-128"/>
-                <a:ea typeface="Yu Gothic" panose="020B0400000000000000" pitchFamily="34" charset="-128"/>
-              </a:endParaRPr>
-            </a:p>
-          </p:txBody>
-        </p:sp>
-        <p:sp>
-          <p:nvSpPr>
-            <p:cNvPr id="30" name="正方形/長方形 29">
-              <a:extLst>
-                <a:ext uri="{FF2B5EF4-FFF2-40B4-BE49-F238E27FC236}">
-                  <a16:creationId xmlns:a16="http://schemas.microsoft.com/office/drawing/2014/main" id="{4ADBFF52-46C6-336B-AC3E-0478F7A04414}"/>
-                </a:ext>
-              </a:extLst>
-            </p:cNvPr>
-            <p:cNvSpPr/>
-            <p:nvPr/>
-          </p:nvSpPr>
-          <p:spPr>
-            <a:xfrm>
-              <a:off x="992177" y="5147884"/>
-              <a:ext cx="2184611" cy="360000"/>
-            </a:xfrm>
-            <a:prstGeom prst="rect">
-              <a:avLst/>
-            </a:prstGeom>
-            <a:noFill/>
-            <a:ln>
-              <a:noFill/>
-            </a:ln>
-          </p:spPr>
-          <p:style>
-            <a:lnRef idx="2">
-              <a:schemeClr val="accent1">
-                <a:shade val="15000"/>
-              </a:schemeClr>
-            </a:lnRef>
-            <a:fillRef idx="1">
-              <a:schemeClr val="accent1"/>
-            </a:fillRef>
-            <a:effectRef idx="0">
-              <a:schemeClr val="accent1"/>
-            </a:effectRef>
-            <a:fontRef idx="minor">
-              <a:schemeClr val="lt1"/>
-            </a:fontRef>
-          </p:style>
-          <p:txBody>
-            <a:bodyPr rtlCol="0" anchor="ctr"/>
-            <a:lstStyle/>
-            <a:p>
-              <a:r>
-                <a:rPr kumimoji="1" lang="en-US" altLang="ja-JP" sz="1400" dirty="0" err="1">
-                  <a:solidFill>
-                    <a:srgbClr val="323232"/>
-                  </a:solidFill>
-                  <a:latin typeface="Yu Gothic" panose="020B0400000000000000" pitchFamily="34" charset="-128"/>
-                  <a:ea typeface="Yu Gothic" panose="020B0400000000000000" pitchFamily="34" charset="-128"/>
-                </a:rPr>
-                <a:t>masanarius.github.io</a:t>
-              </a:r>
-              <a:endParaRPr kumimoji="1" lang="ja-JP" altLang="en-US" sz="1400">
-                <a:solidFill>
-                  <a:srgbClr val="323232"/>
-                </a:solidFill>
-                <a:latin typeface="Yu Gothic" panose="020B0400000000000000" pitchFamily="34" charset="-128"/>
-                <a:ea typeface="Yu Gothic" panose="020B0400000000000000" pitchFamily="34" charset="-128"/>
-              </a:endParaRPr>
-            </a:p>
-          </p:txBody>
-        </p:sp>
-        <p:sp>
-          <p:nvSpPr>
-            <p:cNvPr id="31" name="正方形/長方形 30">
-              <a:extLst>
-                <a:ext uri="{FF2B5EF4-FFF2-40B4-BE49-F238E27FC236}">
-                  <a16:creationId xmlns:a16="http://schemas.microsoft.com/office/drawing/2014/main" id="{64134785-DC12-EF74-25B7-1582113EA464}"/>
-                </a:ext>
-              </a:extLst>
-            </p:cNvPr>
-            <p:cNvSpPr/>
-            <p:nvPr/>
-          </p:nvSpPr>
-          <p:spPr>
-            <a:xfrm>
-              <a:off x="993047" y="5469949"/>
-              <a:ext cx="4677925" cy="360000"/>
+              <a:ext cx="5939365" cy="360000"/>
             </a:xfrm>
             <a:prstGeom prst="rect">
               <a:avLst/>
@@ -4629,15 +4499,35 @@
                 </a:rPr>
                 <a:t>総合科学技術研究科</a:t>
               </a:r>
+              <a:r>
+                <a:rPr kumimoji="1" lang="en-US" altLang="ja-JP" sz="1400" dirty="0">
+                  <a:solidFill>
+                    <a:srgbClr val="323232"/>
+                  </a:solidFill>
+                  <a:latin typeface="Yu Gothic" panose="020B0400000000000000" pitchFamily="34" charset="-128"/>
+                  <a:ea typeface="Yu Gothic" panose="020B0400000000000000" pitchFamily="34" charset="-128"/>
+                </a:rPr>
+                <a:t> </a:t>
+              </a:r>
+              <a:r>
+                <a:rPr kumimoji="1" lang="ja-JP" altLang="en-US" sz="1400">
+                  <a:solidFill>
+                    <a:srgbClr val="323232"/>
+                  </a:solidFill>
+                  <a:latin typeface="Yu Gothic" panose="020B0400000000000000" pitchFamily="34" charset="-128"/>
+                  <a:ea typeface="Yu Gothic" panose="020B0400000000000000" pitchFamily="34" charset="-128"/>
+                </a:rPr>
+                <a:t>認知的コミュニケーション研究室</a:t>
+              </a:r>
             </a:p>
           </p:txBody>
         </p:sp>
         <p:sp>
           <p:nvSpPr>
-            <p:cNvPr id="32" name="正方形/長方形 31">
+            <p:cNvPr id="30" name="正方形/長方形 29">
               <a:extLst>
                 <a:ext uri="{FF2B5EF4-FFF2-40B4-BE49-F238E27FC236}">
-                  <a16:creationId xmlns:a16="http://schemas.microsoft.com/office/drawing/2014/main" id="{EA986BD9-00F0-F245-F8E0-1E472116D0EB}"/>
+                  <a16:creationId xmlns:a16="http://schemas.microsoft.com/office/drawing/2014/main" id="{4ADBFF52-46C6-336B-AC3E-0478F7A04414}"/>
                 </a:ext>
               </a:extLst>
             </p:cNvPr>
@@ -4646,8 +4536,8 @@
           </p:nvSpPr>
           <p:spPr>
             <a:xfrm>
-              <a:off x="992177" y="5850045"/>
-              <a:ext cx="5418671" cy="360000"/>
+              <a:off x="992177" y="5147884"/>
+              <a:ext cx="5549400" cy="360000"/>
             </a:xfrm>
             <a:prstGeom prst="rect">
               <a:avLst/>
@@ -4730,313 +4620,12 @@
             </a:p>
           </p:txBody>
         </p:sp>
-      </p:grpSp>
-    </p:spTree>
-    <p:extLst>
-      <p:ext uri="{BB962C8B-B14F-4D97-AF65-F5344CB8AC3E}">
-        <p14:creationId xmlns:p14="http://schemas.microsoft.com/office/powerpoint/2010/main" val="3886938332"/>
-      </p:ext>
-    </p:extLst>
-  </p:cSld>
-  <p:clrMapOvr>
-    <a:masterClrMapping/>
-  </p:clrMapOvr>
-</p:sld>
-</file>
-
-<file path=ppt/slides/slide2.xml><?xml version="1.0" encoding="utf-8"?>
-<p:sld xmlns:a="http://schemas.openxmlformats.org/drawingml/2006/main" xmlns:r="http://schemas.openxmlformats.org/officeDocument/2006/relationships" xmlns:p="http://schemas.openxmlformats.org/presentationml/2006/main">
-  <p:cSld>
-    <p:spTree>
-      <p:nvGrpSpPr>
-        <p:cNvPr id="1" name=""/>
-        <p:cNvGrpSpPr/>
-        <p:nvPr/>
-      </p:nvGrpSpPr>
-      <p:grpSpPr>
-        <a:xfrm>
-          <a:off x="0" y="0"/>
-          <a:ext cx="0" cy="0"/>
-          <a:chOff x="0" y="0"/>
-          <a:chExt cx="0" cy="0"/>
-        </a:xfrm>
-      </p:grpSpPr>
-      <p:sp>
-        <p:nvSpPr>
-          <p:cNvPr id="4" name="正方形/長方形 3">
-            <a:extLst>
-              <a:ext uri="{FF2B5EF4-FFF2-40B4-BE49-F238E27FC236}">
-                <a16:creationId xmlns:a16="http://schemas.microsoft.com/office/drawing/2014/main" id="{BD75CB29-FDF1-04EA-CBCC-0405FD653C22}"/>
-              </a:ext>
-            </a:extLst>
-          </p:cNvPr>
-          <p:cNvSpPr/>
-          <p:nvPr/>
-        </p:nvSpPr>
-        <p:spPr>
-          <a:xfrm>
-            <a:off x="720000" y="2519002"/>
-            <a:ext cx="5336108" cy="1440000"/>
-          </a:xfrm>
-          <a:prstGeom prst="rect">
-            <a:avLst/>
-          </a:prstGeom>
-          <a:noFill/>
-          <a:ln>
-            <a:noFill/>
-          </a:ln>
-        </p:spPr>
-        <p:style>
-          <a:lnRef idx="2">
-            <a:schemeClr val="accent1">
-              <a:shade val="15000"/>
-            </a:schemeClr>
-          </a:lnRef>
-          <a:fillRef idx="1">
-            <a:schemeClr val="accent1"/>
-          </a:fillRef>
-          <a:effectRef idx="0">
-            <a:schemeClr val="accent1"/>
-          </a:effectRef>
-          <a:fontRef idx="minor">
-            <a:schemeClr val="lt1"/>
-          </a:fontRef>
-        </p:style>
-        <p:txBody>
-          <a:bodyPr rtlCol="0" anchor="ctr"/>
-          <a:lstStyle/>
-          <a:p>
-            <a:r>
-              <a:rPr kumimoji="1" lang="ja-JP" altLang="en-US" sz="6000">
-                <a:solidFill>
-                  <a:srgbClr val="323232"/>
-                </a:solidFill>
-                <a:latin typeface="+mn-ea"/>
-              </a:rPr>
-              <a:t>市 川  雅 也</a:t>
-            </a:r>
-            <a:endParaRPr kumimoji="1" lang="en-US" altLang="ja-JP" sz="6000" dirty="0">
-              <a:solidFill>
-                <a:srgbClr val="323232"/>
-              </a:solidFill>
-              <a:latin typeface="+mn-ea"/>
-            </a:endParaRPr>
-          </a:p>
-          <a:p>
-            <a:r>
-              <a:rPr kumimoji="1" lang="en-US" altLang="ja-JP" sz="2400" dirty="0">
-                <a:solidFill>
-                  <a:srgbClr val="323232"/>
-                </a:solidFill>
-                <a:latin typeface="+mn-ea"/>
-              </a:rPr>
-              <a:t>Masanari Ichikawa</a:t>
-            </a:r>
-            <a:endParaRPr kumimoji="1" lang="ja-JP" altLang="en-US" sz="2400">
-              <a:solidFill>
-                <a:srgbClr val="323232"/>
-              </a:solidFill>
-              <a:latin typeface="+mn-ea"/>
-            </a:endParaRPr>
-          </a:p>
-        </p:txBody>
-      </p:sp>
-      <p:pic>
-        <p:nvPicPr>
-          <p:cNvPr id="22" name="図 21" descr="ロゴ, アイコン&#10;&#10;自動的に生成された説明">
-            <a:extLst>
-              <a:ext uri="{FF2B5EF4-FFF2-40B4-BE49-F238E27FC236}">
-                <a16:creationId xmlns:a16="http://schemas.microsoft.com/office/drawing/2014/main" id="{00E652C2-BC75-0D52-B948-5F1F7C11B34B}"/>
-              </a:ext>
-            </a:extLst>
-          </p:cNvPr>
-          <p:cNvPicPr>
-            <a:picLocks noChangeAspect="1"/>
-          </p:cNvPicPr>
-          <p:nvPr/>
-        </p:nvPicPr>
-        <p:blipFill>
-          <a:blip r:embed="rId3"/>
-          <a:stretch>
-            <a:fillRect/>
-          </a:stretch>
-        </p:blipFill>
-        <p:spPr>
-          <a:xfrm>
-            <a:off x="9356851" y="719002"/>
-            <a:ext cx="1447273" cy="1440000"/>
-          </a:xfrm>
-          <a:prstGeom prst="rect">
-            <a:avLst/>
-          </a:prstGeom>
-        </p:spPr>
-      </p:pic>
-      <p:grpSp>
-        <p:nvGrpSpPr>
-          <p:cNvPr id="33" name="グループ化 32">
-            <a:extLst>
-              <a:ext uri="{FF2B5EF4-FFF2-40B4-BE49-F238E27FC236}">
-                <a16:creationId xmlns:a16="http://schemas.microsoft.com/office/drawing/2014/main" id="{C1BC0DFF-D215-2EAC-05E9-C95DD8AEA35F}"/>
-              </a:ext>
-            </a:extLst>
-          </p:cNvPr>
-          <p:cNvGrpSpPr/>
-          <p:nvPr/>
-        </p:nvGrpSpPr>
-        <p:grpSpPr>
-          <a:xfrm>
-            <a:off x="720000" y="4689050"/>
-            <a:ext cx="5778671" cy="1442256"/>
-            <a:chOff x="632177" y="4767789"/>
-            <a:chExt cx="5778671" cy="1442256"/>
-          </a:xfrm>
-        </p:grpSpPr>
-        <p:pic>
-          <p:nvPicPr>
-            <p:cNvPr id="24" name="グラフィックス 23">
+        <p:sp>
+          <p:nvSpPr>
+            <p:cNvPr id="31" name="正方形/長方形 30">
               <a:extLst>
                 <a:ext uri="{FF2B5EF4-FFF2-40B4-BE49-F238E27FC236}">
-                  <a16:creationId xmlns:a16="http://schemas.microsoft.com/office/drawing/2014/main" id="{A9089DB6-3D8D-B8ED-75E1-A462088C8A70}"/>
-                </a:ext>
-              </a:extLst>
-            </p:cNvPr>
-            <p:cNvPicPr>
-              <a:picLocks noChangeAspect="1"/>
-            </p:cNvPicPr>
-            <p:nvPr/>
-          </p:nvPicPr>
-          <p:blipFill>
-            <a:blip r:embed="rId4">
-              <a:extLst>
-                <a:ext uri="{96DAC541-7B7A-43D3-8B79-37D633B846F1}">
-                  <asvg:svgBlip xmlns:asvg="http://schemas.microsoft.com/office/drawing/2016/SVG/main" r:embed="rId5"/>
-                </a:ext>
-              </a:extLst>
-            </a:blip>
-            <a:srcRect/>
-            <a:stretch/>
-          </p:blipFill>
-          <p:spPr>
-            <a:xfrm>
-              <a:off x="633047" y="4767789"/>
-              <a:ext cx="360000" cy="360000"/>
-            </a:xfrm>
-            <a:prstGeom prst="rect">
-              <a:avLst/>
-            </a:prstGeom>
-          </p:spPr>
-        </p:pic>
-        <p:pic>
-          <p:nvPicPr>
-            <p:cNvPr id="25" name="グラフィックス 24" descr="校舎 単色塗りつぶし">
-              <a:extLst>
-                <a:ext uri="{FF2B5EF4-FFF2-40B4-BE49-F238E27FC236}">
-                  <a16:creationId xmlns:a16="http://schemas.microsoft.com/office/drawing/2014/main" id="{3249F8CD-CAD7-7F1B-E2BB-864423EC16CC}"/>
-                </a:ext>
-              </a:extLst>
-            </p:cNvPr>
-            <p:cNvPicPr>
-              <a:picLocks noChangeAspect="1"/>
-            </p:cNvPicPr>
-            <p:nvPr/>
-          </p:nvPicPr>
-          <p:blipFill>
-            <a:blip r:embed="rId6">
-              <a:extLst>
-                <a:ext uri="{96DAC541-7B7A-43D3-8B79-37D633B846F1}">
-                  <asvg:svgBlip xmlns:asvg="http://schemas.microsoft.com/office/drawing/2016/SVG/main" r:embed="rId7"/>
-                </a:ext>
-              </a:extLst>
-            </a:blip>
-            <a:srcRect/>
-            <a:stretch/>
-          </p:blipFill>
-          <p:spPr>
-            <a:xfrm>
-              <a:off x="633047" y="5469949"/>
-              <a:ext cx="360000" cy="360000"/>
-            </a:xfrm>
-            <a:prstGeom prst="rect">
-              <a:avLst/>
-            </a:prstGeom>
-          </p:spPr>
-        </p:pic>
-        <p:pic>
-          <p:nvPicPr>
-            <p:cNvPr id="26" name="グラフィックス 25" descr="マーカー 単色塗りつぶし">
-              <a:extLst>
-                <a:ext uri="{FF2B5EF4-FFF2-40B4-BE49-F238E27FC236}">
-                  <a16:creationId xmlns:a16="http://schemas.microsoft.com/office/drawing/2014/main" id="{5F418B13-FFA6-807C-4553-BC4209BA1D78}"/>
-                </a:ext>
-              </a:extLst>
-            </p:cNvPr>
-            <p:cNvPicPr>
-              <a:picLocks noChangeAspect="1"/>
-            </p:cNvPicPr>
-            <p:nvPr/>
-          </p:nvPicPr>
-          <p:blipFill>
-            <a:blip r:embed="rId8">
-              <a:extLst>
-                <a:ext uri="{96DAC541-7B7A-43D3-8B79-37D633B846F1}">
-                  <asvg:svgBlip xmlns:asvg="http://schemas.microsoft.com/office/drawing/2016/SVG/main" r:embed="rId9"/>
-                </a:ext>
-              </a:extLst>
-            </a:blip>
-            <a:srcRect/>
-            <a:stretch/>
-          </p:blipFill>
-          <p:spPr>
-            <a:xfrm>
-              <a:off x="632177" y="5850045"/>
-              <a:ext cx="360000" cy="360000"/>
-            </a:xfrm>
-            <a:prstGeom prst="rect">
-              <a:avLst/>
-            </a:prstGeom>
-          </p:spPr>
-        </p:pic>
-        <p:pic>
-          <p:nvPicPr>
-            <p:cNvPr id="27" name="グラフィックス 26" descr="世界 単色塗りつぶし">
-              <a:extLst>
-                <a:ext uri="{FF2B5EF4-FFF2-40B4-BE49-F238E27FC236}">
-                  <a16:creationId xmlns:a16="http://schemas.microsoft.com/office/drawing/2014/main" id="{8EA172B0-8971-E567-5B5E-57E1088DCD63}"/>
-                </a:ext>
-              </a:extLst>
-            </p:cNvPr>
-            <p:cNvPicPr>
-              <a:picLocks noChangeAspect="1"/>
-            </p:cNvPicPr>
-            <p:nvPr/>
-          </p:nvPicPr>
-          <p:blipFill>
-            <a:blip r:embed="rId10">
-              <a:extLst>
-                <a:ext uri="{96DAC541-7B7A-43D3-8B79-37D633B846F1}">
-                  <asvg:svgBlip xmlns:asvg="http://schemas.microsoft.com/office/drawing/2016/SVG/main" r:embed="rId11"/>
-                </a:ext>
-              </a:extLst>
-            </a:blip>
-            <a:srcRect/>
-            <a:stretch/>
-          </p:blipFill>
-          <p:spPr>
-            <a:xfrm>
-              <a:off x="633047" y="5147884"/>
-              <a:ext cx="360000" cy="360000"/>
-            </a:xfrm>
-            <a:prstGeom prst="rect">
-              <a:avLst/>
-            </a:prstGeom>
-          </p:spPr>
-        </p:pic>
-        <p:sp>
-          <p:nvSpPr>
-            <p:cNvPr id="29" name="正方形/長方形 28">
-              <a:extLst>
-                <a:ext uri="{FF2B5EF4-FFF2-40B4-BE49-F238E27FC236}">
-                  <a16:creationId xmlns:a16="http://schemas.microsoft.com/office/drawing/2014/main" id="{8DC38EF7-5548-F959-64B1-E3BC4BA54357}"/>
+                  <a16:creationId xmlns:a16="http://schemas.microsoft.com/office/drawing/2014/main" id="{64134785-DC12-EF74-25B7-1582113EA464}"/>
                 </a:ext>
               </a:extLst>
             </p:cNvPr>
@@ -5045,8 +4634,8 @@
           </p:nvSpPr>
           <p:spPr>
             <a:xfrm>
-              <a:off x="992177" y="4767789"/>
-              <a:ext cx="3516123" cy="360000"/>
+              <a:off x="993047" y="5469949"/>
+              <a:ext cx="4677925" cy="360000"/>
             </a:xfrm>
             <a:prstGeom prst="rect">
               <a:avLst/>
@@ -5085,136 +4674,6 @@
                   <a:ea typeface="Yu Gothic" panose="020B0400000000000000" pitchFamily="34" charset="-128"/>
                 </a:rPr>
                 <a:t>ichikawa.masanari.18@shizuoka.ac.jp</a:t>
-              </a:r>
-              <a:endParaRPr kumimoji="1" lang="ja-JP" altLang="en-US" sz="1400">
-                <a:solidFill>
-                  <a:srgbClr val="323232"/>
-                </a:solidFill>
-                <a:latin typeface="Yu Gothic" panose="020B0400000000000000" pitchFamily="34" charset="-128"/>
-                <a:ea typeface="Yu Gothic" panose="020B0400000000000000" pitchFamily="34" charset="-128"/>
-              </a:endParaRPr>
-            </a:p>
-          </p:txBody>
-        </p:sp>
-        <p:sp>
-          <p:nvSpPr>
-            <p:cNvPr id="30" name="正方形/長方形 29">
-              <a:extLst>
-                <a:ext uri="{FF2B5EF4-FFF2-40B4-BE49-F238E27FC236}">
-                  <a16:creationId xmlns:a16="http://schemas.microsoft.com/office/drawing/2014/main" id="{4ADBFF52-46C6-336B-AC3E-0478F7A04414}"/>
-                </a:ext>
-              </a:extLst>
-            </p:cNvPr>
-            <p:cNvSpPr/>
-            <p:nvPr/>
-          </p:nvSpPr>
-          <p:spPr>
-            <a:xfrm>
-              <a:off x="992177" y="5147884"/>
-              <a:ext cx="2184611" cy="360000"/>
-            </a:xfrm>
-            <a:prstGeom prst="rect">
-              <a:avLst/>
-            </a:prstGeom>
-            <a:noFill/>
-            <a:ln>
-              <a:noFill/>
-            </a:ln>
-          </p:spPr>
-          <p:style>
-            <a:lnRef idx="2">
-              <a:schemeClr val="accent1">
-                <a:shade val="15000"/>
-              </a:schemeClr>
-            </a:lnRef>
-            <a:fillRef idx="1">
-              <a:schemeClr val="accent1"/>
-            </a:fillRef>
-            <a:effectRef idx="0">
-              <a:schemeClr val="accent1"/>
-            </a:effectRef>
-            <a:fontRef idx="minor">
-              <a:schemeClr val="lt1"/>
-            </a:fontRef>
-          </p:style>
-          <p:txBody>
-            <a:bodyPr rtlCol="0" anchor="ctr"/>
-            <a:lstStyle/>
-            <a:p>
-              <a:r>
-                <a:rPr kumimoji="1" lang="en-US" altLang="ja-JP" sz="1400" dirty="0" err="1">
-                  <a:solidFill>
-                    <a:srgbClr val="323232"/>
-                  </a:solidFill>
-                  <a:latin typeface="Yu Gothic" panose="020B0400000000000000" pitchFamily="34" charset="-128"/>
-                  <a:ea typeface="Yu Gothic" panose="020B0400000000000000" pitchFamily="34" charset="-128"/>
-                </a:rPr>
-                <a:t>masanarius.github.io</a:t>
-              </a:r>
-              <a:endParaRPr kumimoji="1" lang="ja-JP" altLang="en-US" sz="1400">
-                <a:solidFill>
-                  <a:srgbClr val="323232"/>
-                </a:solidFill>
-                <a:latin typeface="Yu Gothic" panose="020B0400000000000000" pitchFamily="34" charset="-128"/>
-                <a:ea typeface="Yu Gothic" panose="020B0400000000000000" pitchFamily="34" charset="-128"/>
-              </a:endParaRPr>
-            </a:p>
-          </p:txBody>
-        </p:sp>
-        <p:sp>
-          <p:nvSpPr>
-            <p:cNvPr id="31" name="正方形/長方形 30">
-              <a:extLst>
-                <a:ext uri="{FF2B5EF4-FFF2-40B4-BE49-F238E27FC236}">
-                  <a16:creationId xmlns:a16="http://schemas.microsoft.com/office/drawing/2014/main" id="{64134785-DC12-EF74-25B7-1582113EA464}"/>
-                </a:ext>
-              </a:extLst>
-            </p:cNvPr>
-            <p:cNvSpPr/>
-            <p:nvPr/>
-          </p:nvSpPr>
-          <p:spPr>
-            <a:xfrm>
-              <a:off x="993047" y="5469949"/>
-              <a:ext cx="4975238" cy="360000"/>
-            </a:xfrm>
-            <a:prstGeom prst="rect">
-              <a:avLst/>
-            </a:prstGeom>
-            <a:noFill/>
-            <a:ln>
-              <a:noFill/>
-            </a:ln>
-          </p:spPr>
-          <p:style>
-            <a:lnRef idx="2">
-              <a:schemeClr val="accent1">
-                <a:shade val="15000"/>
-              </a:schemeClr>
-            </a:lnRef>
-            <a:fillRef idx="1">
-              <a:schemeClr val="accent1"/>
-            </a:fillRef>
-            <a:effectRef idx="0">
-              <a:schemeClr val="accent1"/>
-            </a:effectRef>
-            <a:fontRef idx="minor">
-              <a:schemeClr val="lt1"/>
-            </a:fontRef>
-          </p:style>
-          <p:txBody>
-            <a:bodyPr rtlCol="0" anchor="ctr"/>
-            <a:lstStyle/>
-            <a:p>
-              <a:r>
-                <a:rPr kumimoji="1" lang="en-US" altLang="ja-JP" sz="1400" dirty="0">
-                  <a:solidFill>
-                    <a:srgbClr val="323232"/>
-                  </a:solidFill>
-                  <a:latin typeface="Yu Gothic" panose="020B0400000000000000" pitchFamily="34" charset="-128"/>
-                  <a:ea typeface="Yu Gothic" panose="020B0400000000000000" pitchFamily="34" charset="-128"/>
-                </a:rPr>
-                <a:t>Graduate School of Integrated Science and Technology</a:t>
               </a:r>
               <a:endParaRPr kumimoji="1" lang="ja-JP" altLang="en-US" sz="1400">
                 <a:solidFill>
@@ -5272,16 +4731,6 @@
             <a:lstStyle/>
             <a:p>
               <a:r>
-                <a:rPr kumimoji="1" lang="en-US" altLang="ja-JP" sz="1400" dirty="0">
-                  <a:solidFill>
-                    <a:srgbClr val="323232"/>
-                  </a:solidFill>
-                  <a:latin typeface="Yu Gothic" panose="020B0400000000000000" pitchFamily="34" charset="-128"/>
-                  <a:ea typeface="Yu Gothic" panose="020B0400000000000000" pitchFamily="34" charset="-128"/>
-                </a:rPr>
-                <a:t>3-5-1 </a:t>
-              </a:r>
-              <a:r>
                 <a:rPr kumimoji="1" lang="en-US" altLang="ja-JP" sz="1400" dirty="0" err="1">
                   <a:solidFill>
                     <a:srgbClr val="323232"/>
@@ -5289,37 +4738,7 @@
                   <a:latin typeface="Yu Gothic" panose="020B0400000000000000" pitchFamily="34" charset="-128"/>
                   <a:ea typeface="Yu Gothic" panose="020B0400000000000000" pitchFamily="34" charset="-128"/>
                 </a:rPr>
-                <a:t>Johoku</a:t>
-              </a:r>
-              <a:r>
-                <a:rPr kumimoji="1" lang="en-US" altLang="ja-JP" sz="1400" dirty="0">
-                  <a:solidFill>
-                    <a:srgbClr val="323232"/>
-                  </a:solidFill>
-                  <a:latin typeface="Yu Gothic" panose="020B0400000000000000" pitchFamily="34" charset="-128"/>
-                  <a:ea typeface="Yu Gothic" panose="020B0400000000000000" pitchFamily="34" charset="-128"/>
-                </a:rPr>
-                <a:t>, Naka-</a:t>
-              </a:r>
-              <a:r>
-                <a:rPr kumimoji="1" lang="en-US" altLang="ja-JP" sz="1400" dirty="0" err="1">
-                  <a:solidFill>
-                    <a:srgbClr val="323232"/>
-                  </a:solidFill>
-                  <a:latin typeface="Yu Gothic" panose="020B0400000000000000" pitchFamily="34" charset="-128"/>
-                  <a:ea typeface="Yu Gothic" panose="020B0400000000000000" pitchFamily="34" charset="-128"/>
-                </a:rPr>
-                <a:t>ku</a:t>
-              </a:r>
-              <a:r>
-                <a:rPr kumimoji="1" lang="en-US" altLang="ja-JP" sz="1400" dirty="0">
-                  <a:solidFill>
-                    <a:srgbClr val="323232"/>
-                  </a:solidFill>
-                  <a:latin typeface="Yu Gothic" panose="020B0400000000000000" pitchFamily="34" charset="-128"/>
-                  <a:ea typeface="Yu Gothic" panose="020B0400000000000000" pitchFamily="34" charset="-128"/>
-                </a:rPr>
-                <a:t>, Hamamatsu, Japan, 432-8011</a:t>
+                <a:t>masanarius.github.io</a:t>
               </a:r>
               <a:endParaRPr kumimoji="1" lang="ja-JP" altLang="en-US" sz="1400">
                 <a:solidFill>
@@ -5335,7 +4754,7 @@
     </p:spTree>
     <p:extLst>
       <p:ext uri="{BB962C8B-B14F-4D97-AF65-F5344CB8AC3E}">
-        <p14:creationId xmlns:p14="http://schemas.microsoft.com/office/powerpoint/2010/main" val="3438781077"/>
+        <p14:creationId xmlns:p14="http://schemas.microsoft.com/office/powerpoint/2010/main" val="3886938332"/>
       </p:ext>
     </p:extLst>
   </p:cSld>
@@ -5345,7 +4764,7 @@
 </p:sld>
 </file>
 
-<file path=ppt/slides/slide3.xml><?xml version="1.0" encoding="utf-8"?>
+<file path=ppt/slides/slide2.xml><?xml version="1.0" encoding="utf-8"?>
 <p:sld xmlns:a="http://schemas.openxmlformats.org/drawingml/2006/main" xmlns:r="http://schemas.openxmlformats.org/officeDocument/2006/relationships" xmlns:p="http://schemas.openxmlformats.org/presentationml/2006/main">
   <p:cSld>
     <p:spTree>
@@ -5487,9 +4906,9 @@
         <p:grpSpPr>
           <a:xfrm>
             <a:off x="720000" y="4689050"/>
-            <a:ext cx="5778671" cy="1442256"/>
+            <a:ext cx="6299365" cy="1442256"/>
             <a:chOff x="632177" y="4767789"/>
-            <a:chExt cx="5778671" cy="1442256"/>
+            <a:chExt cx="6299365" cy="1442256"/>
           </a:xfrm>
         </p:grpSpPr>
         <p:pic>
@@ -5529,7 +4948,7 @@
         </p:pic>
         <p:pic>
           <p:nvPicPr>
-            <p:cNvPr id="25" name="グラフィックス 24" descr="校舎 単色塗りつぶし">
+            <p:cNvPr id="25" name="グラフィックス 24">
               <a:extLst>
                 <a:ext uri="{FF2B5EF4-FFF2-40B4-BE49-F238E27FC236}">
                   <a16:creationId xmlns:a16="http://schemas.microsoft.com/office/drawing/2014/main" id="{3249F8CD-CAD7-7F1B-E2BB-864423EC16CC}"/>
@@ -5564,7 +4983,7 @@
         </p:pic>
         <p:pic>
           <p:nvPicPr>
-            <p:cNvPr id="26" name="グラフィックス 25" descr="マーカー 単色塗りつぶし">
+            <p:cNvPr id="26" name="グラフィックス 25">
               <a:extLst>
                 <a:ext uri="{FF2B5EF4-FFF2-40B4-BE49-F238E27FC236}">
                   <a16:creationId xmlns:a16="http://schemas.microsoft.com/office/drawing/2014/main" id="{5F418B13-FFA6-807C-4553-BC4209BA1D78}"/>
@@ -5599,7 +5018,7 @@
         </p:pic>
         <p:pic>
           <p:nvPicPr>
-            <p:cNvPr id="27" name="グラフィックス 26" descr="世界 単色塗りつぶし">
+            <p:cNvPr id="27" name="グラフィックス 26">
               <a:extLst>
                 <a:ext uri="{FF2B5EF4-FFF2-40B4-BE49-F238E27FC236}">
                   <a16:creationId xmlns:a16="http://schemas.microsoft.com/office/drawing/2014/main" id="{8EA172B0-8971-E567-5B5E-57E1088DCD63}"/>
@@ -5647,137 +5066,7 @@
           <p:spPr>
             <a:xfrm>
               <a:off x="992177" y="4767789"/>
-              <a:ext cx="3516123" cy="360000"/>
-            </a:xfrm>
-            <a:prstGeom prst="rect">
-              <a:avLst/>
-            </a:prstGeom>
-            <a:noFill/>
-            <a:ln>
-              <a:noFill/>
-            </a:ln>
-          </p:spPr>
-          <p:style>
-            <a:lnRef idx="2">
-              <a:schemeClr val="accent1">
-                <a:shade val="15000"/>
-              </a:schemeClr>
-            </a:lnRef>
-            <a:fillRef idx="1">
-              <a:schemeClr val="accent1"/>
-            </a:fillRef>
-            <a:effectRef idx="0">
-              <a:schemeClr val="accent1"/>
-            </a:effectRef>
-            <a:fontRef idx="minor">
-              <a:schemeClr val="lt1"/>
-            </a:fontRef>
-          </p:style>
-          <p:txBody>
-            <a:bodyPr rtlCol="0" anchor="ctr"/>
-            <a:lstStyle/>
-            <a:p>
-              <a:r>
-                <a:rPr kumimoji="1" lang="en-US" altLang="ja-JP" sz="1400" dirty="0">
-                  <a:solidFill>
-                    <a:srgbClr val="323232"/>
-                  </a:solidFill>
-                  <a:latin typeface="Yu Gothic" panose="020B0400000000000000" pitchFamily="34" charset="-128"/>
-                  <a:ea typeface="Yu Gothic" panose="020B0400000000000000" pitchFamily="34" charset="-128"/>
-                </a:rPr>
-                <a:t>ichikawa.masanari.18@shizuoka.ac.jp</a:t>
-              </a:r>
-              <a:endParaRPr kumimoji="1" lang="ja-JP" altLang="en-US" sz="1400">
-                <a:solidFill>
-                  <a:srgbClr val="323232"/>
-                </a:solidFill>
-                <a:latin typeface="Yu Gothic" panose="020B0400000000000000" pitchFamily="34" charset="-128"/>
-                <a:ea typeface="Yu Gothic" panose="020B0400000000000000" pitchFamily="34" charset="-128"/>
-              </a:endParaRPr>
-            </a:p>
-          </p:txBody>
-        </p:sp>
-        <p:sp>
-          <p:nvSpPr>
-            <p:cNvPr id="30" name="正方形/長方形 29">
-              <a:extLst>
-                <a:ext uri="{FF2B5EF4-FFF2-40B4-BE49-F238E27FC236}">
-                  <a16:creationId xmlns:a16="http://schemas.microsoft.com/office/drawing/2014/main" id="{4ADBFF52-46C6-336B-AC3E-0478F7A04414}"/>
-                </a:ext>
-              </a:extLst>
-            </p:cNvPr>
-            <p:cNvSpPr/>
-            <p:nvPr/>
-          </p:nvSpPr>
-          <p:spPr>
-            <a:xfrm>
-              <a:off x="992177" y="5147884"/>
-              <a:ext cx="2184611" cy="360000"/>
-            </a:xfrm>
-            <a:prstGeom prst="rect">
-              <a:avLst/>
-            </a:prstGeom>
-            <a:noFill/>
-            <a:ln>
-              <a:noFill/>
-            </a:ln>
-          </p:spPr>
-          <p:style>
-            <a:lnRef idx="2">
-              <a:schemeClr val="accent1">
-                <a:shade val="15000"/>
-              </a:schemeClr>
-            </a:lnRef>
-            <a:fillRef idx="1">
-              <a:schemeClr val="accent1"/>
-            </a:fillRef>
-            <a:effectRef idx="0">
-              <a:schemeClr val="accent1"/>
-            </a:effectRef>
-            <a:fontRef idx="minor">
-              <a:schemeClr val="lt1"/>
-            </a:fontRef>
-          </p:style>
-          <p:txBody>
-            <a:bodyPr rtlCol="0" anchor="ctr"/>
-            <a:lstStyle/>
-            <a:p>
-              <a:r>
-                <a:rPr kumimoji="1" lang="en-US" altLang="ja-JP" sz="1400" dirty="0" err="1">
-                  <a:solidFill>
-                    <a:srgbClr val="323232"/>
-                  </a:solidFill>
-                  <a:latin typeface="Yu Gothic" panose="020B0400000000000000" pitchFamily="34" charset="-128"/>
-                  <a:ea typeface="Yu Gothic" panose="020B0400000000000000" pitchFamily="34" charset="-128"/>
-                </a:rPr>
-                <a:t>masanarius.github.io</a:t>
-              </a:r>
-              <a:endParaRPr kumimoji="1" lang="ja-JP" altLang="en-US" sz="1400">
-                <a:solidFill>
-                  <a:srgbClr val="323232"/>
-                </a:solidFill>
-                <a:latin typeface="Yu Gothic" panose="020B0400000000000000" pitchFamily="34" charset="-128"/>
-                <a:ea typeface="Yu Gothic" panose="020B0400000000000000" pitchFamily="34" charset="-128"/>
-              </a:endParaRPr>
-            </a:p>
-          </p:txBody>
-        </p:sp>
-        <p:sp>
-          <p:nvSpPr>
-            <p:cNvPr id="31" name="正方形/長方形 30">
-              <a:extLst>
-                <a:ext uri="{FF2B5EF4-FFF2-40B4-BE49-F238E27FC236}">
-                  <a16:creationId xmlns:a16="http://schemas.microsoft.com/office/drawing/2014/main" id="{64134785-DC12-EF74-25B7-1582113EA464}"/>
-                </a:ext>
-              </a:extLst>
-            </p:cNvPr>
-            <p:cNvSpPr/>
-            <p:nvPr/>
-          </p:nvSpPr>
-          <p:spPr>
-            <a:xfrm>
-              <a:off x="993047" y="5469949"/>
-              <a:ext cx="4677925" cy="360000"/>
+              <a:ext cx="5939365" cy="360000"/>
             </a:xfrm>
             <a:prstGeom prst="rect">
               <a:avLst/>
@@ -5837,15 +5126,35 @@
                 </a:rPr>
                 <a:t>総合科学技術研究科</a:t>
               </a:r>
+              <a:r>
+                <a:rPr kumimoji="1" lang="en-US" altLang="ja-JP" sz="1400" dirty="0">
+                  <a:solidFill>
+                    <a:srgbClr val="323232"/>
+                  </a:solidFill>
+                  <a:latin typeface="Yu Gothic" panose="020B0400000000000000" pitchFamily="34" charset="-128"/>
+                  <a:ea typeface="Yu Gothic" panose="020B0400000000000000" pitchFamily="34" charset="-128"/>
+                </a:rPr>
+                <a:t> </a:t>
+              </a:r>
+              <a:r>
+                <a:rPr kumimoji="1" lang="ja-JP" altLang="en-US" sz="1400">
+                  <a:solidFill>
+                    <a:srgbClr val="323232"/>
+                  </a:solidFill>
+                  <a:latin typeface="Yu Gothic" panose="020B0400000000000000" pitchFamily="34" charset="-128"/>
+                  <a:ea typeface="Yu Gothic" panose="020B0400000000000000" pitchFamily="34" charset="-128"/>
+                </a:rPr>
+                <a:t>認知的コミュニケーション研究室</a:t>
+              </a:r>
             </a:p>
           </p:txBody>
         </p:sp>
         <p:sp>
           <p:nvSpPr>
-            <p:cNvPr id="32" name="正方形/長方形 31">
+            <p:cNvPr id="30" name="正方形/長方形 29">
               <a:extLst>
                 <a:ext uri="{FF2B5EF4-FFF2-40B4-BE49-F238E27FC236}">
-                  <a16:creationId xmlns:a16="http://schemas.microsoft.com/office/drawing/2014/main" id="{EA986BD9-00F0-F245-F8E0-1E472116D0EB}"/>
+                  <a16:creationId xmlns:a16="http://schemas.microsoft.com/office/drawing/2014/main" id="{4ADBFF52-46C6-336B-AC3E-0478F7A04414}"/>
                 </a:ext>
               </a:extLst>
             </p:cNvPr>
@@ -5854,8 +5163,8 @@
           </p:nvSpPr>
           <p:spPr>
             <a:xfrm>
-              <a:off x="992177" y="5850045"/>
-              <a:ext cx="5418671" cy="360000"/>
+              <a:off x="992177" y="5147884"/>
+              <a:ext cx="5549400" cy="360000"/>
             </a:xfrm>
             <a:prstGeom prst="rect">
               <a:avLst/>
@@ -5938,378 +5247,12 @@
             </a:p>
           </p:txBody>
         </p:sp>
-      </p:grpSp>
-      <p:pic>
-        <p:nvPicPr>
-          <p:cNvPr id="3" name="図 2" descr="QR コード&#10;&#10;自動的に生成された説明">
-            <a:extLst>
-              <a:ext uri="{FF2B5EF4-FFF2-40B4-BE49-F238E27FC236}">
-                <a16:creationId xmlns:a16="http://schemas.microsoft.com/office/drawing/2014/main" id="{23BD2C65-4ED6-3566-C728-D47A66A3A60F}"/>
-              </a:ext>
-            </a:extLst>
-          </p:cNvPr>
-          <p:cNvPicPr>
-            <a:picLocks noChangeAspect="1"/>
-          </p:cNvPicPr>
-          <p:nvPr/>
-        </p:nvPicPr>
-        <p:blipFill>
-          <a:blip r:embed="rId12"/>
-          <a:stretch>
-            <a:fillRect/>
-          </a:stretch>
-        </p:blipFill>
-        <p:spPr>
-          <a:xfrm>
-            <a:off x="7919618" y="2871210"/>
-            <a:ext cx="2880000" cy="2880000"/>
-          </a:xfrm>
-          <a:prstGeom prst="rect">
-            <a:avLst/>
-          </a:prstGeom>
-        </p:spPr>
-      </p:pic>
-    </p:spTree>
-    <p:extLst>
-      <p:ext uri="{BB962C8B-B14F-4D97-AF65-F5344CB8AC3E}">
-        <p14:creationId xmlns:p14="http://schemas.microsoft.com/office/powerpoint/2010/main" val="688766225"/>
-      </p:ext>
-    </p:extLst>
-  </p:cSld>
-  <p:clrMapOvr>
-    <a:masterClrMapping/>
-  </p:clrMapOvr>
-</p:sld>
-</file>
-
-<file path=ppt/slides/slide4.xml><?xml version="1.0" encoding="utf-8"?>
-<p:sld xmlns:a="http://schemas.openxmlformats.org/drawingml/2006/main" xmlns:r="http://schemas.openxmlformats.org/officeDocument/2006/relationships" xmlns:p="http://schemas.openxmlformats.org/presentationml/2006/main">
-  <p:cSld>
-    <p:spTree>
-      <p:nvGrpSpPr>
-        <p:cNvPr id="1" name=""/>
-        <p:cNvGrpSpPr/>
-        <p:nvPr/>
-      </p:nvGrpSpPr>
-      <p:grpSpPr>
-        <a:xfrm>
-          <a:off x="0" y="0"/>
-          <a:ext cx="0" cy="0"/>
-          <a:chOff x="0" y="0"/>
-          <a:chExt cx="0" cy="0"/>
-        </a:xfrm>
-      </p:grpSpPr>
-      <p:sp>
-        <p:nvSpPr>
-          <p:cNvPr id="4" name="正方形/長方形 3">
-            <a:extLst>
-              <a:ext uri="{FF2B5EF4-FFF2-40B4-BE49-F238E27FC236}">
-                <a16:creationId xmlns:a16="http://schemas.microsoft.com/office/drawing/2014/main" id="{BD75CB29-FDF1-04EA-CBCC-0405FD653C22}"/>
-              </a:ext>
-            </a:extLst>
-          </p:cNvPr>
-          <p:cNvSpPr/>
-          <p:nvPr/>
-        </p:nvSpPr>
-        <p:spPr>
-          <a:xfrm>
-            <a:off x="720000" y="2519002"/>
-            <a:ext cx="5336108" cy="1440000"/>
-          </a:xfrm>
-          <a:prstGeom prst="rect">
-            <a:avLst/>
-          </a:prstGeom>
-          <a:noFill/>
-          <a:ln>
-            <a:noFill/>
-          </a:ln>
-        </p:spPr>
-        <p:style>
-          <a:lnRef idx="2">
-            <a:schemeClr val="accent1">
-              <a:shade val="15000"/>
-            </a:schemeClr>
-          </a:lnRef>
-          <a:fillRef idx="1">
-            <a:schemeClr val="accent1"/>
-          </a:fillRef>
-          <a:effectRef idx="0">
-            <a:schemeClr val="accent1"/>
-          </a:effectRef>
-          <a:fontRef idx="minor">
-            <a:schemeClr val="lt1"/>
-          </a:fontRef>
-        </p:style>
-        <p:txBody>
-          <a:bodyPr rtlCol="0" anchor="ctr"/>
-          <a:lstStyle/>
-          <a:p>
-            <a:r>
-              <a:rPr kumimoji="1" lang="ja-JP" altLang="en-US" sz="6000">
-                <a:solidFill>
-                  <a:srgbClr val="323232"/>
-                </a:solidFill>
-                <a:latin typeface="+mn-ea"/>
-              </a:rPr>
-              <a:t>市 川  雅 也</a:t>
-            </a:r>
-            <a:endParaRPr kumimoji="1" lang="en-US" altLang="ja-JP" sz="6000" dirty="0">
-              <a:solidFill>
-                <a:srgbClr val="323232"/>
-              </a:solidFill>
-              <a:latin typeface="+mn-ea"/>
-            </a:endParaRPr>
-          </a:p>
-          <a:p>
-            <a:r>
-              <a:rPr kumimoji="1" lang="en-US" altLang="ja-JP" sz="2400" dirty="0">
-                <a:solidFill>
-                  <a:srgbClr val="323232"/>
-                </a:solidFill>
-                <a:latin typeface="+mn-ea"/>
-              </a:rPr>
-              <a:t>Masanari Ichikawa</a:t>
-            </a:r>
-            <a:endParaRPr kumimoji="1" lang="ja-JP" altLang="en-US" sz="2400">
-              <a:solidFill>
-                <a:srgbClr val="323232"/>
-              </a:solidFill>
-              <a:latin typeface="+mn-ea"/>
-            </a:endParaRPr>
-          </a:p>
-        </p:txBody>
-      </p:sp>
-      <p:pic>
-        <p:nvPicPr>
-          <p:cNvPr id="22" name="図 21" descr="ロゴ, アイコン&#10;&#10;自動的に生成された説明">
-            <a:extLst>
-              <a:ext uri="{FF2B5EF4-FFF2-40B4-BE49-F238E27FC236}">
-                <a16:creationId xmlns:a16="http://schemas.microsoft.com/office/drawing/2014/main" id="{00E652C2-BC75-0D52-B948-5F1F7C11B34B}"/>
-              </a:ext>
-            </a:extLst>
-          </p:cNvPr>
-          <p:cNvPicPr>
-            <a:picLocks noChangeAspect="1"/>
-          </p:cNvPicPr>
-          <p:nvPr/>
-        </p:nvPicPr>
-        <p:blipFill>
-          <a:blip r:embed="rId3"/>
-          <a:stretch>
-            <a:fillRect/>
-          </a:stretch>
-        </p:blipFill>
-        <p:spPr>
-          <a:xfrm>
-            <a:off x="9356851" y="719002"/>
-            <a:ext cx="1447273" cy="1440000"/>
-          </a:xfrm>
-          <a:prstGeom prst="rect">
-            <a:avLst/>
-          </a:prstGeom>
-        </p:spPr>
-      </p:pic>
-      <p:grpSp>
-        <p:nvGrpSpPr>
-          <p:cNvPr id="33" name="グループ化 32">
-            <a:extLst>
-              <a:ext uri="{FF2B5EF4-FFF2-40B4-BE49-F238E27FC236}">
-                <a16:creationId xmlns:a16="http://schemas.microsoft.com/office/drawing/2014/main" id="{C1BC0DFF-D215-2EAC-05E9-C95DD8AEA35F}"/>
-              </a:ext>
-            </a:extLst>
-          </p:cNvPr>
-          <p:cNvGrpSpPr/>
-          <p:nvPr/>
-        </p:nvGrpSpPr>
-        <p:grpSpPr>
-          <a:xfrm>
-            <a:off x="720000" y="4308954"/>
-            <a:ext cx="5778671" cy="1822352"/>
-            <a:chOff x="632177" y="4387693"/>
-            <a:chExt cx="5778671" cy="1822352"/>
-          </a:xfrm>
-        </p:grpSpPr>
-        <p:pic>
-          <p:nvPicPr>
-            <p:cNvPr id="23" name="グラフィックス 22" descr="封筒 単色塗りつぶし">
+        <p:sp>
+          <p:nvSpPr>
+            <p:cNvPr id="31" name="正方形/長方形 30">
               <a:extLst>
                 <a:ext uri="{FF2B5EF4-FFF2-40B4-BE49-F238E27FC236}">
-                  <a16:creationId xmlns:a16="http://schemas.microsoft.com/office/drawing/2014/main" id="{E9EDA729-8D21-A9F2-943F-11D83E32DCEB}"/>
-                </a:ext>
-              </a:extLst>
-            </p:cNvPr>
-            <p:cNvPicPr>
-              <a:picLocks noChangeAspect="1"/>
-            </p:cNvPicPr>
-            <p:nvPr/>
-          </p:nvPicPr>
-          <p:blipFill>
-            <a:blip r:embed="rId4">
-              <a:extLst>
-                <a:ext uri="{96DAC541-7B7A-43D3-8B79-37D633B846F1}">
-                  <asvg:svgBlip xmlns:asvg="http://schemas.microsoft.com/office/drawing/2016/SVG/main" r:embed="rId5"/>
-                </a:ext>
-              </a:extLst>
-            </a:blip>
-            <a:srcRect/>
-            <a:stretch/>
-          </p:blipFill>
-          <p:spPr>
-            <a:xfrm>
-              <a:off x="633047" y="4387693"/>
-              <a:ext cx="360000" cy="360000"/>
-            </a:xfrm>
-            <a:prstGeom prst="rect">
-              <a:avLst/>
-            </a:prstGeom>
-          </p:spPr>
-        </p:pic>
-        <p:pic>
-          <p:nvPicPr>
-            <p:cNvPr id="24" name="グラフィックス 23" descr="スマート フォン 単色塗りつぶし">
-              <a:extLst>
-                <a:ext uri="{FF2B5EF4-FFF2-40B4-BE49-F238E27FC236}">
-                  <a16:creationId xmlns:a16="http://schemas.microsoft.com/office/drawing/2014/main" id="{A9089DB6-3D8D-B8ED-75E1-A462088C8A70}"/>
-                </a:ext>
-              </a:extLst>
-            </p:cNvPr>
-            <p:cNvPicPr>
-              <a:picLocks noChangeAspect="1"/>
-            </p:cNvPicPr>
-            <p:nvPr/>
-          </p:nvPicPr>
-          <p:blipFill>
-            <a:blip r:embed="rId6">
-              <a:extLst>
-                <a:ext uri="{96DAC541-7B7A-43D3-8B79-37D633B846F1}">
-                  <asvg:svgBlip xmlns:asvg="http://schemas.microsoft.com/office/drawing/2016/SVG/main" r:embed="rId7"/>
-                </a:ext>
-              </a:extLst>
-            </a:blip>
-            <a:srcRect/>
-            <a:stretch/>
-          </p:blipFill>
-          <p:spPr>
-            <a:xfrm>
-              <a:off x="633047" y="4767789"/>
-              <a:ext cx="360000" cy="360000"/>
-            </a:xfrm>
-            <a:prstGeom prst="rect">
-              <a:avLst/>
-            </a:prstGeom>
-          </p:spPr>
-        </p:pic>
-        <p:pic>
-          <p:nvPicPr>
-            <p:cNvPr id="25" name="グラフィックス 24" descr="校舎 単色塗りつぶし">
-              <a:extLst>
-                <a:ext uri="{FF2B5EF4-FFF2-40B4-BE49-F238E27FC236}">
-                  <a16:creationId xmlns:a16="http://schemas.microsoft.com/office/drawing/2014/main" id="{3249F8CD-CAD7-7F1B-E2BB-864423EC16CC}"/>
-                </a:ext>
-              </a:extLst>
-            </p:cNvPr>
-            <p:cNvPicPr>
-              <a:picLocks noChangeAspect="1"/>
-            </p:cNvPicPr>
-            <p:nvPr/>
-          </p:nvPicPr>
-          <p:blipFill>
-            <a:blip r:embed="rId8">
-              <a:extLst>
-                <a:ext uri="{96DAC541-7B7A-43D3-8B79-37D633B846F1}">
-                  <asvg:svgBlip xmlns:asvg="http://schemas.microsoft.com/office/drawing/2016/SVG/main" r:embed="rId9"/>
-                </a:ext>
-              </a:extLst>
-            </a:blip>
-            <a:srcRect/>
-            <a:stretch/>
-          </p:blipFill>
-          <p:spPr>
-            <a:xfrm>
-              <a:off x="633047" y="5469949"/>
-              <a:ext cx="360000" cy="360000"/>
-            </a:xfrm>
-            <a:prstGeom prst="rect">
-              <a:avLst/>
-            </a:prstGeom>
-          </p:spPr>
-        </p:pic>
-        <p:pic>
-          <p:nvPicPr>
-            <p:cNvPr id="26" name="グラフィックス 25" descr="マーカー 単色塗りつぶし">
-              <a:extLst>
-                <a:ext uri="{FF2B5EF4-FFF2-40B4-BE49-F238E27FC236}">
-                  <a16:creationId xmlns:a16="http://schemas.microsoft.com/office/drawing/2014/main" id="{5F418B13-FFA6-807C-4553-BC4209BA1D78}"/>
-                </a:ext>
-              </a:extLst>
-            </p:cNvPr>
-            <p:cNvPicPr>
-              <a:picLocks noChangeAspect="1"/>
-            </p:cNvPicPr>
-            <p:nvPr/>
-          </p:nvPicPr>
-          <p:blipFill>
-            <a:blip r:embed="rId10">
-              <a:extLst>
-                <a:ext uri="{96DAC541-7B7A-43D3-8B79-37D633B846F1}">
-                  <asvg:svgBlip xmlns:asvg="http://schemas.microsoft.com/office/drawing/2016/SVG/main" r:embed="rId11"/>
-                </a:ext>
-              </a:extLst>
-            </a:blip>
-            <a:srcRect/>
-            <a:stretch/>
-          </p:blipFill>
-          <p:spPr>
-            <a:xfrm>
-              <a:off x="632177" y="5850045"/>
-              <a:ext cx="360000" cy="360000"/>
-            </a:xfrm>
-            <a:prstGeom prst="rect">
-              <a:avLst/>
-            </a:prstGeom>
-          </p:spPr>
-        </p:pic>
-        <p:pic>
-          <p:nvPicPr>
-            <p:cNvPr id="27" name="グラフィックス 26" descr="世界 単色塗りつぶし">
-              <a:extLst>
-                <a:ext uri="{FF2B5EF4-FFF2-40B4-BE49-F238E27FC236}">
-                  <a16:creationId xmlns:a16="http://schemas.microsoft.com/office/drawing/2014/main" id="{8EA172B0-8971-E567-5B5E-57E1088DCD63}"/>
-                </a:ext>
-              </a:extLst>
-            </p:cNvPr>
-            <p:cNvPicPr>
-              <a:picLocks noChangeAspect="1"/>
-            </p:cNvPicPr>
-            <p:nvPr/>
-          </p:nvPicPr>
-          <p:blipFill>
-            <a:blip r:embed="rId12">
-              <a:extLst>
-                <a:ext uri="{96DAC541-7B7A-43D3-8B79-37D633B846F1}">
-                  <asvg:svgBlip xmlns:asvg="http://schemas.microsoft.com/office/drawing/2016/SVG/main" r:embed="rId13"/>
-                </a:ext>
-              </a:extLst>
-            </a:blip>
-            <a:srcRect/>
-            <a:stretch/>
-          </p:blipFill>
-          <p:spPr>
-            <a:xfrm>
-              <a:off x="633047" y="5147884"/>
-              <a:ext cx="360000" cy="360000"/>
-            </a:xfrm>
-            <a:prstGeom prst="rect">
-              <a:avLst/>
-            </a:prstGeom>
-          </p:spPr>
-        </p:pic>
-        <p:sp>
-          <p:nvSpPr>
-            <p:cNvPr id="28" name="正方形/長方形 27">
-              <a:extLst>
-                <a:ext uri="{FF2B5EF4-FFF2-40B4-BE49-F238E27FC236}">
-                  <a16:creationId xmlns:a16="http://schemas.microsoft.com/office/drawing/2014/main" id="{36BB981A-E952-6225-0A98-C6341D3CEFDE}"/>
+                  <a16:creationId xmlns:a16="http://schemas.microsoft.com/office/drawing/2014/main" id="{64134785-DC12-EF74-25B7-1582113EA464}"/>
                 </a:ext>
               </a:extLst>
             </p:cNvPr>
@@ -6318,8 +5261,8 @@
           </p:nvSpPr>
           <p:spPr>
             <a:xfrm>
-              <a:off x="992177" y="4387693"/>
-              <a:ext cx="4533547" cy="360000"/>
+              <a:off x="993047" y="5469949"/>
+              <a:ext cx="4677925" cy="360000"/>
             </a:xfrm>
             <a:prstGeom prst="rect">
               <a:avLst/>
@@ -6371,10 +5314,10 @@
         </p:sp>
         <p:sp>
           <p:nvSpPr>
-            <p:cNvPr id="29" name="正方形/長方形 28">
+            <p:cNvPr id="32" name="正方形/長方形 31">
               <a:extLst>
                 <a:ext uri="{FF2B5EF4-FFF2-40B4-BE49-F238E27FC236}">
-                  <a16:creationId xmlns:a16="http://schemas.microsoft.com/office/drawing/2014/main" id="{8DC38EF7-5548-F959-64B1-E3BC4BA54357}"/>
+                  <a16:creationId xmlns:a16="http://schemas.microsoft.com/office/drawing/2014/main" id="{EA986BD9-00F0-F245-F8E0-1E472116D0EB}"/>
                 </a:ext>
               </a:extLst>
             </p:cNvPr>
@@ -6383,73 +5326,8 @@
           </p:nvSpPr>
           <p:spPr>
             <a:xfrm>
-              <a:off x="992177" y="4767789"/>
-              <a:ext cx="3516123" cy="360000"/>
-            </a:xfrm>
-            <a:prstGeom prst="rect">
-              <a:avLst/>
-            </a:prstGeom>
-            <a:noFill/>
-            <a:ln>
-              <a:noFill/>
-            </a:ln>
-          </p:spPr>
-          <p:style>
-            <a:lnRef idx="2">
-              <a:schemeClr val="accent1">
-                <a:shade val="15000"/>
-              </a:schemeClr>
-            </a:lnRef>
-            <a:fillRef idx="1">
-              <a:schemeClr val="accent1"/>
-            </a:fillRef>
-            <a:effectRef idx="0">
-              <a:schemeClr val="accent1"/>
-            </a:effectRef>
-            <a:fontRef idx="minor">
-              <a:schemeClr val="lt1"/>
-            </a:fontRef>
-          </p:style>
-          <p:txBody>
-            <a:bodyPr rtlCol="0" anchor="ctr"/>
-            <a:lstStyle/>
-            <a:p>
-              <a:r>
-                <a:rPr kumimoji="1" lang="en-US" altLang="ja-JP" sz="1400" dirty="0">
-                  <a:solidFill>
-                    <a:srgbClr val="323232"/>
-                  </a:solidFill>
-                  <a:latin typeface="Yu Gothic" panose="020B0400000000000000" pitchFamily="34" charset="-128"/>
-                  <a:ea typeface="Yu Gothic" panose="020B0400000000000000" pitchFamily="34" charset="-128"/>
-                </a:rPr>
-                <a:t>080-1590-6189</a:t>
-              </a:r>
-              <a:endParaRPr kumimoji="1" lang="ja-JP" altLang="en-US" sz="1400">
-                <a:solidFill>
-                  <a:srgbClr val="323232"/>
-                </a:solidFill>
-                <a:latin typeface="Yu Gothic" panose="020B0400000000000000" pitchFamily="34" charset="-128"/>
-                <a:ea typeface="Yu Gothic" panose="020B0400000000000000" pitchFamily="34" charset="-128"/>
-              </a:endParaRPr>
-            </a:p>
-          </p:txBody>
-        </p:sp>
-        <p:sp>
-          <p:nvSpPr>
-            <p:cNvPr id="30" name="正方形/長方形 29">
-              <a:extLst>
-                <a:ext uri="{FF2B5EF4-FFF2-40B4-BE49-F238E27FC236}">
-                  <a16:creationId xmlns:a16="http://schemas.microsoft.com/office/drawing/2014/main" id="{4ADBFF52-46C6-336B-AC3E-0478F7A04414}"/>
-                </a:ext>
-              </a:extLst>
-            </p:cNvPr>
-            <p:cNvSpPr/>
-            <p:nvPr/>
-          </p:nvSpPr>
-          <p:spPr>
-            <a:xfrm>
-              <a:off x="992177" y="5147884"/>
-              <a:ext cx="2184611" cy="360000"/>
+              <a:off x="992177" y="5850045"/>
+              <a:ext cx="5418671" cy="360000"/>
             </a:xfrm>
             <a:prstGeom prst="rect">
               <a:avLst/>
@@ -6499,6 +5377,507 @@
             </a:p>
           </p:txBody>
         </p:sp>
+      </p:grpSp>
+      <p:pic>
+        <p:nvPicPr>
+          <p:cNvPr id="2" name="図 1" descr="QR コード&#10;&#10;自動的に生成された説明">
+            <a:extLst>
+              <a:ext uri="{FF2B5EF4-FFF2-40B4-BE49-F238E27FC236}">
+                <a16:creationId xmlns:a16="http://schemas.microsoft.com/office/drawing/2014/main" id="{23C496C4-D74E-2D58-7DA8-35862E7B0563}"/>
+              </a:ext>
+            </a:extLst>
+          </p:cNvPr>
+          <p:cNvPicPr>
+            <a:picLocks noChangeAspect="1"/>
+          </p:cNvPicPr>
+          <p:nvPr/>
+        </p:nvPicPr>
+        <p:blipFill>
+          <a:blip r:embed="rId12"/>
+          <a:stretch>
+            <a:fillRect/>
+          </a:stretch>
+        </p:blipFill>
+        <p:spPr>
+          <a:xfrm>
+            <a:off x="7919618" y="2871210"/>
+            <a:ext cx="2880000" cy="2880000"/>
+          </a:xfrm>
+          <a:prstGeom prst="rect">
+            <a:avLst/>
+          </a:prstGeom>
+        </p:spPr>
+      </p:pic>
+    </p:spTree>
+    <p:extLst>
+      <p:ext uri="{BB962C8B-B14F-4D97-AF65-F5344CB8AC3E}">
+        <p14:creationId xmlns:p14="http://schemas.microsoft.com/office/powerpoint/2010/main" val="2523903751"/>
+      </p:ext>
+    </p:extLst>
+  </p:cSld>
+  <p:clrMapOvr>
+    <a:masterClrMapping/>
+  </p:clrMapOvr>
+</p:sld>
+</file>
+
+<file path=ppt/slides/slide3.xml><?xml version="1.0" encoding="utf-8"?>
+<p:sld xmlns:a="http://schemas.openxmlformats.org/drawingml/2006/main" xmlns:r="http://schemas.openxmlformats.org/officeDocument/2006/relationships" xmlns:p="http://schemas.openxmlformats.org/presentationml/2006/main">
+  <p:cSld>
+    <p:spTree>
+      <p:nvGrpSpPr>
+        <p:cNvPr id="1" name=""/>
+        <p:cNvGrpSpPr/>
+        <p:nvPr/>
+      </p:nvGrpSpPr>
+      <p:grpSpPr>
+        <a:xfrm>
+          <a:off x="0" y="0"/>
+          <a:ext cx="0" cy="0"/>
+          <a:chOff x="0" y="0"/>
+          <a:chExt cx="0" cy="0"/>
+        </a:xfrm>
+      </p:grpSpPr>
+      <p:sp>
+        <p:nvSpPr>
+          <p:cNvPr id="4" name="正方形/長方形 3">
+            <a:extLst>
+              <a:ext uri="{FF2B5EF4-FFF2-40B4-BE49-F238E27FC236}">
+                <a16:creationId xmlns:a16="http://schemas.microsoft.com/office/drawing/2014/main" id="{BD75CB29-FDF1-04EA-CBCC-0405FD653C22}"/>
+              </a:ext>
+            </a:extLst>
+          </p:cNvPr>
+          <p:cNvSpPr/>
+          <p:nvPr/>
+        </p:nvSpPr>
+        <p:spPr>
+          <a:xfrm>
+            <a:off x="720000" y="2519002"/>
+            <a:ext cx="5336108" cy="1440000"/>
+          </a:xfrm>
+          <a:prstGeom prst="rect">
+            <a:avLst/>
+          </a:prstGeom>
+          <a:noFill/>
+          <a:ln>
+            <a:noFill/>
+          </a:ln>
+        </p:spPr>
+        <p:style>
+          <a:lnRef idx="2">
+            <a:schemeClr val="accent1">
+              <a:shade val="15000"/>
+            </a:schemeClr>
+          </a:lnRef>
+          <a:fillRef idx="1">
+            <a:schemeClr val="accent1"/>
+          </a:fillRef>
+          <a:effectRef idx="0">
+            <a:schemeClr val="accent1"/>
+          </a:effectRef>
+          <a:fontRef idx="minor">
+            <a:schemeClr val="lt1"/>
+          </a:fontRef>
+        </p:style>
+        <p:txBody>
+          <a:bodyPr rtlCol="0" anchor="ctr"/>
+          <a:lstStyle/>
+          <a:p>
+            <a:r>
+              <a:rPr kumimoji="1" lang="ja-JP" altLang="en-US" sz="6000">
+                <a:solidFill>
+                  <a:srgbClr val="323232"/>
+                </a:solidFill>
+                <a:latin typeface="+mn-ea"/>
+              </a:rPr>
+              <a:t>市 川  雅 也</a:t>
+            </a:r>
+            <a:endParaRPr kumimoji="1" lang="en-US" altLang="ja-JP" sz="6000" dirty="0">
+              <a:solidFill>
+                <a:srgbClr val="323232"/>
+              </a:solidFill>
+              <a:latin typeface="+mn-ea"/>
+            </a:endParaRPr>
+          </a:p>
+          <a:p>
+            <a:r>
+              <a:rPr kumimoji="1" lang="en-US" altLang="ja-JP" sz="2400" dirty="0">
+                <a:solidFill>
+                  <a:srgbClr val="323232"/>
+                </a:solidFill>
+                <a:latin typeface="+mn-ea"/>
+              </a:rPr>
+              <a:t>Masanari Ichikawa</a:t>
+            </a:r>
+            <a:endParaRPr kumimoji="1" lang="ja-JP" altLang="en-US" sz="2400">
+              <a:solidFill>
+                <a:srgbClr val="323232"/>
+              </a:solidFill>
+              <a:latin typeface="+mn-ea"/>
+            </a:endParaRPr>
+          </a:p>
+        </p:txBody>
+      </p:sp>
+      <p:pic>
+        <p:nvPicPr>
+          <p:cNvPr id="22" name="図 21" descr="ロゴ, アイコン&#10;&#10;自動的に生成された説明">
+            <a:extLst>
+              <a:ext uri="{FF2B5EF4-FFF2-40B4-BE49-F238E27FC236}">
+                <a16:creationId xmlns:a16="http://schemas.microsoft.com/office/drawing/2014/main" id="{00E652C2-BC75-0D52-B948-5F1F7C11B34B}"/>
+              </a:ext>
+            </a:extLst>
+          </p:cNvPr>
+          <p:cNvPicPr>
+            <a:picLocks noChangeAspect="1"/>
+          </p:cNvPicPr>
+          <p:nvPr/>
+        </p:nvPicPr>
+        <p:blipFill>
+          <a:blip r:embed="rId3"/>
+          <a:stretch>
+            <a:fillRect/>
+          </a:stretch>
+        </p:blipFill>
+        <p:spPr>
+          <a:xfrm>
+            <a:off x="9356851" y="719002"/>
+            <a:ext cx="1447273" cy="1440000"/>
+          </a:xfrm>
+          <a:prstGeom prst="rect">
+            <a:avLst/>
+          </a:prstGeom>
+        </p:spPr>
+      </p:pic>
+      <p:grpSp>
+        <p:nvGrpSpPr>
+          <p:cNvPr id="33" name="グループ化 32">
+            <a:extLst>
+              <a:ext uri="{FF2B5EF4-FFF2-40B4-BE49-F238E27FC236}">
+                <a16:creationId xmlns:a16="http://schemas.microsoft.com/office/drawing/2014/main" id="{C1BC0DFF-D215-2EAC-05E9-C95DD8AEA35F}"/>
+              </a:ext>
+            </a:extLst>
+          </p:cNvPr>
+          <p:cNvGrpSpPr/>
+          <p:nvPr/>
+        </p:nvGrpSpPr>
+        <p:grpSpPr>
+          <a:xfrm>
+            <a:off x="720000" y="4689050"/>
+            <a:ext cx="7267553" cy="1442256"/>
+            <a:chOff x="632177" y="4767789"/>
+            <a:chExt cx="7267553" cy="1442256"/>
+          </a:xfrm>
+        </p:grpSpPr>
+        <p:pic>
+          <p:nvPicPr>
+            <p:cNvPr id="24" name="グラフィックス 23">
+              <a:extLst>
+                <a:ext uri="{FF2B5EF4-FFF2-40B4-BE49-F238E27FC236}">
+                  <a16:creationId xmlns:a16="http://schemas.microsoft.com/office/drawing/2014/main" id="{A9089DB6-3D8D-B8ED-75E1-A462088C8A70}"/>
+                </a:ext>
+              </a:extLst>
+            </p:cNvPr>
+            <p:cNvPicPr>
+              <a:picLocks noChangeAspect="1"/>
+            </p:cNvPicPr>
+            <p:nvPr/>
+          </p:nvPicPr>
+          <p:blipFill>
+            <a:blip r:embed="rId4">
+              <a:extLst>
+                <a:ext uri="{96DAC541-7B7A-43D3-8B79-37D633B846F1}">
+                  <asvg:svgBlip xmlns:asvg="http://schemas.microsoft.com/office/drawing/2016/SVG/main" r:embed="rId5"/>
+                </a:ext>
+              </a:extLst>
+            </a:blip>
+            <a:srcRect/>
+            <a:stretch/>
+          </p:blipFill>
+          <p:spPr>
+            <a:xfrm>
+              <a:off x="633047" y="4767789"/>
+              <a:ext cx="360000" cy="360000"/>
+            </a:xfrm>
+            <a:prstGeom prst="rect">
+              <a:avLst/>
+            </a:prstGeom>
+          </p:spPr>
+        </p:pic>
+        <p:pic>
+          <p:nvPicPr>
+            <p:cNvPr id="25" name="グラフィックス 24">
+              <a:extLst>
+                <a:ext uri="{FF2B5EF4-FFF2-40B4-BE49-F238E27FC236}">
+                  <a16:creationId xmlns:a16="http://schemas.microsoft.com/office/drawing/2014/main" id="{3249F8CD-CAD7-7F1B-E2BB-864423EC16CC}"/>
+                </a:ext>
+              </a:extLst>
+            </p:cNvPr>
+            <p:cNvPicPr>
+              <a:picLocks noChangeAspect="1"/>
+            </p:cNvPicPr>
+            <p:nvPr/>
+          </p:nvPicPr>
+          <p:blipFill>
+            <a:blip r:embed="rId6">
+              <a:extLst>
+                <a:ext uri="{96DAC541-7B7A-43D3-8B79-37D633B846F1}">
+                  <asvg:svgBlip xmlns:asvg="http://schemas.microsoft.com/office/drawing/2016/SVG/main" r:embed="rId7"/>
+                </a:ext>
+              </a:extLst>
+            </a:blip>
+            <a:srcRect/>
+            <a:stretch/>
+          </p:blipFill>
+          <p:spPr>
+            <a:xfrm>
+              <a:off x="633047" y="5469949"/>
+              <a:ext cx="360000" cy="360000"/>
+            </a:xfrm>
+            <a:prstGeom prst="rect">
+              <a:avLst/>
+            </a:prstGeom>
+          </p:spPr>
+        </p:pic>
+        <p:pic>
+          <p:nvPicPr>
+            <p:cNvPr id="26" name="グラフィックス 25">
+              <a:extLst>
+                <a:ext uri="{FF2B5EF4-FFF2-40B4-BE49-F238E27FC236}">
+                  <a16:creationId xmlns:a16="http://schemas.microsoft.com/office/drawing/2014/main" id="{5F418B13-FFA6-807C-4553-BC4209BA1D78}"/>
+                </a:ext>
+              </a:extLst>
+            </p:cNvPr>
+            <p:cNvPicPr>
+              <a:picLocks noChangeAspect="1"/>
+            </p:cNvPicPr>
+            <p:nvPr/>
+          </p:nvPicPr>
+          <p:blipFill>
+            <a:blip r:embed="rId8">
+              <a:extLst>
+                <a:ext uri="{96DAC541-7B7A-43D3-8B79-37D633B846F1}">
+                  <asvg:svgBlip xmlns:asvg="http://schemas.microsoft.com/office/drawing/2016/SVG/main" r:embed="rId9"/>
+                </a:ext>
+              </a:extLst>
+            </a:blip>
+            <a:srcRect/>
+            <a:stretch/>
+          </p:blipFill>
+          <p:spPr>
+            <a:xfrm>
+              <a:off x="632177" y="5850045"/>
+              <a:ext cx="360000" cy="360000"/>
+            </a:xfrm>
+            <a:prstGeom prst="rect">
+              <a:avLst/>
+            </a:prstGeom>
+          </p:spPr>
+        </p:pic>
+        <p:pic>
+          <p:nvPicPr>
+            <p:cNvPr id="27" name="グラフィックス 26">
+              <a:extLst>
+                <a:ext uri="{FF2B5EF4-FFF2-40B4-BE49-F238E27FC236}">
+                  <a16:creationId xmlns:a16="http://schemas.microsoft.com/office/drawing/2014/main" id="{8EA172B0-8971-E567-5B5E-57E1088DCD63}"/>
+                </a:ext>
+              </a:extLst>
+            </p:cNvPr>
+            <p:cNvPicPr>
+              <a:picLocks noChangeAspect="1"/>
+            </p:cNvPicPr>
+            <p:nvPr/>
+          </p:nvPicPr>
+          <p:blipFill>
+            <a:blip r:embed="rId10">
+              <a:extLst>
+                <a:ext uri="{96DAC541-7B7A-43D3-8B79-37D633B846F1}">
+                  <asvg:svgBlip xmlns:asvg="http://schemas.microsoft.com/office/drawing/2016/SVG/main" r:embed="rId11"/>
+                </a:ext>
+              </a:extLst>
+            </a:blip>
+            <a:srcRect/>
+            <a:stretch/>
+          </p:blipFill>
+          <p:spPr>
+            <a:xfrm>
+              <a:off x="633047" y="5147884"/>
+              <a:ext cx="360000" cy="360000"/>
+            </a:xfrm>
+            <a:prstGeom prst="rect">
+              <a:avLst/>
+            </a:prstGeom>
+          </p:spPr>
+        </p:pic>
+        <p:sp>
+          <p:nvSpPr>
+            <p:cNvPr id="29" name="正方形/長方形 28">
+              <a:extLst>
+                <a:ext uri="{FF2B5EF4-FFF2-40B4-BE49-F238E27FC236}">
+                  <a16:creationId xmlns:a16="http://schemas.microsoft.com/office/drawing/2014/main" id="{8DC38EF7-5548-F959-64B1-E3BC4BA54357}"/>
+                </a:ext>
+              </a:extLst>
+            </p:cNvPr>
+            <p:cNvSpPr/>
+            <p:nvPr/>
+          </p:nvSpPr>
+          <p:spPr>
+            <a:xfrm>
+              <a:off x="992177" y="4767789"/>
+              <a:ext cx="6907553" cy="360000"/>
+            </a:xfrm>
+            <a:prstGeom prst="rect">
+              <a:avLst/>
+            </a:prstGeom>
+            <a:noFill/>
+            <a:ln>
+              <a:noFill/>
+            </a:ln>
+          </p:spPr>
+          <p:style>
+            <a:lnRef idx="2">
+              <a:schemeClr val="accent1">
+                <a:shade val="15000"/>
+              </a:schemeClr>
+            </a:lnRef>
+            <a:fillRef idx="1">
+              <a:schemeClr val="accent1"/>
+            </a:fillRef>
+            <a:effectRef idx="0">
+              <a:schemeClr val="accent1"/>
+            </a:effectRef>
+            <a:fontRef idx="minor">
+              <a:schemeClr val="lt1"/>
+            </a:fontRef>
+          </p:style>
+          <p:txBody>
+            <a:bodyPr rtlCol="0" anchor="ctr"/>
+            <a:lstStyle/>
+            <a:p>
+              <a:r>
+                <a:rPr kumimoji="1" lang="en-US" altLang="ja-JP" sz="1400" dirty="0">
+                  <a:solidFill>
+                    <a:srgbClr val="323232"/>
+                  </a:solidFill>
+                  <a:latin typeface="Yu Gothic" panose="020B0400000000000000" pitchFamily="34" charset="-128"/>
+                  <a:ea typeface="Yu Gothic" panose="020B0400000000000000" pitchFamily="34" charset="-128"/>
+                </a:rPr>
+                <a:t>Graduate School of Integrated Science and Technology, Shizuoka University</a:t>
+              </a:r>
+              <a:endParaRPr kumimoji="1" lang="ja-JP" altLang="en-US" sz="1400">
+                <a:solidFill>
+                  <a:srgbClr val="323232"/>
+                </a:solidFill>
+                <a:latin typeface="Yu Gothic" panose="020B0400000000000000" pitchFamily="34" charset="-128"/>
+                <a:ea typeface="Yu Gothic" panose="020B0400000000000000" pitchFamily="34" charset="-128"/>
+              </a:endParaRPr>
+            </a:p>
+          </p:txBody>
+        </p:sp>
+        <p:sp>
+          <p:nvSpPr>
+            <p:cNvPr id="30" name="正方形/長方形 29">
+              <a:extLst>
+                <a:ext uri="{FF2B5EF4-FFF2-40B4-BE49-F238E27FC236}">
+                  <a16:creationId xmlns:a16="http://schemas.microsoft.com/office/drawing/2014/main" id="{4ADBFF52-46C6-336B-AC3E-0478F7A04414}"/>
+                </a:ext>
+              </a:extLst>
+            </p:cNvPr>
+            <p:cNvSpPr/>
+            <p:nvPr/>
+          </p:nvSpPr>
+          <p:spPr>
+            <a:xfrm>
+              <a:off x="992177" y="5147884"/>
+              <a:ext cx="5549400" cy="360000"/>
+            </a:xfrm>
+            <a:prstGeom prst="rect">
+              <a:avLst/>
+            </a:prstGeom>
+            <a:noFill/>
+            <a:ln>
+              <a:noFill/>
+            </a:ln>
+          </p:spPr>
+          <p:style>
+            <a:lnRef idx="2">
+              <a:schemeClr val="accent1">
+                <a:shade val="15000"/>
+              </a:schemeClr>
+            </a:lnRef>
+            <a:fillRef idx="1">
+              <a:schemeClr val="accent1"/>
+            </a:fillRef>
+            <a:effectRef idx="0">
+              <a:schemeClr val="accent1"/>
+            </a:effectRef>
+            <a:fontRef idx="minor">
+              <a:schemeClr val="lt1"/>
+            </a:fontRef>
+          </p:style>
+          <p:txBody>
+            <a:bodyPr rtlCol="0" anchor="ctr"/>
+            <a:lstStyle/>
+            <a:p>
+              <a:r>
+                <a:rPr kumimoji="1" lang="en-US" altLang="ja-JP" sz="1400" dirty="0">
+                  <a:solidFill>
+                    <a:srgbClr val="323232"/>
+                  </a:solidFill>
+                  <a:latin typeface="Yu Gothic" panose="020B0400000000000000" pitchFamily="34" charset="-128"/>
+                  <a:ea typeface="Yu Gothic" panose="020B0400000000000000" pitchFamily="34" charset="-128"/>
+                </a:rPr>
+                <a:t>3-5-1 </a:t>
+              </a:r>
+              <a:r>
+                <a:rPr kumimoji="1" lang="en-US" altLang="ja-JP" sz="1400" dirty="0" err="1">
+                  <a:solidFill>
+                    <a:srgbClr val="323232"/>
+                  </a:solidFill>
+                  <a:latin typeface="Yu Gothic" panose="020B0400000000000000" pitchFamily="34" charset="-128"/>
+                  <a:ea typeface="Yu Gothic" panose="020B0400000000000000" pitchFamily="34" charset="-128"/>
+                </a:rPr>
+                <a:t>Johoku</a:t>
+              </a:r>
+              <a:r>
+                <a:rPr kumimoji="1" lang="en-US" altLang="ja-JP" sz="1400" dirty="0">
+                  <a:solidFill>
+                    <a:srgbClr val="323232"/>
+                  </a:solidFill>
+                  <a:latin typeface="Yu Gothic" panose="020B0400000000000000" pitchFamily="34" charset="-128"/>
+                  <a:ea typeface="Yu Gothic" panose="020B0400000000000000" pitchFamily="34" charset="-128"/>
+                </a:rPr>
+                <a:t>, Naka-</a:t>
+              </a:r>
+              <a:r>
+                <a:rPr kumimoji="1" lang="en-US" altLang="ja-JP" sz="1400" dirty="0" err="1">
+                  <a:solidFill>
+                    <a:srgbClr val="323232"/>
+                  </a:solidFill>
+                  <a:latin typeface="Yu Gothic" panose="020B0400000000000000" pitchFamily="34" charset="-128"/>
+                  <a:ea typeface="Yu Gothic" panose="020B0400000000000000" pitchFamily="34" charset="-128"/>
+                </a:rPr>
+                <a:t>ku</a:t>
+              </a:r>
+              <a:r>
+                <a:rPr kumimoji="1" lang="en-US" altLang="ja-JP" sz="1400" dirty="0">
+                  <a:solidFill>
+                    <a:srgbClr val="323232"/>
+                  </a:solidFill>
+                  <a:latin typeface="Yu Gothic" panose="020B0400000000000000" pitchFamily="34" charset="-128"/>
+                  <a:ea typeface="Yu Gothic" panose="020B0400000000000000" pitchFamily="34" charset="-128"/>
+                </a:rPr>
+                <a:t>, Hamamatsu, 4328011 Japan</a:t>
+              </a:r>
+              <a:endParaRPr kumimoji="1" lang="ja-JP" altLang="en-US" sz="1400">
+                <a:solidFill>
+                  <a:srgbClr val="323232"/>
+                </a:solidFill>
+                <a:latin typeface="Yu Gothic" panose="020B0400000000000000" pitchFamily="34" charset="-128"/>
+                <a:ea typeface="Yu Gothic" panose="020B0400000000000000" pitchFamily="34" charset="-128"/>
+              </a:endParaRPr>
+            </a:p>
+          </p:txBody>
+        </p:sp>
         <p:sp>
           <p:nvSpPr>
             <p:cNvPr id="31" name="正方形/長方形 30">
@@ -6515,6 +5894,472 @@
             <a:xfrm>
               <a:off x="993047" y="5469949"/>
               <a:ext cx="4677925" cy="360000"/>
+            </a:xfrm>
+            <a:prstGeom prst="rect">
+              <a:avLst/>
+            </a:prstGeom>
+            <a:noFill/>
+            <a:ln>
+              <a:noFill/>
+            </a:ln>
+          </p:spPr>
+          <p:style>
+            <a:lnRef idx="2">
+              <a:schemeClr val="accent1">
+                <a:shade val="15000"/>
+              </a:schemeClr>
+            </a:lnRef>
+            <a:fillRef idx="1">
+              <a:schemeClr val="accent1"/>
+            </a:fillRef>
+            <a:effectRef idx="0">
+              <a:schemeClr val="accent1"/>
+            </a:effectRef>
+            <a:fontRef idx="minor">
+              <a:schemeClr val="lt1"/>
+            </a:fontRef>
+          </p:style>
+          <p:txBody>
+            <a:bodyPr rtlCol="0" anchor="ctr"/>
+            <a:lstStyle/>
+            <a:p>
+              <a:r>
+                <a:rPr kumimoji="1" lang="en-US" altLang="ja-JP" sz="1400" dirty="0">
+                  <a:solidFill>
+                    <a:srgbClr val="323232"/>
+                  </a:solidFill>
+                  <a:latin typeface="Yu Gothic" panose="020B0400000000000000" pitchFamily="34" charset="-128"/>
+                  <a:ea typeface="Yu Gothic" panose="020B0400000000000000" pitchFamily="34" charset="-128"/>
+                </a:rPr>
+                <a:t>ichikawa.masanari.18@shizuoka.ac.jp</a:t>
+              </a:r>
+              <a:endParaRPr kumimoji="1" lang="ja-JP" altLang="en-US" sz="1400">
+                <a:solidFill>
+                  <a:srgbClr val="323232"/>
+                </a:solidFill>
+                <a:latin typeface="Yu Gothic" panose="020B0400000000000000" pitchFamily="34" charset="-128"/>
+                <a:ea typeface="Yu Gothic" panose="020B0400000000000000" pitchFamily="34" charset="-128"/>
+              </a:endParaRPr>
+            </a:p>
+          </p:txBody>
+        </p:sp>
+        <p:sp>
+          <p:nvSpPr>
+            <p:cNvPr id="32" name="正方形/長方形 31">
+              <a:extLst>
+                <a:ext uri="{FF2B5EF4-FFF2-40B4-BE49-F238E27FC236}">
+                  <a16:creationId xmlns:a16="http://schemas.microsoft.com/office/drawing/2014/main" id="{EA986BD9-00F0-F245-F8E0-1E472116D0EB}"/>
+                </a:ext>
+              </a:extLst>
+            </p:cNvPr>
+            <p:cNvSpPr/>
+            <p:nvPr/>
+          </p:nvSpPr>
+          <p:spPr>
+            <a:xfrm>
+              <a:off x="992177" y="5850045"/>
+              <a:ext cx="5418671" cy="360000"/>
+            </a:xfrm>
+            <a:prstGeom prst="rect">
+              <a:avLst/>
+            </a:prstGeom>
+            <a:noFill/>
+            <a:ln>
+              <a:noFill/>
+            </a:ln>
+          </p:spPr>
+          <p:style>
+            <a:lnRef idx="2">
+              <a:schemeClr val="accent1">
+                <a:shade val="15000"/>
+              </a:schemeClr>
+            </a:lnRef>
+            <a:fillRef idx="1">
+              <a:schemeClr val="accent1"/>
+            </a:fillRef>
+            <a:effectRef idx="0">
+              <a:schemeClr val="accent1"/>
+            </a:effectRef>
+            <a:fontRef idx="minor">
+              <a:schemeClr val="lt1"/>
+            </a:fontRef>
+          </p:style>
+          <p:txBody>
+            <a:bodyPr rtlCol="0" anchor="ctr"/>
+            <a:lstStyle/>
+            <a:p>
+              <a:r>
+                <a:rPr kumimoji="1" lang="en-US" altLang="ja-JP" sz="1400" dirty="0" err="1">
+                  <a:solidFill>
+                    <a:srgbClr val="323232"/>
+                  </a:solidFill>
+                  <a:latin typeface="Yu Gothic" panose="020B0400000000000000" pitchFamily="34" charset="-128"/>
+                  <a:ea typeface="Yu Gothic" panose="020B0400000000000000" pitchFamily="34" charset="-128"/>
+                </a:rPr>
+                <a:t>masanarius.github.io</a:t>
+              </a:r>
+              <a:endParaRPr kumimoji="1" lang="ja-JP" altLang="en-US" sz="1400">
+                <a:solidFill>
+                  <a:srgbClr val="323232"/>
+                </a:solidFill>
+                <a:latin typeface="Yu Gothic" panose="020B0400000000000000" pitchFamily="34" charset="-128"/>
+                <a:ea typeface="Yu Gothic" panose="020B0400000000000000" pitchFamily="34" charset="-128"/>
+              </a:endParaRPr>
+            </a:p>
+          </p:txBody>
+        </p:sp>
+      </p:grpSp>
+    </p:spTree>
+    <p:extLst>
+      <p:ext uri="{BB962C8B-B14F-4D97-AF65-F5344CB8AC3E}">
+        <p14:creationId xmlns:p14="http://schemas.microsoft.com/office/powerpoint/2010/main" val="2358682624"/>
+      </p:ext>
+    </p:extLst>
+  </p:cSld>
+  <p:clrMapOvr>
+    <a:masterClrMapping/>
+  </p:clrMapOvr>
+</p:sld>
+</file>
+
+<file path=ppt/slides/slide4.xml><?xml version="1.0" encoding="utf-8"?>
+<p:sld xmlns:a="http://schemas.openxmlformats.org/drawingml/2006/main" xmlns:r="http://schemas.openxmlformats.org/officeDocument/2006/relationships" xmlns:p="http://schemas.openxmlformats.org/presentationml/2006/main">
+  <p:cSld>
+    <p:spTree>
+      <p:nvGrpSpPr>
+        <p:cNvPr id="1" name=""/>
+        <p:cNvGrpSpPr/>
+        <p:nvPr/>
+      </p:nvGrpSpPr>
+      <p:grpSpPr>
+        <a:xfrm>
+          <a:off x="0" y="0"/>
+          <a:ext cx="0" cy="0"/>
+          <a:chOff x="0" y="0"/>
+          <a:chExt cx="0" cy="0"/>
+        </a:xfrm>
+      </p:grpSpPr>
+      <p:sp>
+        <p:nvSpPr>
+          <p:cNvPr id="4" name="正方形/長方形 3">
+            <a:extLst>
+              <a:ext uri="{FF2B5EF4-FFF2-40B4-BE49-F238E27FC236}">
+                <a16:creationId xmlns:a16="http://schemas.microsoft.com/office/drawing/2014/main" id="{BD75CB29-FDF1-04EA-CBCC-0405FD653C22}"/>
+              </a:ext>
+            </a:extLst>
+          </p:cNvPr>
+          <p:cNvSpPr/>
+          <p:nvPr/>
+        </p:nvSpPr>
+        <p:spPr>
+          <a:xfrm>
+            <a:off x="720000" y="2519002"/>
+            <a:ext cx="5336108" cy="1440000"/>
+          </a:xfrm>
+          <a:prstGeom prst="rect">
+            <a:avLst/>
+          </a:prstGeom>
+          <a:noFill/>
+          <a:ln>
+            <a:noFill/>
+          </a:ln>
+        </p:spPr>
+        <p:style>
+          <a:lnRef idx="2">
+            <a:schemeClr val="accent1">
+              <a:shade val="15000"/>
+            </a:schemeClr>
+          </a:lnRef>
+          <a:fillRef idx="1">
+            <a:schemeClr val="accent1"/>
+          </a:fillRef>
+          <a:effectRef idx="0">
+            <a:schemeClr val="accent1"/>
+          </a:effectRef>
+          <a:fontRef idx="minor">
+            <a:schemeClr val="lt1"/>
+          </a:fontRef>
+        </p:style>
+        <p:txBody>
+          <a:bodyPr rtlCol="0" anchor="ctr"/>
+          <a:lstStyle/>
+          <a:p>
+            <a:r>
+              <a:rPr kumimoji="1" lang="ja-JP" altLang="en-US" sz="6000">
+                <a:solidFill>
+                  <a:srgbClr val="323232"/>
+                </a:solidFill>
+                <a:latin typeface="+mn-ea"/>
+              </a:rPr>
+              <a:t>市 川  雅 也</a:t>
+            </a:r>
+            <a:endParaRPr kumimoji="1" lang="en-US" altLang="ja-JP" sz="6000" dirty="0">
+              <a:solidFill>
+                <a:srgbClr val="323232"/>
+              </a:solidFill>
+              <a:latin typeface="+mn-ea"/>
+            </a:endParaRPr>
+          </a:p>
+          <a:p>
+            <a:r>
+              <a:rPr kumimoji="1" lang="en-US" altLang="ja-JP" sz="2400" dirty="0">
+                <a:solidFill>
+                  <a:srgbClr val="323232"/>
+                </a:solidFill>
+                <a:latin typeface="+mn-ea"/>
+              </a:rPr>
+              <a:t>Masanari Ichikawa</a:t>
+            </a:r>
+            <a:endParaRPr kumimoji="1" lang="ja-JP" altLang="en-US" sz="2400">
+              <a:solidFill>
+                <a:srgbClr val="323232"/>
+              </a:solidFill>
+              <a:latin typeface="+mn-ea"/>
+            </a:endParaRPr>
+          </a:p>
+        </p:txBody>
+      </p:sp>
+      <p:pic>
+        <p:nvPicPr>
+          <p:cNvPr id="22" name="図 21" descr="ロゴ, アイコン&#10;&#10;自動的に生成された説明">
+            <a:extLst>
+              <a:ext uri="{FF2B5EF4-FFF2-40B4-BE49-F238E27FC236}">
+                <a16:creationId xmlns:a16="http://schemas.microsoft.com/office/drawing/2014/main" id="{00E652C2-BC75-0D52-B948-5F1F7C11B34B}"/>
+              </a:ext>
+            </a:extLst>
+          </p:cNvPr>
+          <p:cNvPicPr>
+            <a:picLocks noChangeAspect="1"/>
+          </p:cNvPicPr>
+          <p:nvPr/>
+        </p:nvPicPr>
+        <p:blipFill>
+          <a:blip r:embed="rId3"/>
+          <a:stretch>
+            <a:fillRect/>
+          </a:stretch>
+        </p:blipFill>
+        <p:spPr>
+          <a:xfrm>
+            <a:off x="9356851" y="719002"/>
+            <a:ext cx="1447273" cy="1440000"/>
+          </a:xfrm>
+          <a:prstGeom prst="rect">
+            <a:avLst/>
+          </a:prstGeom>
+        </p:spPr>
+      </p:pic>
+      <p:grpSp>
+        <p:nvGrpSpPr>
+          <p:cNvPr id="33" name="グループ化 32">
+            <a:extLst>
+              <a:ext uri="{FF2B5EF4-FFF2-40B4-BE49-F238E27FC236}">
+                <a16:creationId xmlns:a16="http://schemas.microsoft.com/office/drawing/2014/main" id="{C1BC0DFF-D215-2EAC-05E9-C95DD8AEA35F}"/>
+              </a:ext>
+            </a:extLst>
+          </p:cNvPr>
+          <p:cNvGrpSpPr/>
+          <p:nvPr/>
+        </p:nvGrpSpPr>
+        <p:grpSpPr>
+          <a:xfrm>
+            <a:off x="720000" y="4308954"/>
+            <a:ext cx="6285918" cy="1822352"/>
+            <a:chOff x="632177" y="4387693"/>
+            <a:chExt cx="6285918" cy="1822352"/>
+          </a:xfrm>
+        </p:grpSpPr>
+        <p:pic>
+          <p:nvPicPr>
+            <p:cNvPr id="23" name="グラフィックス 22">
+              <a:extLst>
+                <a:ext uri="{FF2B5EF4-FFF2-40B4-BE49-F238E27FC236}">
+                  <a16:creationId xmlns:a16="http://schemas.microsoft.com/office/drawing/2014/main" id="{E9EDA729-8D21-A9F2-943F-11D83E32DCEB}"/>
+                </a:ext>
+              </a:extLst>
+            </p:cNvPr>
+            <p:cNvPicPr>
+              <a:picLocks noChangeAspect="1"/>
+            </p:cNvPicPr>
+            <p:nvPr/>
+          </p:nvPicPr>
+          <p:blipFill>
+            <a:blip r:embed="rId4">
+              <a:extLst>
+                <a:ext uri="{96DAC541-7B7A-43D3-8B79-37D633B846F1}">
+                  <asvg:svgBlip xmlns:asvg="http://schemas.microsoft.com/office/drawing/2016/SVG/main" r:embed="rId5"/>
+                </a:ext>
+              </a:extLst>
+            </a:blip>
+            <a:srcRect/>
+            <a:stretch/>
+          </p:blipFill>
+          <p:spPr>
+            <a:xfrm>
+              <a:off x="633047" y="4387693"/>
+              <a:ext cx="360000" cy="360000"/>
+            </a:xfrm>
+            <a:prstGeom prst="rect">
+              <a:avLst/>
+            </a:prstGeom>
+          </p:spPr>
+        </p:pic>
+        <p:pic>
+          <p:nvPicPr>
+            <p:cNvPr id="24" name="グラフィックス 23">
+              <a:extLst>
+                <a:ext uri="{FF2B5EF4-FFF2-40B4-BE49-F238E27FC236}">
+                  <a16:creationId xmlns:a16="http://schemas.microsoft.com/office/drawing/2014/main" id="{A9089DB6-3D8D-B8ED-75E1-A462088C8A70}"/>
+                </a:ext>
+              </a:extLst>
+            </p:cNvPr>
+            <p:cNvPicPr>
+              <a:picLocks noChangeAspect="1"/>
+            </p:cNvPicPr>
+            <p:nvPr/>
+          </p:nvPicPr>
+          <p:blipFill>
+            <a:blip r:embed="rId6">
+              <a:extLst>
+                <a:ext uri="{96DAC541-7B7A-43D3-8B79-37D633B846F1}">
+                  <asvg:svgBlip xmlns:asvg="http://schemas.microsoft.com/office/drawing/2016/SVG/main" r:embed="rId7"/>
+                </a:ext>
+              </a:extLst>
+            </a:blip>
+            <a:srcRect/>
+            <a:stretch/>
+          </p:blipFill>
+          <p:spPr>
+            <a:xfrm>
+              <a:off x="633047" y="4767789"/>
+              <a:ext cx="360000" cy="360000"/>
+            </a:xfrm>
+            <a:prstGeom prst="rect">
+              <a:avLst/>
+            </a:prstGeom>
+          </p:spPr>
+        </p:pic>
+        <p:pic>
+          <p:nvPicPr>
+            <p:cNvPr id="25" name="グラフィックス 24">
+              <a:extLst>
+                <a:ext uri="{FF2B5EF4-FFF2-40B4-BE49-F238E27FC236}">
+                  <a16:creationId xmlns:a16="http://schemas.microsoft.com/office/drawing/2014/main" id="{3249F8CD-CAD7-7F1B-E2BB-864423EC16CC}"/>
+                </a:ext>
+              </a:extLst>
+            </p:cNvPr>
+            <p:cNvPicPr>
+              <a:picLocks noChangeAspect="1"/>
+            </p:cNvPicPr>
+            <p:nvPr/>
+          </p:nvPicPr>
+          <p:blipFill>
+            <a:blip r:embed="rId8">
+              <a:extLst>
+                <a:ext uri="{96DAC541-7B7A-43D3-8B79-37D633B846F1}">
+                  <asvg:svgBlip xmlns:asvg="http://schemas.microsoft.com/office/drawing/2016/SVG/main" r:embed="rId9"/>
+                </a:ext>
+              </a:extLst>
+            </a:blip>
+            <a:srcRect/>
+            <a:stretch/>
+          </p:blipFill>
+          <p:spPr>
+            <a:xfrm>
+              <a:off x="633047" y="5469949"/>
+              <a:ext cx="360000" cy="360000"/>
+            </a:xfrm>
+            <a:prstGeom prst="rect">
+              <a:avLst/>
+            </a:prstGeom>
+          </p:spPr>
+        </p:pic>
+        <p:pic>
+          <p:nvPicPr>
+            <p:cNvPr id="26" name="グラフィックス 25">
+              <a:extLst>
+                <a:ext uri="{FF2B5EF4-FFF2-40B4-BE49-F238E27FC236}">
+                  <a16:creationId xmlns:a16="http://schemas.microsoft.com/office/drawing/2014/main" id="{5F418B13-FFA6-807C-4553-BC4209BA1D78}"/>
+                </a:ext>
+              </a:extLst>
+            </p:cNvPr>
+            <p:cNvPicPr>
+              <a:picLocks noChangeAspect="1"/>
+            </p:cNvPicPr>
+            <p:nvPr/>
+          </p:nvPicPr>
+          <p:blipFill>
+            <a:blip r:embed="rId10">
+              <a:extLst>
+                <a:ext uri="{96DAC541-7B7A-43D3-8B79-37D633B846F1}">
+                  <asvg:svgBlip xmlns:asvg="http://schemas.microsoft.com/office/drawing/2016/SVG/main" r:embed="rId11"/>
+                </a:ext>
+              </a:extLst>
+            </a:blip>
+            <a:srcRect/>
+            <a:stretch/>
+          </p:blipFill>
+          <p:spPr>
+            <a:xfrm>
+              <a:off x="632177" y="5850045"/>
+              <a:ext cx="360000" cy="360000"/>
+            </a:xfrm>
+            <a:prstGeom prst="rect">
+              <a:avLst/>
+            </a:prstGeom>
+          </p:spPr>
+        </p:pic>
+        <p:pic>
+          <p:nvPicPr>
+            <p:cNvPr id="27" name="グラフィックス 26">
+              <a:extLst>
+                <a:ext uri="{FF2B5EF4-FFF2-40B4-BE49-F238E27FC236}">
+                  <a16:creationId xmlns:a16="http://schemas.microsoft.com/office/drawing/2014/main" id="{8EA172B0-8971-E567-5B5E-57E1088DCD63}"/>
+                </a:ext>
+              </a:extLst>
+            </p:cNvPr>
+            <p:cNvPicPr>
+              <a:picLocks noChangeAspect="1"/>
+            </p:cNvPicPr>
+            <p:nvPr/>
+          </p:nvPicPr>
+          <p:blipFill>
+            <a:blip r:embed="rId12">
+              <a:extLst>
+                <a:ext uri="{96DAC541-7B7A-43D3-8B79-37D633B846F1}">
+                  <asvg:svgBlip xmlns:asvg="http://schemas.microsoft.com/office/drawing/2016/SVG/main" r:embed="rId13"/>
+                </a:ext>
+              </a:extLst>
+            </a:blip>
+            <a:srcRect/>
+            <a:stretch/>
+          </p:blipFill>
+          <p:spPr>
+            <a:xfrm>
+              <a:off x="633047" y="5147884"/>
+              <a:ext cx="360000" cy="360000"/>
+            </a:xfrm>
+            <a:prstGeom prst="rect">
+              <a:avLst/>
+            </a:prstGeom>
+          </p:spPr>
+        </p:pic>
+        <p:sp>
+          <p:nvSpPr>
+            <p:cNvPr id="28" name="正方形/長方形 27">
+              <a:extLst>
+                <a:ext uri="{FF2B5EF4-FFF2-40B4-BE49-F238E27FC236}">
+                  <a16:creationId xmlns:a16="http://schemas.microsoft.com/office/drawing/2014/main" id="{36BB981A-E952-6225-0A98-C6341D3CEFDE}"/>
+                </a:ext>
+              </a:extLst>
+            </p:cNvPr>
+            <p:cNvSpPr/>
+            <p:nvPr/>
+          </p:nvSpPr>
+          <p:spPr>
+            <a:xfrm>
+              <a:off x="992177" y="4387693"/>
+              <a:ext cx="5925918" cy="360000"/>
             </a:xfrm>
             <a:prstGeom prst="rect">
               <a:avLst/>
@@ -6574,15 +6419,35 @@
                 </a:rPr>
                 <a:t>総合科学技術研究科</a:t>
               </a:r>
+              <a:r>
+                <a:rPr kumimoji="1" lang="en-US" altLang="ja-JP" sz="1400" dirty="0">
+                  <a:solidFill>
+                    <a:srgbClr val="323232"/>
+                  </a:solidFill>
+                  <a:latin typeface="Yu Gothic" panose="020B0400000000000000" pitchFamily="34" charset="-128"/>
+                  <a:ea typeface="Yu Gothic" panose="020B0400000000000000" pitchFamily="34" charset="-128"/>
+                </a:rPr>
+                <a:t> </a:t>
+              </a:r>
+              <a:r>
+                <a:rPr kumimoji="1" lang="ja-JP" altLang="en-US" sz="1400">
+                  <a:solidFill>
+                    <a:srgbClr val="323232"/>
+                  </a:solidFill>
+                  <a:latin typeface="Yu Gothic" panose="020B0400000000000000" pitchFamily="34" charset="-128"/>
+                  <a:ea typeface="Yu Gothic" panose="020B0400000000000000" pitchFamily="34" charset="-128"/>
+                </a:rPr>
+                <a:t>認知的コミュニケーション研究室</a:t>
+              </a:r>
             </a:p>
           </p:txBody>
         </p:sp>
         <p:sp>
           <p:nvSpPr>
-            <p:cNvPr id="32" name="正方形/長方形 31">
+            <p:cNvPr id="29" name="正方形/長方形 28">
               <a:extLst>
                 <a:ext uri="{FF2B5EF4-FFF2-40B4-BE49-F238E27FC236}">
-                  <a16:creationId xmlns:a16="http://schemas.microsoft.com/office/drawing/2014/main" id="{EA986BD9-00F0-F245-F8E0-1E472116D0EB}"/>
+                  <a16:creationId xmlns:a16="http://schemas.microsoft.com/office/drawing/2014/main" id="{8DC38EF7-5548-F959-64B1-E3BC4BA54357}"/>
                 </a:ext>
               </a:extLst>
             </p:cNvPr>
@@ -6591,8 +6456,8 @@
           </p:nvSpPr>
           <p:spPr>
             <a:xfrm>
-              <a:off x="992177" y="5850045"/>
-              <a:ext cx="5418671" cy="360000"/>
+              <a:off x="992177" y="4767789"/>
+              <a:ext cx="5925918" cy="360000"/>
             </a:xfrm>
             <a:prstGeom prst="rect">
               <a:avLst/>
@@ -6675,472 +6540,6 @@
             </a:p>
           </p:txBody>
         </p:sp>
-      </p:grpSp>
-    </p:spTree>
-    <p:extLst>
-      <p:ext uri="{BB962C8B-B14F-4D97-AF65-F5344CB8AC3E}">
-        <p14:creationId xmlns:p14="http://schemas.microsoft.com/office/powerpoint/2010/main" val="257382971"/>
-      </p:ext>
-    </p:extLst>
-  </p:cSld>
-  <p:clrMapOvr>
-    <a:masterClrMapping/>
-  </p:clrMapOvr>
-</p:sld>
-</file>
-
-<file path=ppt/slides/slide5.xml><?xml version="1.0" encoding="utf-8"?>
-<p:sld xmlns:a="http://schemas.openxmlformats.org/drawingml/2006/main" xmlns:r="http://schemas.openxmlformats.org/officeDocument/2006/relationships" xmlns:p="http://schemas.openxmlformats.org/presentationml/2006/main">
-  <p:cSld>
-    <p:spTree>
-      <p:nvGrpSpPr>
-        <p:cNvPr id="1" name=""/>
-        <p:cNvGrpSpPr/>
-        <p:nvPr/>
-      </p:nvGrpSpPr>
-      <p:grpSpPr>
-        <a:xfrm>
-          <a:off x="0" y="0"/>
-          <a:ext cx="0" cy="0"/>
-          <a:chOff x="0" y="0"/>
-          <a:chExt cx="0" cy="0"/>
-        </a:xfrm>
-      </p:grpSpPr>
-      <p:sp>
-        <p:nvSpPr>
-          <p:cNvPr id="4" name="正方形/長方形 3">
-            <a:extLst>
-              <a:ext uri="{FF2B5EF4-FFF2-40B4-BE49-F238E27FC236}">
-                <a16:creationId xmlns:a16="http://schemas.microsoft.com/office/drawing/2014/main" id="{BD75CB29-FDF1-04EA-CBCC-0405FD653C22}"/>
-              </a:ext>
-            </a:extLst>
-          </p:cNvPr>
-          <p:cNvSpPr/>
-          <p:nvPr/>
-        </p:nvSpPr>
-        <p:spPr>
-          <a:xfrm>
-            <a:off x="720000" y="2519002"/>
-            <a:ext cx="5336108" cy="1440000"/>
-          </a:xfrm>
-          <a:prstGeom prst="rect">
-            <a:avLst/>
-          </a:prstGeom>
-          <a:noFill/>
-          <a:ln>
-            <a:noFill/>
-          </a:ln>
-        </p:spPr>
-        <p:style>
-          <a:lnRef idx="2">
-            <a:schemeClr val="accent1">
-              <a:shade val="15000"/>
-            </a:schemeClr>
-          </a:lnRef>
-          <a:fillRef idx="1">
-            <a:schemeClr val="accent1"/>
-          </a:fillRef>
-          <a:effectRef idx="0">
-            <a:schemeClr val="accent1"/>
-          </a:effectRef>
-          <a:fontRef idx="minor">
-            <a:schemeClr val="lt1"/>
-          </a:fontRef>
-        </p:style>
-        <p:txBody>
-          <a:bodyPr rtlCol="0" anchor="ctr"/>
-          <a:lstStyle/>
-          <a:p>
-            <a:r>
-              <a:rPr kumimoji="1" lang="ja-JP" altLang="en-US" sz="6000">
-                <a:solidFill>
-                  <a:srgbClr val="323232"/>
-                </a:solidFill>
-                <a:latin typeface="+mn-ea"/>
-              </a:rPr>
-              <a:t>市 川  雅 也</a:t>
-            </a:r>
-            <a:endParaRPr kumimoji="1" lang="en-US" altLang="ja-JP" sz="6000" dirty="0">
-              <a:solidFill>
-                <a:srgbClr val="323232"/>
-              </a:solidFill>
-              <a:latin typeface="+mn-ea"/>
-            </a:endParaRPr>
-          </a:p>
-          <a:p>
-            <a:r>
-              <a:rPr kumimoji="1" lang="en-US" altLang="ja-JP" sz="2400" dirty="0">
-                <a:solidFill>
-                  <a:srgbClr val="323232"/>
-                </a:solidFill>
-                <a:latin typeface="+mn-ea"/>
-              </a:rPr>
-              <a:t>Masanari Ichikawa</a:t>
-            </a:r>
-            <a:endParaRPr kumimoji="1" lang="ja-JP" altLang="en-US" sz="2400">
-              <a:solidFill>
-                <a:srgbClr val="323232"/>
-              </a:solidFill>
-              <a:latin typeface="+mn-ea"/>
-            </a:endParaRPr>
-          </a:p>
-        </p:txBody>
-      </p:sp>
-      <p:pic>
-        <p:nvPicPr>
-          <p:cNvPr id="22" name="図 21" descr="ロゴ, アイコン&#10;&#10;自動的に生成された説明">
-            <a:extLst>
-              <a:ext uri="{FF2B5EF4-FFF2-40B4-BE49-F238E27FC236}">
-                <a16:creationId xmlns:a16="http://schemas.microsoft.com/office/drawing/2014/main" id="{00E652C2-BC75-0D52-B948-5F1F7C11B34B}"/>
-              </a:ext>
-            </a:extLst>
-          </p:cNvPr>
-          <p:cNvPicPr>
-            <a:picLocks noChangeAspect="1"/>
-          </p:cNvPicPr>
-          <p:nvPr/>
-        </p:nvPicPr>
-        <p:blipFill>
-          <a:blip r:embed="rId3"/>
-          <a:stretch>
-            <a:fillRect/>
-          </a:stretch>
-        </p:blipFill>
-        <p:spPr>
-          <a:xfrm>
-            <a:off x="9356851" y="719002"/>
-            <a:ext cx="1447273" cy="1440000"/>
-          </a:xfrm>
-          <a:prstGeom prst="rect">
-            <a:avLst/>
-          </a:prstGeom>
-        </p:spPr>
-      </p:pic>
-      <p:grpSp>
-        <p:nvGrpSpPr>
-          <p:cNvPr id="33" name="グループ化 32">
-            <a:extLst>
-              <a:ext uri="{FF2B5EF4-FFF2-40B4-BE49-F238E27FC236}">
-                <a16:creationId xmlns:a16="http://schemas.microsoft.com/office/drawing/2014/main" id="{C1BC0DFF-D215-2EAC-05E9-C95DD8AEA35F}"/>
-              </a:ext>
-            </a:extLst>
-          </p:cNvPr>
-          <p:cNvGrpSpPr/>
-          <p:nvPr/>
-        </p:nvGrpSpPr>
-        <p:grpSpPr>
-          <a:xfrm>
-            <a:off x="720000" y="4308954"/>
-            <a:ext cx="5778671" cy="1822352"/>
-            <a:chOff x="632177" y="4387693"/>
-            <a:chExt cx="5778671" cy="1822352"/>
-          </a:xfrm>
-        </p:grpSpPr>
-        <p:pic>
-          <p:nvPicPr>
-            <p:cNvPr id="23" name="グラフィックス 22" descr="封筒 単色塗りつぶし">
-              <a:extLst>
-                <a:ext uri="{FF2B5EF4-FFF2-40B4-BE49-F238E27FC236}">
-                  <a16:creationId xmlns:a16="http://schemas.microsoft.com/office/drawing/2014/main" id="{E9EDA729-8D21-A9F2-943F-11D83E32DCEB}"/>
-                </a:ext>
-              </a:extLst>
-            </p:cNvPr>
-            <p:cNvPicPr>
-              <a:picLocks noChangeAspect="1"/>
-            </p:cNvPicPr>
-            <p:nvPr/>
-          </p:nvPicPr>
-          <p:blipFill>
-            <a:blip r:embed="rId4">
-              <a:extLst>
-                <a:ext uri="{96DAC541-7B7A-43D3-8B79-37D633B846F1}">
-                  <asvg:svgBlip xmlns:asvg="http://schemas.microsoft.com/office/drawing/2016/SVG/main" r:embed="rId5"/>
-                </a:ext>
-              </a:extLst>
-            </a:blip>
-            <a:srcRect/>
-            <a:stretch/>
-          </p:blipFill>
-          <p:spPr>
-            <a:xfrm>
-              <a:off x="633047" y="4387693"/>
-              <a:ext cx="360000" cy="360000"/>
-            </a:xfrm>
-            <a:prstGeom prst="rect">
-              <a:avLst/>
-            </a:prstGeom>
-          </p:spPr>
-        </p:pic>
-        <p:pic>
-          <p:nvPicPr>
-            <p:cNvPr id="24" name="グラフィックス 23" descr="スマート フォン 単色塗りつぶし">
-              <a:extLst>
-                <a:ext uri="{FF2B5EF4-FFF2-40B4-BE49-F238E27FC236}">
-                  <a16:creationId xmlns:a16="http://schemas.microsoft.com/office/drawing/2014/main" id="{A9089DB6-3D8D-B8ED-75E1-A462088C8A70}"/>
-                </a:ext>
-              </a:extLst>
-            </p:cNvPr>
-            <p:cNvPicPr>
-              <a:picLocks noChangeAspect="1"/>
-            </p:cNvPicPr>
-            <p:nvPr/>
-          </p:nvPicPr>
-          <p:blipFill>
-            <a:blip r:embed="rId6">
-              <a:extLst>
-                <a:ext uri="{96DAC541-7B7A-43D3-8B79-37D633B846F1}">
-                  <asvg:svgBlip xmlns:asvg="http://schemas.microsoft.com/office/drawing/2016/SVG/main" r:embed="rId7"/>
-                </a:ext>
-              </a:extLst>
-            </a:blip>
-            <a:srcRect/>
-            <a:stretch/>
-          </p:blipFill>
-          <p:spPr>
-            <a:xfrm>
-              <a:off x="633047" y="4767789"/>
-              <a:ext cx="360000" cy="360000"/>
-            </a:xfrm>
-            <a:prstGeom prst="rect">
-              <a:avLst/>
-            </a:prstGeom>
-          </p:spPr>
-        </p:pic>
-        <p:pic>
-          <p:nvPicPr>
-            <p:cNvPr id="25" name="グラフィックス 24" descr="校舎 単色塗りつぶし">
-              <a:extLst>
-                <a:ext uri="{FF2B5EF4-FFF2-40B4-BE49-F238E27FC236}">
-                  <a16:creationId xmlns:a16="http://schemas.microsoft.com/office/drawing/2014/main" id="{3249F8CD-CAD7-7F1B-E2BB-864423EC16CC}"/>
-                </a:ext>
-              </a:extLst>
-            </p:cNvPr>
-            <p:cNvPicPr>
-              <a:picLocks noChangeAspect="1"/>
-            </p:cNvPicPr>
-            <p:nvPr/>
-          </p:nvPicPr>
-          <p:blipFill>
-            <a:blip r:embed="rId8">
-              <a:extLst>
-                <a:ext uri="{96DAC541-7B7A-43D3-8B79-37D633B846F1}">
-                  <asvg:svgBlip xmlns:asvg="http://schemas.microsoft.com/office/drawing/2016/SVG/main" r:embed="rId9"/>
-                </a:ext>
-              </a:extLst>
-            </a:blip>
-            <a:srcRect/>
-            <a:stretch/>
-          </p:blipFill>
-          <p:spPr>
-            <a:xfrm>
-              <a:off x="633047" y="5469949"/>
-              <a:ext cx="360000" cy="360000"/>
-            </a:xfrm>
-            <a:prstGeom prst="rect">
-              <a:avLst/>
-            </a:prstGeom>
-          </p:spPr>
-        </p:pic>
-        <p:pic>
-          <p:nvPicPr>
-            <p:cNvPr id="26" name="グラフィックス 25" descr="マーカー 単色塗りつぶし">
-              <a:extLst>
-                <a:ext uri="{FF2B5EF4-FFF2-40B4-BE49-F238E27FC236}">
-                  <a16:creationId xmlns:a16="http://schemas.microsoft.com/office/drawing/2014/main" id="{5F418B13-FFA6-807C-4553-BC4209BA1D78}"/>
-                </a:ext>
-              </a:extLst>
-            </p:cNvPr>
-            <p:cNvPicPr>
-              <a:picLocks noChangeAspect="1"/>
-            </p:cNvPicPr>
-            <p:nvPr/>
-          </p:nvPicPr>
-          <p:blipFill>
-            <a:blip r:embed="rId10">
-              <a:extLst>
-                <a:ext uri="{96DAC541-7B7A-43D3-8B79-37D633B846F1}">
-                  <asvg:svgBlip xmlns:asvg="http://schemas.microsoft.com/office/drawing/2016/SVG/main" r:embed="rId11"/>
-                </a:ext>
-              </a:extLst>
-            </a:blip>
-            <a:srcRect/>
-            <a:stretch/>
-          </p:blipFill>
-          <p:spPr>
-            <a:xfrm>
-              <a:off x="632177" y="5850045"/>
-              <a:ext cx="360000" cy="360000"/>
-            </a:xfrm>
-            <a:prstGeom prst="rect">
-              <a:avLst/>
-            </a:prstGeom>
-          </p:spPr>
-        </p:pic>
-        <p:pic>
-          <p:nvPicPr>
-            <p:cNvPr id="27" name="グラフィックス 26" descr="世界 単色塗りつぶし">
-              <a:extLst>
-                <a:ext uri="{FF2B5EF4-FFF2-40B4-BE49-F238E27FC236}">
-                  <a16:creationId xmlns:a16="http://schemas.microsoft.com/office/drawing/2014/main" id="{8EA172B0-8971-E567-5B5E-57E1088DCD63}"/>
-                </a:ext>
-              </a:extLst>
-            </p:cNvPr>
-            <p:cNvPicPr>
-              <a:picLocks noChangeAspect="1"/>
-            </p:cNvPicPr>
-            <p:nvPr/>
-          </p:nvPicPr>
-          <p:blipFill>
-            <a:blip r:embed="rId12">
-              <a:extLst>
-                <a:ext uri="{96DAC541-7B7A-43D3-8B79-37D633B846F1}">
-                  <asvg:svgBlip xmlns:asvg="http://schemas.microsoft.com/office/drawing/2016/SVG/main" r:embed="rId13"/>
-                </a:ext>
-              </a:extLst>
-            </a:blip>
-            <a:srcRect/>
-            <a:stretch/>
-          </p:blipFill>
-          <p:spPr>
-            <a:xfrm>
-              <a:off x="633047" y="5147884"/>
-              <a:ext cx="360000" cy="360000"/>
-            </a:xfrm>
-            <a:prstGeom prst="rect">
-              <a:avLst/>
-            </a:prstGeom>
-          </p:spPr>
-        </p:pic>
-        <p:sp>
-          <p:nvSpPr>
-            <p:cNvPr id="28" name="正方形/長方形 27">
-              <a:extLst>
-                <a:ext uri="{FF2B5EF4-FFF2-40B4-BE49-F238E27FC236}">
-                  <a16:creationId xmlns:a16="http://schemas.microsoft.com/office/drawing/2014/main" id="{36BB981A-E952-6225-0A98-C6341D3CEFDE}"/>
-                </a:ext>
-              </a:extLst>
-            </p:cNvPr>
-            <p:cNvSpPr/>
-            <p:nvPr/>
-          </p:nvSpPr>
-          <p:spPr>
-            <a:xfrm>
-              <a:off x="992177" y="4387693"/>
-              <a:ext cx="4533547" cy="360000"/>
-            </a:xfrm>
-            <a:prstGeom prst="rect">
-              <a:avLst/>
-            </a:prstGeom>
-            <a:noFill/>
-            <a:ln>
-              <a:noFill/>
-            </a:ln>
-          </p:spPr>
-          <p:style>
-            <a:lnRef idx="2">
-              <a:schemeClr val="accent1">
-                <a:shade val="15000"/>
-              </a:schemeClr>
-            </a:lnRef>
-            <a:fillRef idx="1">
-              <a:schemeClr val="accent1"/>
-            </a:fillRef>
-            <a:effectRef idx="0">
-              <a:schemeClr val="accent1"/>
-            </a:effectRef>
-            <a:fontRef idx="minor">
-              <a:schemeClr val="lt1"/>
-            </a:fontRef>
-          </p:style>
-          <p:txBody>
-            <a:bodyPr rtlCol="0" anchor="ctr"/>
-            <a:lstStyle/>
-            <a:p>
-              <a:r>
-                <a:rPr kumimoji="1" lang="en-US" altLang="ja-JP" sz="1400" dirty="0">
-                  <a:solidFill>
-                    <a:srgbClr val="323232"/>
-                  </a:solidFill>
-                  <a:latin typeface="Yu Gothic" panose="020B0400000000000000" pitchFamily="34" charset="-128"/>
-                  <a:ea typeface="Yu Gothic" panose="020B0400000000000000" pitchFamily="34" charset="-128"/>
-                </a:rPr>
-                <a:t>ichikawa.masanari.18@shizuoka.ac.jp</a:t>
-              </a:r>
-              <a:endParaRPr kumimoji="1" lang="ja-JP" altLang="en-US" sz="1400">
-                <a:solidFill>
-                  <a:srgbClr val="323232"/>
-                </a:solidFill>
-                <a:latin typeface="Yu Gothic" panose="020B0400000000000000" pitchFamily="34" charset="-128"/>
-                <a:ea typeface="Yu Gothic" panose="020B0400000000000000" pitchFamily="34" charset="-128"/>
-              </a:endParaRPr>
-            </a:p>
-          </p:txBody>
-        </p:sp>
-        <p:sp>
-          <p:nvSpPr>
-            <p:cNvPr id="29" name="正方形/長方形 28">
-              <a:extLst>
-                <a:ext uri="{FF2B5EF4-FFF2-40B4-BE49-F238E27FC236}">
-                  <a16:creationId xmlns:a16="http://schemas.microsoft.com/office/drawing/2014/main" id="{8DC38EF7-5548-F959-64B1-E3BC4BA54357}"/>
-                </a:ext>
-              </a:extLst>
-            </p:cNvPr>
-            <p:cNvSpPr/>
-            <p:nvPr/>
-          </p:nvSpPr>
-          <p:spPr>
-            <a:xfrm>
-              <a:off x="992177" y="4767789"/>
-              <a:ext cx="3516123" cy="360000"/>
-            </a:xfrm>
-            <a:prstGeom prst="rect">
-              <a:avLst/>
-            </a:prstGeom>
-            <a:noFill/>
-            <a:ln>
-              <a:noFill/>
-            </a:ln>
-          </p:spPr>
-          <p:style>
-            <a:lnRef idx="2">
-              <a:schemeClr val="accent1">
-                <a:shade val="15000"/>
-              </a:schemeClr>
-            </a:lnRef>
-            <a:fillRef idx="1">
-              <a:schemeClr val="accent1"/>
-            </a:fillRef>
-            <a:effectRef idx="0">
-              <a:schemeClr val="accent1"/>
-            </a:effectRef>
-            <a:fontRef idx="minor">
-              <a:schemeClr val="lt1"/>
-            </a:fontRef>
-          </p:style>
-          <p:txBody>
-            <a:bodyPr rtlCol="0" anchor="ctr"/>
-            <a:lstStyle/>
-            <a:p>
-              <a:r>
-                <a:rPr kumimoji="1" lang="en-US" altLang="ja-JP" sz="1400" dirty="0">
-                  <a:solidFill>
-                    <a:srgbClr val="323232"/>
-                  </a:solidFill>
-                  <a:latin typeface="Yu Gothic" panose="020B0400000000000000" pitchFamily="34" charset="-128"/>
-                  <a:ea typeface="Yu Gothic" panose="020B0400000000000000" pitchFamily="34" charset="-128"/>
-                </a:rPr>
-                <a:t>+81 80-1590-6189</a:t>
-              </a:r>
-              <a:endParaRPr kumimoji="1" lang="ja-JP" altLang="en-US" sz="1400">
-                <a:solidFill>
-                  <a:srgbClr val="323232"/>
-                </a:solidFill>
-                <a:latin typeface="Yu Gothic" panose="020B0400000000000000" pitchFamily="34" charset="-128"/>
-                <a:ea typeface="Yu Gothic" panose="020B0400000000000000" pitchFamily="34" charset="-128"/>
-              </a:endParaRPr>
-            </a:p>
-          </p:txBody>
-        </p:sp>
         <p:sp>
           <p:nvSpPr>
             <p:cNvPr id="30" name="正方形/長方形 29">
@@ -7187,14 +6586,14 @@
             <a:lstStyle/>
             <a:p>
               <a:r>
-                <a:rPr kumimoji="1" lang="en-US" altLang="ja-JP" sz="1400" dirty="0" err="1">
+                <a:rPr kumimoji="1" lang="en-US" altLang="ja-JP" sz="1400" dirty="0">
                   <a:solidFill>
                     <a:srgbClr val="323232"/>
                   </a:solidFill>
                   <a:latin typeface="Yu Gothic" panose="020B0400000000000000" pitchFamily="34" charset="-128"/>
                   <a:ea typeface="Yu Gothic" panose="020B0400000000000000" pitchFamily="34" charset="-128"/>
                 </a:rPr>
-                <a:t>masanarius.github.io</a:t>
+                <a:t>080-1590-6189</a:t>
               </a:r>
               <a:endParaRPr kumimoji="1" lang="ja-JP" altLang="en-US" sz="1400">
                 <a:solidFill>
@@ -7221,7 +6620,7 @@
           <p:spPr>
             <a:xfrm>
               <a:off x="993047" y="5469949"/>
-              <a:ext cx="4975238" cy="360000"/>
+              <a:ext cx="4677925" cy="360000"/>
             </a:xfrm>
             <a:prstGeom prst="rect">
               <a:avLst/>
@@ -7259,7 +6658,7 @@
                   <a:latin typeface="Yu Gothic" panose="020B0400000000000000" pitchFamily="34" charset="-128"/>
                   <a:ea typeface="Yu Gothic" panose="020B0400000000000000" pitchFamily="34" charset="-128"/>
                 </a:rPr>
-                <a:t>Graduate School of Integrated Science and Technology</a:t>
+                <a:t>ichikawa.masanari.18@shizuoka.ac.jp</a:t>
               </a:r>
               <a:endParaRPr kumimoji="1" lang="ja-JP" altLang="en-US" sz="1400">
                 <a:solidFill>
@@ -7317,16 +6716,6 @@
             <a:lstStyle/>
             <a:p>
               <a:r>
-                <a:rPr kumimoji="1" lang="en-US" altLang="ja-JP" sz="1400" dirty="0">
-                  <a:solidFill>
-                    <a:srgbClr val="323232"/>
-                  </a:solidFill>
-                  <a:latin typeface="Yu Gothic" panose="020B0400000000000000" pitchFamily="34" charset="-128"/>
-                  <a:ea typeface="Yu Gothic" panose="020B0400000000000000" pitchFamily="34" charset="-128"/>
-                </a:rPr>
-                <a:t>3-5-1 </a:t>
-              </a:r>
-              <a:r>
                 <a:rPr kumimoji="1" lang="en-US" altLang="ja-JP" sz="1400" dirty="0" err="1">
                   <a:solidFill>
                     <a:srgbClr val="323232"/>
@@ -7334,37 +6723,7 @@
                   <a:latin typeface="Yu Gothic" panose="020B0400000000000000" pitchFamily="34" charset="-128"/>
                   <a:ea typeface="Yu Gothic" panose="020B0400000000000000" pitchFamily="34" charset="-128"/>
                 </a:rPr>
-                <a:t>Johoku</a:t>
-              </a:r>
-              <a:r>
-                <a:rPr kumimoji="1" lang="en-US" altLang="ja-JP" sz="1400" dirty="0">
-                  <a:solidFill>
-                    <a:srgbClr val="323232"/>
-                  </a:solidFill>
-                  <a:latin typeface="Yu Gothic" panose="020B0400000000000000" pitchFamily="34" charset="-128"/>
-                  <a:ea typeface="Yu Gothic" panose="020B0400000000000000" pitchFamily="34" charset="-128"/>
-                </a:rPr>
-                <a:t>, Naka-</a:t>
-              </a:r>
-              <a:r>
-                <a:rPr kumimoji="1" lang="en-US" altLang="ja-JP" sz="1400" dirty="0" err="1">
-                  <a:solidFill>
-                    <a:srgbClr val="323232"/>
-                  </a:solidFill>
-                  <a:latin typeface="Yu Gothic" panose="020B0400000000000000" pitchFamily="34" charset="-128"/>
-                  <a:ea typeface="Yu Gothic" panose="020B0400000000000000" pitchFamily="34" charset="-128"/>
-                </a:rPr>
-                <a:t>ku</a:t>
-              </a:r>
-              <a:r>
-                <a:rPr kumimoji="1" lang="en-US" altLang="ja-JP" sz="1400" dirty="0">
-                  <a:solidFill>
-                    <a:srgbClr val="323232"/>
-                  </a:solidFill>
-                  <a:latin typeface="Yu Gothic" panose="020B0400000000000000" pitchFamily="34" charset="-128"/>
-                  <a:ea typeface="Yu Gothic" panose="020B0400000000000000" pitchFamily="34" charset="-128"/>
-                </a:rPr>
-                <a:t>, Hamamatsu, Japan, 432-8011</a:t>
+                <a:t>masanarius.github.io</a:t>
               </a:r>
               <a:endParaRPr kumimoji="1" lang="ja-JP" altLang="en-US" sz="1400">
                 <a:solidFill>
@@ -7380,7 +6739,7 @@
     </p:spTree>
     <p:extLst>
       <p:ext uri="{BB962C8B-B14F-4D97-AF65-F5344CB8AC3E}">
-        <p14:creationId xmlns:p14="http://schemas.microsoft.com/office/powerpoint/2010/main" val="3988130299"/>
+        <p14:creationId xmlns:p14="http://schemas.microsoft.com/office/powerpoint/2010/main" val="257382971"/>
       </p:ext>
     </p:extLst>
   </p:cSld>
@@ -7390,7 +6749,7 @@
 </p:sld>
 </file>
 
-<file path=ppt/slides/slide6.xml><?xml version="1.0" encoding="utf-8"?>
+<file path=ppt/slides/slide5.xml><?xml version="1.0" encoding="utf-8"?>
 <p:sld xmlns:a="http://schemas.openxmlformats.org/drawingml/2006/main" xmlns:r="http://schemas.openxmlformats.org/officeDocument/2006/relationships" xmlns:p="http://schemas.openxmlformats.org/presentationml/2006/main">
   <p:cSld>
     <p:spTree>
@@ -7532,14 +6891,14 @@
         <p:grpSpPr>
           <a:xfrm>
             <a:off x="720000" y="4308954"/>
-            <a:ext cx="5778671" cy="1822352"/>
+            <a:ext cx="6285918" cy="1822352"/>
             <a:chOff x="632177" y="4387693"/>
-            <a:chExt cx="5778671" cy="1822352"/>
+            <a:chExt cx="6285918" cy="1822352"/>
           </a:xfrm>
         </p:grpSpPr>
         <p:pic>
           <p:nvPicPr>
-            <p:cNvPr id="23" name="グラフィックス 22" descr="封筒 単色塗りつぶし">
+            <p:cNvPr id="23" name="グラフィックス 22">
               <a:extLst>
                 <a:ext uri="{FF2B5EF4-FFF2-40B4-BE49-F238E27FC236}">
                   <a16:creationId xmlns:a16="http://schemas.microsoft.com/office/drawing/2014/main" id="{E9EDA729-8D21-A9F2-943F-11D83E32DCEB}"/>
@@ -7574,7 +6933,7 @@
         </p:pic>
         <p:pic>
           <p:nvPicPr>
-            <p:cNvPr id="24" name="グラフィックス 23" descr="スマート フォン 単色塗りつぶし">
+            <p:cNvPr id="24" name="グラフィックス 23">
               <a:extLst>
                 <a:ext uri="{FF2B5EF4-FFF2-40B4-BE49-F238E27FC236}">
                   <a16:creationId xmlns:a16="http://schemas.microsoft.com/office/drawing/2014/main" id="{A9089DB6-3D8D-B8ED-75E1-A462088C8A70}"/>
@@ -7609,7 +6968,7 @@
         </p:pic>
         <p:pic>
           <p:nvPicPr>
-            <p:cNvPr id="25" name="グラフィックス 24" descr="校舎 単色塗りつぶし">
+            <p:cNvPr id="25" name="グラフィックス 24">
               <a:extLst>
                 <a:ext uri="{FF2B5EF4-FFF2-40B4-BE49-F238E27FC236}">
                   <a16:creationId xmlns:a16="http://schemas.microsoft.com/office/drawing/2014/main" id="{3249F8CD-CAD7-7F1B-E2BB-864423EC16CC}"/>
@@ -7644,7 +7003,7 @@
         </p:pic>
         <p:pic>
           <p:nvPicPr>
-            <p:cNvPr id="26" name="グラフィックス 25" descr="マーカー 単色塗りつぶし">
+            <p:cNvPr id="26" name="グラフィックス 25">
               <a:extLst>
                 <a:ext uri="{FF2B5EF4-FFF2-40B4-BE49-F238E27FC236}">
                   <a16:creationId xmlns:a16="http://schemas.microsoft.com/office/drawing/2014/main" id="{5F418B13-FFA6-807C-4553-BC4209BA1D78}"/>
@@ -7679,7 +7038,7 @@
         </p:pic>
         <p:pic>
           <p:nvPicPr>
-            <p:cNvPr id="27" name="グラフィックス 26" descr="世界 単色塗りつぶし">
+            <p:cNvPr id="27" name="グラフィックス 26">
               <a:extLst>
                 <a:ext uri="{FF2B5EF4-FFF2-40B4-BE49-F238E27FC236}">
                   <a16:creationId xmlns:a16="http://schemas.microsoft.com/office/drawing/2014/main" id="{8EA172B0-8971-E567-5B5E-57E1088DCD63}"/>
@@ -7727,202 +7086,7 @@
           <p:spPr>
             <a:xfrm>
               <a:off x="992177" y="4387693"/>
-              <a:ext cx="4533547" cy="360000"/>
-            </a:xfrm>
-            <a:prstGeom prst="rect">
-              <a:avLst/>
-            </a:prstGeom>
-            <a:noFill/>
-            <a:ln>
-              <a:noFill/>
-            </a:ln>
-          </p:spPr>
-          <p:style>
-            <a:lnRef idx="2">
-              <a:schemeClr val="accent1">
-                <a:shade val="15000"/>
-              </a:schemeClr>
-            </a:lnRef>
-            <a:fillRef idx="1">
-              <a:schemeClr val="accent1"/>
-            </a:fillRef>
-            <a:effectRef idx="0">
-              <a:schemeClr val="accent1"/>
-            </a:effectRef>
-            <a:fontRef idx="minor">
-              <a:schemeClr val="lt1"/>
-            </a:fontRef>
-          </p:style>
-          <p:txBody>
-            <a:bodyPr rtlCol="0" anchor="ctr"/>
-            <a:lstStyle/>
-            <a:p>
-              <a:r>
-                <a:rPr kumimoji="1" lang="en-US" altLang="ja-JP" sz="1400" dirty="0">
-                  <a:solidFill>
-                    <a:srgbClr val="323232"/>
-                  </a:solidFill>
-                  <a:latin typeface="Yu Gothic" panose="020B0400000000000000" pitchFamily="34" charset="-128"/>
-                  <a:ea typeface="Yu Gothic" panose="020B0400000000000000" pitchFamily="34" charset="-128"/>
-                </a:rPr>
-                <a:t>ichikawa.masanari.18@shizuoka.ac.jp</a:t>
-              </a:r>
-              <a:endParaRPr kumimoji="1" lang="ja-JP" altLang="en-US" sz="1400">
-                <a:solidFill>
-                  <a:srgbClr val="323232"/>
-                </a:solidFill>
-                <a:latin typeface="Yu Gothic" panose="020B0400000000000000" pitchFamily="34" charset="-128"/>
-                <a:ea typeface="Yu Gothic" panose="020B0400000000000000" pitchFamily="34" charset="-128"/>
-              </a:endParaRPr>
-            </a:p>
-          </p:txBody>
-        </p:sp>
-        <p:sp>
-          <p:nvSpPr>
-            <p:cNvPr id="29" name="正方形/長方形 28">
-              <a:extLst>
-                <a:ext uri="{FF2B5EF4-FFF2-40B4-BE49-F238E27FC236}">
-                  <a16:creationId xmlns:a16="http://schemas.microsoft.com/office/drawing/2014/main" id="{8DC38EF7-5548-F959-64B1-E3BC4BA54357}"/>
-                </a:ext>
-              </a:extLst>
-            </p:cNvPr>
-            <p:cNvSpPr/>
-            <p:nvPr/>
-          </p:nvSpPr>
-          <p:spPr>
-            <a:xfrm>
-              <a:off x="992177" y="4767789"/>
-              <a:ext cx="3516123" cy="360000"/>
-            </a:xfrm>
-            <a:prstGeom prst="rect">
-              <a:avLst/>
-            </a:prstGeom>
-            <a:noFill/>
-            <a:ln>
-              <a:noFill/>
-            </a:ln>
-          </p:spPr>
-          <p:style>
-            <a:lnRef idx="2">
-              <a:schemeClr val="accent1">
-                <a:shade val="15000"/>
-              </a:schemeClr>
-            </a:lnRef>
-            <a:fillRef idx="1">
-              <a:schemeClr val="accent1"/>
-            </a:fillRef>
-            <a:effectRef idx="0">
-              <a:schemeClr val="accent1"/>
-            </a:effectRef>
-            <a:fontRef idx="minor">
-              <a:schemeClr val="lt1"/>
-            </a:fontRef>
-          </p:style>
-          <p:txBody>
-            <a:bodyPr rtlCol="0" anchor="ctr"/>
-            <a:lstStyle/>
-            <a:p>
-              <a:r>
-                <a:rPr kumimoji="1" lang="en-US" altLang="ja-JP" sz="1400" dirty="0">
-                  <a:solidFill>
-                    <a:srgbClr val="323232"/>
-                  </a:solidFill>
-                  <a:latin typeface="Yu Gothic" panose="020B0400000000000000" pitchFamily="34" charset="-128"/>
-                  <a:ea typeface="Yu Gothic" panose="020B0400000000000000" pitchFamily="34" charset="-128"/>
-                </a:rPr>
-                <a:t>080-1590-6189</a:t>
-              </a:r>
-              <a:endParaRPr kumimoji="1" lang="ja-JP" altLang="en-US" sz="1400">
-                <a:solidFill>
-                  <a:srgbClr val="323232"/>
-                </a:solidFill>
-                <a:latin typeface="Yu Gothic" panose="020B0400000000000000" pitchFamily="34" charset="-128"/>
-                <a:ea typeface="Yu Gothic" panose="020B0400000000000000" pitchFamily="34" charset="-128"/>
-              </a:endParaRPr>
-            </a:p>
-          </p:txBody>
-        </p:sp>
-        <p:sp>
-          <p:nvSpPr>
-            <p:cNvPr id="30" name="正方形/長方形 29">
-              <a:extLst>
-                <a:ext uri="{FF2B5EF4-FFF2-40B4-BE49-F238E27FC236}">
-                  <a16:creationId xmlns:a16="http://schemas.microsoft.com/office/drawing/2014/main" id="{4ADBFF52-46C6-336B-AC3E-0478F7A04414}"/>
-                </a:ext>
-              </a:extLst>
-            </p:cNvPr>
-            <p:cNvSpPr/>
-            <p:nvPr/>
-          </p:nvSpPr>
-          <p:spPr>
-            <a:xfrm>
-              <a:off x="992177" y="5147884"/>
-              <a:ext cx="2184611" cy="360000"/>
-            </a:xfrm>
-            <a:prstGeom prst="rect">
-              <a:avLst/>
-            </a:prstGeom>
-            <a:noFill/>
-            <a:ln>
-              <a:noFill/>
-            </a:ln>
-          </p:spPr>
-          <p:style>
-            <a:lnRef idx="2">
-              <a:schemeClr val="accent1">
-                <a:shade val="15000"/>
-              </a:schemeClr>
-            </a:lnRef>
-            <a:fillRef idx="1">
-              <a:schemeClr val="accent1"/>
-            </a:fillRef>
-            <a:effectRef idx="0">
-              <a:schemeClr val="accent1"/>
-            </a:effectRef>
-            <a:fontRef idx="minor">
-              <a:schemeClr val="lt1"/>
-            </a:fontRef>
-          </p:style>
-          <p:txBody>
-            <a:bodyPr rtlCol="0" anchor="ctr"/>
-            <a:lstStyle/>
-            <a:p>
-              <a:r>
-                <a:rPr kumimoji="1" lang="en-US" altLang="ja-JP" sz="1400" dirty="0" err="1">
-                  <a:solidFill>
-                    <a:srgbClr val="323232"/>
-                  </a:solidFill>
-                  <a:latin typeface="Yu Gothic" panose="020B0400000000000000" pitchFamily="34" charset="-128"/>
-                  <a:ea typeface="Yu Gothic" panose="020B0400000000000000" pitchFamily="34" charset="-128"/>
-                </a:rPr>
-                <a:t>masanarius.github.io</a:t>
-              </a:r>
-              <a:endParaRPr kumimoji="1" lang="ja-JP" altLang="en-US" sz="1400">
-                <a:solidFill>
-                  <a:srgbClr val="323232"/>
-                </a:solidFill>
-                <a:latin typeface="Yu Gothic" panose="020B0400000000000000" pitchFamily="34" charset="-128"/>
-                <a:ea typeface="Yu Gothic" panose="020B0400000000000000" pitchFamily="34" charset="-128"/>
-              </a:endParaRPr>
-            </a:p>
-          </p:txBody>
-        </p:sp>
-        <p:sp>
-          <p:nvSpPr>
-            <p:cNvPr id="31" name="正方形/長方形 30">
-              <a:extLst>
-                <a:ext uri="{FF2B5EF4-FFF2-40B4-BE49-F238E27FC236}">
-                  <a16:creationId xmlns:a16="http://schemas.microsoft.com/office/drawing/2014/main" id="{64134785-DC12-EF74-25B7-1582113EA464}"/>
-                </a:ext>
-              </a:extLst>
-            </p:cNvPr>
-            <p:cNvSpPr/>
-            <p:nvPr/>
-          </p:nvSpPr>
-          <p:spPr>
-            <a:xfrm>
-              <a:off x="993047" y="5469949"/>
-              <a:ext cx="4677925" cy="360000"/>
+              <a:ext cx="5925918" cy="360000"/>
             </a:xfrm>
             <a:prstGeom prst="rect">
               <a:avLst/>
@@ -7982,15 +7146,35 @@
                 </a:rPr>
                 <a:t>総合科学技術研究科</a:t>
               </a:r>
+              <a:r>
+                <a:rPr kumimoji="1" lang="en-US" altLang="ja-JP" sz="1400" dirty="0">
+                  <a:solidFill>
+                    <a:srgbClr val="323232"/>
+                  </a:solidFill>
+                  <a:latin typeface="Yu Gothic" panose="020B0400000000000000" pitchFamily="34" charset="-128"/>
+                  <a:ea typeface="Yu Gothic" panose="020B0400000000000000" pitchFamily="34" charset="-128"/>
+                </a:rPr>
+                <a:t> </a:t>
+              </a:r>
+              <a:r>
+                <a:rPr kumimoji="1" lang="ja-JP" altLang="en-US" sz="1400">
+                  <a:solidFill>
+                    <a:srgbClr val="323232"/>
+                  </a:solidFill>
+                  <a:latin typeface="Yu Gothic" panose="020B0400000000000000" pitchFamily="34" charset="-128"/>
+                  <a:ea typeface="Yu Gothic" panose="020B0400000000000000" pitchFamily="34" charset="-128"/>
+                </a:rPr>
+                <a:t>認知的コミュニケーション研究室</a:t>
+              </a:r>
             </a:p>
           </p:txBody>
         </p:sp>
         <p:sp>
           <p:nvSpPr>
-            <p:cNvPr id="32" name="正方形/長方形 31">
+            <p:cNvPr id="29" name="正方形/長方形 28">
               <a:extLst>
                 <a:ext uri="{FF2B5EF4-FFF2-40B4-BE49-F238E27FC236}">
-                  <a16:creationId xmlns:a16="http://schemas.microsoft.com/office/drawing/2014/main" id="{EA986BD9-00F0-F245-F8E0-1E472116D0EB}"/>
+                  <a16:creationId xmlns:a16="http://schemas.microsoft.com/office/drawing/2014/main" id="{8DC38EF7-5548-F959-64B1-E3BC4BA54357}"/>
                 </a:ext>
               </a:extLst>
             </p:cNvPr>
@@ -7999,8 +7183,8 @@
           </p:nvSpPr>
           <p:spPr>
             <a:xfrm>
-              <a:off x="992177" y="5850045"/>
-              <a:ext cx="5418671" cy="360000"/>
+              <a:off x="992177" y="4767789"/>
+              <a:ext cx="5925918" cy="360000"/>
             </a:xfrm>
             <a:prstGeom prst="rect">
               <a:avLst/>
@@ -8083,13 +7267,208 @@
             </a:p>
           </p:txBody>
         </p:sp>
+        <p:sp>
+          <p:nvSpPr>
+            <p:cNvPr id="30" name="正方形/長方形 29">
+              <a:extLst>
+                <a:ext uri="{FF2B5EF4-FFF2-40B4-BE49-F238E27FC236}">
+                  <a16:creationId xmlns:a16="http://schemas.microsoft.com/office/drawing/2014/main" id="{4ADBFF52-46C6-336B-AC3E-0478F7A04414}"/>
+                </a:ext>
+              </a:extLst>
+            </p:cNvPr>
+            <p:cNvSpPr/>
+            <p:nvPr/>
+          </p:nvSpPr>
+          <p:spPr>
+            <a:xfrm>
+              <a:off x="992177" y="5147884"/>
+              <a:ext cx="2184611" cy="360000"/>
+            </a:xfrm>
+            <a:prstGeom prst="rect">
+              <a:avLst/>
+            </a:prstGeom>
+            <a:noFill/>
+            <a:ln>
+              <a:noFill/>
+            </a:ln>
+          </p:spPr>
+          <p:style>
+            <a:lnRef idx="2">
+              <a:schemeClr val="accent1">
+                <a:shade val="15000"/>
+              </a:schemeClr>
+            </a:lnRef>
+            <a:fillRef idx="1">
+              <a:schemeClr val="accent1"/>
+            </a:fillRef>
+            <a:effectRef idx="0">
+              <a:schemeClr val="accent1"/>
+            </a:effectRef>
+            <a:fontRef idx="minor">
+              <a:schemeClr val="lt1"/>
+            </a:fontRef>
+          </p:style>
+          <p:txBody>
+            <a:bodyPr rtlCol="0" anchor="ctr"/>
+            <a:lstStyle/>
+            <a:p>
+              <a:r>
+                <a:rPr kumimoji="1" lang="en-US" altLang="ja-JP" sz="1400" dirty="0">
+                  <a:solidFill>
+                    <a:srgbClr val="323232"/>
+                  </a:solidFill>
+                  <a:latin typeface="Yu Gothic" panose="020B0400000000000000" pitchFamily="34" charset="-128"/>
+                  <a:ea typeface="Yu Gothic" panose="020B0400000000000000" pitchFamily="34" charset="-128"/>
+                </a:rPr>
+                <a:t>080-1590-6189</a:t>
+              </a:r>
+              <a:endParaRPr kumimoji="1" lang="ja-JP" altLang="en-US" sz="1400">
+                <a:solidFill>
+                  <a:srgbClr val="323232"/>
+                </a:solidFill>
+                <a:latin typeface="Yu Gothic" panose="020B0400000000000000" pitchFamily="34" charset="-128"/>
+                <a:ea typeface="Yu Gothic" panose="020B0400000000000000" pitchFamily="34" charset="-128"/>
+              </a:endParaRPr>
+            </a:p>
+          </p:txBody>
+        </p:sp>
+        <p:sp>
+          <p:nvSpPr>
+            <p:cNvPr id="31" name="正方形/長方形 30">
+              <a:extLst>
+                <a:ext uri="{FF2B5EF4-FFF2-40B4-BE49-F238E27FC236}">
+                  <a16:creationId xmlns:a16="http://schemas.microsoft.com/office/drawing/2014/main" id="{64134785-DC12-EF74-25B7-1582113EA464}"/>
+                </a:ext>
+              </a:extLst>
+            </p:cNvPr>
+            <p:cNvSpPr/>
+            <p:nvPr/>
+          </p:nvSpPr>
+          <p:spPr>
+            <a:xfrm>
+              <a:off x="993047" y="5469949"/>
+              <a:ext cx="4677925" cy="360000"/>
+            </a:xfrm>
+            <a:prstGeom prst="rect">
+              <a:avLst/>
+            </a:prstGeom>
+            <a:noFill/>
+            <a:ln>
+              <a:noFill/>
+            </a:ln>
+          </p:spPr>
+          <p:style>
+            <a:lnRef idx="2">
+              <a:schemeClr val="accent1">
+                <a:shade val="15000"/>
+              </a:schemeClr>
+            </a:lnRef>
+            <a:fillRef idx="1">
+              <a:schemeClr val="accent1"/>
+            </a:fillRef>
+            <a:effectRef idx="0">
+              <a:schemeClr val="accent1"/>
+            </a:effectRef>
+            <a:fontRef idx="minor">
+              <a:schemeClr val="lt1"/>
+            </a:fontRef>
+          </p:style>
+          <p:txBody>
+            <a:bodyPr rtlCol="0" anchor="ctr"/>
+            <a:lstStyle/>
+            <a:p>
+              <a:r>
+                <a:rPr kumimoji="1" lang="en-US" altLang="ja-JP" sz="1400" dirty="0">
+                  <a:solidFill>
+                    <a:srgbClr val="323232"/>
+                  </a:solidFill>
+                  <a:latin typeface="Yu Gothic" panose="020B0400000000000000" pitchFamily="34" charset="-128"/>
+                  <a:ea typeface="Yu Gothic" panose="020B0400000000000000" pitchFamily="34" charset="-128"/>
+                </a:rPr>
+                <a:t>ichikawa.masanari.18@shizuoka.ac.jp</a:t>
+              </a:r>
+              <a:endParaRPr kumimoji="1" lang="ja-JP" altLang="en-US" sz="1400">
+                <a:solidFill>
+                  <a:srgbClr val="323232"/>
+                </a:solidFill>
+                <a:latin typeface="Yu Gothic" panose="020B0400000000000000" pitchFamily="34" charset="-128"/>
+                <a:ea typeface="Yu Gothic" panose="020B0400000000000000" pitchFamily="34" charset="-128"/>
+              </a:endParaRPr>
+            </a:p>
+          </p:txBody>
+        </p:sp>
+        <p:sp>
+          <p:nvSpPr>
+            <p:cNvPr id="32" name="正方形/長方形 31">
+              <a:extLst>
+                <a:ext uri="{FF2B5EF4-FFF2-40B4-BE49-F238E27FC236}">
+                  <a16:creationId xmlns:a16="http://schemas.microsoft.com/office/drawing/2014/main" id="{EA986BD9-00F0-F245-F8E0-1E472116D0EB}"/>
+                </a:ext>
+              </a:extLst>
+            </p:cNvPr>
+            <p:cNvSpPr/>
+            <p:nvPr/>
+          </p:nvSpPr>
+          <p:spPr>
+            <a:xfrm>
+              <a:off x="992177" y="5850045"/>
+              <a:ext cx="5418671" cy="360000"/>
+            </a:xfrm>
+            <a:prstGeom prst="rect">
+              <a:avLst/>
+            </a:prstGeom>
+            <a:noFill/>
+            <a:ln>
+              <a:noFill/>
+            </a:ln>
+          </p:spPr>
+          <p:style>
+            <a:lnRef idx="2">
+              <a:schemeClr val="accent1">
+                <a:shade val="15000"/>
+              </a:schemeClr>
+            </a:lnRef>
+            <a:fillRef idx="1">
+              <a:schemeClr val="accent1"/>
+            </a:fillRef>
+            <a:effectRef idx="0">
+              <a:schemeClr val="accent1"/>
+            </a:effectRef>
+            <a:fontRef idx="minor">
+              <a:schemeClr val="lt1"/>
+            </a:fontRef>
+          </p:style>
+          <p:txBody>
+            <a:bodyPr rtlCol="0" anchor="ctr"/>
+            <a:lstStyle/>
+            <a:p>
+              <a:r>
+                <a:rPr kumimoji="1" lang="en-US" altLang="ja-JP" sz="1400" dirty="0" err="1">
+                  <a:solidFill>
+                    <a:srgbClr val="323232"/>
+                  </a:solidFill>
+                  <a:latin typeface="Yu Gothic" panose="020B0400000000000000" pitchFamily="34" charset="-128"/>
+                  <a:ea typeface="Yu Gothic" panose="020B0400000000000000" pitchFamily="34" charset="-128"/>
+                </a:rPr>
+                <a:t>masanarius.github.io</a:t>
+              </a:r>
+              <a:endParaRPr kumimoji="1" lang="ja-JP" altLang="en-US" sz="1400">
+                <a:solidFill>
+                  <a:srgbClr val="323232"/>
+                </a:solidFill>
+                <a:latin typeface="Yu Gothic" panose="020B0400000000000000" pitchFamily="34" charset="-128"/>
+                <a:ea typeface="Yu Gothic" panose="020B0400000000000000" pitchFamily="34" charset="-128"/>
+              </a:endParaRPr>
+            </a:p>
+          </p:txBody>
+        </p:sp>
       </p:grpSp>
       <p:pic>
         <p:nvPicPr>
           <p:cNvPr id="2" name="図 1">
             <a:extLst>
               <a:ext uri="{FF2B5EF4-FFF2-40B4-BE49-F238E27FC236}">
-                <a16:creationId xmlns:a16="http://schemas.microsoft.com/office/drawing/2014/main" id="{F64EEF6C-FC84-E21B-ACEE-106A742DA4E0}"/>
+                <a16:creationId xmlns:a16="http://schemas.microsoft.com/office/drawing/2014/main" id="{D463AC66-BB2D-A440-C9FC-FD3C1B83D86C}"/>
               </a:ext>
             </a:extLst>
           </p:cNvPr>
@@ -8116,7 +7495,708 @@
     </p:spTree>
     <p:extLst>
       <p:ext uri="{BB962C8B-B14F-4D97-AF65-F5344CB8AC3E}">
-        <p14:creationId xmlns:p14="http://schemas.microsoft.com/office/powerpoint/2010/main" val="803469186"/>
+        <p14:creationId xmlns:p14="http://schemas.microsoft.com/office/powerpoint/2010/main" val="4226173648"/>
+      </p:ext>
+    </p:extLst>
+  </p:cSld>
+  <p:clrMapOvr>
+    <a:masterClrMapping/>
+  </p:clrMapOvr>
+</p:sld>
+</file>
+
+<file path=ppt/slides/slide6.xml><?xml version="1.0" encoding="utf-8"?>
+<p:sld xmlns:a="http://schemas.openxmlformats.org/drawingml/2006/main" xmlns:r="http://schemas.openxmlformats.org/officeDocument/2006/relationships" xmlns:p="http://schemas.openxmlformats.org/presentationml/2006/main">
+  <p:cSld>
+    <p:spTree>
+      <p:nvGrpSpPr>
+        <p:cNvPr id="1" name=""/>
+        <p:cNvGrpSpPr/>
+        <p:nvPr/>
+      </p:nvGrpSpPr>
+      <p:grpSpPr>
+        <a:xfrm>
+          <a:off x="0" y="0"/>
+          <a:ext cx="0" cy="0"/>
+          <a:chOff x="0" y="0"/>
+          <a:chExt cx="0" cy="0"/>
+        </a:xfrm>
+      </p:grpSpPr>
+      <p:sp>
+        <p:nvSpPr>
+          <p:cNvPr id="4" name="正方形/長方形 3">
+            <a:extLst>
+              <a:ext uri="{FF2B5EF4-FFF2-40B4-BE49-F238E27FC236}">
+                <a16:creationId xmlns:a16="http://schemas.microsoft.com/office/drawing/2014/main" id="{BD75CB29-FDF1-04EA-CBCC-0405FD653C22}"/>
+              </a:ext>
+            </a:extLst>
+          </p:cNvPr>
+          <p:cNvSpPr/>
+          <p:nvPr/>
+        </p:nvSpPr>
+        <p:spPr>
+          <a:xfrm>
+            <a:off x="720000" y="2519002"/>
+            <a:ext cx="5336108" cy="1440000"/>
+          </a:xfrm>
+          <a:prstGeom prst="rect">
+            <a:avLst/>
+          </a:prstGeom>
+          <a:noFill/>
+          <a:ln>
+            <a:noFill/>
+          </a:ln>
+        </p:spPr>
+        <p:style>
+          <a:lnRef idx="2">
+            <a:schemeClr val="accent1">
+              <a:shade val="15000"/>
+            </a:schemeClr>
+          </a:lnRef>
+          <a:fillRef idx="1">
+            <a:schemeClr val="accent1"/>
+          </a:fillRef>
+          <a:effectRef idx="0">
+            <a:schemeClr val="accent1"/>
+          </a:effectRef>
+          <a:fontRef idx="minor">
+            <a:schemeClr val="lt1"/>
+          </a:fontRef>
+        </p:style>
+        <p:txBody>
+          <a:bodyPr rtlCol="0" anchor="ctr"/>
+          <a:lstStyle/>
+          <a:p>
+            <a:r>
+              <a:rPr kumimoji="1" lang="ja-JP" altLang="en-US" sz="6000">
+                <a:solidFill>
+                  <a:srgbClr val="323232"/>
+                </a:solidFill>
+                <a:latin typeface="+mn-ea"/>
+              </a:rPr>
+              <a:t>市 川  雅 也</a:t>
+            </a:r>
+            <a:endParaRPr kumimoji="1" lang="en-US" altLang="ja-JP" sz="6000" dirty="0">
+              <a:solidFill>
+                <a:srgbClr val="323232"/>
+              </a:solidFill>
+              <a:latin typeface="+mn-ea"/>
+            </a:endParaRPr>
+          </a:p>
+          <a:p>
+            <a:r>
+              <a:rPr kumimoji="1" lang="en-US" altLang="ja-JP" sz="2400" dirty="0">
+                <a:solidFill>
+                  <a:srgbClr val="323232"/>
+                </a:solidFill>
+                <a:latin typeface="+mn-ea"/>
+              </a:rPr>
+              <a:t>Masanari Ichikawa</a:t>
+            </a:r>
+            <a:endParaRPr kumimoji="1" lang="ja-JP" altLang="en-US" sz="2400">
+              <a:solidFill>
+                <a:srgbClr val="323232"/>
+              </a:solidFill>
+              <a:latin typeface="+mn-ea"/>
+            </a:endParaRPr>
+          </a:p>
+        </p:txBody>
+      </p:sp>
+      <p:pic>
+        <p:nvPicPr>
+          <p:cNvPr id="22" name="図 21" descr="ロゴ, アイコン&#10;&#10;自動的に生成された説明">
+            <a:extLst>
+              <a:ext uri="{FF2B5EF4-FFF2-40B4-BE49-F238E27FC236}">
+                <a16:creationId xmlns:a16="http://schemas.microsoft.com/office/drawing/2014/main" id="{00E652C2-BC75-0D52-B948-5F1F7C11B34B}"/>
+              </a:ext>
+            </a:extLst>
+          </p:cNvPr>
+          <p:cNvPicPr>
+            <a:picLocks noChangeAspect="1"/>
+          </p:cNvPicPr>
+          <p:nvPr/>
+        </p:nvPicPr>
+        <p:blipFill>
+          <a:blip r:embed="rId3"/>
+          <a:stretch>
+            <a:fillRect/>
+          </a:stretch>
+        </p:blipFill>
+        <p:spPr>
+          <a:xfrm>
+            <a:off x="9356851" y="719002"/>
+            <a:ext cx="1447273" cy="1440000"/>
+          </a:xfrm>
+          <a:prstGeom prst="rect">
+            <a:avLst/>
+          </a:prstGeom>
+        </p:spPr>
+      </p:pic>
+      <p:grpSp>
+        <p:nvGrpSpPr>
+          <p:cNvPr id="33" name="グループ化 32">
+            <a:extLst>
+              <a:ext uri="{FF2B5EF4-FFF2-40B4-BE49-F238E27FC236}">
+                <a16:creationId xmlns:a16="http://schemas.microsoft.com/office/drawing/2014/main" id="{C1BC0DFF-D215-2EAC-05E9-C95DD8AEA35F}"/>
+              </a:ext>
+            </a:extLst>
+          </p:cNvPr>
+          <p:cNvGrpSpPr/>
+          <p:nvPr/>
+        </p:nvGrpSpPr>
+        <p:grpSpPr>
+          <a:xfrm>
+            <a:off x="720000" y="4308954"/>
+            <a:ext cx="7133082" cy="1822352"/>
+            <a:chOff x="632177" y="4387693"/>
+            <a:chExt cx="7133082" cy="1822352"/>
+          </a:xfrm>
+        </p:grpSpPr>
+        <p:pic>
+          <p:nvPicPr>
+            <p:cNvPr id="23" name="グラフィックス 22">
+              <a:extLst>
+                <a:ext uri="{FF2B5EF4-FFF2-40B4-BE49-F238E27FC236}">
+                  <a16:creationId xmlns:a16="http://schemas.microsoft.com/office/drawing/2014/main" id="{E9EDA729-8D21-A9F2-943F-11D83E32DCEB}"/>
+                </a:ext>
+              </a:extLst>
+            </p:cNvPr>
+            <p:cNvPicPr>
+              <a:picLocks noChangeAspect="1"/>
+            </p:cNvPicPr>
+            <p:nvPr/>
+          </p:nvPicPr>
+          <p:blipFill>
+            <a:blip r:embed="rId4">
+              <a:extLst>
+                <a:ext uri="{96DAC541-7B7A-43D3-8B79-37D633B846F1}">
+                  <asvg:svgBlip xmlns:asvg="http://schemas.microsoft.com/office/drawing/2016/SVG/main" r:embed="rId5"/>
+                </a:ext>
+              </a:extLst>
+            </a:blip>
+            <a:srcRect/>
+            <a:stretch/>
+          </p:blipFill>
+          <p:spPr>
+            <a:xfrm>
+              <a:off x="633047" y="4387693"/>
+              <a:ext cx="360000" cy="360000"/>
+            </a:xfrm>
+            <a:prstGeom prst="rect">
+              <a:avLst/>
+            </a:prstGeom>
+          </p:spPr>
+        </p:pic>
+        <p:pic>
+          <p:nvPicPr>
+            <p:cNvPr id="24" name="グラフィックス 23">
+              <a:extLst>
+                <a:ext uri="{FF2B5EF4-FFF2-40B4-BE49-F238E27FC236}">
+                  <a16:creationId xmlns:a16="http://schemas.microsoft.com/office/drawing/2014/main" id="{A9089DB6-3D8D-B8ED-75E1-A462088C8A70}"/>
+                </a:ext>
+              </a:extLst>
+            </p:cNvPr>
+            <p:cNvPicPr>
+              <a:picLocks noChangeAspect="1"/>
+            </p:cNvPicPr>
+            <p:nvPr/>
+          </p:nvPicPr>
+          <p:blipFill>
+            <a:blip r:embed="rId6">
+              <a:extLst>
+                <a:ext uri="{96DAC541-7B7A-43D3-8B79-37D633B846F1}">
+                  <asvg:svgBlip xmlns:asvg="http://schemas.microsoft.com/office/drawing/2016/SVG/main" r:embed="rId7"/>
+                </a:ext>
+              </a:extLst>
+            </a:blip>
+            <a:srcRect/>
+            <a:stretch/>
+          </p:blipFill>
+          <p:spPr>
+            <a:xfrm>
+              <a:off x="633047" y="4767789"/>
+              <a:ext cx="360000" cy="360000"/>
+            </a:xfrm>
+            <a:prstGeom prst="rect">
+              <a:avLst/>
+            </a:prstGeom>
+          </p:spPr>
+        </p:pic>
+        <p:pic>
+          <p:nvPicPr>
+            <p:cNvPr id="25" name="グラフィックス 24">
+              <a:extLst>
+                <a:ext uri="{FF2B5EF4-FFF2-40B4-BE49-F238E27FC236}">
+                  <a16:creationId xmlns:a16="http://schemas.microsoft.com/office/drawing/2014/main" id="{3249F8CD-CAD7-7F1B-E2BB-864423EC16CC}"/>
+                </a:ext>
+              </a:extLst>
+            </p:cNvPr>
+            <p:cNvPicPr>
+              <a:picLocks noChangeAspect="1"/>
+            </p:cNvPicPr>
+            <p:nvPr/>
+          </p:nvPicPr>
+          <p:blipFill>
+            <a:blip r:embed="rId8">
+              <a:extLst>
+                <a:ext uri="{96DAC541-7B7A-43D3-8B79-37D633B846F1}">
+                  <asvg:svgBlip xmlns:asvg="http://schemas.microsoft.com/office/drawing/2016/SVG/main" r:embed="rId9"/>
+                </a:ext>
+              </a:extLst>
+            </a:blip>
+            <a:srcRect/>
+            <a:stretch/>
+          </p:blipFill>
+          <p:spPr>
+            <a:xfrm>
+              <a:off x="633047" y="5469949"/>
+              <a:ext cx="360000" cy="360000"/>
+            </a:xfrm>
+            <a:prstGeom prst="rect">
+              <a:avLst/>
+            </a:prstGeom>
+          </p:spPr>
+        </p:pic>
+        <p:pic>
+          <p:nvPicPr>
+            <p:cNvPr id="26" name="グラフィックス 25">
+              <a:extLst>
+                <a:ext uri="{FF2B5EF4-FFF2-40B4-BE49-F238E27FC236}">
+                  <a16:creationId xmlns:a16="http://schemas.microsoft.com/office/drawing/2014/main" id="{5F418B13-FFA6-807C-4553-BC4209BA1D78}"/>
+                </a:ext>
+              </a:extLst>
+            </p:cNvPr>
+            <p:cNvPicPr>
+              <a:picLocks noChangeAspect="1"/>
+            </p:cNvPicPr>
+            <p:nvPr/>
+          </p:nvPicPr>
+          <p:blipFill>
+            <a:blip r:embed="rId10">
+              <a:extLst>
+                <a:ext uri="{96DAC541-7B7A-43D3-8B79-37D633B846F1}">
+                  <asvg:svgBlip xmlns:asvg="http://schemas.microsoft.com/office/drawing/2016/SVG/main" r:embed="rId11"/>
+                </a:ext>
+              </a:extLst>
+            </a:blip>
+            <a:srcRect/>
+            <a:stretch/>
+          </p:blipFill>
+          <p:spPr>
+            <a:xfrm>
+              <a:off x="632177" y="5850045"/>
+              <a:ext cx="360000" cy="360000"/>
+            </a:xfrm>
+            <a:prstGeom prst="rect">
+              <a:avLst/>
+            </a:prstGeom>
+          </p:spPr>
+        </p:pic>
+        <p:pic>
+          <p:nvPicPr>
+            <p:cNvPr id="27" name="グラフィックス 26">
+              <a:extLst>
+                <a:ext uri="{FF2B5EF4-FFF2-40B4-BE49-F238E27FC236}">
+                  <a16:creationId xmlns:a16="http://schemas.microsoft.com/office/drawing/2014/main" id="{8EA172B0-8971-E567-5B5E-57E1088DCD63}"/>
+                </a:ext>
+              </a:extLst>
+            </p:cNvPr>
+            <p:cNvPicPr>
+              <a:picLocks noChangeAspect="1"/>
+            </p:cNvPicPr>
+            <p:nvPr/>
+          </p:nvPicPr>
+          <p:blipFill>
+            <a:blip r:embed="rId12">
+              <a:extLst>
+                <a:ext uri="{96DAC541-7B7A-43D3-8B79-37D633B846F1}">
+                  <asvg:svgBlip xmlns:asvg="http://schemas.microsoft.com/office/drawing/2016/SVG/main" r:embed="rId13"/>
+                </a:ext>
+              </a:extLst>
+            </a:blip>
+            <a:srcRect/>
+            <a:stretch/>
+          </p:blipFill>
+          <p:spPr>
+            <a:xfrm>
+              <a:off x="633047" y="5147884"/>
+              <a:ext cx="360000" cy="360000"/>
+            </a:xfrm>
+            <a:prstGeom prst="rect">
+              <a:avLst/>
+            </a:prstGeom>
+          </p:spPr>
+        </p:pic>
+        <p:sp>
+          <p:nvSpPr>
+            <p:cNvPr id="28" name="正方形/長方形 27">
+              <a:extLst>
+                <a:ext uri="{FF2B5EF4-FFF2-40B4-BE49-F238E27FC236}">
+                  <a16:creationId xmlns:a16="http://schemas.microsoft.com/office/drawing/2014/main" id="{36BB981A-E952-6225-0A98-C6341D3CEFDE}"/>
+                </a:ext>
+              </a:extLst>
+            </p:cNvPr>
+            <p:cNvSpPr/>
+            <p:nvPr/>
+          </p:nvSpPr>
+          <p:spPr>
+            <a:xfrm>
+              <a:off x="992177" y="4387693"/>
+              <a:ext cx="6773082" cy="360000"/>
+            </a:xfrm>
+            <a:prstGeom prst="rect">
+              <a:avLst/>
+            </a:prstGeom>
+            <a:noFill/>
+            <a:ln>
+              <a:noFill/>
+            </a:ln>
+          </p:spPr>
+          <p:style>
+            <a:lnRef idx="2">
+              <a:schemeClr val="accent1">
+                <a:shade val="15000"/>
+              </a:schemeClr>
+            </a:lnRef>
+            <a:fillRef idx="1">
+              <a:schemeClr val="accent1"/>
+            </a:fillRef>
+            <a:effectRef idx="0">
+              <a:schemeClr val="accent1"/>
+            </a:effectRef>
+            <a:fontRef idx="minor">
+              <a:schemeClr val="lt1"/>
+            </a:fontRef>
+          </p:style>
+          <p:txBody>
+            <a:bodyPr rtlCol="0" anchor="ctr"/>
+            <a:lstStyle/>
+            <a:p>
+              <a:r>
+                <a:rPr kumimoji="1" lang="en-US" altLang="ja-JP" sz="1400" dirty="0">
+                  <a:solidFill>
+                    <a:srgbClr val="323232"/>
+                  </a:solidFill>
+                  <a:latin typeface="Yu Gothic" panose="020B0400000000000000" pitchFamily="34" charset="-128"/>
+                  <a:ea typeface="Yu Gothic" panose="020B0400000000000000" pitchFamily="34" charset="-128"/>
+                </a:rPr>
+                <a:t>Graduate School of Integrated Science and Technology, Shizuoka University</a:t>
+              </a:r>
+              <a:endParaRPr kumimoji="1" lang="ja-JP" altLang="en-US" sz="1400">
+                <a:solidFill>
+                  <a:srgbClr val="323232"/>
+                </a:solidFill>
+                <a:latin typeface="Yu Gothic" panose="020B0400000000000000" pitchFamily="34" charset="-128"/>
+                <a:ea typeface="Yu Gothic" panose="020B0400000000000000" pitchFamily="34" charset="-128"/>
+              </a:endParaRPr>
+            </a:p>
+          </p:txBody>
+        </p:sp>
+        <p:sp>
+          <p:nvSpPr>
+            <p:cNvPr id="29" name="正方形/長方形 28">
+              <a:extLst>
+                <a:ext uri="{FF2B5EF4-FFF2-40B4-BE49-F238E27FC236}">
+                  <a16:creationId xmlns:a16="http://schemas.microsoft.com/office/drawing/2014/main" id="{8DC38EF7-5548-F959-64B1-E3BC4BA54357}"/>
+                </a:ext>
+              </a:extLst>
+            </p:cNvPr>
+            <p:cNvSpPr/>
+            <p:nvPr/>
+          </p:nvSpPr>
+          <p:spPr>
+            <a:xfrm>
+              <a:off x="992177" y="4767789"/>
+              <a:ext cx="5925918" cy="360000"/>
+            </a:xfrm>
+            <a:prstGeom prst="rect">
+              <a:avLst/>
+            </a:prstGeom>
+            <a:noFill/>
+            <a:ln>
+              <a:noFill/>
+            </a:ln>
+          </p:spPr>
+          <p:style>
+            <a:lnRef idx="2">
+              <a:schemeClr val="accent1">
+                <a:shade val="15000"/>
+              </a:schemeClr>
+            </a:lnRef>
+            <a:fillRef idx="1">
+              <a:schemeClr val="accent1"/>
+            </a:fillRef>
+            <a:effectRef idx="0">
+              <a:schemeClr val="accent1"/>
+            </a:effectRef>
+            <a:fontRef idx="minor">
+              <a:schemeClr val="lt1"/>
+            </a:fontRef>
+          </p:style>
+          <p:txBody>
+            <a:bodyPr rtlCol="0" anchor="ctr"/>
+            <a:lstStyle/>
+            <a:p>
+              <a:r>
+                <a:rPr kumimoji="1" lang="en-US" altLang="ja-JP" sz="1400" dirty="0">
+                  <a:solidFill>
+                    <a:srgbClr val="323232"/>
+                  </a:solidFill>
+                  <a:latin typeface="Yu Gothic" panose="020B0400000000000000" pitchFamily="34" charset="-128"/>
+                  <a:ea typeface="Yu Gothic" panose="020B0400000000000000" pitchFamily="34" charset="-128"/>
+                </a:rPr>
+                <a:t>3-5-1 </a:t>
+              </a:r>
+              <a:r>
+                <a:rPr kumimoji="1" lang="en-US" altLang="ja-JP" sz="1400" dirty="0" err="1">
+                  <a:solidFill>
+                    <a:srgbClr val="323232"/>
+                  </a:solidFill>
+                  <a:latin typeface="Yu Gothic" panose="020B0400000000000000" pitchFamily="34" charset="-128"/>
+                  <a:ea typeface="Yu Gothic" panose="020B0400000000000000" pitchFamily="34" charset="-128"/>
+                </a:rPr>
+                <a:t>Johoku</a:t>
+              </a:r>
+              <a:r>
+                <a:rPr kumimoji="1" lang="en-US" altLang="ja-JP" sz="1400" dirty="0">
+                  <a:solidFill>
+                    <a:srgbClr val="323232"/>
+                  </a:solidFill>
+                  <a:latin typeface="Yu Gothic" panose="020B0400000000000000" pitchFamily="34" charset="-128"/>
+                  <a:ea typeface="Yu Gothic" panose="020B0400000000000000" pitchFamily="34" charset="-128"/>
+                </a:rPr>
+                <a:t>, Naka-</a:t>
+              </a:r>
+              <a:r>
+                <a:rPr kumimoji="1" lang="en-US" altLang="ja-JP" sz="1400" dirty="0" err="1">
+                  <a:solidFill>
+                    <a:srgbClr val="323232"/>
+                  </a:solidFill>
+                  <a:latin typeface="Yu Gothic" panose="020B0400000000000000" pitchFamily="34" charset="-128"/>
+                  <a:ea typeface="Yu Gothic" panose="020B0400000000000000" pitchFamily="34" charset="-128"/>
+                </a:rPr>
+                <a:t>ku</a:t>
+              </a:r>
+              <a:r>
+                <a:rPr kumimoji="1" lang="en-US" altLang="ja-JP" sz="1400" dirty="0">
+                  <a:solidFill>
+                    <a:srgbClr val="323232"/>
+                  </a:solidFill>
+                  <a:latin typeface="Yu Gothic" panose="020B0400000000000000" pitchFamily="34" charset="-128"/>
+                  <a:ea typeface="Yu Gothic" panose="020B0400000000000000" pitchFamily="34" charset="-128"/>
+                </a:rPr>
+                <a:t>, Hamamatsu, 4328011 Japan</a:t>
+              </a:r>
+              <a:endParaRPr kumimoji="1" lang="ja-JP" altLang="en-US" sz="1400">
+                <a:solidFill>
+                  <a:srgbClr val="323232"/>
+                </a:solidFill>
+                <a:latin typeface="Yu Gothic" panose="020B0400000000000000" pitchFamily="34" charset="-128"/>
+                <a:ea typeface="Yu Gothic" panose="020B0400000000000000" pitchFamily="34" charset="-128"/>
+              </a:endParaRPr>
+            </a:p>
+          </p:txBody>
+        </p:sp>
+        <p:sp>
+          <p:nvSpPr>
+            <p:cNvPr id="30" name="正方形/長方形 29">
+              <a:extLst>
+                <a:ext uri="{FF2B5EF4-FFF2-40B4-BE49-F238E27FC236}">
+                  <a16:creationId xmlns:a16="http://schemas.microsoft.com/office/drawing/2014/main" id="{4ADBFF52-46C6-336B-AC3E-0478F7A04414}"/>
+                </a:ext>
+              </a:extLst>
+            </p:cNvPr>
+            <p:cNvSpPr/>
+            <p:nvPr/>
+          </p:nvSpPr>
+          <p:spPr>
+            <a:xfrm>
+              <a:off x="992177" y="5147884"/>
+              <a:ext cx="2184611" cy="360000"/>
+            </a:xfrm>
+            <a:prstGeom prst="rect">
+              <a:avLst/>
+            </a:prstGeom>
+            <a:noFill/>
+            <a:ln>
+              <a:noFill/>
+            </a:ln>
+          </p:spPr>
+          <p:style>
+            <a:lnRef idx="2">
+              <a:schemeClr val="accent1">
+                <a:shade val="15000"/>
+              </a:schemeClr>
+            </a:lnRef>
+            <a:fillRef idx="1">
+              <a:schemeClr val="accent1"/>
+            </a:fillRef>
+            <a:effectRef idx="0">
+              <a:schemeClr val="accent1"/>
+            </a:effectRef>
+            <a:fontRef idx="minor">
+              <a:schemeClr val="lt1"/>
+            </a:fontRef>
+          </p:style>
+          <p:txBody>
+            <a:bodyPr rtlCol="0" anchor="ctr"/>
+            <a:lstStyle/>
+            <a:p>
+              <a:r>
+                <a:rPr kumimoji="1" lang="en-US" altLang="ja-JP" sz="1400" dirty="0">
+                  <a:solidFill>
+                    <a:srgbClr val="323232"/>
+                  </a:solidFill>
+                  <a:latin typeface="Yu Gothic" panose="020B0400000000000000" pitchFamily="34" charset="-128"/>
+                  <a:ea typeface="Yu Gothic" panose="020B0400000000000000" pitchFamily="34" charset="-128"/>
+                </a:rPr>
+                <a:t>080-1590-6189</a:t>
+              </a:r>
+              <a:endParaRPr kumimoji="1" lang="ja-JP" altLang="en-US" sz="1400">
+                <a:solidFill>
+                  <a:srgbClr val="323232"/>
+                </a:solidFill>
+                <a:latin typeface="Yu Gothic" panose="020B0400000000000000" pitchFamily="34" charset="-128"/>
+                <a:ea typeface="Yu Gothic" panose="020B0400000000000000" pitchFamily="34" charset="-128"/>
+              </a:endParaRPr>
+            </a:p>
+          </p:txBody>
+        </p:sp>
+        <p:sp>
+          <p:nvSpPr>
+            <p:cNvPr id="31" name="正方形/長方形 30">
+              <a:extLst>
+                <a:ext uri="{FF2B5EF4-FFF2-40B4-BE49-F238E27FC236}">
+                  <a16:creationId xmlns:a16="http://schemas.microsoft.com/office/drawing/2014/main" id="{64134785-DC12-EF74-25B7-1582113EA464}"/>
+                </a:ext>
+              </a:extLst>
+            </p:cNvPr>
+            <p:cNvSpPr/>
+            <p:nvPr/>
+          </p:nvSpPr>
+          <p:spPr>
+            <a:xfrm>
+              <a:off x="993047" y="5469949"/>
+              <a:ext cx="4677925" cy="360000"/>
+            </a:xfrm>
+            <a:prstGeom prst="rect">
+              <a:avLst/>
+            </a:prstGeom>
+            <a:noFill/>
+            <a:ln>
+              <a:noFill/>
+            </a:ln>
+          </p:spPr>
+          <p:style>
+            <a:lnRef idx="2">
+              <a:schemeClr val="accent1">
+                <a:shade val="15000"/>
+              </a:schemeClr>
+            </a:lnRef>
+            <a:fillRef idx="1">
+              <a:schemeClr val="accent1"/>
+            </a:fillRef>
+            <a:effectRef idx="0">
+              <a:schemeClr val="accent1"/>
+            </a:effectRef>
+            <a:fontRef idx="minor">
+              <a:schemeClr val="lt1"/>
+            </a:fontRef>
+          </p:style>
+          <p:txBody>
+            <a:bodyPr rtlCol="0" anchor="ctr"/>
+            <a:lstStyle/>
+            <a:p>
+              <a:r>
+                <a:rPr kumimoji="1" lang="en-US" altLang="ja-JP" sz="1400" dirty="0">
+                  <a:solidFill>
+                    <a:srgbClr val="323232"/>
+                  </a:solidFill>
+                  <a:latin typeface="Yu Gothic" panose="020B0400000000000000" pitchFamily="34" charset="-128"/>
+                  <a:ea typeface="Yu Gothic" panose="020B0400000000000000" pitchFamily="34" charset="-128"/>
+                </a:rPr>
+                <a:t>ichikawa.masanari.18@shizuoka.ac.jp</a:t>
+              </a:r>
+              <a:endParaRPr kumimoji="1" lang="ja-JP" altLang="en-US" sz="1400">
+                <a:solidFill>
+                  <a:srgbClr val="323232"/>
+                </a:solidFill>
+                <a:latin typeface="Yu Gothic" panose="020B0400000000000000" pitchFamily="34" charset="-128"/>
+                <a:ea typeface="Yu Gothic" panose="020B0400000000000000" pitchFamily="34" charset="-128"/>
+              </a:endParaRPr>
+            </a:p>
+          </p:txBody>
+        </p:sp>
+        <p:sp>
+          <p:nvSpPr>
+            <p:cNvPr id="32" name="正方形/長方形 31">
+              <a:extLst>
+                <a:ext uri="{FF2B5EF4-FFF2-40B4-BE49-F238E27FC236}">
+                  <a16:creationId xmlns:a16="http://schemas.microsoft.com/office/drawing/2014/main" id="{EA986BD9-00F0-F245-F8E0-1E472116D0EB}"/>
+                </a:ext>
+              </a:extLst>
+            </p:cNvPr>
+            <p:cNvSpPr/>
+            <p:nvPr/>
+          </p:nvSpPr>
+          <p:spPr>
+            <a:xfrm>
+              <a:off x="992177" y="5850045"/>
+              <a:ext cx="5418671" cy="360000"/>
+            </a:xfrm>
+            <a:prstGeom prst="rect">
+              <a:avLst/>
+            </a:prstGeom>
+            <a:noFill/>
+            <a:ln>
+              <a:noFill/>
+            </a:ln>
+          </p:spPr>
+          <p:style>
+            <a:lnRef idx="2">
+              <a:schemeClr val="accent1">
+                <a:shade val="15000"/>
+              </a:schemeClr>
+            </a:lnRef>
+            <a:fillRef idx="1">
+              <a:schemeClr val="accent1"/>
+            </a:fillRef>
+            <a:effectRef idx="0">
+              <a:schemeClr val="accent1"/>
+            </a:effectRef>
+            <a:fontRef idx="minor">
+              <a:schemeClr val="lt1"/>
+            </a:fontRef>
+          </p:style>
+          <p:txBody>
+            <a:bodyPr rtlCol="0" anchor="ctr"/>
+            <a:lstStyle/>
+            <a:p>
+              <a:r>
+                <a:rPr kumimoji="1" lang="en-US" altLang="ja-JP" sz="1400" dirty="0" err="1">
+                  <a:solidFill>
+                    <a:srgbClr val="323232"/>
+                  </a:solidFill>
+                  <a:latin typeface="Yu Gothic" panose="020B0400000000000000" pitchFamily="34" charset="-128"/>
+                  <a:ea typeface="Yu Gothic" panose="020B0400000000000000" pitchFamily="34" charset="-128"/>
+                </a:rPr>
+                <a:t>masanarius.github.io</a:t>
+              </a:r>
+              <a:endParaRPr kumimoji="1" lang="ja-JP" altLang="en-US" sz="1400">
+                <a:solidFill>
+                  <a:srgbClr val="323232"/>
+                </a:solidFill>
+                <a:latin typeface="Yu Gothic" panose="020B0400000000000000" pitchFamily="34" charset="-128"/>
+                <a:ea typeface="Yu Gothic" panose="020B0400000000000000" pitchFamily="34" charset="-128"/>
+              </a:endParaRPr>
+            </a:p>
+          </p:txBody>
+        </p:sp>
+      </p:grpSp>
+    </p:spTree>
+    <p:extLst>
+      <p:ext uri="{BB962C8B-B14F-4D97-AF65-F5344CB8AC3E}">
+        <p14:creationId xmlns:p14="http://schemas.microsoft.com/office/powerpoint/2010/main" val="2904996993"/>
       </p:ext>
     </p:extLst>
   </p:cSld>

--- a/img/card/businesscard.pptx
+++ b/img/card/businesscard.pptx
@@ -11,8 +11,8 @@
     <p:sldId id="258" r:id="rId2"/>
     <p:sldId id="263" r:id="rId3"/>
     <p:sldId id="262" r:id="rId4"/>
-    <p:sldId id="256" r:id="rId5"/>
-    <p:sldId id="265" r:id="rId6"/>
+    <p:sldId id="265" r:id="rId5"/>
+    <p:sldId id="266" r:id="rId6"/>
     <p:sldId id="264" r:id="rId7"/>
   </p:sldIdLst>
   <p:sldSz cx="11520488" cy="6480175"/>
@@ -827,7 +827,7 @@
     </p:spTree>
     <p:extLst>
       <p:ext uri="{BB962C8B-B14F-4D97-AF65-F5344CB8AC3E}">
-        <p14:creationId xmlns:p14="http://schemas.microsoft.com/office/powerpoint/2010/main" val="3856950689"/>
+        <p14:creationId xmlns:p14="http://schemas.microsoft.com/office/powerpoint/2010/main" val="4214927413"/>
       </p:ext>
     </p:extLst>
   </p:cSld>
@@ -911,7 +911,7 @@
     </p:spTree>
     <p:extLst>
       <p:ext uri="{BB962C8B-B14F-4D97-AF65-F5344CB8AC3E}">
-        <p14:creationId xmlns:p14="http://schemas.microsoft.com/office/powerpoint/2010/main" val="4214927413"/>
+        <p14:creationId xmlns:p14="http://schemas.microsoft.com/office/powerpoint/2010/main" val="190110829"/>
       </p:ext>
     </p:extLst>
   </p:cSld>
@@ -4279,9 +4279,9 @@
         <p:grpSpPr>
           <a:xfrm>
             <a:off x="720000" y="4689050"/>
-            <a:ext cx="6299365" cy="1442256"/>
+            <a:ext cx="6393494" cy="1442256"/>
             <a:chOff x="632177" y="4767789"/>
-            <a:chExt cx="6299365" cy="1442256"/>
+            <a:chExt cx="6393494" cy="1442256"/>
           </a:xfrm>
         </p:grpSpPr>
         <p:pic>
@@ -4497,7 +4497,7 @@
                   <a:latin typeface="Yu Gothic" panose="020B0400000000000000" pitchFamily="34" charset="-128"/>
                   <a:ea typeface="Yu Gothic" panose="020B0400000000000000" pitchFamily="34" charset="-128"/>
                 </a:rPr>
-                <a:t>総合科学技術研究科</a:t>
+                <a:t>自然科学系教育部 </a:t>
               </a:r>
               <a:r>
                 <a:rPr kumimoji="1" lang="en-US" altLang="ja-JP" sz="1400" dirty="0">
@@ -4507,7 +4507,7 @@
                   <a:latin typeface="Yu Gothic" panose="020B0400000000000000" pitchFamily="34" charset="-128"/>
                   <a:ea typeface="Yu Gothic" panose="020B0400000000000000" pitchFamily="34" charset="-128"/>
                 </a:rPr>
-                <a:t> </a:t>
+                <a:t>/ </a:t>
               </a:r>
               <a:r>
                 <a:rPr kumimoji="1" lang="ja-JP" altLang="en-US" sz="1400">
@@ -4537,7 +4537,7 @@
           <p:spPr>
             <a:xfrm>
               <a:off x="992177" y="5147884"/>
-              <a:ext cx="5549400" cy="360000"/>
+              <a:ext cx="6033494" cy="360000"/>
             </a:xfrm>
             <a:prstGeom prst="rect">
               <a:avLst/>
@@ -4595,7 +4595,7 @@
                   <a:latin typeface="Yu Gothic" panose="020B0400000000000000" pitchFamily="34" charset="-128"/>
                   <a:ea typeface="Yu Gothic" panose="020B0400000000000000" pitchFamily="34" charset="-128"/>
                 </a:rPr>
-                <a:t>静岡県浜松市中区城北</a:t>
+                <a:t>静岡県浜松市中央区城北</a:t>
               </a:r>
               <a:r>
                 <a:rPr kumimoji="1" lang="en-US" altLang="ja-JP" sz="1400" dirty="0">
@@ -4751,6 +4751,99 @@
           </p:txBody>
         </p:sp>
       </p:grpSp>
+      <p:pic>
+        <p:nvPicPr>
+          <p:cNvPr id="2" name="グラフィックス 1" descr="卒業式用の角帽 単色塗りつぶし">
+            <a:extLst>
+              <a:ext uri="{FF2B5EF4-FFF2-40B4-BE49-F238E27FC236}">
+                <a16:creationId xmlns:a16="http://schemas.microsoft.com/office/drawing/2014/main" id="{66734357-BB5A-B82A-2312-E5BE310F13AD}"/>
+              </a:ext>
+            </a:extLst>
+          </p:cNvPr>
+          <p:cNvPicPr>
+            <a:picLocks noChangeAspect="1"/>
+          </p:cNvPicPr>
+          <p:nvPr/>
+        </p:nvPicPr>
+        <p:blipFill>
+          <a:blip r:embed="rId12">
+            <a:extLst>
+              <a:ext uri="{96DAC541-7B7A-43D3-8B79-37D633B846F1}">
+                <asvg:svgBlip xmlns:asvg="http://schemas.microsoft.com/office/drawing/2016/SVG/main" r:embed="rId13"/>
+              </a:ext>
+            </a:extLst>
+          </a:blip>
+          <a:srcRect/>
+          <a:stretch/>
+        </p:blipFill>
+        <p:spPr>
+          <a:xfrm>
+            <a:off x="720870" y="4308954"/>
+            <a:ext cx="360000" cy="360000"/>
+          </a:xfrm>
+          <a:prstGeom prst="rect">
+            <a:avLst/>
+          </a:prstGeom>
+        </p:spPr>
+      </p:pic>
+      <p:sp>
+        <p:nvSpPr>
+          <p:cNvPr id="3" name="正方形/長方形 2">
+            <a:extLst>
+              <a:ext uri="{FF2B5EF4-FFF2-40B4-BE49-F238E27FC236}">
+                <a16:creationId xmlns:a16="http://schemas.microsoft.com/office/drawing/2014/main" id="{7F9DA877-FB0B-1B34-0FC5-9AC910A4F604}"/>
+              </a:ext>
+            </a:extLst>
+          </p:cNvPr>
+          <p:cNvSpPr/>
+          <p:nvPr/>
+        </p:nvSpPr>
+        <p:spPr>
+          <a:xfrm>
+            <a:off x="1080000" y="4308954"/>
+            <a:ext cx="5925918" cy="360000"/>
+          </a:xfrm>
+          <a:prstGeom prst="rect">
+            <a:avLst/>
+          </a:prstGeom>
+          <a:noFill/>
+          <a:ln>
+            <a:noFill/>
+          </a:ln>
+        </p:spPr>
+        <p:style>
+          <a:lnRef idx="2">
+            <a:schemeClr val="accent1">
+              <a:shade val="15000"/>
+            </a:schemeClr>
+          </a:lnRef>
+          <a:fillRef idx="1">
+            <a:schemeClr val="accent1"/>
+          </a:fillRef>
+          <a:effectRef idx="0">
+            <a:schemeClr val="accent1"/>
+          </a:effectRef>
+          <a:fontRef idx="minor">
+            <a:schemeClr val="lt1"/>
+          </a:fontRef>
+        </p:style>
+        <p:txBody>
+          <a:bodyPr rtlCol="0" anchor="ctr"/>
+          <a:lstStyle/>
+          <a:p>
+            <a:r>
+              <a:rPr kumimoji="1" lang="ja-JP" altLang="en-US" sz="1400">
+                <a:solidFill>
+                  <a:srgbClr val="323232"/>
+                </a:solidFill>
+                <a:latin typeface="Yu Gothic" panose="020B0400000000000000" pitchFamily="34" charset="-128"/>
+                <a:ea typeface="Yu Gothic" panose="020B0400000000000000" pitchFamily="34" charset="-128"/>
+              </a:rPr>
+              <a:t>修士（情報学）</a:t>
+            </a:r>
+          </a:p>
+        </p:txBody>
+      </p:sp>
     </p:spTree>
     <p:extLst>
       <p:ext uri="{BB962C8B-B14F-4D97-AF65-F5344CB8AC3E}">
@@ -5124,7 +5217,7 @@
                   <a:latin typeface="Yu Gothic" panose="020B0400000000000000" pitchFamily="34" charset="-128"/>
                   <a:ea typeface="Yu Gothic" panose="020B0400000000000000" pitchFamily="34" charset="-128"/>
                 </a:rPr>
-                <a:t>総合科学技術研究科</a:t>
+                <a:t>自然科学系教育部 </a:t>
               </a:r>
               <a:r>
                 <a:rPr kumimoji="1" lang="en-US" altLang="ja-JP" sz="1400" dirty="0">
@@ -5134,7 +5227,7 @@
                   <a:latin typeface="Yu Gothic" panose="020B0400000000000000" pitchFamily="34" charset="-128"/>
                   <a:ea typeface="Yu Gothic" panose="020B0400000000000000" pitchFamily="34" charset="-128"/>
                 </a:rPr>
-                <a:t> </a:t>
+                <a:t>/ </a:t>
               </a:r>
               <a:r>
                 <a:rPr kumimoji="1" lang="ja-JP" altLang="en-US" sz="1400">
@@ -5164,7 +5257,7 @@
           <p:spPr>
             <a:xfrm>
               <a:off x="992177" y="5147884"/>
-              <a:ext cx="5549400" cy="360000"/>
+              <a:ext cx="5925918" cy="360000"/>
             </a:xfrm>
             <a:prstGeom prst="rect">
               <a:avLst/>
@@ -5222,7 +5315,7 @@
                   <a:latin typeface="Yu Gothic" panose="020B0400000000000000" pitchFamily="34" charset="-128"/>
                   <a:ea typeface="Yu Gothic" panose="020B0400000000000000" pitchFamily="34" charset="-128"/>
                 </a:rPr>
-                <a:t>静岡県浜松市中区城北</a:t>
+                <a:t>静岡県浜松市中央区城北</a:t>
               </a:r>
               <a:r>
                 <a:rPr kumimoji="1" lang="en-US" altLang="ja-JP" sz="1400" dirty="0">
@@ -5408,6 +5501,99 @@
           </a:prstGeom>
         </p:spPr>
       </p:pic>
+      <p:pic>
+        <p:nvPicPr>
+          <p:cNvPr id="3" name="グラフィックス 2" descr="卒業式用の角帽 単色塗りつぶし">
+            <a:extLst>
+              <a:ext uri="{FF2B5EF4-FFF2-40B4-BE49-F238E27FC236}">
+                <a16:creationId xmlns:a16="http://schemas.microsoft.com/office/drawing/2014/main" id="{72E9D41B-1335-CFD5-0436-F4CBF181D216}"/>
+              </a:ext>
+            </a:extLst>
+          </p:cNvPr>
+          <p:cNvPicPr>
+            <a:picLocks noChangeAspect="1"/>
+          </p:cNvPicPr>
+          <p:nvPr/>
+        </p:nvPicPr>
+        <p:blipFill>
+          <a:blip r:embed="rId13">
+            <a:extLst>
+              <a:ext uri="{96DAC541-7B7A-43D3-8B79-37D633B846F1}">
+                <asvg:svgBlip xmlns:asvg="http://schemas.microsoft.com/office/drawing/2016/SVG/main" r:embed="rId14"/>
+              </a:ext>
+            </a:extLst>
+          </a:blip>
+          <a:srcRect/>
+          <a:stretch/>
+        </p:blipFill>
+        <p:spPr>
+          <a:xfrm>
+            <a:off x="720870" y="4308954"/>
+            <a:ext cx="360000" cy="360000"/>
+          </a:xfrm>
+          <a:prstGeom prst="rect">
+            <a:avLst/>
+          </a:prstGeom>
+        </p:spPr>
+      </p:pic>
+      <p:sp>
+        <p:nvSpPr>
+          <p:cNvPr id="5" name="正方形/長方形 4">
+            <a:extLst>
+              <a:ext uri="{FF2B5EF4-FFF2-40B4-BE49-F238E27FC236}">
+                <a16:creationId xmlns:a16="http://schemas.microsoft.com/office/drawing/2014/main" id="{07988D22-40DF-3592-73F6-A4D17DEC1767}"/>
+              </a:ext>
+            </a:extLst>
+          </p:cNvPr>
+          <p:cNvSpPr/>
+          <p:nvPr/>
+        </p:nvSpPr>
+        <p:spPr>
+          <a:xfrm>
+            <a:off x="1080000" y="4308954"/>
+            <a:ext cx="5925918" cy="360000"/>
+          </a:xfrm>
+          <a:prstGeom prst="rect">
+            <a:avLst/>
+          </a:prstGeom>
+          <a:noFill/>
+          <a:ln>
+            <a:noFill/>
+          </a:ln>
+        </p:spPr>
+        <p:style>
+          <a:lnRef idx="2">
+            <a:schemeClr val="accent1">
+              <a:shade val="15000"/>
+            </a:schemeClr>
+          </a:lnRef>
+          <a:fillRef idx="1">
+            <a:schemeClr val="accent1"/>
+          </a:fillRef>
+          <a:effectRef idx="0">
+            <a:schemeClr val="accent1"/>
+          </a:effectRef>
+          <a:fontRef idx="minor">
+            <a:schemeClr val="lt1"/>
+          </a:fontRef>
+        </p:style>
+        <p:txBody>
+          <a:bodyPr rtlCol="0" anchor="ctr"/>
+          <a:lstStyle/>
+          <a:p>
+            <a:r>
+              <a:rPr kumimoji="1" lang="ja-JP" altLang="en-US" sz="1400">
+                <a:solidFill>
+                  <a:srgbClr val="323232"/>
+                </a:solidFill>
+                <a:latin typeface="Yu Gothic" panose="020B0400000000000000" pitchFamily="34" charset="-128"/>
+                <a:ea typeface="Yu Gothic" panose="020B0400000000000000" pitchFamily="34" charset="-128"/>
+              </a:rPr>
+              <a:t>修士（情報学）</a:t>
+            </a:r>
+          </a:p>
+        </p:txBody>
+      </p:sp>
     </p:spTree>
     <p:extLst>
       <p:ext uri="{BB962C8B-B14F-4D97-AF65-F5344CB8AC3E}">
@@ -5563,9 +5749,9 @@
         <p:grpSpPr>
           <a:xfrm>
             <a:off x="720000" y="4689050"/>
-            <a:ext cx="7267553" cy="1442256"/>
+            <a:ext cx="6285919" cy="1442256"/>
             <a:chOff x="632177" y="4767789"/>
-            <a:chExt cx="7267553" cy="1442256"/>
+            <a:chExt cx="6285919" cy="1442256"/>
           </a:xfrm>
         </p:grpSpPr>
         <p:pic>
@@ -5722,8 +5908,8 @@
           </p:nvSpPr>
           <p:spPr>
             <a:xfrm>
-              <a:off x="992177" y="4767789"/>
-              <a:ext cx="6907553" cy="360000"/>
+              <a:off x="992178" y="4767789"/>
+              <a:ext cx="5925918" cy="360000"/>
             </a:xfrm>
             <a:prstGeom prst="rect">
               <a:avLst/>
@@ -5761,7 +5947,7 @@
                   <a:latin typeface="Yu Gothic" panose="020B0400000000000000" pitchFamily="34" charset="-128"/>
                   <a:ea typeface="Yu Gothic" panose="020B0400000000000000" pitchFamily="34" charset="-128"/>
                 </a:rPr>
-                <a:t>Graduate School of Integrated Science and Technology, Shizuoka University</a:t>
+                <a:t>Graduate School of Science and Technology, Shizuoka University</a:t>
               </a:r>
               <a:endParaRPr kumimoji="1" lang="ja-JP" altLang="en-US" sz="1400">
                 <a:solidFill>
@@ -5846,7 +6032,7 @@
                   <a:latin typeface="Yu Gothic" panose="020B0400000000000000" pitchFamily="34" charset="-128"/>
                   <a:ea typeface="Yu Gothic" panose="020B0400000000000000" pitchFamily="34" charset="-128"/>
                 </a:rPr>
-                <a:t>, Naka-</a:t>
+                <a:t>, Chuo-</a:t>
               </a:r>
               <a:r>
                 <a:rPr kumimoji="1" lang="en-US" altLang="ja-JP" sz="1400" dirty="0" err="1">
@@ -6009,6 +6195,106 @@
           </p:txBody>
         </p:sp>
       </p:grpSp>
+      <p:pic>
+        <p:nvPicPr>
+          <p:cNvPr id="2" name="グラフィックス 1" descr="卒業式用の角帽 単色塗りつぶし">
+            <a:extLst>
+              <a:ext uri="{FF2B5EF4-FFF2-40B4-BE49-F238E27FC236}">
+                <a16:creationId xmlns:a16="http://schemas.microsoft.com/office/drawing/2014/main" id="{044998D6-4BEF-0A3C-67B2-84D7A3318E13}"/>
+              </a:ext>
+            </a:extLst>
+          </p:cNvPr>
+          <p:cNvPicPr>
+            <a:picLocks noChangeAspect="1"/>
+          </p:cNvPicPr>
+          <p:nvPr/>
+        </p:nvPicPr>
+        <p:blipFill>
+          <a:blip r:embed="rId12">
+            <a:extLst>
+              <a:ext uri="{96DAC541-7B7A-43D3-8B79-37D633B846F1}">
+                <asvg:svgBlip xmlns:asvg="http://schemas.microsoft.com/office/drawing/2016/SVG/main" r:embed="rId13"/>
+              </a:ext>
+            </a:extLst>
+          </a:blip>
+          <a:srcRect/>
+          <a:stretch/>
+        </p:blipFill>
+        <p:spPr>
+          <a:xfrm>
+            <a:off x="720870" y="4308954"/>
+            <a:ext cx="360000" cy="360000"/>
+          </a:xfrm>
+          <a:prstGeom prst="rect">
+            <a:avLst/>
+          </a:prstGeom>
+        </p:spPr>
+      </p:pic>
+      <p:sp>
+        <p:nvSpPr>
+          <p:cNvPr id="3" name="正方形/長方形 2">
+            <a:extLst>
+              <a:ext uri="{FF2B5EF4-FFF2-40B4-BE49-F238E27FC236}">
+                <a16:creationId xmlns:a16="http://schemas.microsoft.com/office/drawing/2014/main" id="{EE8DE383-3779-9DB9-45EE-639AE549A105}"/>
+              </a:ext>
+            </a:extLst>
+          </p:cNvPr>
+          <p:cNvSpPr/>
+          <p:nvPr/>
+        </p:nvSpPr>
+        <p:spPr>
+          <a:xfrm>
+            <a:off x="1080000" y="4308954"/>
+            <a:ext cx="5925918" cy="360000"/>
+          </a:xfrm>
+          <a:prstGeom prst="rect">
+            <a:avLst/>
+          </a:prstGeom>
+          <a:noFill/>
+          <a:ln>
+            <a:noFill/>
+          </a:ln>
+        </p:spPr>
+        <p:style>
+          <a:lnRef idx="2">
+            <a:schemeClr val="accent1">
+              <a:shade val="15000"/>
+            </a:schemeClr>
+          </a:lnRef>
+          <a:fillRef idx="1">
+            <a:schemeClr val="accent1"/>
+          </a:fillRef>
+          <a:effectRef idx="0">
+            <a:schemeClr val="accent1"/>
+          </a:effectRef>
+          <a:fontRef idx="minor">
+            <a:schemeClr val="lt1"/>
+          </a:fontRef>
+        </p:style>
+        <p:txBody>
+          <a:bodyPr rtlCol="0" anchor="ctr"/>
+          <a:lstStyle/>
+          <a:p>
+            <a:r>
+              <a:rPr kumimoji="1" lang="en-US" altLang="ja-JP" sz="1400" dirty="0">
+                <a:solidFill>
+                  <a:srgbClr val="323232"/>
+                </a:solidFill>
+                <a:latin typeface="Yu Gothic" panose="020B0400000000000000" pitchFamily="34" charset="-128"/>
+                <a:ea typeface="Yu Gothic" panose="020B0400000000000000" pitchFamily="34" charset="-128"/>
+              </a:rPr>
+              <a:t>Master of Informatics</a:t>
+            </a:r>
+            <a:endParaRPr kumimoji="1" lang="ja-JP" altLang="en-US" sz="1400">
+              <a:solidFill>
+                <a:srgbClr val="323232"/>
+              </a:solidFill>
+              <a:latin typeface="Yu Gothic" panose="020B0400000000000000" pitchFamily="34" charset="-128"/>
+              <a:ea typeface="Yu Gothic" panose="020B0400000000000000" pitchFamily="34" charset="-128"/>
+            </a:endParaRPr>
+          </a:p>
+        </p:txBody>
+      </p:sp>
     </p:spTree>
     <p:extLst>
       <p:ext uri="{BB962C8B-B14F-4D97-AF65-F5344CB8AC3E}">
@@ -6053,7 +6339,7 @@
         </p:nvSpPr>
         <p:spPr>
           <a:xfrm>
-            <a:off x="720000" y="2519002"/>
+            <a:off x="751778" y="2146698"/>
             <a:ext cx="5336108" cy="1440000"/>
           </a:xfrm>
           <a:prstGeom prst="rect">
@@ -6149,597 +6435,669 @@
           </a:prstGeom>
         </p:spPr>
       </p:pic>
-      <p:grpSp>
-        <p:nvGrpSpPr>
-          <p:cNvPr id="33" name="グループ化 32">
+      <p:pic>
+        <p:nvPicPr>
+          <p:cNvPr id="23" name="グラフィックス 22">
             <a:extLst>
               <a:ext uri="{FF2B5EF4-FFF2-40B4-BE49-F238E27FC236}">
-                <a16:creationId xmlns:a16="http://schemas.microsoft.com/office/drawing/2014/main" id="{C1BC0DFF-D215-2EAC-05E9-C95DD8AEA35F}"/>
+                <a16:creationId xmlns:a16="http://schemas.microsoft.com/office/drawing/2014/main" id="{E9EDA729-8D21-A9F2-943F-11D83E32DCEB}"/>
               </a:ext>
             </a:extLst>
           </p:cNvPr>
-          <p:cNvGrpSpPr/>
+          <p:cNvPicPr>
+            <a:picLocks noChangeAspect="1"/>
+          </p:cNvPicPr>
           <p:nvPr/>
-        </p:nvGrpSpPr>
-        <p:grpSpPr>
+        </p:nvPicPr>
+        <p:blipFill>
+          <a:blip r:embed="rId4">
+            <a:extLst>
+              <a:ext uri="{96DAC541-7B7A-43D3-8B79-37D633B846F1}">
+                <asvg:svgBlip xmlns:asvg="http://schemas.microsoft.com/office/drawing/2016/SVG/main" r:embed="rId5"/>
+              </a:ext>
+            </a:extLst>
+          </a:blip>
+          <a:srcRect/>
+          <a:stretch/>
+        </p:blipFill>
+        <p:spPr>
           <a:xfrm>
-            <a:off x="720000" y="4308954"/>
-            <a:ext cx="6285918" cy="1822352"/>
-            <a:chOff x="632177" y="4387693"/>
-            <a:chExt cx="6285918" cy="1822352"/>
+            <a:off x="720870" y="4308954"/>
+            <a:ext cx="360000" cy="360000"/>
           </a:xfrm>
-        </p:grpSpPr>
-        <p:pic>
-          <p:nvPicPr>
-            <p:cNvPr id="23" name="グラフィックス 22">
-              <a:extLst>
-                <a:ext uri="{FF2B5EF4-FFF2-40B4-BE49-F238E27FC236}">
-                  <a16:creationId xmlns:a16="http://schemas.microsoft.com/office/drawing/2014/main" id="{E9EDA729-8D21-A9F2-943F-11D83E32DCEB}"/>
-                </a:ext>
-              </a:extLst>
-            </p:cNvPr>
-            <p:cNvPicPr>
-              <a:picLocks noChangeAspect="1"/>
-            </p:cNvPicPr>
-            <p:nvPr/>
-          </p:nvPicPr>
-          <p:blipFill>
-            <a:blip r:embed="rId4">
-              <a:extLst>
-                <a:ext uri="{96DAC541-7B7A-43D3-8B79-37D633B846F1}">
-                  <asvg:svgBlip xmlns:asvg="http://schemas.microsoft.com/office/drawing/2016/SVG/main" r:embed="rId5"/>
-                </a:ext>
-              </a:extLst>
-            </a:blip>
-            <a:srcRect/>
-            <a:stretch/>
-          </p:blipFill>
-          <p:spPr>
-            <a:xfrm>
-              <a:off x="633047" y="4387693"/>
-              <a:ext cx="360000" cy="360000"/>
-            </a:xfrm>
-            <a:prstGeom prst="rect">
-              <a:avLst/>
-            </a:prstGeom>
-          </p:spPr>
-        </p:pic>
-        <p:pic>
-          <p:nvPicPr>
-            <p:cNvPr id="24" name="グラフィックス 23">
-              <a:extLst>
-                <a:ext uri="{FF2B5EF4-FFF2-40B4-BE49-F238E27FC236}">
-                  <a16:creationId xmlns:a16="http://schemas.microsoft.com/office/drawing/2014/main" id="{A9089DB6-3D8D-B8ED-75E1-A462088C8A70}"/>
-                </a:ext>
-              </a:extLst>
-            </p:cNvPr>
-            <p:cNvPicPr>
-              <a:picLocks noChangeAspect="1"/>
-            </p:cNvPicPr>
-            <p:nvPr/>
-          </p:nvPicPr>
-          <p:blipFill>
-            <a:blip r:embed="rId6">
-              <a:extLst>
-                <a:ext uri="{96DAC541-7B7A-43D3-8B79-37D633B846F1}">
-                  <asvg:svgBlip xmlns:asvg="http://schemas.microsoft.com/office/drawing/2016/SVG/main" r:embed="rId7"/>
-                </a:ext>
-              </a:extLst>
-            </a:blip>
-            <a:srcRect/>
-            <a:stretch/>
-          </p:blipFill>
-          <p:spPr>
-            <a:xfrm>
-              <a:off x="633047" y="4767789"/>
-              <a:ext cx="360000" cy="360000"/>
-            </a:xfrm>
-            <a:prstGeom prst="rect">
-              <a:avLst/>
-            </a:prstGeom>
-          </p:spPr>
-        </p:pic>
-        <p:pic>
-          <p:nvPicPr>
-            <p:cNvPr id="25" name="グラフィックス 24">
-              <a:extLst>
-                <a:ext uri="{FF2B5EF4-FFF2-40B4-BE49-F238E27FC236}">
-                  <a16:creationId xmlns:a16="http://schemas.microsoft.com/office/drawing/2014/main" id="{3249F8CD-CAD7-7F1B-E2BB-864423EC16CC}"/>
-                </a:ext>
-              </a:extLst>
-            </p:cNvPr>
-            <p:cNvPicPr>
-              <a:picLocks noChangeAspect="1"/>
-            </p:cNvPicPr>
-            <p:nvPr/>
-          </p:nvPicPr>
-          <p:blipFill>
-            <a:blip r:embed="rId8">
-              <a:extLst>
-                <a:ext uri="{96DAC541-7B7A-43D3-8B79-37D633B846F1}">
-                  <asvg:svgBlip xmlns:asvg="http://schemas.microsoft.com/office/drawing/2016/SVG/main" r:embed="rId9"/>
-                </a:ext>
-              </a:extLst>
-            </a:blip>
-            <a:srcRect/>
-            <a:stretch/>
-          </p:blipFill>
-          <p:spPr>
-            <a:xfrm>
-              <a:off x="633047" y="5469949"/>
-              <a:ext cx="360000" cy="360000"/>
-            </a:xfrm>
-            <a:prstGeom prst="rect">
-              <a:avLst/>
-            </a:prstGeom>
-          </p:spPr>
-        </p:pic>
-        <p:pic>
-          <p:nvPicPr>
-            <p:cNvPr id="26" name="グラフィックス 25">
-              <a:extLst>
-                <a:ext uri="{FF2B5EF4-FFF2-40B4-BE49-F238E27FC236}">
-                  <a16:creationId xmlns:a16="http://schemas.microsoft.com/office/drawing/2014/main" id="{5F418B13-FFA6-807C-4553-BC4209BA1D78}"/>
-                </a:ext>
-              </a:extLst>
-            </p:cNvPr>
-            <p:cNvPicPr>
-              <a:picLocks noChangeAspect="1"/>
-            </p:cNvPicPr>
-            <p:nvPr/>
-          </p:nvPicPr>
-          <p:blipFill>
-            <a:blip r:embed="rId10">
-              <a:extLst>
-                <a:ext uri="{96DAC541-7B7A-43D3-8B79-37D633B846F1}">
-                  <asvg:svgBlip xmlns:asvg="http://schemas.microsoft.com/office/drawing/2016/SVG/main" r:embed="rId11"/>
-                </a:ext>
-              </a:extLst>
-            </a:blip>
-            <a:srcRect/>
-            <a:stretch/>
-          </p:blipFill>
-          <p:spPr>
-            <a:xfrm>
-              <a:off x="632177" y="5850045"/>
-              <a:ext cx="360000" cy="360000"/>
-            </a:xfrm>
-            <a:prstGeom prst="rect">
-              <a:avLst/>
-            </a:prstGeom>
-          </p:spPr>
-        </p:pic>
-        <p:pic>
-          <p:nvPicPr>
-            <p:cNvPr id="27" name="グラフィックス 26">
-              <a:extLst>
-                <a:ext uri="{FF2B5EF4-FFF2-40B4-BE49-F238E27FC236}">
-                  <a16:creationId xmlns:a16="http://schemas.microsoft.com/office/drawing/2014/main" id="{8EA172B0-8971-E567-5B5E-57E1088DCD63}"/>
-                </a:ext>
-              </a:extLst>
-            </p:cNvPr>
-            <p:cNvPicPr>
-              <a:picLocks noChangeAspect="1"/>
-            </p:cNvPicPr>
-            <p:nvPr/>
-          </p:nvPicPr>
-          <p:blipFill>
-            <a:blip r:embed="rId12">
-              <a:extLst>
-                <a:ext uri="{96DAC541-7B7A-43D3-8B79-37D633B846F1}">
-                  <asvg:svgBlip xmlns:asvg="http://schemas.microsoft.com/office/drawing/2016/SVG/main" r:embed="rId13"/>
-                </a:ext>
-              </a:extLst>
-            </a:blip>
-            <a:srcRect/>
-            <a:stretch/>
-          </p:blipFill>
-          <p:spPr>
-            <a:xfrm>
-              <a:off x="633047" y="5147884"/>
-              <a:ext cx="360000" cy="360000"/>
-            </a:xfrm>
-            <a:prstGeom prst="rect">
-              <a:avLst/>
-            </a:prstGeom>
-          </p:spPr>
-        </p:pic>
-        <p:sp>
-          <p:nvSpPr>
-            <p:cNvPr id="28" name="正方形/長方形 27">
-              <a:extLst>
-                <a:ext uri="{FF2B5EF4-FFF2-40B4-BE49-F238E27FC236}">
-                  <a16:creationId xmlns:a16="http://schemas.microsoft.com/office/drawing/2014/main" id="{36BB981A-E952-6225-0A98-C6341D3CEFDE}"/>
-                </a:ext>
-              </a:extLst>
-            </p:cNvPr>
-            <p:cNvSpPr/>
-            <p:nvPr/>
-          </p:nvSpPr>
-          <p:spPr>
-            <a:xfrm>
-              <a:off x="992177" y="4387693"/>
-              <a:ext cx="5925918" cy="360000"/>
-            </a:xfrm>
-            <a:prstGeom prst="rect">
-              <a:avLst/>
-            </a:prstGeom>
+          <a:prstGeom prst="rect">
+            <a:avLst/>
+          </a:prstGeom>
+        </p:spPr>
+      </p:pic>
+      <p:pic>
+        <p:nvPicPr>
+          <p:cNvPr id="24" name="グラフィックス 23">
+            <a:extLst>
+              <a:ext uri="{FF2B5EF4-FFF2-40B4-BE49-F238E27FC236}">
+                <a16:creationId xmlns:a16="http://schemas.microsoft.com/office/drawing/2014/main" id="{A9089DB6-3D8D-B8ED-75E1-A462088C8A70}"/>
+              </a:ext>
+            </a:extLst>
+          </p:cNvPr>
+          <p:cNvPicPr>
+            <a:picLocks noChangeAspect="1"/>
+          </p:cNvPicPr>
+          <p:nvPr/>
+        </p:nvPicPr>
+        <p:blipFill>
+          <a:blip r:embed="rId6">
+            <a:extLst>
+              <a:ext uri="{96DAC541-7B7A-43D3-8B79-37D633B846F1}">
+                <asvg:svgBlip xmlns:asvg="http://schemas.microsoft.com/office/drawing/2016/SVG/main" r:embed="rId7"/>
+              </a:ext>
+            </a:extLst>
+          </a:blip>
+          <a:srcRect/>
+          <a:stretch/>
+        </p:blipFill>
+        <p:spPr>
+          <a:xfrm>
+            <a:off x="720870" y="4689050"/>
+            <a:ext cx="360000" cy="360000"/>
+          </a:xfrm>
+          <a:prstGeom prst="rect">
+            <a:avLst/>
+          </a:prstGeom>
+        </p:spPr>
+      </p:pic>
+      <p:pic>
+        <p:nvPicPr>
+          <p:cNvPr id="25" name="グラフィックス 24">
+            <a:extLst>
+              <a:ext uri="{FF2B5EF4-FFF2-40B4-BE49-F238E27FC236}">
+                <a16:creationId xmlns:a16="http://schemas.microsoft.com/office/drawing/2014/main" id="{3249F8CD-CAD7-7F1B-E2BB-864423EC16CC}"/>
+              </a:ext>
+            </a:extLst>
+          </p:cNvPr>
+          <p:cNvPicPr>
+            <a:picLocks noChangeAspect="1"/>
+          </p:cNvPicPr>
+          <p:nvPr/>
+        </p:nvPicPr>
+        <p:blipFill>
+          <a:blip r:embed="rId8">
+            <a:extLst>
+              <a:ext uri="{96DAC541-7B7A-43D3-8B79-37D633B846F1}">
+                <asvg:svgBlip xmlns:asvg="http://schemas.microsoft.com/office/drawing/2016/SVG/main" r:embed="rId9"/>
+              </a:ext>
+            </a:extLst>
+          </a:blip>
+          <a:srcRect/>
+          <a:stretch/>
+        </p:blipFill>
+        <p:spPr>
+          <a:xfrm>
+            <a:off x="720870" y="5391210"/>
+            <a:ext cx="360000" cy="360000"/>
+          </a:xfrm>
+          <a:prstGeom prst="rect">
+            <a:avLst/>
+          </a:prstGeom>
+        </p:spPr>
+      </p:pic>
+      <p:pic>
+        <p:nvPicPr>
+          <p:cNvPr id="26" name="グラフィックス 25">
+            <a:extLst>
+              <a:ext uri="{FF2B5EF4-FFF2-40B4-BE49-F238E27FC236}">
+                <a16:creationId xmlns:a16="http://schemas.microsoft.com/office/drawing/2014/main" id="{5F418B13-FFA6-807C-4553-BC4209BA1D78}"/>
+              </a:ext>
+            </a:extLst>
+          </p:cNvPr>
+          <p:cNvPicPr>
+            <a:picLocks noChangeAspect="1"/>
+          </p:cNvPicPr>
+          <p:nvPr/>
+        </p:nvPicPr>
+        <p:blipFill>
+          <a:blip r:embed="rId10">
+            <a:extLst>
+              <a:ext uri="{96DAC541-7B7A-43D3-8B79-37D633B846F1}">
+                <asvg:svgBlip xmlns:asvg="http://schemas.microsoft.com/office/drawing/2016/SVG/main" r:embed="rId11"/>
+              </a:ext>
+            </a:extLst>
+          </a:blip>
+          <a:srcRect/>
+          <a:stretch/>
+        </p:blipFill>
+        <p:spPr>
+          <a:xfrm>
+            <a:off x="720000" y="5771306"/>
+            <a:ext cx="360000" cy="360000"/>
+          </a:xfrm>
+          <a:prstGeom prst="rect">
+            <a:avLst/>
+          </a:prstGeom>
+        </p:spPr>
+      </p:pic>
+      <p:pic>
+        <p:nvPicPr>
+          <p:cNvPr id="27" name="グラフィックス 26">
+            <a:extLst>
+              <a:ext uri="{FF2B5EF4-FFF2-40B4-BE49-F238E27FC236}">
+                <a16:creationId xmlns:a16="http://schemas.microsoft.com/office/drawing/2014/main" id="{8EA172B0-8971-E567-5B5E-57E1088DCD63}"/>
+              </a:ext>
+            </a:extLst>
+          </p:cNvPr>
+          <p:cNvPicPr>
+            <a:picLocks noChangeAspect="1"/>
+          </p:cNvPicPr>
+          <p:nvPr/>
+        </p:nvPicPr>
+        <p:blipFill>
+          <a:blip r:embed="rId12">
+            <a:extLst>
+              <a:ext uri="{96DAC541-7B7A-43D3-8B79-37D633B846F1}">
+                <asvg:svgBlip xmlns:asvg="http://schemas.microsoft.com/office/drawing/2016/SVG/main" r:embed="rId13"/>
+              </a:ext>
+            </a:extLst>
+          </a:blip>
+          <a:srcRect/>
+          <a:stretch/>
+        </p:blipFill>
+        <p:spPr>
+          <a:xfrm>
+            <a:off x="720870" y="5069145"/>
+            <a:ext cx="360000" cy="360000"/>
+          </a:xfrm>
+          <a:prstGeom prst="rect">
+            <a:avLst/>
+          </a:prstGeom>
+        </p:spPr>
+      </p:pic>
+      <p:sp>
+        <p:nvSpPr>
+          <p:cNvPr id="28" name="正方形/長方形 27">
+            <a:extLst>
+              <a:ext uri="{FF2B5EF4-FFF2-40B4-BE49-F238E27FC236}">
+                <a16:creationId xmlns:a16="http://schemas.microsoft.com/office/drawing/2014/main" id="{36BB981A-E952-6225-0A98-C6341D3CEFDE}"/>
+              </a:ext>
+            </a:extLst>
+          </p:cNvPr>
+          <p:cNvSpPr/>
+          <p:nvPr/>
+        </p:nvSpPr>
+        <p:spPr>
+          <a:xfrm>
+            <a:off x="1080000" y="4308954"/>
+            <a:ext cx="5925918" cy="360000"/>
+          </a:xfrm>
+          <a:prstGeom prst="rect">
+            <a:avLst/>
+          </a:prstGeom>
+          <a:noFill/>
+          <a:ln>
             <a:noFill/>
-            <a:ln>
-              <a:noFill/>
-            </a:ln>
-          </p:spPr>
-          <p:style>
-            <a:lnRef idx="2">
-              <a:schemeClr val="accent1">
-                <a:shade val="15000"/>
-              </a:schemeClr>
-            </a:lnRef>
-            <a:fillRef idx="1">
-              <a:schemeClr val="accent1"/>
-            </a:fillRef>
-            <a:effectRef idx="0">
-              <a:schemeClr val="accent1"/>
-            </a:effectRef>
-            <a:fontRef idx="minor">
-              <a:schemeClr val="lt1"/>
-            </a:fontRef>
-          </p:style>
-          <p:txBody>
-            <a:bodyPr rtlCol="0" anchor="ctr"/>
-            <a:lstStyle/>
-            <a:p>
-              <a:r>
-                <a:rPr kumimoji="1" lang="ja-JP" altLang="en-US" sz="1400">
-                  <a:solidFill>
-                    <a:srgbClr val="323232"/>
-                  </a:solidFill>
-                  <a:latin typeface="Yu Gothic" panose="020B0400000000000000" pitchFamily="34" charset="-128"/>
-                  <a:ea typeface="Yu Gothic" panose="020B0400000000000000" pitchFamily="34" charset="-128"/>
-                </a:rPr>
-                <a:t>静岡大学大学院</a:t>
-              </a:r>
-              <a:r>
-                <a:rPr kumimoji="1" lang="en-US" altLang="ja-JP" sz="1400" dirty="0">
-                  <a:solidFill>
-                    <a:srgbClr val="323232"/>
-                  </a:solidFill>
-                  <a:latin typeface="Yu Gothic" panose="020B0400000000000000" pitchFamily="34" charset="-128"/>
-                  <a:ea typeface="Yu Gothic" panose="020B0400000000000000" pitchFamily="34" charset="-128"/>
-                </a:rPr>
-                <a:t> </a:t>
-              </a:r>
-              <a:r>
-                <a:rPr kumimoji="1" lang="ja-JP" altLang="en-US" sz="1400">
-                  <a:solidFill>
-                    <a:srgbClr val="323232"/>
-                  </a:solidFill>
-                  <a:latin typeface="Yu Gothic" panose="020B0400000000000000" pitchFamily="34" charset="-128"/>
-                  <a:ea typeface="Yu Gothic" panose="020B0400000000000000" pitchFamily="34" charset="-128"/>
-                </a:rPr>
-                <a:t>総合科学技術研究科</a:t>
-              </a:r>
-              <a:r>
-                <a:rPr kumimoji="1" lang="en-US" altLang="ja-JP" sz="1400" dirty="0">
-                  <a:solidFill>
-                    <a:srgbClr val="323232"/>
-                  </a:solidFill>
-                  <a:latin typeface="Yu Gothic" panose="020B0400000000000000" pitchFamily="34" charset="-128"/>
-                  <a:ea typeface="Yu Gothic" panose="020B0400000000000000" pitchFamily="34" charset="-128"/>
-                </a:rPr>
-                <a:t> </a:t>
-              </a:r>
-              <a:r>
-                <a:rPr kumimoji="1" lang="ja-JP" altLang="en-US" sz="1400">
-                  <a:solidFill>
-                    <a:srgbClr val="323232"/>
-                  </a:solidFill>
-                  <a:latin typeface="Yu Gothic" panose="020B0400000000000000" pitchFamily="34" charset="-128"/>
-                  <a:ea typeface="Yu Gothic" panose="020B0400000000000000" pitchFamily="34" charset="-128"/>
-                </a:rPr>
-                <a:t>認知的コミュニケーション研究室</a:t>
-              </a:r>
-            </a:p>
-          </p:txBody>
-        </p:sp>
-        <p:sp>
-          <p:nvSpPr>
-            <p:cNvPr id="29" name="正方形/長方形 28">
-              <a:extLst>
-                <a:ext uri="{FF2B5EF4-FFF2-40B4-BE49-F238E27FC236}">
-                  <a16:creationId xmlns:a16="http://schemas.microsoft.com/office/drawing/2014/main" id="{8DC38EF7-5548-F959-64B1-E3BC4BA54357}"/>
-                </a:ext>
-              </a:extLst>
-            </p:cNvPr>
-            <p:cNvSpPr/>
-            <p:nvPr/>
-          </p:nvSpPr>
-          <p:spPr>
-            <a:xfrm>
-              <a:off x="992177" y="4767789"/>
-              <a:ext cx="5925918" cy="360000"/>
-            </a:xfrm>
-            <a:prstGeom prst="rect">
-              <a:avLst/>
-            </a:prstGeom>
-            <a:noFill/>
-            <a:ln>
-              <a:noFill/>
-            </a:ln>
-          </p:spPr>
-          <p:style>
-            <a:lnRef idx="2">
-              <a:schemeClr val="accent1">
-                <a:shade val="15000"/>
-              </a:schemeClr>
-            </a:lnRef>
-            <a:fillRef idx="1">
-              <a:schemeClr val="accent1"/>
-            </a:fillRef>
-            <a:effectRef idx="0">
-              <a:schemeClr val="accent1"/>
-            </a:effectRef>
-            <a:fontRef idx="minor">
-              <a:schemeClr val="lt1"/>
-            </a:fontRef>
-          </p:style>
-          <p:txBody>
-            <a:bodyPr rtlCol="0" anchor="ctr"/>
-            <a:lstStyle/>
-            <a:p>
-              <a:r>
-                <a:rPr kumimoji="1" lang="ja-JP" altLang="en-US" sz="1400">
-                  <a:solidFill>
-                    <a:srgbClr val="323232"/>
-                  </a:solidFill>
-                  <a:latin typeface="Yu Gothic" panose="020B0400000000000000" pitchFamily="34" charset="-128"/>
-                  <a:ea typeface="Yu Gothic" panose="020B0400000000000000" pitchFamily="34" charset="-128"/>
-                </a:rPr>
-                <a:t>〒</a:t>
-              </a:r>
-              <a:r>
-                <a:rPr kumimoji="1" lang="en-US" altLang="ja-JP" sz="1400" dirty="0">
-                  <a:solidFill>
-                    <a:srgbClr val="323232"/>
-                  </a:solidFill>
-                  <a:latin typeface="Yu Gothic" panose="020B0400000000000000" pitchFamily="34" charset="-128"/>
-                  <a:ea typeface="Yu Gothic" panose="020B0400000000000000" pitchFamily="34" charset="-128"/>
-                </a:rPr>
-                <a:t>432-8011 </a:t>
-              </a:r>
-              <a:r>
-                <a:rPr kumimoji="1" lang="ja-JP" altLang="en-US" sz="1400">
-                  <a:solidFill>
-                    <a:srgbClr val="323232"/>
-                  </a:solidFill>
-                  <a:latin typeface="Yu Gothic" panose="020B0400000000000000" pitchFamily="34" charset="-128"/>
-                  <a:ea typeface="Yu Gothic" panose="020B0400000000000000" pitchFamily="34" charset="-128"/>
-                </a:rPr>
-                <a:t>静岡県浜松市中区城北</a:t>
-              </a:r>
-              <a:r>
-                <a:rPr kumimoji="1" lang="en-US" altLang="ja-JP" sz="1400" dirty="0">
-                  <a:solidFill>
-                    <a:srgbClr val="323232"/>
-                  </a:solidFill>
-                  <a:latin typeface="Yu Gothic" panose="020B0400000000000000" pitchFamily="34" charset="-128"/>
-                  <a:ea typeface="Yu Gothic" panose="020B0400000000000000" pitchFamily="34" charset="-128"/>
-                </a:rPr>
-                <a:t>3-5-1 </a:t>
-              </a:r>
-              <a:r>
-                <a:rPr kumimoji="1" lang="ja-JP" altLang="en-US" sz="1400">
-                  <a:solidFill>
-                    <a:srgbClr val="323232"/>
-                  </a:solidFill>
-                  <a:latin typeface="Yu Gothic" panose="020B0400000000000000" pitchFamily="34" charset="-128"/>
-                  <a:ea typeface="Yu Gothic" panose="020B0400000000000000" pitchFamily="34" charset="-128"/>
-                </a:rPr>
-                <a:t>静岡大学浜松キャンパス</a:t>
-              </a:r>
-            </a:p>
-          </p:txBody>
-        </p:sp>
-        <p:sp>
-          <p:nvSpPr>
-            <p:cNvPr id="30" name="正方形/長方形 29">
-              <a:extLst>
-                <a:ext uri="{FF2B5EF4-FFF2-40B4-BE49-F238E27FC236}">
-                  <a16:creationId xmlns:a16="http://schemas.microsoft.com/office/drawing/2014/main" id="{4ADBFF52-46C6-336B-AC3E-0478F7A04414}"/>
-                </a:ext>
-              </a:extLst>
-            </p:cNvPr>
-            <p:cNvSpPr/>
-            <p:nvPr/>
-          </p:nvSpPr>
-          <p:spPr>
-            <a:xfrm>
-              <a:off x="992177" y="5147884"/>
-              <a:ext cx="2184611" cy="360000"/>
-            </a:xfrm>
-            <a:prstGeom prst="rect">
-              <a:avLst/>
-            </a:prstGeom>
-            <a:noFill/>
-            <a:ln>
-              <a:noFill/>
-            </a:ln>
-          </p:spPr>
-          <p:style>
-            <a:lnRef idx="2">
-              <a:schemeClr val="accent1">
-                <a:shade val="15000"/>
-              </a:schemeClr>
-            </a:lnRef>
-            <a:fillRef idx="1">
-              <a:schemeClr val="accent1"/>
-            </a:fillRef>
-            <a:effectRef idx="0">
-              <a:schemeClr val="accent1"/>
-            </a:effectRef>
-            <a:fontRef idx="minor">
-              <a:schemeClr val="lt1"/>
-            </a:fontRef>
-          </p:style>
-          <p:txBody>
-            <a:bodyPr rtlCol="0" anchor="ctr"/>
-            <a:lstStyle/>
-            <a:p>
-              <a:r>
-                <a:rPr kumimoji="1" lang="en-US" altLang="ja-JP" sz="1400" dirty="0">
-                  <a:solidFill>
-                    <a:srgbClr val="323232"/>
-                  </a:solidFill>
-                  <a:latin typeface="Yu Gothic" panose="020B0400000000000000" pitchFamily="34" charset="-128"/>
-                  <a:ea typeface="Yu Gothic" panose="020B0400000000000000" pitchFamily="34" charset="-128"/>
-                </a:rPr>
-                <a:t>080-1590-6189</a:t>
-              </a:r>
-              <a:endParaRPr kumimoji="1" lang="ja-JP" altLang="en-US" sz="1400">
+          </a:ln>
+        </p:spPr>
+        <p:style>
+          <a:lnRef idx="2">
+            <a:schemeClr val="accent1">
+              <a:shade val="15000"/>
+            </a:schemeClr>
+          </a:lnRef>
+          <a:fillRef idx="1">
+            <a:schemeClr val="accent1"/>
+          </a:fillRef>
+          <a:effectRef idx="0">
+            <a:schemeClr val="accent1"/>
+          </a:effectRef>
+          <a:fontRef idx="minor">
+            <a:schemeClr val="lt1"/>
+          </a:fontRef>
+        </p:style>
+        <p:txBody>
+          <a:bodyPr rtlCol="0" anchor="ctr"/>
+          <a:lstStyle/>
+          <a:p>
+            <a:r>
+              <a:rPr kumimoji="1" lang="ja-JP" altLang="en-US" sz="1400">
                 <a:solidFill>
                   <a:srgbClr val="323232"/>
                 </a:solidFill>
                 <a:latin typeface="Yu Gothic" panose="020B0400000000000000" pitchFamily="34" charset="-128"/>
                 <a:ea typeface="Yu Gothic" panose="020B0400000000000000" pitchFamily="34" charset="-128"/>
-              </a:endParaRPr>
-            </a:p>
-          </p:txBody>
-        </p:sp>
-        <p:sp>
-          <p:nvSpPr>
-            <p:cNvPr id="31" name="正方形/長方形 30">
-              <a:extLst>
-                <a:ext uri="{FF2B5EF4-FFF2-40B4-BE49-F238E27FC236}">
-                  <a16:creationId xmlns:a16="http://schemas.microsoft.com/office/drawing/2014/main" id="{64134785-DC12-EF74-25B7-1582113EA464}"/>
-                </a:ext>
-              </a:extLst>
-            </p:cNvPr>
-            <p:cNvSpPr/>
-            <p:nvPr/>
-          </p:nvSpPr>
-          <p:spPr>
-            <a:xfrm>
-              <a:off x="993047" y="5469949"/>
-              <a:ext cx="4677925" cy="360000"/>
-            </a:xfrm>
-            <a:prstGeom prst="rect">
-              <a:avLst/>
-            </a:prstGeom>
-            <a:noFill/>
-            <a:ln>
-              <a:noFill/>
-            </a:ln>
-          </p:spPr>
-          <p:style>
-            <a:lnRef idx="2">
-              <a:schemeClr val="accent1">
-                <a:shade val="15000"/>
-              </a:schemeClr>
-            </a:lnRef>
-            <a:fillRef idx="1">
-              <a:schemeClr val="accent1"/>
-            </a:fillRef>
-            <a:effectRef idx="0">
-              <a:schemeClr val="accent1"/>
-            </a:effectRef>
-            <a:fontRef idx="minor">
-              <a:schemeClr val="lt1"/>
-            </a:fontRef>
-          </p:style>
-          <p:txBody>
-            <a:bodyPr rtlCol="0" anchor="ctr"/>
-            <a:lstStyle/>
-            <a:p>
-              <a:r>
-                <a:rPr kumimoji="1" lang="en-US" altLang="ja-JP" sz="1400" dirty="0">
-                  <a:solidFill>
-                    <a:srgbClr val="323232"/>
-                  </a:solidFill>
-                  <a:latin typeface="Yu Gothic" panose="020B0400000000000000" pitchFamily="34" charset="-128"/>
-                  <a:ea typeface="Yu Gothic" panose="020B0400000000000000" pitchFamily="34" charset="-128"/>
-                </a:rPr>
-                <a:t>ichikawa.masanari.18@shizuoka.ac.jp</a:t>
-              </a:r>
-              <a:endParaRPr kumimoji="1" lang="ja-JP" altLang="en-US" sz="1400">
+              </a:rPr>
+              <a:t>静岡大学大学院</a:t>
+            </a:r>
+            <a:r>
+              <a:rPr kumimoji="1" lang="en-US" altLang="ja-JP" sz="1400" dirty="0">
                 <a:solidFill>
                   <a:srgbClr val="323232"/>
                 </a:solidFill>
                 <a:latin typeface="Yu Gothic" panose="020B0400000000000000" pitchFamily="34" charset="-128"/>
                 <a:ea typeface="Yu Gothic" panose="020B0400000000000000" pitchFamily="34" charset="-128"/>
-              </a:endParaRPr>
-            </a:p>
-          </p:txBody>
-        </p:sp>
-        <p:sp>
-          <p:nvSpPr>
-            <p:cNvPr id="32" name="正方形/長方形 31">
-              <a:extLst>
-                <a:ext uri="{FF2B5EF4-FFF2-40B4-BE49-F238E27FC236}">
-                  <a16:creationId xmlns:a16="http://schemas.microsoft.com/office/drawing/2014/main" id="{EA986BD9-00F0-F245-F8E0-1E472116D0EB}"/>
-                </a:ext>
-              </a:extLst>
-            </p:cNvPr>
-            <p:cNvSpPr/>
-            <p:nvPr/>
-          </p:nvSpPr>
-          <p:spPr>
-            <a:xfrm>
-              <a:off x="992177" y="5850045"/>
-              <a:ext cx="5418671" cy="360000"/>
-            </a:xfrm>
-            <a:prstGeom prst="rect">
-              <a:avLst/>
-            </a:prstGeom>
-            <a:noFill/>
-            <a:ln>
-              <a:noFill/>
-            </a:ln>
-          </p:spPr>
-          <p:style>
-            <a:lnRef idx="2">
-              <a:schemeClr val="accent1">
-                <a:shade val="15000"/>
-              </a:schemeClr>
-            </a:lnRef>
-            <a:fillRef idx="1">
-              <a:schemeClr val="accent1"/>
-            </a:fillRef>
-            <a:effectRef idx="0">
-              <a:schemeClr val="accent1"/>
-            </a:effectRef>
-            <a:fontRef idx="minor">
-              <a:schemeClr val="lt1"/>
-            </a:fontRef>
-          </p:style>
-          <p:txBody>
-            <a:bodyPr rtlCol="0" anchor="ctr"/>
-            <a:lstStyle/>
-            <a:p>
-              <a:r>
-                <a:rPr kumimoji="1" lang="en-US" altLang="ja-JP" sz="1400" dirty="0" err="1">
-                  <a:solidFill>
-                    <a:srgbClr val="323232"/>
-                  </a:solidFill>
-                  <a:latin typeface="Yu Gothic" panose="020B0400000000000000" pitchFamily="34" charset="-128"/>
-                  <a:ea typeface="Yu Gothic" panose="020B0400000000000000" pitchFamily="34" charset="-128"/>
-                </a:rPr>
-                <a:t>masanarius.github.io</a:t>
-              </a:r>
-              <a:endParaRPr kumimoji="1" lang="ja-JP" altLang="en-US" sz="1400">
+              </a:rPr>
+              <a:t> </a:t>
+            </a:r>
+            <a:r>
+              <a:rPr kumimoji="1" lang="ja-JP" altLang="en-US" sz="1400">
                 <a:solidFill>
                   <a:srgbClr val="323232"/>
                 </a:solidFill>
                 <a:latin typeface="Yu Gothic" panose="020B0400000000000000" pitchFamily="34" charset="-128"/>
                 <a:ea typeface="Yu Gothic" panose="020B0400000000000000" pitchFamily="34" charset="-128"/>
-              </a:endParaRPr>
-            </a:p>
-          </p:txBody>
-        </p:sp>
-      </p:grpSp>
+              </a:rPr>
+              <a:t>自然科学系教育部 </a:t>
+            </a:r>
+            <a:r>
+              <a:rPr kumimoji="1" lang="en-US" altLang="ja-JP" sz="1400" dirty="0">
+                <a:solidFill>
+                  <a:srgbClr val="323232"/>
+                </a:solidFill>
+                <a:latin typeface="Yu Gothic" panose="020B0400000000000000" pitchFamily="34" charset="-128"/>
+                <a:ea typeface="Yu Gothic" panose="020B0400000000000000" pitchFamily="34" charset="-128"/>
+              </a:rPr>
+              <a:t>/ </a:t>
+            </a:r>
+            <a:r>
+              <a:rPr kumimoji="1" lang="ja-JP" altLang="en-US" sz="1400">
+                <a:solidFill>
+                  <a:srgbClr val="323232"/>
+                </a:solidFill>
+                <a:latin typeface="Yu Gothic" panose="020B0400000000000000" pitchFamily="34" charset="-128"/>
+                <a:ea typeface="Yu Gothic" panose="020B0400000000000000" pitchFamily="34" charset="-128"/>
+              </a:rPr>
+              <a:t>認知的コミュニケーション研究室</a:t>
+            </a:r>
+          </a:p>
+        </p:txBody>
+      </p:sp>
+      <p:sp>
+        <p:nvSpPr>
+          <p:cNvPr id="29" name="正方形/長方形 28">
+            <a:extLst>
+              <a:ext uri="{FF2B5EF4-FFF2-40B4-BE49-F238E27FC236}">
+                <a16:creationId xmlns:a16="http://schemas.microsoft.com/office/drawing/2014/main" id="{8DC38EF7-5548-F959-64B1-E3BC4BA54357}"/>
+              </a:ext>
+            </a:extLst>
+          </p:cNvPr>
+          <p:cNvSpPr/>
+          <p:nvPr/>
+        </p:nvSpPr>
+        <p:spPr>
+          <a:xfrm>
+            <a:off x="1080000" y="4689050"/>
+            <a:ext cx="5925918" cy="360000"/>
+          </a:xfrm>
+          <a:prstGeom prst="rect">
+            <a:avLst/>
+          </a:prstGeom>
+          <a:noFill/>
+          <a:ln>
+            <a:noFill/>
+          </a:ln>
+        </p:spPr>
+        <p:style>
+          <a:lnRef idx="2">
+            <a:schemeClr val="accent1">
+              <a:shade val="15000"/>
+            </a:schemeClr>
+          </a:lnRef>
+          <a:fillRef idx="1">
+            <a:schemeClr val="accent1"/>
+          </a:fillRef>
+          <a:effectRef idx="0">
+            <a:schemeClr val="accent1"/>
+          </a:effectRef>
+          <a:fontRef idx="minor">
+            <a:schemeClr val="lt1"/>
+          </a:fontRef>
+        </p:style>
+        <p:txBody>
+          <a:bodyPr rtlCol="0" anchor="ctr"/>
+          <a:lstStyle/>
+          <a:p>
+            <a:r>
+              <a:rPr kumimoji="1" lang="ja-JP" altLang="en-US" sz="1400">
+                <a:solidFill>
+                  <a:srgbClr val="323232"/>
+                </a:solidFill>
+                <a:latin typeface="Yu Gothic" panose="020B0400000000000000" pitchFamily="34" charset="-128"/>
+                <a:ea typeface="Yu Gothic" panose="020B0400000000000000" pitchFamily="34" charset="-128"/>
+              </a:rPr>
+              <a:t>〒</a:t>
+            </a:r>
+            <a:r>
+              <a:rPr kumimoji="1" lang="en-US" altLang="ja-JP" sz="1400" dirty="0">
+                <a:solidFill>
+                  <a:srgbClr val="323232"/>
+                </a:solidFill>
+                <a:latin typeface="Yu Gothic" panose="020B0400000000000000" pitchFamily="34" charset="-128"/>
+                <a:ea typeface="Yu Gothic" panose="020B0400000000000000" pitchFamily="34" charset="-128"/>
+              </a:rPr>
+              <a:t>432-8011 </a:t>
+            </a:r>
+            <a:r>
+              <a:rPr kumimoji="1" lang="ja-JP" altLang="en-US" sz="1400">
+                <a:solidFill>
+                  <a:srgbClr val="323232"/>
+                </a:solidFill>
+                <a:latin typeface="Yu Gothic" panose="020B0400000000000000" pitchFamily="34" charset="-128"/>
+                <a:ea typeface="Yu Gothic" panose="020B0400000000000000" pitchFamily="34" charset="-128"/>
+              </a:rPr>
+              <a:t>静岡県浜松市中央区城北</a:t>
+            </a:r>
+            <a:r>
+              <a:rPr kumimoji="1" lang="en-US" altLang="ja-JP" sz="1400" dirty="0">
+                <a:solidFill>
+                  <a:srgbClr val="323232"/>
+                </a:solidFill>
+                <a:latin typeface="Yu Gothic" panose="020B0400000000000000" pitchFamily="34" charset="-128"/>
+                <a:ea typeface="Yu Gothic" panose="020B0400000000000000" pitchFamily="34" charset="-128"/>
+              </a:rPr>
+              <a:t>3-5-1 </a:t>
+            </a:r>
+            <a:r>
+              <a:rPr kumimoji="1" lang="ja-JP" altLang="en-US" sz="1400">
+                <a:solidFill>
+                  <a:srgbClr val="323232"/>
+                </a:solidFill>
+                <a:latin typeface="Yu Gothic" panose="020B0400000000000000" pitchFamily="34" charset="-128"/>
+                <a:ea typeface="Yu Gothic" panose="020B0400000000000000" pitchFamily="34" charset="-128"/>
+              </a:rPr>
+              <a:t>静岡大学浜松キャンパス</a:t>
+            </a:r>
+          </a:p>
+        </p:txBody>
+      </p:sp>
+      <p:sp>
+        <p:nvSpPr>
+          <p:cNvPr id="30" name="正方形/長方形 29">
+            <a:extLst>
+              <a:ext uri="{FF2B5EF4-FFF2-40B4-BE49-F238E27FC236}">
+                <a16:creationId xmlns:a16="http://schemas.microsoft.com/office/drawing/2014/main" id="{4ADBFF52-46C6-336B-AC3E-0478F7A04414}"/>
+              </a:ext>
+            </a:extLst>
+          </p:cNvPr>
+          <p:cNvSpPr/>
+          <p:nvPr/>
+        </p:nvSpPr>
+        <p:spPr>
+          <a:xfrm>
+            <a:off x="1080000" y="5069145"/>
+            <a:ext cx="2184611" cy="360000"/>
+          </a:xfrm>
+          <a:prstGeom prst="rect">
+            <a:avLst/>
+          </a:prstGeom>
+          <a:noFill/>
+          <a:ln>
+            <a:noFill/>
+          </a:ln>
+        </p:spPr>
+        <p:style>
+          <a:lnRef idx="2">
+            <a:schemeClr val="accent1">
+              <a:shade val="15000"/>
+            </a:schemeClr>
+          </a:lnRef>
+          <a:fillRef idx="1">
+            <a:schemeClr val="accent1"/>
+          </a:fillRef>
+          <a:effectRef idx="0">
+            <a:schemeClr val="accent1"/>
+          </a:effectRef>
+          <a:fontRef idx="minor">
+            <a:schemeClr val="lt1"/>
+          </a:fontRef>
+        </p:style>
+        <p:txBody>
+          <a:bodyPr rtlCol="0" anchor="ctr"/>
+          <a:lstStyle/>
+          <a:p>
+            <a:r>
+              <a:rPr kumimoji="1" lang="en-US" altLang="ja-JP" sz="1400" dirty="0">
+                <a:solidFill>
+                  <a:srgbClr val="323232"/>
+                </a:solidFill>
+                <a:latin typeface="Yu Gothic" panose="020B0400000000000000" pitchFamily="34" charset="-128"/>
+                <a:ea typeface="Yu Gothic" panose="020B0400000000000000" pitchFamily="34" charset="-128"/>
+              </a:rPr>
+              <a:t>080-1590-6189</a:t>
+            </a:r>
+            <a:endParaRPr kumimoji="1" lang="ja-JP" altLang="en-US" sz="1400">
+              <a:solidFill>
+                <a:srgbClr val="323232"/>
+              </a:solidFill>
+              <a:latin typeface="Yu Gothic" panose="020B0400000000000000" pitchFamily="34" charset="-128"/>
+              <a:ea typeface="Yu Gothic" panose="020B0400000000000000" pitchFamily="34" charset="-128"/>
+            </a:endParaRPr>
+          </a:p>
+        </p:txBody>
+      </p:sp>
+      <p:sp>
+        <p:nvSpPr>
+          <p:cNvPr id="31" name="正方形/長方形 30">
+            <a:extLst>
+              <a:ext uri="{FF2B5EF4-FFF2-40B4-BE49-F238E27FC236}">
+                <a16:creationId xmlns:a16="http://schemas.microsoft.com/office/drawing/2014/main" id="{64134785-DC12-EF74-25B7-1582113EA464}"/>
+              </a:ext>
+            </a:extLst>
+          </p:cNvPr>
+          <p:cNvSpPr/>
+          <p:nvPr/>
+        </p:nvSpPr>
+        <p:spPr>
+          <a:xfrm>
+            <a:off x="1080870" y="5391210"/>
+            <a:ext cx="4677925" cy="360000"/>
+          </a:xfrm>
+          <a:prstGeom prst="rect">
+            <a:avLst/>
+          </a:prstGeom>
+          <a:noFill/>
+          <a:ln>
+            <a:noFill/>
+          </a:ln>
+        </p:spPr>
+        <p:style>
+          <a:lnRef idx="2">
+            <a:schemeClr val="accent1">
+              <a:shade val="15000"/>
+            </a:schemeClr>
+          </a:lnRef>
+          <a:fillRef idx="1">
+            <a:schemeClr val="accent1"/>
+          </a:fillRef>
+          <a:effectRef idx="0">
+            <a:schemeClr val="accent1"/>
+          </a:effectRef>
+          <a:fontRef idx="minor">
+            <a:schemeClr val="lt1"/>
+          </a:fontRef>
+        </p:style>
+        <p:txBody>
+          <a:bodyPr rtlCol="0" anchor="ctr"/>
+          <a:lstStyle/>
+          <a:p>
+            <a:r>
+              <a:rPr kumimoji="1" lang="en-US" altLang="ja-JP" sz="1400" dirty="0">
+                <a:solidFill>
+                  <a:srgbClr val="323232"/>
+                </a:solidFill>
+                <a:latin typeface="Yu Gothic" panose="020B0400000000000000" pitchFamily="34" charset="-128"/>
+                <a:ea typeface="Yu Gothic" panose="020B0400000000000000" pitchFamily="34" charset="-128"/>
+              </a:rPr>
+              <a:t>ichikawa.masanari.18@shizuoka.ac.jp</a:t>
+            </a:r>
+            <a:endParaRPr kumimoji="1" lang="ja-JP" altLang="en-US" sz="1400">
+              <a:solidFill>
+                <a:srgbClr val="323232"/>
+              </a:solidFill>
+              <a:latin typeface="Yu Gothic" panose="020B0400000000000000" pitchFamily="34" charset="-128"/>
+              <a:ea typeface="Yu Gothic" panose="020B0400000000000000" pitchFamily="34" charset="-128"/>
+            </a:endParaRPr>
+          </a:p>
+        </p:txBody>
+      </p:sp>
+      <p:sp>
+        <p:nvSpPr>
+          <p:cNvPr id="32" name="正方形/長方形 31">
+            <a:extLst>
+              <a:ext uri="{FF2B5EF4-FFF2-40B4-BE49-F238E27FC236}">
+                <a16:creationId xmlns:a16="http://schemas.microsoft.com/office/drawing/2014/main" id="{EA986BD9-00F0-F245-F8E0-1E472116D0EB}"/>
+              </a:ext>
+            </a:extLst>
+          </p:cNvPr>
+          <p:cNvSpPr/>
+          <p:nvPr/>
+        </p:nvSpPr>
+        <p:spPr>
+          <a:xfrm>
+            <a:off x="1080000" y="5771306"/>
+            <a:ext cx="5418671" cy="360000"/>
+          </a:xfrm>
+          <a:prstGeom prst="rect">
+            <a:avLst/>
+          </a:prstGeom>
+          <a:noFill/>
+          <a:ln>
+            <a:noFill/>
+          </a:ln>
+        </p:spPr>
+        <p:style>
+          <a:lnRef idx="2">
+            <a:schemeClr val="accent1">
+              <a:shade val="15000"/>
+            </a:schemeClr>
+          </a:lnRef>
+          <a:fillRef idx="1">
+            <a:schemeClr val="accent1"/>
+          </a:fillRef>
+          <a:effectRef idx="0">
+            <a:schemeClr val="accent1"/>
+          </a:effectRef>
+          <a:fontRef idx="minor">
+            <a:schemeClr val="lt1"/>
+          </a:fontRef>
+        </p:style>
+        <p:txBody>
+          <a:bodyPr rtlCol="0" anchor="ctr"/>
+          <a:lstStyle/>
+          <a:p>
+            <a:r>
+              <a:rPr kumimoji="1" lang="en-US" altLang="ja-JP" sz="1400" dirty="0" err="1">
+                <a:solidFill>
+                  <a:srgbClr val="323232"/>
+                </a:solidFill>
+                <a:latin typeface="Yu Gothic" panose="020B0400000000000000" pitchFamily="34" charset="-128"/>
+                <a:ea typeface="Yu Gothic" panose="020B0400000000000000" pitchFamily="34" charset="-128"/>
+              </a:rPr>
+              <a:t>masanarius.github.io</a:t>
+            </a:r>
+            <a:endParaRPr kumimoji="1" lang="ja-JP" altLang="en-US" sz="1400">
+              <a:solidFill>
+                <a:srgbClr val="323232"/>
+              </a:solidFill>
+              <a:latin typeface="Yu Gothic" panose="020B0400000000000000" pitchFamily="34" charset="-128"/>
+              <a:ea typeface="Yu Gothic" panose="020B0400000000000000" pitchFamily="34" charset="-128"/>
+            </a:endParaRPr>
+          </a:p>
+        </p:txBody>
+      </p:sp>
+      <p:pic>
+        <p:nvPicPr>
+          <p:cNvPr id="3" name="グラフィックス 2" descr="卒業式用の角帽 単色塗りつぶし">
+            <a:extLst>
+              <a:ext uri="{FF2B5EF4-FFF2-40B4-BE49-F238E27FC236}">
+                <a16:creationId xmlns:a16="http://schemas.microsoft.com/office/drawing/2014/main" id="{351BE5EA-0028-D765-70F7-7D5D148B7D47}"/>
+              </a:ext>
+            </a:extLst>
+          </p:cNvPr>
+          <p:cNvPicPr>
+            <a:picLocks noChangeAspect="1"/>
+          </p:cNvPicPr>
+          <p:nvPr/>
+        </p:nvPicPr>
+        <p:blipFill>
+          <a:blip r:embed="rId14">
+            <a:extLst>
+              <a:ext uri="{96DAC541-7B7A-43D3-8B79-37D633B846F1}">
+                <asvg:svgBlip xmlns:asvg="http://schemas.microsoft.com/office/drawing/2016/SVG/main" r:embed="rId15"/>
+              </a:ext>
+            </a:extLst>
+          </a:blip>
+          <a:srcRect/>
+          <a:stretch/>
+        </p:blipFill>
+        <p:spPr>
+          <a:xfrm>
+            <a:off x="720000" y="3986890"/>
+            <a:ext cx="360000" cy="360000"/>
+          </a:xfrm>
+          <a:prstGeom prst="rect">
+            <a:avLst/>
+          </a:prstGeom>
+        </p:spPr>
+      </p:pic>
+      <p:sp>
+        <p:nvSpPr>
+          <p:cNvPr id="5" name="正方形/長方形 4">
+            <a:extLst>
+              <a:ext uri="{FF2B5EF4-FFF2-40B4-BE49-F238E27FC236}">
+                <a16:creationId xmlns:a16="http://schemas.microsoft.com/office/drawing/2014/main" id="{AD95561A-B0D8-F296-5752-FAF04D155DA8}"/>
+              </a:ext>
+            </a:extLst>
+          </p:cNvPr>
+          <p:cNvSpPr/>
+          <p:nvPr/>
+        </p:nvSpPr>
+        <p:spPr>
+          <a:xfrm>
+            <a:off x="1080000" y="3989052"/>
+            <a:ext cx="5925918" cy="360000"/>
+          </a:xfrm>
+          <a:prstGeom prst="rect">
+            <a:avLst/>
+          </a:prstGeom>
+          <a:noFill/>
+          <a:ln>
+            <a:noFill/>
+          </a:ln>
+        </p:spPr>
+        <p:style>
+          <a:lnRef idx="2">
+            <a:schemeClr val="accent1">
+              <a:shade val="15000"/>
+            </a:schemeClr>
+          </a:lnRef>
+          <a:fillRef idx="1">
+            <a:schemeClr val="accent1"/>
+          </a:fillRef>
+          <a:effectRef idx="0">
+            <a:schemeClr val="accent1"/>
+          </a:effectRef>
+          <a:fontRef idx="minor">
+            <a:schemeClr val="lt1"/>
+          </a:fontRef>
+        </p:style>
+        <p:txBody>
+          <a:bodyPr rtlCol="0" anchor="ctr"/>
+          <a:lstStyle/>
+          <a:p>
+            <a:r>
+              <a:rPr kumimoji="1" lang="ja-JP" altLang="en-US" sz="1400">
+                <a:solidFill>
+                  <a:srgbClr val="323232"/>
+                </a:solidFill>
+                <a:latin typeface="Yu Gothic" panose="020B0400000000000000" pitchFamily="34" charset="-128"/>
+                <a:ea typeface="Yu Gothic" panose="020B0400000000000000" pitchFamily="34" charset="-128"/>
+              </a:rPr>
+              <a:t>修士（情報学）</a:t>
+            </a:r>
+          </a:p>
+        </p:txBody>
+      </p:sp>
     </p:spTree>
     <p:extLst>
       <p:ext uri="{BB962C8B-B14F-4D97-AF65-F5344CB8AC3E}">
-        <p14:creationId xmlns:p14="http://schemas.microsoft.com/office/powerpoint/2010/main" val="257382971"/>
+        <p14:creationId xmlns:p14="http://schemas.microsoft.com/office/powerpoint/2010/main" val="4226173648"/>
       </p:ext>
     </p:extLst>
   </p:cSld>
@@ -6780,7 +7138,7 @@
         </p:nvSpPr>
         <p:spPr>
           <a:xfrm>
-            <a:off x="720000" y="2519002"/>
+            <a:off x="751778" y="2146698"/>
             <a:ext cx="5336108" cy="1440000"/>
           </a:xfrm>
           <a:prstGeom prst="rect">
@@ -6876,593 +7234,572 @@
           </a:prstGeom>
         </p:spPr>
       </p:pic>
-      <p:grpSp>
-        <p:nvGrpSpPr>
-          <p:cNvPr id="33" name="グループ化 32">
+      <p:pic>
+        <p:nvPicPr>
+          <p:cNvPr id="23" name="グラフィックス 22">
             <a:extLst>
               <a:ext uri="{FF2B5EF4-FFF2-40B4-BE49-F238E27FC236}">
-                <a16:creationId xmlns:a16="http://schemas.microsoft.com/office/drawing/2014/main" id="{C1BC0DFF-D215-2EAC-05E9-C95DD8AEA35F}"/>
+                <a16:creationId xmlns:a16="http://schemas.microsoft.com/office/drawing/2014/main" id="{E9EDA729-8D21-A9F2-943F-11D83E32DCEB}"/>
               </a:ext>
             </a:extLst>
           </p:cNvPr>
-          <p:cNvGrpSpPr/>
+          <p:cNvPicPr>
+            <a:picLocks noChangeAspect="1"/>
+          </p:cNvPicPr>
           <p:nvPr/>
-        </p:nvGrpSpPr>
-        <p:grpSpPr>
+        </p:nvPicPr>
+        <p:blipFill>
+          <a:blip r:embed="rId4">
+            <a:extLst>
+              <a:ext uri="{96DAC541-7B7A-43D3-8B79-37D633B846F1}">
+                <asvg:svgBlip xmlns:asvg="http://schemas.microsoft.com/office/drawing/2016/SVG/main" r:embed="rId5"/>
+              </a:ext>
+            </a:extLst>
+          </a:blip>
+          <a:srcRect/>
+          <a:stretch/>
+        </p:blipFill>
+        <p:spPr>
           <a:xfrm>
-            <a:off x="720000" y="4308954"/>
-            <a:ext cx="6285918" cy="1822352"/>
-            <a:chOff x="632177" y="4387693"/>
-            <a:chExt cx="6285918" cy="1822352"/>
+            <a:off x="720870" y="4308954"/>
+            <a:ext cx="360000" cy="360000"/>
           </a:xfrm>
-        </p:grpSpPr>
-        <p:pic>
-          <p:nvPicPr>
-            <p:cNvPr id="23" name="グラフィックス 22">
-              <a:extLst>
-                <a:ext uri="{FF2B5EF4-FFF2-40B4-BE49-F238E27FC236}">
-                  <a16:creationId xmlns:a16="http://schemas.microsoft.com/office/drawing/2014/main" id="{E9EDA729-8D21-A9F2-943F-11D83E32DCEB}"/>
-                </a:ext>
-              </a:extLst>
-            </p:cNvPr>
-            <p:cNvPicPr>
-              <a:picLocks noChangeAspect="1"/>
-            </p:cNvPicPr>
-            <p:nvPr/>
-          </p:nvPicPr>
-          <p:blipFill>
-            <a:blip r:embed="rId4">
-              <a:extLst>
-                <a:ext uri="{96DAC541-7B7A-43D3-8B79-37D633B846F1}">
-                  <asvg:svgBlip xmlns:asvg="http://schemas.microsoft.com/office/drawing/2016/SVG/main" r:embed="rId5"/>
-                </a:ext>
-              </a:extLst>
-            </a:blip>
-            <a:srcRect/>
-            <a:stretch/>
-          </p:blipFill>
-          <p:spPr>
-            <a:xfrm>
-              <a:off x="633047" y="4387693"/>
-              <a:ext cx="360000" cy="360000"/>
-            </a:xfrm>
-            <a:prstGeom prst="rect">
-              <a:avLst/>
-            </a:prstGeom>
-          </p:spPr>
-        </p:pic>
-        <p:pic>
-          <p:nvPicPr>
-            <p:cNvPr id="24" name="グラフィックス 23">
-              <a:extLst>
-                <a:ext uri="{FF2B5EF4-FFF2-40B4-BE49-F238E27FC236}">
-                  <a16:creationId xmlns:a16="http://schemas.microsoft.com/office/drawing/2014/main" id="{A9089DB6-3D8D-B8ED-75E1-A462088C8A70}"/>
-                </a:ext>
-              </a:extLst>
-            </p:cNvPr>
-            <p:cNvPicPr>
-              <a:picLocks noChangeAspect="1"/>
-            </p:cNvPicPr>
-            <p:nvPr/>
-          </p:nvPicPr>
-          <p:blipFill>
-            <a:blip r:embed="rId6">
-              <a:extLst>
-                <a:ext uri="{96DAC541-7B7A-43D3-8B79-37D633B846F1}">
-                  <asvg:svgBlip xmlns:asvg="http://schemas.microsoft.com/office/drawing/2016/SVG/main" r:embed="rId7"/>
-                </a:ext>
-              </a:extLst>
-            </a:blip>
-            <a:srcRect/>
-            <a:stretch/>
-          </p:blipFill>
-          <p:spPr>
-            <a:xfrm>
-              <a:off x="633047" y="4767789"/>
-              <a:ext cx="360000" cy="360000"/>
-            </a:xfrm>
-            <a:prstGeom prst="rect">
-              <a:avLst/>
-            </a:prstGeom>
-          </p:spPr>
-        </p:pic>
-        <p:pic>
-          <p:nvPicPr>
-            <p:cNvPr id="25" name="グラフィックス 24">
-              <a:extLst>
-                <a:ext uri="{FF2B5EF4-FFF2-40B4-BE49-F238E27FC236}">
-                  <a16:creationId xmlns:a16="http://schemas.microsoft.com/office/drawing/2014/main" id="{3249F8CD-CAD7-7F1B-E2BB-864423EC16CC}"/>
-                </a:ext>
-              </a:extLst>
-            </p:cNvPr>
-            <p:cNvPicPr>
-              <a:picLocks noChangeAspect="1"/>
-            </p:cNvPicPr>
-            <p:nvPr/>
-          </p:nvPicPr>
-          <p:blipFill>
-            <a:blip r:embed="rId8">
-              <a:extLst>
-                <a:ext uri="{96DAC541-7B7A-43D3-8B79-37D633B846F1}">
-                  <asvg:svgBlip xmlns:asvg="http://schemas.microsoft.com/office/drawing/2016/SVG/main" r:embed="rId9"/>
-                </a:ext>
-              </a:extLst>
-            </a:blip>
-            <a:srcRect/>
-            <a:stretch/>
-          </p:blipFill>
-          <p:spPr>
-            <a:xfrm>
-              <a:off x="633047" y="5469949"/>
-              <a:ext cx="360000" cy="360000"/>
-            </a:xfrm>
-            <a:prstGeom prst="rect">
-              <a:avLst/>
-            </a:prstGeom>
-          </p:spPr>
-        </p:pic>
-        <p:pic>
-          <p:nvPicPr>
-            <p:cNvPr id="26" name="グラフィックス 25">
-              <a:extLst>
-                <a:ext uri="{FF2B5EF4-FFF2-40B4-BE49-F238E27FC236}">
-                  <a16:creationId xmlns:a16="http://schemas.microsoft.com/office/drawing/2014/main" id="{5F418B13-FFA6-807C-4553-BC4209BA1D78}"/>
-                </a:ext>
-              </a:extLst>
-            </p:cNvPr>
-            <p:cNvPicPr>
-              <a:picLocks noChangeAspect="1"/>
-            </p:cNvPicPr>
-            <p:nvPr/>
-          </p:nvPicPr>
-          <p:blipFill>
-            <a:blip r:embed="rId10">
-              <a:extLst>
-                <a:ext uri="{96DAC541-7B7A-43D3-8B79-37D633B846F1}">
-                  <asvg:svgBlip xmlns:asvg="http://schemas.microsoft.com/office/drawing/2016/SVG/main" r:embed="rId11"/>
-                </a:ext>
-              </a:extLst>
-            </a:blip>
-            <a:srcRect/>
-            <a:stretch/>
-          </p:blipFill>
-          <p:spPr>
-            <a:xfrm>
-              <a:off x="632177" y="5850045"/>
-              <a:ext cx="360000" cy="360000"/>
-            </a:xfrm>
-            <a:prstGeom prst="rect">
-              <a:avLst/>
-            </a:prstGeom>
-          </p:spPr>
-        </p:pic>
-        <p:pic>
-          <p:nvPicPr>
-            <p:cNvPr id="27" name="グラフィックス 26">
-              <a:extLst>
-                <a:ext uri="{FF2B5EF4-FFF2-40B4-BE49-F238E27FC236}">
-                  <a16:creationId xmlns:a16="http://schemas.microsoft.com/office/drawing/2014/main" id="{8EA172B0-8971-E567-5B5E-57E1088DCD63}"/>
-                </a:ext>
-              </a:extLst>
-            </p:cNvPr>
-            <p:cNvPicPr>
-              <a:picLocks noChangeAspect="1"/>
-            </p:cNvPicPr>
-            <p:nvPr/>
-          </p:nvPicPr>
-          <p:blipFill>
-            <a:blip r:embed="rId12">
-              <a:extLst>
-                <a:ext uri="{96DAC541-7B7A-43D3-8B79-37D633B846F1}">
-                  <asvg:svgBlip xmlns:asvg="http://schemas.microsoft.com/office/drawing/2016/SVG/main" r:embed="rId13"/>
-                </a:ext>
-              </a:extLst>
-            </a:blip>
-            <a:srcRect/>
-            <a:stretch/>
-          </p:blipFill>
-          <p:spPr>
-            <a:xfrm>
-              <a:off x="633047" y="5147884"/>
-              <a:ext cx="360000" cy="360000"/>
-            </a:xfrm>
-            <a:prstGeom prst="rect">
-              <a:avLst/>
-            </a:prstGeom>
-          </p:spPr>
-        </p:pic>
-        <p:sp>
-          <p:nvSpPr>
-            <p:cNvPr id="28" name="正方形/長方形 27">
-              <a:extLst>
-                <a:ext uri="{FF2B5EF4-FFF2-40B4-BE49-F238E27FC236}">
-                  <a16:creationId xmlns:a16="http://schemas.microsoft.com/office/drawing/2014/main" id="{36BB981A-E952-6225-0A98-C6341D3CEFDE}"/>
-                </a:ext>
-              </a:extLst>
-            </p:cNvPr>
-            <p:cNvSpPr/>
-            <p:nvPr/>
-          </p:nvSpPr>
-          <p:spPr>
-            <a:xfrm>
-              <a:off x="992177" y="4387693"/>
-              <a:ext cx="5925918" cy="360000"/>
-            </a:xfrm>
-            <a:prstGeom prst="rect">
-              <a:avLst/>
-            </a:prstGeom>
+          <a:prstGeom prst="rect">
+            <a:avLst/>
+          </a:prstGeom>
+        </p:spPr>
+      </p:pic>
+      <p:pic>
+        <p:nvPicPr>
+          <p:cNvPr id="24" name="グラフィックス 23">
+            <a:extLst>
+              <a:ext uri="{FF2B5EF4-FFF2-40B4-BE49-F238E27FC236}">
+                <a16:creationId xmlns:a16="http://schemas.microsoft.com/office/drawing/2014/main" id="{A9089DB6-3D8D-B8ED-75E1-A462088C8A70}"/>
+              </a:ext>
+            </a:extLst>
+          </p:cNvPr>
+          <p:cNvPicPr>
+            <a:picLocks noChangeAspect="1"/>
+          </p:cNvPicPr>
+          <p:nvPr/>
+        </p:nvPicPr>
+        <p:blipFill>
+          <a:blip r:embed="rId6">
+            <a:extLst>
+              <a:ext uri="{96DAC541-7B7A-43D3-8B79-37D633B846F1}">
+                <asvg:svgBlip xmlns:asvg="http://schemas.microsoft.com/office/drawing/2016/SVG/main" r:embed="rId7"/>
+              </a:ext>
+            </a:extLst>
+          </a:blip>
+          <a:srcRect/>
+          <a:stretch/>
+        </p:blipFill>
+        <p:spPr>
+          <a:xfrm>
+            <a:off x="720870" y="4689050"/>
+            <a:ext cx="360000" cy="360000"/>
+          </a:xfrm>
+          <a:prstGeom prst="rect">
+            <a:avLst/>
+          </a:prstGeom>
+        </p:spPr>
+      </p:pic>
+      <p:pic>
+        <p:nvPicPr>
+          <p:cNvPr id="25" name="グラフィックス 24">
+            <a:extLst>
+              <a:ext uri="{FF2B5EF4-FFF2-40B4-BE49-F238E27FC236}">
+                <a16:creationId xmlns:a16="http://schemas.microsoft.com/office/drawing/2014/main" id="{3249F8CD-CAD7-7F1B-E2BB-864423EC16CC}"/>
+              </a:ext>
+            </a:extLst>
+          </p:cNvPr>
+          <p:cNvPicPr>
+            <a:picLocks noChangeAspect="1"/>
+          </p:cNvPicPr>
+          <p:nvPr/>
+        </p:nvPicPr>
+        <p:blipFill>
+          <a:blip r:embed="rId8">
+            <a:extLst>
+              <a:ext uri="{96DAC541-7B7A-43D3-8B79-37D633B846F1}">
+                <asvg:svgBlip xmlns:asvg="http://schemas.microsoft.com/office/drawing/2016/SVG/main" r:embed="rId9"/>
+              </a:ext>
+            </a:extLst>
+          </a:blip>
+          <a:srcRect/>
+          <a:stretch/>
+        </p:blipFill>
+        <p:spPr>
+          <a:xfrm>
+            <a:off x="720870" y="5391210"/>
+            <a:ext cx="360000" cy="360000"/>
+          </a:xfrm>
+          <a:prstGeom prst="rect">
+            <a:avLst/>
+          </a:prstGeom>
+        </p:spPr>
+      </p:pic>
+      <p:pic>
+        <p:nvPicPr>
+          <p:cNvPr id="26" name="グラフィックス 25">
+            <a:extLst>
+              <a:ext uri="{FF2B5EF4-FFF2-40B4-BE49-F238E27FC236}">
+                <a16:creationId xmlns:a16="http://schemas.microsoft.com/office/drawing/2014/main" id="{5F418B13-FFA6-807C-4553-BC4209BA1D78}"/>
+              </a:ext>
+            </a:extLst>
+          </p:cNvPr>
+          <p:cNvPicPr>
+            <a:picLocks noChangeAspect="1"/>
+          </p:cNvPicPr>
+          <p:nvPr/>
+        </p:nvPicPr>
+        <p:blipFill>
+          <a:blip r:embed="rId10">
+            <a:extLst>
+              <a:ext uri="{96DAC541-7B7A-43D3-8B79-37D633B846F1}">
+                <asvg:svgBlip xmlns:asvg="http://schemas.microsoft.com/office/drawing/2016/SVG/main" r:embed="rId11"/>
+              </a:ext>
+            </a:extLst>
+          </a:blip>
+          <a:srcRect/>
+          <a:stretch/>
+        </p:blipFill>
+        <p:spPr>
+          <a:xfrm>
+            <a:off x="720000" y="5771306"/>
+            <a:ext cx="360000" cy="360000"/>
+          </a:xfrm>
+          <a:prstGeom prst="rect">
+            <a:avLst/>
+          </a:prstGeom>
+        </p:spPr>
+      </p:pic>
+      <p:pic>
+        <p:nvPicPr>
+          <p:cNvPr id="27" name="グラフィックス 26">
+            <a:extLst>
+              <a:ext uri="{FF2B5EF4-FFF2-40B4-BE49-F238E27FC236}">
+                <a16:creationId xmlns:a16="http://schemas.microsoft.com/office/drawing/2014/main" id="{8EA172B0-8971-E567-5B5E-57E1088DCD63}"/>
+              </a:ext>
+            </a:extLst>
+          </p:cNvPr>
+          <p:cNvPicPr>
+            <a:picLocks noChangeAspect="1"/>
+          </p:cNvPicPr>
+          <p:nvPr/>
+        </p:nvPicPr>
+        <p:blipFill>
+          <a:blip r:embed="rId12">
+            <a:extLst>
+              <a:ext uri="{96DAC541-7B7A-43D3-8B79-37D633B846F1}">
+                <asvg:svgBlip xmlns:asvg="http://schemas.microsoft.com/office/drawing/2016/SVG/main" r:embed="rId13"/>
+              </a:ext>
+            </a:extLst>
+          </a:blip>
+          <a:srcRect/>
+          <a:stretch/>
+        </p:blipFill>
+        <p:spPr>
+          <a:xfrm>
+            <a:off x="720870" y="5069145"/>
+            <a:ext cx="360000" cy="360000"/>
+          </a:xfrm>
+          <a:prstGeom prst="rect">
+            <a:avLst/>
+          </a:prstGeom>
+        </p:spPr>
+      </p:pic>
+      <p:sp>
+        <p:nvSpPr>
+          <p:cNvPr id="28" name="正方形/長方形 27">
+            <a:extLst>
+              <a:ext uri="{FF2B5EF4-FFF2-40B4-BE49-F238E27FC236}">
+                <a16:creationId xmlns:a16="http://schemas.microsoft.com/office/drawing/2014/main" id="{36BB981A-E952-6225-0A98-C6341D3CEFDE}"/>
+              </a:ext>
+            </a:extLst>
+          </p:cNvPr>
+          <p:cNvSpPr/>
+          <p:nvPr/>
+        </p:nvSpPr>
+        <p:spPr>
+          <a:xfrm>
+            <a:off x="1080000" y="4308954"/>
+            <a:ext cx="5925918" cy="360000"/>
+          </a:xfrm>
+          <a:prstGeom prst="rect">
+            <a:avLst/>
+          </a:prstGeom>
+          <a:noFill/>
+          <a:ln>
             <a:noFill/>
-            <a:ln>
-              <a:noFill/>
-            </a:ln>
-          </p:spPr>
-          <p:style>
-            <a:lnRef idx="2">
-              <a:schemeClr val="accent1">
-                <a:shade val="15000"/>
-              </a:schemeClr>
-            </a:lnRef>
-            <a:fillRef idx="1">
-              <a:schemeClr val="accent1"/>
-            </a:fillRef>
-            <a:effectRef idx="0">
-              <a:schemeClr val="accent1"/>
-            </a:effectRef>
-            <a:fontRef idx="minor">
-              <a:schemeClr val="lt1"/>
-            </a:fontRef>
-          </p:style>
-          <p:txBody>
-            <a:bodyPr rtlCol="0" anchor="ctr"/>
-            <a:lstStyle/>
-            <a:p>
-              <a:r>
-                <a:rPr kumimoji="1" lang="ja-JP" altLang="en-US" sz="1400">
-                  <a:solidFill>
-                    <a:srgbClr val="323232"/>
-                  </a:solidFill>
-                  <a:latin typeface="Yu Gothic" panose="020B0400000000000000" pitchFamily="34" charset="-128"/>
-                  <a:ea typeface="Yu Gothic" panose="020B0400000000000000" pitchFamily="34" charset="-128"/>
-                </a:rPr>
-                <a:t>静岡大学大学院</a:t>
-              </a:r>
-              <a:r>
-                <a:rPr kumimoji="1" lang="en-US" altLang="ja-JP" sz="1400" dirty="0">
-                  <a:solidFill>
-                    <a:srgbClr val="323232"/>
-                  </a:solidFill>
-                  <a:latin typeface="Yu Gothic" panose="020B0400000000000000" pitchFamily="34" charset="-128"/>
-                  <a:ea typeface="Yu Gothic" panose="020B0400000000000000" pitchFamily="34" charset="-128"/>
-                </a:rPr>
-                <a:t> </a:t>
-              </a:r>
-              <a:r>
-                <a:rPr kumimoji="1" lang="ja-JP" altLang="en-US" sz="1400">
-                  <a:solidFill>
-                    <a:srgbClr val="323232"/>
-                  </a:solidFill>
-                  <a:latin typeface="Yu Gothic" panose="020B0400000000000000" pitchFamily="34" charset="-128"/>
-                  <a:ea typeface="Yu Gothic" panose="020B0400000000000000" pitchFamily="34" charset="-128"/>
-                </a:rPr>
-                <a:t>総合科学技術研究科</a:t>
-              </a:r>
-              <a:r>
-                <a:rPr kumimoji="1" lang="en-US" altLang="ja-JP" sz="1400" dirty="0">
-                  <a:solidFill>
-                    <a:srgbClr val="323232"/>
-                  </a:solidFill>
-                  <a:latin typeface="Yu Gothic" panose="020B0400000000000000" pitchFamily="34" charset="-128"/>
-                  <a:ea typeface="Yu Gothic" panose="020B0400000000000000" pitchFamily="34" charset="-128"/>
-                </a:rPr>
-                <a:t> </a:t>
-              </a:r>
-              <a:r>
-                <a:rPr kumimoji="1" lang="ja-JP" altLang="en-US" sz="1400">
-                  <a:solidFill>
-                    <a:srgbClr val="323232"/>
-                  </a:solidFill>
-                  <a:latin typeface="Yu Gothic" panose="020B0400000000000000" pitchFamily="34" charset="-128"/>
-                  <a:ea typeface="Yu Gothic" panose="020B0400000000000000" pitchFamily="34" charset="-128"/>
-                </a:rPr>
-                <a:t>認知的コミュニケーション研究室</a:t>
-              </a:r>
-            </a:p>
-          </p:txBody>
-        </p:sp>
-        <p:sp>
-          <p:nvSpPr>
-            <p:cNvPr id="29" name="正方形/長方形 28">
-              <a:extLst>
-                <a:ext uri="{FF2B5EF4-FFF2-40B4-BE49-F238E27FC236}">
-                  <a16:creationId xmlns:a16="http://schemas.microsoft.com/office/drawing/2014/main" id="{8DC38EF7-5548-F959-64B1-E3BC4BA54357}"/>
-                </a:ext>
-              </a:extLst>
-            </p:cNvPr>
-            <p:cNvSpPr/>
-            <p:nvPr/>
-          </p:nvSpPr>
-          <p:spPr>
-            <a:xfrm>
-              <a:off x="992177" y="4767789"/>
-              <a:ext cx="5925918" cy="360000"/>
-            </a:xfrm>
-            <a:prstGeom prst="rect">
-              <a:avLst/>
-            </a:prstGeom>
-            <a:noFill/>
-            <a:ln>
-              <a:noFill/>
-            </a:ln>
-          </p:spPr>
-          <p:style>
-            <a:lnRef idx="2">
-              <a:schemeClr val="accent1">
-                <a:shade val="15000"/>
-              </a:schemeClr>
-            </a:lnRef>
-            <a:fillRef idx="1">
-              <a:schemeClr val="accent1"/>
-            </a:fillRef>
-            <a:effectRef idx="0">
-              <a:schemeClr val="accent1"/>
-            </a:effectRef>
-            <a:fontRef idx="minor">
-              <a:schemeClr val="lt1"/>
-            </a:fontRef>
-          </p:style>
-          <p:txBody>
-            <a:bodyPr rtlCol="0" anchor="ctr"/>
-            <a:lstStyle/>
-            <a:p>
-              <a:r>
-                <a:rPr kumimoji="1" lang="ja-JP" altLang="en-US" sz="1400">
-                  <a:solidFill>
-                    <a:srgbClr val="323232"/>
-                  </a:solidFill>
-                  <a:latin typeface="Yu Gothic" panose="020B0400000000000000" pitchFamily="34" charset="-128"/>
-                  <a:ea typeface="Yu Gothic" panose="020B0400000000000000" pitchFamily="34" charset="-128"/>
-                </a:rPr>
-                <a:t>〒</a:t>
-              </a:r>
-              <a:r>
-                <a:rPr kumimoji="1" lang="en-US" altLang="ja-JP" sz="1400" dirty="0">
-                  <a:solidFill>
-                    <a:srgbClr val="323232"/>
-                  </a:solidFill>
-                  <a:latin typeface="Yu Gothic" panose="020B0400000000000000" pitchFamily="34" charset="-128"/>
-                  <a:ea typeface="Yu Gothic" panose="020B0400000000000000" pitchFamily="34" charset="-128"/>
-                </a:rPr>
-                <a:t>432-8011 </a:t>
-              </a:r>
-              <a:r>
-                <a:rPr kumimoji="1" lang="ja-JP" altLang="en-US" sz="1400">
-                  <a:solidFill>
-                    <a:srgbClr val="323232"/>
-                  </a:solidFill>
-                  <a:latin typeface="Yu Gothic" panose="020B0400000000000000" pitchFamily="34" charset="-128"/>
-                  <a:ea typeface="Yu Gothic" panose="020B0400000000000000" pitchFamily="34" charset="-128"/>
-                </a:rPr>
-                <a:t>静岡県浜松市中区城北</a:t>
-              </a:r>
-              <a:r>
-                <a:rPr kumimoji="1" lang="en-US" altLang="ja-JP" sz="1400" dirty="0">
-                  <a:solidFill>
-                    <a:srgbClr val="323232"/>
-                  </a:solidFill>
-                  <a:latin typeface="Yu Gothic" panose="020B0400000000000000" pitchFamily="34" charset="-128"/>
-                  <a:ea typeface="Yu Gothic" panose="020B0400000000000000" pitchFamily="34" charset="-128"/>
-                </a:rPr>
-                <a:t>3-5-1 </a:t>
-              </a:r>
-              <a:r>
-                <a:rPr kumimoji="1" lang="ja-JP" altLang="en-US" sz="1400">
-                  <a:solidFill>
-                    <a:srgbClr val="323232"/>
-                  </a:solidFill>
-                  <a:latin typeface="Yu Gothic" panose="020B0400000000000000" pitchFamily="34" charset="-128"/>
-                  <a:ea typeface="Yu Gothic" panose="020B0400000000000000" pitchFamily="34" charset="-128"/>
-                </a:rPr>
-                <a:t>静岡大学浜松キャンパス</a:t>
-              </a:r>
-            </a:p>
-          </p:txBody>
-        </p:sp>
-        <p:sp>
-          <p:nvSpPr>
-            <p:cNvPr id="30" name="正方形/長方形 29">
-              <a:extLst>
-                <a:ext uri="{FF2B5EF4-FFF2-40B4-BE49-F238E27FC236}">
-                  <a16:creationId xmlns:a16="http://schemas.microsoft.com/office/drawing/2014/main" id="{4ADBFF52-46C6-336B-AC3E-0478F7A04414}"/>
-                </a:ext>
-              </a:extLst>
-            </p:cNvPr>
-            <p:cNvSpPr/>
-            <p:nvPr/>
-          </p:nvSpPr>
-          <p:spPr>
-            <a:xfrm>
-              <a:off x="992177" y="5147884"/>
-              <a:ext cx="2184611" cy="360000"/>
-            </a:xfrm>
-            <a:prstGeom prst="rect">
-              <a:avLst/>
-            </a:prstGeom>
-            <a:noFill/>
-            <a:ln>
-              <a:noFill/>
-            </a:ln>
-          </p:spPr>
-          <p:style>
-            <a:lnRef idx="2">
-              <a:schemeClr val="accent1">
-                <a:shade val="15000"/>
-              </a:schemeClr>
-            </a:lnRef>
-            <a:fillRef idx="1">
-              <a:schemeClr val="accent1"/>
-            </a:fillRef>
-            <a:effectRef idx="0">
-              <a:schemeClr val="accent1"/>
-            </a:effectRef>
-            <a:fontRef idx="minor">
-              <a:schemeClr val="lt1"/>
-            </a:fontRef>
-          </p:style>
-          <p:txBody>
-            <a:bodyPr rtlCol="0" anchor="ctr"/>
-            <a:lstStyle/>
-            <a:p>
-              <a:r>
-                <a:rPr kumimoji="1" lang="en-US" altLang="ja-JP" sz="1400" dirty="0">
-                  <a:solidFill>
-                    <a:srgbClr val="323232"/>
-                  </a:solidFill>
-                  <a:latin typeface="Yu Gothic" panose="020B0400000000000000" pitchFamily="34" charset="-128"/>
-                  <a:ea typeface="Yu Gothic" panose="020B0400000000000000" pitchFamily="34" charset="-128"/>
-                </a:rPr>
-                <a:t>080-1590-6189</a:t>
-              </a:r>
-              <a:endParaRPr kumimoji="1" lang="ja-JP" altLang="en-US" sz="1400">
+          </a:ln>
+        </p:spPr>
+        <p:style>
+          <a:lnRef idx="2">
+            <a:schemeClr val="accent1">
+              <a:shade val="15000"/>
+            </a:schemeClr>
+          </a:lnRef>
+          <a:fillRef idx="1">
+            <a:schemeClr val="accent1"/>
+          </a:fillRef>
+          <a:effectRef idx="0">
+            <a:schemeClr val="accent1"/>
+          </a:effectRef>
+          <a:fontRef idx="minor">
+            <a:schemeClr val="lt1"/>
+          </a:fontRef>
+        </p:style>
+        <p:txBody>
+          <a:bodyPr rtlCol="0" anchor="ctr"/>
+          <a:lstStyle/>
+          <a:p>
+            <a:r>
+              <a:rPr kumimoji="1" lang="ja-JP" altLang="en-US" sz="1400">
                 <a:solidFill>
                   <a:srgbClr val="323232"/>
                 </a:solidFill>
                 <a:latin typeface="Yu Gothic" panose="020B0400000000000000" pitchFamily="34" charset="-128"/>
                 <a:ea typeface="Yu Gothic" panose="020B0400000000000000" pitchFamily="34" charset="-128"/>
-              </a:endParaRPr>
-            </a:p>
-          </p:txBody>
-        </p:sp>
-        <p:sp>
-          <p:nvSpPr>
-            <p:cNvPr id="31" name="正方形/長方形 30">
-              <a:extLst>
-                <a:ext uri="{FF2B5EF4-FFF2-40B4-BE49-F238E27FC236}">
-                  <a16:creationId xmlns:a16="http://schemas.microsoft.com/office/drawing/2014/main" id="{64134785-DC12-EF74-25B7-1582113EA464}"/>
-                </a:ext>
-              </a:extLst>
-            </p:cNvPr>
-            <p:cNvSpPr/>
-            <p:nvPr/>
-          </p:nvSpPr>
-          <p:spPr>
-            <a:xfrm>
-              <a:off x="993047" y="5469949"/>
-              <a:ext cx="4677925" cy="360000"/>
-            </a:xfrm>
-            <a:prstGeom prst="rect">
-              <a:avLst/>
-            </a:prstGeom>
-            <a:noFill/>
-            <a:ln>
-              <a:noFill/>
-            </a:ln>
-          </p:spPr>
-          <p:style>
-            <a:lnRef idx="2">
-              <a:schemeClr val="accent1">
-                <a:shade val="15000"/>
-              </a:schemeClr>
-            </a:lnRef>
-            <a:fillRef idx="1">
-              <a:schemeClr val="accent1"/>
-            </a:fillRef>
-            <a:effectRef idx="0">
-              <a:schemeClr val="accent1"/>
-            </a:effectRef>
-            <a:fontRef idx="minor">
-              <a:schemeClr val="lt1"/>
-            </a:fontRef>
-          </p:style>
-          <p:txBody>
-            <a:bodyPr rtlCol="0" anchor="ctr"/>
-            <a:lstStyle/>
-            <a:p>
-              <a:r>
-                <a:rPr kumimoji="1" lang="en-US" altLang="ja-JP" sz="1400" dirty="0">
-                  <a:solidFill>
-                    <a:srgbClr val="323232"/>
-                  </a:solidFill>
-                  <a:latin typeface="Yu Gothic" panose="020B0400000000000000" pitchFamily="34" charset="-128"/>
-                  <a:ea typeface="Yu Gothic" panose="020B0400000000000000" pitchFamily="34" charset="-128"/>
-                </a:rPr>
-                <a:t>ichikawa.masanari.18@shizuoka.ac.jp</a:t>
-              </a:r>
-              <a:endParaRPr kumimoji="1" lang="ja-JP" altLang="en-US" sz="1400">
+              </a:rPr>
+              <a:t>静岡大学大学院</a:t>
+            </a:r>
+            <a:r>
+              <a:rPr kumimoji="1" lang="en-US" altLang="ja-JP" sz="1400" dirty="0">
                 <a:solidFill>
                   <a:srgbClr val="323232"/>
                 </a:solidFill>
                 <a:latin typeface="Yu Gothic" panose="020B0400000000000000" pitchFamily="34" charset="-128"/>
                 <a:ea typeface="Yu Gothic" panose="020B0400000000000000" pitchFamily="34" charset="-128"/>
-              </a:endParaRPr>
-            </a:p>
-          </p:txBody>
-        </p:sp>
-        <p:sp>
-          <p:nvSpPr>
-            <p:cNvPr id="32" name="正方形/長方形 31">
-              <a:extLst>
-                <a:ext uri="{FF2B5EF4-FFF2-40B4-BE49-F238E27FC236}">
-                  <a16:creationId xmlns:a16="http://schemas.microsoft.com/office/drawing/2014/main" id="{EA986BD9-00F0-F245-F8E0-1E472116D0EB}"/>
-                </a:ext>
-              </a:extLst>
-            </p:cNvPr>
-            <p:cNvSpPr/>
-            <p:nvPr/>
-          </p:nvSpPr>
-          <p:spPr>
-            <a:xfrm>
-              <a:off x="992177" y="5850045"/>
-              <a:ext cx="5418671" cy="360000"/>
-            </a:xfrm>
-            <a:prstGeom prst="rect">
-              <a:avLst/>
-            </a:prstGeom>
-            <a:noFill/>
-            <a:ln>
-              <a:noFill/>
-            </a:ln>
-          </p:spPr>
-          <p:style>
-            <a:lnRef idx="2">
-              <a:schemeClr val="accent1">
-                <a:shade val="15000"/>
-              </a:schemeClr>
-            </a:lnRef>
-            <a:fillRef idx="1">
-              <a:schemeClr val="accent1"/>
-            </a:fillRef>
-            <a:effectRef idx="0">
-              <a:schemeClr val="accent1"/>
-            </a:effectRef>
-            <a:fontRef idx="minor">
-              <a:schemeClr val="lt1"/>
-            </a:fontRef>
-          </p:style>
-          <p:txBody>
-            <a:bodyPr rtlCol="0" anchor="ctr"/>
-            <a:lstStyle/>
-            <a:p>
-              <a:r>
-                <a:rPr kumimoji="1" lang="en-US" altLang="ja-JP" sz="1400" dirty="0" err="1">
-                  <a:solidFill>
-                    <a:srgbClr val="323232"/>
-                  </a:solidFill>
-                  <a:latin typeface="Yu Gothic" panose="020B0400000000000000" pitchFamily="34" charset="-128"/>
-                  <a:ea typeface="Yu Gothic" panose="020B0400000000000000" pitchFamily="34" charset="-128"/>
-                </a:rPr>
-                <a:t>masanarius.github.io</a:t>
-              </a:r>
-              <a:endParaRPr kumimoji="1" lang="ja-JP" altLang="en-US" sz="1400">
+              </a:rPr>
+              <a:t> </a:t>
+            </a:r>
+            <a:r>
+              <a:rPr kumimoji="1" lang="ja-JP" altLang="en-US" sz="1400">
                 <a:solidFill>
                   <a:srgbClr val="323232"/>
                 </a:solidFill>
                 <a:latin typeface="Yu Gothic" panose="020B0400000000000000" pitchFamily="34" charset="-128"/>
                 <a:ea typeface="Yu Gothic" panose="020B0400000000000000" pitchFamily="34" charset="-128"/>
-              </a:endParaRPr>
-            </a:p>
-          </p:txBody>
-        </p:sp>
-      </p:grpSp>
+              </a:rPr>
+              <a:t>自然科学系教育部 </a:t>
+            </a:r>
+            <a:r>
+              <a:rPr kumimoji="1" lang="en-US" altLang="ja-JP" sz="1400" dirty="0">
+                <a:solidFill>
+                  <a:srgbClr val="323232"/>
+                </a:solidFill>
+                <a:latin typeface="Yu Gothic" panose="020B0400000000000000" pitchFamily="34" charset="-128"/>
+                <a:ea typeface="Yu Gothic" panose="020B0400000000000000" pitchFamily="34" charset="-128"/>
+              </a:rPr>
+              <a:t>/ </a:t>
+            </a:r>
+            <a:r>
+              <a:rPr kumimoji="1" lang="ja-JP" altLang="en-US" sz="1400">
+                <a:solidFill>
+                  <a:srgbClr val="323232"/>
+                </a:solidFill>
+                <a:latin typeface="Yu Gothic" panose="020B0400000000000000" pitchFamily="34" charset="-128"/>
+                <a:ea typeface="Yu Gothic" panose="020B0400000000000000" pitchFamily="34" charset="-128"/>
+              </a:rPr>
+              <a:t>認知的コミュニケーション研究室</a:t>
+            </a:r>
+          </a:p>
+        </p:txBody>
+      </p:sp>
+      <p:sp>
+        <p:nvSpPr>
+          <p:cNvPr id="29" name="正方形/長方形 28">
+            <a:extLst>
+              <a:ext uri="{FF2B5EF4-FFF2-40B4-BE49-F238E27FC236}">
+                <a16:creationId xmlns:a16="http://schemas.microsoft.com/office/drawing/2014/main" id="{8DC38EF7-5548-F959-64B1-E3BC4BA54357}"/>
+              </a:ext>
+            </a:extLst>
+          </p:cNvPr>
+          <p:cNvSpPr/>
+          <p:nvPr/>
+        </p:nvSpPr>
+        <p:spPr>
+          <a:xfrm>
+            <a:off x="1080000" y="4689050"/>
+            <a:ext cx="5925918" cy="360000"/>
+          </a:xfrm>
+          <a:prstGeom prst="rect">
+            <a:avLst/>
+          </a:prstGeom>
+          <a:noFill/>
+          <a:ln>
+            <a:noFill/>
+          </a:ln>
+        </p:spPr>
+        <p:style>
+          <a:lnRef idx="2">
+            <a:schemeClr val="accent1">
+              <a:shade val="15000"/>
+            </a:schemeClr>
+          </a:lnRef>
+          <a:fillRef idx="1">
+            <a:schemeClr val="accent1"/>
+          </a:fillRef>
+          <a:effectRef idx="0">
+            <a:schemeClr val="accent1"/>
+          </a:effectRef>
+          <a:fontRef idx="minor">
+            <a:schemeClr val="lt1"/>
+          </a:fontRef>
+        </p:style>
+        <p:txBody>
+          <a:bodyPr rtlCol="0" anchor="ctr"/>
+          <a:lstStyle/>
+          <a:p>
+            <a:r>
+              <a:rPr kumimoji="1" lang="ja-JP" altLang="en-US" sz="1400">
+                <a:solidFill>
+                  <a:srgbClr val="323232"/>
+                </a:solidFill>
+                <a:latin typeface="Yu Gothic" panose="020B0400000000000000" pitchFamily="34" charset="-128"/>
+                <a:ea typeface="Yu Gothic" panose="020B0400000000000000" pitchFamily="34" charset="-128"/>
+              </a:rPr>
+              <a:t>〒</a:t>
+            </a:r>
+            <a:r>
+              <a:rPr kumimoji="1" lang="en-US" altLang="ja-JP" sz="1400" dirty="0">
+                <a:solidFill>
+                  <a:srgbClr val="323232"/>
+                </a:solidFill>
+                <a:latin typeface="Yu Gothic" panose="020B0400000000000000" pitchFamily="34" charset="-128"/>
+                <a:ea typeface="Yu Gothic" panose="020B0400000000000000" pitchFamily="34" charset="-128"/>
+              </a:rPr>
+              <a:t>432-8011 </a:t>
+            </a:r>
+            <a:r>
+              <a:rPr kumimoji="1" lang="ja-JP" altLang="en-US" sz="1400">
+                <a:solidFill>
+                  <a:srgbClr val="323232"/>
+                </a:solidFill>
+                <a:latin typeface="Yu Gothic" panose="020B0400000000000000" pitchFamily="34" charset="-128"/>
+                <a:ea typeface="Yu Gothic" panose="020B0400000000000000" pitchFamily="34" charset="-128"/>
+              </a:rPr>
+              <a:t>静岡県浜松市中央区城北</a:t>
+            </a:r>
+            <a:r>
+              <a:rPr kumimoji="1" lang="en-US" altLang="ja-JP" sz="1400" dirty="0">
+                <a:solidFill>
+                  <a:srgbClr val="323232"/>
+                </a:solidFill>
+                <a:latin typeface="Yu Gothic" panose="020B0400000000000000" pitchFamily="34" charset="-128"/>
+                <a:ea typeface="Yu Gothic" panose="020B0400000000000000" pitchFamily="34" charset="-128"/>
+              </a:rPr>
+              <a:t>3-5-1 </a:t>
+            </a:r>
+            <a:r>
+              <a:rPr kumimoji="1" lang="ja-JP" altLang="en-US" sz="1400">
+                <a:solidFill>
+                  <a:srgbClr val="323232"/>
+                </a:solidFill>
+                <a:latin typeface="Yu Gothic" panose="020B0400000000000000" pitchFamily="34" charset="-128"/>
+                <a:ea typeface="Yu Gothic" panose="020B0400000000000000" pitchFamily="34" charset="-128"/>
+              </a:rPr>
+              <a:t>静岡大学浜松キャンパス</a:t>
+            </a:r>
+          </a:p>
+        </p:txBody>
+      </p:sp>
+      <p:sp>
+        <p:nvSpPr>
+          <p:cNvPr id="30" name="正方形/長方形 29">
+            <a:extLst>
+              <a:ext uri="{FF2B5EF4-FFF2-40B4-BE49-F238E27FC236}">
+                <a16:creationId xmlns:a16="http://schemas.microsoft.com/office/drawing/2014/main" id="{4ADBFF52-46C6-336B-AC3E-0478F7A04414}"/>
+              </a:ext>
+            </a:extLst>
+          </p:cNvPr>
+          <p:cNvSpPr/>
+          <p:nvPr/>
+        </p:nvSpPr>
+        <p:spPr>
+          <a:xfrm>
+            <a:off x="1080000" y="5069145"/>
+            <a:ext cx="2184611" cy="360000"/>
+          </a:xfrm>
+          <a:prstGeom prst="rect">
+            <a:avLst/>
+          </a:prstGeom>
+          <a:noFill/>
+          <a:ln>
+            <a:noFill/>
+          </a:ln>
+        </p:spPr>
+        <p:style>
+          <a:lnRef idx="2">
+            <a:schemeClr val="accent1">
+              <a:shade val="15000"/>
+            </a:schemeClr>
+          </a:lnRef>
+          <a:fillRef idx="1">
+            <a:schemeClr val="accent1"/>
+          </a:fillRef>
+          <a:effectRef idx="0">
+            <a:schemeClr val="accent1"/>
+          </a:effectRef>
+          <a:fontRef idx="minor">
+            <a:schemeClr val="lt1"/>
+          </a:fontRef>
+        </p:style>
+        <p:txBody>
+          <a:bodyPr rtlCol="0" anchor="ctr"/>
+          <a:lstStyle/>
+          <a:p>
+            <a:r>
+              <a:rPr kumimoji="1" lang="en-US" altLang="ja-JP" sz="1400" dirty="0">
+                <a:solidFill>
+                  <a:srgbClr val="323232"/>
+                </a:solidFill>
+                <a:latin typeface="Yu Gothic" panose="020B0400000000000000" pitchFamily="34" charset="-128"/>
+                <a:ea typeface="Yu Gothic" panose="020B0400000000000000" pitchFamily="34" charset="-128"/>
+              </a:rPr>
+              <a:t>080-1590-6189</a:t>
+            </a:r>
+            <a:endParaRPr kumimoji="1" lang="ja-JP" altLang="en-US" sz="1400">
+              <a:solidFill>
+                <a:srgbClr val="323232"/>
+              </a:solidFill>
+              <a:latin typeface="Yu Gothic" panose="020B0400000000000000" pitchFamily="34" charset="-128"/>
+              <a:ea typeface="Yu Gothic" panose="020B0400000000000000" pitchFamily="34" charset="-128"/>
+            </a:endParaRPr>
+          </a:p>
+        </p:txBody>
+      </p:sp>
+      <p:sp>
+        <p:nvSpPr>
+          <p:cNvPr id="31" name="正方形/長方形 30">
+            <a:extLst>
+              <a:ext uri="{FF2B5EF4-FFF2-40B4-BE49-F238E27FC236}">
+                <a16:creationId xmlns:a16="http://schemas.microsoft.com/office/drawing/2014/main" id="{64134785-DC12-EF74-25B7-1582113EA464}"/>
+              </a:ext>
+            </a:extLst>
+          </p:cNvPr>
+          <p:cNvSpPr/>
+          <p:nvPr/>
+        </p:nvSpPr>
+        <p:spPr>
+          <a:xfrm>
+            <a:off x="1080870" y="5391210"/>
+            <a:ext cx="4677925" cy="360000"/>
+          </a:xfrm>
+          <a:prstGeom prst="rect">
+            <a:avLst/>
+          </a:prstGeom>
+          <a:noFill/>
+          <a:ln>
+            <a:noFill/>
+          </a:ln>
+        </p:spPr>
+        <p:style>
+          <a:lnRef idx="2">
+            <a:schemeClr val="accent1">
+              <a:shade val="15000"/>
+            </a:schemeClr>
+          </a:lnRef>
+          <a:fillRef idx="1">
+            <a:schemeClr val="accent1"/>
+          </a:fillRef>
+          <a:effectRef idx="0">
+            <a:schemeClr val="accent1"/>
+          </a:effectRef>
+          <a:fontRef idx="minor">
+            <a:schemeClr val="lt1"/>
+          </a:fontRef>
+        </p:style>
+        <p:txBody>
+          <a:bodyPr rtlCol="0" anchor="ctr"/>
+          <a:lstStyle/>
+          <a:p>
+            <a:r>
+              <a:rPr kumimoji="1" lang="en-US" altLang="ja-JP" sz="1400" dirty="0">
+                <a:solidFill>
+                  <a:srgbClr val="323232"/>
+                </a:solidFill>
+                <a:latin typeface="Yu Gothic" panose="020B0400000000000000" pitchFamily="34" charset="-128"/>
+                <a:ea typeface="Yu Gothic" panose="020B0400000000000000" pitchFamily="34" charset="-128"/>
+              </a:rPr>
+              <a:t>ichikawa.masanari.18@shizuoka.ac.jp</a:t>
+            </a:r>
+            <a:endParaRPr kumimoji="1" lang="ja-JP" altLang="en-US" sz="1400">
+              <a:solidFill>
+                <a:srgbClr val="323232"/>
+              </a:solidFill>
+              <a:latin typeface="Yu Gothic" panose="020B0400000000000000" pitchFamily="34" charset="-128"/>
+              <a:ea typeface="Yu Gothic" panose="020B0400000000000000" pitchFamily="34" charset="-128"/>
+            </a:endParaRPr>
+          </a:p>
+        </p:txBody>
+      </p:sp>
+      <p:sp>
+        <p:nvSpPr>
+          <p:cNvPr id="32" name="正方形/長方形 31">
+            <a:extLst>
+              <a:ext uri="{FF2B5EF4-FFF2-40B4-BE49-F238E27FC236}">
+                <a16:creationId xmlns:a16="http://schemas.microsoft.com/office/drawing/2014/main" id="{EA986BD9-00F0-F245-F8E0-1E472116D0EB}"/>
+              </a:ext>
+            </a:extLst>
+          </p:cNvPr>
+          <p:cNvSpPr/>
+          <p:nvPr/>
+        </p:nvSpPr>
+        <p:spPr>
+          <a:xfrm>
+            <a:off x="1080000" y="5771306"/>
+            <a:ext cx="5418671" cy="360000"/>
+          </a:xfrm>
+          <a:prstGeom prst="rect">
+            <a:avLst/>
+          </a:prstGeom>
+          <a:noFill/>
+          <a:ln>
+            <a:noFill/>
+          </a:ln>
+        </p:spPr>
+        <p:style>
+          <a:lnRef idx="2">
+            <a:schemeClr val="accent1">
+              <a:shade val="15000"/>
+            </a:schemeClr>
+          </a:lnRef>
+          <a:fillRef idx="1">
+            <a:schemeClr val="accent1"/>
+          </a:fillRef>
+          <a:effectRef idx="0">
+            <a:schemeClr val="accent1"/>
+          </a:effectRef>
+          <a:fontRef idx="minor">
+            <a:schemeClr val="lt1"/>
+          </a:fontRef>
+        </p:style>
+        <p:txBody>
+          <a:bodyPr rtlCol="0" anchor="ctr"/>
+          <a:lstStyle/>
+          <a:p>
+            <a:r>
+              <a:rPr kumimoji="1" lang="en-US" altLang="ja-JP" sz="1400" dirty="0" err="1">
+                <a:solidFill>
+                  <a:srgbClr val="323232"/>
+                </a:solidFill>
+                <a:latin typeface="Yu Gothic" panose="020B0400000000000000" pitchFamily="34" charset="-128"/>
+                <a:ea typeface="Yu Gothic" panose="020B0400000000000000" pitchFamily="34" charset="-128"/>
+              </a:rPr>
+              <a:t>masanarius.github.io</a:t>
+            </a:r>
+            <a:endParaRPr kumimoji="1" lang="ja-JP" altLang="en-US" sz="1400">
+              <a:solidFill>
+                <a:srgbClr val="323232"/>
+              </a:solidFill>
+              <a:latin typeface="Yu Gothic" panose="020B0400000000000000" pitchFamily="34" charset="-128"/>
+              <a:ea typeface="Yu Gothic" panose="020B0400000000000000" pitchFamily="34" charset="-128"/>
+            </a:endParaRPr>
+          </a:p>
+        </p:txBody>
+      </p:sp>
       <p:pic>
         <p:nvPicPr>
           <p:cNvPr id="2" name="図 1">
@@ -7492,10 +7829,103 @@
           </a:prstGeom>
         </p:spPr>
       </p:pic>
+      <p:pic>
+        <p:nvPicPr>
+          <p:cNvPr id="3" name="グラフィックス 2" descr="卒業式用の角帽 単色塗りつぶし">
+            <a:extLst>
+              <a:ext uri="{FF2B5EF4-FFF2-40B4-BE49-F238E27FC236}">
+                <a16:creationId xmlns:a16="http://schemas.microsoft.com/office/drawing/2014/main" id="{351BE5EA-0028-D765-70F7-7D5D148B7D47}"/>
+              </a:ext>
+            </a:extLst>
+          </p:cNvPr>
+          <p:cNvPicPr>
+            <a:picLocks noChangeAspect="1"/>
+          </p:cNvPicPr>
+          <p:nvPr/>
+        </p:nvPicPr>
+        <p:blipFill>
+          <a:blip r:embed="rId15">
+            <a:extLst>
+              <a:ext uri="{96DAC541-7B7A-43D3-8B79-37D633B846F1}">
+                <asvg:svgBlip xmlns:asvg="http://schemas.microsoft.com/office/drawing/2016/SVG/main" r:embed="rId16"/>
+              </a:ext>
+            </a:extLst>
+          </a:blip>
+          <a:srcRect/>
+          <a:stretch/>
+        </p:blipFill>
+        <p:spPr>
+          <a:xfrm>
+            <a:off x="720000" y="3986890"/>
+            <a:ext cx="360000" cy="360000"/>
+          </a:xfrm>
+          <a:prstGeom prst="rect">
+            <a:avLst/>
+          </a:prstGeom>
+        </p:spPr>
+      </p:pic>
+      <p:sp>
+        <p:nvSpPr>
+          <p:cNvPr id="5" name="正方形/長方形 4">
+            <a:extLst>
+              <a:ext uri="{FF2B5EF4-FFF2-40B4-BE49-F238E27FC236}">
+                <a16:creationId xmlns:a16="http://schemas.microsoft.com/office/drawing/2014/main" id="{AD95561A-B0D8-F296-5752-FAF04D155DA8}"/>
+              </a:ext>
+            </a:extLst>
+          </p:cNvPr>
+          <p:cNvSpPr/>
+          <p:nvPr/>
+        </p:nvSpPr>
+        <p:spPr>
+          <a:xfrm>
+            <a:off x="1080000" y="3989052"/>
+            <a:ext cx="5925918" cy="360000"/>
+          </a:xfrm>
+          <a:prstGeom prst="rect">
+            <a:avLst/>
+          </a:prstGeom>
+          <a:noFill/>
+          <a:ln>
+            <a:noFill/>
+          </a:ln>
+        </p:spPr>
+        <p:style>
+          <a:lnRef idx="2">
+            <a:schemeClr val="accent1">
+              <a:shade val="15000"/>
+            </a:schemeClr>
+          </a:lnRef>
+          <a:fillRef idx="1">
+            <a:schemeClr val="accent1"/>
+          </a:fillRef>
+          <a:effectRef idx="0">
+            <a:schemeClr val="accent1"/>
+          </a:effectRef>
+          <a:fontRef idx="minor">
+            <a:schemeClr val="lt1"/>
+          </a:fontRef>
+        </p:style>
+        <p:txBody>
+          <a:bodyPr rtlCol="0" anchor="ctr"/>
+          <a:lstStyle/>
+          <a:p>
+            <a:r>
+              <a:rPr kumimoji="1" lang="ja-JP" altLang="en-US" sz="1400">
+                <a:solidFill>
+                  <a:srgbClr val="323232"/>
+                </a:solidFill>
+                <a:latin typeface="Yu Gothic" panose="020B0400000000000000" pitchFamily="34" charset="-128"/>
+                <a:ea typeface="Yu Gothic" panose="020B0400000000000000" pitchFamily="34" charset="-128"/>
+              </a:rPr>
+              <a:t>修士（情報学）</a:t>
+            </a:r>
+          </a:p>
+        </p:txBody>
+      </p:sp>
     </p:spTree>
     <p:extLst>
       <p:ext uri="{BB962C8B-B14F-4D97-AF65-F5344CB8AC3E}">
-        <p14:creationId xmlns:p14="http://schemas.microsoft.com/office/powerpoint/2010/main" val="4226173648"/>
+        <p14:creationId xmlns:p14="http://schemas.microsoft.com/office/powerpoint/2010/main" val="2994514125"/>
       </p:ext>
     </p:extLst>
   </p:cSld>
@@ -7522,86 +7952,6 @@
           <a:chExt cx="0" cy="0"/>
         </a:xfrm>
       </p:grpSpPr>
-      <p:sp>
-        <p:nvSpPr>
-          <p:cNvPr id="4" name="正方形/長方形 3">
-            <a:extLst>
-              <a:ext uri="{FF2B5EF4-FFF2-40B4-BE49-F238E27FC236}">
-                <a16:creationId xmlns:a16="http://schemas.microsoft.com/office/drawing/2014/main" id="{BD75CB29-FDF1-04EA-CBCC-0405FD653C22}"/>
-              </a:ext>
-            </a:extLst>
-          </p:cNvPr>
-          <p:cNvSpPr/>
-          <p:nvPr/>
-        </p:nvSpPr>
-        <p:spPr>
-          <a:xfrm>
-            <a:off x="720000" y="2519002"/>
-            <a:ext cx="5336108" cy="1440000"/>
-          </a:xfrm>
-          <a:prstGeom prst="rect">
-            <a:avLst/>
-          </a:prstGeom>
-          <a:noFill/>
-          <a:ln>
-            <a:noFill/>
-          </a:ln>
-        </p:spPr>
-        <p:style>
-          <a:lnRef idx="2">
-            <a:schemeClr val="accent1">
-              <a:shade val="15000"/>
-            </a:schemeClr>
-          </a:lnRef>
-          <a:fillRef idx="1">
-            <a:schemeClr val="accent1"/>
-          </a:fillRef>
-          <a:effectRef idx="0">
-            <a:schemeClr val="accent1"/>
-          </a:effectRef>
-          <a:fontRef idx="minor">
-            <a:schemeClr val="lt1"/>
-          </a:fontRef>
-        </p:style>
-        <p:txBody>
-          <a:bodyPr rtlCol="0" anchor="ctr"/>
-          <a:lstStyle/>
-          <a:p>
-            <a:r>
-              <a:rPr kumimoji="1" lang="ja-JP" altLang="en-US" sz="6000">
-                <a:solidFill>
-                  <a:srgbClr val="323232"/>
-                </a:solidFill>
-                <a:latin typeface="+mn-ea"/>
-              </a:rPr>
-              <a:t>市 川  雅 也</a:t>
-            </a:r>
-            <a:endParaRPr kumimoji="1" lang="en-US" altLang="ja-JP" sz="6000" dirty="0">
-              <a:solidFill>
-                <a:srgbClr val="323232"/>
-              </a:solidFill>
-              <a:latin typeface="+mn-ea"/>
-            </a:endParaRPr>
-          </a:p>
-          <a:p>
-            <a:r>
-              <a:rPr kumimoji="1" lang="en-US" altLang="ja-JP" sz="2400" dirty="0">
-                <a:solidFill>
-                  <a:srgbClr val="323232"/>
-                </a:solidFill>
-                <a:latin typeface="+mn-ea"/>
-              </a:rPr>
-              <a:t>Masanari Ichikawa</a:t>
-            </a:r>
-            <a:endParaRPr kumimoji="1" lang="ja-JP" altLang="en-US" sz="2400">
-              <a:solidFill>
-                <a:srgbClr val="323232"/>
-              </a:solidFill>
-              <a:latin typeface="+mn-ea"/>
-            </a:endParaRPr>
-          </a:p>
-        </p:txBody>
-      </p:sp>
       <p:pic>
         <p:nvPicPr>
           <p:cNvPr id="22" name="図 21" descr="ロゴ, アイコン&#10;&#10;自動的に生成された説明">
@@ -7880,7 +8230,7 @@
                   <a:latin typeface="Yu Gothic" panose="020B0400000000000000" pitchFamily="34" charset="-128"/>
                   <a:ea typeface="Yu Gothic" panose="020B0400000000000000" pitchFamily="34" charset="-128"/>
                 </a:rPr>
-                <a:t>Graduate School of Integrated Science and Technology, Shizuoka University</a:t>
+                <a:t>Graduate School of Science and Technology, Shizuoka University</a:t>
               </a:r>
               <a:endParaRPr kumimoji="1" lang="ja-JP" altLang="en-US" sz="1400">
                 <a:solidFill>
@@ -7965,7 +8315,7 @@
                   <a:latin typeface="Yu Gothic" panose="020B0400000000000000" pitchFamily="34" charset="-128"/>
                   <a:ea typeface="Yu Gothic" panose="020B0400000000000000" pitchFamily="34" charset="-128"/>
                 </a:rPr>
-                <a:t>, Naka-</a:t>
+                <a:t>, Chuo-</a:t>
               </a:r>
               <a:r>
                 <a:rPr kumimoji="1" lang="en-US" altLang="ja-JP" sz="1400" dirty="0" err="1">
@@ -8193,6 +8543,186 @@
           </p:txBody>
         </p:sp>
       </p:grpSp>
+      <p:sp>
+        <p:nvSpPr>
+          <p:cNvPr id="2" name="正方形/長方形 1">
+            <a:extLst>
+              <a:ext uri="{FF2B5EF4-FFF2-40B4-BE49-F238E27FC236}">
+                <a16:creationId xmlns:a16="http://schemas.microsoft.com/office/drawing/2014/main" id="{F3D10181-8B16-B2DD-A853-B319CB0DA45C}"/>
+              </a:ext>
+            </a:extLst>
+          </p:cNvPr>
+          <p:cNvSpPr/>
+          <p:nvPr/>
+        </p:nvSpPr>
+        <p:spPr>
+          <a:xfrm>
+            <a:off x="751778" y="2146698"/>
+            <a:ext cx="5336108" cy="1440000"/>
+          </a:xfrm>
+          <a:prstGeom prst="rect">
+            <a:avLst/>
+          </a:prstGeom>
+          <a:noFill/>
+          <a:ln>
+            <a:noFill/>
+          </a:ln>
+        </p:spPr>
+        <p:style>
+          <a:lnRef idx="2">
+            <a:schemeClr val="accent1">
+              <a:shade val="15000"/>
+            </a:schemeClr>
+          </a:lnRef>
+          <a:fillRef idx="1">
+            <a:schemeClr val="accent1"/>
+          </a:fillRef>
+          <a:effectRef idx="0">
+            <a:schemeClr val="accent1"/>
+          </a:effectRef>
+          <a:fontRef idx="minor">
+            <a:schemeClr val="lt1"/>
+          </a:fontRef>
+        </p:style>
+        <p:txBody>
+          <a:bodyPr rtlCol="0" anchor="ctr"/>
+          <a:lstStyle/>
+          <a:p>
+            <a:r>
+              <a:rPr kumimoji="1" lang="ja-JP" altLang="en-US" sz="6000">
+                <a:solidFill>
+                  <a:srgbClr val="323232"/>
+                </a:solidFill>
+                <a:latin typeface="+mn-ea"/>
+              </a:rPr>
+              <a:t>市 川  雅 也</a:t>
+            </a:r>
+            <a:endParaRPr kumimoji="1" lang="en-US" altLang="ja-JP" sz="6000" dirty="0">
+              <a:solidFill>
+                <a:srgbClr val="323232"/>
+              </a:solidFill>
+              <a:latin typeface="+mn-ea"/>
+            </a:endParaRPr>
+          </a:p>
+          <a:p>
+            <a:r>
+              <a:rPr kumimoji="1" lang="en-US" altLang="ja-JP" sz="2400" dirty="0">
+                <a:solidFill>
+                  <a:srgbClr val="323232"/>
+                </a:solidFill>
+                <a:latin typeface="+mn-ea"/>
+              </a:rPr>
+              <a:t>Masanari Ichikawa</a:t>
+            </a:r>
+            <a:endParaRPr kumimoji="1" lang="ja-JP" altLang="en-US" sz="2400">
+              <a:solidFill>
+                <a:srgbClr val="323232"/>
+              </a:solidFill>
+              <a:latin typeface="+mn-ea"/>
+            </a:endParaRPr>
+          </a:p>
+        </p:txBody>
+      </p:sp>
+      <p:pic>
+        <p:nvPicPr>
+          <p:cNvPr id="3" name="グラフィックス 2" descr="卒業式用の角帽 単色塗りつぶし">
+            <a:extLst>
+              <a:ext uri="{FF2B5EF4-FFF2-40B4-BE49-F238E27FC236}">
+                <a16:creationId xmlns:a16="http://schemas.microsoft.com/office/drawing/2014/main" id="{E353BDA6-BCFF-F150-07DE-D4C208F595C7}"/>
+              </a:ext>
+            </a:extLst>
+          </p:cNvPr>
+          <p:cNvPicPr>
+            <a:picLocks noChangeAspect="1"/>
+          </p:cNvPicPr>
+          <p:nvPr/>
+        </p:nvPicPr>
+        <p:blipFill>
+          <a:blip r:embed="rId14">
+            <a:extLst>
+              <a:ext uri="{96DAC541-7B7A-43D3-8B79-37D633B846F1}">
+                <asvg:svgBlip xmlns:asvg="http://schemas.microsoft.com/office/drawing/2016/SVG/main" r:embed="rId15"/>
+              </a:ext>
+            </a:extLst>
+          </a:blip>
+          <a:srcRect/>
+          <a:stretch/>
+        </p:blipFill>
+        <p:spPr>
+          <a:xfrm>
+            <a:off x="720000" y="3986890"/>
+            <a:ext cx="360000" cy="360000"/>
+          </a:xfrm>
+          <a:prstGeom prst="rect">
+            <a:avLst/>
+          </a:prstGeom>
+        </p:spPr>
+      </p:pic>
+      <p:sp>
+        <p:nvSpPr>
+          <p:cNvPr id="5" name="正方形/長方形 4">
+            <a:extLst>
+              <a:ext uri="{FF2B5EF4-FFF2-40B4-BE49-F238E27FC236}">
+                <a16:creationId xmlns:a16="http://schemas.microsoft.com/office/drawing/2014/main" id="{7DB27BEF-9DF7-53F9-159D-0696333E4C0F}"/>
+              </a:ext>
+            </a:extLst>
+          </p:cNvPr>
+          <p:cNvSpPr/>
+          <p:nvPr/>
+        </p:nvSpPr>
+        <p:spPr>
+          <a:xfrm>
+            <a:off x="1080000" y="3989052"/>
+            <a:ext cx="5925918" cy="360000"/>
+          </a:xfrm>
+          <a:prstGeom prst="rect">
+            <a:avLst/>
+          </a:prstGeom>
+          <a:noFill/>
+          <a:ln>
+            <a:noFill/>
+          </a:ln>
+        </p:spPr>
+        <p:style>
+          <a:lnRef idx="2">
+            <a:schemeClr val="accent1">
+              <a:shade val="15000"/>
+            </a:schemeClr>
+          </a:lnRef>
+          <a:fillRef idx="1">
+            <a:schemeClr val="accent1"/>
+          </a:fillRef>
+          <a:effectRef idx="0">
+            <a:schemeClr val="accent1"/>
+          </a:effectRef>
+          <a:fontRef idx="minor">
+            <a:schemeClr val="lt1"/>
+          </a:fontRef>
+        </p:style>
+        <p:txBody>
+          <a:bodyPr rtlCol="0" anchor="ctr"/>
+          <a:lstStyle/>
+          <a:p>
+            <a:r>
+              <a:rPr kumimoji="1" lang="en-US" altLang="ja-JP" sz="1400" dirty="0">
+                <a:solidFill>
+                  <a:srgbClr val="323232"/>
+                </a:solidFill>
+                <a:latin typeface="Yu Gothic" panose="020B0400000000000000" pitchFamily="34" charset="-128"/>
+                <a:ea typeface="Yu Gothic" panose="020B0400000000000000" pitchFamily="34" charset="-128"/>
+              </a:rPr>
+              <a:t>Master of Informatics</a:t>
+            </a:r>
+            <a:endParaRPr kumimoji="1" lang="ja-JP" altLang="en-US" sz="1400">
+              <a:solidFill>
+                <a:srgbClr val="323232"/>
+              </a:solidFill>
+              <a:latin typeface="Yu Gothic" panose="020B0400000000000000" pitchFamily="34" charset="-128"/>
+              <a:ea typeface="Yu Gothic" panose="020B0400000000000000" pitchFamily="34" charset="-128"/>
+            </a:endParaRPr>
+          </a:p>
+        </p:txBody>
+      </p:sp>
     </p:spTree>
     <p:extLst>
       <p:ext uri="{BB962C8B-B14F-4D97-AF65-F5344CB8AC3E}">

--- a/img/card/businesscard.pptx
+++ b/img/card/businesscard.pptx
@@ -202,7 +202,7 @@
           <a:p>
             <a:fld id="{CAEBE9D9-678F-BD4B-8EA4-BDD07F057B8C}" type="datetimeFigureOut">
               <a:rPr kumimoji="1" lang="ja-JP" altLang="en-US" smtClean="0"/>
-              <a:t>2023/10/16</a:t>
+              <a:t>2023/11/8</a:t>
             </a:fld>
             <a:endParaRPr kumimoji="1" lang="ja-JP" altLang="en-US"/>
           </a:p>
@@ -1136,7 +1136,7 @@
           <a:p>
             <a:fld id="{2AE1D30C-6AA1-F444-A085-A136DDB05B7F}" type="datetimeFigureOut">
               <a:rPr kumimoji="1" lang="ja-JP" altLang="en-US" smtClean="0"/>
-              <a:t>2023/10/16</a:t>
+              <a:t>2023/11/8</a:t>
             </a:fld>
             <a:endParaRPr kumimoji="1" lang="ja-JP" altLang="en-US"/>
           </a:p>
@@ -1338,7 +1338,7 @@
           <a:p>
             <a:fld id="{2AE1D30C-6AA1-F444-A085-A136DDB05B7F}" type="datetimeFigureOut">
               <a:rPr kumimoji="1" lang="ja-JP" altLang="en-US" smtClean="0"/>
-              <a:t>2023/10/16</a:t>
+              <a:t>2023/11/8</a:t>
             </a:fld>
             <a:endParaRPr kumimoji="1" lang="ja-JP" altLang="en-US"/>
           </a:p>
@@ -1550,7 +1550,7 @@
           <a:p>
             <a:fld id="{2AE1D30C-6AA1-F444-A085-A136DDB05B7F}" type="datetimeFigureOut">
               <a:rPr kumimoji="1" lang="ja-JP" altLang="en-US" smtClean="0"/>
-              <a:t>2023/10/16</a:t>
+              <a:t>2023/11/8</a:t>
             </a:fld>
             <a:endParaRPr kumimoji="1" lang="ja-JP" altLang="en-US"/>
           </a:p>
@@ -1752,7 +1752,7 @@
           <a:p>
             <a:fld id="{2AE1D30C-6AA1-F444-A085-A136DDB05B7F}" type="datetimeFigureOut">
               <a:rPr kumimoji="1" lang="ja-JP" altLang="en-US" smtClean="0"/>
-              <a:t>2023/10/16</a:t>
+              <a:t>2023/11/8</a:t>
             </a:fld>
             <a:endParaRPr kumimoji="1" lang="ja-JP" altLang="en-US"/>
           </a:p>
@@ -1998,7 +1998,7 @@
           <a:p>
             <a:fld id="{2AE1D30C-6AA1-F444-A085-A136DDB05B7F}" type="datetimeFigureOut">
               <a:rPr kumimoji="1" lang="ja-JP" altLang="en-US" smtClean="0"/>
-              <a:t>2023/10/16</a:t>
+              <a:t>2023/11/8</a:t>
             </a:fld>
             <a:endParaRPr kumimoji="1" lang="ja-JP" altLang="en-US"/>
           </a:p>
@@ -2294,7 +2294,7 @@
           <a:p>
             <a:fld id="{2AE1D30C-6AA1-F444-A085-A136DDB05B7F}" type="datetimeFigureOut">
               <a:rPr kumimoji="1" lang="ja-JP" altLang="en-US" smtClean="0"/>
-              <a:t>2023/10/16</a:t>
+              <a:t>2023/11/8</a:t>
             </a:fld>
             <a:endParaRPr kumimoji="1" lang="ja-JP" altLang="en-US"/>
           </a:p>
@@ -2725,7 +2725,7 @@
           <a:p>
             <a:fld id="{2AE1D30C-6AA1-F444-A085-A136DDB05B7F}" type="datetimeFigureOut">
               <a:rPr kumimoji="1" lang="ja-JP" altLang="en-US" smtClean="0"/>
-              <a:t>2023/10/16</a:t>
+              <a:t>2023/11/8</a:t>
             </a:fld>
             <a:endParaRPr kumimoji="1" lang="ja-JP" altLang="en-US"/>
           </a:p>
@@ -2843,7 +2843,7 @@
           <a:p>
             <a:fld id="{2AE1D30C-6AA1-F444-A085-A136DDB05B7F}" type="datetimeFigureOut">
               <a:rPr kumimoji="1" lang="ja-JP" altLang="en-US" smtClean="0"/>
-              <a:t>2023/10/16</a:t>
+              <a:t>2023/11/8</a:t>
             </a:fld>
             <a:endParaRPr kumimoji="1" lang="ja-JP" altLang="en-US"/>
           </a:p>
@@ -2938,7 +2938,7 @@
           <a:p>
             <a:fld id="{2AE1D30C-6AA1-F444-A085-A136DDB05B7F}" type="datetimeFigureOut">
               <a:rPr kumimoji="1" lang="ja-JP" altLang="en-US" smtClean="0"/>
-              <a:t>2023/10/16</a:t>
+              <a:t>2023/11/8</a:t>
             </a:fld>
             <a:endParaRPr kumimoji="1" lang="ja-JP" altLang="en-US"/>
           </a:p>
@@ -3247,7 +3247,7 @@
           <a:p>
             <a:fld id="{2AE1D30C-6AA1-F444-A085-A136DDB05B7F}" type="datetimeFigureOut">
               <a:rPr kumimoji="1" lang="ja-JP" altLang="en-US" smtClean="0"/>
-              <a:t>2023/10/16</a:t>
+              <a:t>2023/11/8</a:t>
             </a:fld>
             <a:endParaRPr kumimoji="1" lang="ja-JP" altLang="en-US"/>
           </a:p>
@@ -3504,7 +3504,7 @@
           <a:p>
             <a:fld id="{2AE1D30C-6AA1-F444-A085-A136DDB05B7F}" type="datetimeFigureOut">
               <a:rPr kumimoji="1" lang="ja-JP" altLang="en-US" smtClean="0"/>
-              <a:t>2023/10/16</a:t>
+              <a:t>2023/11/8</a:t>
             </a:fld>
             <a:endParaRPr kumimoji="1" lang="ja-JP" altLang="en-US"/>
           </a:p>
@@ -3749,7 +3749,7 @@
           <a:p>
             <a:fld id="{2AE1D30C-6AA1-F444-A085-A136DDB05B7F}" type="datetimeFigureOut">
               <a:rPr kumimoji="1" lang="ja-JP" altLang="en-US" smtClean="0"/>
-              <a:t>2023/10/16</a:t>
+              <a:t>2023/11/8</a:t>
             </a:fld>
             <a:endParaRPr kumimoji="1" lang="ja-JP" altLang="en-US"/>
           </a:p>
@@ -4223,7 +4223,7 @@
                 </a:solidFill>
                 <a:latin typeface="+mn-ea"/>
               </a:rPr>
-              <a:t>Masanari Ichikawa</a:t>
+              <a:t>Masanari ICHIKAWA</a:t>
             </a:r>
             <a:endParaRPr kumimoji="1" lang="ja-JP" altLang="en-US" sz="2400">
               <a:solidFill>
@@ -4943,7 +4943,7 @@
                 </a:solidFill>
                 <a:latin typeface="+mn-ea"/>
               </a:rPr>
-              <a:t>Masanari Ichikawa</a:t>
+              <a:t>Masanari ICHIKAWA</a:t>
             </a:r>
             <a:endParaRPr kumimoji="1" lang="ja-JP" altLang="en-US" sz="2400">
               <a:solidFill>
@@ -5693,7 +5693,7 @@
                 </a:solidFill>
                 <a:latin typeface="+mn-ea"/>
               </a:rPr>
-              <a:t>Masanari Ichikawa</a:t>
+              <a:t>Masa ICHIKAWA</a:t>
             </a:r>
             <a:endParaRPr kumimoji="1" lang="ja-JP" altLang="en-US" sz="2400">
               <a:solidFill>
@@ -6394,7 +6394,7 @@
                 </a:solidFill>
                 <a:latin typeface="+mn-ea"/>
               </a:rPr>
-              <a:t>Masanari Ichikawa</a:t>
+              <a:t>Masanari ICHIKAWA</a:t>
             </a:r>
             <a:endParaRPr kumimoji="1" lang="ja-JP" altLang="en-US" sz="2400">
               <a:solidFill>
@@ -7193,7 +7193,7 @@
                 </a:solidFill>
                 <a:latin typeface="+mn-ea"/>
               </a:rPr>
-              <a:t>Masanari Ichikawa</a:t>
+              <a:t>Masanari ICHIKAWA</a:t>
             </a:r>
             <a:endParaRPr kumimoji="1" lang="ja-JP" altLang="en-US" sz="2400">
               <a:solidFill>
@@ -8400,7 +8400,7 @@
                   <a:latin typeface="Yu Gothic" panose="020B0400000000000000" pitchFamily="34" charset="-128"/>
                   <a:ea typeface="Yu Gothic" panose="020B0400000000000000" pitchFamily="34" charset="-128"/>
                 </a:rPr>
-                <a:t>080-1590-6189</a:t>
+                <a:t>+81-80-1590-6189</a:t>
               </a:r>
               <a:endParaRPr kumimoji="1" lang="ja-JP" altLang="en-US" sz="1400">
                 <a:solidFill>
@@ -8612,7 +8612,7 @@
                 </a:solidFill>
                 <a:latin typeface="+mn-ea"/>
               </a:rPr>
-              <a:t>Masanari Ichikawa</a:t>
+              <a:t>Masa ICHIKAWA</a:t>
             </a:r>
             <a:endParaRPr kumimoji="1" lang="ja-JP" altLang="en-US" sz="2400">
               <a:solidFill>

--- a/img/card/businesscard.pptx
+++ b/img/card/businesscard.pptx
@@ -5693,7 +5693,7 @@
                 </a:solidFill>
                 <a:latin typeface="+mn-ea"/>
               </a:rPr>
-              <a:t>Masa ICHIKAWA</a:t>
+              <a:t>Masanari ICHIKAWA</a:t>
             </a:r>
             <a:endParaRPr kumimoji="1" lang="ja-JP" altLang="en-US" sz="2400">
               <a:solidFill>
@@ -8606,13 +8606,22 @@
           </a:p>
           <a:p>
             <a:r>
+              <a:rPr kumimoji="1" lang="en-US" altLang="ja-JP" sz="2400">
+                <a:solidFill>
+                  <a:srgbClr val="323232"/>
+                </a:solidFill>
+                <a:latin typeface="+mn-ea"/>
+              </a:rPr>
+              <a:t>Masanari </a:t>
+            </a:r>
+            <a:r>
               <a:rPr kumimoji="1" lang="en-US" altLang="ja-JP" sz="2400" dirty="0">
                 <a:solidFill>
                   <a:srgbClr val="323232"/>
                 </a:solidFill>
                 <a:latin typeface="+mn-ea"/>
               </a:rPr>
-              <a:t>Masa ICHIKAWA</a:t>
+              <a:t>ICHIKAWA</a:t>
             </a:r>
             <a:endParaRPr kumimoji="1" lang="ja-JP" altLang="en-US" sz="2400">
               <a:solidFill>

--- a/img/card/businesscard.pptx
+++ b/img/card/businesscard.pptx
@@ -5,15 +5,22 @@
     <p:sldMasterId id="2147483672" r:id="rId1"/>
   </p:sldMasterIdLst>
   <p:notesMasterIdLst>
-    <p:notesMasterId r:id="rId8"/>
+    <p:notesMasterId r:id="rId15"/>
   </p:notesMasterIdLst>
   <p:sldIdLst>
-    <p:sldId id="258" r:id="rId2"/>
-    <p:sldId id="263" r:id="rId3"/>
-    <p:sldId id="262" r:id="rId4"/>
-    <p:sldId id="265" r:id="rId5"/>
-    <p:sldId id="266" r:id="rId6"/>
-    <p:sldId id="264" r:id="rId7"/>
+    <p:sldId id="273" r:id="rId2"/>
+    <p:sldId id="274" r:id="rId3"/>
+    <p:sldId id="275" r:id="rId4"/>
+    <p:sldId id="276" r:id="rId5"/>
+    <p:sldId id="277" r:id="rId6"/>
+    <p:sldId id="278" r:id="rId7"/>
+    <p:sldId id="267" r:id="rId8"/>
+    <p:sldId id="268" r:id="rId9"/>
+    <p:sldId id="269" r:id="rId10"/>
+    <p:sldId id="270" r:id="rId11"/>
+    <p:sldId id="271" r:id="rId12"/>
+    <p:sldId id="272" r:id="rId13"/>
+    <p:sldId id="279" r:id="rId14"/>
   </p:sldIdLst>
   <p:sldSz cx="11520488" cy="6480175"/>
   <p:notesSz cx="6858000" cy="9144000"/>
@@ -113,6 +120,31 @@
     </a:lvl9pPr>
   </p:defaultTextStyle>
   <p:extLst>
+    <p:ext uri="{521415D9-36F7-43E2-AB2F-B90AF26B5E84}">
+      <p14:sectionLst xmlns:p14="http://schemas.microsoft.com/office/powerpoint/2010/main">
+        <p14:section name="学士" id="{7FDBE8AC-819A-E643-91AF-52406AA951A6}">
+          <p14:sldIdLst>
+            <p14:sldId id="273"/>
+            <p14:sldId id="274"/>
+            <p14:sldId id="275"/>
+            <p14:sldId id="276"/>
+            <p14:sldId id="277"/>
+            <p14:sldId id="278"/>
+          </p14:sldIdLst>
+        </p14:section>
+        <p14:section name="修士" id="{FF77B115-0D85-264F-A9BF-E59F1EEB5210}">
+          <p14:sldIdLst>
+            <p14:sldId id="267"/>
+            <p14:sldId id="268"/>
+            <p14:sldId id="269"/>
+            <p14:sldId id="270"/>
+            <p14:sldId id="271"/>
+            <p14:sldId id="272"/>
+            <p14:sldId id="279"/>
+          </p14:sldIdLst>
+        </p14:section>
+      </p14:sectionLst>
+    </p:ext>
     <p:ext uri="{EFAFB233-063F-42B5-8137-9DF3F51BA10A}">
       <p15:sldGuideLst xmlns:p15="http://schemas.microsoft.com/office/powerpoint/2012/main"/>
     </p:ext>
@@ -575,7 +607,259 @@
     </p:spTree>
     <p:extLst>
       <p:ext uri="{BB962C8B-B14F-4D97-AF65-F5344CB8AC3E}">
-        <p14:creationId xmlns:p14="http://schemas.microsoft.com/office/powerpoint/2010/main" val="532265595"/>
+        <p14:creationId xmlns:p14="http://schemas.microsoft.com/office/powerpoint/2010/main" val="2320020085"/>
+      </p:ext>
+    </p:extLst>
+  </p:cSld>
+  <p:clrMapOvr>
+    <a:masterClrMapping/>
+  </p:clrMapOvr>
+</p:notes>
+</file>
+
+<file path=ppt/notesSlides/notesSlide10.xml><?xml version="1.0" encoding="utf-8"?>
+<p:notes xmlns:a="http://schemas.openxmlformats.org/drawingml/2006/main" xmlns:r="http://schemas.openxmlformats.org/officeDocument/2006/relationships" xmlns:p="http://schemas.openxmlformats.org/presentationml/2006/main">
+  <p:cSld>
+    <p:spTree>
+      <p:nvGrpSpPr>
+        <p:cNvPr id="1" name=""/>
+        <p:cNvGrpSpPr/>
+        <p:nvPr/>
+      </p:nvGrpSpPr>
+      <p:grpSpPr>
+        <a:xfrm>
+          <a:off x="0" y="0"/>
+          <a:ext cx="0" cy="0"/>
+          <a:chOff x="0" y="0"/>
+          <a:chExt cx="0" cy="0"/>
+        </a:xfrm>
+      </p:grpSpPr>
+      <p:sp>
+        <p:nvSpPr>
+          <p:cNvPr id="2" name="スライド イメージ プレースホルダー 1"/>
+          <p:cNvSpPr>
+            <a:spLocks noGrp="1" noRot="1" noChangeAspect="1"/>
+          </p:cNvSpPr>
+          <p:nvPr>
+            <p:ph type="sldImg"/>
+          </p:nvPr>
+        </p:nvSpPr>
+        <p:spPr/>
+      </p:sp>
+      <p:sp>
+        <p:nvSpPr>
+          <p:cNvPr id="3" name="ノート プレースホルダー 2"/>
+          <p:cNvSpPr>
+            <a:spLocks noGrp="1"/>
+          </p:cNvSpPr>
+          <p:nvPr>
+            <p:ph type="body" idx="1"/>
+          </p:nvPr>
+        </p:nvSpPr>
+        <p:spPr/>
+        <p:txBody>
+          <a:bodyPr/>
+          <a:lstStyle/>
+          <a:p>
+            <a:endParaRPr kumimoji="1" lang="ja-JP" altLang="en-US"/>
+          </a:p>
+        </p:txBody>
+      </p:sp>
+      <p:sp>
+        <p:nvSpPr>
+          <p:cNvPr id="4" name="スライド番号プレースホルダー 3"/>
+          <p:cNvSpPr>
+            <a:spLocks noGrp="1"/>
+          </p:cNvSpPr>
+          <p:nvPr>
+            <p:ph type="sldNum" sz="quarter" idx="5"/>
+          </p:nvPr>
+        </p:nvSpPr>
+        <p:spPr/>
+        <p:txBody>
+          <a:bodyPr/>
+          <a:lstStyle/>
+          <a:p>
+            <a:fld id="{4A2BB725-D884-2B4E-86E1-8CAAD1C4FED5}" type="slidenum">
+              <a:rPr kumimoji="1" lang="ja-JP" altLang="en-US" smtClean="0"/>
+              <a:t>10</a:t>
+            </a:fld>
+            <a:endParaRPr kumimoji="1" lang="ja-JP" altLang="en-US"/>
+          </a:p>
+        </p:txBody>
+      </p:sp>
+    </p:spTree>
+    <p:extLst>
+      <p:ext uri="{BB962C8B-B14F-4D97-AF65-F5344CB8AC3E}">
+        <p14:creationId xmlns:p14="http://schemas.microsoft.com/office/powerpoint/2010/main" val="3447933794"/>
+      </p:ext>
+    </p:extLst>
+  </p:cSld>
+  <p:clrMapOvr>
+    <a:masterClrMapping/>
+  </p:clrMapOvr>
+</p:notes>
+</file>
+
+<file path=ppt/notesSlides/notesSlide11.xml><?xml version="1.0" encoding="utf-8"?>
+<p:notes xmlns:a="http://schemas.openxmlformats.org/drawingml/2006/main" xmlns:r="http://schemas.openxmlformats.org/officeDocument/2006/relationships" xmlns:p="http://schemas.openxmlformats.org/presentationml/2006/main">
+  <p:cSld>
+    <p:spTree>
+      <p:nvGrpSpPr>
+        <p:cNvPr id="1" name=""/>
+        <p:cNvGrpSpPr/>
+        <p:nvPr/>
+      </p:nvGrpSpPr>
+      <p:grpSpPr>
+        <a:xfrm>
+          <a:off x="0" y="0"/>
+          <a:ext cx="0" cy="0"/>
+          <a:chOff x="0" y="0"/>
+          <a:chExt cx="0" cy="0"/>
+        </a:xfrm>
+      </p:grpSpPr>
+      <p:sp>
+        <p:nvSpPr>
+          <p:cNvPr id="2" name="スライド イメージ プレースホルダー 1"/>
+          <p:cNvSpPr>
+            <a:spLocks noGrp="1" noRot="1" noChangeAspect="1"/>
+          </p:cNvSpPr>
+          <p:nvPr>
+            <p:ph type="sldImg"/>
+          </p:nvPr>
+        </p:nvSpPr>
+        <p:spPr/>
+      </p:sp>
+      <p:sp>
+        <p:nvSpPr>
+          <p:cNvPr id="3" name="ノート プレースホルダー 2"/>
+          <p:cNvSpPr>
+            <a:spLocks noGrp="1"/>
+          </p:cNvSpPr>
+          <p:nvPr>
+            <p:ph type="body" idx="1"/>
+          </p:nvPr>
+        </p:nvSpPr>
+        <p:spPr/>
+        <p:txBody>
+          <a:bodyPr/>
+          <a:lstStyle/>
+          <a:p>
+            <a:endParaRPr kumimoji="1" lang="ja-JP" altLang="en-US"/>
+          </a:p>
+        </p:txBody>
+      </p:sp>
+      <p:sp>
+        <p:nvSpPr>
+          <p:cNvPr id="4" name="スライド番号プレースホルダー 3"/>
+          <p:cNvSpPr>
+            <a:spLocks noGrp="1"/>
+          </p:cNvSpPr>
+          <p:nvPr>
+            <p:ph type="sldNum" sz="quarter" idx="5"/>
+          </p:nvPr>
+        </p:nvSpPr>
+        <p:spPr/>
+        <p:txBody>
+          <a:bodyPr/>
+          <a:lstStyle/>
+          <a:p>
+            <a:fld id="{4A2BB725-D884-2B4E-86E1-8CAAD1C4FED5}" type="slidenum">
+              <a:rPr kumimoji="1" lang="ja-JP" altLang="en-US" smtClean="0"/>
+              <a:t>11</a:t>
+            </a:fld>
+            <a:endParaRPr kumimoji="1" lang="ja-JP" altLang="en-US"/>
+          </a:p>
+        </p:txBody>
+      </p:sp>
+    </p:spTree>
+    <p:extLst>
+      <p:ext uri="{BB962C8B-B14F-4D97-AF65-F5344CB8AC3E}">
+        <p14:creationId xmlns:p14="http://schemas.microsoft.com/office/powerpoint/2010/main" val="3139527304"/>
+      </p:ext>
+    </p:extLst>
+  </p:cSld>
+  <p:clrMapOvr>
+    <a:masterClrMapping/>
+  </p:clrMapOvr>
+</p:notes>
+</file>
+
+<file path=ppt/notesSlides/notesSlide12.xml><?xml version="1.0" encoding="utf-8"?>
+<p:notes xmlns:a="http://schemas.openxmlformats.org/drawingml/2006/main" xmlns:r="http://schemas.openxmlformats.org/officeDocument/2006/relationships" xmlns:p="http://schemas.openxmlformats.org/presentationml/2006/main">
+  <p:cSld>
+    <p:spTree>
+      <p:nvGrpSpPr>
+        <p:cNvPr id="1" name=""/>
+        <p:cNvGrpSpPr/>
+        <p:nvPr/>
+      </p:nvGrpSpPr>
+      <p:grpSpPr>
+        <a:xfrm>
+          <a:off x="0" y="0"/>
+          <a:ext cx="0" cy="0"/>
+          <a:chOff x="0" y="0"/>
+          <a:chExt cx="0" cy="0"/>
+        </a:xfrm>
+      </p:grpSpPr>
+      <p:sp>
+        <p:nvSpPr>
+          <p:cNvPr id="2" name="スライド イメージ プレースホルダー 1"/>
+          <p:cNvSpPr>
+            <a:spLocks noGrp="1" noRot="1" noChangeAspect="1"/>
+          </p:cNvSpPr>
+          <p:nvPr>
+            <p:ph type="sldImg"/>
+          </p:nvPr>
+        </p:nvSpPr>
+        <p:spPr/>
+      </p:sp>
+      <p:sp>
+        <p:nvSpPr>
+          <p:cNvPr id="3" name="ノート プレースホルダー 2"/>
+          <p:cNvSpPr>
+            <a:spLocks noGrp="1"/>
+          </p:cNvSpPr>
+          <p:nvPr>
+            <p:ph type="body" idx="1"/>
+          </p:nvPr>
+        </p:nvSpPr>
+        <p:spPr/>
+        <p:txBody>
+          <a:bodyPr/>
+          <a:lstStyle/>
+          <a:p>
+            <a:endParaRPr kumimoji="1" lang="ja-JP" altLang="en-US"/>
+          </a:p>
+        </p:txBody>
+      </p:sp>
+      <p:sp>
+        <p:nvSpPr>
+          <p:cNvPr id="4" name="スライド番号プレースホルダー 3"/>
+          <p:cNvSpPr>
+            <a:spLocks noGrp="1"/>
+          </p:cNvSpPr>
+          <p:nvPr>
+            <p:ph type="sldNum" sz="quarter" idx="5"/>
+          </p:nvPr>
+        </p:nvSpPr>
+        <p:spPr/>
+        <p:txBody>
+          <a:bodyPr/>
+          <a:lstStyle/>
+          <a:p>
+            <a:fld id="{4A2BB725-D884-2B4E-86E1-8CAAD1C4FED5}" type="slidenum">
+              <a:rPr kumimoji="1" lang="ja-JP" altLang="en-US" smtClean="0"/>
+              <a:t>12</a:t>
+            </a:fld>
+            <a:endParaRPr kumimoji="1" lang="ja-JP" altLang="en-US"/>
+          </a:p>
+        </p:txBody>
+      </p:sp>
+    </p:spTree>
+    <p:extLst>
+      <p:ext uri="{BB962C8B-B14F-4D97-AF65-F5344CB8AC3E}">
+        <p14:creationId xmlns:p14="http://schemas.microsoft.com/office/powerpoint/2010/main" val="3841719989"/>
       </p:ext>
     </p:extLst>
   </p:cSld>
@@ -659,7 +943,7 @@
     </p:spTree>
     <p:extLst>
       <p:ext uri="{BB962C8B-B14F-4D97-AF65-F5344CB8AC3E}">
-        <p14:creationId xmlns:p14="http://schemas.microsoft.com/office/powerpoint/2010/main" val="1016834221"/>
+        <p14:creationId xmlns:p14="http://schemas.microsoft.com/office/powerpoint/2010/main" val="334839340"/>
       </p:ext>
     </p:extLst>
   </p:cSld>
@@ -743,7 +1027,7 @@
     </p:spTree>
     <p:extLst>
       <p:ext uri="{BB962C8B-B14F-4D97-AF65-F5344CB8AC3E}">
-        <p14:creationId xmlns:p14="http://schemas.microsoft.com/office/powerpoint/2010/main" val="2726933785"/>
+        <p14:creationId xmlns:p14="http://schemas.microsoft.com/office/powerpoint/2010/main" val="2218919913"/>
       </p:ext>
     </p:extLst>
   </p:cSld>
@@ -827,7 +1111,7 @@
     </p:spTree>
     <p:extLst>
       <p:ext uri="{BB962C8B-B14F-4D97-AF65-F5344CB8AC3E}">
-        <p14:creationId xmlns:p14="http://schemas.microsoft.com/office/powerpoint/2010/main" val="4214927413"/>
+        <p14:creationId xmlns:p14="http://schemas.microsoft.com/office/powerpoint/2010/main" val="2056262869"/>
       </p:ext>
     </p:extLst>
   </p:cSld>
@@ -911,7 +1195,7 @@
     </p:spTree>
     <p:extLst>
       <p:ext uri="{BB962C8B-B14F-4D97-AF65-F5344CB8AC3E}">
-        <p14:creationId xmlns:p14="http://schemas.microsoft.com/office/powerpoint/2010/main" val="190110829"/>
+        <p14:creationId xmlns:p14="http://schemas.microsoft.com/office/powerpoint/2010/main" val="2682907838"/>
       </p:ext>
     </p:extLst>
   </p:cSld>
@@ -995,7 +1279,259 @@
     </p:spTree>
     <p:extLst>
       <p:ext uri="{BB962C8B-B14F-4D97-AF65-F5344CB8AC3E}">
-        <p14:creationId xmlns:p14="http://schemas.microsoft.com/office/powerpoint/2010/main" val="2832278395"/>
+        <p14:creationId xmlns:p14="http://schemas.microsoft.com/office/powerpoint/2010/main" val="3015711069"/>
+      </p:ext>
+    </p:extLst>
+  </p:cSld>
+  <p:clrMapOvr>
+    <a:masterClrMapping/>
+  </p:clrMapOvr>
+</p:notes>
+</file>
+
+<file path=ppt/notesSlides/notesSlide7.xml><?xml version="1.0" encoding="utf-8"?>
+<p:notes xmlns:a="http://schemas.openxmlformats.org/drawingml/2006/main" xmlns:r="http://schemas.openxmlformats.org/officeDocument/2006/relationships" xmlns:p="http://schemas.openxmlformats.org/presentationml/2006/main">
+  <p:cSld>
+    <p:spTree>
+      <p:nvGrpSpPr>
+        <p:cNvPr id="1" name=""/>
+        <p:cNvGrpSpPr/>
+        <p:nvPr/>
+      </p:nvGrpSpPr>
+      <p:grpSpPr>
+        <a:xfrm>
+          <a:off x="0" y="0"/>
+          <a:ext cx="0" cy="0"/>
+          <a:chOff x="0" y="0"/>
+          <a:chExt cx="0" cy="0"/>
+        </a:xfrm>
+      </p:grpSpPr>
+      <p:sp>
+        <p:nvSpPr>
+          <p:cNvPr id="2" name="スライド イメージ プレースホルダー 1"/>
+          <p:cNvSpPr>
+            <a:spLocks noGrp="1" noRot="1" noChangeAspect="1"/>
+          </p:cNvSpPr>
+          <p:nvPr>
+            <p:ph type="sldImg"/>
+          </p:nvPr>
+        </p:nvSpPr>
+        <p:spPr/>
+      </p:sp>
+      <p:sp>
+        <p:nvSpPr>
+          <p:cNvPr id="3" name="ノート プレースホルダー 2"/>
+          <p:cNvSpPr>
+            <a:spLocks noGrp="1"/>
+          </p:cNvSpPr>
+          <p:nvPr>
+            <p:ph type="body" idx="1"/>
+          </p:nvPr>
+        </p:nvSpPr>
+        <p:spPr/>
+        <p:txBody>
+          <a:bodyPr/>
+          <a:lstStyle/>
+          <a:p>
+            <a:endParaRPr kumimoji="1" lang="ja-JP" altLang="en-US"/>
+          </a:p>
+        </p:txBody>
+      </p:sp>
+      <p:sp>
+        <p:nvSpPr>
+          <p:cNvPr id="4" name="スライド番号プレースホルダー 3"/>
+          <p:cNvSpPr>
+            <a:spLocks noGrp="1"/>
+          </p:cNvSpPr>
+          <p:nvPr>
+            <p:ph type="sldNum" sz="quarter" idx="5"/>
+          </p:nvPr>
+        </p:nvSpPr>
+        <p:spPr/>
+        <p:txBody>
+          <a:bodyPr/>
+          <a:lstStyle/>
+          <a:p>
+            <a:fld id="{4A2BB725-D884-2B4E-86E1-8CAAD1C4FED5}" type="slidenum">
+              <a:rPr kumimoji="1" lang="ja-JP" altLang="en-US" smtClean="0"/>
+              <a:t>7</a:t>
+            </a:fld>
+            <a:endParaRPr kumimoji="1" lang="ja-JP" altLang="en-US"/>
+          </a:p>
+        </p:txBody>
+      </p:sp>
+    </p:spTree>
+    <p:extLst>
+      <p:ext uri="{BB962C8B-B14F-4D97-AF65-F5344CB8AC3E}">
+        <p14:creationId xmlns:p14="http://schemas.microsoft.com/office/powerpoint/2010/main" val="2880812635"/>
+      </p:ext>
+    </p:extLst>
+  </p:cSld>
+  <p:clrMapOvr>
+    <a:masterClrMapping/>
+  </p:clrMapOvr>
+</p:notes>
+</file>
+
+<file path=ppt/notesSlides/notesSlide8.xml><?xml version="1.0" encoding="utf-8"?>
+<p:notes xmlns:a="http://schemas.openxmlformats.org/drawingml/2006/main" xmlns:r="http://schemas.openxmlformats.org/officeDocument/2006/relationships" xmlns:p="http://schemas.openxmlformats.org/presentationml/2006/main">
+  <p:cSld>
+    <p:spTree>
+      <p:nvGrpSpPr>
+        <p:cNvPr id="1" name=""/>
+        <p:cNvGrpSpPr/>
+        <p:nvPr/>
+      </p:nvGrpSpPr>
+      <p:grpSpPr>
+        <a:xfrm>
+          <a:off x="0" y="0"/>
+          <a:ext cx="0" cy="0"/>
+          <a:chOff x="0" y="0"/>
+          <a:chExt cx="0" cy="0"/>
+        </a:xfrm>
+      </p:grpSpPr>
+      <p:sp>
+        <p:nvSpPr>
+          <p:cNvPr id="2" name="スライド イメージ プレースホルダー 1"/>
+          <p:cNvSpPr>
+            <a:spLocks noGrp="1" noRot="1" noChangeAspect="1"/>
+          </p:cNvSpPr>
+          <p:nvPr>
+            <p:ph type="sldImg"/>
+          </p:nvPr>
+        </p:nvSpPr>
+        <p:spPr/>
+      </p:sp>
+      <p:sp>
+        <p:nvSpPr>
+          <p:cNvPr id="3" name="ノート プレースホルダー 2"/>
+          <p:cNvSpPr>
+            <a:spLocks noGrp="1"/>
+          </p:cNvSpPr>
+          <p:nvPr>
+            <p:ph type="body" idx="1"/>
+          </p:nvPr>
+        </p:nvSpPr>
+        <p:spPr/>
+        <p:txBody>
+          <a:bodyPr/>
+          <a:lstStyle/>
+          <a:p>
+            <a:endParaRPr kumimoji="1" lang="ja-JP" altLang="en-US"/>
+          </a:p>
+        </p:txBody>
+      </p:sp>
+      <p:sp>
+        <p:nvSpPr>
+          <p:cNvPr id="4" name="スライド番号プレースホルダー 3"/>
+          <p:cNvSpPr>
+            <a:spLocks noGrp="1"/>
+          </p:cNvSpPr>
+          <p:nvPr>
+            <p:ph type="sldNum" sz="quarter" idx="5"/>
+          </p:nvPr>
+        </p:nvSpPr>
+        <p:spPr/>
+        <p:txBody>
+          <a:bodyPr/>
+          <a:lstStyle/>
+          <a:p>
+            <a:fld id="{4A2BB725-D884-2B4E-86E1-8CAAD1C4FED5}" type="slidenum">
+              <a:rPr kumimoji="1" lang="ja-JP" altLang="en-US" smtClean="0"/>
+              <a:t>8</a:t>
+            </a:fld>
+            <a:endParaRPr kumimoji="1" lang="ja-JP" altLang="en-US"/>
+          </a:p>
+        </p:txBody>
+      </p:sp>
+    </p:spTree>
+    <p:extLst>
+      <p:ext uri="{BB962C8B-B14F-4D97-AF65-F5344CB8AC3E}">
+        <p14:creationId xmlns:p14="http://schemas.microsoft.com/office/powerpoint/2010/main" val="2147383780"/>
+      </p:ext>
+    </p:extLst>
+  </p:cSld>
+  <p:clrMapOvr>
+    <a:masterClrMapping/>
+  </p:clrMapOvr>
+</p:notes>
+</file>
+
+<file path=ppt/notesSlides/notesSlide9.xml><?xml version="1.0" encoding="utf-8"?>
+<p:notes xmlns:a="http://schemas.openxmlformats.org/drawingml/2006/main" xmlns:r="http://schemas.openxmlformats.org/officeDocument/2006/relationships" xmlns:p="http://schemas.openxmlformats.org/presentationml/2006/main">
+  <p:cSld>
+    <p:spTree>
+      <p:nvGrpSpPr>
+        <p:cNvPr id="1" name=""/>
+        <p:cNvGrpSpPr/>
+        <p:nvPr/>
+      </p:nvGrpSpPr>
+      <p:grpSpPr>
+        <a:xfrm>
+          <a:off x="0" y="0"/>
+          <a:ext cx="0" cy="0"/>
+          <a:chOff x="0" y="0"/>
+          <a:chExt cx="0" cy="0"/>
+        </a:xfrm>
+      </p:grpSpPr>
+      <p:sp>
+        <p:nvSpPr>
+          <p:cNvPr id="2" name="スライド イメージ プレースホルダー 1"/>
+          <p:cNvSpPr>
+            <a:spLocks noGrp="1" noRot="1" noChangeAspect="1"/>
+          </p:cNvSpPr>
+          <p:nvPr>
+            <p:ph type="sldImg"/>
+          </p:nvPr>
+        </p:nvSpPr>
+        <p:spPr/>
+      </p:sp>
+      <p:sp>
+        <p:nvSpPr>
+          <p:cNvPr id="3" name="ノート プレースホルダー 2"/>
+          <p:cNvSpPr>
+            <a:spLocks noGrp="1"/>
+          </p:cNvSpPr>
+          <p:nvPr>
+            <p:ph type="body" idx="1"/>
+          </p:nvPr>
+        </p:nvSpPr>
+        <p:spPr/>
+        <p:txBody>
+          <a:bodyPr/>
+          <a:lstStyle/>
+          <a:p>
+            <a:endParaRPr kumimoji="1" lang="ja-JP" altLang="en-US"/>
+          </a:p>
+        </p:txBody>
+      </p:sp>
+      <p:sp>
+        <p:nvSpPr>
+          <p:cNvPr id="4" name="スライド番号プレースホルダー 3"/>
+          <p:cNvSpPr>
+            <a:spLocks noGrp="1"/>
+          </p:cNvSpPr>
+          <p:nvPr>
+            <p:ph type="sldNum" sz="quarter" idx="5"/>
+          </p:nvPr>
+        </p:nvSpPr>
+        <p:spPr/>
+        <p:txBody>
+          <a:bodyPr/>
+          <a:lstStyle/>
+          <a:p>
+            <a:fld id="{4A2BB725-D884-2B4E-86E1-8CAAD1C4FED5}" type="slidenum">
+              <a:rPr kumimoji="1" lang="ja-JP" altLang="en-US" smtClean="0"/>
+              <a:t>9</a:t>
+            </a:fld>
+            <a:endParaRPr kumimoji="1" lang="ja-JP" altLang="en-US"/>
+          </a:p>
+        </p:txBody>
+      </p:sp>
+    </p:spTree>
+    <p:extLst>
+      <p:ext uri="{BB962C8B-B14F-4D97-AF65-F5344CB8AC3E}">
+        <p14:creationId xmlns:p14="http://schemas.microsoft.com/office/powerpoint/2010/main" val="2884571924"/>
       </p:ext>
     </p:extLst>
   </p:cSld>
@@ -4279,9 +4815,9 @@
         <p:grpSpPr>
           <a:xfrm>
             <a:off x="720000" y="4689050"/>
-            <a:ext cx="6393494" cy="1442256"/>
+            <a:ext cx="7770857" cy="1442256"/>
             <a:chOff x="632177" y="4767789"/>
-            <a:chExt cx="6393494" cy="1442256"/>
+            <a:chExt cx="7770857" cy="1442256"/>
           </a:xfrm>
         </p:grpSpPr>
         <p:pic>
@@ -4439,7 +4975,7 @@
           <p:spPr>
             <a:xfrm>
               <a:off x="992177" y="4767789"/>
-              <a:ext cx="5939365" cy="360000"/>
+              <a:ext cx="7410857" cy="360000"/>
             </a:xfrm>
             <a:prstGeom prst="rect">
               <a:avLst/>
@@ -4497,27 +5033,7 @@
                   <a:latin typeface="Yu Gothic" panose="020B0400000000000000" pitchFamily="34" charset="-128"/>
                   <a:ea typeface="Yu Gothic" panose="020B0400000000000000" pitchFamily="34" charset="-128"/>
                 </a:rPr>
-                <a:t>自然科学系教育部 </a:t>
-              </a:r>
-              <a:r>
-                <a:rPr kumimoji="1" lang="en-US" altLang="ja-JP" sz="1400" dirty="0">
-                  <a:solidFill>
-                    <a:srgbClr val="323232"/>
-                  </a:solidFill>
-                  <a:latin typeface="Yu Gothic" panose="020B0400000000000000" pitchFamily="34" charset="-128"/>
-                  <a:ea typeface="Yu Gothic" panose="020B0400000000000000" pitchFamily="34" charset="-128"/>
-                </a:rPr>
-                <a:t>/ </a:t>
-              </a:r>
-              <a:r>
-                <a:rPr kumimoji="1" lang="ja-JP" altLang="en-US" sz="1400">
-                  <a:solidFill>
-                    <a:srgbClr val="323232"/>
-                  </a:solidFill>
-                  <a:latin typeface="Yu Gothic" panose="020B0400000000000000" pitchFamily="34" charset="-128"/>
-                  <a:ea typeface="Yu Gothic" panose="020B0400000000000000" pitchFamily="34" charset="-128"/>
-                </a:rPr>
-                <a:t>認知的コミュニケーション研究室</a:t>
+                <a:t>総合科学技術研究科・認知的コミュニケーション研究室</a:t>
               </a:r>
             </a:p>
           </p:txBody>
@@ -4595,7 +5111,7 @@
                   <a:latin typeface="Yu Gothic" panose="020B0400000000000000" pitchFamily="34" charset="-128"/>
                   <a:ea typeface="Yu Gothic" panose="020B0400000000000000" pitchFamily="34" charset="-128"/>
                 </a:rPr>
-                <a:t>静岡県浜松市中央区城北</a:t>
+                <a:t>静岡県浜松市中区城北</a:t>
               </a:r>
               <a:r>
                 <a:rPr kumimoji="1" lang="en-US" altLang="ja-JP" sz="1400" dirty="0">
@@ -4839,7 +5355,7 @@
                 <a:latin typeface="Yu Gothic" panose="020B0400000000000000" pitchFamily="34" charset="-128"/>
                 <a:ea typeface="Yu Gothic" panose="020B0400000000000000" pitchFamily="34" charset="-128"/>
               </a:rPr>
-              <a:t>修士（情報学）</a:t>
+              <a:t>学士（情報学）</a:t>
             </a:r>
           </a:p>
         </p:txBody>
@@ -4847,7 +5363,7 @@
     </p:spTree>
     <p:extLst>
       <p:ext uri="{BB962C8B-B14F-4D97-AF65-F5344CB8AC3E}">
-        <p14:creationId xmlns:p14="http://schemas.microsoft.com/office/powerpoint/2010/main" val="3886938332"/>
+        <p14:creationId xmlns:p14="http://schemas.microsoft.com/office/powerpoint/2010/main" val="480163659"/>
       </p:ext>
     </p:extLst>
   </p:cSld>
@@ -4857,1459 +5373,8 @@
 </p:sld>
 </file>
 
-<file path=ppt/slides/slide2.xml><?xml version="1.0" encoding="utf-8"?>
-<p:sld xmlns:a="http://schemas.openxmlformats.org/drawingml/2006/main" xmlns:r="http://schemas.openxmlformats.org/officeDocument/2006/relationships" xmlns:p="http://schemas.openxmlformats.org/presentationml/2006/main">
-  <p:cSld>
-    <p:spTree>
-      <p:nvGrpSpPr>
-        <p:cNvPr id="1" name=""/>
-        <p:cNvGrpSpPr/>
-        <p:nvPr/>
-      </p:nvGrpSpPr>
-      <p:grpSpPr>
-        <a:xfrm>
-          <a:off x="0" y="0"/>
-          <a:ext cx="0" cy="0"/>
-          <a:chOff x="0" y="0"/>
-          <a:chExt cx="0" cy="0"/>
-        </a:xfrm>
-      </p:grpSpPr>
-      <p:sp>
-        <p:nvSpPr>
-          <p:cNvPr id="4" name="正方形/長方形 3">
-            <a:extLst>
-              <a:ext uri="{FF2B5EF4-FFF2-40B4-BE49-F238E27FC236}">
-                <a16:creationId xmlns:a16="http://schemas.microsoft.com/office/drawing/2014/main" id="{BD75CB29-FDF1-04EA-CBCC-0405FD653C22}"/>
-              </a:ext>
-            </a:extLst>
-          </p:cNvPr>
-          <p:cNvSpPr/>
-          <p:nvPr/>
-        </p:nvSpPr>
-        <p:spPr>
-          <a:xfrm>
-            <a:off x="720000" y="2519002"/>
-            <a:ext cx="5336108" cy="1440000"/>
-          </a:xfrm>
-          <a:prstGeom prst="rect">
-            <a:avLst/>
-          </a:prstGeom>
-          <a:noFill/>
-          <a:ln>
-            <a:noFill/>
-          </a:ln>
-        </p:spPr>
-        <p:style>
-          <a:lnRef idx="2">
-            <a:schemeClr val="accent1">
-              <a:shade val="15000"/>
-            </a:schemeClr>
-          </a:lnRef>
-          <a:fillRef idx="1">
-            <a:schemeClr val="accent1"/>
-          </a:fillRef>
-          <a:effectRef idx="0">
-            <a:schemeClr val="accent1"/>
-          </a:effectRef>
-          <a:fontRef idx="minor">
-            <a:schemeClr val="lt1"/>
-          </a:fontRef>
-        </p:style>
-        <p:txBody>
-          <a:bodyPr rtlCol="0" anchor="ctr"/>
-          <a:lstStyle/>
-          <a:p>
-            <a:r>
-              <a:rPr kumimoji="1" lang="ja-JP" altLang="en-US" sz="6000">
-                <a:solidFill>
-                  <a:srgbClr val="323232"/>
-                </a:solidFill>
-                <a:latin typeface="+mn-ea"/>
-              </a:rPr>
-              <a:t>市 川  雅 也</a:t>
-            </a:r>
-            <a:endParaRPr kumimoji="1" lang="en-US" altLang="ja-JP" sz="6000" dirty="0">
-              <a:solidFill>
-                <a:srgbClr val="323232"/>
-              </a:solidFill>
-              <a:latin typeface="+mn-ea"/>
-            </a:endParaRPr>
-          </a:p>
-          <a:p>
-            <a:r>
-              <a:rPr kumimoji="1" lang="en-US" altLang="ja-JP" sz="2400" dirty="0">
-                <a:solidFill>
-                  <a:srgbClr val="323232"/>
-                </a:solidFill>
-                <a:latin typeface="+mn-ea"/>
-              </a:rPr>
-              <a:t>Masanari ICHIKAWA</a:t>
-            </a:r>
-            <a:endParaRPr kumimoji="1" lang="ja-JP" altLang="en-US" sz="2400">
-              <a:solidFill>
-                <a:srgbClr val="323232"/>
-              </a:solidFill>
-              <a:latin typeface="+mn-ea"/>
-            </a:endParaRPr>
-          </a:p>
-        </p:txBody>
-      </p:sp>
-      <p:pic>
-        <p:nvPicPr>
-          <p:cNvPr id="22" name="図 21" descr="ロゴ, アイコン&#10;&#10;自動的に生成された説明">
-            <a:extLst>
-              <a:ext uri="{FF2B5EF4-FFF2-40B4-BE49-F238E27FC236}">
-                <a16:creationId xmlns:a16="http://schemas.microsoft.com/office/drawing/2014/main" id="{00E652C2-BC75-0D52-B948-5F1F7C11B34B}"/>
-              </a:ext>
-            </a:extLst>
-          </p:cNvPr>
-          <p:cNvPicPr>
-            <a:picLocks noChangeAspect="1"/>
-          </p:cNvPicPr>
-          <p:nvPr/>
-        </p:nvPicPr>
-        <p:blipFill>
-          <a:blip r:embed="rId3"/>
-          <a:stretch>
-            <a:fillRect/>
-          </a:stretch>
-        </p:blipFill>
-        <p:spPr>
-          <a:xfrm>
-            <a:off x="9356851" y="719002"/>
-            <a:ext cx="1447273" cy="1440000"/>
-          </a:xfrm>
-          <a:prstGeom prst="rect">
-            <a:avLst/>
-          </a:prstGeom>
-        </p:spPr>
-      </p:pic>
-      <p:grpSp>
-        <p:nvGrpSpPr>
-          <p:cNvPr id="33" name="グループ化 32">
-            <a:extLst>
-              <a:ext uri="{FF2B5EF4-FFF2-40B4-BE49-F238E27FC236}">
-                <a16:creationId xmlns:a16="http://schemas.microsoft.com/office/drawing/2014/main" id="{C1BC0DFF-D215-2EAC-05E9-C95DD8AEA35F}"/>
-              </a:ext>
-            </a:extLst>
-          </p:cNvPr>
-          <p:cNvGrpSpPr/>
-          <p:nvPr/>
-        </p:nvGrpSpPr>
-        <p:grpSpPr>
-          <a:xfrm>
-            <a:off x="720000" y="4689050"/>
-            <a:ext cx="6299365" cy="1442256"/>
-            <a:chOff x="632177" y="4767789"/>
-            <a:chExt cx="6299365" cy="1442256"/>
-          </a:xfrm>
-        </p:grpSpPr>
-        <p:pic>
-          <p:nvPicPr>
-            <p:cNvPr id="24" name="グラフィックス 23">
-              <a:extLst>
-                <a:ext uri="{FF2B5EF4-FFF2-40B4-BE49-F238E27FC236}">
-                  <a16:creationId xmlns:a16="http://schemas.microsoft.com/office/drawing/2014/main" id="{A9089DB6-3D8D-B8ED-75E1-A462088C8A70}"/>
-                </a:ext>
-              </a:extLst>
-            </p:cNvPr>
-            <p:cNvPicPr>
-              <a:picLocks noChangeAspect="1"/>
-            </p:cNvPicPr>
-            <p:nvPr/>
-          </p:nvPicPr>
-          <p:blipFill>
-            <a:blip r:embed="rId4">
-              <a:extLst>
-                <a:ext uri="{96DAC541-7B7A-43D3-8B79-37D633B846F1}">
-                  <asvg:svgBlip xmlns:asvg="http://schemas.microsoft.com/office/drawing/2016/SVG/main" r:embed="rId5"/>
-                </a:ext>
-              </a:extLst>
-            </a:blip>
-            <a:srcRect/>
-            <a:stretch/>
-          </p:blipFill>
-          <p:spPr>
-            <a:xfrm>
-              <a:off x="633047" y="4767789"/>
-              <a:ext cx="360000" cy="360000"/>
-            </a:xfrm>
-            <a:prstGeom prst="rect">
-              <a:avLst/>
-            </a:prstGeom>
-          </p:spPr>
-        </p:pic>
-        <p:pic>
-          <p:nvPicPr>
-            <p:cNvPr id="25" name="グラフィックス 24">
-              <a:extLst>
-                <a:ext uri="{FF2B5EF4-FFF2-40B4-BE49-F238E27FC236}">
-                  <a16:creationId xmlns:a16="http://schemas.microsoft.com/office/drawing/2014/main" id="{3249F8CD-CAD7-7F1B-E2BB-864423EC16CC}"/>
-                </a:ext>
-              </a:extLst>
-            </p:cNvPr>
-            <p:cNvPicPr>
-              <a:picLocks noChangeAspect="1"/>
-            </p:cNvPicPr>
-            <p:nvPr/>
-          </p:nvPicPr>
-          <p:blipFill>
-            <a:blip r:embed="rId6">
-              <a:extLst>
-                <a:ext uri="{96DAC541-7B7A-43D3-8B79-37D633B846F1}">
-                  <asvg:svgBlip xmlns:asvg="http://schemas.microsoft.com/office/drawing/2016/SVG/main" r:embed="rId7"/>
-                </a:ext>
-              </a:extLst>
-            </a:blip>
-            <a:srcRect/>
-            <a:stretch/>
-          </p:blipFill>
-          <p:spPr>
-            <a:xfrm>
-              <a:off x="633047" y="5469949"/>
-              <a:ext cx="360000" cy="360000"/>
-            </a:xfrm>
-            <a:prstGeom prst="rect">
-              <a:avLst/>
-            </a:prstGeom>
-          </p:spPr>
-        </p:pic>
-        <p:pic>
-          <p:nvPicPr>
-            <p:cNvPr id="26" name="グラフィックス 25">
-              <a:extLst>
-                <a:ext uri="{FF2B5EF4-FFF2-40B4-BE49-F238E27FC236}">
-                  <a16:creationId xmlns:a16="http://schemas.microsoft.com/office/drawing/2014/main" id="{5F418B13-FFA6-807C-4553-BC4209BA1D78}"/>
-                </a:ext>
-              </a:extLst>
-            </p:cNvPr>
-            <p:cNvPicPr>
-              <a:picLocks noChangeAspect="1"/>
-            </p:cNvPicPr>
-            <p:nvPr/>
-          </p:nvPicPr>
-          <p:blipFill>
-            <a:blip r:embed="rId8">
-              <a:extLst>
-                <a:ext uri="{96DAC541-7B7A-43D3-8B79-37D633B846F1}">
-                  <asvg:svgBlip xmlns:asvg="http://schemas.microsoft.com/office/drawing/2016/SVG/main" r:embed="rId9"/>
-                </a:ext>
-              </a:extLst>
-            </a:blip>
-            <a:srcRect/>
-            <a:stretch/>
-          </p:blipFill>
-          <p:spPr>
-            <a:xfrm>
-              <a:off x="632177" y="5850045"/>
-              <a:ext cx="360000" cy="360000"/>
-            </a:xfrm>
-            <a:prstGeom prst="rect">
-              <a:avLst/>
-            </a:prstGeom>
-          </p:spPr>
-        </p:pic>
-        <p:pic>
-          <p:nvPicPr>
-            <p:cNvPr id="27" name="グラフィックス 26">
-              <a:extLst>
-                <a:ext uri="{FF2B5EF4-FFF2-40B4-BE49-F238E27FC236}">
-                  <a16:creationId xmlns:a16="http://schemas.microsoft.com/office/drawing/2014/main" id="{8EA172B0-8971-E567-5B5E-57E1088DCD63}"/>
-                </a:ext>
-              </a:extLst>
-            </p:cNvPr>
-            <p:cNvPicPr>
-              <a:picLocks noChangeAspect="1"/>
-            </p:cNvPicPr>
-            <p:nvPr/>
-          </p:nvPicPr>
-          <p:blipFill>
-            <a:blip r:embed="rId10">
-              <a:extLst>
-                <a:ext uri="{96DAC541-7B7A-43D3-8B79-37D633B846F1}">
-                  <asvg:svgBlip xmlns:asvg="http://schemas.microsoft.com/office/drawing/2016/SVG/main" r:embed="rId11"/>
-                </a:ext>
-              </a:extLst>
-            </a:blip>
-            <a:srcRect/>
-            <a:stretch/>
-          </p:blipFill>
-          <p:spPr>
-            <a:xfrm>
-              <a:off x="633047" y="5147884"/>
-              <a:ext cx="360000" cy="360000"/>
-            </a:xfrm>
-            <a:prstGeom prst="rect">
-              <a:avLst/>
-            </a:prstGeom>
-          </p:spPr>
-        </p:pic>
-        <p:sp>
-          <p:nvSpPr>
-            <p:cNvPr id="29" name="正方形/長方形 28">
-              <a:extLst>
-                <a:ext uri="{FF2B5EF4-FFF2-40B4-BE49-F238E27FC236}">
-                  <a16:creationId xmlns:a16="http://schemas.microsoft.com/office/drawing/2014/main" id="{8DC38EF7-5548-F959-64B1-E3BC4BA54357}"/>
-                </a:ext>
-              </a:extLst>
-            </p:cNvPr>
-            <p:cNvSpPr/>
-            <p:nvPr/>
-          </p:nvSpPr>
-          <p:spPr>
-            <a:xfrm>
-              <a:off x="992177" y="4767789"/>
-              <a:ext cx="5939365" cy="360000"/>
-            </a:xfrm>
-            <a:prstGeom prst="rect">
-              <a:avLst/>
-            </a:prstGeom>
-            <a:noFill/>
-            <a:ln>
-              <a:noFill/>
-            </a:ln>
-          </p:spPr>
-          <p:style>
-            <a:lnRef idx="2">
-              <a:schemeClr val="accent1">
-                <a:shade val="15000"/>
-              </a:schemeClr>
-            </a:lnRef>
-            <a:fillRef idx="1">
-              <a:schemeClr val="accent1"/>
-            </a:fillRef>
-            <a:effectRef idx="0">
-              <a:schemeClr val="accent1"/>
-            </a:effectRef>
-            <a:fontRef idx="minor">
-              <a:schemeClr val="lt1"/>
-            </a:fontRef>
-          </p:style>
-          <p:txBody>
-            <a:bodyPr rtlCol="0" anchor="ctr"/>
-            <a:lstStyle/>
-            <a:p>
-              <a:r>
-                <a:rPr kumimoji="1" lang="ja-JP" altLang="en-US" sz="1400">
-                  <a:solidFill>
-                    <a:srgbClr val="323232"/>
-                  </a:solidFill>
-                  <a:latin typeface="Yu Gothic" panose="020B0400000000000000" pitchFamily="34" charset="-128"/>
-                  <a:ea typeface="Yu Gothic" panose="020B0400000000000000" pitchFamily="34" charset="-128"/>
-                </a:rPr>
-                <a:t>静岡大学大学院</a:t>
-              </a:r>
-              <a:r>
-                <a:rPr kumimoji="1" lang="en-US" altLang="ja-JP" sz="1400" dirty="0">
-                  <a:solidFill>
-                    <a:srgbClr val="323232"/>
-                  </a:solidFill>
-                  <a:latin typeface="Yu Gothic" panose="020B0400000000000000" pitchFamily="34" charset="-128"/>
-                  <a:ea typeface="Yu Gothic" panose="020B0400000000000000" pitchFamily="34" charset="-128"/>
-                </a:rPr>
-                <a:t> </a:t>
-              </a:r>
-              <a:r>
-                <a:rPr kumimoji="1" lang="ja-JP" altLang="en-US" sz="1400">
-                  <a:solidFill>
-                    <a:srgbClr val="323232"/>
-                  </a:solidFill>
-                  <a:latin typeface="Yu Gothic" panose="020B0400000000000000" pitchFamily="34" charset="-128"/>
-                  <a:ea typeface="Yu Gothic" panose="020B0400000000000000" pitchFamily="34" charset="-128"/>
-                </a:rPr>
-                <a:t>自然科学系教育部 </a:t>
-              </a:r>
-              <a:r>
-                <a:rPr kumimoji="1" lang="en-US" altLang="ja-JP" sz="1400" dirty="0">
-                  <a:solidFill>
-                    <a:srgbClr val="323232"/>
-                  </a:solidFill>
-                  <a:latin typeface="Yu Gothic" panose="020B0400000000000000" pitchFamily="34" charset="-128"/>
-                  <a:ea typeface="Yu Gothic" panose="020B0400000000000000" pitchFamily="34" charset="-128"/>
-                </a:rPr>
-                <a:t>/ </a:t>
-              </a:r>
-              <a:r>
-                <a:rPr kumimoji="1" lang="ja-JP" altLang="en-US" sz="1400">
-                  <a:solidFill>
-                    <a:srgbClr val="323232"/>
-                  </a:solidFill>
-                  <a:latin typeface="Yu Gothic" panose="020B0400000000000000" pitchFamily="34" charset="-128"/>
-                  <a:ea typeface="Yu Gothic" panose="020B0400000000000000" pitchFamily="34" charset="-128"/>
-                </a:rPr>
-                <a:t>認知的コミュニケーション研究室</a:t>
-              </a:r>
-            </a:p>
-          </p:txBody>
-        </p:sp>
-        <p:sp>
-          <p:nvSpPr>
-            <p:cNvPr id="30" name="正方形/長方形 29">
-              <a:extLst>
-                <a:ext uri="{FF2B5EF4-FFF2-40B4-BE49-F238E27FC236}">
-                  <a16:creationId xmlns:a16="http://schemas.microsoft.com/office/drawing/2014/main" id="{4ADBFF52-46C6-336B-AC3E-0478F7A04414}"/>
-                </a:ext>
-              </a:extLst>
-            </p:cNvPr>
-            <p:cNvSpPr/>
-            <p:nvPr/>
-          </p:nvSpPr>
-          <p:spPr>
-            <a:xfrm>
-              <a:off x="992177" y="5147884"/>
-              <a:ext cx="5925918" cy="360000"/>
-            </a:xfrm>
-            <a:prstGeom prst="rect">
-              <a:avLst/>
-            </a:prstGeom>
-            <a:noFill/>
-            <a:ln>
-              <a:noFill/>
-            </a:ln>
-          </p:spPr>
-          <p:style>
-            <a:lnRef idx="2">
-              <a:schemeClr val="accent1">
-                <a:shade val="15000"/>
-              </a:schemeClr>
-            </a:lnRef>
-            <a:fillRef idx="1">
-              <a:schemeClr val="accent1"/>
-            </a:fillRef>
-            <a:effectRef idx="0">
-              <a:schemeClr val="accent1"/>
-            </a:effectRef>
-            <a:fontRef idx="minor">
-              <a:schemeClr val="lt1"/>
-            </a:fontRef>
-          </p:style>
-          <p:txBody>
-            <a:bodyPr rtlCol="0" anchor="ctr"/>
-            <a:lstStyle/>
-            <a:p>
-              <a:r>
-                <a:rPr kumimoji="1" lang="ja-JP" altLang="en-US" sz="1400">
-                  <a:solidFill>
-                    <a:srgbClr val="323232"/>
-                  </a:solidFill>
-                  <a:latin typeface="Yu Gothic" panose="020B0400000000000000" pitchFamily="34" charset="-128"/>
-                  <a:ea typeface="Yu Gothic" panose="020B0400000000000000" pitchFamily="34" charset="-128"/>
-                </a:rPr>
-                <a:t>〒</a:t>
-              </a:r>
-              <a:r>
-                <a:rPr kumimoji="1" lang="en-US" altLang="ja-JP" sz="1400" dirty="0">
-                  <a:solidFill>
-                    <a:srgbClr val="323232"/>
-                  </a:solidFill>
-                  <a:latin typeface="Yu Gothic" panose="020B0400000000000000" pitchFamily="34" charset="-128"/>
-                  <a:ea typeface="Yu Gothic" panose="020B0400000000000000" pitchFamily="34" charset="-128"/>
-                </a:rPr>
-                <a:t>432-8011 </a:t>
-              </a:r>
-              <a:r>
-                <a:rPr kumimoji="1" lang="ja-JP" altLang="en-US" sz="1400">
-                  <a:solidFill>
-                    <a:srgbClr val="323232"/>
-                  </a:solidFill>
-                  <a:latin typeface="Yu Gothic" panose="020B0400000000000000" pitchFamily="34" charset="-128"/>
-                  <a:ea typeface="Yu Gothic" panose="020B0400000000000000" pitchFamily="34" charset="-128"/>
-                </a:rPr>
-                <a:t>静岡県浜松市中央区城北</a:t>
-              </a:r>
-              <a:r>
-                <a:rPr kumimoji="1" lang="en-US" altLang="ja-JP" sz="1400" dirty="0">
-                  <a:solidFill>
-                    <a:srgbClr val="323232"/>
-                  </a:solidFill>
-                  <a:latin typeface="Yu Gothic" panose="020B0400000000000000" pitchFamily="34" charset="-128"/>
-                  <a:ea typeface="Yu Gothic" panose="020B0400000000000000" pitchFamily="34" charset="-128"/>
-                </a:rPr>
-                <a:t>3-5-1 </a:t>
-              </a:r>
-              <a:r>
-                <a:rPr kumimoji="1" lang="ja-JP" altLang="en-US" sz="1400">
-                  <a:solidFill>
-                    <a:srgbClr val="323232"/>
-                  </a:solidFill>
-                  <a:latin typeface="Yu Gothic" panose="020B0400000000000000" pitchFamily="34" charset="-128"/>
-                  <a:ea typeface="Yu Gothic" panose="020B0400000000000000" pitchFamily="34" charset="-128"/>
-                </a:rPr>
-                <a:t>静岡大学浜松キャンパス</a:t>
-              </a:r>
-            </a:p>
-          </p:txBody>
-        </p:sp>
-        <p:sp>
-          <p:nvSpPr>
-            <p:cNvPr id="31" name="正方形/長方形 30">
-              <a:extLst>
-                <a:ext uri="{FF2B5EF4-FFF2-40B4-BE49-F238E27FC236}">
-                  <a16:creationId xmlns:a16="http://schemas.microsoft.com/office/drawing/2014/main" id="{64134785-DC12-EF74-25B7-1582113EA464}"/>
-                </a:ext>
-              </a:extLst>
-            </p:cNvPr>
-            <p:cNvSpPr/>
-            <p:nvPr/>
-          </p:nvSpPr>
-          <p:spPr>
-            <a:xfrm>
-              <a:off x="993047" y="5469949"/>
-              <a:ext cx="4677925" cy="360000"/>
-            </a:xfrm>
-            <a:prstGeom prst="rect">
-              <a:avLst/>
-            </a:prstGeom>
-            <a:noFill/>
-            <a:ln>
-              <a:noFill/>
-            </a:ln>
-          </p:spPr>
-          <p:style>
-            <a:lnRef idx="2">
-              <a:schemeClr val="accent1">
-                <a:shade val="15000"/>
-              </a:schemeClr>
-            </a:lnRef>
-            <a:fillRef idx="1">
-              <a:schemeClr val="accent1"/>
-            </a:fillRef>
-            <a:effectRef idx="0">
-              <a:schemeClr val="accent1"/>
-            </a:effectRef>
-            <a:fontRef idx="minor">
-              <a:schemeClr val="lt1"/>
-            </a:fontRef>
-          </p:style>
-          <p:txBody>
-            <a:bodyPr rtlCol="0" anchor="ctr"/>
-            <a:lstStyle/>
-            <a:p>
-              <a:r>
-                <a:rPr kumimoji="1" lang="en-US" altLang="ja-JP" sz="1400" dirty="0">
-                  <a:solidFill>
-                    <a:srgbClr val="323232"/>
-                  </a:solidFill>
-                  <a:latin typeface="Yu Gothic" panose="020B0400000000000000" pitchFamily="34" charset="-128"/>
-                  <a:ea typeface="Yu Gothic" panose="020B0400000000000000" pitchFamily="34" charset="-128"/>
-                </a:rPr>
-                <a:t>ichikawa.masanari.18@shizuoka.ac.jp</a:t>
-              </a:r>
-              <a:endParaRPr kumimoji="1" lang="ja-JP" altLang="en-US" sz="1400">
-                <a:solidFill>
-                  <a:srgbClr val="323232"/>
-                </a:solidFill>
-                <a:latin typeface="Yu Gothic" panose="020B0400000000000000" pitchFamily="34" charset="-128"/>
-                <a:ea typeface="Yu Gothic" panose="020B0400000000000000" pitchFamily="34" charset="-128"/>
-              </a:endParaRPr>
-            </a:p>
-          </p:txBody>
-        </p:sp>
-        <p:sp>
-          <p:nvSpPr>
-            <p:cNvPr id="32" name="正方形/長方形 31">
-              <a:extLst>
-                <a:ext uri="{FF2B5EF4-FFF2-40B4-BE49-F238E27FC236}">
-                  <a16:creationId xmlns:a16="http://schemas.microsoft.com/office/drawing/2014/main" id="{EA986BD9-00F0-F245-F8E0-1E472116D0EB}"/>
-                </a:ext>
-              </a:extLst>
-            </p:cNvPr>
-            <p:cNvSpPr/>
-            <p:nvPr/>
-          </p:nvSpPr>
-          <p:spPr>
-            <a:xfrm>
-              <a:off x="992177" y="5850045"/>
-              <a:ext cx="5418671" cy="360000"/>
-            </a:xfrm>
-            <a:prstGeom prst="rect">
-              <a:avLst/>
-            </a:prstGeom>
-            <a:noFill/>
-            <a:ln>
-              <a:noFill/>
-            </a:ln>
-          </p:spPr>
-          <p:style>
-            <a:lnRef idx="2">
-              <a:schemeClr val="accent1">
-                <a:shade val="15000"/>
-              </a:schemeClr>
-            </a:lnRef>
-            <a:fillRef idx="1">
-              <a:schemeClr val="accent1"/>
-            </a:fillRef>
-            <a:effectRef idx="0">
-              <a:schemeClr val="accent1"/>
-            </a:effectRef>
-            <a:fontRef idx="minor">
-              <a:schemeClr val="lt1"/>
-            </a:fontRef>
-          </p:style>
-          <p:txBody>
-            <a:bodyPr rtlCol="0" anchor="ctr"/>
-            <a:lstStyle/>
-            <a:p>
-              <a:r>
-                <a:rPr kumimoji="1" lang="en-US" altLang="ja-JP" sz="1400" dirty="0" err="1">
-                  <a:solidFill>
-                    <a:srgbClr val="323232"/>
-                  </a:solidFill>
-                  <a:latin typeface="Yu Gothic" panose="020B0400000000000000" pitchFamily="34" charset="-128"/>
-                  <a:ea typeface="Yu Gothic" panose="020B0400000000000000" pitchFamily="34" charset="-128"/>
-                </a:rPr>
-                <a:t>masanarius.github.io</a:t>
-              </a:r>
-              <a:endParaRPr kumimoji="1" lang="ja-JP" altLang="en-US" sz="1400">
-                <a:solidFill>
-                  <a:srgbClr val="323232"/>
-                </a:solidFill>
-                <a:latin typeface="Yu Gothic" panose="020B0400000000000000" pitchFamily="34" charset="-128"/>
-                <a:ea typeface="Yu Gothic" panose="020B0400000000000000" pitchFamily="34" charset="-128"/>
-              </a:endParaRPr>
-            </a:p>
-          </p:txBody>
-        </p:sp>
-      </p:grpSp>
-      <p:pic>
-        <p:nvPicPr>
-          <p:cNvPr id="2" name="図 1" descr="QR コード&#10;&#10;自動的に生成された説明">
-            <a:extLst>
-              <a:ext uri="{FF2B5EF4-FFF2-40B4-BE49-F238E27FC236}">
-                <a16:creationId xmlns:a16="http://schemas.microsoft.com/office/drawing/2014/main" id="{23C496C4-D74E-2D58-7DA8-35862E7B0563}"/>
-              </a:ext>
-            </a:extLst>
-          </p:cNvPr>
-          <p:cNvPicPr>
-            <a:picLocks noChangeAspect="1"/>
-          </p:cNvPicPr>
-          <p:nvPr/>
-        </p:nvPicPr>
-        <p:blipFill>
-          <a:blip r:embed="rId12"/>
-          <a:stretch>
-            <a:fillRect/>
-          </a:stretch>
-        </p:blipFill>
-        <p:spPr>
-          <a:xfrm>
-            <a:off x="7919618" y="2871210"/>
-            <a:ext cx="2880000" cy="2880000"/>
-          </a:xfrm>
-          <a:prstGeom prst="rect">
-            <a:avLst/>
-          </a:prstGeom>
-        </p:spPr>
-      </p:pic>
-      <p:pic>
-        <p:nvPicPr>
-          <p:cNvPr id="3" name="グラフィックス 2" descr="卒業式用の角帽 単色塗りつぶし">
-            <a:extLst>
-              <a:ext uri="{FF2B5EF4-FFF2-40B4-BE49-F238E27FC236}">
-                <a16:creationId xmlns:a16="http://schemas.microsoft.com/office/drawing/2014/main" id="{72E9D41B-1335-CFD5-0436-F4CBF181D216}"/>
-              </a:ext>
-            </a:extLst>
-          </p:cNvPr>
-          <p:cNvPicPr>
-            <a:picLocks noChangeAspect="1"/>
-          </p:cNvPicPr>
-          <p:nvPr/>
-        </p:nvPicPr>
-        <p:blipFill>
-          <a:blip r:embed="rId13">
-            <a:extLst>
-              <a:ext uri="{96DAC541-7B7A-43D3-8B79-37D633B846F1}">
-                <asvg:svgBlip xmlns:asvg="http://schemas.microsoft.com/office/drawing/2016/SVG/main" r:embed="rId14"/>
-              </a:ext>
-            </a:extLst>
-          </a:blip>
-          <a:srcRect/>
-          <a:stretch/>
-        </p:blipFill>
-        <p:spPr>
-          <a:xfrm>
-            <a:off x="720870" y="4308954"/>
-            <a:ext cx="360000" cy="360000"/>
-          </a:xfrm>
-          <a:prstGeom prst="rect">
-            <a:avLst/>
-          </a:prstGeom>
-        </p:spPr>
-      </p:pic>
-      <p:sp>
-        <p:nvSpPr>
-          <p:cNvPr id="5" name="正方形/長方形 4">
-            <a:extLst>
-              <a:ext uri="{FF2B5EF4-FFF2-40B4-BE49-F238E27FC236}">
-                <a16:creationId xmlns:a16="http://schemas.microsoft.com/office/drawing/2014/main" id="{07988D22-40DF-3592-73F6-A4D17DEC1767}"/>
-              </a:ext>
-            </a:extLst>
-          </p:cNvPr>
-          <p:cNvSpPr/>
-          <p:nvPr/>
-        </p:nvSpPr>
-        <p:spPr>
-          <a:xfrm>
-            <a:off x="1080000" y="4308954"/>
-            <a:ext cx="5925918" cy="360000"/>
-          </a:xfrm>
-          <a:prstGeom prst="rect">
-            <a:avLst/>
-          </a:prstGeom>
-          <a:noFill/>
-          <a:ln>
-            <a:noFill/>
-          </a:ln>
-        </p:spPr>
-        <p:style>
-          <a:lnRef idx="2">
-            <a:schemeClr val="accent1">
-              <a:shade val="15000"/>
-            </a:schemeClr>
-          </a:lnRef>
-          <a:fillRef idx="1">
-            <a:schemeClr val="accent1"/>
-          </a:fillRef>
-          <a:effectRef idx="0">
-            <a:schemeClr val="accent1"/>
-          </a:effectRef>
-          <a:fontRef idx="minor">
-            <a:schemeClr val="lt1"/>
-          </a:fontRef>
-        </p:style>
-        <p:txBody>
-          <a:bodyPr rtlCol="0" anchor="ctr"/>
-          <a:lstStyle/>
-          <a:p>
-            <a:r>
-              <a:rPr kumimoji="1" lang="ja-JP" altLang="en-US" sz="1400">
-                <a:solidFill>
-                  <a:srgbClr val="323232"/>
-                </a:solidFill>
-                <a:latin typeface="Yu Gothic" panose="020B0400000000000000" pitchFamily="34" charset="-128"/>
-                <a:ea typeface="Yu Gothic" panose="020B0400000000000000" pitchFamily="34" charset="-128"/>
-              </a:rPr>
-              <a:t>修士（情報学）</a:t>
-            </a:r>
-          </a:p>
-        </p:txBody>
-      </p:sp>
-    </p:spTree>
-    <p:extLst>
-      <p:ext uri="{BB962C8B-B14F-4D97-AF65-F5344CB8AC3E}">
-        <p14:creationId xmlns:p14="http://schemas.microsoft.com/office/powerpoint/2010/main" val="2523903751"/>
-      </p:ext>
-    </p:extLst>
-  </p:cSld>
-  <p:clrMapOvr>
-    <a:masterClrMapping/>
-  </p:clrMapOvr>
-</p:sld>
-</file>
-
-<file path=ppt/slides/slide3.xml><?xml version="1.0" encoding="utf-8"?>
-<p:sld xmlns:a="http://schemas.openxmlformats.org/drawingml/2006/main" xmlns:r="http://schemas.openxmlformats.org/officeDocument/2006/relationships" xmlns:p="http://schemas.openxmlformats.org/presentationml/2006/main">
-  <p:cSld>
-    <p:spTree>
-      <p:nvGrpSpPr>
-        <p:cNvPr id="1" name=""/>
-        <p:cNvGrpSpPr/>
-        <p:nvPr/>
-      </p:nvGrpSpPr>
-      <p:grpSpPr>
-        <a:xfrm>
-          <a:off x="0" y="0"/>
-          <a:ext cx="0" cy="0"/>
-          <a:chOff x="0" y="0"/>
-          <a:chExt cx="0" cy="0"/>
-        </a:xfrm>
-      </p:grpSpPr>
-      <p:sp>
-        <p:nvSpPr>
-          <p:cNvPr id="4" name="正方形/長方形 3">
-            <a:extLst>
-              <a:ext uri="{FF2B5EF4-FFF2-40B4-BE49-F238E27FC236}">
-                <a16:creationId xmlns:a16="http://schemas.microsoft.com/office/drawing/2014/main" id="{BD75CB29-FDF1-04EA-CBCC-0405FD653C22}"/>
-              </a:ext>
-            </a:extLst>
-          </p:cNvPr>
-          <p:cNvSpPr/>
-          <p:nvPr/>
-        </p:nvSpPr>
-        <p:spPr>
-          <a:xfrm>
-            <a:off x="720000" y="2519002"/>
-            <a:ext cx="5336108" cy="1440000"/>
-          </a:xfrm>
-          <a:prstGeom prst="rect">
-            <a:avLst/>
-          </a:prstGeom>
-          <a:noFill/>
-          <a:ln>
-            <a:noFill/>
-          </a:ln>
-        </p:spPr>
-        <p:style>
-          <a:lnRef idx="2">
-            <a:schemeClr val="accent1">
-              <a:shade val="15000"/>
-            </a:schemeClr>
-          </a:lnRef>
-          <a:fillRef idx="1">
-            <a:schemeClr val="accent1"/>
-          </a:fillRef>
-          <a:effectRef idx="0">
-            <a:schemeClr val="accent1"/>
-          </a:effectRef>
-          <a:fontRef idx="minor">
-            <a:schemeClr val="lt1"/>
-          </a:fontRef>
-        </p:style>
-        <p:txBody>
-          <a:bodyPr rtlCol="0" anchor="ctr"/>
-          <a:lstStyle/>
-          <a:p>
-            <a:r>
-              <a:rPr kumimoji="1" lang="ja-JP" altLang="en-US" sz="6000">
-                <a:solidFill>
-                  <a:srgbClr val="323232"/>
-                </a:solidFill>
-                <a:latin typeface="+mn-ea"/>
-              </a:rPr>
-              <a:t>市 川  雅 也</a:t>
-            </a:r>
-            <a:endParaRPr kumimoji="1" lang="en-US" altLang="ja-JP" sz="6000" dirty="0">
-              <a:solidFill>
-                <a:srgbClr val="323232"/>
-              </a:solidFill>
-              <a:latin typeface="+mn-ea"/>
-            </a:endParaRPr>
-          </a:p>
-          <a:p>
-            <a:r>
-              <a:rPr kumimoji="1" lang="en-US" altLang="ja-JP" sz="2400" dirty="0">
-                <a:solidFill>
-                  <a:srgbClr val="323232"/>
-                </a:solidFill>
-                <a:latin typeface="+mn-ea"/>
-              </a:rPr>
-              <a:t>Masanari ICHIKAWA</a:t>
-            </a:r>
-            <a:endParaRPr kumimoji="1" lang="ja-JP" altLang="en-US" sz="2400">
-              <a:solidFill>
-                <a:srgbClr val="323232"/>
-              </a:solidFill>
-              <a:latin typeface="+mn-ea"/>
-            </a:endParaRPr>
-          </a:p>
-        </p:txBody>
-      </p:sp>
-      <p:pic>
-        <p:nvPicPr>
-          <p:cNvPr id="22" name="図 21" descr="ロゴ, アイコン&#10;&#10;自動的に生成された説明">
-            <a:extLst>
-              <a:ext uri="{FF2B5EF4-FFF2-40B4-BE49-F238E27FC236}">
-                <a16:creationId xmlns:a16="http://schemas.microsoft.com/office/drawing/2014/main" id="{00E652C2-BC75-0D52-B948-5F1F7C11B34B}"/>
-              </a:ext>
-            </a:extLst>
-          </p:cNvPr>
-          <p:cNvPicPr>
-            <a:picLocks noChangeAspect="1"/>
-          </p:cNvPicPr>
-          <p:nvPr/>
-        </p:nvPicPr>
-        <p:blipFill>
-          <a:blip r:embed="rId3"/>
-          <a:stretch>
-            <a:fillRect/>
-          </a:stretch>
-        </p:blipFill>
-        <p:spPr>
-          <a:xfrm>
-            <a:off x="9356851" y="719002"/>
-            <a:ext cx="1447273" cy="1440000"/>
-          </a:xfrm>
-          <a:prstGeom prst="rect">
-            <a:avLst/>
-          </a:prstGeom>
-        </p:spPr>
-      </p:pic>
-      <p:grpSp>
-        <p:nvGrpSpPr>
-          <p:cNvPr id="33" name="グループ化 32">
-            <a:extLst>
-              <a:ext uri="{FF2B5EF4-FFF2-40B4-BE49-F238E27FC236}">
-                <a16:creationId xmlns:a16="http://schemas.microsoft.com/office/drawing/2014/main" id="{C1BC0DFF-D215-2EAC-05E9-C95DD8AEA35F}"/>
-              </a:ext>
-            </a:extLst>
-          </p:cNvPr>
-          <p:cNvGrpSpPr/>
-          <p:nvPr/>
-        </p:nvGrpSpPr>
-        <p:grpSpPr>
-          <a:xfrm>
-            <a:off x="720000" y="4689050"/>
-            <a:ext cx="6285919" cy="1442256"/>
-            <a:chOff x="632177" y="4767789"/>
-            <a:chExt cx="6285919" cy="1442256"/>
-          </a:xfrm>
-        </p:grpSpPr>
-        <p:pic>
-          <p:nvPicPr>
-            <p:cNvPr id="24" name="グラフィックス 23">
-              <a:extLst>
-                <a:ext uri="{FF2B5EF4-FFF2-40B4-BE49-F238E27FC236}">
-                  <a16:creationId xmlns:a16="http://schemas.microsoft.com/office/drawing/2014/main" id="{A9089DB6-3D8D-B8ED-75E1-A462088C8A70}"/>
-                </a:ext>
-              </a:extLst>
-            </p:cNvPr>
-            <p:cNvPicPr>
-              <a:picLocks noChangeAspect="1"/>
-            </p:cNvPicPr>
-            <p:nvPr/>
-          </p:nvPicPr>
-          <p:blipFill>
-            <a:blip r:embed="rId4">
-              <a:extLst>
-                <a:ext uri="{96DAC541-7B7A-43D3-8B79-37D633B846F1}">
-                  <asvg:svgBlip xmlns:asvg="http://schemas.microsoft.com/office/drawing/2016/SVG/main" r:embed="rId5"/>
-                </a:ext>
-              </a:extLst>
-            </a:blip>
-            <a:srcRect/>
-            <a:stretch/>
-          </p:blipFill>
-          <p:spPr>
-            <a:xfrm>
-              <a:off x="633047" y="4767789"/>
-              <a:ext cx="360000" cy="360000"/>
-            </a:xfrm>
-            <a:prstGeom prst="rect">
-              <a:avLst/>
-            </a:prstGeom>
-          </p:spPr>
-        </p:pic>
-        <p:pic>
-          <p:nvPicPr>
-            <p:cNvPr id="25" name="グラフィックス 24">
-              <a:extLst>
-                <a:ext uri="{FF2B5EF4-FFF2-40B4-BE49-F238E27FC236}">
-                  <a16:creationId xmlns:a16="http://schemas.microsoft.com/office/drawing/2014/main" id="{3249F8CD-CAD7-7F1B-E2BB-864423EC16CC}"/>
-                </a:ext>
-              </a:extLst>
-            </p:cNvPr>
-            <p:cNvPicPr>
-              <a:picLocks noChangeAspect="1"/>
-            </p:cNvPicPr>
-            <p:nvPr/>
-          </p:nvPicPr>
-          <p:blipFill>
-            <a:blip r:embed="rId6">
-              <a:extLst>
-                <a:ext uri="{96DAC541-7B7A-43D3-8B79-37D633B846F1}">
-                  <asvg:svgBlip xmlns:asvg="http://schemas.microsoft.com/office/drawing/2016/SVG/main" r:embed="rId7"/>
-                </a:ext>
-              </a:extLst>
-            </a:blip>
-            <a:srcRect/>
-            <a:stretch/>
-          </p:blipFill>
-          <p:spPr>
-            <a:xfrm>
-              <a:off x="633047" y="5469949"/>
-              <a:ext cx="360000" cy="360000"/>
-            </a:xfrm>
-            <a:prstGeom prst="rect">
-              <a:avLst/>
-            </a:prstGeom>
-          </p:spPr>
-        </p:pic>
-        <p:pic>
-          <p:nvPicPr>
-            <p:cNvPr id="26" name="グラフィックス 25">
-              <a:extLst>
-                <a:ext uri="{FF2B5EF4-FFF2-40B4-BE49-F238E27FC236}">
-                  <a16:creationId xmlns:a16="http://schemas.microsoft.com/office/drawing/2014/main" id="{5F418B13-FFA6-807C-4553-BC4209BA1D78}"/>
-                </a:ext>
-              </a:extLst>
-            </p:cNvPr>
-            <p:cNvPicPr>
-              <a:picLocks noChangeAspect="1"/>
-            </p:cNvPicPr>
-            <p:nvPr/>
-          </p:nvPicPr>
-          <p:blipFill>
-            <a:blip r:embed="rId8">
-              <a:extLst>
-                <a:ext uri="{96DAC541-7B7A-43D3-8B79-37D633B846F1}">
-                  <asvg:svgBlip xmlns:asvg="http://schemas.microsoft.com/office/drawing/2016/SVG/main" r:embed="rId9"/>
-                </a:ext>
-              </a:extLst>
-            </a:blip>
-            <a:srcRect/>
-            <a:stretch/>
-          </p:blipFill>
-          <p:spPr>
-            <a:xfrm>
-              <a:off x="632177" y="5850045"/>
-              <a:ext cx="360000" cy="360000"/>
-            </a:xfrm>
-            <a:prstGeom prst="rect">
-              <a:avLst/>
-            </a:prstGeom>
-          </p:spPr>
-        </p:pic>
-        <p:pic>
-          <p:nvPicPr>
-            <p:cNvPr id="27" name="グラフィックス 26">
-              <a:extLst>
-                <a:ext uri="{FF2B5EF4-FFF2-40B4-BE49-F238E27FC236}">
-                  <a16:creationId xmlns:a16="http://schemas.microsoft.com/office/drawing/2014/main" id="{8EA172B0-8971-E567-5B5E-57E1088DCD63}"/>
-                </a:ext>
-              </a:extLst>
-            </p:cNvPr>
-            <p:cNvPicPr>
-              <a:picLocks noChangeAspect="1"/>
-            </p:cNvPicPr>
-            <p:nvPr/>
-          </p:nvPicPr>
-          <p:blipFill>
-            <a:blip r:embed="rId10">
-              <a:extLst>
-                <a:ext uri="{96DAC541-7B7A-43D3-8B79-37D633B846F1}">
-                  <asvg:svgBlip xmlns:asvg="http://schemas.microsoft.com/office/drawing/2016/SVG/main" r:embed="rId11"/>
-                </a:ext>
-              </a:extLst>
-            </a:blip>
-            <a:srcRect/>
-            <a:stretch/>
-          </p:blipFill>
-          <p:spPr>
-            <a:xfrm>
-              <a:off x="633047" y="5147884"/>
-              <a:ext cx="360000" cy="360000"/>
-            </a:xfrm>
-            <a:prstGeom prst="rect">
-              <a:avLst/>
-            </a:prstGeom>
-          </p:spPr>
-        </p:pic>
-        <p:sp>
-          <p:nvSpPr>
-            <p:cNvPr id="29" name="正方形/長方形 28">
-              <a:extLst>
-                <a:ext uri="{FF2B5EF4-FFF2-40B4-BE49-F238E27FC236}">
-                  <a16:creationId xmlns:a16="http://schemas.microsoft.com/office/drawing/2014/main" id="{8DC38EF7-5548-F959-64B1-E3BC4BA54357}"/>
-                </a:ext>
-              </a:extLst>
-            </p:cNvPr>
-            <p:cNvSpPr/>
-            <p:nvPr/>
-          </p:nvSpPr>
-          <p:spPr>
-            <a:xfrm>
-              <a:off x="992178" y="4767789"/>
-              <a:ext cx="5925918" cy="360000"/>
-            </a:xfrm>
-            <a:prstGeom prst="rect">
-              <a:avLst/>
-            </a:prstGeom>
-            <a:noFill/>
-            <a:ln>
-              <a:noFill/>
-            </a:ln>
-          </p:spPr>
-          <p:style>
-            <a:lnRef idx="2">
-              <a:schemeClr val="accent1">
-                <a:shade val="15000"/>
-              </a:schemeClr>
-            </a:lnRef>
-            <a:fillRef idx="1">
-              <a:schemeClr val="accent1"/>
-            </a:fillRef>
-            <a:effectRef idx="0">
-              <a:schemeClr val="accent1"/>
-            </a:effectRef>
-            <a:fontRef idx="minor">
-              <a:schemeClr val="lt1"/>
-            </a:fontRef>
-          </p:style>
-          <p:txBody>
-            <a:bodyPr rtlCol="0" anchor="ctr"/>
-            <a:lstStyle/>
-            <a:p>
-              <a:r>
-                <a:rPr kumimoji="1" lang="en-US" altLang="ja-JP" sz="1400" dirty="0">
-                  <a:solidFill>
-                    <a:srgbClr val="323232"/>
-                  </a:solidFill>
-                  <a:latin typeface="Yu Gothic" panose="020B0400000000000000" pitchFamily="34" charset="-128"/>
-                  <a:ea typeface="Yu Gothic" panose="020B0400000000000000" pitchFamily="34" charset="-128"/>
-                </a:rPr>
-                <a:t>Graduate School of Science and Technology, Shizuoka University</a:t>
-              </a:r>
-              <a:endParaRPr kumimoji="1" lang="ja-JP" altLang="en-US" sz="1400">
-                <a:solidFill>
-                  <a:srgbClr val="323232"/>
-                </a:solidFill>
-                <a:latin typeface="Yu Gothic" panose="020B0400000000000000" pitchFamily="34" charset="-128"/>
-                <a:ea typeface="Yu Gothic" panose="020B0400000000000000" pitchFamily="34" charset="-128"/>
-              </a:endParaRPr>
-            </a:p>
-          </p:txBody>
-        </p:sp>
-        <p:sp>
-          <p:nvSpPr>
-            <p:cNvPr id="30" name="正方形/長方形 29">
-              <a:extLst>
-                <a:ext uri="{FF2B5EF4-FFF2-40B4-BE49-F238E27FC236}">
-                  <a16:creationId xmlns:a16="http://schemas.microsoft.com/office/drawing/2014/main" id="{4ADBFF52-46C6-336B-AC3E-0478F7A04414}"/>
-                </a:ext>
-              </a:extLst>
-            </p:cNvPr>
-            <p:cNvSpPr/>
-            <p:nvPr/>
-          </p:nvSpPr>
-          <p:spPr>
-            <a:xfrm>
-              <a:off x="992177" y="5147884"/>
-              <a:ext cx="5549400" cy="360000"/>
-            </a:xfrm>
-            <a:prstGeom prst="rect">
-              <a:avLst/>
-            </a:prstGeom>
-            <a:noFill/>
-            <a:ln>
-              <a:noFill/>
-            </a:ln>
-          </p:spPr>
-          <p:style>
-            <a:lnRef idx="2">
-              <a:schemeClr val="accent1">
-                <a:shade val="15000"/>
-              </a:schemeClr>
-            </a:lnRef>
-            <a:fillRef idx="1">
-              <a:schemeClr val="accent1"/>
-            </a:fillRef>
-            <a:effectRef idx="0">
-              <a:schemeClr val="accent1"/>
-            </a:effectRef>
-            <a:fontRef idx="minor">
-              <a:schemeClr val="lt1"/>
-            </a:fontRef>
-          </p:style>
-          <p:txBody>
-            <a:bodyPr rtlCol="0" anchor="ctr"/>
-            <a:lstStyle/>
-            <a:p>
-              <a:r>
-                <a:rPr kumimoji="1" lang="en-US" altLang="ja-JP" sz="1400" dirty="0">
-                  <a:solidFill>
-                    <a:srgbClr val="323232"/>
-                  </a:solidFill>
-                  <a:latin typeface="Yu Gothic" panose="020B0400000000000000" pitchFamily="34" charset="-128"/>
-                  <a:ea typeface="Yu Gothic" panose="020B0400000000000000" pitchFamily="34" charset="-128"/>
-                </a:rPr>
-                <a:t>3-5-1 </a:t>
-              </a:r>
-              <a:r>
-                <a:rPr kumimoji="1" lang="en-US" altLang="ja-JP" sz="1400" dirty="0" err="1">
-                  <a:solidFill>
-                    <a:srgbClr val="323232"/>
-                  </a:solidFill>
-                  <a:latin typeface="Yu Gothic" panose="020B0400000000000000" pitchFamily="34" charset="-128"/>
-                  <a:ea typeface="Yu Gothic" panose="020B0400000000000000" pitchFamily="34" charset="-128"/>
-                </a:rPr>
-                <a:t>Johoku</a:t>
-              </a:r>
-              <a:r>
-                <a:rPr kumimoji="1" lang="en-US" altLang="ja-JP" sz="1400" dirty="0">
-                  <a:solidFill>
-                    <a:srgbClr val="323232"/>
-                  </a:solidFill>
-                  <a:latin typeface="Yu Gothic" panose="020B0400000000000000" pitchFamily="34" charset="-128"/>
-                  <a:ea typeface="Yu Gothic" panose="020B0400000000000000" pitchFamily="34" charset="-128"/>
-                </a:rPr>
-                <a:t>, Chuo-</a:t>
-              </a:r>
-              <a:r>
-                <a:rPr kumimoji="1" lang="en-US" altLang="ja-JP" sz="1400" dirty="0" err="1">
-                  <a:solidFill>
-                    <a:srgbClr val="323232"/>
-                  </a:solidFill>
-                  <a:latin typeface="Yu Gothic" panose="020B0400000000000000" pitchFamily="34" charset="-128"/>
-                  <a:ea typeface="Yu Gothic" panose="020B0400000000000000" pitchFamily="34" charset="-128"/>
-                </a:rPr>
-                <a:t>ku</a:t>
-              </a:r>
-              <a:r>
-                <a:rPr kumimoji="1" lang="en-US" altLang="ja-JP" sz="1400" dirty="0">
-                  <a:solidFill>
-                    <a:srgbClr val="323232"/>
-                  </a:solidFill>
-                  <a:latin typeface="Yu Gothic" panose="020B0400000000000000" pitchFamily="34" charset="-128"/>
-                  <a:ea typeface="Yu Gothic" panose="020B0400000000000000" pitchFamily="34" charset="-128"/>
-                </a:rPr>
-                <a:t>, Hamamatsu, 4328011 Japan</a:t>
-              </a:r>
-              <a:endParaRPr kumimoji="1" lang="ja-JP" altLang="en-US" sz="1400">
-                <a:solidFill>
-                  <a:srgbClr val="323232"/>
-                </a:solidFill>
-                <a:latin typeface="Yu Gothic" panose="020B0400000000000000" pitchFamily="34" charset="-128"/>
-                <a:ea typeface="Yu Gothic" panose="020B0400000000000000" pitchFamily="34" charset="-128"/>
-              </a:endParaRPr>
-            </a:p>
-          </p:txBody>
-        </p:sp>
-        <p:sp>
-          <p:nvSpPr>
-            <p:cNvPr id="31" name="正方形/長方形 30">
-              <a:extLst>
-                <a:ext uri="{FF2B5EF4-FFF2-40B4-BE49-F238E27FC236}">
-                  <a16:creationId xmlns:a16="http://schemas.microsoft.com/office/drawing/2014/main" id="{64134785-DC12-EF74-25B7-1582113EA464}"/>
-                </a:ext>
-              </a:extLst>
-            </p:cNvPr>
-            <p:cNvSpPr/>
-            <p:nvPr/>
-          </p:nvSpPr>
-          <p:spPr>
-            <a:xfrm>
-              <a:off x="993047" y="5469949"/>
-              <a:ext cx="4677925" cy="360000"/>
-            </a:xfrm>
-            <a:prstGeom prst="rect">
-              <a:avLst/>
-            </a:prstGeom>
-            <a:noFill/>
-            <a:ln>
-              <a:noFill/>
-            </a:ln>
-          </p:spPr>
-          <p:style>
-            <a:lnRef idx="2">
-              <a:schemeClr val="accent1">
-                <a:shade val="15000"/>
-              </a:schemeClr>
-            </a:lnRef>
-            <a:fillRef idx="1">
-              <a:schemeClr val="accent1"/>
-            </a:fillRef>
-            <a:effectRef idx="0">
-              <a:schemeClr val="accent1"/>
-            </a:effectRef>
-            <a:fontRef idx="minor">
-              <a:schemeClr val="lt1"/>
-            </a:fontRef>
-          </p:style>
-          <p:txBody>
-            <a:bodyPr rtlCol="0" anchor="ctr"/>
-            <a:lstStyle/>
-            <a:p>
-              <a:r>
-                <a:rPr kumimoji="1" lang="en-US" altLang="ja-JP" sz="1400" dirty="0">
-                  <a:solidFill>
-                    <a:srgbClr val="323232"/>
-                  </a:solidFill>
-                  <a:latin typeface="Yu Gothic" panose="020B0400000000000000" pitchFamily="34" charset="-128"/>
-                  <a:ea typeface="Yu Gothic" panose="020B0400000000000000" pitchFamily="34" charset="-128"/>
-                </a:rPr>
-                <a:t>ichikawa.masanari.18@shizuoka.ac.jp</a:t>
-              </a:r>
-              <a:endParaRPr kumimoji="1" lang="ja-JP" altLang="en-US" sz="1400">
-                <a:solidFill>
-                  <a:srgbClr val="323232"/>
-                </a:solidFill>
-                <a:latin typeface="Yu Gothic" panose="020B0400000000000000" pitchFamily="34" charset="-128"/>
-                <a:ea typeface="Yu Gothic" panose="020B0400000000000000" pitchFamily="34" charset="-128"/>
-              </a:endParaRPr>
-            </a:p>
-          </p:txBody>
-        </p:sp>
-        <p:sp>
-          <p:nvSpPr>
-            <p:cNvPr id="32" name="正方形/長方形 31">
-              <a:extLst>
-                <a:ext uri="{FF2B5EF4-FFF2-40B4-BE49-F238E27FC236}">
-                  <a16:creationId xmlns:a16="http://schemas.microsoft.com/office/drawing/2014/main" id="{EA986BD9-00F0-F245-F8E0-1E472116D0EB}"/>
-                </a:ext>
-              </a:extLst>
-            </p:cNvPr>
-            <p:cNvSpPr/>
-            <p:nvPr/>
-          </p:nvSpPr>
-          <p:spPr>
-            <a:xfrm>
-              <a:off x="992177" y="5850045"/>
-              <a:ext cx="5418671" cy="360000"/>
-            </a:xfrm>
-            <a:prstGeom prst="rect">
-              <a:avLst/>
-            </a:prstGeom>
-            <a:noFill/>
-            <a:ln>
-              <a:noFill/>
-            </a:ln>
-          </p:spPr>
-          <p:style>
-            <a:lnRef idx="2">
-              <a:schemeClr val="accent1">
-                <a:shade val="15000"/>
-              </a:schemeClr>
-            </a:lnRef>
-            <a:fillRef idx="1">
-              <a:schemeClr val="accent1"/>
-            </a:fillRef>
-            <a:effectRef idx="0">
-              <a:schemeClr val="accent1"/>
-            </a:effectRef>
-            <a:fontRef idx="minor">
-              <a:schemeClr val="lt1"/>
-            </a:fontRef>
-          </p:style>
-          <p:txBody>
-            <a:bodyPr rtlCol="0" anchor="ctr"/>
-            <a:lstStyle/>
-            <a:p>
-              <a:r>
-                <a:rPr kumimoji="1" lang="en-US" altLang="ja-JP" sz="1400" dirty="0" err="1">
-                  <a:solidFill>
-                    <a:srgbClr val="323232"/>
-                  </a:solidFill>
-                  <a:latin typeface="Yu Gothic" panose="020B0400000000000000" pitchFamily="34" charset="-128"/>
-                  <a:ea typeface="Yu Gothic" panose="020B0400000000000000" pitchFamily="34" charset="-128"/>
-                </a:rPr>
-                <a:t>masanarius.github.io</a:t>
-              </a:r>
-              <a:endParaRPr kumimoji="1" lang="ja-JP" altLang="en-US" sz="1400">
-                <a:solidFill>
-                  <a:srgbClr val="323232"/>
-                </a:solidFill>
-                <a:latin typeface="Yu Gothic" panose="020B0400000000000000" pitchFamily="34" charset="-128"/>
-                <a:ea typeface="Yu Gothic" panose="020B0400000000000000" pitchFamily="34" charset="-128"/>
-              </a:endParaRPr>
-            </a:p>
-          </p:txBody>
-        </p:sp>
-      </p:grpSp>
-      <p:pic>
-        <p:nvPicPr>
-          <p:cNvPr id="2" name="グラフィックス 1" descr="卒業式用の角帽 単色塗りつぶし">
-            <a:extLst>
-              <a:ext uri="{FF2B5EF4-FFF2-40B4-BE49-F238E27FC236}">
-                <a16:creationId xmlns:a16="http://schemas.microsoft.com/office/drawing/2014/main" id="{044998D6-4BEF-0A3C-67B2-84D7A3318E13}"/>
-              </a:ext>
-            </a:extLst>
-          </p:cNvPr>
-          <p:cNvPicPr>
-            <a:picLocks noChangeAspect="1"/>
-          </p:cNvPicPr>
-          <p:nvPr/>
-        </p:nvPicPr>
-        <p:blipFill>
-          <a:blip r:embed="rId12">
-            <a:extLst>
-              <a:ext uri="{96DAC541-7B7A-43D3-8B79-37D633B846F1}">
-                <asvg:svgBlip xmlns:asvg="http://schemas.microsoft.com/office/drawing/2016/SVG/main" r:embed="rId13"/>
-              </a:ext>
-            </a:extLst>
-          </a:blip>
-          <a:srcRect/>
-          <a:stretch/>
-        </p:blipFill>
-        <p:spPr>
-          <a:xfrm>
-            <a:off x="720870" y="4308954"/>
-            <a:ext cx="360000" cy="360000"/>
-          </a:xfrm>
-          <a:prstGeom prst="rect">
-            <a:avLst/>
-          </a:prstGeom>
-        </p:spPr>
-      </p:pic>
-      <p:sp>
-        <p:nvSpPr>
-          <p:cNvPr id="3" name="正方形/長方形 2">
-            <a:extLst>
-              <a:ext uri="{FF2B5EF4-FFF2-40B4-BE49-F238E27FC236}">
-                <a16:creationId xmlns:a16="http://schemas.microsoft.com/office/drawing/2014/main" id="{EE8DE383-3779-9DB9-45EE-639AE549A105}"/>
-              </a:ext>
-            </a:extLst>
-          </p:cNvPr>
-          <p:cNvSpPr/>
-          <p:nvPr/>
-        </p:nvSpPr>
-        <p:spPr>
-          <a:xfrm>
-            <a:off x="1080000" y="4308954"/>
-            <a:ext cx="5925918" cy="360000"/>
-          </a:xfrm>
-          <a:prstGeom prst="rect">
-            <a:avLst/>
-          </a:prstGeom>
-          <a:noFill/>
-          <a:ln>
-            <a:noFill/>
-          </a:ln>
-        </p:spPr>
-        <p:style>
-          <a:lnRef idx="2">
-            <a:schemeClr val="accent1">
-              <a:shade val="15000"/>
-            </a:schemeClr>
-          </a:lnRef>
-          <a:fillRef idx="1">
-            <a:schemeClr val="accent1"/>
-          </a:fillRef>
-          <a:effectRef idx="0">
-            <a:schemeClr val="accent1"/>
-          </a:effectRef>
-          <a:fontRef idx="minor">
-            <a:schemeClr val="lt1"/>
-          </a:fontRef>
-        </p:style>
-        <p:txBody>
-          <a:bodyPr rtlCol="0" anchor="ctr"/>
-          <a:lstStyle/>
-          <a:p>
-            <a:r>
-              <a:rPr kumimoji="1" lang="en-US" altLang="ja-JP" sz="1400" dirty="0">
-                <a:solidFill>
-                  <a:srgbClr val="323232"/>
-                </a:solidFill>
-                <a:latin typeface="Yu Gothic" panose="020B0400000000000000" pitchFamily="34" charset="-128"/>
-                <a:ea typeface="Yu Gothic" panose="020B0400000000000000" pitchFamily="34" charset="-128"/>
-              </a:rPr>
-              <a:t>Master of Informatics</a:t>
-            </a:r>
-            <a:endParaRPr kumimoji="1" lang="ja-JP" altLang="en-US" sz="1400">
-              <a:solidFill>
-                <a:srgbClr val="323232"/>
-              </a:solidFill>
-              <a:latin typeface="Yu Gothic" panose="020B0400000000000000" pitchFamily="34" charset="-128"/>
-              <a:ea typeface="Yu Gothic" panose="020B0400000000000000" pitchFamily="34" charset="-128"/>
-            </a:endParaRPr>
-          </a:p>
-        </p:txBody>
-      </p:sp>
-    </p:spTree>
-    <p:extLst>
-      <p:ext uri="{BB962C8B-B14F-4D97-AF65-F5344CB8AC3E}">
-        <p14:creationId xmlns:p14="http://schemas.microsoft.com/office/powerpoint/2010/main" val="2358682624"/>
-      </p:ext>
-    </p:extLst>
-  </p:cSld>
-  <p:clrMapOvr>
-    <a:masterClrMapping/>
-  </p:clrMapOvr>
-</p:sld>
-</file>
-
-<file path=ppt/slides/slide4.xml><?xml version="1.0" encoding="utf-8"?>
-<p:sld xmlns:a="http://schemas.openxmlformats.org/drawingml/2006/main" xmlns:r="http://schemas.openxmlformats.org/officeDocument/2006/relationships" xmlns:p="http://schemas.openxmlformats.org/presentationml/2006/main">
+<file path=ppt/slides/slide10.xml><?xml version="1.0" encoding="utf-8"?>
+<p:sld xmlns:a="http://schemas.openxmlformats.org/drawingml/2006/main" xmlns:r="http://schemas.openxmlformats.org/officeDocument/2006/relationships" xmlns:p="http://schemas.openxmlformats.org/presentationml/2006/main" show="0">
   <p:cSld>
     <p:spTree>
       <p:nvGrpSpPr>
@@ -7097,7 +6162,7 @@
     </p:spTree>
     <p:extLst>
       <p:ext uri="{BB962C8B-B14F-4D97-AF65-F5344CB8AC3E}">
-        <p14:creationId xmlns:p14="http://schemas.microsoft.com/office/powerpoint/2010/main" val="4226173648"/>
+        <p14:creationId xmlns:p14="http://schemas.microsoft.com/office/powerpoint/2010/main" val="3415311957"/>
       </p:ext>
     </p:extLst>
   </p:cSld>
@@ -7107,8 +6172,8 @@
 </p:sld>
 </file>
 
-<file path=ppt/slides/slide5.xml><?xml version="1.0" encoding="utf-8"?>
-<p:sld xmlns:a="http://schemas.openxmlformats.org/drawingml/2006/main" xmlns:r="http://schemas.openxmlformats.org/officeDocument/2006/relationships" xmlns:p="http://schemas.openxmlformats.org/presentationml/2006/main">
+<file path=ppt/slides/slide11.xml><?xml version="1.0" encoding="utf-8"?>
+<p:sld xmlns:a="http://schemas.openxmlformats.org/drawingml/2006/main" xmlns:r="http://schemas.openxmlformats.org/officeDocument/2006/relationships" xmlns:p="http://schemas.openxmlformats.org/presentationml/2006/main" show="0">
   <p:cSld>
     <p:spTree>
       <p:nvGrpSpPr>
@@ -7925,7 +6990,7 @@
     </p:spTree>
     <p:extLst>
       <p:ext uri="{BB962C8B-B14F-4D97-AF65-F5344CB8AC3E}">
-        <p14:creationId xmlns:p14="http://schemas.microsoft.com/office/powerpoint/2010/main" val="2994514125"/>
+        <p14:creationId xmlns:p14="http://schemas.microsoft.com/office/powerpoint/2010/main" val="2274865211"/>
       </p:ext>
     </p:extLst>
   </p:cSld>
@@ -7935,8 +7000,8 @@
 </p:sld>
 </file>
 
-<file path=ppt/slides/slide6.xml><?xml version="1.0" encoding="utf-8"?>
-<p:sld xmlns:a="http://schemas.openxmlformats.org/drawingml/2006/main" xmlns:r="http://schemas.openxmlformats.org/officeDocument/2006/relationships" xmlns:p="http://schemas.openxmlformats.org/presentationml/2006/main">
+<file path=ppt/slides/slide12.xml><?xml version="1.0" encoding="utf-8"?>
+<p:sld xmlns:a="http://schemas.openxmlformats.org/drawingml/2006/main" xmlns:r="http://schemas.openxmlformats.org/officeDocument/2006/relationships" xmlns:p="http://schemas.openxmlformats.org/presentationml/2006/main" show="0">
   <p:cSld>
     <p:spTree>
       <p:nvGrpSpPr>
@@ -8735,7 +7800,6163 @@
     </p:spTree>
     <p:extLst>
       <p:ext uri="{BB962C8B-B14F-4D97-AF65-F5344CB8AC3E}">
-        <p14:creationId xmlns:p14="http://schemas.microsoft.com/office/powerpoint/2010/main" val="2904996993"/>
+        <p14:creationId xmlns:p14="http://schemas.microsoft.com/office/powerpoint/2010/main" val="4206856971"/>
+      </p:ext>
+    </p:extLst>
+  </p:cSld>
+  <p:clrMapOvr>
+    <a:masterClrMapping/>
+  </p:clrMapOvr>
+</p:sld>
+</file>
+
+<file path=ppt/slides/slide13.xml><?xml version="1.0" encoding="utf-8"?>
+<p:sld xmlns:a="http://schemas.openxmlformats.org/drawingml/2006/main" xmlns:r="http://schemas.openxmlformats.org/officeDocument/2006/relationships" xmlns:p="http://schemas.openxmlformats.org/presentationml/2006/main">
+  <p:cSld>
+    <p:spTree>
+      <p:nvGrpSpPr>
+        <p:cNvPr id="1" name=""/>
+        <p:cNvGrpSpPr/>
+        <p:nvPr/>
+      </p:nvGrpSpPr>
+      <p:grpSpPr>
+        <a:xfrm>
+          <a:off x="0" y="0"/>
+          <a:ext cx="0" cy="0"/>
+          <a:chOff x="0" y="0"/>
+          <a:chExt cx="0" cy="0"/>
+        </a:xfrm>
+      </p:grpSpPr>
+      <p:grpSp>
+        <p:nvGrpSpPr>
+          <p:cNvPr id="13" name="グループ化 12">
+            <a:extLst>
+              <a:ext uri="{FF2B5EF4-FFF2-40B4-BE49-F238E27FC236}">
+                <a16:creationId xmlns:a16="http://schemas.microsoft.com/office/drawing/2014/main" id="{6E3DBAFD-B04D-1301-A20D-F42B996D1EF7}"/>
+              </a:ext>
+            </a:extLst>
+          </p:cNvPr>
+          <p:cNvGrpSpPr/>
+          <p:nvPr/>
+        </p:nvGrpSpPr>
+        <p:grpSpPr>
+          <a:xfrm>
+            <a:off x="4161911" y="1480974"/>
+            <a:ext cx="3196666" cy="3518226"/>
+            <a:chOff x="4471194" y="1480973"/>
+            <a:chExt cx="3196666" cy="3518226"/>
+          </a:xfrm>
+        </p:grpSpPr>
+        <p:pic>
+          <p:nvPicPr>
+            <p:cNvPr id="3" name="図 2" descr="QR コード&#10;&#10;自動的に生成された説明">
+              <a:extLst>
+                <a:ext uri="{FF2B5EF4-FFF2-40B4-BE49-F238E27FC236}">
+                  <a16:creationId xmlns:a16="http://schemas.microsoft.com/office/drawing/2014/main" id="{27C9D09C-F19A-08F5-7B62-DC9DD2638049}"/>
+                </a:ext>
+              </a:extLst>
+            </p:cNvPr>
+            <p:cNvPicPr>
+              <a:picLocks noChangeAspect="1"/>
+            </p:cNvPicPr>
+            <p:nvPr/>
+          </p:nvPicPr>
+          <p:blipFill>
+            <a:blip r:embed="rId2"/>
+            <a:stretch>
+              <a:fillRect/>
+            </a:stretch>
+          </p:blipFill>
+          <p:spPr>
+            <a:xfrm rot="16200000">
+              <a:off x="4471194" y="1951037"/>
+              <a:ext cx="2578100" cy="2578100"/>
+            </a:xfrm>
+            <a:prstGeom prst="rect">
+              <a:avLst/>
+            </a:prstGeom>
+          </p:spPr>
+        </p:pic>
+        <p:sp>
+          <p:nvSpPr>
+            <p:cNvPr id="12" name="正方形/長方形 11">
+              <a:extLst>
+                <a:ext uri="{FF2B5EF4-FFF2-40B4-BE49-F238E27FC236}">
+                  <a16:creationId xmlns:a16="http://schemas.microsoft.com/office/drawing/2014/main" id="{2E412225-5477-412A-CBF1-B9253D423CBF}"/>
+                </a:ext>
+              </a:extLst>
+            </p:cNvPr>
+            <p:cNvSpPr/>
+            <p:nvPr/>
+          </p:nvSpPr>
+          <p:spPr>
+            <a:xfrm rot="16200000">
+              <a:off x="5599465" y="2930803"/>
+              <a:ext cx="3518226" cy="618565"/>
+            </a:xfrm>
+            <a:prstGeom prst="rect">
+              <a:avLst/>
+            </a:prstGeom>
+            <a:noFill/>
+            <a:ln>
+              <a:noFill/>
+            </a:ln>
+          </p:spPr>
+          <p:style>
+            <a:lnRef idx="2">
+              <a:schemeClr val="accent1">
+                <a:shade val="15000"/>
+              </a:schemeClr>
+            </a:lnRef>
+            <a:fillRef idx="1">
+              <a:schemeClr val="accent1"/>
+            </a:fillRef>
+            <a:effectRef idx="0">
+              <a:schemeClr val="accent1"/>
+            </a:effectRef>
+            <a:fontRef idx="minor">
+              <a:schemeClr val="lt1"/>
+            </a:fontRef>
+          </p:style>
+          <p:txBody>
+            <a:bodyPr rtlCol="0" anchor="ctr"/>
+            <a:lstStyle/>
+            <a:p>
+              <a:pPr algn="ctr"/>
+              <a:r>
+                <a:rPr kumimoji="1" lang="en" altLang="ja-JP" dirty="0">
+                  <a:solidFill>
+                    <a:srgbClr val="FF4631"/>
+                  </a:solidFill>
+                  <a:latin typeface="Meiryo" panose="020B0604030504040204" pitchFamily="34" charset="-128"/>
+                  <a:ea typeface="Meiryo" panose="020B0604030504040204" pitchFamily="34" charset="-128"/>
+                </a:rPr>
+                <a:t>https://</a:t>
+              </a:r>
+              <a:r>
+                <a:rPr kumimoji="1" lang="en" altLang="ja-JP" dirty="0" err="1">
+                  <a:solidFill>
+                    <a:srgbClr val="FF4631"/>
+                  </a:solidFill>
+                  <a:latin typeface="Meiryo" panose="020B0604030504040204" pitchFamily="34" charset="-128"/>
+                  <a:ea typeface="Meiryo" panose="020B0604030504040204" pitchFamily="34" charset="-128"/>
+                </a:rPr>
+                <a:t>masanarius.github.io</a:t>
+              </a:r>
+              <a:endParaRPr kumimoji="1" lang="ja-JP" altLang="en-US">
+                <a:solidFill>
+                  <a:srgbClr val="FF4631"/>
+                </a:solidFill>
+                <a:latin typeface="Meiryo" panose="020B0604030504040204" pitchFamily="34" charset="-128"/>
+                <a:ea typeface="Meiryo" panose="020B0604030504040204" pitchFamily="34" charset="-128"/>
+              </a:endParaRPr>
+            </a:p>
+          </p:txBody>
+        </p:sp>
+      </p:grpSp>
+    </p:spTree>
+    <p:extLst>
+      <p:ext uri="{BB962C8B-B14F-4D97-AF65-F5344CB8AC3E}">
+        <p14:creationId xmlns:p14="http://schemas.microsoft.com/office/powerpoint/2010/main" val="1157022536"/>
+      </p:ext>
+    </p:extLst>
+  </p:cSld>
+  <p:clrMapOvr>
+    <a:masterClrMapping/>
+  </p:clrMapOvr>
+</p:sld>
+</file>
+
+<file path=ppt/slides/slide2.xml><?xml version="1.0" encoding="utf-8"?>
+<p:sld xmlns:a="http://schemas.openxmlformats.org/drawingml/2006/main" xmlns:r="http://schemas.openxmlformats.org/officeDocument/2006/relationships" xmlns:p="http://schemas.openxmlformats.org/presentationml/2006/main">
+  <p:cSld>
+    <p:spTree>
+      <p:nvGrpSpPr>
+        <p:cNvPr id="1" name=""/>
+        <p:cNvGrpSpPr/>
+        <p:nvPr/>
+      </p:nvGrpSpPr>
+      <p:grpSpPr>
+        <a:xfrm>
+          <a:off x="0" y="0"/>
+          <a:ext cx="0" cy="0"/>
+          <a:chOff x="0" y="0"/>
+          <a:chExt cx="0" cy="0"/>
+        </a:xfrm>
+      </p:grpSpPr>
+      <p:sp>
+        <p:nvSpPr>
+          <p:cNvPr id="4" name="正方形/長方形 3">
+            <a:extLst>
+              <a:ext uri="{FF2B5EF4-FFF2-40B4-BE49-F238E27FC236}">
+                <a16:creationId xmlns:a16="http://schemas.microsoft.com/office/drawing/2014/main" id="{BD75CB29-FDF1-04EA-CBCC-0405FD653C22}"/>
+              </a:ext>
+            </a:extLst>
+          </p:cNvPr>
+          <p:cNvSpPr/>
+          <p:nvPr/>
+        </p:nvSpPr>
+        <p:spPr>
+          <a:xfrm>
+            <a:off x="720000" y="2519002"/>
+            <a:ext cx="5336108" cy="1440000"/>
+          </a:xfrm>
+          <a:prstGeom prst="rect">
+            <a:avLst/>
+          </a:prstGeom>
+          <a:noFill/>
+          <a:ln>
+            <a:noFill/>
+          </a:ln>
+        </p:spPr>
+        <p:style>
+          <a:lnRef idx="2">
+            <a:schemeClr val="accent1">
+              <a:shade val="15000"/>
+            </a:schemeClr>
+          </a:lnRef>
+          <a:fillRef idx="1">
+            <a:schemeClr val="accent1"/>
+          </a:fillRef>
+          <a:effectRef idx="0">
+            <a:schemeClr val="accent1"/>
+          </a:effectRef>
+          <a:fontRef idx="minor">
+            <a:schemeClr val="lt1"/>
+          </a:fontRef>
+        </p:style>
+        <p:txBody>
+          <a:bodyPr rtlCol="0" anchor="ctr"/>
+          <a:lstStyle/>
+          <a:p>
+            <a:r>
+              <a:rPr kumimoji="1" lang="ja-JP" altLang="en-US" sz="6000">
+                <a:solidFill>
+                  <a:srgbClr val="323232"/>
+                </a:solidFill>
+                <a:latin typeface="+mn-ea"/>
+              </a:rPr>
+              <a:t>市 川  雅 也</a:t>
+            </a:r>
+            <a:endParaRPr kumimoji="1" lang="en-US" altLang="ja-JP" sz="6000" dirty="0">
+              <a:solidFill>
+                <a:srgbClr val="323232"/>
+              </a:solidFill>
+              <a:latin typeface="+mn-ea"/>
+            </a:endParaRPr>
+          </a:p>
+          <a:p>
+            <a:r>
+              <a:rPr kumimoji="1" lang="en-US" altLang="ja-JP" sz="2400" dirty="0">
+                <a:solidFill>
+                  <a:srgbClr val="323232"/>
+                </a:solidFill>
+                <a:latin typeface="+mn-ea"/>
+              </a:rPr>
+              <a:t>Masanari ICHIKAWA</a:t>
+            </a:r>
+            <a:endParaRPr kumimoji="1" lang="ja-JP" altLang="en-US" sz="2400">
+              <a:solidFill>
+                <a:srgbClr val="323232"/>
+              </a:solidFill>
+              <a:latin typeface="+mn-ea"/>
+            </a:endParaRPr>
+          </a:p>
+        </p:txBody>
+      </p:sp>
+      <p:pic>
+        <p:nvPicPr>
+          <p:cNvPr id="22" name="図 21" descr="ロゴ, アイコン&#10;&#10;自動的に生成された説明">
+            <a:extLst>
+              <a:ext uri="{FF2B5EF4-FFF2-40B4-BE49-F238E27FC236}">
+                <a16:creationId xmlns:a16="http://schemas.microsoft.com/office/drawing/2014/main" id="{00E652C2-BC75-0D52-B948-5F1F7C11B34B}"/>
+              </a:ext>
+            </a:extLst>
+          </p:cNvPr>
+          <p:cNvPicPr>
+            <a:picLocks noChangeAspect="1"/>
+          </p:cNvPicPr>
+          <p:nvPr/>
+        </p:nvPicPr>
+        <p:blipFill>
+          <a:blip r:embed="rId3"/>
+          <a:stretch>
+            <a:fillRect/>
+          </a:stretch>
+        </p:blipFill>
+        <p:spPr>
+          <a:xfrm>
+            <a:off x="9356851" y="719002"/>
+            <a:ext cx="1447273" cy="1440000"/>
+          </a:xfrm>
+          <a:prstGeom prst="rect">
+            <a:avLst/>
+          </a:prstGeom>
+        </p:spPr>
+      </p:pic>
+      <p:grpSp>
+        <p:nvGrpSpPr>
+          <p:cNvPr id="33" name="グループ化 32">
+            <a:extLst>
+              <a:ext uri="{FF2B5EF4-FFF2-40B4-BE49-F238E27FC236}">
+                <a16:creationId xmlns:a16="http://schemas.microsoft.com/office/drawing/2014/main" id="{C1BC0DFF-D215-2EAC-05E9-C95DD8AEA35F}"/>
+              </a:ext>
+            </a:extLst>
+          </p:cNvPr>
+          <p:cNvGrpSpPr/>
+          <p:nvPr/>
+        </p:nvGrpSpPr>
+        <p:grpSpPr>
+          <a:xfrm>
+            <a:off x="720000" y="4689050"/>
+            <a:ext cx="8043000" cy="1442256"/>
+            <a:chOff x="632177" y="4767789"/>
+            <a:chExt cx="8043000" cy="1442256"/>
+          </a:xfrm>
+        </p:grpSpPr>
+        <p:pic>
+          <p:nvPicPr>
+            <p:cNvPr id="24" name="グラフィックス 23">
+              <a:extLst>
+                <a:ext uri="{FF2B5EF4-FFF2-40B4-BE49-F238E27FC236}">
+                  <a16:creationId xmlns:a16="http://schemas.microsoft.com/office/drawing/2014/main" id="{A9089DB6-3D8D-B8ED-75E1-A462088C8A70}"/>
+                </a:ext>
+              </a:extLst>
+            </p:cNvPr>
+            <p:cNvPicPr>
+              <a:picLocks noChangeAspect="1"/>
+            </p:cNvPicPr>
+            <p:nvPr/>
+          </p:nvPicPr>
+          <p:blipFill>
+            <a:blip r:embed="rId4">
+              <a:extLst>
+                <a:ext uri="{96DAC541-7B7A-43D3-8B79-37D633B846F1}">
+                  <asvg:svgBlip xmlns:asvg="http://schemas.microsoft.com/office/drawing/2016/SVG/main" r:embed="rId5"/>
+                </a:ext>
+              </a:extLst>
+            </a:blip>
+            <a:srcRect/>
+            <a:stretch/>
+          </p:blipFill>
+          <p:spPr>
+            <a:xfrm>
+              <a:off x="633047" y="4767789"/>
+              <a:ext cx="360000" cy="360000"/>
+            </a:xfrm>
+            <a:prstGeom prst="rect">
+              <a:avLst/>
+            </a:prstGeom>
+          </p:spPr>
+        </p:pic>
+        <p:pic>
+          <p:nvPicPr>
+            <p:cNvPr id="25" name="グラフィックス 24">
+              <a:extLst>
+                <a:ext uri="{FF2B5EF4-FFF2-40B4-BE49-F238E27FC236}">
+                  <a16:creationId xmlns:a16="http://schemas.microsoft.com/office/drawing/2014/main" id="{3249F8CD-CAD7-7F1B-E2BB-864423EC16CC}"/>
+                </a:ext>
+              </a:extLst>
+            </p:cNvPr>
+            <p:cNvPicPr>
+              <a:picLocks noChangeAspect="1"/>
+            </p:cNvPicPr>
+            <p:nvPr/>
+          </p:nvPicPr>
+          <p:blipFill>
+            <a:blip r:embed="rId6">
+              <a:extLst>
+                <a:ext uri="{96DAC541-7B7A-43D3-8B79-37D633B846F1}">
+                  <asvg:svgBlip xmlns:asvg="http://schemas.microsoft.com/office/drawing/2016/SVG/main" r:embed="rId7"/>
+                </a:ext>
+              </a:extLst>
+            </a:blip>
+            <a:srcRect/>
+            <a:stretch/>
+          </p:blipFill>
+          <p:spPr>
+            <a:xfrm>
+              <a:off x="633047" y="5469949"/>
+              <a:ext cx="360000" cy="360000"/>
+            </a:xfrm>
+            <a:prstGeom prst="rect">
+              <a:avLst/>
+            </a:prstGeom>
+          </p:spPr>
+        </p:pic>
+        <p:pic>
+          <p:nvPicPr>
+            <p:cNvPr id="26" name="グラフィックス 25">
+              <a:extLst>
+                <a:ext uri="{FF2B5EF4-FFF2-40B4-BE49-F238E27FC236}">
+                  <a16:creationId xmlns:a16="http://schemas.microsoft.com/office/drawing/2014/main" id="{5F418B13-FFA6-807C-4553-BC4209BA1D78}"/>
+                </a:ext>
+              </a:extLst>
+            </p:cNvPr>
+            <p:cNvPicPr>
+              <a:picLocks noChangeAspect="1"/>
+            </p:cNvPicPr>
+            <p:nvPr/>
+          </p:nvPicPr>
+          <p:blipFill>
+            <a:blip r:embed="rId8">
+              <a:extLst>
+                <a:ext uri="{96DAC541-7B7A-43D3-8B79-37D633B846F1}">
+                  <asvg:svgBlip xmlns:asvg="http://schemas.microsoft.com/office/drawing/2016/SVG/main" r:embed="rId9"/>
+                </a:ext>
+              </a:extLst>
+            </a:blip>
+            <a:srcRect/>
+            <a:stretch/>
+          </p:blipFill>
+          <p:spPr>
+            <a:xfrm>
+              <a:off x="632177" y="5850045"/>
+              <a:ext cx="360000" cy="360000"/>
+            </a:xfrm>
+            <a:prstGeom prst="rect">
+              <a:avLst/>
+            </a:prstGeom>
+          </p:spPr>
+        </p:pic>
+        <p:pic>
+          <p:nvPicPr>
+            <p:cNvPr id="27" name="グラフィックス 26">
+              <a:extLst>
+                <a:ext uri="{FF2B5EF4-FFF2-40B4-BE49-F238E27FC236}">
+                  <a16:creationId xmlns:a16="http://schemas.microsoft.com/office/drawing/2014/main" id="{8EA172B0-8971-E567-5B5E-57E1088DCD63}"/>
+                </a:ext>
+              </a:extLst>
+            </p:cNvPr>
+            <p:cNvPicPr>
+              <a:picLocks noChangeAspect="1"/>
+            </p:cNvPicPr>
+            <p:nvPr/>
+          </p:nvPicPr>
+          <p:blipFill>
+            <a:blip r:embed="rId10">
+              <a:extLst>
+                <a:ext uri="{96DAC541-7B7A-43D3-8B79-37D633B846F1}">
+                  <asvg:svgBlip xmlns:asvg="http://schemas.microsoft.com/office/drawing/2016/SVG/main" r:embed="rId11"/>
+                </a:ext>
+              </a:extLst>
+            </a:blip>
+            <a:srcRect/>
+            <a:stretch/>
+          </p:blipFill>
+          <p:spPr>
+            <a:xfrm>
+              <a:off x="633047" y="5147884"/>
+              <a:ext cx="360000" cy="360000"/>
+            </a:xfrm>
+            <a:prstGeom prst="rect">
+              <a:avLst/>
+            </a:prstGeom>
+          </p:spPr>
+        </p:pic>
+        <p:sp>
+          <p:nvSpPr>
+            <p:cNvPr id="29" name="正方形/長方形 28">
+              <a:extLst>
+                <a:ext uri="{FF2B5EF4-FFF2-40B4-BE49-F238E27FC236}">
+                  <a16:creationId xmlns:a16="http://schemas.microsoft.com/office/drawing/2014/main" id="{8DC38EF7-5548-F959-64B1-E3BC4BA54357}"/>
+                </a:ext>
+              </a:extLst>
+            </p:cNvPr>
+            <p:cNvSpPr/>
+            <p:nvPr/>
+          </p:nvSpPr>
+          <p:spPr>
+            <a:xfrm>
+              <a:off x="992177" y="4767789"/>
+              <a:ext cx="7683000" cy="360000"/>
+            </a:xfrm>
+            <a:prstGeom prst="rect">
+              <a:avLst/>
+            </a:prstGeom>
+            <a:noFill/>
+            <a:ln>
+              <a:noFill/>
+            </a:ln>
+          </p:spPr>
+          <p:style>
+            <a:lnRef idx="2">
+              <a:schemeClr val="accent1">
+                <a:shade val="15000"/>
+              </a:schemeClr>
+            </a:lnRef>
+            <a:fillRef idx="1">
+              <a:schemeClr val="accent1"/>
+            </a:fillRef>
+            <a:effectRef idx="0">
+              <a:schemeClr val="accent1"/>
+            </a:effectRef>
+            <a:fontRef idx="minor">
+              <a:schemeClr val="lt1"/>
+            </a:fontRef>
+          </p:style>
+          <p:txBody>
+            <a:bodyPr rtlCol="0" anchor="ctr"/>
+            <a:lstStyle/>
+            <a:p>
+              <a:r>
+                <a:rPr kumimoji="1" lang="ja-JP" altLang="en-US" sz="1400">
+                  <a:solidFill>
+                    <a:srgbClr val="323232"/>
+                  </a:solidFill>
+                  <a:latin typeface="Yu Gothic" panose="020B0400000000000000" pitchFamily="34" charset="-128"/>
+                  <a:ea typeface="Yu Gothic" panose="020B0400000000000000" pitchFamily="34" charset="-128"/>
+                </a:rPr>
+                <a:t>静岡大学大学院</a:t>
+              </a:r>
+              <a:r>
+                <a:rPr kumimoji="1" lang="en-US" altLang="ja-JP" sz="1400" dirty="0">
+                  <a:solidFill>
+                    <a:srgbClr val="323232"/>
+                  </a:solidFill>
+                  <a:latin typeface="Yu Gothic" panose="020B0400000000000000" pitchFamily="34" charset="-128"/>
+                  <a:ea typeface="Yu Gothic" panose="020B0400000000000000" pitchFamily="34" charset="-128"/>
+                </a:rPr>
+                <a:t> </a:t>
+              </a:r>
+              <a:r>
+                <a:rPr kumimoji="1" lang="ja-JP" altLang="en-US" sz="1400">
+                  <a:solidFill>
+                    <a:srgbClr val="323232"/>
+                  </a:solidFill>
+                  <a:latin typeface="Yu Gothic" panose="020B0400000000000000" pitchFamily="34" charset="-128"/>
+                  <a:ea typeface="Yu Gothic" panose="020B0400000000000000" pitchFamily="34" charset="-128"/>
+                </a:rPr>
+                <a:t>総合科学技術研究科・認知的コミュニケーション研究室</a:t>
+              </a:r>
+            </a:p>
+          </p:txBody>
+        </p:sp>
+        <p:sp>
+          <p:nvSpPr>
+            <p:cNvPr id="30" name="正方形/長方形 29">
+              <a:extLst>
+                <a:ext uri="{FF2B5EF4-FFF2-40B4-BE49-F238E27FC236}">
+                  <a16:creationId xmlns:a16="http://schemas.microsoft.com/office/drawing/2014/main" id="{4ADBFF52-46C6-336B-AC3E-0478F7A04414}"/>
+                </a:ext>
+              </a:extLst>
+            </p:cNvPr>
+            <p:cNvSpPr/>
+            <p:nvPr/>
+          </p:nvSpPr>
+          <p:spPr>
+            <a:xfrm>
+              <a:off x="992177" y="5147884"/>
+              <a:ext cx="5925918" cy="360000"/>
+            </a:xfrm>
+            <a:prstGeom prst="rect">
+              <a:avLst/>
+            </a:prstGeom>
+            <a:noFill/>
+            <a:ln>
+              <a:noFill/>
+            </a:ln>
+          </p:spPr>
+          <p:style>
+            <a:lnRef idx="2">
+              <a:schemeClr val="accent1">
+                <a:shade val="15000"/>
+              </a:schemeClr>
+            </a:lnRef>
+            <a:fillRef idx="1">
+              <a:schemeClr val="accent1"/>
+            </a:fillRef>
+            <a:effectRef idx="0">
+              <a:schemeClr val="accent1"/>
+            </a:effectRef>
+            <a:fontRef idx="minor">
+              <a:schemeClr val="lt1"/>
+            </a:fontRef>
+          </p:style>
+          <p:txBody>
+            <a:bodyPr rtlCol="0" anchor="ctr"/>
+            <a:lstStyle/>
+            <a:p>
+              <a:r>
+                <a:rPr kumimoji="1" lang="ja-JP" altLang="en-US" sz="1400">
+                  <a:solidFill>
+                    <a:srgbClr val="323232"/>
+                  </a:solidFill>
+                  <a:latin typeface="Yu Gothic" panose="020B0400000000000000" pitchFamily="34" charset="-128"/>
+                  <a:ea typeface="Yu Gothic" panose="020B0400000000000000" pitchFamily="34" charset="-128"/>
+                </a:rPr>
+                <a:t>〒</a:t>
+              </a:r>
+              <a:r>
+                <a:rPr kumimoji="1" lang="en-US" altLang="ja-JP" sz="1400" dirty="0">
+                  <a:solidFill>
+                    <a:srgbClr val="323232"/>
+                  </a:solidFill>
+                  <a:latin typeface="Yu Gothic" panose="020B0400000000000000" pitchFamily="34" charset="-128"/>
+                  <a:ea typeface="Yu Gothic" panose="020B0400000000000000" pitchFamily="34" charset="-128"/>
+                </a:rPr>
+                <a:t>432-8011 </a:t>
+              </a:r>
+              <a:r>
+                <a:rPr kumimoji="1" lang="ja-JP" altLang="en-US" sz="1400">
+                  <a:solidFill>
+                    <a:srgbClr val="323232"/>
+                  </a:solidFill>
+                  <a:latin typeface="Yu Gothic" panose="020B0400000000000000" pitchFamily="34" charset="-128"/>
+                  <a:ea typeface="Yu Gothic" panose="020B0400000000000000" pitchFamily="34" charset="-128"/>
+                </a:rPr>
+                <a:t>静岡県浜松市中区城北</a:t>
+              </a:r>
+              <a:r>
+                <a:rPr kumimoji="1" lang="en-US" altLang="ja-JP" sz="1400" dirty="0">
+                  <a:solidFill>
+                    <a:srgbClr val="323232"/>
+                  </a:solidFill>
+                  <a:latin typeface="Yu Gothic" panose="020B0400000000000000" pitchFamily="34" charset="-128"/>
+                  <a:ea typeface="Yu Gothic" panose="020B0400000000000000" pitchFamily="34" charset="-128"/>
+                </a:rPr>
+                <a:t>3-5-1 </a:t>
+              </a:r>
+              <a:r>
+                <a:rPr kumimoji="1" lang="ja-JP" altLang="en-US" sz="1400">
+                  <a:solidFill>
+                    <a:srgbClr val="323232"/>
+                  </a:solidFill>
+                  <a:latin typeface="Yu Gothic" panose="020B0400000000000000" pitchFamily="34" charset="-128"/>
+                  <a:ea typeface="Yu Gothic" panose="020B0400000000000000" pitchFamily="34" charset="-128"/>
+                </a:rPr>
+                <a:t>静岡大学浜松キャンパス</a:t>
+              </a:r>
+            </a:p>
+          </p:txBody>
+        </p:sp>
+        <p:sp>
+          <p:nvSpPr>
+            <p:cNvPr id="31" name="正方形/長方形 30">
+              <a:extLst>
+                <a:ext uri="{FF2B5EF4-FFF2-40B4-BE49-F238E27FC236}">
+                  <a16:creationId xmlns:a16="http://schemas.microsoft.com/office/drawing/2014/main" id="{64134785-DC12-EF74-25B7-1582113EA464}"/>
+                </a:ext>
+              </a:extLst>
+            </p:cNvPr>
+            <p:cNvSpPr/>
+            <p:nvPr/>
+          </p:nvSpPr>
+          <p:spPr>
+            <a:xfrm>
+              <a:off x="993047" y="5469949"/>
+              <a:ext cx="4677925" cy="360000"/>
+            </a:xfrm>
+            <a:prstGeom prst="rect">
+              <a:avLst/>
+            </a:prstGeom>
+            <a:noFill/>
+            <a:ln>
+              <a:noFill/>
+            </a:ln>
+          </p:spPr>
+          <p:style>
+            <a:lnRef idx="2">
+              <a:schemeClr val="accent1">
+                <a:shade val="15000"/>
+              </a:schemeClr>
+            </a:lnRef>
+            <a:fillRef idx="1">
+              <a:schemeClr val="accent1"/>
+            </a:fillRef>
+            <a:effectRef idx="0">
+              <a:schemeClr val="accent1"/>
+            </a:effectRef>
+            <a:fontRef idx="minor">
+              <a:schemeClr val="lt1"/>
+            </a:fontRef>
+          </p:style>
+          <p:txBody>
+            <a:bodyPr rtlCol="0" anchor="ctr"/>
+            <a:lstStyle/>
+            <a:p>
+              <a:r>
+                <a:rPr kumimoji="1" lang="en-US" altLang="ja-JP" sz="1400" dirty="0">
+                  <a:solidFill>
+                    <a:srgbClr val="323232"/>
+                  </a:solidFill>
+                  <a:latin typeface="Yu Gothic" panose="020B0400000000000000" pitchFamily="34" charset="-128"/>
+                  <a:ea typeface="Yu Gothic" panose="020B0400000000000000" pitchFamily="34" charset="-128"/>
+                </a:rPr>
+                <a:t>ichikawa.masanari.18@shizuoka.ac.jp</a:t>
+              </a:r>
+              <a:endParaRPr kumimoji="1" lang="ja-JP" altLang="en-US" sz="1400">
+                <a:solidFill>
+                  <a:srgbClr val="323232"/>
+                </a:solidFill>
+                <a:latin typeface="Yu Gothic" panose="020B0400000000000000" pitchFamily="34" charset="-128"/>
+                <a:ea typeface="Yu Gothic" panose="020B0400000000000000" pitchFamily="34" charset="-128"/>
+              </a:endParaRPr>
+            </a:p>
+          </p:txBody>
+        </p:sp>
+        <p:sp>
+          <p:nvSpPr>
+            <p:cNvPr id="32" name="正方形/長方形 31">
+              <a:extLst>
+                <a:ext uri="{FF2B5EF4-FFF2-40B4-BE49-F238E27FC236}">
+                  <a16:creationId xmlns:a16="http://schemas.microsoft.com/office/drawing/2014/main" id="{EA986BD9-00F0-F245-F8E0-1E472116D0EB}"/>
+                </a:ext>
+              </a:extLst>
+            </p:cNvPr>
+            <p:cNvSpPr/>
+            <p:nvPr/>
+          </p:nvSpPr>
+          <p:spPr>
+            <a:xfrm>
+              <a:off x="992177" y="5850045"/>
+              <a:ext cx="5418671" cy="360000"/>
+            </a:xfrm>
+            <a:prstGeom prst="rect">
+              <a:avLst/>
+            </a:prstGeom>
+            <a:noFill/>
+            <a:ln>
+              <a:noFill/>
+            </a:ln>
+          </p:spPr>
+          <p:style>
+            <a:lnRef idx="2">
+              <a:schemeClr val="accent1">
+                <a:shade val="15000"/>
+              </a:schemeClr>
+            </a:lnRef>
+            <a:fillRef idx="1">
+              <a:schemeClr val="accent1"/>
+            </a:fillRef>
+            <a:effectRef idx="0">
+              <a:schemeClr val="accent1"/>
+            </a:effectRef>
+            <a:fontRef idx="minor">
+              <a:schemeClr val="lt1"/>
+            </a:fontRef>
+          </p:style>
+          <p:txBody>
+            <a:bodyPr rtlCol="0" anchor="ctr"/>
+            <a:lstStyle/>
+            <a:p>
+              <a:r>
+                <a:rPr kumimoji="1" lang="en-US" altLang="ja-JP" sz="1400" dirty="0" err="1">
+                  <a:solidFill>
+                    <a:srgbClr val="323232"/>
+                  </a:solidFill>
+                  <a:latin typeface="Yu Gothic" panose="020B0400000000000000" pitchFamily="34" charset="-128"/>
+                  <a:ea typeface="Yu Gothic" panose="020B0400000000000000" pitchFamily="34" charset="-128"/>
+                </a:rPr>
+                <a:t>masanarius.github.io</a:t>
+              </a:r>
+              <a:endParaRPr kumimoji="1" lang="ja-JP" altLang="en-US" sz="1400">
+                <a:solidFill>
+                  <a:srgbClr val="323232"/>
+                </a:solidFill>
+                <a:latin typeface="Yu Gothic" panose="020B0400000000000000" pitchFamily="34" charset="-128"/>
+                <a:ea typeface="Yu Gothic" panose="020B0400000000000000" pitchFamily="34" charset="-128"/>
+              </a:endParaRPr>
+            </a:p>
+          </p:txBody>
+        </p:sp>
+      </p:grpSp>
+      <p:pic>
+        <p:nvPicPr>
+          <p:cNvPr id="2" name="図 1" descr="QR コード&#10;&#10;自動的に生成された説明">
+            <a:extLst>
+              <a:ext uri="{FF2B5EF4-FFF2-40B4-BE49-F238E27FC236}">
+                <a16:creationId xmlns:a16="http://schemas.microsoft.com/office/drawing/2014/main" id="{23C496C4-D74E-2D58-7DA8-35862E7B0563}"/>
+              </a:ext>
+            </a:extLst>
+          </p:cNvPr>
+          <p:cNvPicPr>
+            <a:picLocks noChangeAspect="1"/>
+          </p:cNvPicPr>
+          <p:nvPr/>
+        </p:nvPicPr>
+        <p:blipFill>
+          <a:blip r:embed="rId12"/>
+          <a:stretch>
+            <a:fillRect/>
+          </a:stretch>
+        </p:blipFill>
+        <p:spPr>
+          <a:xfrm>
+            <a:off x="7919618" y="2871210"/>
+            <a:ext cx="2880000" cy="2880000"/>
+          </a:xfrm>
+          <a:prstGeom prst="rect">
+            <a:avLst/>
+          </a:prstGeom>
+        </p:spPr>
+      </p:pic>
+      <p:pic>
+        <p:nvPicPr>
+          <p:cNvPr id="3" name="グラフィックス 2" descr="卒業式用の角帽 単色塗りつぶし">
+            <a:extLst>
+              <a:ext uri="{FF2B5EF4-FFF2-40B4-BE49-F238E27FC236}">
+                <a16:creationId xmlns:a16="http://schemas.microsoft.com/office/drawing/2014/main" id="{72E9D41B-1335-CFD5-0436-F4CBF181D216}"/>
+              </a:ext>
+            </a:extLst>
+          </p:cNvPr>
+          <p:cNvPicPr>
+            <a:picLocks noChangeAspect="1"/>
+          </p:cNvPicPr>
+          <p:nvPr/>
+        </p:nvPicPr>
+        <p:blipFill>
+          <a:blip r:embed="rId13">
+            <a:extLst>
+              <a:ext uri="{96DAC541-7B7A-43D3-8B79-37D633B846F1}">
+                <asvg:svgBlip xmlns:asvg="http://schemas.microsoft.com/office/drawing/2016/SVG/main" r:embed="rId14"/>
+              </a:ext>
+            </a:extLst>
+          </a:blip>
+          <a:srcRect/>
+          <a:stretch/>
+        </p:blipFill>
+        <p:spPr>
+          <a:xfrm>
+            <a:off x="720870" y="4308954"/>
+            <a:ext cx="360000" cy="360000"/>
+          </a:xfrm>
+          <a:prstGeom prst="rect">
+            <a:avLst/>
+          </a:prstGeom>
+        </p:spPr>
+      </p:pic>
+      <p:sp>
+        <p:nvSpPr>
+          <p:cNvPr id="5" name="正方形/長方形 4">
+            <a:extLst>
+              <a:ext uri="{FF2B5EF4-FFF2-40B4-BE49-F238E27FC236}">
+                <a16:creationId xmlns:a16="http://schemas.microsoft.com/office/drawing/2014/main" id="{07988D22-40DF-3592-73F6-A4D17DEC1767}"/>
+              </a:ext>
+            </a:extLst>
+          </p:cNvPr>
+          <p:cNvSpPr/>
+          <p:nvPr/>
+        </p:nvSpPr>
+        <p:spPr>
+          <a:xfrm>
+            <a:off x="1080000" y="4308954"/>
+            <a:ext cx="5925918" cy="360000"/>
+          </a:xfrm>
+          <a:prstGeom prst="rect">
+            <a:avLst/>
+          </a:prstGeom>
+          <a:noFill/>
+          <a:ln>
+            <a:noFill/>
+          </a:ln>
+        </p:spPr>
+        <p:style>
+          <a:lnRef idx="2">
+            <a:schemeClr val="accent1">
+              <a:shade val="15000"/>
+            </a:schemeClr>
+          </a:lnRef>
+          <a:fillRef idx="1">
+            <a:schemeClr val="accent1"/>
+          </a:fillRef>
+          <a:effectRef idx="0">
+            <a:schemeClr val="accent1"/>
+          </a:effectRef>
+          <a:fontRef idx="minor">
+            <a:schemeClr val="lt1"/>
+          </a:fontRef>
+        </p:style>
+        <p:txBody>
+          <a:bodyPr rtlCol="0" anchor="ctr"/>
+          <a:lstStyle/>
+          <a:p>
+            <a:r>
+              <a:rPr kumimoji="1" lang="ja-JP" altLang="en-US" sz="1400">
+                <a:solidFill>
+                  <a:srgbClr val="323232"/>
+                </a:solidFill>
+                <a:latin typeface="Yu Gothic" panose="020B0400000000000000" pitchFamily="34" charset="-128"/>
+                <a:ea typeface="Yu Gothic" panose="020B0400000000000000" pitchFamily="34" charset="-128"/>
+              </a:rPr>
+              <a:t>学士（情報学）</a:t>
+            </a:r>
+          </a:p>
+        </p:txBody>
+      </p:sp>
+    </p:spTree>
+    <p:extLst>
+      <p:ext uri="{BB962C8B-B14F-4D97-AF65-F5344CB8AC3E}">
+        <p14:creationId xmlns:p14="http://schemas.microsoft.com/office/powerpoint/2010/main" val="3429829321"/>
+      </p:ext>
+    </p:extLst>
+  </p:cSld>
+  <p:clrMapOvr>
+    <a:masterClrMapping/>
+  </p:clrMapOvr>
+</p:sld>
+</file>
+
+<file path=ppt/slides/slide3.xml><?xml version="1.0" encoding="utf-8"?>
+<p:sld xmlns:a="http://schemas.openxmlformats.org/drawingml/2006/main" xmlns:r="http://schemas.openxmlformats.org/officeDocument/2006/relationships" xmlns:p="http://schemas.openxmlformats.org/presentationml/2006/main">
+  <p:cSld>
+    <p:spTree>
+      <p:nvGrpSpPr>
+        <p:cNvPr id="1" name=""/>
+        <p:cNvGrpSpPr/>
+        <p:nvPr/>
+      </p:nvGrpSpPr>
+      <p:grpSpPr>
+        <a:xfrm>
+          <a:off x="0" y="0"/>
+          <a:ext cx="0" cy="0"/>
+          <a:chOff x="0" y="0"/>
+          <a:chExt cx="0" cy="0"/>
+        </a:xfrm>
+      </p:grpSpPr>
+      <p:sp>
+        <p:nvSpPr>
+          <p:cNvPr id="4" name="正方形/長方形 3">
+            <a:extLst>
+              <a:ext uri="{FF2B5EF4-FFF2-40B4-BE49-F238E27FC236}">
+                <a16:creationId xmlns:a16="http://schemas.microsoft.com/office/drawing/2014/main" id="{BD75CB29-FDF1-04EA-CBCC-0405FD653C22}"/>
+              </a:ext>
+            </a:extLst>
+          </p:cNvPr>
+          <p:cNvSpPr/>
+          <p:nvPr/>
+        </p:nvSpPr>
+        <p:spPr>
+          <a:xfrm>
+            <a:off x="720000" y="2519002"/>
+            <a:ext cx="5336108" cy="1440000"/>
+          </a:xfrm>
+          <a:prstGeom prst="rect">
+            <a:avLst/>
+          </a:prstGeom>
+          <a:noFill/>
+          <a:ln>
+            <a:noFill/>
+          </a:ln>
+        </p:spPr>
+        <p:style>
+          <a:lnRef idx="2">
+            <a:schemeClr val="accent1">
+              <a:shade val="15000"/>
+            </a:schemeClr>
+          </a:lnRef>
+          <a:fillRef idx="1">
+            <a:schemeClr val="accent1"/>
+          </a:fillRef>
+          <a:effectRef idx="0">
+            <a:schemeClr val="accent1"/>
+          </a:effectRef>
+          <a:fontRef idx="minor">
+            <a:schemeClr val="lt1"/>
+          </a:fontRef>
+        </p:style>
+        <p:txBody>
+          <a:bodyPr rtlCol="0" anchor="ctr"/>
+          <a:lstStyle/>
+          <a:p>
+            <a:r>
+              <a:rPr kumimoji="1" lang="ja-JP" altLang="en-US" sz="6000">
+                <a:solidFill>
+                  <a:srgbClr val="323232"/>
+                </a:solidFill>
+                <a:latin typeface="+mn-ea"/>
+              </a:rPr>
+              <a:t>市 川  雅 也</a:t>
+            </a:r>
+            <a:endParaRPr kumimoji="1" lang="en-US" altLang="ja-JP" sz="6000" dirty="0">
+              <a:solidFill>
+                <a:srgbClr val="323232"/>
+              </a:solidFill>
+              <a:latin typeface="+mn-ea"/>
+            </a:endParaRPr>
+          </a:p>
+          <a:p>
+            <a:r>
+              <a:rPr kumimoji="1" lang="en-US" altLang="ja-JP" sz="2400" dirty="0">
+                <a:solidFill>
+                  <a:srgbClr val="323232"/>
+                </a:solidFill>
+                <a:latin typeface="+mn-ea"/>
+              </a:rPr>
+              <a:t>Masanari ICHIKAWA</a:t>
+            </a:r>
+            <a:endParaRPr kumimoji="1" lang="ja-JP" altLang="en-US" sz="2400">
+              <a:solidFill>
+                <a:srgbClr val="323232"/>
+              </a:solidFill>
+              <a:latin typeface="+mn-ea"/>
+            </a:endParaRPr>
+          </a:p>
+        </p:txBody>
+      </p:sp>
+      <p:pic>
+        <p:nvPicPr>
+          <p:cNvPr id="22" name="図 21" descr="ロゴ, アイコン&#10;&#10;自動的に生成された説明">
+            <a:extLst>
+              <a:ext uri="{FF2B5EF4-FFF2-40B4-BE49-F238E27FC236}">
+                <a16:creationId xmlns:a16="http://schemas.microsoft.com/office/drawing/2014/main" id="{00E652C2-BC75-0D52-B948-5F1F7C11B34B}"/>
+              </a:ext>
+            </a:extLst>
+          </p:cNvPr>
+          <p:cNvPicPr>
+            <a:picLocks noChangeAspect="1"/>
+          </p:cNvPicPr>
+          <p:nvPr/>
+        </p:nvPicPr>
+        <p:blipFill>
+          <a:blip r:embed="rId3"/>
+          <a:stretch>
+            <a:fillRect/>
+          </a:stretch>
+        </p:blipFill>
+        <p:spPr>
+          <a:xfrm>
+            <a:off x="9356851" y="719002"/>
+            <a:ext cx="1447273" cy="1440000"/>
+          </a:xfrm>
+          <a:prstGeom prst="rect">
+            <a:avLst/>
+          </a:prstGeom>
+        </p:spPr>
+      </p:pic>
+      <p:grpSp>
+        <p:nvGrpSpPr>
+          <p:cNvPr id="33" name="グループ化 32">
+            <a:extLst>
+              <a:ext uri="{FF2B5EF4-FFF2-40B4-BE49-F238E27FC236}">
+                <a16:creationId xmlns:a16="http://schemas.microsoft.com/office/drawing/2014/main" id="{C1BC0DFF-D215-2EAC-05E9-C95DD8AEA35F}"/>
+              </a:ext>
+            </a:extLst>
+          </p:cNvPr>
+          <p:cNvGrpSpPr/>
+          <p:nvPr/>
+        </p:nvGrpSpPr>
+        <p:grpSpPr>
+          <a:xfrm>
+            <a:off x="720000" y="4689050"/>
+            <a:ext cx="9545229" cy="1442256"/>
+            <a:chOff x="632177" y="4767789"/>
+            <a:chExt cx="9545229" cy="1442256"/>
+          </a:xfrm>
+        </p:grpSpPr>
+        <p:pic>
+          <p:nvPicPr>
+            <p:cNvPr id="24" name="グラフィックス 23">
+              <a:extLst>
+                <a:ext uri="{FF2B5EF4-FFF2-40B4-BE49-F238E27FC236}">
+                  <a16:creationId xmlns:a16="http://schemas.microsoft.com/office/drawing/2014/main" id="{A9089DB6-3D8D-B8ED-75E1-A462088C8A70}"/>
+                </a:ext>
+              </a:extLst>
+            </p:cNvPr>
+            <p:cNvPicPr>
+              <a:picLocks noChangeAspect="1"/>
+            </p:cNvPicPr>
+            <p:nvPr/>
+          </p:nvPicPr>
+          <p:blipFill>
+            <a:blip r:embed="rId4">
+              <a:extLst>
+                <a:ext uri="{96DAC541-7B7A-43D3-8B79-37D633B846F1}">
+                  <asvg:svgBlip xmlns:asvg="http://schemas.microsoft.com/office/drawing/2016/SVG/main" r:embed="rId5"/>
+                </a:ext>
+              </a:extLst>
+            </a:blip>
+            <a:srcRect/>
+            <a:stretch/>
+          </p:blipFill>
+          <p:spPr>
+            <a:xfrm>
+              <a:off x="633047" y="4767789"/>
+              <a:ext cx="360000" cy="360000"/>
+            </a:xfrm>
+            <a:prstGeom prst="rect">
+              <a:avLst/>
+            </a:prstGeom>
+          </p:spPr>
+        </p:pic>
+        <p:pic>
+          <p:nvPicPr>
+            <p:cNvPr id="25" name="グラフィックス 24">
+              <a:extLst>
+                <a:ext uri="{FF2B5EF4-FFF2-40B4-BE49-F238E27FC236}">
+                  <a16:creationId xmlns:a16="http://schemas.microsoft.com/office/drawing/2014/main" id="{3249F8CD-CAD7-7F1B-E2BB-864423EC16CC}"/>
+                </a:ext>
+              </a:extLst>
+            </p:cNvPr>
+            <p:cNvPicPr>
+              <a:picLocks noChangeAspect="1"/>
+            </p:cNvPicPr>
+            <p:nvPr/>
+          </p:nvPicPr>
+          <p:blipFill>
+            <a:blip r:embed="rId6">
+              <a:extLst>
+                <a:ext uri="{96DAC541-7B7A-43D3-8B79-37D633B846F1}">
+                  <asvg:svgBlip xmlns:asvg="http://schemas.microsoft.com/office/drawing/2016/SVG/main" r:embed="rId7"/>
+                </a:ext>
+              </a:extLst>
+            </a:blip>
+            <a:srcRect/>
+            <a:stretch/>
+          </p:blipFill>
+          <p:spPr>
+            <a:xfrm>
+              <a:off x="633047" y="5469949"/>
+              <a:ext cx="360000" cy="360000"/>
+            </a:xfrm>
+            <a:prstGeom prst="rect">
+              <a:avLst/>
+            </a:prstGeom>
+          </p:spPr>
+        </p:pic>
+        <p:pic>
+          <p:nvPicPr>
+            <p:cNvPr id="26" name="グラフィックス 25">
+              <a:extLst>
+                <a:ext uri="{FF2B5EF4-FFF2-40B4-BE49-F238E27FC236}">
+                  <a16:creationId xmlns:a16="http://schemas.microsoft.com/office/drawing/2014/main" id="{5F418B13-FFA6-807C-4553-BC4209BA1D78}"/>
+                </a:ext>
+              </a:extLst>
+            </p:cNvPr>
+            <p:cNvPicPr>
+              <a:picLocks noChangeAspect="1"/>
+            </p:cNvPicPr>
+            <p:nvPr/>
+          </p:nvPicPr>
+          <p:blipFill>
+            <a:blip r:embed="rId8">
+              <a:extLst>
+                <a:ext uri="{96DAC541-7B7A-43D3-8B79-37D633B846F1}">
+                  <asvg:svgBlip xmlns:asvg="http://schemas.microsoft.com/office/drawing/2016/SVG/main" r:embed="rId9"/>
+                </a:ext>
+              </a:extLst>
+            </a:blip>
+            <a:srcRect/>
+            <a:stretch/>
+          </p:blipFill>
+          <p:spPr>
+            <a:xfrm>
+              <a:off x="632177" y="5850045"/>
+              <a:ext cx="360000" cy="360000"/>
+            </a:xfrm>
+            <a:prstGeom prst="rect">
+              <a:avLst/>
+            </a:prstGeom>
+          </p:spPr>
+        </p:pic>
+        <p:pic>
+          <p:nvPicPr>
+            <p:cNvPr id="27" name="グラフィックス 26">
+              <a:extLst>
+                <a:ext uri="{FF2B5EF4-FFF2-40B4-BE49-F238E27FC236}">
+                  <a16:creationId xmlns:a16="http://schemas.microsoft.com/office/drawing/2014/main" id="{8EA172B0-8971-E567-5B5E-57E1088DCD63}"/>
+                </a:ext>
+              </a:extLst>
+            </p:cNvPr>
+            <p:cNvPicPr>
+              <a:picLocks noChangeAspect="1"/>
+            </p:cNvPicPr>
+            <p:nvPr/>
+          </p:nvPicPr>
+          <p:blipFill>
+            <a:blip r:embed="rId10">
+              <a:extLst>
+                <a:ext uri="{96DAC541-7B7A-43D3-8B79-37D633B846F1}">
+                  <asvg:svgBlip xmlns:asvg="http://schemas.microsoft.com/office/drawing/2016/SVG/main" r:embed="rId11"/>
+                </a:ext>
+              </a:extLst>
+            </a:blip>
+            <a:srcRect/>
+            <a:stretch/>
+          </p:blipFill>
+          <p:spPr>
+            <a:xfrm>
+              <a:off x="633047" y="5147884"/>
+              <a:ext cx="360000" cy="360000"/>
+            </a:xfrm>
+            <a:prstGeom prst="rect">
+              <a:avLst/>
+            </a:prstGeom>
+          </p:spPr>
+        </p:pic>
+        <p:sp>
+          <p:nvSpPr>
+            <p:cNvPr id="29" name="正方形/長方形 28">
+              <a:extLst>
+                <a:ext uri="{FF2B5EF4-FFF2-40B4-BE49-F238E27FC236}">
+                  <a16:creationId xmlns:a16="http://schemas.microsoft.com/office/drawing/2014/main" id="{8DC38EF7-5548-F959-64B1-E3BC4BA54357}"/>
+                </a:ext>
+              </a:extLst>
+            </p:cNvPr>
+            <p:cNvSpPr/>
+            <p:nvPr/>
+          </p:nvSpPr>
+          <p:spPr>
+            <a:xfrm>
+              <a:off x="992178" y="4767789"/>
+              <a:ext cx="9185228" cy="360000"/>
+            </a:xfrm>
+            <a:prstGeom prst="rect">
+              <a:avLst/>
+            </a:prstGeom>
+            <a:noFill/>
+            <a:ln>
+              <a:noFill/>
+            </a:ln>
+          </p:spPr>
+          <p:style>
+            <a:lnRef idx="2">
+              <a:schemeClr val="accent1">
+                <a:shade val="15000"/>
+              </a:schemeClr>
+            </a:lnRef>
+            <a:fillRef idx="1">
+              <a:schemeClr val="accent1"/>
+            </a:fillRef>
+            <a:effectRef idx="0">
+              <a:schemeClr val="accent1"/>
+            </a:effectRef>
+            <a:fontRef idx="minor">
+              <a:schemeClr val="lt1"/>
+            </a:fontRef>
+          </p:style>
+          <p:txBody>
+            <a:bodyPr rtlCol="0" anchor="ctr"/>
+            <a:lstStyle/>
+            <a:p>
+              <a:r>
+                <a:rPr kumimoji="1" lang="en-US" altLang="ja-JP" sz="1400" dirty="0">
+                  <a:solidFill>
+                    <a:srgbClr val="323232"/>
+                  </a:solidFill>
+                  <a:latin typeface="Yu Gothic" panose="020B0400000000000000" pitchFamily="34" charset="-128"/>
+                  <a:ea typeface="Yu Gothic" panose="020B0400000000000000" pitchFamily="34" charset="-128"/>
+                </a:rPr>
+                <a:t>Graduate School of Integrated Science and Technology, Shizuoka University</a:t>
+              </a:r>
+              <a:endParaRPr kumimoji="1" lang="ja-JP" altLang="en-US" sz="1400">
+                <a:solidFill>
+                  <a:srgbClr val="323232"/>
+                </a:solidFill>
+                <a:latin typeface="Yu Gothic" panose="020B0400000000000000" pitchFamily="34" charset="-128"/>
+                <a:ea typeface="Yu Gothic" panose="020B0400000000000000" pitchFamily="34" charset="-128"/>
+              </a:endParaRPr>
+            </a:p>
+          </p:txBody>
+        </p:sp>
+        <p:sp>
+          <p:nvSpPr>
+            <p:cNvPr id="30" name="正方形/長方形 29">
+              <a:extLst>
+                <a:ext uri="{FF2B5EF4-FFF2-40B4-BE49-F238E27FC236}">
+                  <a16:creationId xmlns:a16="http://schemas.microsoft.com/office/drawing/2014/main" id="{4ADBFF52-46C6-336B-AC3E-0478F7A04414}"/>
+                </a:ext>
+              </a:extLst>
+            </p:cNvPr>
+            <p:cNvSpPr/>
+            <p:nvPr/>
+          </p:nvSpPr>
+          <p:spPr>
+            <a:xfrm>
+              <a:off x="992177" y="5147884"/>
+              <a:ext cx="5549400" cy="360000"/>
+            </a:xfrm>
+            <a:prstGeom prst="rect">
+              <a:avLst/>
+            </a:prstGeom>
+            <a:noFill/>
+            <a:ln>
+              <a:noFill/>
+            </a:ln>
+          </p:spPr>
+          <p:style>
+            <a:lnRef idx="2">
+              <a:schemeClr val="accent1">
+                <a:shade val="15000"/>
+              </a:schemeClr>
+            </a:lnRef>
+            <a:fillRef idx="1">
+              <a:schemeClr val="accent1"/>
+            </a:fillRef>
+            <a:effectRef idx="0">
+              <a:schemeClr val="accent1"/>
+            </a:effectRef>
+            <a:fontRef idx="minor">
+              <a:schemeClr val="lt1"/>
+            </a:fontRef>
+          </p:style>
+          <p:txBody>
+            <a:bodyPr rtlCol="0" anchor="ctr"/>
+            <a:lstStyle/>
+            <a:p>
+              <a:r>
+                <a:rPr kumimoji="1" lang="en-US" altLang="ja-JP" sz="1400" dirty="0">
+                  <a:solidFill>
+                    <a:srgbClr val="323232"/>
+                  </a:solidFill>
+                  <a:latin typeface="Yu Gothic" panose="020B0400000000000000" pitchFamily="34" charset="-128"/>
+                  <a:ea typeface="Yu Gothic" panose="020B0400000000000000" pitchFamily="34" charset="-128"/>
+                </a:rPr>
+                <a:t>3-5-1 </a:t>
+              </a:r>
+              <a:r>
+                <a:rPr kumimoji="1" lang="en-US" altLang="ja-JP" sz="1400" dirty="0" err="1">
+                  <a:solidFill>
+                    <a:srgbClr val="323232"/>
+                  </a:solidFill>
+                  <a:latin typeface="Yu Gothic" panose="020B0400000000000000" pitchFamily="34" charset="-128"/>
+                  <a:ea typeface="Yu Gothic" panose="020B0400000000000000" pitchFamily="34" charset="-128"/>
+                </a:rPr>
+                <a:t>Johoku</a:t>
+              </a:r>
+              <a:r>
+                <a:rPr kumimoji="1" lang="en-US" altLang="ja-JP" sz="1400" dirty="0">
+                  <a:solidFill>
+                    <a:srgbClr val="323232"/>
+                  </a:solidFill>
+                  <a:latin typeface="Yu Gothic" panose="020B0400000000000000" pitchFamily="34" charset="-128"/>
+                  <a:ea typeface="Yu Gothic" panose="020B0400000000000000" pitchFamily="34" charset="-128"/>
+                </a:rPr>
+                <a:t>, Naka-</a:t>
+              </a:r>
+              <a:r>
+                <a:rPr kumimoji="1" lang="en-US" altLang="ja-JP" sz="1400" dirty="0" err="1">
+                  <a:solidFill>
+                    <a:srgbClr val="323232"/>
+                  </a:solidFill>
+                  <a:latin typeface="Yu Gothic" panose="020B0400000000000000" pitchFamily="34" charset="-128"/>
+                  <a:ea typeface="Yu Gothic" panose="020B0400000000000000" pitchFamily="34" charset="-128"/>
+                </a:rPr>
+                <a:t>ku</a:t>
+              </a:r>
+              <a:r>
+                <a:rPr kumimoji="1" lang="en-US" altLang="ja-JP" sz="1400" dirty="0">
+                  <a:solidFill>
+                    <a:srgbClr val="323232"/>
+                  </a:solidFill>
+                  <a:latin typeface="Yu Gothic" panose="020B0400000000000000" pitchFamily="34" charset="-128"/>
+                  <a:ea typeface="Yu Gothic" panose="020B0400000000000000" pitchFamily="34" charset="-128"/>
+                </a:rPr>
+                <a:t>, Hamamatsu, 4328011, Japan</a:t>
+              </a:r>
+              <a:endParaRPr kumimoji="1" lang="ja-JP" altLang="en-US" sz="1400">
+                <a:solidFill>
+                  <a:srgbClr val="323232"/>
+                </a:solidFill>
+                <a:latin typeface="Yu Gothic" panose="020B0400000000000000" pitchFamily="34" charset="-128"/>
+                <a:ea typeface="Yu Gothic" panose="020B0400000000000000" pitchFamily="34" charset="-128"/>
+              </a:endParaRPr>
+            </a:p>
+          </p:txBody>
+        </p:sp>
+        <p:sp>
+          <p:nvSpPr>
+            <p:cNvPr id="31" name="正方形/長方形 30">
+              <a:extLst>
+                <a:ext uri="{FF2B5EF4-FFF2-40B4-BE49-F238E27FC236}">
+                  <a16:creationId xmlns:a16="http://schemas.microsoft.com/office/drawing/2014/main" id="{64134785-DC12-EF74-25B7-1582113EA464}"/>
+                </a:ext>
+              </a:extLst>
+            </p:cNvPr>
+            <p:cNvSpPr/>
+            <p:nvPr/>
+          </p:nvSpPr>
+          <p:spPr>
+            <a:xfrm>
+              <a:off x="993047" y="5469949"/>
+              <a:ext cx="4677925" cy="360000"/>
+            </a:xfrm>
+            <a:prstGeom prst="rect">
+              <a:avLst/>
+            </a:prstGeom>
+            <a:noFill/>
+            <a:ln>
+              <a:noFill/>
+            </a:ln>
+          </p:spPr>
+          <p:style>
+            <a:lnRef idx="2">
+              <a:schemeClr val="accent1">
+                <a:shade val="15000"/>
+              </a:schemeClr>
+            </a:lnRef>
+            <a:fillRef idx="1">
+              <a:schemeClr val="accent1"/>
+            </a:fillRef>
+            <a:effectRef idx="0">
+              <a:schemeClr val="accent1"/>
+            </a:effectRef>
+            <a:fontRef idx="minor">
+              <a:schemeClr val="lt1"/>
+            </a:fontRef>
+          </p:style>
+          <p:txBody>
+            <a:bodyPr rtlCol="0" anchor="ctr"/>
+            <a:lstStyle/>
+            <a:p>
+              <a:r>
+                <a:rPr kumimoji="1" lang="en-US" altLang="ja-JP" sz="1400" dirty="0">
+                  <a:solidFill>
+                    <a:srgbClr val="323232"/>
+                  </a:solidFill>
+                  <a:latin typeface="Yu Gothic" panose="020B0400000000000000" pitchFamily="34" charset="-128"/>
+                  <a:ea typeface="Yu Gothic" panose="020B0400000000000000" pitchFamily="34" charset="-128"/>
+                </a:rPr>
+                <a:t>ichikawa.masanari.18@shizuoka.ac.jp</a:t>
+              </a:r>
+              <a:endParaRPr kumimoji="1" lang="ja-JP" altLang="en-US" sz="1400">
+                <a:solidFill>
+                  <a:srgbClr val="323232"/>
+                </a:solidFill>
+                <a:latin typeface="Yu Gothic" panose="020B0400000000000000" pitchFamily="34" charset="-128"/>
+                <a:ea typeface="Yu Gothic" panose="020B0400000000000000" pitchFamily="34" charset="-128"/>
+              </a:endParaRPr>
+            </a:p>
+          </p:txBody>
+        </p:sp>
+        <p:sp>
+          <p:nvSpPr>
+            <p:cNvPr id="32" name="正方形/長方形 31">
+              <a:extLst>
+                <a:ext uri="{FF2B5EF4-FFF2-40B4-BE49-F238E27FC236}">
+                  <a16:creationId xmlns:a16="http://schemas.microsoft.com/office/drawing/2014/main" id="{EA986BD9-00F0-F245-F8E0-1E472116D0EB}"/>
+                </a:ext>
+              </a:extLst>
+            </p:cNvPr>
+            <p:cNvSpPr/>
+            <p:nvPr/>
+          </p:nvSpPr>
+          <p:spPr>
+            <a:xfrm>
+              <a:off x="992177" y="5850045"/>
+              <a:ext cx="5418671" cy="360000"/>
+            </a:xfrm>
+            <a:prstGeom prst="rect">
+              <a:avLst/>
+            </a:prstGeom>
+            <a:noFill/>
+            <a:ln>
+              <a:noFill/>
+            </a:ln>
+          </p:spPr>
+          <p:style>
+            <a:lnRef idx="2">
+              <a:schemeClr val="accent1">
+                <a:shade val="15000"/>
+              </a:schemeClr>
+            </a:lnRef>
+            <a:fillRef idx="1">
+              <a:schemeClr val="accent1"/>
+            </a:fillRef>
+            <a:effectRef idx="0">
+              <a:schemeClr val="accent1"/>
+            </a:effectRef>
+            <a:fontRef idx="minor">
+              <a:schemeClr val="lt1"/>
+            </a:fontRef>
+          </p:style>
+          <p:txBody>
+            <a:bodyPr rtlCol="0" anchor="ctr"/>
+            <a:lstStyle/>
+            <a:p>
+              <a:r>
+                <a:rPr kumimoji="1" lang="en-US" altLang="ja-JP" sz="1400" dirty="0" err="1">
+                  <a:solidFill>
+                    <a:srgbClr val="323232"/>
+                  </a:solidFill>
+                  <a:latin typeface="Yu Gothic" panose="020B0400000000000000" pitchFamily="34" charset="-128"/>
+                  <a:ea typeface="Yu Gothic" panose="020B0400000000000000" pitchFamily="34" charset="-128"/>
+                </a:rPr>
+                <a:t>masanarius.github.io</a:t>
+              </a:r>
+              <a:endParaRPr kumimoji="1" lang="ja-JP" altLang="en-US" sz="1400">
+                <a:solidFill>
+                  <a:srgbClr val="323232"/>
+                </a:solidFill>
+                <a:latin typeface="Yu Gothic" panose="020B0400000000000000" pitchFamily="34" charset="-128"/>
+                <a:ea typeface="Yu Gothic" panose="020B0400000000000000" pitchFamily="34" charset="-128"/>
+              </a:endParaRPr>
+            </a:p>
+          </p:txBody>
+        </p:sp>
+      </p:grpSp>
+      <p:pic>
+        <p:nvPicPr>
+          <p:cNvPr id="2" name="グラフィックス 1" descr="卒業式用の角帽 単色塗りつぶし">
+            <a:extLst>
+              <a:ext uri="{FF2B5EF4-FFF2-40B4-BE49-F238E27FC236}">
+                <a16:creationId xmlns:a16="http://schemas.microsoft.com/office/drawing/2014/main" id="{044998D6-4BEF-0A3C-67B2-84D7A3318E13}"/>
+              </a:ext>
+            </a:extLst>
+          </p:cNvPr>
+          <p:cNvPicPr>
+            <a:picLocks noChangeAspect="1"/>
+          </p:cNvPicPr>
+          <p:nvPr/>
+        </p:nvPicPr>
+        <p:blipFill>
+          <a:blip r:embed="rId12">
+            <a:extLst>
+              <a:ext uri="{96DAC541-7B7A-43D3-8B79-37D633B846F1}">
+                <asvg:svgBlip xmlns:asvg="http://schemas.microsoft.com/office/drawing/2016/SVG/main" r:embed="rId13"/>
+              </a:ext>
+            </a:extLst>
+          </a:blip>
+          <a:srcRect/>
+          <a:stretch/>
+        </p:blipFill>
+        <p:spPr>
+          <a:xfrm>
+            <a:off x="720870" y="4308954"/>
+            <a:ext cx="360000" cy="360000"/>
+          </a:xfrm>
+          <a:prstGeom prst="rect">
+            <a:avLst/>
+          </a:prstGeom>
+        </p:spPr>
+      </p:pic>
+      <p:sp>
+        <p:nvSpPr>
+          <p:cNvPr id="3" name="正方形/長方形 2">
+            <a:extLst>
+              <a:ext uri="{FF2B5EF4-FFF2-40B4-BE49-F238E27FC236}">
+                <a16:creationId xmlns:a16="http://schemas.microsoft.com/office/drawing/2014/main" id="{EE8DE383-3779-9DB9-45EE-639AE549A105}"/>
+              </a:ext>
+            </a:extLst>
+          </p:cNvPr>
+          <p:cNvSpPr/>
+          <p:nvPr/>
+        </p:nvSpPr>
+        <p:spPr>
+          <a:xfrm>
+            <a:off x="1080000" y="4308954"/>
+            <a:ext cx="5925918" cy="360000"/>
+          </a:xfrm>
+          <a:prstGeom prst="rect">
+            <a:avLst/>
+          </a:prstGeom>
+          <a:noFill/>
+          <a:ln>
+            <a:noFill/>
+          </a:ln>
+        </p:spPr>
+        <p:style>
+          <a:lnRef idx="2">
+            <a:schemeClr val="accent1">
+              <a:shade val="15000"/>
+            </a:schemeClr>
+          </a:lnRef>
+          <a:fillRef idx="1">
+            <a:schemeClr val="accent1"/>
+          </a:fillRef>
+          <a:effectRef idx="0">
+            <a:schemeClr val="accent1"/>
+          </a:effectRef>
+          <a:fontRef idx="minor">
+            <a:schemeClr val="lt1"/>
+          </a:fontRef>
+        </p:style>
+        <p:txBody>
+          <a:bodyPr rtlCol="0" anchor="ctr"/>
+          <a:lstStyle/>
+          <a:p>
+            <a:r>
+              <a:rPr kumimoji="1" lang="en-US" altLang="ja-JP" sz="1400" dirty="0">
+                <a:solidFill>
+                  <a:srgbClr val="323232"/>
+                </a:solidFill>
+                <a:latin typeface="Yu Gothic" panose="020B0400000000000000" pitchFamily="34" charset="-128"/>
+                <a:ea typeface="Yu Gothic" panose="020B0400000000000000" pitchFamily="34" charset="-128"/>
+              </a:rPr>
+              <a:t>Bachelor of Informatics</a:t>
+            </a:r>
+            <a:endParaRPr kumimoji="1" lang="ja-JP" altLang="en-US" sz="1400">
+              <a:solidFill>
+                <a:srgbClr val="323232"/>
+              </a:solidFill>
+              <a:latin typeface="Yu Gothic" panose="020B0400000000000000" pitchFamily="34" charset="-128"/>
+              <a:ea typeface="Yu Gothic" panose="020B0400000000000000" pitchFamily="34" charset="-128"/>
+            </a:endParaRPr>
+          </a:p>
+        </p:txBody>
+      </p:sp>
+    </p:spTree>
+    <p:extLst>
+      <p:ext uri="{BB962C8B-B14F-4D97-AF65-F5344CB8AC3E}">
+        <p14:creationId xmlns:p14="http://schemas.microsoft.com/office/powerpoint/2010/main" val="1968611050"/>
+      </p:ext>
+    </p:extLst>
+  </p:cSld>
+  <p:clrMapOvr>
+    <a:masterClrMapping/>
+  </p:clrMapOvr>
+</p:sld>
+</file>
+
+<file path=ppt/slides/slide4.xml><?xml version="1.0" encoding="utf-8"?>
+<p:sld xmlns:a="http://schemas.openxmlformats.org/drawingml/2006/main" xmlns:r="http://schemas.openxmlformats.org/officeDocument/2006/relationships" xmlns:p="http://schemas.openxmlformats.org/presentationml/2006/main">
+  <p:cSld>
+    <p:spTree>
+      <p:nvGrpSpPr>
+        <p:cNvPr id="1" name=""/>
+        <p:cNvGrpSpPr/>
+        <p:nvPr/>
+      </p:nvGrpSpPr>
+      <p:grpSpPr>
+        <a:xfrm>
+          <a:off x="0" y="0"/>
+          <a:ext cx="0" cy="0"/>
+          <a:chOff x="0" y="0"/>
+          <a:chExt cx="0" cy="0"/>
+        </a:xfrm>
+      </p:grpSpPr>
+      <p:sp>
+        <p:nvSpPr>
+          <p:cNvPr id="4" name="正方形/長方形 3">
+            <a:extLst>
+              <a:ext uri="{FF2B5EF4-FFF2-40B4-BE49-F238E27FC236}">
+                <a16:creationId xmlns:a16="http://schemas.microsoft.com/office/drawing/2014/main" id="{BD75CB29-FDF1-04EA-CBCC-0405FD653C22}"/>
+              </a:ext>
+            </a:extLst>
+          </p:cNvPr>
+          <p:cNvSpPr/>
+          <p:nvPr/>
+        </p:nvSpPr>
+        <p:spPr>
+          <a:xfrm>
+            <a:off x="751778" y="2146698"/>
+            <a:ext cx="5336108" cy="1440000"/>
+          </a:xfrm>
+          <a:prstGeom prst="rect">
+            <a:avLst/>
+          </a:prstGeom>
+          <a:noFill/>
+          <a:ln>
+            <a:noFill/>
+          </a:ln>
+        </p:spPr>
+        <p:style>
+          <a:lnRef idx="2">
+            <a:schemeClr val="accent1">
+              <a:shade val="15000"/>
+            </a:schemeClr>
+          </a:lnRef>
+          <a:fillRef idx="1">
+            <a:schemeClr val="accent1"/>
+          </a:fillRef>
+          <a:effectRef idx="0">
+            <a:schemeClr val="accent1"/>
+          </a:effectRef>
+          <a:fontRef idx="minor">
+            <a:schemeClr val="lt1"/>
+          </a:fontRef>
+        </p:style>
+        <p:txBody>
+          <a:bodyPr rtlCol="0" anchor="ctr"/>
+          <a:lstStyle/>
+          <a:p>
+            <a:r>
+              <a:rPr kumimoji="1" lang="ja-JP" altLang="en-US" sz="6000">
+                <a:solidFill>
+                  <a:srgbClr val="323232"/>
+                </a:solidFill>
+                <a:latin typeface="+mn-ea"/>
+              </a:rPr>
+              <a:t>市 川  雅 也</a:t>
+            </a:r>
+            <a:endParaRPr kumimoji="1" lang="en-US" altLang="ja-JP" sz="6000" dirty="0">
+              <a:solidFill>
+                <a:srgbClr val="323232"/>
+              </a:solidFill>
+              <a:latin typeface="+mn-ea"/>
+            </a:endParaRPr>
+          </a:p>
+          <a:p>
+            <a:r>
+              <a:rPr kumimoji="1" lang="en-US" altLang="ja-JP" sz="2400" dirty="0">
+                <a:solidFill>
+                  <a:srgbClr val="323232"/>
+                </a:solidFill>
+                <a:latin typeface="+mn-ea"/>
+              </a:rPr>
+              <a:t>Masanari ICHIKAWA</a:t>
+            </a:r>
+            <a:endParaRPr kumimoji="1" lang="ja-JP" altLang="en-US" sz="2400">
+              <a:solidFill>
+                <a:srgbClr val="323232"/>
+              </a:solidFill>
+              <a:latin typeface="+mn-ea"/>
+            </a:endParaRPr>
+          </a:p>
+        </p:txBody>
+      </p:sp>
+      <p:pic>
+        <p:nvPicPr>
+          <p:cNvPr id="22" name="図 21" descr="ロゴ, アイコン&#10;&#10;自動的に生成された説明">
+            <a:extLst>
+              <a:ext uri="{FF2B5EF4-FFF2-40B4-BE49-F238E27FC236}">
+                <a16:creationId xmlns:a16="http://schemas.microsoft.com/office/drawing/2014/main" id="{00E652C2-BC75-0D52-B948-5F1F7C11B34B}"/>
+              </a:ext>
+            </a:extLst>
+          </p:cNvPr>
+          <p:cNvPicPr>
+            <a:picLocks noChangeAspect="1"/>
+          </p:cNvPicPr>
+          <p:nvPr/>
+        </p:nvPicPr>
+        <p:blipFill>
+          <a:blip r:embed="rId3"/>
+          <a:stretch>
+            <a:fillRect/>
+          </a:stretch>
+        </p:blipFill>
+        <p:spPr>
+          <a:xfrm>
+            <a:off x="9356851" y="719002"/>
+            <a:ext cx="1447273" cy="1440000"/>
+          </a:xfrm>
+          <a:prstGeom prst="rect">
+            <a:avLst/>
+          </a:prstGeom>
+        </p:spPr>
+      </p:pic>
+      <p:pic>
+        <p:nvPicPr>
+          <p:cNvPr id="23" name="グラフィックス 22">
+            <a:extLst>
+              <a:ext uri="{FF2B5EF4-FFF2-40B4-BE49-F238E27FC236}">
+                <a16:creationId xmlns:a16="http://schemas.microsoft.com/office/drawing/2014/main" id="{E9EDA729-8D21-A9F2-943F-11D83E32DCEB}"/>
+              </a:ext>
+            </a:extLst>
+          </p:cNvPr>
+          <p:cNvPicPr>
+            <a:picLocks noChangeAspect="1"/>
+          </p:cNvPicPr>
+          <p:nvPr/>
+        </p:nvPicPr>
+        <p:blipFill>
+          <a:blip r:embed="rId4">
+            <a:extLst>
+              <a:ext uri="{96DAC541-7B7A-43D3-8B79-37D633B846F1}">
+                <asvg:svgBlip xmlns:asvg="http://schemas.microsoft.com/office/drawing/2016/SVG/main" r:embed="rId5"/>
+              </a:ext>
+            </a:extLst>
+          </a:blip>
+          <a:srcRect/>
+          <a:stretch/>
+        </p:blipFill>
+        <p:spPr>
+          <a:xfrm>
+            <a:off x="720870" y="4308954"/>
+            <a:ext cx="360000" cy="360000"/>
+          </a:xfrm>
+          <a:prstGeom prst="rect">
+            <a:avLst/>
+          </a:prstGeom>
+        </p:spPr>
+      </p:pic>
+      <p:pic>
+        <p:nvPicPr>
+          <p:cNvPr id="24" name="グラフィックス 23">
+            <a:extLst>
+              <a:ext uri="{FF2B5EF4-FFF2-40B4-BE49-F238E27FC236}">
+                <a16:creationId xmlns:a16="http://schemas.microsoft.com/office/drawing/2014/main" id="{A9089DB6-3D8D-B8ED-75E1-A462088C8A70}"/>
+              </a:ext>
+            </a:extLst>
+          </p:cNvPr>
+          <p:cNvPicPr>
+            <a:picLocks noChangeAspect="1"/>
+          </p:cNvPicPr>
+          <p:nvPr/>
+        </p:nvPicPr>
+        <p:blipFill>
+          <a:blip r:embed="rId6">
+            <a:extLst>
+              <a:ext uri="{96DAC541-7B7A-43D3-8B79-37D633B846F1}">
+                <asvg:svgBlip xmlns:asvg="http://schemas.microsoft.com/office/drawing/2016/SVG/main" r:embed="rId7"/>
+              </a:ext>
+            </a:extLst>
+          </a:blip>
+          <a:srcRect/>
+          <a:stretch/>
+        </p:blipFill>
+        <p:spPr>
+          <a:xfrm>
+            <a:off x="720870" y="4689050"/>
+            <a:ext cx="360000" cy="360000"/>
+          </a:xfrm>
+          <a:prstGeom prst="rect">
+            <a:avLst/>
+          </a:prstGeom>
+        </p:spPr>
+      </p:pic>
+      <p:pic>
+        <p:nvPicPr>
+          <p:cNvPr id="25" name="グラフィックス 24">
+            <a:extLst>
+              <a:ext uri="{FF2B5EF4-FFF2-40B4-BE49-F238E27FC236}">
+                <a16:creationId xmlns:a16="http://schemas.microsoft.com/office/drawing/2014/main" id="{3249F8CD-CAD7-7F1B-E2BB-864423EC16CC}"/>
+              </a:ext>
+            </a:extLst>
+          </p:cNvPr>
+          <p:cNvPicPr>
+            <a:picLocks noChangeAspect="1"/>
+          </p:cNvPicPr>
+          <p:nvPr/>
+        </p:nvPicPr>
+        <p:blipFill>
+          <a:blip r:embed="rId8">
+            <a:extLst>
+              <a:ext uri="{96DAC541-7B7A-43D3-8B79-37D633B846F1}">
+                <asvg:svgBlip xmlns:asvg="http://schemas.microsoft.com/office/drawing/2016/SVG/main" r:embed="rId9"/>
+              </a:ext>
+            </a:extLst>
+          </a:blip>
+          <a:srcRect/>
+          <a:stretch/>
+        </p:blipFill>
+        <p:spPr>
+          <a:xfrm>
+            <a:off x="720870" y="5391210"/>
+            <a:ext cx="360000" cy="360000"/>
+          </a:xfrm>
+          <a:prstGeom prst="rect">
+            <a:avLst/>
+          </a:prstGeom>
+        </p:spPr>
+      </p:pic>
+      <p:pic>
+        <p:nvPicPr>
+          <p:cNvPr id="26" name="グラフィックス 25">
+            <a:extLst>
+              <a:ext uri="{FF2B5EF4-FFF2-40B4-BE49-F238E27FC236}">
+                <a16:creationId xmlns:a16="http://schemas.microsoft.com/office/drawing/2014/main" id="{5F418B13-FFA6-807C-4553-BC4209BA1D78}"/>
+              </a:ext>
+            </a:extLst>
+          </p:cNvPr>
+          <p:cNvPicPr>
+            <a:picLocks noChangeAspect="1"/>
+          </p:cNvPicPr>
+          <p:nvPr/>
+        </p:nvPicPr>
+        <p:blipFill>
+          <a:blip r:embed="rId10">
+            <a:extLst>
+              <a:ext uri="{96DAC541-7B7A-43D3-8B79-37D633B846F1}">
+                <asvg:svgBlip xmlns:asvg="http://schemas.microsoft.com/office/drawing/2016/SVG/main" r:embed="rId11"/>
+              </a:ext>
+            </a:extLst>
+          </a:blip>
+          <a:srcRect/>
+          <a:stretch/>
+        </p:blipFill>
+        <p:spPr>
+          <a:xfrm>
+            <a:off x="720000" y="5771306"/>
+            <a:ext cx="360000" cy="360000"/>
+          </a:xfrm>
+          <a:prstGeom prst="rect">
+            <a:avLst/>
+          </a:prstGeom>
+        </p:spPr>
+      </p:pic>
+      <p:pic>
+        <p:nvPicPr>
+          <p:cNvPr id="27" name="グラフィックス 26">
+            <a:extLst>
+              <a:ext uri="{FF2B5EF4-FFF2-40B4-BE49-F238E27FC236}">
+                <a16:creationId xmlns:a16="http://schemas.microsoft.com/office/drawing/2014/main" id="{8EA172B0-8971-E567-5B5E-57E1088DCD63}"/>
+              </a:ext>
+            </a:extLst>
+          </p:cNvPr>
+          <p:cNvPicPr>
+            <a:picLocks noChangeAspect="1"/>
+          </p:cNvPicPr>
+          <p:nvPr/>
+        </p:nvPicPr>
+        <p:blipFill>
+          <a:blip r:embed="rId12">
+            <a:extLst>
+              <a:ext uri="{96DAC541-7B7A-43D3-8B79-37D633B846F1}">
+                <asvg:svgBlip xmlns:asvg="http://schemas.microsoft.com/office/drawing/2016/SVG/main" r:embed="rId13"/>
+              </a:ext>
+            </a:extLst>
+          </a:blip>
+          <a:srcRect/>
+          <a:stretch/>
+        </p:blipFill>
+        <p:spPr>
+          <a:xfrm>
+            <a:off x="720870" y="5069145"/>
+            <a:ext cx="360000" cy="360000"/>
+          </a:xfrm>
+          <a:prstGeom prst="rect">
+            <a:avLst/>
+          </a:prstGeom>
+        </p:spPr>
+      </p:pic>
+      <p:sp>
+        <p:nvSpPr>
+          <p:cNvPr id="28" name="正方形/長方形 27">
+            <a:extLst>
+              <a:ext uri="{FF2B5EF4-FFF2-40B4-BE49-F238E27FC236}">
+                <a16:creationId xmlns:a16="http://schemas.microsoft.com/office/drawing/2014/main" id="{36BB981A-E952-6225-0A98-C6341D3CEFDE}"/>
+              </a:ext>
+            </a:extLst>
+          </p:cNvPr>
+          <p:cNvSpPr/>
+          <p:nvPr/>
+        </p:nvSpPr>
+        <p:spPr>
+          <a:xfrm>
+            <a:off x="1080000" y="4308954"/>
+            <a:ext cx="7541486" cy="360000"/>
+          </a:xfrm>
+          <a:prstGeom prst="rect">
+            <a:avLst/>
+          </a:prstGeom>
+          <a:noFill/>
+          <a:ln>
+            <a:noFill/>
+          </a:ln>
+        </p:spPr>
+        <p:style>
+          <a:lnRef idx="2">
+            <a:schemeClr val="accent1">
+              <a:shade val="15000"/>
+            </a:schemeClr>
+          </a:lnRef>
+          <a:fillRef idx="1">
+            <a:schemeClr val="accent1"/>
+          </a:fillRef>
+          <a:effectRef idx="0">
+            <a:schemeClr val="accent1"/>
+          </a:effectRef>
+          <a:fontRef idx="minor">
+            <a:schemeClr val="lt1"/>
+          </a:fontRef>
+        </p:style>
+        <p:txBody>
+          <a:bodyPr rtlCol="0" anchor="ctr"/>
+          <a:lstStyle/>
+          <a:p>
+            <a:r>
+              <a:rPr kumimoji="1" lang="ja-JP" altLang="en-US" sz="1400">
+                <a:solidFill>
+                  <a:srgbClr val="323232"/>
+                </a:solidFill>
+                <a:latin typeface="Yu Gothic" panose="020B0400000000000000" pitchFamily="34" charset="-128"/>
+                <a:ea typeface="Yu Gothic" panose="020B0400000000000000" pitchFamily="34" charset="-128"/>
+              </a:rPr>
+              <a:t>静岡大学大学院</a:t>
+            </a:r>
+            <a:r>
+              <a:rPr kumimoji="1" lang="en-US" altLang="ja-JP" sz="1400" dirty="0">
+                <a:solidFill>
+                  <a:srgbClr val="323232"/>
+                </a:solidFill>
+                <a:latin typeface="Yu Gothic" panose="020B0400000000000000" pitchFamily="34" charset="-128"/>
+                <a:ea typeface="Yu Gothic" panose="020B0400000000000000" pitchFamily="34" charset="-128"/>
+              </a:rPr>
+              <a:t> </a:t>
+            </a:r>
+            <a:r>
+              <a:rPr kumimoji="1" lang="ja-JP" altLang="en-US" sz="1400">
+                <a:solidFill>
+                  <a:srgbClr val="323232"/>
+                </a:solidFill>
+                <a:latin typeface="Yu Gothic" panose="020B0400000000000000" pitchFamily="34" charset="-128"/>
+                <a:ea typeface="Yu Gothic" panose="020B0400000000000000" pitchFamily="34" charset="-128"/>
+              </a:rPr>
+              <a:t>総合科学技術研究科・認知的コミュニケーション研究室</a:t>
+            </a:r>
+          </a:p>
+        </p:txBody>
+      </p:sp>
+      <p:sp>
+        <p:nvSpPr>
+          <p:cNvPr id="29" name="正方形/長方形 28">
+            <a:extLst>
+              <a:ext uri="{FF2B5EF4-FFF2-40B4-BE49-F238E27FC236}">
+                <a16:creationId xmlns:a16="http://schemas.microsoft.com/office/drawing/2014/main" id="{8DC38EF7-5548-F959-64B1-E3BC4BA54357}"/>
+              </a:ext>
+            </a:extLst>
+          </p:cNvPr>
+          <p:cNvSpPr/>
+          <p:nvPr/>
+        </p:nvSpPr>
+        <p:spPr>
+          <a:xfrm>
+            <a:off x="1080000" y="4689050"/>
+            <a:ext cx="5925918" cy="360000"/>
+          </a:xfrm>
+          <a:prstGeom prst="rect">
+            <a:avLst/>
+          </a:prstGeom>
+          <a:noFill/>
+          <a:ln>
+            <a:noFill/>
+          </a:ln>
+        </p:spPr>
+        <p:style>
+          <a:lnRef idx="2">
+            <a:schemeClr val="accent1">
+              <a:shade val="15000"/>
+            </a:schemeClr>
+          </a:lnRef>
+          <a:fillRef idx="1">
+            <a:schemeClr val="accent1"/>
+          </a:fillRef>
+          <a:effectRef idx="0">
+            <a:schemeClr val="accent1"/>
+          </a:effectRef>
+          <a:fontRef idx="minor">
+            <a:schemeClr val="lt1"/>
+          </a:fontRef>
+        </p:style>
+        <p:txBody>
+          <a:bodyPr rtlCol="0" anchor="ctr"/>
+          <a:lstStyle/>
+          <a:p>
+            <a:r>
+              <a:rPr kumimoji="1" lang="ja-JP" altLang="en-US" sz="1400">
+                <a:solidFill>
+                  <a:srgbClr val="323232"/>
+                </a:solidFill>
+                <a:latin typeface="Yu Gothic" panose="020B0400000000000000" pitchFamily="34" charset="-128"/>
+                <a:ea typeface="Yu Gothic" panose="020B0400000000000000" pitchFamily="34" charset="-128"/>
+              </a:rPr>
+              <a:t>〒</a:t>
+            </a:r>
+            <a:r>
+              <a:rPr kumimoji="1" lang="en-US" altLang="ja-JP" sz="1400" dirty="0">
+                <a:solidFill>
+                  <a:srgbClr val="323232"/>
+                </a:solidFill>
+                <a:latin typeface="Yu Gothic" panose="020B0400000000000000" pitchFamily="34" charset="-128"/>
+                <a:ea typeface="Yu Gothic" panose="020B0400000000000000" pitchFamily="34" charset="-128"/>
+              </a:rPr>
+              <a:t>432-8011 </a:t>
+            </a:r>
+            <a:r>
+              <a:rPr kumimoji="1" lang="ja-JP" altLang="en-US" sz="1400">
+                <a:solidFill>
+                  <a:srgbClr val="323232"/>
+                </a:solidFill>
+                <a:latin typeface="Yu Gothic" panose="020B0400000000000000" pitchFamily="34" charset="-128"/>
+                <a:ea typeface="Yu Gothic" panose="020B0400000000000000" pitchFamily="34" charset="-128"/>
+              </a:rPr>
+              <a:t>静岡県浜松市中区城北</a:t>
+            </a:r>
+            <a:r>
+              <a:rPr kumimoji="1" lang="en-US" altLang="ja-JP" sz="1400" dirty="0">
+                <a:solidFill>
+                  <a:srgbClr val="323232"/>
+                </a:solidFill>
+                <a:latin typeface="Yu Gothic" panose="020B0400000000000000" pitchFamily="34" charset="-128"/>
+                <a:ea typeface="Yu Gothic" panose="020B0400000000000000" pitchFamily="34" charset="-128"/>
+              </a:rPr>
+              <a:t>3-5-1 </a:t>
+            </a:r>
+            <a:r>
+              <a:rPr kumimoji="1" lang="ja-JP" altLang="en-US" sz="1400">
+                <a:solidFill>
+                  <a:srgbClr val="323232"/>
+                </a:solidFill>
+                <a:latin typeface="Yu Gothic" panose="020B0400000000000000" pitchFamily="34" charset="-128"/>
+                <a:ea typeface="Yu Gothic" panose="020B0400000000000000" pitchFamily="34" charset="-128"/>
+              </a:rPr>
+              <a:t>静岡大学浜松キャンパス</a:t>
+            </a:r>
+          </a:p>
+        </p:txBody>
+      </p:sp>
+      <p:sp>
+        <p:nvSpPr>
+          <p:cNvPr id="30" name="正方形/長方形 29">
+            <a:extLst>
+              <a:ext uri="{FF2B5EF4-FFF2-40B4-BE49-F238E27FC236}">
+                <a16:creationId xmlns:a16="http://schemas.microsoft.com/office/drawing/2014/main" id="{4ADBFF52-46C6-336B-AC3E-0478F7A04414}"/>
+              </a:ext>
+            </a:extLst>
+          </p:cNvPr>
+          <p:cNvSpPr/>
+          <p:nvPr/>
+        </p:nvSpPr>
+        <p:spPr>
+          <a:xfrm>
+            <a:off x="1080000" y="5069145"/>
+            <a:ext cx="2184611" cy="360000"/>
+          </a:xfrm>
+          <a:prstGeom prst="rect">
+            <a:avLst/>
+          </a:prstGeom>
+          <a:noFill/>
+          <a:ln>
+            <a:noFill/>
+          </a:ln>
+        </p:spPr>
+        <p:style>
+          <a:lnRef idx="2">
+            <a:schemeClr val="accent1">
+              <a:shade val="15000"/>
+            </a:schemeClr>
+          </a:lnRef>
+          <a:fillRef idx="1">
+            <a:schemeClr val="accent1"/>
+          </a:fillRef>
+          <a:effectRef idx="0">
+            <a:schemeClr val="accent1"/>
+          </a:effectRef>
+          <a:fontRef idx="minor">
+            <a:schemeClr val="lt1"/>
+          </a:fontRef>
+        </p:style>
+        <p:txBody>
+          <a:bodyPr rtlCol="0" anchor="ctr"/>
+          <a:lstStyle/>
+          <a:p>
+            <a:r>
+              <a:rPr kumimoji="1" lang="en-US" altLang="ja-JP" sz="1400" dirty="0">
+                <a:solidFill>
+                  <a:srgbClr val="323232"/>
+                </a:solidFill>
+                <a:latin typeface="Yu Gothic" panose="020B0400000000000000" pitchFamily="34" charset="-128"/>
+                <a:ea typeface="Yu Gothic" panose="020B0400000000000000" pitchFamily="34" charset="-128"/>
+              </a:rPr>
+              <a:t>080-1590-6189</a:t>
+            </a:r>
+            <a:endParaRPr kumimoji="1" lang="ja-JP" altLang="en-US" sz="1400">
+              <a:solidFill>
+                <a:srgbClr val="323232"/>
+              </a:solidFill>
+              <a:latin typeface="Yu Gothic" panose="020B0400000000000000" pitchFamily="34" charset="-128"/>
+              <a:ea typeface="Yu Gothic" panose="020B0400000000000000" pitchFamily="34" charset="-128"/>
+            </a:endParaRPr>
+          </a:p>
+        </p:txBody>
+      </p:sp>
+      <p:sp>
+        <p:nvSpPr>
+          <p:cNvPr id="31" name="正方形/長方形 30">
+            <a:extLst>
+              <a:ext uri="{FF2B5EF4-FFF2-40B4-BE49-F238E27FC236}">
+                <a16:creationId xmlns:a16="http://schemas.microsoft.com/office/drawing/2014/main" id="{64134785-DC12-EF74-25B7-1582113EA464}"/>
+              </a:ext>
+            </a:extLst>
+          </p:cNvPr>
+          <p:cNvSpPr/>
+          <p:nvPr/>
+        </p:nvSpPr>
+        <p:spPr>
+          <a:xfrm>
+            <a:off x="1080870" y="5391210"/>
+            <a:ext cx="4677925" cy="360000"/>
+          </a:xfrm>
+          <a:prstGeom prst="rect">
+            <a:avLst/>
+          </a:prstGeom>
+          <a:noFill/>
+          <a:ln>
+            <a:noFill/>
+          </a:ln>
+        </p:spPr>
+        <p:style>
+          <a:lnRef idx="2">
+            <a:schemeClr val="accent1">
+              <a:shade val="15000"/>
+            </a:schemeClr>
+          </a:lnRef>
+          <a:fillRef idx="1">
+            <a:schemeClr val="accent1"/>
+          </a:fillRef>
+          <a:effectRef idx="0">
+            <a:schemeClr val="accent1"/>
+          </a:effectRef>
+          <a:fontRef idx="minor">
+            <a:schemeClr val="lt1"/>
+          </a:fontRef>
+        </p:style>
+        <p:txBody>
+          <a:bodyPr rtlCol="0" anchor="ctr"/>
+          <a:lstStyle/>
+          <a:p>
+            <a:r>
+              <a:rPr kumimoji="1" lang="en-US" altLang="ja-JP" sz="1400" dirty="0">
+                <a:solidFill>
+                  <a:srgbClr val="323232"/>
+                </a:solidFill>
+                <a:latin typeface="Yu Gothic" panose="020B0400000000000000" pitchFamily="34" charset="-128"/>
+                <a:ea typeface="Yu Gothic" panose="020B0400000000000000" pitchFamily="34" charset="-128"/>
+              </a:rPr>
+              <a:t>ichikawa.masanari.18@shizuoka.ac.jp</a:t>
+            </a:r>
+            <a:endParaRPr kumimoji="1" lang="ja-JP" altLang="en-US" sz="1400">
+              <a:solidFill>
+                <a:srgbClr val="323232"/>
+              </a:solidFill>
+              <a:latin typeface="Yu Gothic" panose="020B0400000000000000" pitchFamily="34" charset="-128"/>
+              <a:ea typeface="Yu Gothic" panose="020B0400000000000000" pitchFamily="34" charset="-128"/>
+            </a:endParaRPr>
+          </a:p>
+        </p:txBody>
+      </p:sp>
+      <p:sp>
+        <p:nvSpPr>
+          <p:cNvPr id="32" name="正方形/長方形 31">
+            <a:extLst>
+              <a:ext uri="{FF2B5EF4-FFF2-40B4-BE49-F238E27FC236}">
+                <a16:creationId xmlns:a16="http://schemas.microsoft.com/office/drawing/2014/main" id="{EA986BD9-00F0-F245-F8E0-1E472116D0EB}"/>
+              </a:ext>
+            </a:extLst>
+          </p:cNvPr>
+          <p:cNvSpPr/>
+          <p:nvPr/>
+        </p:nvSpPr>
+        <p:spPr>
+          <a:xfrm>
+            <a:off x="1080000" y="5771306"/>
+            <a:ext cx="5418671" cy="360000"/>
+          </a:xfrm>
+          <a:prstGeom prst="rect">
+            <a:avLst/>
+          </a:prstGeom>
+          <a:noFill/>
+          <a:ln>
+            <a:noFill/>
+          </a:ln>
+        </p:spPr>
+        <p:style>
+          <a:lnRef idx="2">
+            <a:schemeClr val="accent1">
+              <a:shade val="15000"/>
+            </a:schemeClr>
+          </a:lnRef>
+          <a:fillRef idx="1">
+            <a:schemeClr val="accent1"/>
+          </a:fillRef>
+          <a:effectRef idx="0">
+            <a:schemeClr val="accent1"/>
+          </a:effectRef>
+          <a:fontRef idx="minor">
+            <a:schemeClr val="lt1"/>
+          </a:fontRef>
+        </p:style>
+        <p:txBody>
+          <a:bodyPr rtlCol="0" anchor="ctr"/>
+          <a:lstStyle/>
+          <a:p>
+            <a:r>
+              <a:rPr kumimoji="1" lang="en-US" altLang="ja-JP" sz="1400" dirty="0" err="1">
+                <a:solidFill>
+                  <a:srgbClr val="323232"/>
+                </a:solidFill>
+                <a:latin typeface="Yu Gothic" panose="020B0400000000000000" pitchFamily="34" charset="-128"/>
+                <a:ea typeface="Yu Gothic" panose="020B0400000000000000" pitchFamily="34" charset="-128"/>
+              </a:rPr>
+              <a:t>masanarius.github.io</a:t>
+            </a:r>
+            <a:endParaRPr kumimoji="1" lang="ja-JP" altLang="en-US" sz="1400">
+              <a:solidFill>
+                <a:srgbClr val="323232"/>
+              </a:solidFill>
+              <a:latin typeface="Yu Gothic" panose="020B0400000000000000" pitchFamily="34" charset="-128"/>
+              <a:ea typeface="Yu Gothic" panose="020B0400000000000000" pitchFamily="34" charset="-128"/>
+            </a:endParaRPr>
+          </a:p>
+        </p:txBody>
+      </p:sp>
+      <p:pic>
+        <p:nvPicPr>
+          <p:cNvPr id="3" name="グラフィックス 2" descr="卒業式用の角帽 単色塗りつぶし">
+            <a:extLst>
+              <a:ext uri="{FF2B5EF4-FFF2-40B4-BE49-F238E27FC236}">
+                <a16:creationId xmlns:a16="http://schemas.microsoft.com/office/drawing/2014/main" id="{351BE5EA-0028-D765-70F7-7D5D148B7D47}"/>
+              </a:ext>
+            </a:extLst>
+          </p:cNvPr>
+          <p:cNvPicPr>
+            <a:picLocks noChangeAspect="1"/>
+          </p:cNvPicPr>
+          <p:nvPr/>
+        </p:nvPicPr>
+        <p:blipFill>
+          <a:blip r:embed="rId14">
+            <a:extLst>
+              <a:ext uri="{96DAC541-7B7A-43D3-8B79-37D633B846F1}">
+                <asvg:svgBlip xmlns:asvg="http://schemas.microsoft.com/office/drawing/2016/SVG/main" r:embed="rId15"/>
+              </a:ext>
+            </a:extLst>
+          </a:blip>
+          <a:srcRect/>
+          <a:stretch/>
+        </p:blipFill>
+        <p:spPr>
+          <a:xfrm>
+            <a:off x="720000" y="3986890"/>
+            <a:ext cx="360000" cy="360000"/>
+          </a:xfrm>
+          <a:prstGeom prst="rect">
+            <a:avLst/>
+          </a:prstGeom>
+        </p:spPr>
+      </p:pic>
+      <p:sp>
+        <p:nvSpPr>
+          <p:cNvPr id="5" name="正方形/長方形 4">
+            <a:extLst>
+              <a:ext uri="{FF2B5EF4-FFF2-40B4-BE49-F238E27FC236}">
+                <a16:creationId xmlns:a16="http://schemas.microsoft.com/office/drawing/2014/main" id="{AD95561A-B0D8-F296-5752-FAF04D155DA8}"/>
+              </a:ext>
+            </a:extLst>
+          </p:cNvPr>
+          <p:cNvSpPr/>
+          <p:nvPr/>
+        </p:nvSpPr>
+        <p:spPr>
+          <a:xfrm>
+            <a:off x="1080000" y="3989052"/>
+            <a:ext cx="5925918" cy="360000"/>
+          </a:xfrm>
+          <a:prstGeom prst="rect">
+            <a:avLst/>
+          </a:prstGeom>
+          <a:noFill/>
+          <a:ln>
+            <a:noFill/>
+          </a:ln>
+        </p:spPr>
+        <p:style>
+          <a:lnRef idx="2">
+            <a:schemeClr val="accent1">
+              <a:shade val="15000"/>
+            </a:schemeClr>
+          </a:lnRef>
+          <a:fillRef idx="1">
+            <a:schemeClr val="accent1"/>
+          </a:fillRef>
+          <a:effectRef idx="0">
+            <a:schemeClr val="accent1"/>
+          </a:effectRef>
+          <a:fontRef idx="minor">
+            <a:schemeClr val="lt1"/>
+          </a:fontRef>
+        </p:style>
+        <p:txBody>
+          <a:bodyPr rtlCol="0" anchor="ctr"/>
+          <a:lstStyle/>
+          <a:p>
+            <a:r>
+              <a:rPr kumimoji="1" lang="ja-JP" altLang="en-US" sz="1400">
+                <a:solidFill>
+                  <a:srgbClr val="323232"/>
+                </a:solidFill>
+                <a:latin typeface="Yu Gothic" panose="020B0400000000000000" pitchFamily="34" charset="-128"/>
+                <a:ea typeface="Yu Gothic" panose="020B0400000000000000" pitchFamily="34" charset="-128"/>
+              </a:rPr>
+              <a:t>学士（情報学）</a:t>
+            </a:r>
+          </a:p>
+        </p:txBody>
+      </p:sp>
+    </p:spTree>
+    <p:extLst>
+      <p:ext uri="{BB962C8B-B14F-4D97-AF65-F5344CB8AC3E}">
+        <p14:creationId xmlns:p14="http://schemas.microsoft.com/office/powerpoint/2010/main" val="3037799021"/>
+      </p:ext>
+    </p:extLst>
+  </p:cSld>
+  <p:clrMapOvr>
+    <a:masterClrMapping/>
+  </p:clrMapOvr>
+</p:sld>
+</file>
+
+<file path=ppt/slides/slide5.xml><?xml version="1.0" encoding="utf-8"?>
+<p:sld xmlns:a="http://schemas.openxmlformats.org/drawingml/2006/main" xmlns:r="http://schemas.openxmlformats.org/officeDocument/2006/relationships" xmlns:p="http://schemas.openxmlformats.org/presentationml/2006/main">
+  <p:cSld>
+    <p:spTree>
+      <p:nvGrpSpPr>
+        <p:cNvPr id="1" name=""/>
+        <p:cNvGrpSpPr/>
+        <p:nvPr/>
+      </p:nvGrpSpPr>
+      <p:grpSpPr>
+        <a:xfrm>
+          <a:off x="0" y="0"/>
+          <a:ext cx="0" cy="0"/>
+          <a:chOff x="0" y="0"/>
+          <a:chExt cx="0" cy="0"/>
+        </a:xfrm>
+      </p:grpSpPr>
+      <p:sp>
+        <p:nvSpPr>
+          <p:cNvPr id="4" name="正方形/長方形 3">
+            <a:extLst>
+              <a:ext uri="{FF2B5EF4-FFF2-40B4-BE49-F238E27FC236}">
+                <a16:creationId xmlns:a16="http://schemas.microsoft.com/office/drawing/2014/main" id="{BD75CB29-FDF1-04EA-CBCC-0405FD653C22}"/>
+              </a:ext>
+            </a:extLst>
+          </p:cNvPr>
+          <p:cNvSpPr/>
+          <p:nvPr/>
+        </p:nvSpPr>
+        <p:spPr>
+          <a:xfrm>
+            <a:off x="751778" y="2146698"/>
+            <a:ext cx="5336108" cy="1440000"/>
+          </a:xfrm>
+          <a:prstGeom prst="rect">
+            <a:avLst/>
+          </a:prstGeom>
+          <a:noFill/>
+          <a:ln>
+            <a:noFill/>
+          </a:ln>
+        </p:spPr>
+        <p:style>
+          <a:lnRef idx="2">
+            <a:schemeClr val="accent1">
+              <a:shade val="15000"/>
+            </a:schemeClr>
+          </a:lnRef>
+          <a:fillRef idx="1">
+            <a:schemeClr val="accent1"/>
+          </a:fillRef>
+          <a:effectRef idx="0">
+            <a:schemeClr val="accent1"/>
+          </a:effectRef>
+          <a:fontRef idx="minor">
+            <a:schemeClr val="lt1"/>
+          </a:fontRef>
+        </p:style>
+        <p:txBody>
+          <a:bodyPr rtlCol="0" anchor="ctr"/>
+          <a:lstStyle/>
+          <a:p>
+            <a:r>
+              <a:rPr kumimoji="1" lang="ja-JP" altLang="en-US" sz="6000">
+                <a:solidFill>
+                  <a:srgbClr val="323232"/>
+                </a:solidFill>
+                <a:latin typeface="+mn-ea"/>
+              </a:rPr>
+              <a:t>市 川  雅 也</a:t>
+            </a:r>
+            <a:endParaRPr kumimoji="1" lang="en-US" altLang="ja-JP" sz="6000" dirty="0">
+              <a:solidFill>
+                <a:srgbClr val="323232"/>
+              </a:solidFill>
+              <a:latin typeface="+mn-ea"/>
+            </a:endParaRPr>
+          </a:p>
+          <a:p>
+            <a:r>
+              <a:rPr kumimoji="1" lang="en-US" altLang="ja-JP" sz="2400" dirty="0">
+                <a:solidFill>
+                  <a:srgbClr val="323232"/>
+                </a:solidFill>
+                <a:latin typeface="+mn-ea"/>
+              </a:rPr>
+              <a:t>Masanari ICHIKAWA</a:t>
+            </a:r>
+            <a:endParaRPr kumimoji="1" lang="ja-JP" altLang="en-US" sz="2400">
+              <a:solidFill>
+                <a:srgbClr val="323232"/>
+              </a:solidFill>
+              <a:latin typeface="+mn-ea"/>
+            </a:endParaRPr>
+          </a:p>
+        </p:txBody>
+      </p:sp>
+      <p:pic>
+        <p:nvPicPr>
+          <p:cNvPr id="22" name="図 21" descr="ロゴ, アイコン&#10;&#10;自動的に生成された説明">
+            <a:extLst>
+              <a:ext uri="{FF2B5EF4-FFF2-40B4-BE49-F238E27FC236}">
+                <a16:creationId xmlns:a16="http://schemas.microsoft.com/office/drawing/2014/main" id="{00E652C2-BC75-0D52-B948-5F1F7C11B34B}"/>
+              </a:ext>
+            </a:extLst>
+          </p:cNvPr>
+          <p:cNvPicPr>
+            <a:picLocks noChangeAspect="1"/>
+          </p:cNvPicPr>
+          <p:nvPr/>
+        </p:nvPicPr>
+        <p:blipFill>
+          <a:blip r:embed="rId3"/>
+          <a:stretch>
+            <a:fillRect/>
+          </a:stretch>
+        </p:blipFill>
+        <p:spPr>
+          <a:xfrm>
+            <a:off x="9356851" y="719002"/>
+            <a:ext cx="1447273" cy="1440000"/>
+          </a:xfrm>
+          <a:prstGeom prst="rect">
+            <a:avLst/>
+          </a:prstGeom>
+        </p:spPr>
+      </p:pic>
+      <p:pic>
+        <p:nvPicPr>
+          <p:cNvPr id="23" name="グラフィックス 22">
+            <a:extLst>
+              <a:ext uri="{FF2B5EF4-FFF2-40B4-BE49-F238E27FC236}">
+                <a16:creationId xmlns:a16="http://schemas.microsoft.com/office/drawing/2014/main" id="{E9EDA729-8D21-A9F2-943F-11D83E32DCEB}"/>
+              </a:ext>
+            </a:extLst>
+          </p:cNvPr>
+          <p:cNvPicPr>
+            <a:picLocks noChangeAspect="1"/>
+          </p:cNvPicPr>
+          <p:nvPr/>
+        </p:nvPicPr>
+        <p:blipFill>
+          <a:blip r:embed="rId4">
+            <a:extLst>
+              <a:ext uri="{96DAC541-7B7A-43D3-8B79-37D633B846F1}">
+                <asvg:svgBlip xmlns:asvg="http://schemas.microsoft.com/office/drawing/2016/SVG/main" r:embed="rId5"/>
+              </a:ext>
+            </a:extLst>
+          </a:blip>
+          <a:srcRect/>
+          <a:stretch/>
+        </p:blipFill>
+        <p:spPr>
+          <a:xfrm>
+            <a:off x="720870" y="4308954"/>
+            <a:ext cx="360000" cy="360000"/>
+          </a:xfrm>
+          <a:prstGeom prst="rect">
+            <a:avLst/>
+          </a:prstGeom>
+        </p:spPr>
+      </p:pic>
+      <p:pic>
+        <p:nvPicPr>
+          <p:cNvPr id="24" name="グラフィックス 23">
+            <a:extLst>
+              <a:ext uri="{FF2B5EF4-FFF2-40B4-BE49-F238E27FC236}">
+                <a16:creationId xmlns:a16="http://schemas.microsoft.com/office/drawing/2014/main" id="{A9089DB6-3D8D-B8ED-75E1-A462088C8A70}"/>
+              </a:ext>
+            </a:extLst>
+          </p:cNvPr>
+          <p:cNvPicPr>
+            <a:picLocks noChangeAspect="1"/>
+          </p:cNvPicPr>
+          <p:nvPr/>
+        </p:nvPicPr>
+        <p:blipFill>
+          <a:blip r:embed="rId6">
+            <a:extLst>
+              <a:ext uri="{96DAC541-7B7A-43D3-8B79-37D633B846F1}">
+                <asvg:svgBlip xmlns:asvg="http://schemas.microsoft.com/office/drawing/2016/SVG/main" r:embed="rId7"/>
+              </a:ext>
+            </a:extLst>
+          </a:blip>
+          <a:srcRect/>
+          <a:stretch/>
+        </p:blipFill>
+        <p:spPr>
+          <a:xfrm>
+            <a:off x="720870" y="4689050"/>
+            <a:ext cx="360000" cy="360000"/>
+          </a:xfrm>
+          <a:prstGeom prst="rect">
+            <a:avLst/>
+          </a:prstGeom>
+        </p:spPr>
+      </p:pic>
+      <p:pic>
+        <p:nvPicPr>
+          <p:cNvPr id="25" name="グラフィックス 24">
+            <a:extLst>
+              <a:ext uri="{FF2B5EF4-FFF2-40B4-BE49-F238E27FC236}">
+                <a16:creationId xmlns:a16="http://schemas.microsoft.com/office/drawing/2014/main" id="{3249F8CD-CAD7-7F1B-E2BB-864423EC16CC}"/>
+              </a:ext>
+            </a:extLst>
+          </p:cNvPr>
+          <p:cNvPicPr>
+            <a:picLocks noChangeAspect="1"/>
+          </p:cNvPicPr>
+          <p:nvPr/>
+        </p:nvPicPr>
+        <p:blipFill>
+          <a:blip r:embed="rId8">
+            <a:extLst>
+              <a:ext uri="{96DAC541-7B7A-43D3-8B79-37D633B846F1}">
+                <asvg:svgBlip xmlns:asvg="http://schemas.microsoft.com/office/drawing/2016/SVG/main" r:embed="rId9"/>
+              </a:ext>
+            </a:extLst>
+          </a:blip>
+          <a:srcRect/>
+          <a:stretch/>
+        </p:blipFill>
+        <p:spPr>
+          <a:xfrm>
+            <a:off x="720870" y="5391210"/>
+            <a:ext cx="360000" cy="360000"/>
+          </a:xfrm>
+          <a:prstGeom prst="rect">
+            <a:avLst/>
+          </a:prstGeom>
+        </p:spPr>
+      </p:pic>
+      <p:pic>
+        <p:nvPicPr>
+          <p:cNvPr id="26" name="グラフィックス 25">
+            <a:extLst>
+              <a:ext uri="{FF2B5EF4-FFF2-40B4-BE49-F238E27FC236}">
+                <a16:creationId xmlns:a16="http://schemas.microsoft.com/office/drawing/2014/main" id="{5F418B13-FFA6-807C-4553-BC4209BA1D78}"/>
+              </a:ext>
+            </a:extLst>
+          </p:cNvPr>
+          <p:cNvPicPr>
+            <a:picLocks noChangeAspect="1"/>
+          </p:cNvPicPr>
+          <p:nvPr/>
+        </p:nvPicPr>
+        <p:blipFill>
+          <a:blip r:embed="rId10">
+            <a:extLst>
+              <a:ext uri="{96DAC541-7B7A-43D3-8B79-37D633B846F1}">
+                <asvg:svgBlip xmlns:asvg="http://schemas.microsoft.com/office/drawing/2016/SVG/main" r:embed="rId11"/>
+              </a:ext>
+            </a:extLst>
+          </a:blip>
+          <a:srcRect/>
+          <a:stretch/>
+        </p:blipFill>
+        <p:spPr>
+          <a:xfrm>
+            <a:off x="720000" y="5771306"/>
+            <a:ext cx="360000" cy="360000"/>
+          </a:xfrm>
+          <a:prstGeom prst="rect">
+            <a:avLst/>
+          </a:prstGeom>
+        </p:spPr>
+      </p:pic>
+      <p:pic>
+        <p:nvPicPr>
+          <p:cNvPr id="27" name="グラフィックス 26">
+            <a:extLst>
+              <a:ext uri="{FF2B5EF4-FFF2-40B4-BE49-F238E27FC236}">
+                <a16:creationId xmlns:a16="http://schemas.microsoft.com/office/drawing/2014/main" id="{8EA172B0-8971-E567-5B5E-57E1088DCD63}"/>
+              </a:ext>
+            </a:extLst>
+          </p:cNvPr>
+          <p:cNvPicPr>
+            <a:picLocks noChangeAspect="1"/>
+          </p:cNvPicPr>
+          <p:nvPr/>
+        </p:nvPicPr>
+        <p:blipFill>
+          <a:blip r:embed="rId12">
+            <a:extLst>
+              <a:ext uri="{96DAC541-7B7A-43D3-8B79-37D633B846F1}">
+                <asvg:svgBlip xmlns:asvg="http://schemas.microsoft.com/office/drawing/2016/SVG/main" r:embed="rId13"/>
+              </a:ext>
+            </a:extLst>
+          </a:blip>
+          <a:srcRect/>
+          <a:stretch/>
+        </p:blipFill>
+        <p:spPr>
+          <a:xfrm>
+            <a:off x="720870" y="5069145"/>
+            <a:ext cx="360000" cy="360000"/>
+          </a:xfrm>
+          <a:prstGeom prst="rect">
+            <a:avLst/>
+          </a:prstGeom>
+        </p:spPr>
+      </p:pic>
+      <p:sp>
+        <p:nvSpPr>
+          <p:cNvPr id="28" name="正方形/長方形 27">
+            <a:extLst>
+              <a:ext uri="{FF2B5EF4-FFF2-40B4-BE49-F238E27FC236}">
+                <a16:creationId xmlns:a16="http://schemas.microsoft.com/office/drawing/2014/main" id="{36BB981A-E952-6225-0A98-C6341D3CEFDE}"/>
+              </a:ext>
+            </a:extLst>
+          </p:cNvPr>
+          <p:cNvSpPr/>
+          <p:nvPr/>
+        </p:nvSpPr>
+        <p:spPr>
+          <a:xfrm>
+            <a:off x="1080000" y="4308954"/>
+            <a:ext cx="5925918" cy="360000"/>
+          </a:xfrm>
+          <a:prstGeom prst="rect">
+            <a:avLst/>
+          </a:prstGeom>
+          <a:noFill/>
+          <a:ln>
+            <a:noFill/>
+          </a:ln>
+        </p:spPr>
+        <p:style>
+          <a:lnRef idx="2">
+            <a:schemeClr val="accent1">
+              <a:shade val="15000"/>
+            </a:schemeClr>
+          </a:lnRef>
+          <a:fillRef idx="1">
+            <a:schemeClr val="accent1"/>
+          </a:fillRef>
+          <a:effectRef idx="0">
+            <a:schemeClr val="accent1"/>
+          </a:effectRef>
+          <a:fontRef idx="minor">
+            <a:schemeClr val="lt1"/>
+          </a:fontRef>
+        </p:style>
+        <p:txBody>
+          <a:bodyPr rtlCol="0" anchor="ctr"/>
+          <a:lstStyle/>
+          <a:p>
+            <a:r>
+              <a:rPr kumimoji="1" lang="ja-JP" altLang="en-US" sz="1400">
+                <a:solidFill>
+                  <a:srgbClr val="323232"/>
+                </a:solidFill>
+                <a:latin typeface="Yu Gothic" panose="020B0400000000000000" pitchFamily="34" charset="-128"/>
+                <a:ea typeface="Yu Gothic" panose="020B0400000000000000" pitchFamily="34" charset="-128"/>
+              </a:rPr>
+              <a:t>静岡大学大学院</a:t>
+            </a:r>
+            <a:r>
+              <a:rPr kumimoji="1" lang="en-US" altLang="ja-JP" sz="1400" dirty="0">
+                <a:solidFill>
+                  <a:srgbClr val="323232"/>
+                </a:solidFill>
+                <a:latin typeface="Yu Gothic" panose="020B0400000000000000" pitchFamily="34" charset="-128"/>
+                <a:ea typeface="Yu Gothic" panose="020B0400000000000000" pitchFamily="34" charset="-128"/>
+              </a:rPr>
+              <a:t> </a:t>
+            </a:r>
+            <a:r>
+              <a:rPr kumimoji="1" lang="ja-JP" altLang="en-US" sz="1400">
+                <a:solidFill>
+                  <a:srgbClr val="323232"/>
+                </a:solidFill>
+                <a:latin typeface="Yu Gothic" panose="020B0400000000000000" pitchFamily="34" charset="-128"/>
+                <a:ea typeface="Yu Gothic" panose="020B0400000000000000" pitchFamily="34" charset="-128"/>
+              </a:rPr>
+              <a:t>総合科学技術研究科・認知的コミュニケーション研究室</a:t>
+            </a:r>
+          </a:p>
+        </p:txBody>
+      </p:sp>
+      <p:sp>
+        <p:nvSpPr>
+          <p:cNvPr id="29" name="正方形/長方形 28">
+            <a:extLst>
+              <a:ext uri="{FF2B5EF4-FFF2-40B4-BE49-F238E27FC236}">
+                <a16:creationId xmlns:a16="http://schemas.microsoft.com/office/drawing/2014/main" id="{8DC38EF7-5548-F959-64B1-E3BC4BA54357}"/>
+              </a:ext>
+            </a:extLst>
+          </p:cNvPr>
+          <p:cNvSpPr/>
+          <p:nvPr/>
+        </p:nvSpPr>
+        <p:spPr>
+          <a:xfrm>
+            <a:off x="1080000" y="4689050"/>
+            <a:ext cx="5925918" cy="360000"/>
+          </a:xfrm>
+          <a:prstGeom prst="rect">
+            <a:avLst/>
+          </a:prstGeom>
+          <a:noFill/>
+          <a:ln>
+            <a:noFill/>
+          </a:ln>
+        </p:spPr>
+        <p:style>
+          <a:lnRef idx="2">
+            <a:schemeClr val="accent1">
+              <a:shade val="15000"/>
+            </a:schemeClr>
+          </a:lnRef>
+          <a:fillRef idx="1">
+            <a:schemeClr val="accent1"/>
+          </a:fillRef>
+          <a:effectRef idx="0">
+            <a:schemeClr val="accent1"/>
+          </a:effectRef>
+          <a:fontRef idx="minor">
+            <a:schemeClr val="lt1"/>
+          </a:fontRef>
+        </p:style>
+        <p:txBody>
+          <a:bodyPr rtlCol="0" anchor="ctr"/>
+          <a:lstStyle/>
+          <a:p>
+            <a:r>
+              <a:rPr kumimoji="1" lang="ja-JP" altLang="en-US" sz="1400">
+                <a:solidFill>
+                  <a:srgbClr val="323232"/>
+                </a:solidFill>
+                <a:latin typeface="Yu Gothic" panose="020B0400000000000000" pitchFamily="34" charset="-128"/>
+                <a:ea typeface="Yu Gothic" panose="020B0400000000000000" pitchFamily="34" charset="-128"/>
+              </a:rPr>
+              <a:t>〒</a:t>
+            </a:r>
+            <a:r>
+              <a:rPr kumimoji="1" lang="en-US" altLang="ja-JP" sz="1400" dirty="0">
+                <a:solidFill>
+                  <a:srgbClr val="323232"/>
+                </a:solidFill>
+                <a:latin typeface="Yu Gothic" panose="020B0400000000000000" pitchFamily="34" charset="-128"/>
+                <a:ea typeface="Yu Gothic" panose="020B0400000000000000" pitchFamily="34" charset="-128"/>
+              </a:rPr>
+              <a:t>432-8011 </a:t>
+            </a:r>
+            <a:r>
+              <a:rPr kumimoji="1" lang="ja-JP" altLang="en-US" sz="1400">
+                <a:solidFill>
+                  <a:srgbClr val="323232"/>
+                </a:solidFill>
+                <a:latin typeface="Yu Gothic" panose="020B0400000000000000" pitchFamily="34" charset="-128"/>
+                <a:ea typeface="Yu Gothic" panose="020B0400000000000000" pitchFamily="34" charset="-128"/>
+              </a:rPr>
+              <a:t>静岡県浜松市中区城北</a:t>
+            </a:r>
+            <a:r>
+              <a:rPr kumimoji="1" lang="en-US" altLang="ja-JP" sz="1400" dirty="0">
+                <a:solidFill>
+                  <a:srgbClr val="323232"/>
+                </a:solidFill>
+                <a:latin typeface="Yu Gothic" panose="020B0400000000000000" pitchFamily="34" charset="-128"/>
+                <a:ea typeface="Yu Gothic" panose="020B0400000000000000" pitchFamily="34" charset="-128"/>
+              </a:rPr>
+              <a:t>3-5-1 </a:t>
+            </a:r>
+            <a:r>
+              <a:rPr kumimoji="1" lang="ja-JP" altLang="en-US" sz="1400">
+                <a:solidFill>
+                  <a:srgbClr val="323232"/>
+                </a:solidFill>
+                <a:latin typeface="Yu Gothic" panose="020B0400000000000000" pitchFamily="34" charset="-128"/>
+                <a:ea typeface="Yu Gothic" panose="020B0400000000000000" pitchFamily="34" charset="-128"/>
+              </a:rPr>
+              <a:t>静岡大学浜松キャンパス</a:t>
+            </a:r>
+          </a:p>
+        </p:txBody>
+      </p:sp>
+      <p:sp>
+        <p:nvSpPr>
+          <p:cNvPr id="30" name="正方形/長方形 29">
+            <a:extLst>
+              <a:ext uri="{FF2B5EF4-FFF2-40B4-BE49-F238E27FC236}">
+                <a16:creationId xmlns:a16="http://schemas.microsoft.com/office/drawing/2014/main" id="{4ADBFF52-46C6-336B-AC3E-0478F7A04414}"/>
+              </a:ext>
+            </a:extLst>
+          </p:cNvPr>
+          <p:cNvSpPr/>
+          <p:nvPr/>
+        </p:nvSpPr>
+        <p:spPr>
+          <a:xfrm>
+            <a:off x="1080000" y="5069145"/>
+            <a:ext cx="2184611" cy="360000"/>
+          </a:xfrm>
+          <a:prstGeom prst="rect">
+            <a:avLst/>
+          </a:prstGeom>
+          <a:noFill/>
+          <a:ln>
+            <a:noFill/>
+          </a:ln>
+        </p:spPr>
+        <p:style>
+          <a:lnRef idx="2">
+            <a:schemeClr val="accent1">
+              <a:shade val="15000"/>
+            </a:schemeClr>
+          </a:lnRef>
+          <a:fillRef idx="1">
+            <a:schemeClr val="accent1"/>
+          </a:fillRef>
+          <a:effectRef idx="0">
+            <a:schemeClr val="accent1"/>
+          </a:effectRef>
+          <a:fontRef idx="minor">
+            <a:schemeClr val="lt1"/>
+          </a:fontRef>
+        </p:style>
+        <p:txBody>
+          <a:bodyPr rtlCol="0" anchor="ctr"/>
+          <a:lstStyle/>
+          <a:p>
+            <a:r>
+              <a:rPr kumimoji="1" lang="en-US" altLang="ja-JP" sz="1400" dirty="0">
+                <a:solidFill>
+                  <a:srgbClr val="323232"/>
+                </a:solidFill>
+                <a:latin typeface="Yu Gothic" panose="020B0400000000000000" pitchFamily="34" charset="-128"/>
+                <a:ea typeface="Yu Gothic" panose="020B0400000000000000" pitchFamily="34" charset="-128"/>
+              </a:rPr>
+              <a:t>080-1590-6189</a:t>
+            </a:r>
+            <a:endParaRPr kumimoji="1" lang="ja-JP" altLang="en-US" sz="1400">
+              <a:solidFill>
+                <a:srgbClr val="323232"/>
+              </a:solidFill>
+              <a:latin typeface="Yu Gothic" panose="020B0400000000000000" pitchFamily="34" charset="-128"/>
+              <a:ea typeface="Yu Gothic" panose="020B0400000000000000" pitchFamily="34" charset="-128"/>
+            </a:endParaRPr>
+          </a:p>
+        </p:txBody>
+      </p:sp>
+      <p:sp>
+        <p:nvSpPr>
+          <p:cNvPr id="31" name="正方形/長方形 30">
+            <a:extLst>
+              <a:ext uri="{FF2B5EF4-FFF2-40B4-BE49-F238E27FC236}">
+                <a16:creationId xmlns:a16="http://schemas.microsoft.com/office/drawing/2014/main" id="{64134785-DC12-EF74-25B7-1582113EA464}"/>
+              </a:ext>
+            </a:extLst>
+          </p:cNvPr>
+          <p:cNvSpPr/>
+          <p:nvPr/>
+        </p:nvSpPr>
+        <p:spPr>
+          <a:xfrm>
+            <a:off x="1080870" y="5391210"/>
+            <a:ext cx="4677925" cy="360000"/>
+          </a:xfrm>
+          <a:prstGeom prst="rect">
+            <a:avLst/>
+          </a:prstGeom>
+          <a:noFill/>
+          <a:ln>
+            <a:noFill/>
+          </a:ln>
+        </p:spPr>
+        <p:style>
+          <a:lnRef idx="2">
+            <a:schemeClr val="accent1">
+              <a:shade val="15000"/>
+            </a:schemeClr>
+          </a:lnRef>
+          <a:fillRef idx="1">
+            <a:schemeClr val="accent1"/>
+          </a:fillRef>
+          <a:effectRef idx="0">
+            <a:schemeClr val="accent1"/>
+          </a:effectRef>
+          <a:fontRef idx="minor">
+            <a:schemeClr val="lt1"/>
+          </a:fontRef>
+        </p:style>
+        <p:txBody>
+          <a:bodyPr rtlCol="0" anchor="ctr"/>
+          <a:lstStyle/>
+          <a:p>
+            <a:r>
+              <a:rPr kumimoji="1" lang="en-US" altLang="ja-JP" sz="1400" dirty="0">
+                <a:solidFill>
+                  <a:srgbClr val="323232"/>
+                </a:solidFill>
+                <a:latin typeface="Yu Gothic" panose="020B0400000000000000" pitchFamily="34" charset="-128"/>
+                <a:ea typeface="Yu Gothic" panose="020B0400000000000000" pitchFamily="34" charset="-128"/>
+              </a:rPr>
+              <a:t>ichikawa.masanari.18@shizuoka.ac.jp</a:t>
+            </a:r>
+            <a:endParaRPr kumimoji="1" lang="ja-JP" altLang="en-US" sz="1400">
+              <a:solidFill>
+                <a:srgbClr val="323232"/>
+              </a:solidFill>
+              <a:latin typeface="Yu Gothic" panose="020B0400000000000000" pitchFamily="34" charset="-128"/>
+              <a:ea typeface="Yu Gothic" panose="020B0400000000000000" pitchFamily="34" charset="-128"/>
+            </a:endParaRPr>
+          </a:p>
+        </p:txBody>
+      </p:sp>
+      <p:sp>
+        <p:nvSpPr>
+          <p:cNvPr id="32" name="正方形/長方形 31">
+            <a:extLst>
+              <a:ext uri="{FF2B5EF4-FFF2-40B4-BE49-F238E27FC236}">
+                <a16:creationId xmlns:a16="http://schemas.microsoft.com/office/drawing/2014/main" id="{EA986BD9-00F0-F245-F8E0-1E472116D0EB}"/>
+              </a:ext>
+            </a:extLst>
+          </p:cNvPr>
+          <p:cNvSpPr/>
+          <p:nvPr/>
+        </p:nvSpPr>
+        <p:spPr>
+          <a:xfrm>
+            <a:off x="1080000" y="5771306"/>
+            <a:ext cx="5418671" cy="360000"/>
+          </a:xfrm>
+          <a:prstGeom prst="rect">
+            <a:avLst/>
+          </a:prstGeom>
+          <a:noFill/>
+          <a:ln>
+            <a:noFill/>
+          </a:ln>
+        </p:spPr>
+        <p:style>
+          <a:lnRef idx="2">
+            <a:schemeClr val="accent1">
+              <a:shade val="15000"/>
+            </a:schemeClr>
+          </a:lnRef>
+          <a:fillRef idx="1">
+            <a:schemeClr val="accent1"/>
+          </a:fillRef>
+          <a:effectRef idx="0">
+            <a:schemeClr val="accent1"/>
+          </a:effectRef>
+          <a:fontRef idx="minor">
+            <a:schemeClr val="lt1"/>
+          </a:fontRef>
+        </p:style>
+        <p:txBody>
+          <a:bodyPr rtlCol="0" anchor="ctr"/>
+          <a:lstStyle/>
+          <a:p>
+            <a:r>
+              <a:rPr kumimoji="1" lang="en-US" altLang="ja-JP" sz="1400" dirty="0" err="1">
+                <a:solidFill>
+                  <a:srgbClr val="323232"/>
+                </a:solidFill>
+                <a:latin typeface="Yu Gothic" panose="020B0400000000000000" pitchFamily="34" charset="-128"/>
+                <a:ea typeface="Yu Gothic" panose="020B0400000000000000" pitchFamily="34" charset="-128"/>
+              </a:rPr>
+              <a:t>masanarius.github.io</a:t>
+            </a:r>
+            <a:endParaRPr kumimoji="1" lang="ja-JP" altLang="en-US" sz="1400">
+              <a:solidFill>
+                <a:srgbClr val="323232"/>
+              </a:solidFill>
+              <a:latin typeface="Yu Gothic" panose="020B0400000000000000" pitchFamily="34" charset="-128"/>
+              <a:ea typeface="Yu Gothic" panose="020B0400000000000000" pitchFamily="34" charset="-128"/>
+            </a:endParaRPr>
+          </a:p>
+        </p:txBody>
+      </p:sp>
+      <p:pic>
+        <p:nvPicPr>
+          <p:cNvPr id="2" name="図 1">
+            <a:extLst>
+              <a:ext uri="{FF2B5EF4-FFF2-40B4-BE49-F238E27FC236}">
+                <a16:creationId xmlns:a16="http://schemas.microsoft.com/office/drawing/2014/main" id="{D463AC66-BB2D-A440-C9FC-FD3C1B83D86C}"/>
+              </a:ext>
+            </a:extLst>
+          </p:cNvPr>
+          <p:cNvPicPr>
+            <a:picLocks noChangeAspect="1"/>
+          </p:cNvPicPr>
+          <p:nvPr/>
+        </p:nvPicPr>
+        <p:blipFill>
+          <a:blip r:embed="rId14"/>
+          <a:srcRect/>
+          <a:stretch/>
+        </p:blipFill>
+        <p:spPr>
+          <a:xfrm>
+            <a:off x="7919618" y="2871210"/>
+            <a:ext cx="2880000" cy="2880000"/>
+          </a:xfrm>
+          <a:prstGeom prst="rect">
+            <a:avLst/>
+          </a:prstGeom>
+        </p:spPr>
+      </p:pic>
+      <p:pic>
+        <p:nvPicPr>
+          <p:cNvPr id="3" name="グラフィックス 2" descr="卒業式用の角帽 単色塗りつぶし">
+            <a:extLst>
+              <a:ext uri="{FF2B5EF4-FFF2-40B4-BE49-F238E27FC236}">
+                <a16:creationId xmlns:a16="http://schemas.microsoft.com/office/drawing/2014/main" id="{351BE5EA-0028-D765-70F7-7D5D148B7D47}"/>
+              </a:ext>
+            </a:extLst>
+          </p:cNvPr>
+          <p:cNvPicPr>
+            <a:picLocks noChangeAspect="1"/>
+          </p:cNvPicPr>
+          <p:nvPr/>
+        </p:nvPicPr>
+        <p:blipFill>
+          <a:blip r:embed="rId15">
+            <a:extLst>
+              <a:ext uri="{96DAC541-7B7A-43D3-8B79-37D633B846F1}">
+                <asvg:svgBlip xmlns:asvg="http://schemas.microsoft.com/office/drawing/2016/SVG/main" r:embed="rId16"/>
+              </a:ext>
+            </a:extLst>
+          </a:blip>
+          <a:srcRect/>
+          <a:stretch/>
+        </p:blipFill>
+        <p:spPr>
+          <a:xfrm>
+            <a:off x="720000" y="3986890"/>
+            <a:ext cx="360000" cy="360000"/>
+          </a:xfrm>
+          <a:prstGeom prst="rect">
+            <a:avLst/>
+          </a:prstGeom>
+        </p:spPr>
+      </p:pic>
+      <p:sp>
+        <p:nvSpPr>
+          <p:cNvPr id="5" name="正方形/長方形 4">
+            <a:extLst>
+              <a:ext uri="{FF2B5EF4-FFF2-40B4-BE49-F238E27FC236}">
+                <a16:creationId xmlns:a16="http://schemas.microsoft.com/office/drawing/2014/main" id="{AD95561A-B0D8-F296-5752-FAF04D155DA8}"/>
+              </a:ext>
+            </a:extLst>
+          </p:cNvPr>
+          <p:cNvSpPr/>
+          <p:nvPr/>
+        </p:nvSpPr>
+        <p:spPr>
+          <a:xfrm>
+            <a:off x="1080000" y="3989052"/>
+            <a:ext cx="5925918" cy="360000"/>
+          </a:xfrm>
+          <a:prstGeom prst="rect">
+            <a:avLst/>
+          </a:prstGeom>
+          <a:noFill/>
+          <a:ln>
+            <a:noFill/>
+          </a:ln>
+        </p:spPr>
+        <p:style>
+          <a:lnRef idx="2">
+            <a:schemeClr val="accent1">
+              <a:shade val="15000"/>
+            </a:schemeClr>
+          </a:lnRef>
+          <a:fillRef idx="1">
+            <a:schemeClr val="accent1"/>
+          </a:fillRef>
+          <a:effectRef idx="0">
+            <a:schemeClr val="accent1"/>
+          </a:effectRef>
+          <a:fontRef idx="minor">
+            <a:schemeClr val="lt1"/>
+          </a:fontRef>
+        </p:style>
+        <p:txBody>
+          <a:bodyPr rtlCol="0" anchor="ctr"/>
+          <a:lstStyle/>
+          <a:p>
+            <a:r>
+              <a:rPr kumimoji="1" lang="ja-JP" altLang="en-US" sz="1400">
+                <a:solidFill>
+                  <a:srgbClr val="323232"/>
+                </a:solidFill>
+                <a:latin typeface="Yu Gothic" panose="020B0400000000000000" pitchFamily="34" charset="-128"/>
+                <a:ea typeface="Yu Gothic" panose="020B0400000000000000" pitchFamily="34" charset="-128"/>
+              </a:rPr>
+              <a:t>学士（情報学）</a:t>
+            </a:r>
+          </a:p>
+        </p:txBody>
+      </p:sp>
+    </p:spTree>
+    <p:extLst>
+      <p:ext uri="{BB962C8B-B14F-4D97-AF65-F5344CB8AC3E}">
+        <p14:creationId xmlns:p14="http://schemas.microsoft.com/office/powerpoint/2010/main" val="2252741233"/>
+      </p:ext>
+    </p:extLst>
+  </p:cSld>
+  <p:clrMapOvr>
+    <a:masterClrMapping/>
+  </p:clrMapOvr>
+</p:sld>
+</file>
+
+<file path=ppt/slides/slide6.xml><?xml version="1.0" encoding="utf-8"?>
+<p:sld xmlns:a="http://schemas.openxmlformats.org/drawingml/2006/main" xmlns:r="http://schemas.openxmlformats.org/officeDocument/2006/relationships" xmlns:p="http://schemas.openxmlformats.org/presentationml/2006/main">
+  <p:cSld>
+    <p:spTree>
+      <p:nvGrpSpPr>
+        <p:cNvPr id="1" name=""/>
+        <p:cNvGrpSpPr/>
+        <p:nvPr/>
+      </p:nvGrpSpPr>
+      <p:grpSpPr>
+        <a:xfrm>
+          <a:off x="0" y="0"/>
+          <a:ext cx="0" cy="0"/>
+          <a:chOff x="0" y="0"/>
+          <a:chExt cx="0" cy="0"/>
+        </a:xfrm>
+      </p:grpSpPr>
+      <p:pic>
+        <p:nvPicPr>
+          <p:cNvPr id="22" name="図 21" descr="ロゴ, アイコン&#10;&#10;自動的に生成された説明">
+            <a:extLst>
+              <a:ext uri="{FF2B5EF4-FFF2-40B4-BE49-F238E27FC236}">
+                <a16:creationId xmlns:a16="http://schemas.microsoft.com/office/drawing/2014/main" id="{00E652C2-BC75-0D52-B948-5F1F7C11B34B}"/>
+              </a:ext>
+            </a:extLst>
+          </p:cNvPr>
+          <p:cNvPicPr>
+            <a:picLocks noChangeAspect="1"/>
+          </p:cNvPicPr>
+          <p:nvPr/>
+        </p:nvPicPr>
+        <p:blipFill>
+          <a:blip r:embed="rId3"/>
+          <a:stretch>
+            <a:fillRect/>
+          </a:stretch>
+        </p:blipFill>
+        <p:spPr>
+          <a:xfrm>
+            <a:off x="9356851" y="719002"/>
+            <a:ext cx="1447273" cy="1440000"/>
+          </a:xfrm>
+          <a:prstGeom prst="rect">
+            <a:avLst/>
+          </a:prstGeom>
+        </p:spPr>
+      </p:pic>
+      <p:grpSp>
+        <p:nvGrpSpPr>
+          <p:cNvPr id="33" name="グループ化 32">
+            <a:extLst>
+              <a:ext uri="{FF2B5EF4-FFF2-40B4-BE49-F238E27FC236}">
+                <a16:creationId xmlns:a16="http://schemas.microsoft.com/office/drawing/2014/main" id="{C1BC0DFF-D215-2EAC-05E9-C95DD8AEA35F}"/>
+              </a:ext>
+            </a:extLst>
+          </p:cNvPr>
+          <p:cNvGrpSpPr/>
+          <p:nvPr/>
+        </p:nvGrpSpPr>
+        <p:grpSpPr>
+          <a:xfrm>
+            <a:off x="720000" y="4308954"/>
+            <a:ext cx="7133082" cy="1822352"/>
+            <a:chOff x="632177" y="4387693"/>
+            <a:chExt cx="7133082" cy="1822352"/>
+          </a:xfrm>
+        </p:grpSpPr>
+        <p:pic>
+          <p:nvPicPr>
+            <p:cNvPr id="23" name="グラフィックス 22">
+              <a:extLst>
+                <a:ext uri="{FF2B5EF4-FFF2-40B4-BE49-F238E27FC236}">
+                  <a16:creationId xmlns:a16="http://schemas.microsoft.com/office/drawing/2014/main" id="{E9EDA729-8D21-A9F2-943F-11D83E32DCEB}"/>
+                </a:ext>
+              </a:extLst>
+            </p:cNvPr>
+            <p:cNvPicPr>
+              <a:picLocks noChangeAspect="1"/>
+            </p:cNvPicPr>
+            <p:nvPr/>
+          </p:nvPicPr>
+          <p:blipFill>
+            <a:blip r:embed="rId4">
+              <a:extLst>
+                <a:ext uri="{96DAC541-7B7A-43D3-8B79-37D633B846F1}">
+                  <asvg:svgBlip xmlns:asvg="http://schemas.microsoft.com/office/drawing/2016/SVG/main" r:embed="rId5"/>
+                </a:ext>
+              </a:extLst>
+            </a:blip>
+            <a:srcRect/>
+            <a:stretch/>
+          </p:blipFill>
+          <p:spPr>
+            <a:xfrm>
+              <a:off x="633047" y="4387693"/>
+              <a:ext cx="360000" cy="360000"/>
+            </a:xfrm>
+            <a:prstGeom prst="rect">
+              <a:avLst/>
+            </a:prstGeom>
+          </p:spPr>
+        </p:pic>
+        <p:pic>
+          <p:nvPicPr>
+            <p:cNvPr id="24" name="グラフィックス 23">
+              <a:extLst>
+                <a:ext uri="{FF2B5EF4-FFF2-40B4-BE49-F238E27FC236}">
+                  <a16:creationId xmlns:a16="http://schemas.microsoft.com/office/drawing/2014/main" id="{A9089DB6-3D8D-B8ED-75E1-A462088C8A70}"/>
+                </a:ext>
+              </a:extLst>
+            </p:cNvPr>
+            <p:cNvPicPr>
+              <a:picLocks noChangeAspect="1"/>
+            </p:cNvPicPr>
+            <p:nvPr/>
+          </p:nvPicPr>
+          <p:blipFill>
+            <a:blip r:embed="rId6">
+              <a:extLst>
+                <a:ext uri="{96DAC541-7B7A-43D3-8B79-37D633B846F1}">
+                  <asvg:svgBlip xmlns:asvg="http://schemas.microsoft.com/office/drawing/2016/SVG/main" r:embed="rId7"/>
+                </a:ext>
+              </a:extLst>
+            </a:blip>
+            <a:srcRect/>
+            <a:stretch/>
+          </p:blipFill>
+          <p:spPr>
+            <a:xfrm>
+              <a:off x="633047" y="4767789"/>
+              <a:ext cx="360000" cy="360000"/>
+            </a:xfrm>
+            <a:prstGeom prst="rect">
+              <a:avLst/>
+            </a:prstGeom>
+          </p:spPr>
+        </p:pic>
+        <p:pic>
+          <p:nvPicPr>
+            <p:cNvPr id="25" name="グラフィックス 24">
+              <a:extLst>
+                <a:ext uri="{FF2B5EF4-FFF2-40B4-BE49-F238E27FC236}">
+                  <a16:creationId xmlns:a16="http://schemas.microsoft.com/office/drawing/2014/main" id="{3249F8CD-CAD7-7F1B-E2BB-864423EC16CC}"/>
+                </a:ext>
+              </a:extLst>
+            </p:cNvPr>
+            <p:cNvPicPr>
+              <a:picLocks noChangeAspect="1"/>
+            </p:cNvPicPr>
+            <p:nvPr/>
+          </p:nvPicPr>
+          <p:blipFill>
+            <a:blip r:embed="rId8">
+              <a:extLst>
+                <a:ext uri="{96DAC541-7B7A-43D3-8B79-37D633B846F1}">
+                  <asvg:svgBlip xmlns:asvg="http://schemas.microsoft.com/office/drawing/2016/SVG/main" r:embed="rId9"/>
+                </a:ext>
+              </a:extLst>
+            </a:blip>
+            <a:srcRect/>
+            <a:stretch/>
+          </p:blipFill>
+          <p:spPr>
+            <a:xfrm>
+              <a:off x="633047" y="5469949"/>
+              <a:ext cx="360000" cy="360000"/>
+            </a:xfrm>
+            <a:prstGeom prst="rect">
+              <a:avLst/>
+            </a:prstGeom>
+          </p:spPr>
+        </p:pic>
+        <p:pic>
+          <p:nvPicPr>
+            <p:cNvPr id="26" name="グラフィックス 25">
+              <a:extLst>
+                <a:ext uri="{FF2B5EF4-FFF2-40B4-BE49-F238E27FC236}">
+                  <a16:creationId xmlns:a16="http://schemas.microsoft.com/office/drawing/2014/main" id="{5F418B13-FFA6-807C-4553-BC4209BA1D78}"/>
+                </a:ext>
+              </a:extLst>
+            </p:cNvPr>
+            <p:cNvPicPr>
+              <a:picLocks noChangeAspect="1"/>
+            </p:cNvPicPr>
+            <p:nvPr/>
+          </p:nvPicPr>
+          <p:blipFill>
+            <a:blip r:embed="rId10">
+              <a:extLst>
+                <a:ext uri="{96DAC541-7B7A-43D3-8B79-37D633B846F1}">
+                  <asvg:svgBlip xmlns:asvg="http://schemas.microsoft.com/office/drawing/2016/SVG/main" r:embed="rId11"/>
+                </a:ext>
+              </a:extLst>
+            </a:blip>
+            <a:srcRect/>
+            <a:stretch/>
+          </p:blipFill>
+          <p:spPr>
+            <a:xfrm>
+              <a:off x="632177" y="5850045"/>
+              <a:ext cx="360000" cy="360000"/>
+            </a:xfrm>
+            <a:prstGeom prst="rect">
+              <a:avLst/>
+            </a:prstGeom>
+          </p:spPr>
+        </p:pic>
+        <p:pic>
+          <p:nvPicPr>
+            <p:cNvPr id="27" name="グラフィックス 26">
+              <a:extLst>
+                <a:ext uri="{FF2B5EF4-FFF2-40B4-BE49-F238E27FC236}">
+                  <a16:creationId xmlns:a16="http://schemas.microsoft.com/office/drawing/2014/main" id="{8EA172B0-8971-E567-5B5E-57E1088DCD63}"/>
+                </a:ext>
+              </a:extLst>
+            </p:cNvPr>
+            <p:cNvPicPr>
+              <a:picLocks noChangeAspect="1"/>
+            </p:cNvPicPr>
+            <p:nvPr/>
+          </p:nvPicPr>
+          <p:blipFill>
+            <a:blip r:embed="rId12">
+              <a:extLst>
+                <a:ext uri="{96DAC541-7B7A-43D3-8B79-37D633B846F1}">
+                  <asvg:svgBlip xmlns:asvg="http://schemas.microsoft.com/office/drawing/2016/SVG/main" r:embed="rId13"/>
+                </a:ext>
+              </a:extLst>
+            </a:blip>
+            <a:srcRect/>
+            <a:stretch/>
+          </p:blipFill>
+          <p:spPr>
+            <a:xfrm>
+              <a:off x="633047" y="5147884"/>
+              <a:ext cx="360000" cy="360000"/>
+            </a:xfrm>
+            <a:prstGeom prst="rect">
+              <a:avLst/>
+            </a:prstGeom>
+          </p:spPr>
+        </p:pic>
+        <p:sp>
+          <p:nvSpPr>
+            <p:cNvPr id="28" name="正方形/長方形 27">
+              <a:extLst>
+                <a:ext uri="{FF2B5EF4-FFF2-40B4-BE49-F238E27FC236}">
+                  <a16:creationId xmlns:a16="http://schemas.microsoft.com/office/drawing/2014/main" id="{36BB981A-E952-6225-0A98-C6341D3CEFDE}"/>
+                </a:ext>
+              </a:extLst>
+            </p:cNvPr>
+            <p:cNvSpPr/>
+            <p:nvPr/>
+          </p:nvSpPr>
+          <p:spPr>
+            <a:xfrm>
+              <a:off x="992177" y="4387693"/>
+              <a:ext cx="6773082" cy="360000"/>
+            </a:xfrm>
+            <a:prstGeom prst="rect">
+              <a:avLst/>
+            </a:prstGeom>
+            <a:noFill/>
+            <a:ln>
+              <a:noFill/>
+            </a:ln>
+          </p:spPr>
+          <p:style>
+            <a:lnRef idx="2">
+              <a:schemeClr val="accent1">
+                <a:shade val="15000"/>
+              </a:schemeClr>
+            </a:lnRef>
+            <a:fillRef idx="1">
+              <a:schemeClr val="accent1"/>
+            </a:fillRef>
+            <a:effectRef idx="0">
+              <a:schemeClr val="accent1"/>
+            </a:effectRef>
+            <a:fontRef idx="minor">
+              <a:schemeClr val="lt1"/>
+            </a:fontRef>
+          </p:style>
+          <p:txBody>
+            <a:bodyPr rtlCol="0" anchor="ctr"/>
+            <a:lstStyle/>
+            <a:p>
+              <a:r>
+                <a:rPr kumimoji="1" lang="en-US" altLang="ja-JP" sz="1400" dirty="0">
+                  <a:solidFill>
+                    <a:srgbClr val="323232"/>
+                  </a:solidFill>
+                  <a:latin typeface="Yu Gothic" panose="020B0400000000000000" pitchFamily="34" charset="-128"/>
+                  <a:ea typeface="Yu Gothic" panose="020B0400000000000000" pitchFamily="34" charset="-128"/>
+                </a:rPr>
+                <a:t>Graduate School of Science and Technology, Shizuoka University</a:t>
+              </a:r>
+              <a:endParaRPr kumimoji="1" lang="ja-JP" altLang="en-US" sz="1400">
+                <a:solidFill>
+                  <a:srgbClr val="323232"/>
+                </a:solidFill>
+                <a:latin typeface="Yu Gothic" panose="020B0400000000000000" pitchFamily="34" charset="-128"/>
+                <a:ea typeface="Yu Gothic" panose="020B0400000000000000" pitchFamily="34" charset="-128"/>
+              </a:endParaRPr>
+            </a:p>
+          </p:txBody>
+        </p:sp>
+        <p:sp>
+          <p:nvSpPr>
+            <p:cNvPr id="29" name="正方形/長方形 28">
+              <a:extLst>
+                <a:ext uri="{FF2B5EF4-FFF2-40B4-BE49-F238E27FC236}">
+                  <a16:creationId xmlns:a16="http://schemas.microsoft.com/office/drawing/2014/main" id="{8DC38EF7-5548-F959-64B1-E3BC4BA54357}"/>
+                </a:ext>
+              </a:extLst>
+            </p:cNvPr>
+            <p:cNvSpPr/>
+            <p:nvPr/>
+          </p:nvSpPr>
+          <p:spPr>
+            <a:xfrm>
+              <a:off x="992177" y="4767789"/>
+              <a:ext cx="5925918" cy="360000"/>
+            </a:xfrm>
+            <a:prstGeom prst="rect">
+              <a:avLst/>
+            </a:prstGeom>
+            <a:noFill/>
+            <a:ln>
+              <a:noFill/>
+            </a:ln>
+          </p:spPr>
+          <p:style>
+            <a:lnRef idx="2">
+              <a:schemeClr val="accent1">
+                <a:shade val="15000"/>
+              </a:schemeClr>
+            </a:lnRef>
+            <a:fillRef idx="1">
+              <a:schemeClr val="accent1"/>
+            </a:fillRef>
+            <a:effectRef idx="0">
+              <a:schemeClr val="accent1"/>
+            </a:effectRef>
+            <a:fontRef idx="minor">
+              <a:schemeClr val="lt1"/>
+            </a:fontRef>
+          </p:style>
+          <p:txBody>
+            <a:bodyPr rtlCol="0" anchor="ctr"/>
+            <a:lstStyle/>
+            <a:p>
+              <a:r>
+                <a:rPr kumimoji="1" lang="en-US" altLang="ja-JP" sz="1400" dirty="0">
+                  <a:solidFill>
+                    <a:srgbClr val="323232"/>
+                  </a:solidFill>
+                  <a:latin typeface="Yu Gothic" panose="020B0400000000000000" pitchFamily="34" charset="-128"/>
+                  <a:ea typeface="Yu Gothic" panose="020B0400000000000000" pitchFamily="34" charset="-128"/>
+                </a:rPr>
+                <a:t>3-5-1 </a:t>
+              </a:r>
+              <a:r>
+                <a:rPr kumimoji="1" lang="en-US" altLang="ja-JP" sz="1400" dirty="0" err="1">
+                  <a:solidFill>
+                    <a:srgbClr val="323232"/>
+                  </a:solidFill>
+                  <a:latin typeface="Yu Gothic" panose="020B0400000000000000" pitchFamily="34" charset="-128"/>
+                  <a:ea typeface="Yu Gothic" panose="020B0400000000000000" pitchFamily="34" charset="-128"/>
+                </a:rPr>
+                <a:t>Johoku</a:t>
+              </a:r>
+              <a:r>
+                <a:rPr kumimoji="1" lang="en-US" altLang="ja-JP" sz="1400" dirty="0">
+                  <a:solidFill>
+                    <a:srgbClr val="323232"/>
+                  </a:solidFill>
+                  <a:latin typeface="Yu Gothic" panose="020B0400000000000000" pitchFamily="34" charset="-128"/>
+                  <a:ea typeface="Yu Gothic" panose="020B0400000000000000" pitchFamily="34" charset="-128"/>
+                </a:rPr>
+                <a:t>, Naka-</a:t>
+              </a:r>
+              <a:r>
+                <a:rPr kumimoji="1" lang="en-US" altLang="ja-JP" sz="1400" dirty="0" err="1">
+                  <a:solidFill>
+                    <a:srgbClr val="323232"/>
+                  </a:solidFill>
+                  <a:latin typeface="Yu Gothic" panose="020B0400000000000000" pitchFamily="34" charset="-128"/>
+                  <a:ea typeface="Yu Gothic" panose="020B0400000000000000" pitchFamily="34" charset="-128"/>
+                </a:rPr>
+                <a:t>ku</a:t>
+              </a:r>
+              <a:r>
+                <a:rPr kumimoji="1" lang="en-US" altLang="ja-JP" sz="1400" dirty="0">
+                  <a:solidFill>
+                    <a:srgbClr val="323232"/>
+                  </a:solidFill>
+                  <a:latin typeface="Yu Gothic" panose="020B0400000000000000" pitchFamily="34" charset="-128"/>
+                  <a:ea typeface="Yu Gothic" panose="020B0400000000000000" pitchFamily="34" charset="-128"/>
+                </a:rPr>
+                <a:t>, Hamamatsu, 4328011, Japan</a:t>
+              </a:r>
+              <a:endParaRPr kumimoji="1" lang="ja-JP" altLang="en-US" sz="1400">
+                <a:solidFill>
+                  <a:srgbClr val="323232"/>
+                </a:solidFill>
+                <a:latin typeface="Yu Gothic" panose="020B0400000000000000" pitchFamily="34" charset="-128"/>
+                <a:ea typeface="Yu Gothic" panose="020B0400000000000000" pitchFamily="34" charset="-128"/>
+              </a:endParaRPr>
+            </a:p>
+          </p:txBody>
+        </p:sp>
+        <p:sp>
+          <p:nvSpPr>
+            <p:cNvPr id="30" name="正方形/長方形 29">
+              <a:extLst>
+                <a:ext uri="{FF2B5EF4-FFF2-40B4-BE49-F238E27FC236}">
+                  <a16:creationId xmlns:a16="http://schemas.microsoft.com/office/drawing/2014/main" id="{4ADBFF52-46C6-336B-AC3E-0478F7A04414}"/>
+                </a:ext>
+              </a:extLst>
+            </p:cNvPr>
+            <p:cNvSpPr/>
+            <p:nvPr/>
+          </p:nvSpPr>
+          <p:spPr>
+            <a:xfrm>
+              <a:off x="992177" y="5147884"/>
+              <a:ext cx="2184611" cy="360000"/>
+            </a:xfrm>
+            <a:prstGeom prst="rect">
+              <a:avLst/>
+            </a:prstGeom>
+            <a:noFill/>
+            <a:ln>
+              <a:noFill/>
+            </a:ln>
+          </p:spPr>
+          <p:style>
+            <a:lnRef idx="2">
+              <a:schemeClr val="accent1">
+                <a:shade val="15000"/>
+              </a:schemeClr>
+            </a:lnRef>
+            <a:fillRef idx="1">
+              <a:schemeClr val="accent1"/>
+            </a:fillRef>
+            <a:effectRef idx="0">
+              <a:schemeClr val="accent1"/>
+            </a:effectRef>
+            <a:fontRef idx="minor">
+              <a:schemeClr val="lt1"/>
+            </a:fontRef>
+          </p:style>
+          <p:txBody>
+            <a:bodyPr rtlCol="0" anchor="ctr"/>
+            <a:lstStyle/>
+            <a:p>
+              <a:r>
+                <a:rPr kumimoji="1" lang="en-US" altLang="ja-JP" sz="1400" dirty="0">
+                  <a:solidFill>
+                    <a:srgbClr val="323232"/>
+                  </a:solidFill>
+                  <a:latin typeface="Yu Gothic" panose="020B0400000000000000" pitchFamily="34" charset="-128"/>
+                  <a:ea typeface="Yu Gothic" panose="020B0400000000000000" pitchFamily="34" charset="-128"/>
+                </a:rPr>
+                <a:t>+81-80-1590-6189</a:t>
+              </a:r>
+              <a:endParaRPr kumimoji="1" lang="ja-JP" altLang="en-US" sz="1400">
+                <a:solidFill>
+                  <a:srgbClr val="323232"/>
+                </a:solidFill>
+                <a:latin typeface="Yu Gothic" panose="020B0400000000000000" pitchFamily="34" charset="-128"/>
+                <a:ea typeface="Yu Gothic" panose="020B0400000000000000" pitchFamily="34" charset="-128"/>
+              </a:endParaRPr>
+            </a:p>
+          </p:txBody>
+        </p:sp>
+        <p:sp>
+          <p:nvSpPr>
+            <p:cNvPr id="31" name="正方形/長方形 30">
+              <a:extLst>
+                <a:ext uri="{FF2B5EF4-FFF2-40B4-BE49-F238E27FC236}">
+                  <a16:creationId xmlns:a16="http://schemas.microsoft.com/office/drawing/2014/main" id="{64134785-DC12-EF74-25B7-1582113EA464}"/>
+                </a:ext>
+              </a:extLst>
+            </p:cNvPr>
+            <p:cNvSpPr/>
+            <p:nvPr/>
+          </p:nvSpPr>
+          <p:spPr>
+            <a:xfrm>
+              <a:off x="993047" y="5469949"/>
+              <a:ext cx="4677925" cy="360000"/>
+            </a:xfrm>
+            <a:prstGeom prst="rect">
+              <a:avLst/>
+            </a:prstGeom>
+            <a:noFill/>
+            <a:ln>
+              <a:noFill/>
+            </a:ln>
+          </p:spPr>
+          <p:style>
+            <a:lnRef idx="2">
+              <a:schemeClr val="accent1">
+                <a:shade val="15000"/>
+              </a:schemeClr>
+            </a:lnRef>
+            <a:fillRef idx="1">
+              <a:schemeClr val="accent1"/>
+            </a:fillRef>
+            <a:effectRef idx="0">
+              <a:schemeClr val="accent1"/>
+            </a:effectRef>
+            <a:fontRef idx="minor">
+              <a:schemeClr val="lt1"/>
+            </a:fontRef>
+          </p:style>
+          <p:txBody>
+            <a:bodyPr rtlCol="0" anchor="ctr"/>
+            <a:lstStyle/>
+            <a:p>
+              <a:r>
+                <a:rPr kumimoji="1" lang="en-US" altLang="ja-JP" sz="1400" dirty="0">
+                  <a:solidFill>
+                    <a:srgbClr val="323232"/>
+                  </a:solidFill>
+                  <a:latin typeface="Yu Gothic" panose="020B0400000000000000" pitchFamily="34" charset="-128"/>
+                  <a:ea typeface="Yu Gothic" panose="020B0400000000000000" pitchFamily="34" charset="-128"/>
+                </a:rPr>
+                <a:t>ichikawa.masanari.18@shizuoka.ac.jp</a:t>
+              </a:r>
+              <a:endParaRPr kumimoji="1" lang="ja-JP" altLang="en-US" sz="1400">
+                <a:solidFill>
+                  <a:srgbClr val="323232"/>
+                </a:solidFill>
+                <a:latin typeface="Yu Gothic" panose="020B0400000000000000" pitchFamily="34" charset="-128"/>
+                <a:ea typeface="Yu Gothic" panose="020B0400000000000000" pitchFamily="34" charset="-128"/>
+              </a:endParaRPr>
+            </a:p>
+          </p:txBody>
+        </p:sp>
+        <p:sp>
+          <p:nvSpPr>
+            <p:cNvPr id="32" name="正方形/長方形 31">
+              <a:extLst>
+                <a:ext uri="{FF2B5EF4-FFF2-40B4-BE49-F238E27FC236}">
+                  <a16:creationId xmlns:a16="http://schemas.microsoft.com/office/drawing/2014/main" id="{EA986BD9-00F0-F245-F8E0-1E472116D0EB}"/>
+                </a:ext>
+              </a:extLst>
+            </p:cNvPr>
+            <p:cNvSpPr/>
+            <p:nvPr/>
+          </p:nvSpPr>
+          <p:spPr>
+            <a:xfrm>
+              <a:off x="992177" y="5850045"/>
+              <a:ext cx="5418671" cy="360000"/>
+            </a:xfrm>
+            <a:prstGeom prst="rect">
+              <a:avLst/>
+            </a:prstGeom>
+            <a:noFill/>
+            <a:ln>
+              <a:noFill/>
+            </a:ln>
+          </p:spPr>
+          <p:style>
+            <a:lnRef idx="2">
+              <a:schemeClr val="accent1">
+                <a:shade val="15000"/>
+              </a:schemeClr>
+            </a:lnRef>
+            <a:fillRef idx="1">
+              <a:schemeClr val="accent1"/>
+            </a:fillRef>
+            <a:effectRef idx="0">
+              <a:schemeClr val="accent1"/>
+            </a:effectRef>
+            <a:fontRef idx="minor">
+              <a:schemeClr val="lt1"/>
+            </a:fontRef>
+          </p:style>
+          <p:txBody>
+            <a:bodyPr rtlCol="0" anchor="ctr"/>
+            <a:lstStyle/>
+            <a:p>
+              <a:r>
+                <a:rPr kumimoji="1" lang="en-US" altLang="ja-JP" sz="1400" dirty="0" err="1">
+                  <a:solidFill>
+                    <a:srgbClr val="323232"/>
+                  </a:solidFill>
+                  <a:latin typeface="Yu Gothic" panose="020B0400000000000000" pitchFamily="34" charset="-128"/>
+                  <a:ea typeface="Yu Gothic" panose="020B0400000000000000" pitchFamily="34" charset="-128"/>
+                </a:rPr>
+                <a:t>masanarius.github.io</a:t>
+              </a:r>
+              <a:endParaRPr kumimoji="1" lang="ja-JP" altLang="en-US" sz="1400">
+                <a:solidFill>
+                  <a:srgbClr val="323232"/>
+                </a:solidFill>
+                <a:latin typeface="Yu Gothic" panose="020B0400000000000000" pitchFamily="34" charset="-128"/>
+                <a:ea typeface="Yu Gothic" panose="020B0400000000000000" pitchFamily="34" charset="-128"/>
+              </a:endParaRPr>
+            </a:p>
+          </p:txBody>
+        </p:sp>
+      </p:grpSp>
+      <p:sp>
+        <p:nvSpPr>
+          <p:cNvPr id="2" name="正方形/長方形 1">
+            <a:extLst>
+              <a:ext uri="{FF2B5EF4-FFF2-40B4-BE49-F238E27FC236}">
+                <a16:creationId xmlns:a16="http://schemas.microsoft.com/office/drawing/2014/main" id="{F3D10181-8B16-B2DD-A853-B319CB0DA45C}"/>
+              </a:ext>
+            </a:extLst>
+          </p:cNvPr>
+          <p:cNvSpPr/>
+          <p:nvPr/>
+        </p:nvSpPr>
+        <p:spPr>
+          <a:xfrm>
+            <a:off x="751778" y="2146698"/>
+            <a:ext cx="5336108" cy="1440000"/>
+          </a:xfrm>
+          <a:prstGeom prst="rect">
+            <a:avLst/>
+          </a:prstGeom>
+          <a:noFill/>
+          <a:ln>
+            <a:noFill/>
+          </a:ln>
+        </p:spPr>
+        <p:style>
+          <a:lnRef idx="2">
+            <a:schemeClr val="accent1">
+              <a:shade val="15000"/>
+            </a:schemeClr>
+          </a:lnRef>
+          <a:fillRef idx="1">
+            <a:schemeClr val="accent1"/>
+          </a:fillRef>
+          <a:effectRef idx="0">
+            <a:schemeClr val="accent1"/>
+          </a:effectRef>
+          <a:fontRef idx="minor">
+            <a:schemeClr val="lt1"/>
+          </a:fontRef>
+        </p:style>
+        <p:txBody>
+          <a:bodyPr rtlCol="0" anchor="ctr"/>
+          <a:lstStyle/>
+          <a:p>
+            <a:r>
+              <a:rPr kumimoji="1" lang="ja-JP" altLang="en-US" sz="6000">
+                <a:solidFill>
+                  <a:srgbClr val="323232"/>
+                </a:solidFill>
+                <a:latin typeface="+mn-ea"/>
+              </a:rPr>
+              <a:t>市 川  雅 也</a:t>
+            </a:r>
+            <a:endParaRPr kumimoji="1" lang="en-US" altLang="ja-JP" sz="6000" dirty="0">
+              <a:solidFill>
+                <a:srgbClr val="323232"/>
+              </a:solidFill>
+              <a:latin typeface="+mn-ea"/>
+            </a:endParaRPr>
+          </a:p>
+          <a:p>
+            <a:r>
+              <a:rPr kumimoji="1" lang="en-US" altLang="ja-JP" sz="2400">
+                <a:solidFill>
+                  <a:srgbClr val="323232"/>
+                </a:solidFill>
+                <a:latin typeface="+mn-ea"/>
+              </a:rPr>
+              <a:t>Masanari </a:t>
+            </a:r>
+            <a:r>
+              <a:rPr kumimoji="1" lang="en-US" altLang="ja-JP" sz="2400" dirty="0">
+                <a:solidFill>
+                  <a:srgbClr val="323232"/>
+                </a:solidFill>
+                <a:latin typeface="+mn-ea"/>
+              </a:rPr>
+              <a:t>ICHIKAWA</a:t>
+            </a:r>
+            <a:endParaRPr kumimoji="1" lang="ja-JP" altLang="en-US" sz="2400">
+              <a:solidFill>
+                <a:srgbClr val="323232"/>
+              </a:solidFill>
+              <a:latin typeface="+mn-ea"/>
+            </a:endParaRPr>
+          </a:p>
+        </p:txBody>
+      </p:sp>
+      <p:pic>
+        <p:nvPicPr>
+          <p:cNvPr id="3" name="グラフィックス 2" descr="卒業式用の角帽 単色塗りつぶし">
+            <a:extLst>
+              <a:ext uri="{FF2B5EF4-FFF2-40B4-BE49-F238E27FC236}">
+                <a16:creationId xmlns:a16="http://schemas.microsoft.com/office/drawing/2014/main" id="{E353BDA6-BCFF-F150-07DE-D4C208F595C7}"/>
+              </a:ext>
+            </a:extLst>
+          </p:cNvPr>
+          <p:cNvPicPr>
+            <a:picLocks noChangeAspect="1"/>
+          </p:cNvPicPr>
+          <p:nvPr/>
+        </p:nvPicPr>
+        <p:blipFill>
+          <a:blip r:embed="rId14">
+            <a:extLst>
+              <a:ext uri="{96DAC541-7B7A-43D3-8B79-37D633B846F1}">
+                <asvg:svgBlip xmlns:asvg="http://schemas.microsoft.com/office/drawing/2016/SVG/main" r:embed="rId15"/>
+              </a:ext>
+            </a:extLst>
+          </a:blip>
+          <a:srcRect/>
+          <a:stretch/>
+        </p:blipFill>
+        <p:spPr>
+          <a:xfrm>
+            <a:off x="720000" y="3986890"/>
+            <a:ext cx="360000" cy="360000"/>
+          </a:xfrm>
+          <a:prstGeom prst="rect">
+            <a:avLst/>
+          </a:prstGeom>
+        </p:spPr>
+      </p:pic>
+      <p:sp>
+        <p:nvSpPr>
+          <p:cNvPr id="5" name="正方形/長方形 4">
+            <a:extLst>
+              <a:ext uri="{FF2B5EF4-FFF2-40B4-BE49-F238E27FC236}">
+                <a16:creationId xmlns:a16="http://schemas.microsoft.com/office/drawing/2014/main" id="{7DB27BEF-9DF7-53F9-159D-0696333E4C0F}"/>
+              </a:ext>
+            </a:extLst>
+          </p:cNvPr>
+          <p:cNvSpPr/>
+          <p:nvPr/>
+        </p:nvSpPr>
+        <p:spPr>
+          <a:xfrm>
+            <a:off x="1080000" y="3989052"/>
+            <a:ext cx="5925918" cy="360000"/>
+          </a:xfrm>
+          <a:prstGeom prst="rect">
+            <a:avLst/>
+          </a:prstGeom>
+          <a:noFill/>
+          <a:ln>
+            <a:noFill/>
+          </a:ln>
+        </p:spPr>
+        <p:style>
+          <a:lnRef idx="2">
+            <a:schemeClr val="accent1">
+              <a:shade val="15000"/>
+            </a:schemeClr>
+          </a:lnRef>
+          <a:fillRef idx="1">
+            <a:schemeClr val="accent1"/>
+          </a:fillRef>
+          <a:effectRef idx="0">
+            <a:schemeClr val="accent1"/>
+          </a:effectRef>
+          <a:fontRef idx="minor">
+            <a:schemeClr val="lt1"/>
+          </a:fontRef>
+        </p:style>
+        <p:txBody>
+          <a:bodyPr rtlCol="0" anchor="ctr"/>
+          <a:lstStyle/>
+          <a:p>
+            <a:r>
+              <a:rPr kumimoji="1" lang="en-US" altLang="ja-JP" sz="1400" dirty="0">
+                <a:solidFill>
+                  <a:srgbClr val="323232"/>
+                </a:solidFill>
+                <a:latin typeface="Yu Gothic" panose="020B0400000000000000" pitchFamily="34" charset="-128"/>
+                <a:ea typeface="Yu Gothic" panose="020B0400000000000000" pitchFamily="34" charset="-128"/>
+              </a:rPr>
+              <a:t>Bachelor of Informatics</a:t>
+            </a:r>
+            <a:endParaRPr kumimoji="1" lang="ja-JP" altLang="en-US" sz="1400">
+              <a:solidFill>
+                <a:srgbClr val="323232"/>
+              </a:solidFill>
+              <a:latin typeface="Yu Gothic" panose="020B0400000000000000" pitchFamily="34" charset="-128"/>
+              <a:ea typeface="Yu Gothic" panose="020B0400000000000000" pitchFamily="34" charset="-128"/>
+            </a:endParaRPr>
+          </a:p>
+        </p:txBody>
+      </p:sp>
+    </p:spTree>
+    <p:extLst>
+      <p:ext uri="{BB962C8B-B14F-4D97-AF65-F5344CB8AC3E}">
+        <p14:creationId xmlns:p14="http://schemas.microsoft.com/office/powerpoint/2010/main" val="3556310182"/>
+      </p:ext>
+    </p:extLst>
+  </p:cSld>
+  <p:clrMapOvr>
+    <a:masterClrMapping/>
+  </p:clrMapOvr>
+</p:sld>
+</file>
+
+<file path=ppt/slides/slide7.xml><?xml version="1.0" encoding="utf-8"?>
+<p:sld xmlns:a="http://schemas.openxmlformats.org/drawingml/2006/main" xmlns:r="http://schemas.openxmlformats.org/officeDocument/2006/relationships" xmlns:p="http://schemas.openxmlformats.org/presentationml/2006/main" show="0">
+  <p:cSld>
+    <p:spTree>
+      <p:nvGrpSpPr>
+        <p:cNvPr id="1" name=""/>
+        <p:cNvGrpSpPr/>
+        <p:nvPr/>
+      </p:nvGrpSpPr>
+      <p:grpSpPr>
+        <a:xfrm>
+          <a:off x="0" y="0"/>
+          <a:ext cx="0" cy="0"/>
+          <a:chOff x="0" y="0"/>
+          <a:chExt cx="0" cy="0"/>
+        </a:xfrm>
+      </p:grpSpPr>
+      <p:sp>
+        <p:nvSpPr>
+          <p:cNvPr id="4" name="正方形/長方形 3">
+            <a:extLst>
+              <a:ext uri="{FF2B5EF4-FFF2-40B4-BE49-F238E27FC236}">
+                <a16:creationId xmlns:a16="http://schemas.microsoft.com/office/drawing/2014/main" id="{BD75CB29-FDF1-04EA-CBCC-0405FD653C22}"/>
+              </a:ext>
+            </a:extLst>
+          </p:cNvPr>
+          <p:cNvSpPr/>
+          <p:nvPr/>
+        </p:nvSpPr>
+        <p:spPr>
+          <a:xfrm>
+            <a:off x="720000" y="2519002"/>
+            <a:ext cx="5336108" cy="1440000"/>
+          </a:xfrm>
+          <a:prstGeom prst="rect">
+            <a:avLst/>
+          </a:prstGeom>
+          <a:noFill/>
+          <a:ln>
+            <a:noFill/>
+          </a:ln>
+        </p:spPr>
+        <p:style>
+          <a:lnRef idx="2">
+            <a:schemeClr val="accent1">
+              <a:shade val="15000"/>
+            </a:schemeClr>
+          </a:lnRef>
+          <a:fillRef idx="1">
+            <a:schemeClr val="accent1"/>
+          </a:fillRef>
+          <a:effectRef idx="0">
+            <a:schemeClr val="accent1"/>
+          </a:effectRef>
+          <a:fontRef idx="minor">
+            <a:schemeClr val="lt1"/>
+          </a:fontRef>
+        </p:style>
+        <p:txBody>
+          <a:bodyPr rtlCol="0" anchor="ctr"/>
+          <a:lstStyle/>
+          <a:p>
+            <a:r>
+              <a:rPr kumimoji="1" lang="ja-JP" altLang="en-US" sz="6000">
+                <a:solidFill>
+                  <a:srgbClr val="323232"/>
+                </a:solidFill>
+                <a:latin typeface="+mn-ea"/>
+              </a:rPr>
+              <a:t>市 川  雅 也</a:t>
+            </a:r>
+            <a:endParaRPr kumimoji="1" lang="en-US" altLang="ja-JP" sz="6000" dirty="0">
+              <a:solidFill>
+                <a:srgbClr val="323232"/>
+              </a:solidFill>
+              <a:latin typeface="+mn-ea"/>
+            </a:endParaRPr>
+          </a:p>
+          <a:p>
+            <a:r>
+              <a:rPr kumimoji="1" lang="en-US" altLang="ja-JP" sz="2400" dirty="0">
+                <a:solidFill>
+                  <a:srgbClr val="323232"/>
+                </a:solidFill>
+                <a:latin typeface="+mn-ea"/>
+              </a:rPr>
+              <a:t>Masanari ICHIKAWA</a:t>
+            </a:r>
+            <a:endParaRPr kumimoji="1" lang="ja-JP" altLang="en-US" sz="2400">
+              <a:solidFill>
+                <a:srgbClr val="323232"/>
+              </a:solidFill>
+              <a:latin typeface="+mn-ea"/>
+            </a:endParaRPr>
+          </a:p>
+        </p:txBody>
+      </p:sp>
+      <p:pic>
+        <p:nvPicPr>
+          <p:cNvPr id="22" name="図 21" descr="ロゴ, アイコン&#10;&#10;自動的に生成された説明">
+            <a:extLst>
+              <a:ext uri="{FF2B5EF4-FFF2-40B4-BE49-F238E27FC236}">
+                <a16:creationId xmlns:a16="http://schemas.microsoft.com/office/drawing/2014/main" id="{00E652C2-BC75-0D52-B948-5F1F7C11B34B}"/>
+              </a:ext>
+            </a:extLst>
+          </p:cNvPr>
+          <p:cNvPicPr>
+            <a:picLocks noChangeAspect="1"/>
+          </p:cNvPicPr>
+          <p:nvPr/>
+        </p:nvPicPr>
+        <p:blipFill>
+          <a:blip r:embed="rId3"/>
+          <a:stretch>
+            <a:fillRect/>
+          </a:stretch>
+        </p:blipFill>
+        <p:spPr>
+          <a:xfrm>
+            <a:off x="9356851" y="719002"/>
+            <a:ext cx="1447273" cy="1440000"/>
+          </a:xfrm>
+          <a:prstGeom prst="rect">
+            <a:avLst/>
+          </a:prstGeom>
+        </p:spPr>
+      </p:pic>
+      <p:grpSp>
+        <p:nvGrpSpPr>
+          <p:cNvPr id="33" name="グループ化 32">
+            <a:extLst>
+              <a:ext uri="{FF2B5EF4-FFF2-40B4-BE49-F238E27FC236}">
+                <a16:creationId xmlns:a16="http://schemas.microsoft.com/office/drawing/2014/main" id="{C1BC0DFF-D215-2EAC-05E9-C95DD8AEA35F}"/>
+              </a:ext>
+            </a:extLst>
+          </p:cNvPr>
+          <p:cNvGrpSpPr/>
+          <p:nvPr/>
+        </p:nvGrpSpPr>
+        <p:grpSpPr>
+          <a:xfrm>
+            <a:off x="720000" y="4689050"/>
+            <a:ext cx="6393494" cy="1442256"/>
+            <a:chOff x="632177" y="4767789"/>
+            <a:chExt cx="6393494" cy="1442256"/>
+          </a:xfrm>
+        </p:grpSpPr>
+        <p:pic>
+          <p:nvPicPr>
+            <p:cNvPr id="24" name="グラフィックス 23">
+              <a:extLst>
+                <a:ext uri="{FF2B5EF4-FFF2-40B4-BE49-F238E27FC236}">
+                  <a16:creationId xmlns:a16="http://schemas.microsoft.com/office/drawing/2014/main" id="{A9089DB6-3D8D-B8ED-75E1-A462088C8A70}"/>
+                </a:ext>
+              </a:extLst>
+            </p:cNvPr>
+            <p:cNvPicPr>
+              <a:picLocks noChangeAspect="1"/>
+            </p:cNvPicPr>
+            <p:nvPr/>
+          </p:nvPicPr>
+          <p:blipFill>
+            <a:blip r:embed="rId4">
+              <a:extLst>
+                <a:ext uri="{96DAC541-7B7A-43D3-8B79-37D633B846F1}">
+                  <asvg:svgBlip xmlns:asvg="http://schemas.microsoft.com/office/drawing/2016/SVG/main" r:embed="rId5"/>
+                </a:ext>
+              </a:extLst>
+            </a:blip>
+            <a:srcRect/>
+            <a:stretch/>
+          </p:blipFill>
+          <p:spPr>
+            <a:xfrm>
+              <a:off x="633047" y="4767789"/>
+              <a:ext cx="360000" cy="360000"/>
+            </a:xfrm>
+            <a:prstGeom prst="rect">
+              <a:avLst/>
+            </a:prstGeom>
+          </p:spPr>
+        </p:pic>
+        <p:pic>
+          <p:nvPicPr>
+            <p:cNvPr id="25" name="グラフィックス 24">
+              <a:extLst>
+                <a:ext uri="{FF2B5EF4-FFF2-40B4-BE49-F238E27FC236}">
+                  <a16:creationId xmlns:a16="http://schemas.microsoft.com/office/drawing/2014/main" id="{3249F8CD-CAD7-7F1B-E2BB-864423EC16CC}"/>
+                </a:ext>
+              </a:extLst>
+            </p:cNvPr>
+            <p:cNvPicPr>
+              <a:picLocks noChangeAspect="1"/>
+            </p:cNvPicPr>
+            <p:nvPr/>
+          </p:nvPicPr>
+          <p:blipFill>
+            <a:blip r:embed="rId6">
+              <a:extLst>
+                <a:ext uri="{96DAC541-7B7A-43D3-8B79-37D633B846F1}">
+                  <asvg:svgBlip xmlns:asvg="http://schemas.microsoft.com/office/drawing/2016/SVG/main" r:embed="rId7"/>
+                </a:ext>
+              </a:extLst>
+            </a:blip>
+            <a:srcRect/>
+            <a:stretch/>
+          </p:blipFill>
+          <p:spPr>
+            <a:xfrm>
+              <a:off x="633047" y="5469949"/>
+              <a:ext cx="360000" cy="360000"/>
+            </a:xfrm>
+            <a:prstGeom prst="rect">
+              <a:avLst/>
+            </a:prstGeom>
+          </p:spPr>
+        </p:pic>
+        <p:pic>
+          <p:nvPicPr>
+            <p:cNvPr id="26" name="グラフィックス 25">
+              <a:extLst>
+                <a:ext uri="{FF2B5EF4-FFF2-40B4-BE49-F238E27FC236}">
+                  <a16:creationId xmlns:a16="http://schemas.microsoft.com/office/drawing/2014/main" id="{5F418B13-FFA6-807C-4553-BC4209BA1D78}"/>
+                </a:ext>
+              </a:extLst>
+            </p:cNvPr>
+            <p:cNvPicPr>
+              <a:picLocks noChangeAspect="1"/>
+            </p:cNvPicPr>
+            <p:nvPr/>
+          </p:nvPicPr>
+          <p:blipFill>
+            <a:blip r:embed="rId8">
+              <a:extLst>
+                <a:ext uri="{96DAC541-7B7A-43D3-8B79-37D633B846F1}">
+                  <asvg:svgBlip xmlns:asvg="http://schemas.microsoft.com/office/drawing/2016/SVG/main" r:embed="rId9"/>
+                </a:ext>
+              </a:extLst>
+            </a:blip>
+            <a:srcRect/>
+            <a:stretch/>
+          </p:blipFill>
+          <p:spPr>
+            <a:xfrm>
+              <a:off x="632177" y="5850045"/>
+              <a:ext cx="360000" cy="360000"/>
+            </a:xfrm>
+            <a:prstGeom prst="rect">
+              <a:avLst/>
+            </a:prstGeom>
+          </p:spPr>
+        </p:pic>
+        <p:pic>
+          <p:nvPicPr>
+            <p:cNvPr id="27" name="グラフィックス 26">
+              <a:extLst>
+                <a:ext uri="{FF2B5EF4-FFF2-40B4-BE49-F238E27FC236}">
+                  <a16:creationId xmlns:a16="http://schemas.microsoft.com/office/drawing/2014/main" id="{8EA172B0-8971-E567-5B5E-57E1088DCD63}"/>
+                </a:ext>
+              </a:extLst>
+            </p:cNvPr>
+            <p:cNvPicPr>
+              <a:picLocks noChangeAspect="1"/>
+            </p:cNvPicPr>
+            <p:nvPr/>
+          </p:nvPicPr>
+          <p:blipFill>
+            <a:blip r:embed="rId10">
+              <a:extLst>
+                <a:ext uri="{96DAC541-7B7A-43D3-8B79-37D633B846F1}">
+                  <asvg:svgBlip xmlns:asvg="http://schemas.microsoft.com/office/drawing/2016/SVG/main" r:embed="rId11"/>
+                </a:ext>
+              </a:extLst>
+            </a:blip>
+            <a:srcRect/>
+            <a:stretch/>
+          </p:blipFill>
+          <p:spPr>
+            <a:xfrm>
+              <a:off x="633047" y="5147884"/>
+              <a:ext cx="360000" cy="360000"/>
+            </a:xfrm>
+            <a:prstGeom prst="rect">
+              <a:avLst/>
+            </a:prstGeom>
+          </p:spPr>
+        </p:pic>
+        <p:sp>
+          <p:nvSpPr>
+            <p:cNvPr id="29" name="正方形/長方形 28">
+              <a:extLst>
+                <a:ext uri="{FF2B5EF4-FFF2-40B4-BE49-F238E27FC236}">
+                  <a16:creationId xmlns:a16="http://schemas.microsoft.com/office/drawing/2014/main" id="{8DC38EF7-5548-F959-64B1-E3BC4BA54357}"/>
+                </a:ext>
+              </a:extLst>
+            </p:cNvPr>
+            <p:cNvSpPr/>
+            <p:nvPr/>
+          </p:nvSpPr>
+          <p:spPr>
+            <a:xfrm>
+              <a:off x="992177" y="4767789"/>
+              <a:ext cx="5939365" cy="360000"/>
+            </a:xfrm>
+            <a:prstGeom prst="rect">
+              <a:avLst/>
+            </a:prstGeom>
+            <a:noFill/>
+            <a:ln>
+              <a:noFill/>
+            </a:ln>
+          </p:spPr>
+          <p:style>
+            <a:lnRef idx="2">
+              <a:schemeClr val="accent1">
+                <a:shade val="15000"/>
+              </a:schemeClr>
+            </a:lnRef>
+            <a:fillRef idx="1">
+              <a:schemeClr val="accent1"/>
+            </a:fillRef>
+            <a:effectRef idx="0">
+              <a:schemeClr val="accent1"/>
+            </a:effectRef>
+            <a:fontRef idx="minor">
+              <a:schemeClr val="lt1"/>
+            </a:fontRef>
+          </p:style>
+          <p:txBody>
+            <a:bodyPr rtlCol="0" anchor="ctr"/>
+            <a:lstStyle/>
+            <a:p>
+              <a:r>
+                <a:rPr kumimoji="1" lang="ja-JP" altLang="en-US" sz="1400">
+                  <a:solidFill>
+                    <a:srgbClr val="323232"/>
+                  </a:solidFill>
+                  <a:latin typeface="Yu Gothic" panose="020B0400000000000000" pitchFamily="34" charset="-128"/>
+                  <a:ea typeface="Yu Gothic" panose="020B0400000000000000" pitchFamily="34" charset="-128"/>
+                </a:rPr>
+                <a:t>静岡大学大学院</a:t>
+              </a:r>
+              <a:r>
+                <a:rPr kumimoji="1" lang="en-US" altLang="ja-JP" sz="1400" dirty="0">
+                  <a:solidFill>
+                    <a:srgbClr val="323232"/>
+                  </a:solidFill>
+                  <a:latin typeface="Yu Gothic" panose="020B0400000000000000" pitchFamily="34" charset="-128"/>
+                  <a:ea typeface="Yu Gothic" panose="020B0400000000000000" pitchFamily="34" charset="-128"/>
+                </a:rPr>
+                <a:t> </a:t>
+              </a:r>
+              <a:r>
+                <a:rPr kumimoji="1" lang="ja-JP" altLang="en-US" sz="1400">
+                  <a:solidFill>
+                    <a:srgbClr val="323232"/>
+                  </a:solidFill>
+                  <a:latin typeface="Yu Gothic" panose="020B0400000000000000" pitchFamily="34" charset="-128"/>
+                  <a:ea typeface="Yu Gothic" panose="020B0400000000000000" pitchFamily="34" charset="-128"/>
+                </a:rPr>
+                <a:t>自然科学系教育部 </a:t>
+              </a:r>
+              <a:r>
+                <a:rPr kumimoji="1" lang="en-US" altLang="ja-JP" sz="1400" dirty="0">
+                  <a:solidFill>
+                    <a:srgbClr val="323232"/>
+                  </a:solidFill>
+                  <a:latin typeface="Yu Gothic" panose="020B0400000000000000" pitchFamily="34" charset="-128"/>
+                  <a:ea typeface="Yu Gothic" panose="020B0400000000000000" pitchFamily="34" charset="-128"/>
+                </a:rPr>
+                <a:t>/ </a:t>
+              </a:r>
+              <a:r>
+                <a:rPr kumimoji="1" lang="ja-JP" altLang="en-US" sz="1400">
+                  <a:solidFill>
+                    <a:srgbClr val="323232"/>
+                  </a:solidFill>
+                  <a:latin typeface="Yu Gothic" panose="020B0400000000000000" pitchFamily="34" charset="-128"/>
+                  <a:ea typeface="Yu Gothic" panose="020B0400000000000000" pitchFamily="34" charset="-128"/>
+                </a:rPr>
+                <a:t>認知的コミュニケーション研究室</a:t>
+              </a:r>
+            </a:p>
+          </p:txBody>
+        </p:sp>
+        <p:sp>
+          <p:nvSpPr>
+            <p:cNvPr id="30" name="正方形/長方形 29">
+              <a:extLst>
+                <a:ext uri="{FF2B5EF4-FFF2-40B4-BE49-F238E27FC236}">
+                  <a16:creationId xmlns:a16="http://schemas.microsoft.com/office/drawing/2014/main" id="{4ADBFF52-46C6-336B-AC3E-0478F7A04414}"/>
+                </a:ext>
+              </a:extLst>
+            </p:cNvPr>
+            <p:cNvSpPr/>
+            <p:nvPr/>
+          </p:nvSpPr>
+          <p:spPr>
+            <a:xfrm>
+              <a:off x="992177" y="5147884"/>
+              <a:ext cx="6033494" cy="360000"/>
+            </a:xfrm>
+            <a:prstGeom prst="rect">
+              <a:avLst/>
+            </a:prstGeom>
+            <a:noFill/>
+            <a:ln>
+              <a:noFill/>
+            </a:ln>
+          </p:spPr>
+          <p:style>
+            <a:lnRef idx="2">
+              <a:schemeClr val="accent1">
+                <a:shade val="15000"/>
+              </a:schemeClr>
+            </a:lnRef>
+            <a:fillRef idx="1">
+              <a:schemeClr val="accent1"/>
+            </a:fillRef>
+            <a:effectRef idx="0">
+              <a:schemeClr val="accent1"/>
+            </a:effectRef>
+            <a:fontRef idx="minor">
+              <a:schemeClr val="lt1"/>
+            </a:fontRef>
+          </p:style>
+          <p:txBody>
+            <a:bodyPr rtlCol="0" anchor="ctr"/>
+            <a:lstStyle/>
+            <a:p>
+              <a:r>
+                <a:rPr kumimoji="1" lang="ja-JP" altLang="en-US" sz="1400">
+                  <a:solidFill>
+                    <a:srgbClr val="323232"/>
+                  </a:solidFill>
+                  <a:latin typeface="Yu Gothic" panose="020B0400000000000000" pitchFamily="34" charset="-128"/>
+                  <a:ea typeface="Yu Gothic" panose="020B0400000000000000" pitchFamily="34" charset="-128"/>
+                </a:rPr>
+                <a:t>〒</a:t>
+              </a:r>
+              <a:r>
+                <a:rPr kumimoji="1" lang="en-US" altLang="ja-JP" sz="1400" dirty="0">
+                  <a:solidFill>
+                    <a:srgbClr val="323232"/>
+                  </a:solidFill>
+                  <a:latin typeface="Yu Gothic" panose="020B0400000000000000" pitchFamily="34" charset="-128"/>
+                  <a:ea typeface="Yu Gothic" panose="020B0400000000000000" pitchFamily="34" charset="-128"/>
+                </a:rPr>
+                <a:t>432-8011 </a:t>
+              </a:r>
+              <a:r>
+                <a:rPr kumimoji="1" lang="ja-JP" altLang="en-US" sz="1400">
+                  <a:solidFill>
+                    <a:srgbClr val="323232"/>
+                  </a:solidFill>
+                  <a:latin typeface="Yu Gothic" panose="020B0400000000000000" pitchFamily="34" charset="-128"/>
+                  <a:ea typeface="Yu Gothic" panose="020B0400000000000000" pitchFamily="34" charset="-128"/>
+                </a:rPr>
+                <a:t>静岡県浜松市中央区城北</a:t>
+              </a:r>
+              <a:r>
+                <a:rPr kumimoji="1" lang="en-US" altLang="ja-JP" sz="1400" dirty="0">
+                  <a:solidFill>
+                    <a:srgbClr val="323232"/>
+                  </a:solidFill>
+                  <a:latin typeface="Yu Gothic" panose="020B0400000000000000" pitchFamily="34" charset="-128"/>
+                  <a:ea typeface="Yu Gothic" panose="020B0400000000000000" pitchFamily="34" charset="-128"/>
+                </a:rPr>
+                <a:t>3-5-1 </a:t>
+              </a:r>
+              <a:r>
+                <a:rPr kumimoji="1" lang="ja-JP" altLang="en-US" sz="1400">
+                  <a:solidFill>
+                    <a:srgbClr val="323232"/>
+                  </a:solidFill>
+                  <a:latin typeface="Yu Gothic" panose="020B0400000000000000" pitchFamily="34" charset="-128"/>
+                  <a:ea typeface="Yu Gothic" panose="020B0400000000000000" pitchFamily="34" charset="-128"/>
+                </a:rPr>
+                <a:t>静岡大学浜松キャンパス</a:t>
+              </a:r>
+            </a:p>
+          </p:txBody>
+        </p:sp>
+        <p:sp>
+          <p:nvSpPr>
+            <p:cNvPr id="31" name="正方形/長方形 30">
+              <a:extLst>
+                <a:ext uri="{FF2B5EF4-FFF2-40B4-BE49-F238E27FC236}">
+                  <a16:creationId xmlns:a16="http://schemas.microsoft.com/office/drawing/2014/main" id="{64134785-DC12-EF74-25B7-1582113EA464}"/>
+                </a:ext>
+              </a:extLst>
+            </p:cNvPr>
+            <p:cNvSpPr/>
+            <p:nvPr/>
+          </p:nvSpPr>
+          <p:spPr>
+            <a:xfrm>
+              <a:off x="993047" y="5469949"/>
+              <a:ext cx="4677925" cy="360000"/>
+            </a:xfrm>
+            <a:prstGeom prst="rect">
+              <a:avLst/>
+            </a:prstGeom>
+            <a:noFill/>
+            <a:ln>
+              <a:noFill/>
+            </a:ln>
+          </p:spPr>
+          <p:style>
+            <a:lnRef idx="2">
+              <a:schemeClr val="accent1">
+                <a:shade val="15000"/>
+              </a:schemeClr>
+            </a:lnRef>
+            <a:fillRef idx="1">
+              <a:schemeClr val="accent1"/>
+            </a:fillRef>
+            <a:effectRef idx="0">
+              <a:schemeClr val="accent1"/>
+            </a:effectRef>
+            <a:fontRef idx="minor">
+              <a:schemeClr val="lt1"/>
+            </a:fontRef>
+          </p:style>
+          <p:txBody>
+            <a:bodyPr rtlCol="0" anchor="ctr"/>
+            <a:lstStyle/>
+            <a:p>
+              <a:r>
+                <a:rPr kumimoji="1" lang="en-US" altLang="ja-JP" sz="1400" dirty="0">
+                  <a:solidFill>
+                    <a:srgbClr val="323232"/>
+                  </a:solidFill>
+                  <a:latin typeface="Yu Gothic" panose="020B0400000000000000" pitchFamily="34" charset="-128"/>
+                  <a:ea typeface="Yu Gothic" panose="020B0400000000000000" pitchFamily="34" charset="-128"/>
+                </a:rPr>
+                <a:t>ichikawa.masanari.18@shizuoka.ac.jp</a:t>
+              </a:r>
+              <a:endParaRPr kumimoji="1" lang="ja-JP" altLang="en-US" sz="1400">
+                <a:solidFill>
+                  <a:srgbClr val="323232"/>
+                </a:solidFill>
+                <a:latin typeface="Yu Gothic" panose="020B0400000000000000" pitchFamily="34" charset="-128"/>
+                <a:ea typeface="Yu Gothic" panose="020B0400000000000000" pitchFamily="34" charset="-128"/>
+              </a:endParaRPr>
+            </a:p>
+          </p:txBody>
+        </p:sp>
+        <p:sp>
+          <p:nvSpPr>
+            <p:cNvPr id="32" name="正方形/長方形 31">
+              <a:extLst>
+                <a:ext uri="{FF2B5EF4-FFF2-40B4-BE49-F238E27FC236}">
+                  <a16:creationId xmlns:a16="http://schemas.microsoft.com/office/drawing/2014/main" id="{EA986BD9-00F0-F245-F8E0-1E472116D0EB}"/>
+                </a:ext>
+              </a:extLst>
+            </p:cNvPr>
+            <p:cNvSpPr/>
+            <p:nvPr/>
+          </p:nvSpPr>
+          <p:spPr>
+            <a:xfrm>
+              <a:off x="992177" y="5850045"/>
+              <a:ext cx="5418671" cy="360000"/>
+            </a:xfrm>
+            <a:prstGeom prst="rect">
+              <a:avLst/>
+            </a:prstGeom>
+            <a:noFill/>
+            <a:ln>
+              <a:noFill/>
+            </a:ln>
+          </p:spPr>
+          <p:style>
+            <a:lnRef idx="2">
+              <a:schemeClr val="accent1">
+                <a:shade val="15000"/>
+              </a:schemeClr>
+            </a:lnRef>
+            <a:fillRef idx="1">
+              <a:schemeClr val="accent1"/>
+            </a:fillRef>
+            <a:effectRef idx="0">
+              <a:schemeClr val="accent1"/>
+            </a:effectRef>
+            <a:fontRef idx="minor">
+              <a:schemeClr val="lt1"/>
+            </a:fontRef>
+          </p:style>
+          <p:txBody>
+            <a:bodyPr rtlCol="0" anchor="ctr"/>
+            <a:lstStyle/>
+            <a:p>
+              <a:r>
+                <a:rPr kumimoji="1" lang="en-US" altLang="ja-JP" sz="1400" dirty="0" err="1">
+                  <a:solidFill>
+                    <a:srgbClr val="323232"/>
+                  </a:solidFill>
+                  <a:latin typeface="Yu Gothic" panose="020B0400000000000000" pitchFamily="34" charset="-128"/>
+                  <a:ea typeface="Yu Gothic" panose="020B0400000000000000" pitchFamily="34" charset="-128"/>
+                </a:rPr>
+                <a:t>masanarius.github.io</a:t>
+              </a:r>
+              <a:endParaRPr kumimoji="1" lang="ja-JP" altLang="en-US" sz="1400">
+                <a:solidFill>
+                  <a:srgbClr val="323232"/>
+                </a:solidFill>
+                <a:latin typeface="Yu Gothic" panose="020B0400000000000000" pitchFamily="34" charset="-128"/>
+                <a:ea typeface="Yu Gothic" panose="020B0400000000000000" pitchFamily="34" charset="-128"/>
+              </a:endParaRPr>
+            </a:p>
+          </p:txBody>
+        </p:sp>
+      </p:grpSp>
+      <p:pic>
+        <p:nvPicPr>
+          <p:cNvPr id="2" name="グラフィックス 1" descr="卒業式用の角帽 単色塗りつぶし">
+            <a:extLst>
+              <a:ext uri="{FF2B5EF4-FFF2-40B4-BE49-F238E27FC236}">
+                <a16:creationId xmlns:a16="http://schemas.microsoft.com/office/drawing/2014/main" id="{66734357-BB5A-B82A-2312-E5BE310F13AD}"/>
+              </a:ext>
+            </a:extLst>
+          </p:cNvPr>
+          <p:cNvPicPr>
+            <a:picLocks noChangeAspect="1"/>
+          </p:cNvPicPr>
+          <p:nvPr/>
+        </p:nvPicPr>
+        <p:blipFill>
+          <a:blip r:embed="rId12">
+            <a:extLst>
+              <a:ext uri="{96DAC541-7B7A-43D3-8B79-37D633B846F1}">
+                <asvg:svgBlip xmlns:asvg="http://schemas.microsoft.com/office/drawing/2016/SVG/main" r:embed="rId13"/>
+              </a:ext>
+            </a:extLst>
+          </a:blip>
+          <a:srcRect/>
+          <a:stretch/>
+        </p:blipFill>
+        <p:spPr>
+          <a:xfrm>
+            <a:off x="720870" y="4308954"/>
+            <a:ext cx="360000" cy="360000"/>
+          </a:xfrm>
+          <a:prstGeom prst="rect">
+            <a:avLst/>
+          </a:prstGeom>
+        </p:spPr>
+      </p:pic>
+      <p:sp>
+        <p:nvSpPr>
+          <p:cNvPr id="3" name="正方形/長方形 2">
+            <a:extLst>
+              <a:ext uri="{FF2B5EF4-FFF2-40B4-BE49-F238E27FC236}">
+                <a16:creationId xmlns:a16="http://schemas.microsoft.com/office/drawing/2014/main" id="{7F9DA877-FB0B-1B34-0FC5-9AC910A4F604}"/>
+              </a:ext>
+            </a:extLst>
+          </p:cNvPr>
+          <p:cNvSpPr/>
+          <p:nvPr/>
+        </p:nvSpPr>
+        <p:spPr>
+          <a:xfrm>
+            <a:off x="1080000" y="4308954"/>
+            <a:ext cx="5925918" cy="360000"/>
+          </a:xfrm>
+          <a:prstGeom prst="rect">
+            <a:avLst/>
+          </a:prstGeom>
+          <a:noFill/>
+          <a:ln>
+            <a:noFill/>
+          </a:ln>
+        </p:spPr>
+        <p:style>
+          <a:lnRef idx="2">
+            <a:schemeClr val="accent1">
+              <a:shade val="15000"/>
+            </a:schemeClr>
+          </a:lnRef>
+          <a:fillRef idx="1">
+            <a:schemeClr val="accent1"/>
+          </a:fillRef>
+          <a:effectRef idx="0">
+            <a:schemeClr val="accent1"/>
+          </a:effectRef>
+          <a:fontRef idx="minor">
+            <a:schemeClr val="lt1"/>
+          </a:fontRef>
+        </p:style>
+        <p:txBody>
+          <a:bodyPr rtlCol="0" anchor="ctr"/>
+          <a:lstStyle/>
+          <a:p>
+            <a:r>
+              <a:rPr kumimoji="1" lang="ja-JP" altLang="en-US" sz="1400">
+                <a:solidFill>
+                  <a:srgbClr val="323232"/>
+                </a:solidFill>
+                <a:latin typeface="Yu Gothic" panose="020B0400000000000000" pitchFamily="34" charset="-128"/>
+                <a:ea typeface="Yu Gothic" panose="020B0400000000000000" pitchFamily="34" charset="-128"/>
+              </a:rPr>
+              <a:t>修士（情報学）</a:t>
+            </a:r>
+          </a:p>
+        </p:txBody>
+      </p:sp>
+    </p:spTree>
+    <p:extLst>
+      <p:ext uri="{BB962C8B-B14F-4D97-AF65-F5344CB8AC3E}">
+        <p14:creationId xmlns:p14="http://schemas.microsoft.com/office/powerpoint/2010/main" val="2489898058"/>
+      </p:ext>
+    </p:extLst>
+  </p:cSld>
+  <p:clrMapOvr>
+    <a:masterClrMapping/>
+  </p:clrMapOvr>
+</p:sld>
+</file>
+
+<file path=ppt/slides/slide8.xml><?xml version="1.0" encoding="utf-8"?>
+<p:sld xmlns:a="http://schemas.openxmlformats.org/drawingml/2006/main" xmlns:r="http://schemas.openxmlformats.org/officeDocument/2006/relationships" xmlns:p="http://schemas.openxmlformats.org/presentationml/2006/main" show="0">
+  <p:cSld>
+    <p:spTree>
+      <p:nvGrpSpPr>
+        <p:cNvPr id="1" name=""/>
+        <p:cNvGrpSpPr/>
+        <p:nvPr/>
+      </p:nvGrpSpPr>
+      <p:grpSpPr>
+        <a:xfrm>
+          <a:off x="0" y="0"/>
+          <a:ext cx="0" cy="0"/>
+          <a:chOff x="0" y="0"/>
+          <a:chExt cx="0" cy="0"/>
+        </a:xfrm>
+      </p:grpSpPr>
+      <p:sp>
+        <p:nvSpPr>
+          <p:cNvPr id="4" name="正方形/長方形 3">
+            <a:extLst>
+              <a:ext uri="{FF2B5EF4-FFF2-40B4-BE49-F238E27FC236}">
+                <a16:creationId xmlns:a16="http://schemas.microsoft.com/office/drawing/2014/main" id="{BD75CB29-FDF1-04EA-CBCC-0405FD653C22}"/>
+              </a:ext>
+            </a:extLst>
+          </p:cNvPr>
+          <p:cNvSpPr/>
+          <p:nvPr/>
+        </p:nvSpPr>
+        <p:spPr>
+          <a:xfrm>
+            <a:off x="720000" y="2519002"/>
+            <a:ext cx="5336108" cy="1440000"/>
+          </a:xfrm>
+          <a:prstGeom prst="rect">
+            <a:avLst/>
+          </a:prstGeom>
+          <a:noFill/>
+          <a:ln>
+            <a:noFill/>
+          </a:ln>
+        </p:spPr>
+        <p:style>
+          <a:lnRef idx="2">
+            <a:schemeClr val="accent1">
+              <a:shade val="15000"/>
+            </a:schemeClr>
+          </a:lnRef>
+          <a:fillRef idx="1">
+            <a:schemeClr val="accent1"/>
+          </a:fillRef>
+          <a:effectRef idx="0">
+            <a:schemeClr val="accent1"/>
+          </a:effectRef>
+          <a:fontRef idx="minor">
+            <a:schemeClr val="lt1"/>
+          </a:fontRef>
+        </p:style>
+        <p:txBody>
+          <a:bodyPr rtlCol="0" anchor="ctr"/>
+          <a:lstStyle/>
+          <a:p>
+            <a:r>
+              <a:rPr kumimoji="1" lang="ja-JP" altLang="en-US" sz="6000">
+                <a:solidFill>
+                  <a:srgbClr val="323232"/>
+                </a:solidFill>
+                <a:latin typeface="+mn-ea"/>
+              </a:rPr>
+              <a:t>市 川  雅 也</a:t>
+            </a:r>
+            <a:endParaRPr kumimoji="1" lang="en-US" altLang="ja-JP" sz="6000" dirty="0">
+              <a:solidFill>
+                <a:srgbClr val="323232"/>
+              </a:solidFill>
+              <a:latin typeface="+mn-ea"/>
+            </a:endParaRPr>
+          </a:p>
+          <a:p>
+            <a:r>
+              <a:rPr kumimoji="1" lang="en-US" altLang="ja-JP" sz="2400" dirty="0">
+                <a:solidFill>
+                  <a:srgbClr val="323232"/>
+                </a:solidFill>
+                <a:latin typeface="+mn-ea"/>
+              </a:rPr>
+              <a:t>Masanari ICHIKAWA</a:t>
+            </a:r>
+            <a:endParaRPr kumimoji="1" lang="ja-JP" altLang="en-US" sz="2400">
+              <a:solidFill>
+                <a:srgbClr val="323232"/>
+              </a:solidFill>
+              <a:latin typeface="+mn-ea"/>
+            </a:endParaRPr>
+          </a:p>
+        </p:txBody>
+      </p:sp>
+      <p:pic>
+        <p:nvPicPr>
+          <p:cNvPr id="22" name="図 21" descr="ロゴ, アイコン&#10;&#10;自動的に生成された説明">
+            <a:extLst>
+              <a:ext uri="{FF2B5EF4-FFF2-40B4-BE49-F238E27FC236}">
+                <a16:creationId xmlns:a16="http://schemas.microsoft.com/office/drawing/2014/main" id="{00E652C2-BC75-0D52-B948-5F1F7C11B34B}"/>
+              </a:ext>
+            </a:extLst>
+          </p:cNvPr>
+          <p:cNvPicPr>
+            <a:picLocks noChangeAspect="1"/>
+          </p:cNvPicPr>
+          <p:nvPr/>
+        </p:nvPicPr>
+        <p:blipFill>
+          <a:blip r:embed="rId3"/>
+          <a:stretch>
+            <a:fillRect/>
+          </a:stretch>
+        </p:blipFill>
+        <p:spPr>
+          <a:xfrm>
+            <a:off x="9356851" y="719002"/>
+            <a:ext cx="1447273" cy="1440000"/>
+          </a:xfrm>
+          <a:prstGeom prst="rect">
+            <a:avLst/>
+          </a:prstGeom>
+        </p:spPr>
+      </p:pic>
+      <p:grpSp>
+        <p:nvGrpSpPr>
+          <p:cNvPr id="33" name="グループ化 32">
+            <a:extLst>
+              <a:ext uri="{FF2B5EF4-FFF2-40B4-BE49-F238E27FC236}">
+                <a16:creationId xmlns:a16="http://schemas.microsoft.com/office/drawing/2014/main" id="{C1BC0DFF-D215-2EAC-05E9-C95DD8AEA35F}"/>
+              </a:ext>
+            </a:extLst>
+          </p:cNvPr>
+          <p:cNvGrpSpPr/>
+          <p:nvPr/>
+        </p:nvGrpSpPr>
+        <p:grpSpPr>
+          <a:xfrm>
+            <a:off x="720000" y="4689050"/>
+            <a:ext cx="6299365" cy="1442256"/>
+            <a:chOff x="632177" y="4767789"/>
+            <a:chExt cx="6299365" cy="1442256"/>
+          </a:xfrm>
+        </p:grpSpPr>
+        <p:pic>
+          <p:nvPicPr>
+            <p:cNvPr id="24" name="グラフィックス 23">
+              <a:extLst>
+                <a:ext uri="{FF2B5EF4-FFF2-40B4-BE49-F238E27FC236}">
+                  <a16:creationId xmlns:a16="http://schemas.microsoft.com/office/drawing/2014/main" id="{A9089DB6-3D8D-B8ED-75E1-A462088C8A70}"/>
+                </a:ext>
+              </a:extLst>
+            </p:cNvPr>
+            <p:cNvPicPr>
+              <a:picLocks noChangeAspect="1"/>
+            </p:cNvPicPr>
+            <p:nvPr/>
+          </p:nvPicPr>
+          <p:blipFill>
+            <a:blip r:embed="rId4">
+              <a:extLst>
+                <a:ext uri="{96DAC541-7B7A-43D3-8B79-37D633B846F1}">
+                  <asvg:svgBlip xmlns:asvg="http://schemas.microsoft.com/office/drawing/2016/SVG/main" r:embed="rId5"/>
+                </a:ext>
+              </a:extLst>
+            </a:blip>
+            <a:srcRect/>
+            <a:stretch/>
+          </p:blipFill>
+          <p:spPr>
+            <a:xfrm>
+              <a:off x="633047" y="4767789"/>
+              <a:ext cx="360000" cy="360000"/>
+            </a:xfrm>
+            <a:prstGeom prst="rect">
+              <a:avLst/>
+            </a:prstGeom>
+          </p:spPr>
+        </p:pic>
+        <p:pic>
+          <p:nvPicPr>
+            <p:cNvPr id="25" name="グラフィックス 24">
+              <a:extLst>
+                <a:ext uri="{FF2B5EF4-FFF2-40B4-BE49-F238E27FC236}">
+                  <a16:creationId xmlns:a16="http://schemas.microsoft.com/office/drawing/2014/main" id="{3249F8CD-CAD7-7F1B-E2BB-864423EC16CC}"/>
+                </a:ext>
+              </a:extLst>
+            </p:cNvPr>
+            <p:cNvPicPr>
+              <a:picLocks noChangeAspect="1"/>
+            </p:cNvPicPr>
+            <p:nvPr/>
+          </p:nvPicPr>
+          <p:blipFill>
+            <a:blip r:embed="rId6">
+              <a:extLst>
+                <a:ext uri="{96DAC541-7B7A-43D3-8B79-37D633B846F1}">
+                  <asvg:svgBlip xmlns:asvg="http://schemas.microsoft.com/office/drawing/2016/SVG/main" r:embed="rId7"/>
+                </a:ext>
+              </a:extLst>
+            </a:blip>
+            <a:srcRect/>
+            <a:stretch/>
+          </p:blipFill>
+          <p:spPr>
+            <a:xfrm>
+              <a:off x="633047" y="5469949"/>
+              <a:ext cx="360000" cy="360000"/>
+            </a:xfrm>
+            <a:prstGeom prst="rect">
+              <a:avLst/>
+            </a:prstGeom>
+          </p:spPr>
+        </p:pic>
+        <p:pic>
+          <p:nvPicPr>
+            <p:cNvPr id="26" name="グラフィックス 25">
+              <a:extLst>
+                <a:ext uri="{FF2B5EF4-FFF2-40B4-BE49-F238E27FC236}">
+                  <a16:creationId xmlns:a16="http://schemas.microsoft.com/office/drawing/2014/main" id="{5F418B13-FFA6-807C-4553-BC4209BA1D78}"/>
+                </a:ext>
+              </a:extLst>
+            </p:cNvPr>
+            <p:cNvPicPr>
+              <a:picLocks noChangeAspect="1"/>
+            </p:cNvPicPr>
+            <p:nvPr/>
+          </p:nvPicPr>
+          <p:blipFill>
+            <a:blip r:embed="rId8">
+              <a:extLst>
+                <a:ext uri="{96DAC541-7B7A-43D3-8B79-37D633B846F1}">
+                  <asvg:svgBlip xmlns:asvg="http://schemas.microsoft.com/office/drawing/2016/SVG/main" r:embed="rId9"/>
+                </a:ext>
+              </a:extLst>
+            </a:blip>
+            <a:srcRect/>
+            <a:stretch/>
+          </p:blipFill>
+          <p:spPr>
+            <a:xfrm>
+              <a:off x="632177" y="5850045"/>
+              <a:ext cx="360000" cy="360000"/>
+            </a:xfrm>
+            <a:prstGeom prst="rect">
+              <a:avLst/>
+            </a:prstGeom>
+          </p:spPr>
+        </p:pic>
+        <p:pic>
+          <p:nvPicPr>
+            <p:cNvPr id="27" name="グラフィックス 26">
+              <a:extLst>
+                <a:ext uri="{FF2B5EF4-FFF2-40B4-BE49-F238E27FC236}">
+                  <a16:creationId xmlns:a16="http://schemas.microsoft.com/office/drawing/2014/main" id="{8EA172B0-8971-E567-5B5E-57E1088DCD63}"/>
+                </a:ext>
+              </a:extLst>
+            </p:cNvPr>
+            <p:cNvPicPr>
+              <a:picLocks noChangeAspect="1"/>
+            </p:cNvPicPr>
+            <p:nvPr/>
+          </p:nvPicPr>
+          <p:blipFill>
+            <a:blip r:embed="rId10">
+              <a:extLst>
+                <a:ext uri="{96DAC541-7B7A-43D3-8B79-37D633B846F1}">
+                  <asvg:svgBlip xmlns:asvg="http://schemas.microsoft.com/office/drawing/2016/SVG/main" r:embed="rId11"/>
+                </a:ext>
+              </a:extLst>
+            </a:blip>
+            <a:srcRect/>
+            <a:stretch/>
+          </p:blipFill>
+          <p:spPr>
+            <a:xfrm>
+              <a:off x="633047" y="5147884"/>
+              <a:ext cx="360000" cy="360000"/>
+            </a:xfrm>
+            <a:prstGeom prst="rect">
+              <a:avLst/>
+            </a:prstGeom>
+          </p:spPr>
+        </p:pic>
+        <p:sp>
+          <p:nvSpPr>
+            <p:cNvPr id="29" name="正方形/長方形 28">
+              <a:extLst>
+                <a:ext uri="{FF2B5EF4-FFF2-40B4-BE49-F238E27FC236}">
+                  <a16:creationId xmlns:a16="http://schemas.microsoft.com/office/drawing/2014/main" id="{8DC38EF7-5548-F959-64B1-E3BC4BA54357}"/>
+                </a:ext>
+              </a:extLst>
+            </p:cNvPr>
+            <p:cNvSpPr/>
+            <p:nvPr/>
+          </p:nvSpPr>
+          <p:spPr>
+            <a:xfrm>
+              <a:off x="992177" y="4767789"/>
+              <a:ext cx="5939365" cy="360000"/>
+            </a:xfrm>
+            <a:prstGeom prst="rect">
+              <a:avLst/>
+            </a:prstGeom>
+            <a:noFill/>
+            <a:ln>
+              <a:noFill/>
+            </a:ln>
+          </p:spPr>
+          <p:style>
+            <a:lnRef idx="2">
+              <a:schemeClr val="accent1">
+                <a:shade val="15000"/>
+              </a:schemeClr>
+            </a:lnRef>
+            <a:fillRef idx="1">
+              <a:schemeClr val="accent1"/>
+            </a:fillRef>
+            <a:effectRef idx="0">
+              <a:schemeClr val="accent1"/>
+            </a:effectRef>
+            <a:fontRef idx="minor">
+              <a:schemeClr val="lt1"/>
+            </a:fontRef>
+          </p:style>
+          <p:txBody>
+            <a:bodyPr rtlCol="0" anchor="ctr"/>
+            <a:lstStyle/>
+            <a:p>
+              <a:r>
+                <a:rPr kumimoji="1" lang="ja-JP" altLang="en-US" sz="1400">
+                  <a:solidFill>
+                    <a:srgbClr val="323232"/>
+                  </a:solidFill>
+                  <a:latin typeface="Yu Gothic" panose="020B0400000000000000" pitchFamily="34" charset="-128"/>
+                  <a:ea typeface="Yu Gothic" panose="020B0400000000000000" pitchFamily="34" charset="-128"/>
+                </a:rPr>
+                <a:t>静岡大学大学院</a:t>
+              </a:r>
+              <a:r>
+                <a:rPr kumimoji="1" lang="en-US" altLang="ja-JP" sz="1400" dirty="0">
+                  <a:solidFill>
+                    <a:srgbClr val="323232"/>
+                  </a:solidFill>
+                  <a:latin typeface="Yu Gothic" panose="020B0400000000000000" pitchFamily="34" charset="-128"/>
+                  <a:ea typeface="Yu Gothic" panose="020B0400000000000000" pitchFamily="34" charset="-128"/>
+                </a:rPr>
+                <a:t> </a:t>
+              </a:r>
+              <a:r>
+                <a:rPr kumimoji="1" lang="ja-JP" altLang="en-US" sz="1400">
+                  <a:solidFill>
+                    <a:srgbClr val="323232"/>
+                  </a:solidFill>
+                  <a:latin typeface="Yu Gothic" panose="020B0400000000000000" pitchFamily="34" charset="-128"/>
+                  <a:ea typeface="Yu Gothic" panose="020B0400000000000000" pitchFamily="34" charset="-128"/>
+                </a:rPr>
+                <a:t>自然科学系教育部 </a:t>
+              </a:r>
+              <a:r>
+                <a:rPr kumimoji="1" lang="en-US" altLang="ja-JP" sz="1400" dirty="0">
+                  <a:solidFill>
+                    <a:srgbClr val="323232"/>
+                  </a:solidFill>
+                  <a:latin typeface="Yu Gothic" panose="020B0400000000000000" pitchFamily="34" charset="-128"/>
+                  <a:ea typeface="Yu Gothic" panose="020B0400000000000000" pitchFamily="34" charset="-128"/>
+                </a:rPr>
+                <a:t>/ </a:t>
+              </a:r>
+              <a:r>
+                <a:rPr kumimoji="1" lang="ja-JP" altLang="en-US" sz="1400">
+                  <a:solidFill>
+                    <a:srgbClr val="323232"/>
+                  </a:solidFill>
+                  <a:latin typeface="Yu Gothic" panose="020B0400000000000000" pitchFamily="34" charset="-128"/>
+                  <a:ea typeface="Yu Gothic" panose="020B0400000000000000" pitchFamily="34" charset="-128"/>
+                </a:rPr>
+                <a:t>認知的コミュニケーション研究室</a:t>
+              </a:r>
+            </a:p>
+          </p:txBody>
+        </p:sp>
+        <p:sp>
+          <p:nvSpPr>
+            <p:cNvPr id="30" name="正方形/長方形 29">
+              <a:extLst>
+                <a:ext uri="{FF2B5EF4-FFF2-40B4-BE49-F238E27FC236}">
+                  <a16:creationId xmlns:a16="http://schemas.microsoft.com/office/drawing/2014/main" id="{4ADBFF52-46C6-336B-AC3E-0478F7A04414}"/>
+                </a:ext>
+              </a:extLst>
+            </p:cNvPr>
+            <p:cNvSpPr/>
+            <p:nvPr/>
+          </p:nvSpPr>
+          <p:spPr>
+            <a:xfrm>
+              <a:off x="992177" y="5147884"/>
+              <a:ext cx="5925918" cy="360000"/>
+            </a:xfrm>
+            <a:prstGeom prst="rect">
+              <a:avLst/>
+            </a:prstGeom>
+            <a:noFill/>
+            <a:ln>
+              <a:noFill/>
+            </a:ln>
+          </p:spPr>
+          <p:style>
+            <a:lnRef idx="2">
+              <a:schemeClr val="accent1">
+                <a:shade val="15000"/>
+              </a:schemeClr>
+            </a:lnRef>
+            <a:fillRef idx="1">
+              <a:schemeClr val="accent1"/>
+            </a:fillRef>
+            <a:effectRef idx="0">
+              <a:schemeClr val="accent1"/>
+            </a:effectRef>
+            <a:fontRef idx="minor">
+              <a:schemeClr val="lt1"/>
+            </a:fontRef>
+          </p:style>
+          <p:txBody>
+            <a:bodyPr rtlCol="0" anchor="ctr"/>
+            <a:lstStyle/>
+            <a:p>
+              <a:r>
+                <a:rPr kumimoji="1" lang="ja-JP" altLang="en-US" sz="1400">
+                  <a:solidFill>
+                    <a:srgbClr val="323232"/>
+                  </a:solidFill>
+                  <a:latin typeface="Yu Gothic" panose="020B0400000000000000" pitchFamily="34" charset="-128"/>
+                  <a:ea typeface="Yu Gothic" panose="020B0400000000000000" pitchFamily="34" charset="-128"/>
+                </a:rPr>
+                <a:t>〒</a:t>
+              </a:r>
+              <a:r>
+                <a:rPr kumimoji="1" lang="en-US" altLang="ja-JP" sz="1400" dirty="0">
+                  <a:solidFill>
+                    <a:srgbClr val="323232"/>
+                  </a:solidFill>
+                  <a:latin typeface="Yu Gothic" panose="020B0400000000000000" pitchFamily="34" charset="-128"/>
+                  <a:ea typeface="Yu Gothic" panose="020B0400000000000000" pitchFamily="34" charset="-128"/>
+                </a:rPr>
+                <a:t>432-8011 </a:t>
+              </a:r>
+              <a:r>
+                <a:rPr kumimoji="1" lang="ja-JP" altLang="en-US" sz="1400">
+                  <a:solidFill>
+                    <a:srgbClr val="323232"/>
+                  </a:solidFill>
+                  <a:latin typeface="Yu Gothic" panose="020B0400000000000000" pitchFamily="34" charset="-128"/>
+                  <a:ea typeface="Yu Gothic" panose="020B0400000000000000" pitchFamily="34" charset="-128"/>
+                </a:rPr>
+                <a:t>静岡県浜松市中央区城北</a:t>
+              </a:r>
+              <a:r>
+                <a:rPr kumimoji="1" lang="en-US" altLang="ja-JP" sz="1400" dirty="0">
+                  <a:solidFill>
+                    <a:srgbClr val="323232"/>
+                  </a:solidFill>
+                  <a:latin typeface="Yu Gothic" panose="020B0400000000000000" pitchFamily="34" charset="-128"/>
+                  <a:ea typeface="Yu Gothic" panose="020B0400000000000000" pitchFamily="34" charset="-128"/>
+                </a:rPr>
+                <a:t>3-5-1 </a:t>
+              </a:r>
+              <a:r>
+                <a:rPr kumimoji="1" lang="ja-JP" altLang="en-US" sz="1400">
+                  <a:solidFill>
+                    <a:srgbClr val="323232"/>
+                  </a:solidFill>
+                  <a:latin typeface="Yu Gothic" panose="020B0400000000000000" pitchFamily="34" charset="-128"/>
+                  <a:ea typeface="Yu Gothic" panose="020B0400000000000000" pitchFamily="34" charset="-128"/>
+                </a:rPr>
+                <a:t>静岡大学浜松キャンパス</a:t>
+              </a:r>
+            </a:p>
+          </p:txBody>
+        </p:sp>
+        <p:sp>
+          <p:nvSpPr>
+            <p:cNvPr id="31" name="正方形/長方形 30">
+              <a:extLst>
+                <a:ext uri="{FF2B5EF4-FFF2-40B4-BE49-F238E27FC236}">
+                  <a16:creationId xmlns:a16="http://schemas.microsoft.com/office/drawing/2014/main" id="{64134785-DC12-EF74-25B7-1582113EA464}"/>
+                </a:ext>
+              </a:extLst>
+            </p:cNvPr>
+            <p:cNvSpPr/>
+            <p:nvPr/>
+          </p:nvSpPr>
+          <p:spPr>
+            <a:xfrm>
+              <a:off x="993047" y="5469949"/>
+              <a:ext cx="4677925" cy="360000"/>
+            </a:xfrm>
+            <a:prstGeom prst="rect">
+              <a:avLst/>
+            </a:prstGeom>
+            <a:noFill/>
+            <a:ln>
+              <a:noFill/>
+            </a:ln>
+          </p:spPr>
+          <p:style>
+            <a:lnRef idx="2">
+              <a:schemeClr val="accent1">
+                <a:shade val="15000"/>
+              </a:schemeClr>
+            </a:lnRef>
+            <a:fillRef idx="1">
+              <a:schemeClr val="accent1"/>
+            </a:fillRef>
+            <a:effectRef idx="0">
+              <a:schemeClr val="accent1"/>
+            </a:effectRef>
+            <a:fontRef idx="minor">
+              <a:schemeClr val="lt1"/>
+            </a:fontRef>
+          </p:style>
+          <p:txBody>
+            <a:bodyPr rtlCol="0" anchor="ctr"/>
+            <a:lstStyle/>
+            <a:p>
+              <a:r>
+                <a:rPr kumimoji="1" lang="en-US" altLang="ja-JP" sz="1400" dirty="0">
+                  <a:solidFill>
+                    <a:srgbClr val="323232"/>
+                  </a:solidFill>
+                  <a:latin typeface="Yu Gothic" panose="020B0400000000000000" pitchFamily="34" charset="-128"/>
+                  <a:ea typeface="Yu Gothic" panose="020B0400000000000000" pitchFamily="34" charset="-128"/>
+                </a:rPr>
+                <a:t>ichikawa.masanari.18@shizuoka.ac.jp</a:t>
+              </a:r>
+              <a:endParaRPr kumimoji="1" lang="ja-JP" altLang="en-US" sz="1400">
+                <a:solidFill>
+                  <a:srgbClr val="323232"/>
+                </a:solidFill>
+                <a:latin typeface="Yu Gothic" panose="020B0400000000000000" pitchFamily="34" charset="-128"/>
+                <a:ea typeface="Yu Gothic" panose="020B0400000000000000" pitchFamily="34" charset="-128"/>
+              </a:endParaRPr>
+            </a:p>
+          </p:txBody>
+        </p:sp>
+        <p:sp>
+          <p:nvSpPr>
+            <p:cNvPr id="32" name="正方形/長方形 31">
+              <a:extLst>
+                <a:ext uri="{FF2B5EF4-FFF2-40B4-BE49-F238E27FC236}">
+                  <a16:creationId xmlns:a16="http://schemas.microsoft.com/office/drawing/2014/main" id="{EA986BD9-00F0-F245-F8E0-1E472116D0EB}"/>
+                </a:ext>
+              </a:extLst>
+            </p:cNvPr>
+            <p:cNvSpPr/>
+            <p:nvPr/>
+          </p:nvSpPr>
+          <p:spPr>
+            <a:xfrm>
+              <a:off x="992177" y="5850045"/>
+              <a:ext cx="5418671" cy="360000"/>
+            </a:xfrm>
+            <a:prstGeom prst="rect">
+              <a:avLst/>
+            </a:prstGeom>
+            <a:noFill/>
+            <a:ln>
+              <a:noFill/>
+            </a:ln>
+          </p:spPr>
+          <p:style>
+            <a:lnRef idx="2">
+              <a:schemeClr val="accent1">
+                <a:shade val="15000"/>
+              </a:schemeClr>
+            </a:lnRef>
+            <a:fillRef idx="1">
+              <a:schemeClr val="accent1"/>
+            </a:fillRef>
+            <a:effectRef idx="0">
+              <a:schemeClr val="accent1"/>
+            </a:effectRef>
+            <a:fontRef idx="minor">
+              <a:schemeClr val="lt1"/>
+            </a:fontRef>
+          </p:style>
+          <p:txBody>
+            <a:bodyPr rtlCol="0" anchor="ctr"/>
+            <a:lstStyle/>
+            <a:p>
+              <a:r>
+                <a:rPr kumimoji="1" lang="en-US" altLang="ja-JP" sz="1400" dirty="0" err="1">
+                  <a:solidFill>
+                    <a:srgbClr val="323232"/>
+                  </a:solidFill>
+                  <a:latin typeface="Yu Gothic" panose="020B0400000000000000" pitchFamily="34" charset="-128"/>
+                  <a:ea typeface="Yu Gothic" panose="020B0400000000000000" pitchFamily="34" charset="-128"/>
+                </a:rPr>
+                <a:t>masanarius.github.io</a:t>
+              </a:r>
+              <a:endParaRPr kumimoji="1" lang="ja-JP" altLang="en-US" sz="1400">
+                <a:solidFill>
+                  <a:srgbClr val="323232"/>
+                </a:solidFill>
+                <a:latin typeface="Yu Gothic" panose="020B0400000000000000" pitchFamily="34" charset="-128"/>
+                <a:ea typeface="Yu Gothic" panose="020B0400000000000000" pitchFamily="34" charset="-128"/>
+              </a:endParaRPr>
+            </a:p>
+          </p:txBody>
+        </p:sp>
+      </p:grpSp>
+      <p:pic>
+        <p:nvPicPr>
+          <p:cNvPr id="2" name="図 1" descr="QR コード&#10;&#10;自動的に生成された説明">
+            <a:extLst>
+              <a:ext uri="{FF2B5EF4-FFF2-40B4-BE49-F238E27FC236}">
+                <a16:creationId xmlns:a16="http://schemas.microsoft.com/office/drawing/2014/main" id="{23C496C4-D74E-2D58-7DA8-35862E7B0563}"/>
+              </a:ext>
+            </a:extLst>
+          </p:cNvPr>
+          <p:cNvPicPr>
+            <a:picLocks noChangeAspect="1"/>
+          </p:cNvPicPr>
+          <p:nvPr/>
+        </p:nvPicPr>
+        <p:blipFill>
+          <a:blip r:embed="rId12"/>
+          <a:stretch>
+            <a:fillRect/>
+          </a:stretch>
+        </p:blipFill>
+        <p:spPr>
+          <a:xfrm>
+            <a:off x="7919618" y="2871210"/>
+            <a:ext cx="2880000" cy="2880000"/>
+          </a:xfrm>
+          <a:prstGeom prst="rect">
+            <a:avLst/>
+          </a:prstGeom>
+        </p:spPr>
+      </p:pic>
+      <p:pic>
+        <p:nvPicPr>
+          <p:cNvPr id="3" name="グラフィックス 2" descr="卒業式用の角帽 単色塗りつぶし">
+            <a:extLst>
+              <a:ext uri="{FF2B5EF4-FFF2-40B4-BE49-F238E27FC236}">
+                <a16:creationId xmlns:a16="http://schemas.microsoft.com/office/drawing/2014/main" id="{72E9D41B-1335-CFD5-0436-F4CBF181D216}"/>
+              </a:ext>
+            </a:extLst>
+          </p:cNvPr>
+          <p:cNvPicPr>
+            <a:picLocks noChangeAspect="1"/>
+          </p:cNvPicPr>
+          <p:nvPr/>
+        </p:nvPicPr>
+        <p:blipFill>
+          <a:blip r:embed="rId13">
+            <a:extLst>
+              <a:ext uri="{96DAC541-7B7A-43D3-8B79-37D633B846F1}">
+                <asvg:svgBlip xmlns:asvg="http://schemas.microsoft.com/office/drawing/2016/SVG/main" r:embed="rId14"/>
+              </a:ext>
+            </a:extLst>
+          </a:blip>
+          <a:srcRect/>
+          <a:stretch/>
+        </p:blipFill>
+        <p:spPr>
+          <a:xfrm>
+            <a:off x="720870" y="4308954"/>
+            <a:ext cx="360000" cy="360000"/>
+          </a:xfrm>
+          <a:prstGeom prst="rect">
+            <a:avLst/>
+          </a:prstGeom>
+        </p:spPr>
+      </p:pic>
+      <p:sp>
+        <p:nvSpPr>
+          <p:cNvPr id="5" name="正方形/長方形 4">
+            <a:extLst>
+              <a:ext uri="{FF2B5EF4-FFF2-40B4-BE49-F238E27FC236}">
+                <a16:creationId xmlns:a16="http://schemas.microsoft.com/office/drawing/2014/main" id="{07988D22-40DF-3592-73F6-A4D17DEC1767}"/>
+              </a:ext>
+            </a:extLst>
+          </p:cNvPr>
+          <p:cNvSpPr/>
+          <p:nvPr/>
+        </p:nvSpPr>
+        <p:spPr>
+          <a:xfrm>
+            <a:off x="1080000" y="4308954"/>
+            <a:ext cx="5925918" cy="360000"/>
+          </a:xfrm>
+          <a:prstGeom prst="rect">
+            <a:avLst/>
+          </a:prstGeom>
+          <a:noFill/>
+          <a:ln>
+            <a:noFill/>
+          </a:ln>
+        </p:spPr>
+        <p:style>
+          <a:lnRef idx="2">
+            <a:schemeClr val="accent1">
+              <a:shade val="15000"/>
+            </a:schemeClr>
+          </a:lnRef>
+          <a:fillRef idx="1">
+            <a:schemeClr val="accent1"/>
+          </a:fillRef>
+          <a:effectRef idx="0">
+            <a:schemeClr val="accent1"/>
+          </a:effectRef>
+          <a:fontRef idx="minor">
+            <a:schemeClr val="lt1"/>
+          </a:fontRef>
+        </p:style>
+        <p:txBody>
+          <a:bodyPr rtlCol="0" anchor="ctr"/>
+          <a:lstStyle/>
+          <a:p>
+            <a:r>
+              <a:rPr kumimoji="1" lang="ja-JP" altLang="en-US" sz="1400">
+                <a:solidFill>
+                  <a:srgbClr val="323232"/>
+                </a:solidFill>
+                <a:latin typeface="Yu Gothic" panose="020B0400000000000000" pitchFamily="34" charset="-128"/>
+                <a:ea typeface="Yu Gothic" panose="020B0400000000000000" pitchFamily="34" charset="-128"/>
+              </a:rPr>
+              <a:t>修士（情報学）</a:t>
+            </a:r>
+          </a:p>
+        </p:txBody>
+      </p:sp>
+    </p:spTree>
+    <p:extLst>
+      <p:ext uri="{BB962C8B-B14F-4D97-AF65-F5344CB8AC3E}">
+        <p14:creationId xmlns:p14="http://schemas.microsoft.com/office/powerpoint/2010/main" val="3587639753"/>
+      </p:ext>
+    </p:extLst>
+  </p:cSld>
+  <p:clrMapOvr>
+    <a:masterClrMapping/>
+  </p:clrMapOvr>
+</p:sld>
+</file>
+
+<file path=ppt/slides/slide9.xml><?xml version="1.0" encoding="utf-8"?>
+<p:sld xmlns:a="http://schemas.openxmlformats.org/drawingml/2006/main" xmlns:r="http://schemas.openxmlformats.org/officeDocument/2006/relationships" xmlns:p="http://schemas.openxmlformats.org/presentationml/2006/main" show="0">
+  <p:cSld>
+    <p:spTree>
+      <p:nvGrpSpPr>
+        <p:cNvPr id="1" name=""/>
+        <p:cNvGrpSpPr/>
+        <p:nvPr/>
+      </p:nvGrpSpPr>
+      <p:grpSpPr>
+        <a:xfrm>
+          <a:off x="0" y="0"/>
+          <a:ext cx="0" cy="0"/>
+          <a:chOff x="0" y="0"/>
+          <a:chExt cx="0" cy="0"/>
+        </a:xfrm>
+      </p:grpSpPr>
+      <p:sp>
+        <p:nvSpPr>
+          <p:cNvPr id="4" name="正方形/長方形 3">
+            <a:extLst>
+              <a:ext uri="{FF2B5EF4-FFF2-40B4-BE49-F238E27FC236}">
+                <a16:creationId xmlns:a16="http://schemas.microsoft.com/office/drawing/2014/main" id="{BD75CB29-FDF1-04EA-CBCC-0405FD653C22}"/>
+              </a:ext>
+            </a:extLst>
+          </p:cNvPr>
+          <p:cNvSpPr/>
+          <p:nvPr/>
+        </p:nvSpPr>
+        <p:spPr>
+          <a:xfrm>
+            <a:off x="720000" y="2519002"/>
+            <a:ext cx="5336108" cy="1440000"/>
+          </a:xfrm>
+          <a:prstGeom prst="rect">
+            <a:avLst/>
+          </a:prstGeom>
+          <a:noFill/>
+          <a:ln>
+            <a:noFill/>
+          </a:ln>
+        </p:spPr>
+        <p:style>
+          <a:lnRef idx="2">
+            <a:schemeClr val="accent1">
+              <a:shade val="15000"/>
+            </a:schemeClr>
+          </a:lnRef>
+          <a:fillRef idx="1">
+            <a:schemeClr val="accent1"/>
+          </a:fillRef>
+          <a:effectRef idx="0">
+            <a:schemeClr val="accent1"/>
+          </a:effectRef>
+          <a:fontRef idx="minor">
+            <a:schemeClr val="lt1"/>
+          </a:fontRef>
+        </p:style>
+        <p:txBody>
+          <a:bodyPr rtlCol="0" anchor="ctr"/>
+          <a:lstStyle/>
+          <a:p>
+            <a:r>
+              <a:rPr kumimoji="1" lang="ja-JP" altLang="en-US" sz="6000">
+                <a:solidFill>
+                  <a:srgbClr val="323232"/>
+                </a:solidFill>
+                <a:latin typeface="+mn-ea"/>
+              </a:rPr>
+              <a:t>市 川  雅 也</a:t>
+            </a:r>
+            <a:endParaRPr kumimoji="1" lang="en-US" altLang="ja-JP" sz="6000" dirty="0">
+              <a:solidFill>
+                <a:srgbClr val="323232"/>
+              </a:solidFill>
+              <a:latin typeface="+mn-ea"/>
+            </a:endParaRPr>
+          </a:p>
+          <a:p>
+            <a:r>
+              <a:rPr kumimoji="1" lang="en-US" altLang="ja-JP" sz="2400" dirty="0">
+                <a:solidFill>
+                  <a:srgbClr val="323232"/>
+                </a:solidFill>
+                <a:latin typeface="+mn-ea"/>
+              </a:rPr>
+              <a:t>Masanari ICHIKAWA</a:t>
+            </a:r>
+            <a:endParaRPr kumimoji="1" lang="ja-JP" altLang="en-US" sz="2400">
+              <a:solidFill>
+                <a:srgbClr val="323232"/>
+              </a:solidFill>
+              <a:latin typeface="+mn-ea"/>
+            </a:endParaRPr>
+          </a:p>
+        </p:txBody>
+      </p:sp>
+      <p:pic>
+        <p:nvPicPr>
+          <p:cNvPr id="22" name="図 21" descr="ロゴ, アイコン&#10;&#10;自動的に生成された説明">
+            <a:extLst>
+              <a:ext uri="{FF2B5EF4-FFF2-40B4-BE49-F238E27FC236}">
+                <a16:creationId xmlns:a16="http://schemas.microsoft.com/office/drawing/2014/main" id="{00E652C2-BC75-0D52-B948-5F1F7C11B34B}"/>
+              </a:ext>
+            </a:extLst>
+          </p:cNvPr>
+          <p:cNvPicPr>
+            <a:picLocks noChangeAspect="1"/>
+          </p:cNvPicPr>
+          <p:nvPr/>
+        </p:nvPicPr>
+        <p:blipFill>
+          <a:blip r:embed="rId3"/>
+          <a:stretch>
+            <a:fillRect/>
+          </a:stretch>
+        </p:blipFill>
+        <p:spPr>
+          <a:xfrm>
+            <a:off x="9356851" y="719002"/>
+            <a:ext cx="1447273" cy="1440000"/>
+          </a:xfrm>
+          <a:prstGeom prst="rect">
+            <a:avLst/>
+          </a:prstGeom>
+        </p:spPr>
+      </p:pic>
+      <p:grpSp>
+        <p:nvGrpSpPr>
+          <p:cNvPr id="33" name="グループ化 32">
+            <a:extLst>
+              <a:ext uri="{FF2B5EF4-FFF2-40B4-BE49-F238E27FC236}">
+                <a16:creationId xmlns:a16="http://schemas.microsoft.com/office/drawing/2014/main" id="{C1BC0DFF-D215-2EAC-05E9-C95DD8AEA35F}"/>
+              </a:ext>
+            </a:extLst>
+          </p:cNvPr>
+          <p:cNvGrpSpPr/>
+          <p:nvPr/>
+        </p:nvGrpSpPr>
+        <p:grpSpPr>
+          <a:xfrm>
+            <a:off x="720000" y="4689050"/>
+            <a:ext cx="6285919" cy="1442256"/>
+            <a:chOff x="632177" y="4767789"/>
+            <a:chExt cx="6285919" cy="1442256"/>
+          </a:xfrm>
+        </p:grpSpPr>
+        <p:pic>
+          <p:nvPicPr>
+            <p:cNvPr id="24" name="グラフィックス 23">
+              <a:extLst>
+                <a:ext uri="{FF2B5EF4-FFF2-40B4-BE49-F238E27FC236}">
+                  <a16:creationId xmlns:a16="http://schemas.microsoft.com/office/drawing/2014/main" id="{A9089DB6-3D8D-B8ED-75E1-A462088C8A70}"/>
+                </a:ext>
+              </a:extLst>
+            </p:cNvPr>
+            <p:cNvPicPr>
+              <a:picLocks noChangeAspect="1"/>
+            </p:cNvPicPr>
+            <p:nvPr/>
+          </p:nvPicPr>
+          <p:blipFill>
+            <a:blip r:embed="rId4">
+              <a:extLst>
+                <a:ext uri="{96DAC541-7B7A-43D3-8B79-37D633B846F1}">
+                  <asvg:svgBlip xmlns:asvg="http://schemas.microsoft.com/office/drawing/2016/SVG/main" r:embed="rId5"/>
+                </a:ext>
+              </a:extLst>
+            </a:blip>
+            <a:srcRect/>
+            <a:stretch/>
+          </p:blipFill>
+          <p:spPr>
+            <a:xfrm>
+              <a:off x="633047" y="4767789"/>
+              <a:ext cx="360000" cy="360000"/>
+            </a:xfrm>
+            <a:prstGeom prst="rect">
+              <a:avLst/>
+            </a:prstGeom>
+          </p:spPr>
+        </p:pic>
+        <p:pic>
+          <p:nvPicPr>
+            <p:cNvPr id="25" name="グラフィックス 24">
+              <a:extLst>
+                <a:ext uri="{FF2B5EF4-FFF2-40B4-BE49-F238E27FC236}">
+                  <a16:creationId xmlns:a16="http://schemas.microsoft.com/office/drawing/2014/main" id="{3249F8CD-CAD7-7F1B-E2BB-864423EC16CC}"/>
+                </a:ext>
+              </a:extLst>
+            </p:cNvPr>
+            <p:cNvPicPr>
+              <a:picLocks noChangeAspect="1"/>
+            </p:cNvPicPr>
+            <p:nvPr/>
+          </p:nvPicPr>
+          <p:blipFill>
+            <a:blip r:embed="rId6">
+              <a:extLst>
+                <a:ext uri="{96DAC541-7B7A-43D3-8B79-37D633B846F1}">
+                  <asvg:svgBlip xmlns:asvg="http://schemas.microsoft.com/office/drawing/2016/SVG/main" r:embed="rId7"/>
+                </a:ext>
+              </a:extLst>
+            </a:blip>
+            <a:srcRect/>
+            <a:stretch/>
+          </p:blipFill>
+          <p:spPr>
+            <a:xfrm>
+              <a:off x="633047" y="5469949"/>
+              <a:ext cx="360000" cy="360000"/>
+            </a:xfrm>
+            <a:prstGeom prst="rect">
+              <a:avLst/>
+            </a:prstGeom>
+          </p:spPr>
+        </p:pic>
+        <p:pic>
+          <p:nvPicPr>
+            <p:cNvPr id="26" name="グラフィックス 25">
+              <a:extLst>
+                <a:ext uri="{FF2B5EF4-FFF2-40B4-BE49-F238E27FC236}">
+                  <a16:creationId xmlns:a16="http://schemas.microsoft.com/office/drawing/2014/main" id="{5F418B13-FFA6-807C-4553-BC4209BA1D78}"/>
+                </a:ext>
+              </a:extLst>
+            </p:cNvPr>
+            <p:cNvPicPr>
+              <a:picLocks noChangeAspect="1"/>
+            </p:cNvPicPr>
+            <p:nvPr/>
+          </p:nvPicPr>
+          <p:blipFill>
+            <a:blip r:embed="rId8">
+              <a:extLst>
+                <a:ext uri="{96DAC541-7B7A-43D3-8B79-37D633B846F1}">
+                  <asvg:svgBlip xmlns:asvg="http://schemas.microsoft.com/office/drawing/2016/SVG/main" r:embed="rId9"/>
+                </a:ext>
+              </a:extLst>
+            </a:blip>
+            <a:srcRect/>
+            <a:stretch/>
+          </p:blipFill>
+          <p:spPr>
+            <a:xfrm>
+              <a:off x="632177" y="5850045"/>
+              <a:ext cx="360000" cy="360000"/>
+            </a:xfrm>
+            <a:prstGeom prst="rect">
+              <a:avLst/>
+            </a:prstGeom>
+          </p:spPr>
+        </p:pic>
+        <p:pic>
+          <p:nvPicPr>
+            <p:cNvPr id="27" name="グラフィックス 26">
+              <a:extLst>
+                <a:ext uri="{FF2B5EF4-FFF2-40B4-BE49-F238E27FC236}">
+                  <a16:creationId xmlns:a16="http://schemas.microsoft.com/office/drawing/2014/main" id="{8EA172B0-8971-E567-5B5E-57E1088DCD63}"/>
+                </a:ext>
+              </a:extLst>
+            </p:cNvPr>
+            <p:cNvPicPr>
+              <a:picLocks noChangeAspect="1"/>
+            </p:cNvPicPr>
+            <p:nvPr/>
+          </p:nvPicPr>
+          <p:blipFill>
+            <a:blip r:embed="rId10">
+              <a:extLst>
+                <a:ext uri="{96DAC541-7B7A-43D3-8B79-37D633B846F1}">
+                  <asvg:svgBlip xmlns:asvg="http://schemas.microsoft.com/office/drawing/2016/SVG/main" r:embed="rId11"/>
+                </a:ext>
+              </a:extLst>
+            </a:blip>
+            <a:srcRect/>
+            <a:stretch/>
+          </p:blipFill>
+          <p:spPr>
+            <a:xfrm>
+              <a:off x="633047" y="5147884"/>
+              <a:ext cx="360000" cy="360000"/>
+            </a:xfrm>
+            <a:prstGeom prst="rect">
+              <a:avLst/>
+            </a:prstGeom>
+          </p:spPr>
+        </p:pic>
+        <p:sp>
+          <p:nvSpPr>
+            <p:cNvPr id="29" name="正方形/長方形 28">
+              <a:extLst>
+                <a:ext uri="{FF2B5EF4-FFF2-40B4-BE49-F238E27FC236}">
+                  <a16:creationId xmlns:a16="http://schemas.microsoft.com/office/drawing/2014/main" id="{8DC38EF7-5548-F959-64B1-E3BC4BA54357}"/>
+                </a:ext>
+              </a:extLst>
+            </p:cNvPr>
+            <p:cNvSpPr/>
+            <p:nvPr/>
+          </p:nvSpPr>
+          <p:spPr>
+            <a:xfrm>
+              <a:off x="992178" y="4767789"/>
+              <a:ext cx="5925918" cy="360000"/>
+            </a:xfrm>
+            <a:prstGeom prst="rect">
+              <a:avLst/>
+            </a:prstGeom>
+            <a:noFill/>
+            <a:ln>
+              <a:noFill/>
+            </a:ln>
+          </p:spPr>
+          <p:style>
+            <a:lnRef idx="2">
+              <a:schemeClr val="accent1">
+                <a:shade val="15000"/>
+              </a:schemeClr>
+            </a:lnRef>
+            <a:fillRef idx="1">
+              <a:schemeClr val="accent1"/>
+            </a:fillRef>
+            <a:effectRef idx="0">
+              <a:schemeClr val="accent1"/>
+            </a:effectRef>
+            <a:fontRef idx="minor">
+              <a:schemeClr val="lt1"/>
+            </a:fontRef>
+          </p:style>
+          <p:txBody>
+            <a:bodyPr rtlCol="0" anchor="ctr"/>
+            <a:lstStyle/>
+            <a:p>
+              <a:r>
+                <a:rPr kumimoji="1" lang="en-US" altLang="ja-JP" sz="1400" dirty="0">
+                  <a:solidFill>
+                    <a:srgbClr val="323232"/>
+                  </a:solidFill>
+                  <a:latin typeface="Yu Gothic" panose="020B0400000000000000" pitchFamily="34" charset="-128"/>
+                  <a:ea typeface="Yu Gothic" panose="020B0400000000000000" pitchFamily="34" charset="-128"/>
+                </a:rPr>
+                <a:t>Graduate School of Science and Technology, Shizuoka University</a:t>
+              </a:r>
+              <a:endParaRPr kumimoji="1" lang="ja-JP" altLang="en-US" sz="1400">
+                <a:solidFill>
+                  <a:srgbClr val="323232"/>
+                </a:solidFill>
+                <a:latin typeface="Yu Gothic" panose="020B0400000000000000" pitchFamily="34" charset="-128"/>
+                <a:ea typeface="Yu Gothic" panose="020B0400000000000000" pitchFamily="34" charset="-128"/>
+              </a:endParaRPr>
+            </a:p>
+          </p:txBody>
+        </p:sp>
+        <p:sp>
+          <p:nvSpPr>
+            <p:cNvPr id="30" name="正方形/長方形 29">
+              <a:extLst>
+                <a:ext uri="{FF2B5EF4-FFF2-40B4-BE49-F238E27FC236}">
+                  <a16:creationId xmlns:a16="http://schemas.microsoft.com/office/drawing/2014/main" id="{4ADBFF52-46C6-336B-AC3E-0478F7A04414}"/>
+                </a:ext>
+              </a:extLst>
+            </p:cNvPr>
+            <p:cNvSpPr/>
+            <p:nvPr/>
+          </p:nvSpPr>
+          <p:spPr>
+            <a:xfrm>
+              <a:off x="992177" y="5147884"/>
+              <a:ext cx="5549400" cy="360000"/>
+            </a:xfrm>
+            <a:prstGeom prst="rect">
+              <a:avLst/>
+            </a:prstGeom>
+            <a:noFill/>
+            <a:ln>
+              <a:noFill/>
+            </a:ln>
+          </p:spPr>
+          <p:style>
+            <a:lnRef idx="2">
+              <a:schemeClr val="accent1">
+                <a:shade val="15000"/>
+              </a:schemeClr>
+            </a:lnRef>
+            <a:fillRef idx="1">
+              <a:schemeClr val="accent1"/>
+            </a:fillRef>
+            <a:effectRef idx="0">
+              <a:schemeClr val="accent1"/>
+            </a:effectRef>
+            <a:fontRef idx="minor">
+              <a:schemeClr val="lt1"/>
+            </a:fontRef>
+          </p:style>
+          <p:txBody>
+            <a:bodyPr rtlCol="0" anchor="ctr"/>
+            <a:lstStyle/>
+            <a:p>
+              <a:r>
+                <a:rPr kumimoji="1" lang="en-US" altLang="ja-JP" sz="1400" dirty="0">
+                  <a:solidFill>
+                    <a:srgbClr val="323232"/>
+                  </a:solidFill>
+                  <a:latin typeface="Yu Gothic" panose="020B0400000000000000" pitchFamily="34" charset="-128"/>
+                  <a:ea typeface="Yu Gothic" panose="020B0400000000000000" pitchFamily="34" charset="-128"/>
+                </a:rPr>
+                <a:t>3-5-1 </a:t>
+              </a:r>
+              <a:r>
+                <a:rPr kumimoji="1" lang="en-US" altLang="ja-JP" sz="1400" dirty="0" err="1">
+                  <a:solidFill>
+                    <a:srgbClr val="323232"/>
+                  </a:solidFill>
+                  <a:latin typeface="Yu Gothic" panose="020B0400000000000000" pitchFamily="34" charset="-128"/>
+                  <a:ea typeface="Yu Gothic" panose="020B0400000000000000" pitchFamily="34" charset="-128"/>
+                </a:rPr>
+                <a:t>Johoku</a:t>
+              </a:r>
+              <a:r>
+                <a:rPr kumimoji="1" lang="en-US" altLang="ja-JP" sz="1400" dirty="0">
+                  <a:solidFill>
+                    <a:srgbClr val="323232"/>
+                  </a:solidFill>
+                  <a:latin typeface="Yu Gothic" panose="020B0400000000000000" pitchFamily="34" charset="-128"/>
+                  <a:ea typeface="Yu Gothic" panose="020B0400000000000000" pitchFamily="34" charset="-128"/>
+                </a:rPr>
+                <a:t>, Chuo-</a:t>
+              </a:r>
+              <a:r>
+                <a:rPr kumimoji="1" lang="en-US" altLang="ja-JP" sz="1400" dirty="0" err="1">
+                  <a:solidFill>
+                    <a:srgbClr val="323232"/>
+                  </a:solidFill>
+                  <a:latin typeface="Yu Gothic" panose="020B0400000000000000" pitchFamily="34" charset="-128"/>
+                  <a:ea typeface="Yu Gothic" panose="020B0400000000000000" pitchFamily="34" charset="-128"/>
+                </a:rPr>
+                <a:t>ku</a:t>
+              </a:r>
+              <a:r>
+                <a:rPr kumimoji="1" lang="en-US" altLang="ja-JP" sz="1400" dirty="0">
+                  <a:solidFill>
+                    <a:srgbClr val="323232"/>
+                  </a:solidFill>
+                  <a:latin typeface="Yu Gothic" panose="020B0400000000000000" pitchFamily="34" charset="-128"/>
+                  <a:ea typeface="Yu Gothic" panose="020B0400000000000000" pitchFamily="34" charset="-128"/>
+                </a:rPr>
+                <a:t>, Hamamatsu, 4328011 Japan</a:t>
+              </a:r>
+              <a:endParaRPr kumimoji="1" lang="ja-JP" altLang="en-US" sz="1400">
+                <a:solidFill>
+                  <a:srgbClr val="323232"/>
+                </a:solidFill>
+                <a:latin typeface="Yu Gothic" panose="020B0400000000000000" pitchFamily="34" charset="-128"/>
+                <a:ea typeface="Yu Gothic" panose="020B0400000000000000" pitchFamily="34" charset="-128"/>
+              </a:endParaRPr>
+            </a:p>
+          </p:txBody>
+        </p:sp>
+        <p:sp>
+          <p:nvSpPr>
+            <p:cNvPr id="31" name="正方形/長方形 30">
+              <a:extLst>
+                <a:ext uri="{FF2B5EF4-FFF2-40B4-BE49-F238E27FC236}">
+                  <a16:creationId xmlns:a16="http://schemas.microsoft.com/office/drawing/2014/main" id="{64134785-DC12-EF74-25B7-1582113EA464}"/>
+                </a:ext>
+              </a:extLst>
+            </p:cNvPr>
+            <p:cNvSpPr/>
+            <p:nvPr/>
+          </p:nvSpPr>
+          <p:spPr>
+            <a:xfrm>
+              <a:off x="993047" y="5469949"/>
+              <a:ext cx="4677925" cy="360000"/>
+            </a:xfrm>
+            <a:prstGeom prst="rect">
+              <a:avLst/>
+            </a:prstGeom>
+            <a:noFill/>
+            <a:ln>
+              <a:noFill/>
+            </a:ln>
+          </p:spPr>
+          <p:style>
+            <a:lnRef idx="2">
+              <a:schemeClr val="accent1">
+                <a:shade val="15000"/>
+              </a:schemeClr>
+            </a:lnRef>
+            <a:fillRef idx="1">
+              <a:schemeClr val="accent1"/>
+            </a:fillRef>
+            <a:effectRef idx="0">
+              <a:schemeClr val="accent1"/>
+            </a:effectRef>
+            <a:fontRef idx="minor">
+              <a:schemeClr val="lt1"/>
+            </a:fontRef>
+          </p:style>
+          <p:txBody>
+            <a:bodyPr rtlCol="0" anchor="ctr"/>
+            <a:lstStyle/>
+            <a:p>
+              <a:r>
+                <a:rPr kumimoji="1" lang="en-US" altLang="ja-JP" sz="1400" dirty="0">
+                  <a:solidFill>
+                    <a:srgbClr val="323232"/>
+                  </a:solidFill>
+                  <a:latin typeface="Yu Gothic" panose="020B0400000000000000" pitchFamily="34" charset="-128"/>
+                  <a:ea typeface="Yu Gothic" panose="020B0400000000000000" pitchFamily="34" charset="-128"/>
+                </a:rPr>
+                <a:t>ichikawa.masanari.18@shizuoka.ac.jp</a:t>
+              </a:r>
+              <a:endParaRPr kumimoji="1" lang="ja-JP" altLang="en-US" sz="1400">
+                <a:solidFill>
+                  <a:srgbClr val="323232"/>
+                </a:solidFill>
+                <a:latin typeface="Yu Gothic" panose="020B0400000000000000" pitchFamily="34" charset="-128"/>
+                <a:ea typeface="Yu Gothic" panose="020B0400000000000000" pitchFamily="34" charset="-128"/>
+              </a:endParaRPr>
+            </a:p>
+          </p:txBody>
+        </p:sp>
+        <p:sp>
+          <p:nvSpPr>
+            <p:cNvPr id="32" name="正方形/長方形 31">
+              <a:extLst>
+                <a:ext uri="{FF2B5EF4-FFF2-40B4-BE49-F238E27FC236}">
+                  <a16:creationId xmlns:a16="http://schemas.microsoft.com/office/drawing/2014/main" id="{EA986BD9-00F0-F245-F8E0-1E472116D0EB}"/>
+                </a:ext>
+              </a:extLst>
+            </p:cNvPr>
+            <p:cNvSpPr/>
+            <p:nvPr/>
+          </p:nvSpPr>
+          <p:spPr>
+            <a:xfrm>
+              <a:off x="992177" y="5850045"/>
+              <a:ext cx="5418671" cy="360000"/>
+            </a:xfrm>
+            <a:prstGeom prst="rect">
+              <a:avLst/>
+            </a:prstGeom>
+            <a:noFill/>
+            <a:ln>
+              <a:noFill/>
+            </a:ln>
+          </p:spPr>
+          <p:style>
+            <a:lnRef idx="2">
+              <a:schemeClr val="accent1">
+                <a:shade val="15000"/>
+              </a:schemeClr>
+            </a:lnRef>
+            <a:fillRef idx="1">
+              <a:schemeClr val="accent1"/>
+            </a:fillRef>
+            <a:effectRef idx="0">
+              <a:schemeClr val="accent1"/>
+            </a:effectRef>
+            <a:fontRef idx="minor">
+              <a:schemeClr val="lt1"/>
+            </a:fontRef>
+          </p:style>
+          <p:txBody>
+            <a:bodyPr rtlCol="0" anchor="ctr"/>
+            <a:lstStyle/>
+            <a:p>
+              <a:r>
+                <a:rPr kumimoji="1" lang="en-US" altLang="ja-JP" sz="1400" dirty="0" err="1">
+                  <a:solidFill>
+                    <a:srgbClr val="323232"/>
+                  </a:solidFill>
+                  <a:latin typeface="Yu Gothic" panose="020B0400000000000000" pitchFamily="34" charset="-128"/>
+                  <a:ea typeface="Yu Gothic" panose="020B0400000000000000" pitchFamily="34" charset="-128"/>
+                </a:rPr>
+                <a:t>masanarius.github.io</a:t>
+              </a:r>
+              <a:endParaRPr kumimoji="1" lang="ja-JP" altLang="en-US" sz="1400">
+                <a:solidFill>
+                  <a:srgbClr val="323232"/>
+                </a:solidFill>
+                <a:latin typeface="Yu Gothic" panose="020B0400000000000000" pitchFamily="34" charset="-128"/>
+                <a:ea typeface="Yu Gothic" panose="020B0400000000000000" pitchFamily="34" charset="-128"/>
+              </a:endParaRPr>
+            </a:p>
+          </p:txBody>
+        </p:sp>
+      </p:grpSp>
+      <p:pic>
+        <p:nvPicPr>
+          <p:cNvPr id="2" name="グラフィックス 1" descr="卒業式用の角帽 単色塗りつぶし">
+            <a:extLst>
+              <a:ext uri="{FF2B5EF4-FFF2-40B4-BE49-F238E27FC236}">
+                <a16:creationId xmlns:a16="http://schemas.microsoft.com/office/drawing/2014/main" id="{044998D6-4BEF-0A3C-67B2-84D7A3318E13}"/>
+              </a:ext>
+            </a:extLst>
+          </p:cNvPr>
+          <p:cNvPicPr>
+            <a:picLocks noChangeAspect="1"/>
+          </p:cNvPicPr>
+          <p:nvPr/>
+        </p:nvPicPr>
+        <p:blipFill>
+          <a:blip r:embed="rId12">
+            <a:extLst>
+              <a:ext uri="{96DAC541-7B7A-43D3-8B79-37D633B846F1}">
+                <asvg:svgBlip xmlns:asvg="http://schemas.microsoft.com/office/drawing/2016/SVG/main" r:embed="rId13"/>
+              </a:ext>
+            </a:extLst>
+          </a:blip>
+          <a:srcRect/>
+          <a:stretch/>
+        </p:blipFill>
+        <p:spPr>
+          <a:xfrm>
+            <a:off x="720870" y="4308954"/>
+            <a:ext cx="360000" cy="360000"/>
+          </a:xfrm>
+          <a:prstGeom prst="rect">
+            <a:avLst/>
+          </a:prstGeom>
+        </p:spPr>
+      </p:pic>
+      <p:sp>
+        <p:nvSpPr>
+          <p:cNvPr id="3" name="正方形/長方形 2">
+            <a:extLst>
+              <a:ext uri="{FF2B5EF4-FFF2-40B4-BE49-F238E27FC236}">
+                <a16:creationId xmlns:a16="http://schemas.microsoft.com/office/drawing/2014/main" id="{EE8DE383-3779-9DB9-45EE-639AE549A105}"/>
+              </a:ext>
+            </a:extLst>
+          </p:cNvPr>
+          <p:cNvSpPr/>
+          <p:nvPr/>
+        </p:nvSpPr>
+        <p:spPr>
+          <a:xfrm>
+            <a:off x="1080000" y="4308954"/>
+            <a:ext cx="5925918" cy="360000"/>
+          </a:xfrm>
+          <a:prstGeom prst="rect">
+            <a:avLst/>
+          </a:prstGeom>
+          <a:noFill/>
+          <a:ln>
+            <a:noFill/>
+          </a:ln>
+        </p:spPr>
+        <p:style>
+          <a:lnRef idx="2">
+            <a:schemeClr val="accent1">
+              <a:shade val="15000"/>
+            </a:schemeClr>
+          </a:lnRef>
+          <a:fillRef idx="1">
+            <a:schemeClr val="accent1"/>
+          </a:fillRef>
+          <a:effectRef idx="0">
+            <a:schemeClr val="accent1"/>
+          </a:effectRef>
+          <a:fontRef idx="minor">
+            <a:schemeClr val="lt1"/>
+          </a:fontRef>
+        </p:style>
+        <p:txBody>
+          <a:bodyPr rtlCol="0" anchor="ctr"/>
+          <a:lstStyle/>
+          <a:p>
+            <a:r>
+              <a:rPr kumimoji="1" lang="en-US" altLang="ja-JP" sz="1400" dirty="0">
+                <a:solidFill>
+                  <a:srgbClr val="323232"/>
+                </a:solidFill>
+                <a:latin typeface="Yu Gothic" panose="020B0400000000000000" pitchFamily="34" charset="-128"/>
+                <a:ea typeface="Yu Gothic" panose="020B0400000000000000" pitchFamily="34" charset="-128"/>
+              </a:rPr>
+              <a:t>Master of Informatics</a:t>
+            </a:r>
+            <a:endParaRPr kumimoji="1" lang="ja-JP" altLang="en-US" sz="1400">
+              <a:solidFill>
+                <a:srgbClr val="323232"/>
+              </a:solidFill>
+              <a:latin typeface="Yu Gothic" panose="020B0400000000000000" pitchFamily="34" charset="-128"/>
+              <a:ea typeface="Yu Gothic" panose="020B0400000000000000" pitchFamily="34" charset="-128"/>
+            </a:endParaRPr>
+          </a:p>
+        </p:txBody>
+      </p:sp>
+    </p:spTree>
+    <p:extLst>
+      <p:ext uri="{BB962C8B-B14F-4D97-AF65-F5344CB8AC3E}">
+        <p14:creationId xmlns:p14="http://schemas.microsoft.com/office/powerpoint/2010/main" val="3621103076"/>
       </p:ext>
     </p:extLst>
   </p:cSld>

--- a/img/card/businesscard.pptx
+++ b/img/card/businesscard.pptx
@@ -7841,10 +7841,10 @@
         </p:nvGrpSpPr>
         <p:grpSpPr>
           <a:xfrm>
-            <a:off x="4161911" y="1480974"/>
-            <a:ext cx="3196666" cy="3518226"/>
-            <a:chOff x="4471194" y="1480973"/>
-            <a:chExt cx="3196666" cy="3518226"/>
+            <a:off x="3558433" y="0"/>
+            <a:ext cx="4403622" cy="6480177"/>
+            <a:chOff x="3449296" y="-4"/>
+            <a:chExt cx="4403622" cy="6480177"/>
           </a:xfrm>
         </p:grpSpPr>
         <p:pic>
@@ -7869,8 +7869,8 @@
           </p:blipFill>
           <p:spPr>
             <a:xfrm rot="16200000">
-              <a:off x="4471194" y="1951037"/>
-              <a:ext cx="2578100" cy="2578100"/>
+              <a:off x="3449296" y="1440084"/>
+              <a:ext cx="3600000" cy="3600000"/>
             </a:xfrm>
             <a:prstGeom prst="rect">
               <a:avLst/>
@@ -7891,8 +7891,8 @@
           </p:nvSpPr>
           <p:spPr>
             <a:xfrm rot="16200000">
-              <a:off x="5599465" y="2930803"/>
-              <a:ext cx="3518226" cy="618565"/>
+              <a:off x="4303547" y="2930802"/>
+              <a:ext cx="6480177" cy="618565"/>
             </a:xfrm>
             <a:prstGeom prst="rect">
               <a:avLst/>
@@ -7924,7 +7924,7 @@
             <a:p>
               <a:pPr algn="ctr"/>
               <a:r>
-                <a:rPr kumimoji="1" lang="en" altLang="ja-JP" dirty="0">
+                <a:rPr kumimoji="1" lang="en" altLang="ja-JP" sz="2400" dirty="0">
                   <a:solidFill>
                     <a:srgbClr val="FF4631"/>
                   </a:solidFill>
@@ -7934,7 +7934,7 @@
                 <a:t>https://</a:t>
               </a:r>
               <a:r>
-                <a:rPr kumimoji="1" lang="en" altLang="ja-JP" dirty="0" err="1">
+                <a:rPr kumimoji="1" lang="en" altLang="ja-JP" sz="2400" dirty="0" err="1">
                   <a:solidFill>
                     <a:srgbClr val="FF4631"/>
                   </a:solidFill>
@@ -7943,7 +7943,7 @@
                 </a:rPr>
                 <a:t>masanarius.github.io</a:t>
               </a:r>
-              <a:endParaRPr kumimoji="1" lang="ja-JP" altLang="en-US">
+              <a:endParaRPr kumimoji="1" lang="ja-JP" altLang="en-US" sz="2400">
                 <a:solidFill>
                   <a:srgbClr val="FF4631"/>
                 </a:solidFill>

--- a/img/card/businesscard.pptx
+++ b/img/card/businesscard.pptx
@@ -234,7 +234,7 @@
           <a:p>
             <a:fld id="{CAEBE9D9-678F-BD4B-8EA4-BDD07F057B8C}" type="datetimeFigureOut">
               <a:rPr kumimoji="1" lang="ja-JP" altLang="en-US" smtClean="0"/>
-              <a:t>2023/11/8</a:t>
+              <a:t>2023/11/9</a:t>
             </a:fld>
             <a:endParaRPr kumimoji="1" lang="ja-JP" altLang="en-US"/>
           </a:p>
@@ -1672,7 +1672,7 @@
           <a:p>
             <a:fld id="{2AE1D30C-6AA1-F444-A085-A136DDB05B7F}" type="datetimeFigureOut">
               <a:rPr kumimoji="1" lang="ja-JP" altLang="en-US" smtClean="0"/>
-              <a:t>2023/11/8</a:t>
+              <a:t>2023/11/9</a:t>
             </a:fld>
             <a:endParaRPr kumimoji="1" lang="ja-JP" altLang="en-US"/>
           </a:p>
@@ -1874,7 +1874,7 @@
           <a:p>
             <a:fld id="{2AE1D30C-6AA1-F444-A085-A136DDB05B7F}" type="datetimeFigureOut">
               <a:rPr kumimoji="1" lang="ja-JP" altLang="en-US" smtClean="0"/>
-              <a:t>2023/11/8</a:t>
+              <a:t>2023/11/9</a:t>
             </a:fld>
             <a:endParaRPr kumimoji="1" lang="ja-JP" altLang="en-US"/>
           </a:p>
@@ -2086,7 +2086,7 @@
           <a:p>
             <a:fld id="{2AE1D30C-6AA1-F444-A085-A136DDB05B7F}" type="datetimeFigureOut">
               <a:rPr kumimoji="1" lang="ja-JP" altLang="en-US" smtClean="0"/>
-              <a:t>2023/11/8</a:t>
+              <a:t>2023/11/9</a:t>
             </a:fld>
             <a:endParaRPr kumimoji="1" lang="ja-JP" altLang="en-US"/>
           </a:p>
@@ -2288,7 +2288,7 @@
           <a:p>
             <a:fld id="{2AE1D30C-6AA1-F444-A085-A136DDB05B7F}" type="datetimeFigureOut">
               <a:rPr kumimoji="1" lang="ja-JP" altLang="en-US" smtClean="0"/>
-              <a:t>2023/11/8</a:t>
+              <a:t>2023/11/9</a:t>
             </a:fld>
             <a:endParaRPr kumimoji="1" lang="ja-JP" altLang="en-US"/>
           </a:p>
@@ -2534,7 +2534,7 @@
           <a:p>
             <a:fld id="{2AE1D30C-6AA1-F444-A085-A136DDB05B7F}" type="datetimeFigureOut">
               <a:rPr kumimoji="1" lang="ja-JP" altLang="en-US" smtClean="0"/>
-              <a:t>2023/11/8</a:t>
+              <a:t>2023/11/9</a:t>
             </a:fld>
             <a:endParaRPr kumimoji="1" lang="ja-JP" altLang="en-US"/>
           </a:p>
@@ -2830,7 +2830,7 @@
           <a:p>
             <a:fld id="{2AE1D30C-6AA1-F444-A085-A136DDB05B7F}" type="datetimeFigureOut">
               <a:rPr kumimoji="1" lang="ja-JP" altLang="en-US" smtClean="0"/>
-              <a:t>2023/11/8</a:t>
+              <a:t>2023/11/9</a:t>
             </a:fld>
             <a:endParaRPr kumimoji="1" lang="ja-JP" altLang="en-US"/>
           </a:p>
@@ -3261,7 +3261,7 @@
           <a:p>
             <a:fld id="{2AE1D30C-6AA1-F444-A085-A136DDB05B7F}" type="datetimeFigureOut">
               <a:rPr kumimoji="1" lang="ja-JP" altLang="en-US" smtClean="0"/>
-              <a:t>2023/11/8</a:t>
+              <a:t>2023/11/9</a:t>
             </a:fld>
             <a:endParaRPr kumimoji="1" lang="ja-JP" altLang="en-US"/>
           </a:p>
@@ -3379,7 +3379,7 @@
           <a:p>
             <a:fld id="{2AE1D30C-6AA1-F444-A085-A136DDB05B7F}" type="datetimeFigureOut">
               <a:rPr kumimoji="1" lang="ja-JP" altLang="en-US" smtClean="0"/>
-              <a:t>2023/11/8</a:t>
+              <a:t>2023/11/9</a:t>
             </a:fld>
             <a:endParaRPr kumimoji="1" lang="ja-JP" altLang="en-US"/>
           </a:p>
@@ -3474,7 +3474,7 @@
           <a:p>
             <a:fld id="{2AE1D30C-6AA1-F444-A085-A136DDB05B7F}" type="datetimeFigureOut">
               <a:rPr kumimoji="1" lang="ja-JP" altLang="en-US" smtClean="0"/>
-              <a:t>2023/11/8</a:t>
+              <a:t>2023/11/9</a:t>
             </a:fld>
             <a:endParaRPr kumimoji="1" lang="ja-JP" altLang="en-US"/>
           </a:p>
@@ -3783,7 +3783,7 @@
           <a:p>
             <a:fld id="{2AE1D30C-6AA1-F444-A085-A136DDB05B7F}" type="datetimeFigureOut">
               <a:rPr kumimoji="1" lang="ja-JP" altLang="en-US" smtClean="0"/>
-              <a:t>2023/11/8</a:t>
+              <a:t>2023/11/9</a:t>
             </a:fld>
             <a:endParaRPr kumimoji="1" lang="ja-JP" altLang="en-US"/>
           </a:p>
@@ -4040,7 +4040,7 @@
           <a:p>
             <a:fld id="{2AE1D30C-6AA1-F444-A085-A136DDB05B7F}" type="datetimeFigureOut">
               <a:rPr kumimoji="1" lang="ja-JP" altLang="en-US" smtClean="0"/>
-              <a:t>2023/11/8</a:t>
+              <a:t>2023/11/9</a:t>
             </a:fld>
             <a:endParaRPr kumimoji="1" lang="ja-JP" altLang="en-US"/>
           </a:p>
@@ -4285,7 +4285,7 @@
           <a:p>
             <a:fld id="{2AE1D30C-6AA1-F444-A085-A136DDB05B7F}" type="datetimeFigureOut">
               <a:rPr kumimoji="1" lang="ja-JP" altLang="en-US" smtClean="0"/>
-              <a:t>2023/11/8</a:t>
+              <a:t>2023/11/9</a:t>
             </a:fld>
             <a:endParaRPr kumimoji="1" lang="ja-JP" altLang="en-US"/>
           </a:p>

--- a/img/card/businesscard.pptx
+++ b/img/card/businesscard.pptx
@@ -7813,6 +7813,22 @@
 <file path=ppt/slides/slide13.xml><?xml version="1.0" encoding="utf-8"?>
 <p:sld xmlns:a="http://schemas.openxmlformats.org/drawingml/2006/main" xmlns:r="http://schemas.openxmlformats.org/officeDocument/2006/relationships" xmlns:p="http://schemas.openxmlformats.org/presentationml/2006/main">
   <p:cSld>
+    <p:bg>
+      <p:bgPr>
+        <a:gradFill>
+          <a:gsLst>
+            <a:gs pos="0">
+              <a:srgbClr val="FF7F2E"/>
+            </a:gs>
+            <a:gs pos="100000">
+              <a:srgbClr val="FF4631"/>
+            </a:gs>
+          </a:gsLst>
+          <a:lin ang="8100000" scaled="0"/>
+        </a:gradFill>
+        <a:effectLst/>
+      </p:bgPr>
+    </p:bg>
     <p:spTree>
       <p:nvGrpSpPr>
         <p:cNvPr id="1" name=""/>
@@ -7827,12 +7843,68 @@
           <a:chExt cx="0" cy="0"/>
         </a:xfrm>
       </p:grpSpPr>
+      <p:sp>
+        <p:nvSpPr>
+          <p:cNvPr id="8" name="角丸四角形 7">
+            <a:extLst>
+              <a:ext uri="{FF2B5EF4-FFF2-40B4-BE49-F238E27FC236}">
+                <a16:creationId xmlns:a16="http://schemas.microsoft.com/office/drawing/2014/main" id="{C55124FC-AA8B-CBF1-2FD5-EE3F12C9C15A}"/>
+              </a:ext>
+            </a:extLst>
+          </p:cNvPr>
+          <p:cNvSpPr>
+            <a:spLocks noChangeAspect="1"/>
+          </p:cNvSpPr>
+          <p:nvPr/>
+        </p:nvSpPr>
+        <p:spPr>
+          <a:xfrm>
+            <a:off x="3411948" y="1080080"/>
+            <a:ext cx="4696591" cy="4320000"/>
+          </a:xfrm>
+          <a:prstGeom prst="roundRect">
+            <a:avLst>
+              <a:gd name="adj" fmla="val 7329"/>
+            </a:avLst>
+          </a:prstGeom>
+          <a:solidFill>
+            <a:schemeClr val="bg1"/>
+          </a:solidFill>
+          <a:ln>
+            <a:noFill/>
+          </a:ln>
+        </p:spPr>
+        <p:style>
+          <a:lnRef idx="2">
+            <a:schemeClr val="accent1">
+              <a:shade val="15000"/>
+            </a:schemeClr>
+          </a:lnRef>
+          <a:fillRef idx="1">
+            <a:schemeClr val="accent1"/>
+          </a:fillRef>
+          <a:effectRef idx="0">
+            <a:schemeClr val="accent1"/>
+          </a:effectRef>
+          <a:fontRef idx="minor">
+            <a:schemeClr val="lt1"/>
+          </a:fontRef>
+        </p:style>
+        <p:txBody>
+          <a:bodyPr rtlCol="0" anchor="ctr"/>
+          <a:lstStyle/>
+          <a:p>
+            <a:pPr algn="ctr"/>
+            <a:endParaRPr kumimoji="1" lang="ja-JP" altLang="en-US"/>
+          </a:p>
+        </p:txBody>
+      </p:sp>
       <p:grpSp>
         <p:nvGrpSpPr>
-          <p:cNvPr id="13" name="グループ化 12">
+          <p:cNvPr id="5" name="グループ化 4">
             <a:extLst>
               <a:ext uri="{FF2B5EF4-FFF2-40B4-BE49-F238E27FC236}">
-                <a16:creationId xmlns:a16="http://schemas.microsoft.com/office/drawing/2014/main" id="{6E3DBAFD-B04D-1301-A20D-F42B996D1EF7}"/>
+                <a16:creationId xmlns:a16="http://schemas.microsoft.com/office/drawing/2014/main" id="{4F175D74-0DE7-42DC-DAE0-D290AA970092}"/>
               </a:ext>
             </a:extLst>
           </p:cNvPr>
@@ -7841,18 +7913,18 @@
         </p:nvGrpSpPr>
         <p:grpSpPr>
           <a:xfrm>
-            <a:off x="3558433" y="0"/>
-            <a:ext cx="4403622" cy="6480177"/>
-            <a:chOff x="3449296" y="-4"/>
-            <a:chExt cx="4403622" cy="6480177"/>
+            <a:off x="3960243" y="1620080"/>
+            <a:ext cx="3600000" cy="3240000"/>
+            <a:chOff x="3736832" y="1620080"/>
+            <a:chExt cx="3600000" cy="3240000"/>
           </a:xfrm>
         </p:grpSpPr>
         <p:pic>
           <p:nvPicPr>
-            <p:cNvPr id="3" name="図 2" descr="QR コード&#10;&#10;自動的に生成された説明">
+            <p:cNvPr id="7" name="図 6" descr="QR コード&#10;&#10;自動的に生成された説明">
               <a:extLst>
                 <a:ext uri="{FF2B5EF4-FFF2-40B4-BE49-F238E27FC236}">
-                  <a16:creationId xmlns:a16="http://schemas.microsoft.com/office/drawing/2014/main" id="{27C9D09C-F19A-08F5-7B62-DC9DD2638049}"/>
+                  <a16:creationId xmlns:a16="http://schemas.microsoft.com/office/drawing/2014/main" id="{7ABB19BE-DFF8-A6A8-2A54-5655BBA923E3}"/>
                 </a:ext>
               </a:extLst>
             </p:cNvPr>
@@ -7869,8 +7941,8 @@
           </p:blipFill>
           <p:spPr>
             <a:xfrm rot="16200000">
-              <a:off x="3449296" y="1440084"/>
-              <a:ext cx="3600000" cy="3600000"/>
+              <a:off x="3736832" y="1620080"/>
+              <a:ext cx="3240000" cy="3240000"/>
             </a:xfrm>
             <a:prstGeom prst="rect">
               <a:avLst/>
@@ -7879,10 +7951,10 @@
         </p:pic>
         <p:sp>
           <p:nvSpPr>
-            <p:cNvPr id="12" name="正方形/長方形 11">
+            <p:cNvPr id="2" name="正方形/長方形 1">
               <a:extLst>
                 <a:ext uri="{FF2B5EF4-FFF2-40B4-BE49-F238E27FC236}">
-                  <a16:creationId xmlns:a16="http://schemas.microsoft.com/office/drawing/2014/main" id="{2E412225-5477-412A-CBF1-B9253D423CBF}"/>
+                  <a16:creationId xmlns:a16="http://schemas.microsoft.com/office/drawing/2014/main" id="{4D91B37E-8BC5-7E45-365F-526C37B7C856}"/>
                 </a:ext>
               </a:extLst>
             </p:cNvPr>
@@ -7891,8 +7963,8 @@
           </p:nvSpPr>
           <p:spPr>
             <a:xfrm rot="16200000">
-              <a:off x="4303547" y="2930802"/>
-              <a:ext cx="6480177" cy="618565"/>
+              <a:off x="5536832" y="3060080"/>
+              <a:ext cx="3240000" cy="360000"/>
             </a:xfrm>
             <a:prstGeom prst="rect">
               <a:avLst/>
@@ -7924,31 +7996,35 @@
             <a:p>
               <a:pPr algn="ctr"/>
               <a:r>
-                <a:rPr kumimoji="1" lang="en" altLang="ja-JP" sz="2400" dirty="0">
-                  <a:solidFill>
-                    <a:srgbClr val="FF4631"/>
-                  </a:solidFill>
-                  <a:latin typeface="Meiryo" panose="020B0604030504040204" pitchFamily="34" charset="-128"/>
-                  <a:ea typeface="Meiryo" panose="020B0604030504040204" pitchFamily="34" charset="-128"/>
-                </a:rPr>
-                <a:t>https://</a:t>
-              </a:r>
-              <a:r>
-                <a:rPr kumimoji="1" lang="en" altLang="ja-JP" sz="2400" dirty="0" err="1">
-                  <a:solidFill>
-                    <a:srgbClr val="FF4631"/>
-                  </a:solidFill>
-                  <a:latin typeface="Meiryo" panose="020B0604030504040204" pitchFamily="34" charset="-128"/>
-                  <a:ea typeface="Meiryo" panose="020B0604030504040204" pitchFamily="34" charset="-128"/>
+                <a:rPr kumimoji="1" lang="en-US" altLang="ja-JP" sz="2300" dirty="0" err="1">
+                  <a:gradFill>
+                    <a:gsLst>
+                      <a:gs pos="0">
+                        <a:srgbClr val="FF7F2E"/>
+                      </a:gs>
+                      <a:gs pos="100000">
+                        <a:srgbClr val="FF4631"/>
+                      </a:gs>
+                    </a:gsLst>
+                    <a:lin ang="8100000" scaled="0"/>
+                  </a:gradFill>
+                  <a:latin typeface="Instagram Sans Medium" panose="02000000000000000000" pitchFamily="2" charset="0"/>
                 </a:rPr>
                 <a:t>masanarius.github.io</a:t>
               </a:r>
-              <a:endParaRPr kumimoji="1" lang="ja-JP" altLang="en-US" sz="2400">
-                <a:solidFill>
-                  <a:srgbClr val="FF4631"/>
-                </a:solidFill>
-                <a:latin typeface="Meiryo" panose="020B0604030504040204" pitchFamily="34" charset="-128"/>
-                <a:ea typeface="Meiryo" panose="020B0604030504040204" pitchFamily="34" charset="-128"/>
+              <a:endParaRPr kumimoji="1" lang="ja-JP" altLang="en-US" sz="2300">
+                <a:gradFill>
+                  <a:gsLst>
+                    <a:gs pos="0">
+                      <a:srgbClr val="FF7F2E"/>
+                    </a:gs>
+                    <a:gs pos="100000">
+                      <a:srgbClr val="FF4631"/>
+                    </a:gs>
+                  </a:gsLst>
+                  <a:lin ang="8100000" scaled="0"/>
+                </a:gradFill>
+                <a:latin typeface="Instagram Sans Medium" panose="02000000000000000000" pitchFamily="2" charset="0"/>
               </a:endParaRPr>
             </a:p>
           </p:txBody>

--- a/img/card/businesscard.pptx
+++ b/img/card/businesscard.pptx
@@ -7921,7 +7921,7 @@
         </p:grpSpPr>
         <p:pic>
           <p:nvPicPr>
-            <p:cNvPr id="7" name="図 6" descr="QR コード&#10;&#10;自動的に生成された説明">
+            <p:cNvPr id="7" name="図 6">
               <a:extLst>
                 <a:ext uri="{FF2B5EF4-FFF2-40B4-BE49-F238E27FC236}">
                   <a16:creationId xmlns:a16="http://schemas.microsoft.com/office/drawing/2014/main" id="{7ABB19BE-DFF8-A6A8-2A54-5655BBA923E3}"/>
@@ -7935,9 +7935,8 @@
           </p:nvPicPr>
           <p:blipFill>
             <a:blip r:embed="rId2"/>
-            <a:stretch>
-              <a:fillRect/>
-            </a:stretch>
+            <a:srcRect/>
+            <a:stretch/>
           </p:blipFill>
           <p:spPr>
             <a:xfrm rot="16200000">

--- a/img/card/businesscard.pptx
+++ b/img/card/businesscard.pptx
@@ -5,7 +5,7 @@
     <p:sldMasterId id="2147483672" r:id="rId1"/>
   </p:sldMasterIdLst>
   <p:notesMasterIdLst>
-    <p:notesMasterId r:id="rId15"/>
+    <p:notesMasterId r:id="rId16"/>
   </p:notesMasterIdLst>
   <p:sldIdLst>
     <p:sldId id="273" r:id="rId2"/>
@@ -21,6 +21,7 @@
     <p:sldId id="271" r:id="rId12"/>
     <p:sldId id="272" r:id="rId13"/>
     <p:sldId id="279" r:id="rId14"/>
+    <p:sldId id="280" r:id="rId15"/>
   </p:sldIdLst>
   <p:sldSz cx="11520488" cy="6480175"/>
   <p:notesSz cx="6858000" cy="9144000"/>
@@ -141,6 +142,7 @@
             <p14:sldId id="271"/>
             <p14:sldId id="272"/>
             <p14:sldId id="279"/>
+            <p14:sldId id="280"/>
           </p14:sldIdLst>
         </p14:section>
       </p14:sectionLst>
@@ -234,7 +236,7 @@
           <a:p>
             <a:fld id="{CAEBE9D9-678F-BD4B-8EA4-BDD07F057B8C}" type="datetimeFigureOut">
               <a:rPr kumimoji="1" lang="ja-JP" altLang="en-US" smtClean="0"/>
-              <a:t>2023/11/9</a:t>
+              <a:t>2023/11/10</a:t>
             </a:fld>
             <a:endParaRPr kumimoji="1" lang="ja-JP" altLang="en-US"/>
           </a:p>
@@ -1672,7 +1674,7 @@
           <a:p>
             <a:fld id="{2AE1D30C-6AA1-F444-A085-A136DDB05B7F}" type="datetimeFigureOut">
               <a:rPr kumimoji="1" lang="ja-JP" altLang="en-US" smtClean="0"/>
-              <a:t>2023/11/9</a:t>
+              <a:t>2023/11/10</a:t>
             </a:fld>
             <a:endParaRPr kumimoji="1" lang="ja-JP" altLang="en-US"/>
           </a:p>
@@ -1874,7 +1876,7 @@
           <a:p>
             <a:fld id="{2AE1D30C-6AA1-F444-A085-A136DDB05B7F}" type="datetimeFigureOut">
               <a:rPr kumimoji="1" lang="ja-JP" altLang="en-US" smtClean="0"/>
-              <a:t>2023/11/9</a:t>
+              <a:t>2023/11/10</a:t>
             </a:fld>
             <a:endParaRPr kumimoji="1" lang="ja-JP" altLang="en-US"/>
           </a:p>
@@ -2086,7 +2088,7 @@
           <a:p>
             <a:fld id="{2AE1D30C-6AA1-F444-A085-A136DDB05B7F}" type="datetimeFigureOut">
               <a:rPr kumimoji="1" lang="ja-JP" altLang="en-US" smtClean="0"/>
-              <a:t>2023/11/9</a:t>
+              <a:t>2023/11/10</a:t>
             </a:fld>
             <a:endParaRPr kumimoji="1" lang="ja-JP" altLang="en-US"/>
           </a:p>
@@ -2288,7 +2290,7 @@
           <a:p>
             <a:fld id="{2AE1D30C-6AA1-F444-A085-A136DDB05B7F}" type="datetimeFigureOut">
               <a:rPr kumimoji="1" lang="ja-JP" altLang="en-US" smtClean="0"/>
-              <a:t>2023/11/9</a:t>
+              <a:t>2023/11/10</a:t>
             </a:fld>
             <a:endParaRPr kumimoji="1" lang="ja-JP" altLang="en-US"/>
           </a:p>
@@ -2534,7 +2536,7 @@
           <a:p>
             <a:fld id="{2AE1D30C-6AA1-F444-A085-A136DDB05B7F}" type="datetimeFigureOut">
               <a:rPr kumimoji="1" lang="ja-JP" altLang="en-US" smtClean="0"/>
-              <a:t>2023/11/9</a:t>
+              <a:t>2023/11/10</a:t>
             </a:fld>
             <a:endParaRPr kumimoji="1" lang="ja-JP" altLang="en-US"/>
           </a:p>
@@ -2830,7 +2832,7 @@
           <a:p>
             <a:fld id="{2AE1D30C-6AA1-F444-A085-A136DDB05B7F}" type="datetimeFigureOut">
               <a:rPr kumimoji="1" lang="ja-JP" altLang="en-US" smtClean="0"/>
-              <a:t>2023/11/9</a:t>
+              <a:t>2023/11/10</a:t>
             </a:fld>
             <a:endParaRPr kumimoji="1" lang="ja-JP" altLang="en-US"/>
           </a:p>
@@ -3261,7 +3263,7 @@
           <a:p>
             <a:fld id="{2AE1D30C-6AA1-F444-A085-A136DDB05B7F}" type="datetimeFigureOut">
               <a:rPr kumimoji="1" lang="ja-JP" altLang="en-US" smtClean="0"/>
-              <a:t>2023/11/9</a:t>
+              <a:t>2023/11/10</a:t>
             </a:fld>
             <a:endParaRPr kumimoji="1" lang="ja-JP" altLang="en-US"/>
           </a:p>
@@ -3379,7 +3381,7 @@
           <a:p>
             <a:fld id="{2AE1D30C-6AA1-F444-A085-A136DDB05B7F}" type="datetimeFigureOut">
               <a:rPr kumimoji="1" lang="ja-JP" altLang="en-US" smtClean="0"/>
-              <a:t>2023/11/9</a:t>
+              <a:t>2023/11/10</a:t>
             </a:fld>
             <a:endParaRPr kumimoji="1" lang="ja-JP" altLang="en-US"/>
           </a:p>
@@ -3474,7 +3476,7 @@
           <a:p>
             <a:fld id="{2AE1D30C-6AA1-F444-A085-A136DDB05B7F}" type="datetimeFigureOut">
               <a:rPr kumimoji="1" lang="ja-JP" altLang="en-US" smtClean="0"/>
-              <a:t>2023/11/9</a:t>
+              <a:t>2023/11/10</a:t>
             </a:fld>
             <a:endParaRPr kumimoji="1" lang="ja-JP" altLang="en-US"/>
           </a:p>
@@ -3783,7 +3785,7 @@
           <a:p>
             <a:fld id="{2AE1D30C-6AA1-F444-A085-A136DDB05B7F}" type="datetimeFigureOut">
               <a:rPr kumimoji="1" lang="ja-JP" altLang="en-US" smtClean="0"/>
-              <a:t>2023/11/9</a:t>
+              <a:t>2023/11/10</a:t>
             </a:fld>
             <a:endParaRPr kumimoji="1" lang="ja-JP" altLang="en-US"/>
           </a:p>
@@ -4040,7 +4042,7 @@
           <a:p>
             <a:fld id="{2AE1D30C-6AA1-F444-A085-A136DDB05B7F}" type="datetimeFigureOut">
               <a:rPr kumimoji="1" lang="ja-JP" altLang="en-US" smtClean="0"/>
-              <a:t>2023/11/9</a:t>
+              <a:t>2023/11/10</a:t>
             </a:fld>
             <a:endParaRPr kumimoji="1" lang="ja-JP" altLang="en-US"/>
           </a:p>
@@ -4285,7 +4287,7 @@
           <a:p>
             <a:fld id="{2AE1D30C-6AA1-F444-A085-A136DDB05B7F}" type="datetimeFigureOut">
               <a:rPr kumimoji="1" lang="ja-JP" altLang="en-US" smtClean="0"/>
-              <a:t>2023/11/9</a:t>
+              <a:t>2023/11/10</a:t>
             </a:fld>
             <a:endParaRPr kumimoji="1" lang="ja-JP" altLang="en-US"/>
           </a:p>
@@ -8042,6 +8044,243 @@
 </p:sld>
 </file>
 
+<file path=ppt/slides/slide14.xml><?xml version="1.0" encoding="utf-8"?>
+<p:sld xmlns:a="http://schemas.openxmlformats.org/drawingml/2006/main" xmlns:r="http://schemas.openxmlformats.org/officeDocument/2006/relationships" xmlns:p="http://schemas.openxmlformats.org/presentationml/2006/main">
+  <p:cSld>
+    <p:spTree>
+      <p:nvGrpSpPr>
+        <p:cNvPr id="1" name=""/>
+        <p:cNvGrpSpPr/>
+        <p:nvPr/>
+      </p:nvGrpSpPr>
+      <p:grpSpPr>
+        <a:xfrm>
+          <a:off x="0" y="0"/>
+          <a:ext cx="0" cy="0"/>
+          <a:chOff x="0" y="0"/>
+          <a:chExt cx="0" cy="0"/>
+        </a:xfrm>
+      </p:grpSpPr>
+      <p:grpSp>
+        <p:nvGrpSpPr>
+          <p:cNvPr id="3" name="グループ化 2">
+            <a:extLst>
+              <a:ext uri="{FF2B5EF4-FFF2-40B4-BE49-F238E27FC236}">
+                <a16:creationId xmlns:a16="http://schemas.microsoft.com/office/drawing/2014/main" id="{BA9D367B-441B-DD10-B9F5-351EF334AE63}"/>
+              </a:ext>
+            </a:extLst>
+          </p:cNvPr>
+          <p:cNvGrpSpPr/>
+          <p:nvPr/>
+        </p:nvGrpSpPr>
+        <p:grpSpPr>
+          <a:xfrm rot="5400000">
+            <a:off x="3411948" y="1080080"/>
+            <a:ext cx="4696591" cy="4320000"/>
+            <a:chOff x="3411948" y="1080080"/>
+            <a:chExt cx="4696591" cy="4320000"/>
+          </a:xfrm>
+        </p:grpSpPr>
+        <p:sp>
+          <p:nvSpPr>
+            <p:cNvPr id="8" name="角丸四角形 7">
+              <a:extLst>
+                <a:ext uri="{FF2B5EF4-FFF2-40B4-BE49-F238E27FC236}">
+                  <a16:creationId xmlns:a16="http://schemas.microsoft.com/office/drawing/2014/main" id="{C55124FC-AA8B-CBF1-2FD5-EE3F12C9C15A}"/>
+                </a:ext>
+              </a:extLst>
+            </p:cNvPr>
+            <p:cNvSpPr>
+              <a:spLocks noChangeAspect="1"/>
+            </p:cNvSpPr>
+            <p:nvPr/>
+          </p:nvSpPr>
+          <p:spPr>
+            <a:xfrm>
+              <a:off x="3411948" y="1080080"/>
+              <a:ext cx="4696591" cy="4320000"/>
+            </a:xfrm>
+            <a:prstGeom prst="roundRect">
+              <a:avLst>
+                <a:gd name="adj" fmla="val 7329"/>
+              </a:avLst>
+            </a:prstGeom>
+            <a:solidFill>
+              <a:schemeClr val="bg1"/>
+            </a:solidFill>
+            <a:ln>
+              <a:noFill/>
+            </a:ln>
+          </p:spPr>
+          <p:style>
+            <a:lnRef idx="2">
+              <a:schemeClr val="accent1">
+                <a:shade val="15000"/>
+              </a:schemeClr>
+            </a:lnRef>
+            <a:fillRef idx="1">
+              <a:schemeClr val="accent1"/>
+            </a:fillRef>
+            <a:effectRef idx="0">
+              <a:schemeClr val="accent1"/>
+            </a:effectRef>
+            <a:fontRef idx="minor">
+              <a:schemeClr val="lt1"/>
+            </a:fontRef>
+          </p:style>
+          <p:txBody>
+            <a:bodyPr rtlCol="0" anchor="ctr"/>
+            <a:lstStyle/>
+            <a:p>
+              <a:pPr algn="ctr"/>
+              <a:endParaRPr kumimoji="1" lang="ja-JP" altLang="en-US"/>
+            </a:p>
+          </p:txBody>
+        </p:sp>
+        <p:grpSp>
+          <p:nvGrpSpPr>
+            <p:cNvPr id="5" name="グループ化 4">
+              <a:extLst>
+                <a:ext uri="{FF2B5EF4-FFF2-40B4-BE49-F238E27FC236}">
+                  <a16:creationId xmlns:a16="http://schemas.microsoft.com/office/drawing/2014/main" id="{4F175D74-0DE7-42DC-DAE0-D290AA970092}"/>
+                </a:ext>
+              </a:extLst>
+            </p:cNvPr>
+            <p:cNvGrpSpPr/>
+            <p:nvPr/>
+          </p:nvGrpSpPr>
+          <p:grpSpPr>
+            <a:xfrm>
+              <a:off x="3960243" y="1620080"/>
+              <a:ext cx="3600000" cy="3240000"/>
+              <a:chOff x="3736832" y="1620080"/>
+              <a:chExt cx="3600000" cy="3240000"/>
+            </a:xfrm>
+          </p:grpSpPr>
+          <p:pic>
+            <p:nvPicPr>
+              <p:cNvPr id="7" name="図 6">
+                <a:extLst>
+                  <a:ext uri="{FF2B5EF4-FFF2-40B4-BE49-F238E27FC236}">
+                    <a16:creationId xmlns:a16="http://schemas.microsoft.com/office/drawing/2014/main" id="{7ABB19BE-DFF8-A6A8-2A54-5655BBA923E3}"/>
+                  </a:ext>
+                </a:extLst>
+              </p:cNvPr>
+              <p:cNvPicPr>
+                <a:picLocks noChangeAspect="1"/>
+              </p:cNvPicPr>
+              <p:nvPr/>
+            </p:nvPicPr>
+            <p:blipFill>
+              <a:blip r:embed="rId2"/>
+              <a:srcRect/>
+              <a:stretch/>
+            </p:blipFill>
+            <p:spPr>
+              <a:xfrm rot="16200000">
+                <a:off x="3736832" y="1620080"/>
+                <a:ext cx="3240000" cy="3240000"/>
+              </a:xfrm>
+              <a:prstGeom prst="rect">
+                <a:avLst/>
+              </a:prstGeom>
+            </p:spPr>
+          </p:pic>
+          <p:sp>
+            <p:nvSpPr>
+              <p:cNvPr id="2" name="正方形/長方形 1">
+                <a:extLst>
+                  <a:ext uri="{FF2B5EF4-FFF2-40B4-BE49-F238E27FC236}">
+                    <a16:creationId xmlns:a16="http://schemas.microsoft.com/office/drawing/2014/main" id="{4D91B37E-8BC5-7E45-365F-526C37B7C856}"/>
+                  </a:ext>
+                </a:extLst>
+              </p:cNvPr>
+              <p:cNvSpPr/>
+              <p:nvPr/>
+            </p:nvSpPr>
+            <p:spPr>
+              <a:xfrm rot="16200000">
+                <a:off x="5536832" y="3060080"/>
+                <a:ext cx="3240000" cy="360000"/>
+              </a:xfrm>
+              <a:prstGeom prst="rect">
+                <a:avLst/>
+              </a:prstGeom>
+              <a:noFill/>
+              <a:ln>
+                <a:noFill/>
+              </a:ln>
+            </p:spPr>
+            <p:style>
+              <a:lnRef idx="2">
+                <a:schemeClr val="accent1">
+                  <a:shade val="15000"/>
+                </a:schemeClr>
+              </a:lnRef>
+              <a:fillRef idx="1">
+                <a:schemeClr val="accent1"/>
+              </a:fillRef>
+              <a:effectRef idx="0">
+                <a:schemeClr val="accent1"/>
+              </a:effectRef>
+              <a:fontRef idx="minor">
+                <a:schemeClr val="lt1"/>
+              </a:fontRef>
+            </p:style>
+            <p:txBody>
+              <a:bodyPr rtlCol="0" anchor="ctr"/>
+              <a:lstStyle/>
+              <a:p>
+                <a:pPr algn="ctr"/>
+                <a:r>
+                  <a:rPr kumimoji="1" lang="en-US" altLang="ja-JP" sz="2300" dirty="0" err="1">
+                    <a:gradFill>
+                      <a:gsLst>
+                        <a:gs pos="0">
+                          <a:srgbClr val="FF7F2E"/>
+                        </a:gs>
+                        <a:gs pos="100000">
+                          <a:srgbClr val="FF4631"/>
+                        </a:gs>
+                      </a:gsLst>
+                      <a:lin ang="8100000" scaled="0"/>
+                    </a:gradFill>
+                    <a:latin typeface="Instagram Sans Medium" panose="02000000000000000000" pitchFamily="2" charset="0"/>
+                  </a:rPr>
+                  <a:t>masanarius.github.io</a:t>
+                </a:r>
+                <a:endParaRPr kumimoji="1" lang="ja-JP" altLang="en-US" sz="2300">
+                  <a:gradFill>
+                    <a:gsLst>
+                      <a:gs pos="0">
+                        <a:srgbClr val="FF7F2E"/>
+                      </a:gs>
+                      <a:gs pos="100000">
+                        <a:srgbClr val="FF4631"/>
+                      </a:gs>
+                    </a:gsLst>
+                    <a:lin ang="8100000" scaled="0"/>
+                  </a:gradFill>
+                  <a:latin typeface="Instagram Sans Medium" panose="02000000000000000000" pitchFamily="2" charset="0"/>
+                </a:endParaRPr>
+              </a:p>
+            </p:txBody>
+          </p:sp>
+        </p:grpSp>
+      </p:grpSp>
+    </p:spTree>
+    <p:extLst>
+      <p:ext uri="{BB962C8B-B14F-4D97-AF65-F5344CB8AC3E}">
+        <p14:creationId xmlns:p14="http://schemas.microsoft.com/office/powerpoint/2010/main" val="1338414427"/>
+      </p:ext>
+    </p:extLst>
+  </p:cSld>
+  <p:clrMapOvr>
+    <a:masterClrMapping/>
+  </p:clrMapOvr>
+</p:sld>
+</file>
+
 <file path=ppt/slides/slide2.xml><?xml version="1.0" encoding="utf-8"?>
 <p:sld xmlns:a="http://schemas.openxmlformats.org/drawingml/2006/main" xmlns:r="http://schemas.openxmlformats.org/officeDocument/2006/relationships" xmlns:p="http://schemas.openxmlformats.org/presentationml/2006/main">
   <p:cSld>

--- a/img/card/businesscard.pptx
+++ b/img/card/businesscard.pptx
@@ -5,7 +5,7 @@
     <p:sldMasterId id="2147483672" r:id="rId1"/>
   </p:sldMasterIdLst>
   <p:notesMasterIdLst>
-    <p:notesMasterId r:id="rId10"/>
+    <p:notesMasterId r:id="rId11"/>
   </p:notesMasterIdLst>
   <p:sldIdLst>
     <p:sldId id="267" r:id="rId2"/>
@@ -14,8 +14,9 @@
     <p:sldId id="270" r:id="rId5"/>
     <p:sldId id="271" r:id="rId6"/>
     <p:sldId id="272" r:id="rId7"/>
-    <p:sldId id="279" r:id="rId8"/>
-    <p:sldId id="280" r:id="rId9"/>
+    <p:sldId id="281" r:id="rId8"/>
+    <p:sldId id="279" r:id="rId9"/>
+    <p:sldId id="280" r:id="rId10"/>
   </p:sldIdLst>
   <p:sldSz cx="11520488" cy="6480175"/>
   <p:notesSz cx="6858000" cy="9144000"/>
@@ -125,6 +126,7 @@
             <p14:sldId id="270"/>
             <p14:sldId id="271"/>
             <p14:sldId id="272"/>
+            <p14:sldId id="281"/>
             <p14:sldId id="279"/>
             <p14:sldId id="280"/>
           </p14:sldIdLst>
@@ -220,7 +222,7 @@
           <a:p>
             <a:fld id="{CAEBE9D9-678F-BD4B-8EA4-BDD07F057B8C}" type="datetimeFigureOut">
               <a:rPr kumimoji="1" lang="ja-JP" altLang="en-US" smtClean="0"/>
-              <a:t>2024/2/14</a:t>
+              <a:t>2024/2/15</a:t>
             </a:fld>
             <a:endParaRPr kumimoji="1" lang="ja-JP" altLang="en-US"/>
           </a:p>
@@ -1154,7 +1156,7 @@
           <a:p>
             <a:fld id="{2AE1D30C-6AA1-F444-A085-A136DDB05B7F}" type="datetimeFigureOut">
               <a:rPr kumimoji="1" lang="ja-JP" altLang="en-US" smtClean="0"/>
-              <a:t>2024/2/14</a:t>
+              <a:t>2024/2/15</a:t>
             </a:fld>
             <a:endParaRPr kumimoji="1" lang="ja-JP" altLang="en-US"/>
           </a:p>
@@ -1356,7 +1358,7 @@
           <a:p>
             <a:fld id="{2AE1D30C-6AA1-F444-A085-A136DDB05B7F}" type="datetimeFigureOut">
               <a:rPr kumimoji="1" lang="ja-JP" altLang="en-US" smtClean="0"/>
-              <a:t>2024/2/14</a:t>
+              <a:t>2024/2/15</a:t>
             </a:fld>
             <a:endParaRPr kumimoji="1" lang="ja-JP" altLang="en-US"/>
           </a:p>
@@ -1568,7 +1570,7 @@
           <a:p>
             <a:fld id="{2AE1D30C-6AA1-F444-A085-A136DDB05B7F}" type="datetimeFigureOut">
               <a:rPr kumimoji="1" lang="ja-JP" altLang="en-US" smtClean="0"/>
-              <a:t>2024/2/14</a:t>
+              <a:t>2024/2/15</a:t>
             </a:fld>
             <a:endParaRPr kumimoji="1" lang="ja-JP" altLang="en-US"/>
           </a:p>
@@ -1770,7 +1772,7 @@
           <a:p>
             <a:fld id="{2AE1D30C-6AA1-F444-A085-A136DDB05B7F}" type="datetimeFigureOut">
               <a:rPr kumimoji="1" lang="ja-JP" altLang="en-US" smtClean="0"/>
-              <a:t>2024/2/14</a:t>
+              <a:t>2024/2/15</a:t>
             </a:fld>
             <a:endParaRPr kumimoji="1" lang="ja-JP" altLang="en-US"/>
           </a:p>
@@ -2016,7 +2018,7 @@
           <a:p>
             <a:fld id="{2AE1D30C-6AA1-F444-A085-A136DDB05B7F}" type="datetimeFigureOut">
               <a:rPr kumimoji="1" lang="ja-JP" altLang="en-US" smtClean="0"/>
-              <a:t>2024/2/14</a:t>
+              <a:t>2024/2/15</a:t>
             </a:fld>
             <a:endParaRPr kumimoji="1" lang="ja-JP" altLang="en-US"/>
           </a:p>
@@ -2312,7 +2314,7 @@
           <a:p>
             <a:fld id="{2AE1D30C-6AA1-F444-A085-A136DDB05B7F}" type="datetimeFigureOut">
               <a:rPr kumimoji="1" lang="ja-JP" altLang="en-US" smtClean="0"/>
-              <a:t>2024/2/14</a:t>
+              <a:t>2024/2/15</a:t>
             </a:fld>
             <a:endParaRPr kumimoji="1" lang="ja-JP" altLang="en-US"/>
           </a:p>
@@ -2743,7 +2745,7 @@
           <a:p>
             <a:fld id="{2AE1D30C-6AA1-F444-A085-A136DDB05B7F}" type="datetimeFigureOut">
               <a:rPr kumimoji="1" lang="ja-JP" altLang="en-US" smtClean="0"/>
-              <a:t>2024/2/14</a:t>
+              <a:t>2024/2/15</a:t>
             </a:fld>
             <a:endParaRPr kumimoji="1" lang="ja-JP" altLang="en-US"/>
           </a:p>
@@ -2861,7 +2863,7 @@
           <a:p>
             <a:fld id="{2AE1D30C-6AA1-F444-A085-A136DDB05B7F}" type="datetimeFigureOut">
               <a:rPr kumimoji="1" lang="ja-JP" altLang="en-US" smtClean="0"/>
-              <a:t>2024/2/14</a:t>
+              <a:t>2024/2/15</a:t>
             </a:fld>
             <a:endParaRPr kumimoji="1" lang="ja-JP" altLang="en-US"/>
           </a:p>
@@ -2956,7 +2958,7 @@
           <a:p>
             <a:fld id="{2AE1D30C-6AA1-F444-A085-A136DDB05B7F}" type="datetimeFigureOut">
               <a:rPr kumimoji="1" lang="ja-JP" altLang="en-US" smtClean="0"/>
-              <a:t>2024/2/14</a:t>
+              <a:t>2024/2/15</a:t>
             </a:fld>
             <a:endParaRPr kumimoji="1" lang="ja-JP" altLang="en-US"/>
           </a:p>
@@ -3265,7 +3267,7 @@
           <a:p>
             <a:fld id="{2AE1D30C-6AA1-F444-A085-A136DDB05B7F}" type="datetimeFigureOut">
               <a:rPr kumimoji="1" lang="ja-JP" altLang="en-US" smtClean="0"/>
-              <a:t>2024/2/14</a:t>
+              <a:t>2024/2/15</a:t>
             </a:fld>
             <a:endParaRPr kumimoji="1" lang="ja-JP" altLang="en-US"/>
           </a:p>
@@ -3522,7 +3524,7 @@
           <a:p>
             <a:fld id="{2AE1D30C-6AA1-F444-A085-A136DDB05B7F}" type="datetimeFigureOut">
               <a:rPr kumimoji="1" lang="ja-JP" altLang="en-US" smtClean="0"/>
-              <a:t>2024/2/14</a:t>
+              <a:t>2024/2/15</a:t>
             </a:fld>
             <a:endParaRPr kumimoji="1" lang="ja-JP" altLang="en-US"/>
           </a:p>
@@ -3767,7 +3769,7 @@
           <a:p>
             <a:fld id="{2AE1D30C-6AA1-F444-A085-A136DDB05B7F}" type="datetimeFigureOut">
               <a:rPr kumimoji="1" lang="ja-JP" altLang="en-US" smtClean="0"/>
-              <a:t>2024/2/14</a:t>
+              <a:t>2024/2/15</a:t>
             </a:fld>
             <a:endParaRPr kumimoji="1" lang="ja-JP" altLang="en-US"/>
           </a:p>
@@ -6100,7 +6102,7 @@
                   <a:latin typeface="Yu Gothic" panose="020B0400000000000000" pitchFamily="34" charset="-128"/>
                   <a:ea typeface="Yu Gothic" panose="020B0400000000000000" pitchFamily="34" charset="-128"/>
                 </a:rPr>
-                <a:t>, Hamamatsu, 4328011 Japan</a:t>
+                <a:t>, Hamamatsu, Shizuoka, 4328011 Japan</a:t>
               </a:r>
               <a:endParaRPr kumimoji="1" lang="ja-JP" altLang="en-US" sz="1400">
                 <a:solidFill>
@@ -8473,7 +8475,7 @@
                   <a:latin typeface="Yu Gothic" panose="020B0400000000000000" pitchFamily="34" charset="-128"/>
                   <a:ea typeface="Yu Gothic" panose="020B0400000000000000" pitchFamily="34" charset="-128"/>
                 </a:rPr>
-                <a:t>, Hamamatsu, 4328011 Japan</a:t>
+                <a:t>, Hamamatsu, Shizuoka, 4328011 Japan</a:t>
               </a:r>
               <a:endParaRPr kumimoji="1" lang="ja-JP" altLang="en-US" sz="1400">
                 <a:solidFill>
@@ -8946,6 +8948,86 @@
 <file path=ppt/slides/slide7.xml><?xml version="1.0" encoding="utf-8"?>
 <p:sld xmlns:a="http://schemas.openxmlformats.org/drawingml/2006/main" xmlns:r="http://schemas.openxmlformats.org/officeDocument/2006/relationships" xmlns:p="http://schemas.openxmlformats.org/presentationml/2006/main">
   <p:cSld>
+    <p:spTree>
+      <p:nvGrpSpPr>
+        <p:cNvPr id="1" name=""/>
+        <p:cNvGrpSpPr/>
+        <p:nvPr/>
+      </p:nvGrpSpPr>
+      <p:grpSpPr>
+        <a:xfrm>
+          <a:off x="0" y="0"/>
+          <a:ext cx="0" cy="0"/>
+          <a:chOff x="0" y="0"/>
+          <a:chExt cx="0" cy="0"/>
+        </a:xfrm>
+      </p:grpSpPr>
+      <p:sp>
+        <p:nvSpPr>
+          <p:cNvPr id="2" name="タイトル 1">
+            <a:extLst>
+              <a:ext uri="{FF2B5EF4-FFF2-40B4-BE49-F238E27FC236}">
+                <a16:creationId xmlns:a16="http://schemas.microsoft.com/office/drawing/2014/main" id="{5E718385-0EE9-5877-BE1E-1026DB3C3357}"/>
+              </a:ext>
+            </a:extLst>
+          </p:cNvPr>
+          <p:cNvSpPr>
+            <a:spLocks noGrp="1"/>
+          </p:cNvSpPr>
+          <p:nvPr>
+            <p:ph type="title"/>
+          </p:nvPr>
+        </p:nvSpPr>
+        <p:spPr/>
+        <p:txBody>
+          <a:bodyPr/>
+          <a:lstStyle/>
+          <a:p>
+            <a:endParaRPr kumimoji="1" lang="ja-JP" altLang="en-US"/>
+          </a:p>
+        </p:txBody>
+      </p:sp>
+      <p:sp>
+        <p:nvSpPr>
+          <p:cNvPr id="3" name="コンテンツ プレースホルダー 2">
+            <a:extLst>
+              <a:ext uri="{FF2B5EF4-FFF2-40B4-BE49-F238E27FC236}">
+                <a16:creationId xmlns:a16="http://schemas.microsoft.com/office/drawing/2014/main" id="{8958A7F9-2556-CE3A-0102-FDDF69EEE142}"/>
+              </a:ext>
+            </a:extLst>
+          </p:cNvPr>
+          <p:cNvSpPr>
+            <a:spLocks noGrp="1"/>
+          </p:cNvSpPr>
+          <p:nvPr>
+            <p:ph idx="1"/>
+          </p:nvPr>
+        </p:nvSpPr>
+        <p:spPr/>
+        <p:txBody>
+          <a:bodyPr/>
+          <a:lstStyle/>
+          <a:p>
+            <a:endParaRPr kumimoji="1" lang="ja-JP" altLang="en-US"/>
+          </a:p>
+        </p:txBody>
+      </p:sp>
+    </p:spTree>
+    <p:extLst>
+      <p:ext uri="{BB962C8B-B14F-4D97-AF65-F5344CB8AC3E}">
+        <p14:creationId xmlns:p14="http://schemas.microsoft.com/office/powerpoint/2010/main" val="709652631"/>
+      </p:ext>
+    </p:extLst>
+  </p:cSld>
+  <p:clrMapOvr>
+    <a:masterClrMapping/>
+  </p:clrMapOvr>
+</p:sld>
+</file>
+
+<file path=ppt/slides/slide8.xml><?xml version="1.0" encoding="utf-8"?>
+<p:sld xmlns:a="http://schemas.openxmlformats.org/drawingml/2006/main" xmlns:r="http://schemas.openxmlformats.org/officeDocument/2006/relationships" xmlns:p="http://schemas.openxmlformats.org/presentationml/2006/main">
+  <p:cSld>
     <p:bg>
       <p:bgPr>
         <a:gradFill>
@@ -9175,7 +9257,7 @@
 </p:sld>
 </file>
 
-<file path=ppt/slides/slide8.xml><?xml version="1.0" encoding="utf-8"?>
+<file path=ppt/slides/slide9.xml><?xml version="1.0" encoding="utf-8"?>
 <p:sld xmlns:a="http://schemas.openxmlformats.org/drawingml/2006/main" xmlns:r="http://schemas.openxmlformats.org/officeDocument/2006/relationships" xmlns:p="http://schemas.openxmlformats.org/presentationml/2006/main">
   <p:cSld>
     <p:spTree>

--- a/img/card/businesscard.pptx
+++ b/img/card/businesscard.pptx
@@ -5,18 +5,15 @@
     <p:sldMasterId id="2147483672" r:id="rId1"/>
   </p:sldMasterIdLst>
   <p:notesMasterIdLst>
-    <p:notesMasterId r:id="rId11"/>
+    <p:notesMasterId r:id="rId8"/>
   </p:notesMasterIdLst>
   <p:sldIdLst>
-    <p:sldId id="267" r:id="rId2"/>
-    <p:sldId id="268" r:id="rId3"/>
+    <p:sldId id="268" r:id="rId2"/>
+    <p:sldId id="267" r:id="rId3"/>
     <p:sldId id="269" r:id="rId4"/>
-    <p:sldId id="270" r:id="rId5"/>
-    <p:sldId id="271" r:id="rId6"/>
+    <p:sldId id="271" r:id="rId5"/>
+    <p:sldId id="270" r:id="rId6"/>
     <p:sldId id="272" r:id="rId7"/>
-    <p:sldId id="281" r:id="rId8"/>
-    <p:sldId id="279" r:id="rId9"/>
-    <p:sldId id="280" r:id="rId10"/>
   </p:sldIdLst>
   <p:sldSz cx="11520488" cy="6480175"/>
   <p:notesSz cx="6858000" cy="9144000"/>
@@ -116,23 +113,6 @@
     </a:lvl9pPr>
   </p:defaultTextStyle>
   <p:extLst>
-    <p:ext uri="{521415D9-36F7-43E2-AB2F-B90AF26B5E84}">
-      <p14:sectionLst xmlns:p14="http://schemas.microsoft.com/office/powerpoint/2010/main">
-        <p14:section name="修士" id="{FF77B115-0D85-264F-A9BF-E59F1EEB5210}">
-          <p14:sldIdLst>
-            <p14:sldId id="267"/>
-            <p14:sldId id="268"/>
-            <p14:sldId id="269"/>
-            <p14:sldId id="270"/>
-            <p14:sldId id="271"/>
-            <p14:sldId id="272"/>
-            <p14:sldId id="281"/>
-            <p14:sldId id="279"/>
-            <p14:sldId id="280"/>
-          </p14:sldIdLst>
-        </p14:section>
-      </p14:sectionLst>
-    </p:ext>
     <p:ext uri="{EFAFB233-063F-42B5-8137-9DF3F51BA10A}">
       <p15:sldGuideLst xmlns:p15="http://schemas.microsoft.com/office/powerpoint/2012/main"/>
     </p:ext>
@@ -222,7 +202,7 @@
           <a:p>
             <a:fld id="{CAEBE9D9-678F-BD4B-8EA4-BDD07F057B8C}" type="datetimeFigureOut">
               <a:rPr kumimoji="1" lang="ja-JP" altLang="en-US" smtClean="0"/>
-              <a:t>2024/2/15</a:t>
+              <a:t>2024/2/19</a:t>
             </a:fld>
             <a:endParaRPr kumimoji="1" lang="ja-JP" altLang="en-US"/>
           </a:p>
@@ -526,7 +506,13 @@
   <p:cSld>
     <p:spTree>
       <p:nvGrpSpPr>
-        <p:cNvPr id="1" name=""/>
+        <p:cNvPr id="1" name="">
+          <a:extLst>
+            <a:ext uri="{FF2B5EF4-FFF2-40B4-BE49-F238E27FC236}">
+              <a16:creationId xmlns:a16="http://schemas.microsoft.com/office/drawing/2014/main" id="{6C2ED832-E670-C3B0-A8DA-096BCED160D9}"/>
+            </a:ext>
+          </a:extLst>
+        </p:cNvPr>
         <p:cNvGrpSpPr/>
         <p:nvPr/>
       </p:nvGrpSpPr>
@@ -540,7 +526,13 @@
       </p:grpSpPr>
       <p:sp>
         <p:nvSpPr>
-          <p:cNvPr id="2" name="スライド イメージ プレースホルダー 1"/>
+          <p:cNvPr id="2" name="スライド イメージ プレースホルダー 1">
+            <a:extLst>
+              <a:ext uri="{FF2B5EF4-FFF2-40B4-BE49-F238E27FC236}">
+                <a16:creationId xmlns:a16="http://schemas.microsoft.com/office/drawing/2014/main" id="{A5909222-C5C8-6876-A036-E254E9618C28}"/>
+              </a:ext>
+            </a:extLst>
+          </p:cNvPr>
           <p:cNvSpPr>
             <a:spLocks noGrp="1" noRot="1" noChangeAspect="1"/>
           </p:cNvSpPr>
@@ -552,7 +544,13 @@
       </p:sp>
       <p:sp>
         <p:nvSpPr>
-          <p:cNvPr id="3" name="ノート プレースホルダー 2"/>
+          <p:cNvPr id="3" name="ノート プレースホルダー 2">
+            <a:extLst>
+              <a:ext uri="{FF2B5EF4-FFF2-40B4-BE49-F238E27FC236}">
+                <a16:creationId xmlns:a16="http://schemas.microsoft.com/office/drawing/2014/main" id="{50AB81B5-93E0-73B8-D39A-9864DA0C38A1}"/>
+              </a:ext>
+            </a:extLst>
+          </p:cNvPr>
           <p:cNvSpPr>
             <a:spLocks noGrp="1"/>
           </p:cNvSpPr>
@@ -571,7 +569,13 @@
       </p:sp>
       <p:sp>
         <p:nvSpPr>
-          <p:cNvPr id="4" name="スライド番号プレースホルダー 3"/>
+          <p:cNvPr id="4" name="スライド番号プレースホルダー 3">
+            <a:extLst>
+              <a:ext uri="{FF2B5EF4-FFF2-40B4-BE49-F238E27FC236}">
+                <a16:creationId xmlns:a16="http://schemas.microsoft.com/office/drawing/2014/main" id="{985AA131-C209-3E60-5218-F92DA9E40D61}"/>
+              </a:ext>
+            </a:extLst>
+          </p:cNvPr>
           <p:cNvSpPr>
             <a:spLocks noGrp="1"/>
           </p:cNvSpPr>
@@ -595,7 +599,7 @@
     </p:spTree>
     <p:extLst>
       <p:ext uri="{BB962C8B-B14F-4D97-AF65-F5344CB8AC3E}">
-        <p14:creationId xmlns:p14="http://schemas.microsoft.com/office/powerpoint/2010/main" val="2880812635"/>
+        <p14:creationId xmlns:p14="http://schemas.microsoft.com/office/powerpoint/2010/main" val="4192635371"/>
       </p:ext>
     </p:extLst>
   </p:cSld>
@@ -610,7 +614,13 @@
   <p:cSld>
     <p:spTree>
       <p:nvGrpSpPr>
-        <p:cNvPr id="1" name=""/>
+        <p:cNvPr id="1" name="">
+          <a:extLst>
+            <a:ext uri="{FF2B5EF4-FFF2-40B4-BE49-F238E27FC236}">
+              <a16:creationId xmlns:a16="http://schemas.microsoft.com/office/drawing/2014/main" id="{D94D7A56-8E29-C7DF-5BA1-830E8748DF39}"/>
+            </a:ext>
+          </a:extLst>
+        </p:cNvPr>
         <p:cNvGrpSpPr/>
         <p:nvPr/>
       </p:nvGrpSpPr>
@@ -624,7 +634,13 @@
       </p:grpSpPr>
       <p:sp>
         <p:nvSpPr>
-          <p:cNvPr id="2" name="スライド イメージ プレースホルダー 1"/>
+          <p:cNvPr id="2" name="スライド イメージ プレースホルダー 1">
+            <a:extLst>
+              <a:ext uri="{FF2B5EF4-FFF2-40B4-BE49-F238E27FC236}">
+                <a16:creationId xmlns:a16="http://schemas.microsoft.com/office/drawing/2014/main" id="{94CEAD24-E40C-29AD-D2C6-DF3BAB718F89}"/>
+              </a:ext>
+            </a:extLst>
+          </p:cNvPr>
           <p:cNvSpPr>
             <a:spLocks noGrp="1" noRot="1" noChangeAspect="1"/>
           </p:cNvSpPr>
@@ -636,7 +652,13 @@
       </p:sp>
       <p:sp>
         <p:nvSpPr>
-          <p:cNvPr id="3" name="ノート プレースホルダー 2"/>
+          <p:cNvPr id="3" name="ノート プレースホルダー 2">
+            <a:extLst>
+              <a:ext uri="{FF2B5EF4-FFF2-40B4-BE49-F238E27FC236}">
+                <a16:creationId xmlns:a16="http://schemas.microsoft.com/office/drawing/2014/main" id="{F857CD19-B69D-CE88-E7A8-DC58508AAA7B}"/>
+              </a:ext>
+            </a:extLst>
+          </p:cNvPr>
           <p:cNvSpPr>
             <a:spLocks noGrp="1"/>
           </p:cNvSpPr>
@@ -655,7 +677,13 @@
       </p:sp>
       <p:sp>
         <p:nvSpPr>
-          <p:cNvPr id="4" name="スライド番号プレースホルダー 3"/>
+          <p:cNvPr id="4" name="スライド番号プレースホルダー 3">
+            <a:extLst>
+              <a:ext uri="{FF2B5EF4-FFF2-40B4-BE49-F238E27FC236}">
+                <a16:creationId xmlns:a16="http://schemas.microsoft.com/office/drawing/2014/main" id="{B848F580-ED98-24A5-4111-77B0BDE8C91B}"/>
+              </a:ext>
+            </a:extLst>
+          </p:cNvPr>
           <p:cNvSpPr>
             <a:spLocks noGrp="1"/>
           </p:cNvSpPr>
@@ -679,7 +707,7 @@
     </p:spTree>
     <p:extLst>
       <p:ext uri="{BB962C8B-B14F-4D97-AF65-F5344CB8AC3E}">
-        <p14:creationId xmlns:p14="http://schemas.microsoft.com/office/powerpoint/2010/main" val="2147383780"/>
+        <p14:creationId xmlns:p14="http://schemas.microsoft.com/office/powerpoint/2010/main" val="2324666397"/>
       </p:ext>
     </p:extLst>
   </p:cSld>
@@ -694,7 +722,13 @@
   <p:cSld>
     <p:spTree>
       <p:nvGrpSpPr>
-        <p:cNvPr id="1" name=""/>
+        <p:cNvPr id="1" name="">
+          <a:extLst>
+            <a:ext uri="{FF2B5EF4-FFF2-40B4-BE49-F238E27FC236}">
+              <a16:creationId xmlns:a16="http://schemas.microsoft.com/office/drawing/2014/main" id="{F518042C-6242-6F18-4B16-6B66B71323E9}"/>
+            </a:ext>
+          </a:extLst>
+        </p:cNvPr>
         <p:cNvGrpSpPr/>
         <p:nvPr/>
       </p:nvGrpSpPr>
@@ -708,7 +742,13 @@
       </p:grpSpPr>
       <p:sp>
         <p:nvSpPr>
-          <p:cNvPr id="2" name="スライド イメージ プレースホルダー 1"/>
+          <p:cNvPr id="2" name="スライド イメージ プレースホルダー 1">
+            <a:extLst>
+              <a:ext uri="{FF2B5EF4-FFF2-40B4-BE49-F238E27FC236}">
+                <a16:creationId xmlns:a16="http://schemas.microsoft.com/office/drawing/2014/main" id="{76B54524-A49D-3A8C-DA65-537FA0FC1B8F}"/>
+              </a:ext>
+            </a:extLst>
+          </p:cNvPr>
           <p:cNvSpPr>
             <a:spLocks noGrp="1" noRot="1" noChangeAspect="1"/>
           </p:cNvSpPr>
@@ -720,7 +760,13 @@
       </p:sp>
       <p:sp>
         <p:nvSpPr>
-          <p:cNvPr id="3" name="ノート プレースホルダー 2"/>
+          <p:cNvPr id="3" name="ノート プレースホルダー 2">
+            <a:extLst>
+              <a:ext uri="{FF2B5EF4-FFF2-40B4-BE49-F238E27FC236}">
+                <a16:creationId xmlns:a16="http://schemas.microsoft.com/office/drawing/2014/main" id="{D0876B52-8A9F-FB7F-BAF3-111E935BC920}"/>
+              </a:ext>
+            </a:extLst>
+          </p:cNvPr>
           <p:cNvSpPr>
             <a:spLocks noGrp="1"/>
           </p:cNvSpPr>
@@ -739,7 +785,13 @@
       </p:sp>
       <p:sp>
         <p:nvSpPr>
-          <p:cNvPr id="4" name="スライド番号プレースホルダー 3"/>
+          <p:cNvPr id="4" name="スライド番号プレースホルダー 3">
+            <a:extLst>
+              <a:ext uri="{FF2B5EF4-FFF2-40B4-BE49-F238E27FC236}">
+                <a16:creationId xmlns:a16="http://schemas.microsoft.com/office/drawing/2014/main" id="{438FCB3F-8A61-A764-A9C3-A26ECC1FFB6F}"/>
+              </a:ext>
+            </a:extLst>
+          </p:cNvPr>
           <p:cNvSpPr>
             <a:spLocks noGrp="1"/>
           </p:cNvSpPr>
@@ -763,7 +815,7 @@
     </p:spTree>
     <p:extLst>
       <p:ext uri="{BB962C8B-B14F-4D97-AF65-F5344CB8AC3E}">
-        <p14:creationId xmlns:p14="http://schemas.microsoft.com/office/powerpoint/2010/main" val="2884571924"/>
+        <p14:creationId xmlns:p14="http://schemas.microsoft.com/office/powerpoint/2010/main" val="2449034930"/>
       </p:ext>
     </p:extLst>
   </p:cSld>
@@ -778,7 +830,13 @@
   <p:cSld>
     <p:spTree>
       <p:nvGrpSpPr>
-        <p:cNvPr id="1" name=""/>
+        <p:cNvPr id="1" name="">
+          <a:extLst>
+            <a:ext uri="{FF2B5EF4-FFF2-40B4-BE49-F238E27FC236}">
+              <a16:creationId xmlns:a16="http://schemas.microsoft.com/office/drawing/2014/main" id="{7C75DA74-1DB7-4C83-8D0E-72E91085CF92}"/>
+            </a:ext>
+          </a:extLst>
+        </p:cNvPr>
         <p:cNvGrpSpPr/>
         <p:nvPr/>
       </p:nvGrpSpPr>
@@ -792,7 +850,13 @@
       </p:grpSpPr>
       <p:sp>
         <p:nvSpPr>
-          <p:cNvPr id="2" name="スライド イメージ プレースホルダー 1"/>
+          <p:cNvPr id="2" name="スライド イメージ プレースホルダー 1">
+            <a:extLst>
+              <a:ext uri="{FF2B5EF4-FFF2-40B4-BE49-F238E27FC236}">
+                <a16:creationId xmlns:a16="http://schemas.microsoft.com/office/drawing/2014/main" id="{EA285CC1-3A69-83F1-719A-CA5A292A72C3}"/>
+              </a:ext>
+            </a:extLst>
+          </p:cNvPr>
           <p:cNvSpPr>
             <a:spLocks noGrp="1" noRot="1" noChangeAspect="1"/>
           </p:cNvSpPr>
@@ -804,7 +868,13 @@
       </p:sp>
       <p:sp>
         <p:nvSpPr>
-          <p:cNvPr id="3" name="ノート プレースホルダー 2"/>
+          <p:cNvPr id="3" name="ノート プレースホルダー 2">
+            <a:extLst>
+              <a:ext uri="{FF2B5EF4-FFF2-40B4-BE49-F238E27FC236}">
+                <a16:creationId xmlns:a16="http://schemas.microsoft.com/office/drawing/2014/main" id="{45160209-FA4F-B21E-4B12-0B922ADDB4CE}"/>
+              </a:ext>
+            </a:extLst>
+          </p:cNvPr>
           <p:cNvSpPr>
             <a:spLocks noGrp="1"/>
           </p:cNvSpPr>
@@ -823,7 +893,13 @@
       </p:sp>
       <p:sp>
         <p:nvSpPr>
-          <p:cNvPr id="4" name="スライド番号プレースホルダー 3"/>
+          <p:cNvPr id="4" name="スライド番号プレースホルダー 3">
+            <a:extLst>
+              <a:ext uri="{FF2B5EF4-FFF2-40B4-BE49-F238E27FC236}">
+                <a16:creationId xmlns:a16="http://schemas.microsoft.com/office/drawing/2014/main" id="{E89D5993-9ABD-B635-D806-A15D3D99FA7C}"/>
+              </a:ext>
+            </a:extLst>
+          </p:cNvPr>
           <p:cNvSpPr>
             <a:spLocks noGrp="1"/>
           </p:cNvSpPr>
@@ -847,7 +923,7 @@
     </p:spTree>
     <p:extLst>
       <p:ext uri="{BB962C8B-B14F-4D97-AF65-F5344CB8AC3E}">
-        <p14:creationId xmlns:p14="http://schemas.microsoft.com/office/powerpoint/2010/main" val="3447933794"/>
+        <p14:creationId xmlns:p14="http://schemas.microsoft.com/office/powerpoint/2010/main" val="2224036944"/>
       </p:ext>
     </p:extLst>
   </p:cSld>
@@ -862,7 +938,13 @@
   <p:cSld>
     <p:spTree>
       <p:nvGrpSpPr>
-        <p:cNvPr id="1" name=""/>
+        <p:cNvPr id="1" name="">
+          <a:extLst>
+            <a:ext uri="{FF2B5EF4-FFF2-40B4-BE49-F238E27FC236}">
+              <a16:creationId xmlns:a16="http://schemas.microsoft.com/office/drawing/2014/main" id="{FBB12E04-60B5-A309-AF3E-B33B6DE297B2}"/>
+            </a:ext>
+          </a:extLst>
+        </p:cNvPr>
         <p:cNvGrpSpPr/>
         <p:nvPr/>
       </p:nvGrpSpPr>
@@ -876,7 +958,13 @@
       </p:grpSpPr>
       <p:sp>
         <p:nvSpPr>
-          <p:cNvPr id="2" name="スライド イメージ プレースホルダー 1"/>
+          <p:cNvPr id="2" name="スライド イメージ プレースホルダー 1">
+            <a:extLst>
+              <a:ext uri="{FF2B5EF4-FFF2-40B4-BE49-F238E27FC236}">
+                <a16:creationId xmlns:a16="http://schemas.microsoft.com/office/drawing/2014/main" id="{2E84BBCF-DF42-CD57-7499-8812CC228AC9}"/>
+              </a:ext>
+            </a:extLst>
+          </p:cNvPr>
           <p:cNvSpPr>
             <a:spLocks noGrp="1" noRot="1" noChangeAspect="1"/>
           </p:cNvSpPr>
@@ -888,7 +976,13 @@
       </p:sp>
       <p:sp>
         <p:nvSpPr>
-          <p:cNvPr id="3" name="ノート プレースホルダー 2"/>
+          <p:cNvPr id="3" name="ノート プレースホルダー 2">
+            <a:extLst>
+              <a:ext uri="{FF2B5EF4-FFF2-40B4-BE49-F238E27FC236}">
+                <a16:creationId xmlns:a16="http://schemas.microsoft.com/office/drawing/2014/main" id="{F94BF8B5-0CB9-482B-7079-78B899AB2EAE}"/>
+              </a:ext>
+            </a:extLst>
+          </p:cNvPr>
           <p:cNvSpPr>
             <a:spLocks noGrp="1"/>
           </p:cNvSpPr>
@@ -907,7 +1001,13 @@
       </p:sp>
       <p:sp>
         <p:nvSpPr>
-          <p:cNvPr id="4" name="スライド番号プレースホルダー 3"/>
+          <p:cNvPr id="4" name="スライド番号プレースホルダー 3">
+            <a:extLst>
+              <a:ext uri="{FF2B5EF4-FFF2-40B4-BE49-F238E27FC236}">
+                <a16:creationId xmlns:a16="http://schemas.microsoft.com/office/drawing/2014/main" id="{9695FC7A-9C69-12A1-77EC-66BCB1A9D152}"/>
+              </a:ext>
+            </a:extLst>
+          </p:cNvPr>
           <p:cNvSpPr>
             <a:spLocks noGrp="1"/>
           </p:cNvSpPr>
@@ -931,7 +1031,7 @@
     </p:spTree>
     <p:extLst>
       <p:ext uri="{BB962C8B-B14F-4D97-AF65-F5344CB8AC3E}">
-        <p14:creationId xmlns:p14="http://schemas.microsoft.com/office/powerpoint/2010/main" val="3139527304"/>
+        <p14:creationId xmlns:p14="http://schemas.microsoft.com/office/powerpoint/2010/main" val="3439742256"/>
       </p:ext>
     </p:extLst>
   </p:cSld>
@@ -946,7 +1046,13 @@
   <p:cSld>
     <p:spTree>
       <p:nvGrpSpPr>
-        <p:cNvPr id="1" name=""/>
+        <p:cNvPr id="1" name="">
+          <a:extLst>
+            <a:ext uri="{FF2B5EF4-FFF2-40B4-BE49-F238E27FC236}">
+              <a16:creationId xmlns:a16="http://schemas.microsoft.com/office/drawing/2014/main" id="{F557C4FB-9020-5D12-6A9E-2A9A09C69A21}"/>
+            </a:ext>
+          </a:extLst>
+        </p:cNvPr>
         <p:cNvGrpSpPr/>
         <p:nvPr/>
       </p:nvGrpSpPr>
@@ -960,7 +1066,13 @@
       </p:grpSpPr>
       <p:sp>
         <p:nvSpPr>
-          <p:cNvPr id="2" name="スライド イメージ プレースホルダー 1"/>
+          <p:cNvPr id="2" name="スライド イメージ プレースホルダー 1">
+            <a:extLst>
+              <a:ext uri="{FF2B5EF4-FFF2-40B4-BE49-F238E27FC236}">
+                <a16:creationId xmlns:a16="http://schemas.microsoft.com/office/drawing/2014/main" id="{199F3A34-AE73-5F11-A6ED-B0977294A5EB}"/>
+              </a:ext>
+            </a:extLst>
+          </p:cNvPr>
           <p:cNvSpPr>
             <a:spLocks noGrp="1" noRot="1" noChangeAspect="1"/>
           </p:cNvSpPr>
@@ -972,7 +1084,13 @@
       </p:sp>
       <p:sp>
         <p:nvSpPr>
-          <p:cNvPr id="3" name="ノート プレースホルダー 2"/>
+          <p:cNvPr id="3" name="ノート プレースホルダー 2">
+            <a:extLst>
+              <a:ext uri="{FF2B5EF4-FFF2-40B4-BE49-F238E27FC236}">
+                <a16:creationId xmlns:a16="http://schemas.microsoft.com/office/drawing/2014/main" id="{C0973783-A14E-2013-1771-5C9EE7DBBB2D}"/>
+              </a:ext>
+            </a:extLst>
+          </p:cNvPr>
           <p:cNvSpPr>
             <a:spLocks noGrp="1"/>
           </p:cNvSpPr>
@@ -991,7 +1109,13 @@
       </p:sp>
       <p:sp>
         <p:nvSpPr>
-          <p:cNvPr id="4" name="スライド番号プレースホルダー 3"/>
+          <p:cNvPr id="4" name="スライド番号プレースホルダー 3">
+            <a:extLst>
+              <a:ext uri="{FF2B5EF4-FFF2-40B4-BE49-F238E27FC236}">
+                <a16:creationId xmlns:a16="http://schemas.microsoft.com/office/drawing/2014/main" id="{850A9CAC-C042-9E5C-E087-D1DD0E73C7CA}"/>
+              </a:ext>
+            </a:extLst>
+          </p:cNvPr>
           <p:cNvSpPr>
             <a:spLocks noGrp="1"/>
           </p:cNvSpPr>
@@ -1015,7 +1139,7 @@
     </p:spTree>
     <p:extLst>
       <p:ext uri="{BB962C8B-B14F-4D97-AF65-F5344CB8AC3E}">
-        <p14:creationId xmlns:p14="http://schemas.microsoft.com/office/powerpoint/2010/main" val="3841719989"/>
+        <p14:creationId xmlns:p14="http://schemas.microsoft.com/office/powerpoint/2010/main" val="1186406929"/>
       </p:ext>
     </p:extLst>
   </p:cSld>
@@ -1156,7 +1280,7 @@
           <a:p>
             <a:fld id="{2AE1D30C-6AA1-F444-A085-A136DDB05B7F}" type="datetimeFigureOut">
               <a:rPr kumimoji="1" lang="ja-JP" altLang="en-US" smtClean="0"/>
-              <a:t>2024/2/15</a:t>
+              <a:t>2024/2/19</a:t>
             </a:fld>
             <a:endParaRPr kumimoji="1" lang="ja-JP" altLang="en-US"/>
           </a:p>
@@ -1358,7 +1482,7 @@
           <a:p>
             <a:fld id="{2AE1D30C-6AA1-F444-A085-A136DDB05B7F}" type="datetimeFigureOut">
               <a:rPr kumimoji="1" lang="ja-JP" altLang="en-US" smtClean="0"/>
-              <a:t>2024/2/15</a:t>
+              <a:t>2024/2/19</a:t>
             </a:fld>
             <a:endParaRPr kumimoji="1" lang="ja-JP" altLang="en-US"/>
           </a:p>
@@ -1570,7 +1694,7 @@
           <a:p>
             <a:fld id="{2AE1D30C-6AA1-F444-A085-A136DDB05B7F}" type="datetimeFigureOut">
               <a:rPr kumimoji="1" lang="ja-JP" altLang="en-US" smtClean="0"/>
-              <a:t>2024/2/15</a:t>
+              <a:t>2024/2/19</a:t>
             </a:fld>
             <a:endParaRPr kumimoji="1" lang="ja-JP" altLang="en-US"/>
           </a:p>
@@ -1772,7 +1896,7 @@
           <a:p>
             <a:fld id="{2AE1D30C-6AA1-F444-A085-A136DDB05B7F}" type="datetimeFigureOut">
               <a:rPr kumimoji="1" lang="ja-JP" altLang="en-US" smtClean="0"/>
-              <a:t>2024/2/15</a:t>
+              <a:t>2024/2/19</a:t>
             </a:fld>
             <a:endParaRPr kumimoji="1" lang="ja-JP" altLang="en-US"/>
           </a:p>
@@ -2018,7 +2142,7 @@
           <a:p>
             <a:fld id="{2AE1D30C-6AA1-F444-A085-A136DDB05B7F}" type="datetimeFigureOut">
               <a:rPr kumimoji="1" lang="ja-JP" altLang="en-US" smtClean="0"/>
-              <a:t>2024/2/15</a:t>
+              <a:t>2024/2/19</a:t>
             </a:fld>
             <a:endParaRPr kumimoji="1" lang="ja-JP" altLang="en-US"/>
           </a:p>
@@ -2314,7 +2438,7 @@
           <a:p>
             <a:fld id="{2AE1D30C-6AA1-F444-A085-A136DDB05B7F}" type="datetimeFigureOut">
               <a:rPr kumimoji="1" lang="ja-JP" altLang="en-US" smtClean="0"/>
-              <a:t>2024/2/15</a:t>
+              <a:t>2024/2/19</a:t>
             </a:fld>
             <a:endParaRPr kumimoji="1" lang="ja-JP" altLang="en-US"/>
           </a:p>
@@ -2745,7 +2869,7 @@
           <a:p>
             <a:fld id="{2AE1D30C-6AA1-F444-A085-A136DDB05B7F}" type="datetimeFigureOut">
               <a:rPr kumimoji="1" lang="ja-JP" altLang="en-US" smtClean="0"/>
-              <a:t>2024/2/15</a:t>
+              <a:t>2024/2/19</a:t>
             </a:fld>
             <a:endParaRPr kumimoji="1" lang="ja-JP" altLang="en-US"/>
           </a:p>
@@ -2863,7 +2987,7 @@
           <a:p>
             <a:fld id="{2AE1D30C-6AA1-F444-A085-A136DDB05B7F}" type="datetimeFigureOut">
               <a:rPr kumimoji="1" lang="ja-JP" altLang="en-US" smtClean="0"/>
-              <a:t>2024/2/15</a:t>
+              <a:t>2024/2/19</a:t>
             </a:fld>
             <a:endParaRPr kumimoji="1" lang="ja-JP" altLang="en-US"/>
           </a:p>
@@ -2958,7 +3082,7 @@
           <a:p>
             <a:fld id="{2AE1D30C-6AA1-F444-A085-A136DDB05B7F}" type="datetimeFigureOut">
               <a:rPr kumimoji="1" lang="ja-JP" altLang="en-US" smtClean="0"/>
-              <a:t>2024/2/15</a:t>
+              <a:t>2024/2/19</a:t>
             </a:fld>
             <a:endParaRPr kumimoji="1" lang="ja-JP" altLang="en-US"/>
           </a:p>
@@ -3267,7 +3391,7 @@
           <a:p>
             <a:fld id="{2AE1D30C-6AA1-F444-A085-A136DDB05B7F}" type="datetimeFigureOut">
               <a:rPr kumimoji="1" lang="ja-JP" altLang="en-US" smtClean="0"/>
-              <a:t>2024/2/15</a:t>
+              <a:t>2024/2/19</a:t>
             </a:fld>
             <a:endParaRPr kumimoji="1" lang="ja-JP" altLang="en-US"/>
           </a:p>
@@ -3524,7 +3648,7 @@
           <a:p>
             <a:fld id="{2AE1D30C-6AA1-F444-A085-A136DDB05B7F}" type="datetimeFigureOut">
               <a:rPr kumimoji="1" lang="ja-JP" altLang="en-US" smtClean="0"/>
-              <a:t>2024/2/15</a:t>
+              <a:t>2024/2/19</a:t>
             </a:fld>
             <a:endParaRPr kumimoji="1" lang="ja-JP" altLang="en-US"/>
           </a:p>
@@ -3769,7 +3893,7 @@
           <a:p>
             <a:fld id="{2AE1D30C-6AA1-F444-A085-A136DDB05B7F}" type="datetimeFigureOut">
               <a:rPr kumimoji="1" lang="ja-JP" altLang="en-US" smtClean="0"/>
-              <a:t>2024/2/15</a:t>
+              <a:t>2024/2/19</a:t>
             </a:fld>
             <a:endParaRPr kumimoji="1" lang="ja-JP" altLang="en-US"/>
           </a:p>
@@ -4162,7 +4286,13 @@
   <p:cSld>
     <p:spTree>
       <p:nvGrpSpPr>
-        <p:cNvPr id="1" name=""/>
+        <p:cNvPr id="1" name="">
+          <a:extLst>
+            <a:ext uri="{FF2B5EF4-FFF2-40B4-BE49-F238E27FC236}">
+              <a16:creationId xmlns:a16="http://schemas.microsoft.com/office/drawing/2014/main" id="{D3A8E647-042A-0F43-FF3A-418B78AA955B}"/>
+            </a:ext>
+          </a:extLst>
+        </p:cNvPr>
         <p:cNvGrpSpPr/>
         <p:nvPr/>
       </p:nvGrpSpPr>
@@ -4174,42 +4304,12 @@
           <a:chExt cx="0" cy="0"/>
         </a:xfrm>
       </p:grpSpPr>
-      <p:pic>
-        <p:nvPicPr>
-          <p:cNvPr id="8" name="図 7" descr="アイコン&#10;&#10;自動的に生成された説明">
-            <a:extLst>
-              <a:ext uri="{FF2B5EF4-FFF2-40B4-BE49-F238E27FC236}">
-                <a16:creationId xmlns:a16="http://schemas.microsoft.com/office/drawing/2014/main" id="{6E775467-9136-4CAF-27DA-66B37BDE08E6}"/>
-              </a:ext>
-            </a:extLst>
-          </p:cNvPr>
-          <p:cNvPicPr>
-            <a:picLocks noChangeAspect="1"/>
-          </p:cNvPicPr>
-          <p:nvPr/>
-        </p:nvPicPr>
-        <p:blipFill>
-          <a:blip r:embed="rId3"/>
-          <a:stretch>
-            <a:fillRect/>
-          </a:stretch>
-        </p:blipFill>
-        <p:spPr>
-          <a:xfrm>
-            <a:off x="9360487" y="719002"/>
-            <a:ext cx="1440000" cy="1440000"/>
-          </a:xfrm>
-          <a:prstGeom prst="rect">
-            <a:avLst/>
-          </a:prstGeom>
-        </p:spPr>
-      </p:pic>
       <p:sp>
         <p:nvSpPr>
           <p:cNvPr id="4" name="正方形/長方形 3">
             <a:extLst>
               <a:ext uri="{FF2B5EF4-FFF2-40B4-BE49-F238E27FC236}">
-                <a16:creationId xmlns:a16="http://schemas.microsoft.com/office/drawing/2014/main" id="{BD75CB29-FDF1-04EA-CBCC-0405FD653C22}"/>
+                <a16:creationId xmlns:a16="http://schemas.microsoft.com/office/drawing/2014/main" id="{EEEA06F4-8FAC-95B7-4878-443E412388DC}"/>
               </a:ext>
             </a:extLst>
           </p:cNvPr>
@@ -4289,7 +4389,7 @@
           <p:cNvPr id="33" name="グループ化 32">
             <a:extLst>
               <a:ext uri="{FF2B5EF4-FFF2-40B4-BE49-F238E27FC236}">
-                <a16:creationId xmlns:a16="http://schemas.microsoft.com/office/drawing/2014/main" id="{C1BC0DFF-D215-2EAC-05E9-C95DD8AEA35F}"/>
+                <a16:creationId xmlns:a16="http://schemas.microsoft.com/office/drawing/2014/main" id="{768B9CAF-486D-5908-1507-EDFF494C3329}"/>
               </a:ext>
             </a:extLst>
           </p:cNvPr>
@@ -4299,9 +4399,9 @@
         <p:grpSpPr>
           <a:xfrm>
             <a:off x="720000" y="4689050"/>
-            <a:ext cx="6393494" cy="1442256"/>
+            <a:ext cx="6299365" cy="1442256"/>
             <a:chOff x="632177" y="4767789"/>
-            <a:chExt cx="6393494" cy="1442256"/>
+            <a:chExt cx="6299365" cy="1442256"/>
           </a:xfrm>
         </p:grpSpPr>
         <p:pic>
@@ -4309,7 +4409,7 @@
             <p:cNvPr id="24" name="グラフィックス 23">
               <a:extLst>
                 <a:ext uri="{FF2B5EF4-FFF2-40B4-BE49-F238E27FC236}">
-                  <a16:creationId xmlns:a16="http://schemas.microsoft.com/office/drawing/2014/main" id="{A9089DB6-3D8D-B8ED-75E1-A462088C8A70}"/>
+                  <a16:creationId xmlns:a16="http://schemas.microsoft.com/office/drawing/2014/main" id="{DF603968-B8FC-F134-641F-3570846F2A88}"/>
                 </a:ext>
               </a:extLst>
             </p:cNvPr>
@@ -4319,10 +4419,10 @@
             <p:nvPr/>
           </p:nvPicPr>
           <p:blipFill>
-            <a:blip r:embed="rId4">
+            <a:blip r:embed="rId3">
               <a:extLst>
                 <a:ext uri="{96DAC541-7B7A-43D3-8B79-37D633B846F1}">
-                  <asvg:svgBlip xmlns:asvg="http://schemas.microsoft.com/office/drawing/2016/SVG/main" r:embed="rId5"/>
+                  <asvg:svgBlip xmlns:asvg="http://schemas.microsoft.com/office/drawing/2016/SVG/main" r:embed="rId4"/>
                 </a:ext>
               </a:extLst>
             </a:blip>
@@ -4344,7 +4444,7 @@
             <p:cNvPr id="25" name="グラフィックス 24">
               <a:extLst>
                 <a:ext uri="{FF2B5EF4-FFF2-40B4-BE49-F238E27FC236}">
-                  <a16:creationId xmlns:a16="http://schemas.microsoft.com/office/drawing/2014/main" id="{3249F8CD-CAD7-7F1B-E2BB-864423EC16CC}"/>
+                  <a16:creationId xmlns:a16="http://schemas.microsoft.com/office/drawing/2014/main" id="{943C5352-CEF8-25D6-5C54-4B1B6E264563}"/>
                 </a:ext>
               </a:extLst>
             </p:cNvPr>
@@ -4354,10 +4454,10 @@
             <p:nvPr/>
           </p:nvPicPr>
           <p:blipFill>
-            <a:blip r:embed="rId6">
+            <a:blip r:embed="rId5">
               <a:extLst>
                 <a:ext uri="{96DAC541-7B7A-43D3-8B79-37D633B846F1}">
-                  <asvg:svgBlip xmlns:asvg="http://schemas.microsoft.com/office/drawing/2016/SVG/main" r:embed="rId7"/>
+                  <asvg:svgBlip xmlns:asvg="http://schemas.microsoft.com/office/drawing/2016/SVG/main" r:embed="rId6"/>
                 </a:ext>
               </a:extLst>
             </a:blip>
@@ -4379,7 +4479,7 @@
             <p:cNvPr id="26" name="グラフィックス 25">
               <a:extLst>
                 <a:ext uri="{FF2B5EF4-FFF2-40B4-BE49-F238E27FC236}">
-                  <a16:creationId xmlns:a16="http://schemas.microsoft.com/office/drawing/2014/main" id="{5F418B13-FFA6-807C-4553-BC4209BA1D78}"/>
+                  <a16:creationId xmlns:a16="http://schemas.microsoft.com/office/drawing/2014/main" id="{668688B0-133E-3DC2-3C08-9CABB10714A6}"/>
                 </a:ext>
               </a:extLst>
             </p:cNvPr>
@@ -4389,10 +4489,10 @@
             <p:nvPr/>
           </p:nvPicPr>
           <p:blipFill>
-            <a:blip r:embed="rId8">
+            <a:blip r:embed="rId7">
               <a:extLst>
                 <a:ext uri="{96DAC541-7B7A-43D3-8B79-37D633B846F1}">
-                  <asvg:svgBlip xmlns:asvg="http://schemas.microsoft.com/office/drawing/2016/SVG/main" r:embed="rId9"/>
+                  <asvg:svgBlip xmlns:asvg="http://schemas.microsoft.com/office/drawing/2016/SVG/main" r:embed="rId8"/>
                 </a:ext>
               </a:extLst>
             </a:blip>
@@ -4414,7 +4514,7 @@
             <p:cNvPr id="27" name="グラフィックス 26">
               <a:extLst>
                 <a:ext uri="{FF2B5EF4-FFF2-40B4-BE49-F238E27FC236}">
-                  <a16:creationId xmlns:a16="http://schemas.microsoft.com/office/drawing/2014/main" id="{8EA172B0-8971-E567-5B5E-57E1088DCD63}"/>
+                  <a16:creationId xmlns:a16="http://schemas.microsoft.com/office/drawing/2014/main" id="{C0E89C9A-82CC-9C0D-E60D-B2E76EAF56B8}"/>
                 </a:ext>
               </a:extLst>
             </p:cNvPr>
@@ -4424,10 +4524,10 @@
             <p:nvPr/>
           </p:nvPicPr>
           <p:blipFill>
-            <a:blip r:embed="rId10">
+            <a:blip r:embed="rId9">
               <a:extLst>
                 <a:ext uri="{96DAC541-7B7A-43D3-8B79-37D633B846F1}">
-                  <asvg:svgBlip xmlns:asvg="http://schemas.microsoft.com/office/drawing/2016/SVG/main" r:embed="rId11"/>
+                  <asvg:svgBlip xmlns:asvg="http://schemas.microsoft.com/office/drawing/2016/SVG/main" r:embed="rId10"/>
                 </a:ext>
               </a:extLst>
             </a:blip>
@@ -4449,7 +4549,7 @@
             <p:cNvPr id="29" name="正方形/長方形 28">
               <a:extLst>
                 <a:ext uri="{FF2B5EF4-FFF2-40B4-BE49-F238E27FC236}">
-                  <a16:creationId xmlns:a16="http://schemas.microsoft.com/office/drawing/2014/main" id="{8DC38EF7-5548-F959-64B1-E3BC4BA54357}"/>
+                  <a16:creationId xmlns:a16="http://schemas.microsoft.com/office/drawing/2014/main" id="{A909ED54-0D60-8EBD-7C30-C81249E2A79B}"/>
                 </a:ext>
               </a:extLst>
             </p:cNvPr>
@@ -4547,7 +4647,823 @@
             <p:cNvPr id="30" name="正方形/長方形 29">
               <a:extLst>
                 <a:ext uri="{FF2B5EF4-FFF2-40B4-BE49-F238E27FC236}">
-                  <a16:creationId xmlns:a16="http://schemas.microsoft.com/office/drawing/2014/main" id="{4ADBFF52-46C6-336B-AC3E-0478F7A04414}"/>
+                  <a16:creationId xmlns:a16="http://schemas.microsoft.com/office/drawing/2014/main" id="{ABB29FA3-79E0-F456-121A-5B7861530288}"/>
+                </a:ext>
+              </a:extLst>
+            </p:cNvPr>
+            <p:cNvSpPr/>
+            <p:nvPr/>
+          </p:nvSpPr>
+          <p:spPr>
+            <a:xfrm>
+              <a:off x="992177" y="5147884"/>
+              <a:ext cx="5925918" cy="360000"/>
+            </a:xfrm>
+            <a:prstGeom prst="rect">
+              <a:avLst/>
+            </a:prstGeom>
+            <a:noFill/>
+            <a:ln>
+              <a:noFill/>
+            </a:ln>
+          </p:spPr>
+          <p:style>
+            <a:lnRef idx="2">
+              <a:schemeClr val="accent1">
+                <a:shade val="15000"/>
+              </a:schemeClr>
+            </a:lnRef>
+            <a:fillRef idx="1">
+              <a:schemeClr val="accent1"/>
+            </a:fillRef>
+            <a:effectRef idx="0">
+              <a:schemeClr val="accent1"/>
+            </a:effectRef>
+            <a:fontRef idx="minor">
+              <a:schemeClr val="lt1"/>
+            </a:fontRef>
+          </p:style>
+          <p:txBody>
+            <a:bodyPr rtlCol="0" anchor="ctr"/>
+            <a:lstStyle/>
+            <a:p>
+              <a:r>
+                <a:rPr kumimoji="1" lang="ja-JP" altLang="en-US" sz="1400">
+                  <a:solidFill>
+                    <a:srgbClr val="323232"/>
+                  </a:solidFill>
+                  <a:latin typeface="Yu Gothic" panose="020B0400000000000000" pitchFamily="34" charset="-128"/>
+                  <a:ea typeface="Yu Gothic" panose="020B0400000000000000" pitchFamily="34" charset="-128"/>
+                </a:rPr>
+                <a:t>〒</a:t>
+              </a:r>
+              <a:r>
+                <a:rPr kumimoji="1" lang="en-US" altLang="ja-JP" sz="1400" dirty="0">
+                  <a:solidFill>
+                    <a:srgbClr val="323232"/>
+                  </a:solidFill>
+                  <a:latin typeface="Yu Gothic" panose="020B0400000000000000" pitchFamily="34" charset="-128"/>
+                  <a:ea typeface="Yu Gothic" panose="020B0400000000000000" pitchFamily="34" charset="-128"/>
+                </a:rPr>
+                <a:t>432-8011 </a:t>
+              </a:r>
+              <a:r>
+                <a:rPr kumimoji="1" lang="ja-JP" altLang="en-US" sz="1400">
+                  <a:solidFill>
+                    <a:srgbClr val="323232"/>
+                  </a:solidFill>
+                  <a:latin typeface="Yu Gothic" panose="020B0400000000000000" pitchFamily="34" charset="-128"/>
+                  <a:ea typeface="Yu Gothic" panose="020B0400000000000000" pitchFamily="34" charset="-128"/>
+                </a:rPr>
+                <a:t>静岡県浜松市中央区城北</a:t>
+              </a:r>
+              <a:r>
+                <a:rPr kumimoji="1" lang="en-US" altLang="ja-JP" sz="1400" dirty="0">
+                  <a:solidFill>
+                    <a:srgbClr val="323232"/>
+                  </a:solidFill>
+                  <a:latin typeface="Yu Gothic" panose="020B0400000000000000" pitchFamily="34" charset="-128"/>
+                  <a:ea typeface="Yu Gothic" panose="020B0400000000000000" pitchFamily="34" charset="-128"/>
+                </a:rPr>
+                <a:t>3-5-1 </a:t>
+              </a:r>
+              <a:r>
+                <a:rPr kumimoji="1" lang="ja-JP" altLang="en-US" sz="1400">
+                  <a:solidFill>
+                    <a:srgbClr val="323232"/>
+                  </a:solidFill>
+                  <a:latin typeface="Yu Gothic" panose="020B0400000000000000" pitchFamily="34" charset="-128"/>
+                  <a:ea typeface="Yu Gothic" panose="020B0400000000000000" pitchFamily="34" charset="-128"/>
+                </a:rPr>
+                <a:t>静岡大学浜松キャンパス</a:t>
+              </a:r>
+            </a:p>
+          </p:txBody>
+        </p:sp>
+        <p:sp>
+          <p:nvSpPr>
+            <p:cNvPr id="31" name="正方形/長方形 30">
+              <a:extLst>
+                <a:ext uri="{FF2B5EF4-FFF2-40B4-BE49-F238E27FC236}">
+                  <a16:creationId xmlns:a16="http://schemas.microsoft.com/office/drawing/2014/main" id="{A4812240-0776-E1C1-CC78-9ED054242A40}"/>
+                </a:ext>
+              </a:extLst>
+            </p:cNvPr>
+            <p:cNvSpPr/>
+            <p:nvPr/>
+          </p:nvSpPr>
+          <p:spPr>
+            <a:xfrm>
+              <a:off x="993047" y="5469949"/>
+              <a:ext cx="4677925" cy="360000"/>
+            </a:xfrm>
+            <a:prstGeom prst="rect">
+              <a:avLst/>
+            </a:prstGeom>
+            <a:noFill/>
+            <a:ln>
+              <a:noFill/>
+            </a:ln>
+          </p:spPr>
+          <p:style>
+            <a:lnRef idx="2">
+              <a:schemeClr val="accent1">
+                <a:shade val="15000"/>
+              </a:schemeClr>
+            </a:lnRef>
+            <a:fillRef idx="1">
+              <a:schemeClr val="accent1"/>
+            </a:fillRef>
+            <a:effectRef idx="0">
+              <a:schemeClr val="accent1"/>
+            </a:effectRef>
+            <a:fontRef idx="minor">
+              <a:schemeClr val="lt1"/>
+            </a:fontRef>
+          </p:style>
+          <p:txBody>
+            <a:bodyPr rtlCol="0" anchor="ctr"/>
+            <a:lstStyle/>
+            <a:p>
+              <a:r>
+                <a:rPr kumimoji="1" lang="en-US" altLang="ja-JP" sz="1400" dirty="0">
+                  <a:solidFill>
+                    <a:srgbClr val="323232"/>
+                  </a:solidFill>
+                  <a:latin typeface="Yu Gothic" panose="020B0400000000000000" pitchFamily="34" charset="-128"/>
+                  <a:ea typeface="Yu Gothic" panose="020B0400000000000000" pitchFamily="34" charset="-128"/>
+                </a:rPr>
+                <a:t>ichikawa.masanari.18@shizuoka.ac.jp</a:t>
+              </a:r>
+              <a:endParaRPr kumimoji="1" lang="ja-JP" altLang="en-US" sz="1400">
+                <a:solidFill>
+                  <a:srgbClr val="323232"/>
+                </a:solidFill>
+                <a:latin typeface="Yu Gothic" panose="020B0400000000000000" pitchFamily="34" charset="-128"/>
+                <a:ea typeface="Yu Gothic" panose="020B0400000000000000" pitchFamily="34" charset="-128"/>
+              </a:endParaRPr>
+            </a:p>
+          </p:txBody>
+        </p:sp>
+        <p:sp>
+          <p:nvSpPr>
+            <p:cNvPr id="32" name="正方形/長方形 31">
+              <a:extLst>
+                <a:ext uri="{FF2B5EF4-FFF2-40B4-BE49-F238E27FC236}">
+                  <a16:creationId xmlns:a16="http://schemas.microsoft.com/office/drawing/2014/main" id="{03465966-640D-7E7F-33D2-D39DE88D5281}"/>
+                </a:ext>
+              </a:extLst>
+            </p:cNvPr>
+            <p:cNvSpPr/>
+            <p:nvPr/>
+          </p:nvSpPr>
+          <p:spPr>
+            <a:xfrm>
+              <a:off x="992177" y="5850045"/>
+              <a:ext cx="5418671" cy="360000"/>
+            </a:xfrm>
+            <a:prstGeom prst="rect">
+              <a:avLst/>
+            </a:prstGeom>
+            <a:noFill/>
+            <a:ln>
+              <a:noFill/>
+            </a:ln>
+          </p:spPr>
+          <p:style>
+            <a:lnRef idx="2">
+              <a:schemeClr val="accent1">
+                <a:shade val="15000"/>
+              </a:schemeClr>
+            </a:lnRef>
+            <a:fillRef idx="1">
+              <a:schemeClr val="accent1"/>
+            </a:fillRef>
+            <a:effectRef idx="0">
+              <a:schemeClr val="accent1"/>
+            </a:effectRef>
+            <a:fontRef idx="minor">
+              <a:schemeClr val="lt1"/>
+            </a:fontRef>
+          </p:style>
+          <p:txBody>
+            <a:bodyPr rtlCol="0" anchor="ctr"/>
+            <a:lstStyle/>
+            <a:p>
+              <a:r>
+                <a:rPr kumimoji="1" lang="en-US" altLang="ja-JP" sz="1400" dirty="0" err="1">
+                  <a:solidFill>
+                    <a:srgbClr val="323232"/>
+                  </a:solidFill>
+                  <a:latin typeface="Yu Gothic" panose="020B0400000000000000" pitchFamily="34" charset="-128"/>
+                  <a:ea typeface="Yu Gothic" panose="020B0400000000000000" pitchFamily="34" charset="-128"/>
+                </a:rPr>
+                <a:t>masanarius.github.io</a:t>
+              </a:r>
+              <a:endParaRPr kumimoji="1" lang="ja-JP" altLang="en-US" sz="1400">
+                <a:solidFill>
+                  <a:srgbClr val="323232"/>
+                </a:solidFill>
+                <a:latin typeface="Yu Gothic" panose="020B0400000000000000" pitchFamily="34" charset="-128"/>
+                <a:ea typeface="Yu Gothic" panose="020B0400000000000000" pitchFamily="34" charset="-128"/>
+              </a:endParaRPr>
+            </a:p>
+          </p:txBody>
+        </p:sp>
+      </p:grpSp>
+      <p:pic>
+        <p:nvPicPr>
+          <p:cNvPr id="2" name="図 1" descr="QR コード&#10;&#10;自動的に生成された説明">
+            <a:extLst>
+              <a:ext uri="{FF2B5EF4-FFF2-40B4-BE49-F238E27FC236}">
+                <a16:creationId xmlns:a16="http://schemas.microsoft.com/office/drawing/2014/main" id="{93698375-298B-0A73-163D-09873767F623}"/>
+              </a:ext>
+            </a:extLst>
+          </p:cNvPr>
+          <p:cNvPicPr>
+            <a:picLocks noChangeAspect="1"/>
+          </p:cNvPicPr>
+          <p:nvPr/>
+        </p:nvPicPr>
+        <p:blipFill>
+          <a:blip r:embed="rId11"/>
+          <a:stretch>
+            <a:fillRect/>
+          </a:stretch>
+        </p:blipFill>
+        <p:spPr>
+          <a:xfrm>
+            <a:off x="7920487" y="2390154"/>
+            <a:ext cx="2880000" cy="2880000"/>
+          </a:xfrm>
+          <a:prstGeom prst="rect">
+            <a:avLst/>
+          </a:prstGeom>
+        </p:spPr>
+      </p:pic>
+      <p:pic>
+        <p:nvPicPr>
+          <p:cNvPr id="3" name="グラフィックス 2" descr="卒業式用の角帽 単色塗りつぶし">
+            <a:extLst>
+              <a:ext uri="{FF2B5EF4-FFF2-40B4-BE49-F238E27FC236}">
+                <a16:creationId xmlns:a16="http://schemas.microsoft.com/office/drawing/2014/main" id="{91EC427D-5C46-3F62-F2AE-034D599350FA}"/>
+              </a:ext>
+            </a:extLst>
+          </p:cNvPr>
+          <p:cNvPicPr>
+            <a:picLocks noChangeAspect="1"/>
+          </p:cNvPicPr>
+          <p:nvPr/>
+        </p:nvPicPr>
+        <p:blipFill>
+          <a:blip r:embed="rId12">
+            <a:extLst>
+              <a:ext uri="{96DAC541-7B7A-43D3-8B79-37D633B846F1}">
+                <asvg:svgBlip xmlns:asvg="http://schemas.microsoft.com/office/drawing/2016/SVG/main" r:embed="rId13"/>
+              </a:ext>
+            </a:extLst>
+          </a:blip>
+          <a:srcRect/>
+          <a:stretch/>
+        </p:blipFill>
+        <p:spPr>
+          <a:xfrm>
+            <a:off x="720870" y="4308954"/>
+            <a:ext cx="360000" cy="360000"/>
+          </a:xfrm>
+          <a:prstGeom prst="rect">
+            <a:avLst/>
+          </a:prstGeom>
+        </p:spPr>
+      </p:pic>
+      <p:sp>
+        <p:nvSpPr>
+          <p:cNvPr id="5" name="正方形/長方形 4">
+            <a:extLst>
+              <a:ext uri="{FF2B5EF4-FFF2-40B4-BE49-F238E27FC236}">
+                <a16:creationId xmlns:a16="http://schemas.microsoft.com/office/drawing/2014/main" id="{9D2DAB09-3FAD-7AC0-3AC3-404384044223}"/>
+              </a:ext>
+            </a:extLst>
+          </p:cNvPr>
+          <p:cNvSpPr/>
+          <p:nvPr/>
+        </p:nvSpPr>
+        <p:spPr>
+          <a:xfrm>
+            <a:off x="1080000" y="4308954"/>
+            <a:ext cx="5925918" cy="360000"/>
+          </a:xfrm>
+          <a:prstGeom prst="rect">
+            <a:avLst/>
+          </a:prstGeom>
+          <a:noFill/>
+          <a:ln>
+            <a:noFill/>
+          </a:ln>
+        </p:spPr>
+        <p:style>
+          <a:lnRef idx="2">
+            <a:schemeClr val="accent1">
+              <a:shade val="15000"/>
+            </a:schemeClr>
+          </a:lnRef>
+          <a:fillRef idx="1">
+            <a:schemeClr val="accent1"/>
+          </a:fillRef>
+          <a:effectRef idx="0">
+            <a:schemeClr val="accent1"/>
+          </a:effectRef>
+          <a:fontRef idx="minor">
+            <a:schemeClr val="lt1"/>
+          </a:fontRef>
+        </p:style>
+        <p:txBody>
+          <a:bodyPr rtlCol="0" anchor="ctr"/>
+          <a:lstStyle/>
+          <a:p>
+            <a:r>
+              <a:rPr kumimoji="1" lang="ja-JP" altLang="en-US" sz="1400">
+                <a:solidFill>
+                  <a:srgbClr val="323232"/>
+                </a:solidFill>
+                <a:latin typeface="Yu Gothic" panose="020B0400000000000000" pitchFamily="34" charset="-128"/>
+                <a:ea typeface="Yu Gothic" panose="020B0400000000000000" pitchFamily="34" charset="-128"/>
+              </a:rPr>
+              <a:t>修士（情報学）</a:t>
+            </a:r>
+          </a:p>
+        </p:txBody>
+      </p:sp>
+      <p:pic>
+        <p:nvPicPr>
+          <p:cNvPr id="6" name="図 5" descr="アイコン&#10;&#10;自動的に生成された説明">
+            <a:extLst>
+              <a:ext uri="{FF2B5EF4-FFF2-40B4-BE49-F238E27FC236}">
+                <a16:creationId xmlns:a16="http://schemas.microsoft.com/office/drawing/2014/main" id="{B32999F9-31A7-2CB8-66D2-84E093316004}"/>
+              </a:ext>
+            </a:extLst>
+          </p:cNvPr>
+          <p:cNvPicPr>
+            <a:picLocks noChangeAspect="1"/>
+          </p:cNvPicPr>
+          <p:nvPr/>
+        </p:nvPicPr>
+        <p:blipFill>
+          <a:blip r:embed="rId14"/>
+          <a:stretch>
+            <a:fillRect/>
+          </a:stretch>
+        </p:blipFill>
+        <p:spPr>
+          <a:xfrm>
+            <a:off x="9360487" y="719002"/>
+            <a:ext cx="1440000" cy="1440000"/>
+          </a:xfrm>
+          <a:prstGeom prst="rect">
+            <a:avLst/>
+          </a:prstGeom>
+        </p:spPr>
+      </p:pic>
+      <p:pic>
+        <p:nvPicPr>
+          <p:cNvPr id="7" name="図 6" descr="挿絵 が含まれている画像&#10;&#10;自動的に生成された説明">
+            <a:extLst>
+              <a:ext uri="{FF2B5EF4-FFF2-40B4-BE49-F238E27FC236}">
+                <a16:creationId xmlns:a16="http://schemas.microsoft.com/office/drawing/2014/main" id="{6800943D-C6BF-7258-0A6B-018C11CB2A7B}"/>
+              </a:ext>
+            </a:extLst>
+          </p:cNvPr>
+          <p:cNvPicPr>
+            <a:picLocks noChangeAspect="1"/>
+          </p:cNvPicPr>
+          <p:nvPr/>
+        </p:nvPicPr>
+        <p:blipFill>
+          <a:blip r:embed="rId15"/>
+          <a:stretch>
+            <a:fillRect/>
+          </a:stretch>
+        </p:blipFill>
+        <p:spPr>
+          <a:xfrm>
+            <a:off x="8341081" y="5501306"/>
+            <a:ext cx="2458537" cy="630000"/>
+          </a:xfrm>
+          <a:prstGeom prst="rect">
+            <a:avLst/>
+          </a:prstGeom>
+        </p:spPr>
+      </p:pic>
+    </p:spTree>
+    <p:extLst>
+      <p:ext uri="{BB962C8B-B14F-4D97-AF65-F5344CB8AC3E}">
+        <p14:creationId xmlns:p14="http://schemas.microsoft.com/office/powerpoint/2010/main" val="2292140545"/>
+      </p:ext>
+    </p:extLst>
+  </p:cSld>
+  <p:clrMapOvr>
+    <a:masterClrMapping/>
+  </p:clrMapOvr>
+</p:sld>
+</file>
+
+<file path=ppt/slides/slide2.xml><?xml version="1.0" encoding="utf-8"?>
+<p:sld xmlns:a="http://schemas.openxmlformats.org/drawingml/2006/main" xmlns:r="http://schemas.openxmlformats.org/officeDocument/2006/relationships" xmlns:p="http://schemas.openxmlformats.org/presentationml/2006/main">
+  <p:cSld>
+    <p:spTree>
+      <p:nvGrpSpPr>
+        <p:cNvPr id="1" name="">
+          <a:extLst>
+            <a:ext uri="{FF2B5EF4-FFF2-40B4-BE49-F238E27FC236}">
+              <a16:creationId xmlns:a16="http://schemas.microsoft.com/office/drawing/2014/main" id="{D65DC108-85BF-1147-8B1C-E2E327E304AF}"/>
+            </a:ext>
+          </a:extLst>
+        </p:cNvPr>
+        <p:cNvGrpSpPr/>
+        <p:nvPr/>
+      </p:nvGrpSpPr>
+      <p:grpSpPr>
+        <a:xfrm>
+          <a:off x="0" y="0"/>
+          <a:ext cx="0" cy="0"/>
+          <a:chOff x="0" y="0"/>
+          <a:chExt cx="0" cy="0"/>
+        </a:xfrm>
+      </p:grpSpPr>
+      <p:pic>
+        <p:nvPicPr>
+          <p:cNvPr id="8" name="図 7" descr="アイコン&#10;&#10;自動的に生成された説明">
+            <a:extLst>
+              <a:ext uri="{FF2B5EF4-FFF2-40B4-BE49-F238E27FC236}">
+                <a16:creationId xmlns:a16="http://schemas.microsoft.com/office/drawing/2014/main" id="{3209A5D6-0B31-7D10-2044-916B603AAEC8}"/>
+              </a:ext>
+            </a:extLst>
+          </p:cNvPr>
+          <p:cNvPicPr>
+            <a:picLocks noChangeAspect="1"/>
+          </p:cNvPicPr>
+          <p:nvPr/>
+        </p:nvPicPr>
+        <p:blipFill>
+          <a:blip r:embed="rId3"/>
+          <a:stretch>
+            <a:fillRect/>
+          </a:stretch>
+        </p:blipFill>
+        <p:spPr>
+          <a:xfrm>
+            <a:off x="9360487" y="719002"/>
+            <a:ext cx="1440000" cy="1440000"/>
+          </a:xfrm>
+          <a:prstGeom prst="rect">
+            <a:avLst/>
+          </a:prstGeom>
+        </p:spPr>
+      </p:pic>
+      <p:sp>
+        <p:nvSpPr>
+          <p:cNvPr id="4" name="正方形/長方形 3">
+            <a:extLst>
+              <a:ext uri="{FF2B5EF4-FFF2-40B4-BE49-F238E27FC236}">
+                <a16:creationId xmlns:a16="http://schemas.microsoft.com/office/drawing/2014/main" id="{9EDA71BA-6FAE-EC08-53D4-ACED7FAB0D5E}"/>
+              </a:ext>
+            </a:extLst>
+          </p:cNvPr>
+          <p:cNvSpPr/>
+          <p:nvPr/>
+        </p:nvSpPr>
+        <p:spPr>
+          <a:xfrm>
+            <a:off x="720000" y="2519002"/>
+            <a:ext cx="5336108" cy="1440000"/>
+          </a:xfrm>
+          <a:prstGeom prst="rect">
+            <a:avLst/>
+          </a:prstGeom>
+          <a:noFill/>
+          <a:ln>
+            <a:noFill/>
+          </a:ln>
+        </p:spPr>
+        <p:style>
+          <a:lnRef idx="2">
+            <a:schemeClr val="accent1">
+              <a:shade val="15000"/>
+            </a:schemeClr>
+          </a:lnRef>
+          <a:fillRef idx="1">
+            <a:schemeClr val="accent1"/>
+          </a:fillRef>
+          <a:effectRef idx="0">
+            <a:schemeClr val="accent1"/>
+          </a:effectRef>
+          <a:fontRef idx="minor">
+            <a:schemeClr val="lt1"/>
+          </a:fontRef>
+        </p:style>
+        <p:txBody>
+          <a:bodyPr rtlCol="0" anchor="ctr"/>
+          <a:lstStyle/>
+          <a:p>
+            <a:r>
+              <a:rPr kumimoji="1" lang="ja-JP" altLang="en-US" sz="6000">
+                <a:solidFill>
+                  <a:srgbClr val="323232"/>
+                </a:solidFill>
+                <a:latin typeface="+mn-ea"/>
+              </a:rPr>
+              <a:t>市 川  雅 也</a:t>
+            </a:r>
+            <a:endParaRPr kumimoji="1" lang="en-US" altLang="ja-JP" sz="6000" dirty="0">
+              <a:solidFill>
+                <a:srgbClr val="323232"/>
+              </a:solidFill>
+              <a:latin typeface="+mn-ea"/>
+            </a:endParaRPr>
+          </a:p>
+          <a:p>
+            <a:r>
+              <a:rPr kumimoji="1" lang="en-US" altLang="ja-JP" sz="2400" dirty="0">
+                <a:solidFill>
+                  <a:srgbClr val="323232"/>
+                </a:solidFill>
+                <a:latin typeface="+mn-ea"/>
+              </a:rPr>
+              <a:t>Masanari ICHIKAWA</a:t>
+            </a:r>
+            <a:endParaRPr kumimoji="1" lang="ja-JP" altLang="en-US" sz="2400">
+              <a:solidFill>
+                <a:srgbClr val="323232"/>
+              </a:solidFill>
+              <a:latin typeface="+mn-ea"/>
+            </a:endParaRPr>
+          </a:p>
+        </p:txBody>
+      </p:sp>
+      <p:grpSp>
+        <p:nvGrpSpPr>
+          <p:cNvPr id="33" name="グループ化 32">
+            <a:extLst>
+              <a:ext uri="{FF2B5EF4-FFF2-40B4-BE49-F238E27FC236}">
+                <a16:creationId xmlns:a16="http://schemas.microsoft.com/office/drawing/2014/main" id="{A0255A82-9954-D044-2CCC-267650045DF1}"/>
+              </a:ext>
+            </a:extLst>
+          </p:cNvPr>
+          <p:cNvGrpSpPr/>
+          <p:nvPr/>
+        </p:nvGrpSpPr>
+        <p:grpSpPr>
+          <a:xfrm>
+            <a:off x="720000" y="4689050"/>
+            <a:ext cx="6393494" cy="1442256"/>
+            <a:chOff x="632177" y="4767789"/>
+            <a:chExt cx="6393494" cy="1442256"/>
+          </a:xfrm>
+        </p:grpSpPr>
+        <p:pic>
+          <p:nvPicPr>
+            <p:cNvPr id="24" name="グラフィックス 23">
+              <a:extLst>
+                <a:ext uri="{FF2B5EF4-FFF2-40B4-BE49-F238E27FC236}">
+                  <a16:creationId xmlns:a16="http://schemas.microsoft.com/office/drawing/2014/main" id="{3991E9C7-2B2E-5B8F-5433-C124E3E6179D}"/>
+                </a:ext>
+              </a:extLst>
+            </p:cNvPr>
+            <p:cNvPicPr>
+              <a:picLocks noChangeAspect="1"/>
+            </p:cNvPicPr>
+            <p:nvPr/>
+          </p:nvPicPr>
+          <p:blipFill>
+            <a:blip r:embed="rId4">
+              <a:extLst>
+                <a:ext uri="{96DAC541-7B7A-43D3-8B79-37D633B846F1}">
+                  <asvg:svgBlip xmlns:asvg="http://schemas.microsoft.com/office/drawing/2016/SVG/main" r:embed="rId5"/>
+                </a:ext>
+              </a:extLst>
+            </a:blip>
+            <a:srcRect/>
+            <a:stretch/>
+          </p:blipFill>
+          <p:spPr>
+            <a:xfrm>
+              <a:off x="633047" y="4767789"/>
+              <a:ext cx="360000" cy="360000"/>
+            </a:xfrm>
+            <a:prstGeom prst="rect">
+              <a:avLst/>
+            </a:prstGeom>
+          </p:spPr>
+        </p:pic>
+        <p:pic>
+          <p:nvPicPr>
+            <p:cNvPr id="25" name="グラフィックス 24">
+              <a:extLst>
+                <a:ext uri="{FF2B5EF4-FFF2-40B4-BE49-F238E27FC236}">
+                  <a16:creationId xmlns:a16="http://schemas.microsoft.com/office/drawing/2014/main" id="{F6489097-EDF8-6E72-3E49-DC88C0243FE2}"/>
+                </a:ext>
+              </a:extLst>
+            </p:cNvPr>
+            <p:cNvPicPr>
+              <a:picLocks noChangeAspect="1"/>
+            </p:cNvPicPr>
+            <p:nvPr/>
+          </p:nvPicPr>
+          <p:blipFill>
+            <a:blip r:embed="rId6">
+              <a:extLst>
+                <a:ext uri="{96DAC541-7B7A-43D3-8B79-37D633B846F1}">
+                  <asvg:svgBlip xmlns:asvg="http://schemas.microsoft.com/office/drawing/2016/SVG/main" r:embed="rId7"/>
+                </a:ext>
+              </a:extLst>
+            </a:blip>
+            <a:srcRect/>
+            <a:stretch/>
+          </p:blipFill>
+          <p:spPr>
+            <a:xfrm>
+              <a:off x="633047" y="5469949"/>
+              <a:ext cx="360000" cy="360000"/>
+            </a:xfrm>
+            <a:prstGeom prst="rect">
+              <a:avLst/>
+            </a:prstGeom>
+          </p:spPr>
+        </p:pic>
+        <p:pic>
+          <p:nvPicPr>
+            <p:cNvPr id="26" name="グラフィックス 25">
+              <a:extLst>
+                <a:ext uri="{FF2B5EF4-FFF2-40B4-BE49-F238E27FC236}">
+                  <a16:creationId xmlns:a16="http://schemas.microsoft.com/office/drawing/2014/main" id="{CAFF59EC-A075-DAA0-3930-6956E78A9814}"/>
+                </a:ext>
+              </a:extLst>
+            </p:cNvPr>
+            <p:cNvPicPr>
+              <a:picLocks noChangeAspect="1"/>
+            </p:cNvPicPr>
+            <p:nvPr/>
+          </p:nvPicPr>
+          <p:blipFill>
+            <a:blip r:embed="rId8">
+              <a:extLst>
+                <a:ext uri="{96DAC541-7B7A-43D3-8B79-37D633B846F1}">
+                  <asvg:svgBlip xmlns:asvg="http://schemas.microsoft.com/office/drawing/2016/SVG/main" r:embed="rId9"/>
+                </a:ext>
+              </a:extLst>
+            </a:blip>
+            <a:srcRect/>
+            <a:stretch/>
+          </p:blipFill>
+          <p:spPr>
+            <a:xfrm>
+              <a:off x="632177" y="5850045"/>
+              <a:ext cx="360000" cy="360000"/>
+            </a:xfrm>
+            <a:prstGeom prst="rect">
+              <a:avLst/>
+            </a:prstGeom>
+          </p:spPr>
+        </p:pic>
+        <p:pic>
+          <p:nvPicPr>
+            <p:cNvPr id="27" name="グラフィックス 26">
+              <a:extLst>
+                <a:ext uri="{FF2B5EF4-FFF2-40B4-BE49-F238E27FC236}">
+                  <a16:creationId xmlns:a16="http://schemas.microsoft.com/office/drawing/2014/main" id="{508602C5-61A6-D9EA-7407-629A90E2BDFE}"/>
+                </a:ext>
+              </a:extLst>
+            </p:cNvPr>
+            <p:cNvPicPr>
+              <a:picLocks noChangeAspect="1"/>
+            </p:cNvPicPr>
+            <p:nvPr/>
+          </p:nvPicPr>
+          <p:blipFill>
+            <a:blip r:embed="rId10">
+              <a:extLst>
+                <a:ext uri="{96DAC541-7B7A-43D3-8B79-37D633B846F1}">
+                  <asvg:svgBlip xmlns:asvg="http://schemas.microsoft.com/office/drawing/2016/SVG/main" r:embed="rId11"/>
+                </a:ext>
+              </a:extLst>
+            </a:blip>
+            <a:srcRect/>
+            <a:stretch/>
+          </p:blipFill>
+          <p:spPr>
+            <a:xfrm>
+              <a:off x="633047" y="5147884"/>
+              <a:ext cx="360000" cy="360000"/>
+            </a:xfrm>
+            <a:prstGeom prst="rect">
+              <a:avLst/>
+            </a:prstGeom>
+          </p:spPr>
+        </p:pic>
+        <p:sp>
+          <p:nvSpPr>
+            <p:cNvPr id="29" name="正方形/長方形 28">
+              <a:extLst>
+                <a:ext uri="{FF2B5EF4-FFF2-40B4-BE49-F238E27FC236}">
+                  <a16:creationId xmlns:a16="http://schemas.microsoft.com/office/drawing/2014/main" id="{9FB2F4F4-B2EF-E90B-1B0F-9A6F4BFAFDE3}"/>
+                </a:ext>
+              </a:extLst>
+            </p:cNvPr>
+            <p:cNvSpPr/>
+            <p:nvPr/>
+          </p:nvSpPr>
+          <p:spPr>
+            <a:xfrm>
+              <a:off x="992177" y="4767789"/>
+              <a:ext cx="5939365" cy="360000"/>
+            </a:xfrm>
+            <a:prstGeom prst="rect">
+              <a:avLst/>
+            </a:prstGeom>
+            <a:noFill/>
+            <a:ln>
+              <a:noFill/>
+            </a:ln>
+          </p:spPr>
+          <p:style>
+            <a:lnRef idx="2">
+              <a:schemeClr val="accent1">
+                <a:shade val="15000"/>
+              </a:schemeClr>
+            </a:lnRef>
+            <a:fillRef idx="1">
+              <a:schemeClr val="accent1"/>
+            </a:fillRef>
+            <a:effectRef idx="0">
+              <a:schemeClr val="accent1"/>
+            </a:effectRef>
+            <a:fontRef idx="minor">
+              <a:schemeClr val="lt1"/>
+            </a:fontRef>
+          </p:style>
+          <p:txBody>
+            <a:bodyPr rtlCol="0" anchor="ctr"/>
+            <a:lstStyle/>
+            <a:p>
+              <a:r>
+                <a:rPr kumimoji="1" lang="ja-JP" altLang="en-US" sz="1400">
+                  <a:solidFill>
+                    <a:srgbClr val="323232"/>
+                  </a:solidFill>
+                  <a:latin typeface="Yu Gothic" panose="020B0400000000000000" pitchFamily="34" charset="-128"/>
+                  <a:ea typeface="Yu Gothic" panose="020B0400000000000000" pitchFamily="34" charset="-128"/>
+                </a:rPr>
+                <a:t>静岡大学大学院</a:t>
+              </a:r>
+              <a:r>
+                <a:rPr kumimoji="1" lang="en-US" altLang="ja-JP" sz="1400" dirty="0">
+                  <a:solidFill>
+                    <a:srgbClr val="323232"/>
+                  </a:solidFill>
+                  <a:latin typeface="Yu Gothic" panose="020B0400000000000000" pitchFamily="34" charset="-128"/>
+                  <a:ea typeface="Yu Gothic" panose="020B0400000000000000" pitchFamily="34" charset="-128"/>
+                </a:rPr>
+                <a:t> </a:t>
+              </a:r>
+              <a:r>
+                <a:rPr kumimoji="1" lang="ja-JP" altLang="en-US" sz="1400">
+                  <a:solidFill>
+                    <a:srgbClr val="323232"/>
+                  </a:solidFill>
+                  <a:latin typeface="Yu Gothic" panose="020B0400000000000000" pitchFamily="34" charset="-128"/>
+                  <a:ea typeface="Yu Gothic" panose="020B0400000000000000" pitchFamily="34" charset="-128"/>
+                </a:rPr>
+                <a:t>自然科学系教育部 </a:t>
+              </a:r>
+              <a:r>
+                <a:rPr kumimoji="1" lang="en-US" altLang="ja-JP" sz="1400" dirty="0">
+                  <a:solidFill>
+                    <a:srgbClr val="323232"/>
+                  </a:solidFill>
+                  <a:latin typeface="Yu Gothic" panose="020B0400000000000000" pitchFamily="34" charset="-128"/>
+                  <a:ea typeface="Yu Gothic" panose="020B0400000000000000" pitchFamily="34" charset="-128"/>
+                </a:rPr>
+                <a:t>/ </a:t>
+              </a:r>
+              <a:r>
+                <a:rPr kumimoji="1" lang="ja-JP" altLang="en-US" sz="1400">
+                  <a:solidFill>
+                    <a:srgbClr val="323232"/>
+                  </a:solidFill>
+                  <a:latin typeface="Yu Gothic" panose="020B0400000000000000" pitchFamily="34" charset="-128"/>
+                  <a:ea typeface="Yu Gothic" panose="020B0400000000000000" pitchFamily="34" charset="-128"/>
+                </a:rPr>
+                <a:t>認知的コミュニケーション研究室</a:t>
+              </a:r>
+            </a:p>
+          </p:txBody>
+        </p:sp>
+        <p:sp>
+          <p:nvSpPr>
+            <p:cNvPr id="30" name="正方形/長方形 29">
+              <a:extLst>
+                <a:ext uri="{FF2B5EF4-FFF2-40B4-BE49-F238E27FC236}">
+                  <a16:creationId xmlns:a16="http://schemas.microsoft.com/office/drawing/2014/main" id="{3522C56E-7ABB-43A8-B0B1-FB63314002D6}"/>
                 </a:ext>
               </a:extLst>
             </p:cNvPr>
@@ -4645,7 +5561,7 @@
             <p:cNvPr id="31" name="正方形/長方形 30">
               <a:extLst>
                 <a:ext uri="{FF2B5EF4-FFF2-40B4-BE49-F238E27FC236}">
-                  <a16:creationId xmlns:a16="http://schemas.microsoft.com/office/drawing/2014/main" id="{64134785-DC12-EF74-25B7-1582113EA464}"/>
+                  <a16:creationId xmlns:a16="http://schemas.microsoft.com/office/drawing/2014/main" id="{6D6C6B67-FB0F-6167-F0D0-85D9242792EB}"/>
                 </a:ext>
               </a:extLst>
             </p:cNvPr>
@@ -4710,7 +5626,7 @@
             <p:cNvPr id="32" name="正方形/長方形 31">
               <a:extLst>
                 <a:ext uri="{FF2B5EF4-FFF2-40B4-BE49-F238E27FC236}">
-                  <a16:creationId xmlns:a16="http://schemas.microsoft.com/office/drawing/2014/main" id="{EA986BD9-00F0-F245-F8E0-1E472116D0EB}"/>
+                  <a16:creationId xmlns:a16="http://schemas.microsoft.com/office/drawing/2014/main" id="{90D12C97-26DE-FF63-20D3-39702612981A}"/>
                 </a:ext>
               </a:extLst>
             </p:cNvPr>
@@ -4776,7 +5692,7 @@
           <p:cNvPr id="2" name="グラフィックス 1" descr="卒業式用の角帽 単色塗りつぶし">
             <a:extLst>
               <a:ext uri="{FF2B5EF4-FFF2-40B4-BE49-F238E27FC236}">
-                <a16:creationId xmlns:a16="http://schemas.microsoft.com/office/drawing/2014/main" id="{66734357-BB5A-B82A-2312-E5BE310F13AD}"/>
+                <a16:creationId xmlns:a16="http://schemas.microsoft.com/office/drawing/2014/main" id="{022A97C1-D394-9FEE-8379-32A87B10E226}"/>
               </a:ext>
             </a:extLst>
           </p:cNvPr>
@@ -4811,7 +5727,7 @@
           <p:cNvPr id="3" name="正方形/長方形 2">
             <a:extLst>
               <a:ext uri="{FF2B5EF4-FFF2-40B4-BE49-F238E27FC236}">
-                <a16:creationId xmlns:a16="http://schemas.microsoft.com/office/drawing/2014/main" id="{7F9DA877-FB0B-1B34-0FC5-9AC910A4F604}"/>
+                <a16:creationId xmlns:a16="http://schemas.microsoft.com/office/drawing/2014/main" id="{92186332-5C3C-0BB3-7938-824C0D556C11}"/>
               </a:ext>
             </a:extLst>
           </p:cNvPr>
@@ -4869,7 +5785,7 @@
           <p:cNvPr id="6" name="図 5" descr="挿絵 が含まれている画像&#10;&#10;自動的に生成された説明">
             <a:extLst>
               <a:ext uri="{FF2B5EF4-FFF2-40B4-BE49-F238E27FC236}">
-                <a16:creationId xmlns:a16="http://schemas.microsoft.com/office/drawing/2014/main" id="{8FD1CCCF-1AD5-A252-E4C7-5A41D129E71C}"/>
+                <a16:creationId xmlns:a16="http://schemas.microsoft.com/office/drawing/2014/main" id="{15E94B7F-2595-1B30-E58A-CC84A2EB475E}"/>
               </a:ext>
             </a:extLst>
           </p:cNvPr>
@@ -4897,7 +5813,7 @@
     </p:spTree>
     <p:extLst>
       <p:ext uri="{BB962C8B-B14F-4D97-AF65-F5344CB8AC3E}">
-        <p14:creationId xmlns:p14="http://schemas.microsoft.com/office/powerpoint/2010/main" val="2489898058"/>
+        <p14:creationId xmlns:p14="http://schemas.microsoft.com/office/powerpoint/2010/main" val="3191679342"/>
       </p:ext>
     </p:extLst>
   </p:cSld>
@@ -4907,12 +5823,18 @@
 </p:sld>
 </file>
 
-<file path=ppt/slides/slide2.xml><?xml version="1.0" encoding="utf-8"?>
+<file path=ppt/slides/slide3.xml><?xml version="1.0" encoding="utf-8"?>
 <p:sld xmlns:a="http://schemas.openxmlformats.org/drawingml/2006/main" xmlns:r="http://schemas.openxmlformats.org/officeDocument/2006/relationships" xmlns:p="http://schemas.openxmlformats.org/presentationml/2006/main">
   <p:cSld>
     <p:spTree>
       <p:nvGrpSpPr>
-        <p:cNvPr id="1" name=""/>
+        <p:cNvPr id="1" name="">
+          <a:extLst>
+            <a:ext uri="{FF2B5EF4-FFF2-40B4-BE49-F238E27FC236}">
+              <a16:creationId xmlns:a16="http://schemas.microsoft.com/office/drawing/2014/main" id="{EC3394D6-78CF-0ADA-3C62-39B143BDBCCF}"/>
+            </a:ext>
+          </a:extLst>
+        </p:cNvPr>
         <p:cNvGrpSpPr/>
         <p:nvPr/>
       </p:nvGrpSpPr>
@@ -4929,7 +5851,7 @@
           <p:cNvPr id="4" name="正方形/長方形 3">
             <a:extLst>
               <a:ext uri="{FF2B5EF4-FFF2-40B4-BE49-F238E27FC236}">
-                <a16:creationId xmlns:a16="http://schemas.microsoft.com/office/drawing/2014/main" id="{BD75CB29-FDF1-04EA-CBCC-0405FD653C22}"/>
+                <a16:creationId xmlns:a16="http://schemas.microsoft.com/office/drawing/2014/main" id="{5E83CB23-35CD-4147-3D40-72A2926620AB}"/>
               </a:ext>
             </a:extLst>
           </p:cNvPr>
@@ -5009,7 +5931,7 @@
           <p:cNvPr id="33" name="グループ化 32">
             <a:extLst>
               <a:ext uri="{FF2B5EF4-FFF2-40B4-BE49-F238E27FC236}">
-                <a16:creationId xmlns:a16="http://schemas.microsoft.com/office/drawing/2014/main" id="{C1BC0DFF-D215-2EAC-05E9-C95DD8AEA35F}"/>
+                <a16:creationId xmlns:a16="http://schemas.microsoft.com/office/drawing/2014/main" id="{CB221D69-5C21-1216-D127-8F9F83234D07}"/>
               </a:ext>
             </a:extLst>
           </p:cNvPr>
@@ -5019,9 +5941,9 @@
         <p:grpSpPr>
           <a:xfrm>
             <a:off x="720000" y="4689050"/>
-            <a:ext cx="6299365" cy="1442256"/>
+            <a:ext cx="6285919" cy="1442256"/>
             <a:chOff x="632177" y="4767789"/>
-            <a:chExt cx="6299365" cy="1442256"/>
+            <a:chExt cx="6285919" cy="1442256"/>
           </a:xfrm>
         </p:grpSpPr>
         <p:pic>
@@ -5029,7 +5951,7 @@
             <p:cNvPr id="24" name="グラフィックス 23">
               <a:extLst>
                 <a:ext uri="{FF2B5EF4-FFF2-40B4-BE49-F238E27FC236}">
-                  <a16:creationId xmlns:a16="http://schemas.microsoft.com/office/drawing/2014/main" id="{A9089DB6-3D8D-B8ED-75E1-A462088C8A70}"/>
+                  <a16:creationId xmlns:a16="http://schemas.microsoft.com/office/drawing/2014/main" id="{5063B2BF-2E5C-B664-A22D-66B3BB16D3E6}"/>
                 </a:ext>
               </a:extLst>
             </p:cNvPr>
@@ -5064,7 +5986,7 @@
             <p:cNvPr id="25" name="グラフィックス 24">
               <a:extLst>
                 <a:ext uri="{FF2B5EF4-FFF2-40B4-BE49-F238E27FC236}">
-                  <a16:creationId xmlns:a16="http://schemas.microsoft.com/office/drawing/2014/main" id="{3249F8CD-CAD7-7F1B-E2BB-864423EC16CC}"/>
+                  <a16:creationId xmlns:a16="http://schemas.microsoft.com/office/drawing/2014/main" id="{0619BC50-4458-7E3D-A1B3-C51ECEE38884}"/>
                 </a:ext>
               </a:extLst>
             </p:cNvPr>
@@ -5099,7 +6021,7 @@
             <p:cNvPr id="26" name="グラフィックス 25">
               <a:extLst>
                 <a:ext uri="{FF2B5EF4-FFF2-40B4-BE49-F238E27FC236}">
-                  <a16:creationId xmlns:a16="http://schemas.microsoft.com/office/drawing/2014/main" id="{5F418B13-FFA6-807C-4553-BC4209BA1D78}"/>
+                  <a16:creationId xmlns:a16="http://schemas.microsoft.com/office/drawing/2014/main" id="{8199E617-B18F-15B6-4CE5-99579DE6AC34}"/>
                 </a:ext>
               </a:extLst>
             </p:cNvPr>
@@ -5134,7 +6056,7 @@
             <p:cNvPr id="27" name="グラフィックス 26">
               <a:extLst>
                 <a:ext uri="{FF2B5EF4-FFF2-40B4-BE49-F238E27FC236}">
-                  <a16:creationId xmlns:a16="http://schemas.microsoft.com/office/drawing/2014/main" id="{8EA172B0-8971-E567-5B5E-57E1088DCD63}"/>
+                  <a16:creationId xmlns:a16="http://schemas.microsoft.com/office/drawing/2014/main" id="{D3C0C5AA-4440-125B-3381-65A99BB2725E}"/>
                 </a:ext>
               </a:extLst>
             </p:cNvPr>
@@ -5169,787 +6091,7 @@
             <p:cNvPr id="29" name="正方形/長方形 28">
               <a:extLst>
                 <a:ext uri="{FF2B5EF4-FFF2-40B4-BE49-F238E27FC236}">
-                  <a16:creationId xmlns:a16="http://schemas.microsoft.com/office/drawing/2014/main" id="{8DC38EF7-5548-F959-64B1-E3BC4BA54357}"/>
-                </a:ext>
-              </a:extLst>
-            </p:cNvPr>
-            <p:cNvSpPr/>
-            <p:nvPr/>
-          </p:nvSpPr>
-          <p:spPr>
-            <a:xfrm>
-              <a:off x="992177" y="4767789"/>
-              <a:ext cx="5939365" cy="360000"/>
-            </a:xfrm>
-            <a:prstGeom prst="rect">
-              <a:avLst/>
-            </a:prstGeom>
-            <a:noFill/>
-            <a:ln>
-              <a:noFill/>
-            </a:ln>
-          </p:spPr>
-          <p:style>
-            <a:lnRef idx="2">
-              <a:schemeClr val="accent1">
-                <a:shade val="15000"/>
-              </a:schemeClr>
-            </a:lnRef>
-            <a:fillRef idx="1">
-              <a:schemeClr val="accent1"/>
-            </a:fillRef>
-            <a:effectRef idx="0">
-              <a:schemeClr val="accent1"/>
-            </a:effectRef>
-            <a:fontRef idx="minor">
-              <a:schemeClr val="lt1"/>
-            </a:fontRef>
-          </p:style>
-          <p:txBody>
-            <a:bodyPr rtlCol="0" anchor="ctr"/>
-            <a:lstStyle/>
-            <a:p>
-              <a:r>
-                <a:rPr kumimoji="1" lang="ja-JP" altLang="en-US" sz="1400">
-                  <a:solidFill>
-                    <a:srgbClr val="323232"/>
-                  </a:solidFill>
-                  <a:latin typeface="Yu Gothic" panose="020B0400000000000000" pitchFamily="34" charset="-128"/>
-                  <a:ea typeface="Yu Gothic" panose="020B0400000000000000" pitchFamily="34" charset="-128"/>
-                </a:rPr>
-                <a:t>静岡大学大学院</a:t>
-              </a:r>
-              <a:r>
-                <a:rPr kumimoji="1" lang="en-US" altLang="ja-JP" sz="1400" dirty="0">
-                  <a:solidFill>
-                    <a:srgbClr val="323232"/>
-                  </a:solidFill>
-                  <a:latin typeface="Yu Gothic" panose="020B0400000000000000" pitchFamily="34" charset="-128"/>
-                  <a:ea typeface="Yu Gothic" panose="020B0400000000000000" pitchFamily="34" charset="-128"/>
-                </a:rPr>
-                <a:t> </a:t>
-              </a:r>
-              <a:r>
-                <a:rPr kumimoji="1" lang="ja-JP" altLang="en-US" sz="1400">
-                  <a:solidFill>
-                    <a:srgbClr val="323232"/>
-                  </a:solidFill>
-                  <a:latin typeface="Yu Gothic" panose="020B0400000000000000" pitchFamily="34" charset="-128"/>
-                  <a:ea typeface="Yu Gothic" panose="020B0400000000000000" pitchFamily="34" charset="-128"/>
-                </a:rPr>
-                <a:t>自然科学系教育部 </a:t>
-              </a:r>
-              <a:r>
-                <a:rPr kumimoji="1" lang="en-US" altLang="ja-JP" sz="1400" dirty="0">
-                  <a:solidFill>
-                    <a:srgbClr val="323232"/>
-                  </a:solidFill>
-                  <a:latin typeface="Yu Gothic" panose="020B0400000000000000" pitchFamily="34" charset="-128"/>
-                  <a:ea typeface="Yu Gothic" panose="020B0400000000000000" pitchFamily="34" charset="-128"/>
-                </a:rPr>
-                <a:t>/ </a:t>
-              </a:r>
-              <a:r>
-                <a:rPr kumimoji="1" lang="ja-JP" altLang="en-US" sz="1400">
-                  <a:solidFill>
-                    <a:srgbClr val="323232"/>
-                  </a:solidFill>
-                  <a:latin typeface="Yu Gothic" panose="020B0400000000000000" pitchFamily="34" charset="-128"/>
-                  <a:ea typeface="Yu Gothic" panose="020B0400000000000000" pitchFamily="34" charset="-128"/>
-                </a:rPr>
-                <a:t>認知的コミュニケーション研究室</a:t>
-              </a:r>
-            </a:p>
-          </p:txBody>
-        </p:sp>
-        <p:sp>
-          <p:nvSpPr>
-            <p:cNvPr id="30" name="正方形/長方形 29">
-              <a:extLst>
-                <a:ext uri="{FF2B5EF4-FFF2-40B4-BE49-F238E27FC236}">
-                  <a16:creationId xmlns:a16="http://schemas.microsoft.com/office/drawing/2014/main" id="{4ADBFF52-46C6-336B-AC3E-0478F7A04414}"/>
-                </a:ext>
-              </a:extLst>
-            </p:cNvPr>
-            <p:cNvSpPr/>
-            <p:nvPr/>
-          </p:nvSpPr>
-          <p:spPr>
-            <a:xfrm>
-              <a:off x="992177" y="5147884"/>
-              <a:ext cx="5925918" cy="360000"/>
-            </a:xfrm>
-            <a:prstGeom prst="rect">
-              <a:avLst/>
-            </a:prstGeom>
-            <a:noFill/>
-            <a:ln>
-              <a:noFill/>
-            </a:ln>
-          </p:spPr>
-          <p:style>
-            <a:lnRef idx="2">
-              <a:schemeClr val="accent1">
-                <a:shade val="15000"/>
-              </a:schemeClr>
-            </a:lnRef>
-            <a:fillRef idx="1">
-              <a:schemeClr val="accent1"/>
-            </a:fillRef>
-            <a:effectRef idx="0">
-              <a:schemeClr val="accent1"/>
-            </a:effectRef>
-            <a:fontRef idx="minor">
-              <a:schemeClr val="lt1"/>
-            </a:fontRef>
-          </p:style>
-          <p:txBody>
-            <a:bodyPr rtlCol="0" anchor="ctr"/>
-            <a:lstStyle/>
-            <a:p>
-              <a:r>
-                <a:rPr kumimoji="1" lang="ja-JP" altLang="en-US" sz="1400">
-                  <a:solidFill>
-                    <a:srgbClr val="323232"/>
-                  </a:solidFill>
-                  <a:latin typeface="Yu Gothic" panose="020B0400000000000000" pitchFamily="34" charset="-128"/>
-                  <a:ea typeface="Yu Gothic" panose="020B0400000000000000" pitchFamily="34" charset="-128"/>
-                </a:rPr>
-                <a:t>〒</a:t>
-              </a:r>
-              <a:r>
-                <a:rPr kumimoji="1" lang="en-US" altLang="ja-JP" sz="1400" dirty="0">
-                  <a:solidFill>
-                    <a:srgbClr val="323232"/>
-                  </a:solidFill>
-                  <a:latin typeface="Yu Gothic" panose="020B0400000000000000" pitchFamily="34" charset="-128"/>
-                  <a:ea typeface="Yu Gothic" panose="020B0400000000000000" pitchFamily="34" charset="-128"/>
-                </a:rPr>
-                <a:t>432-8011 </a:t>
-              </a:r>
-              <a:r>
-                <a:rPr kumimoji="1" lang="ja-JP" altLang="en-US" sz="1400">
-                  <a:solidFill>
-                    <a:srgbClr val="323232"/>
-                  </a:solidFill>
-                  <a:latin typeface="Yu Gothic" panose="020B0400000000000000" pitchFamily="34" charset="-128"/>
-                  <a:ea typeface="Yu Gothic" panose="020B0400000000000000" pitchFamily="34" charset="-128"/>
-                </a:rPr>
-                <a:t>静岡県浜松市中央区城北</a:t>
-              </a:r>
-              <a:r>
-                <a:rPr kumimoji="1" lang="en-US" altLang="ja-JP" sz="1400" dirty="0">
-                  <a:solidFill>
-                    <a:srgbClr val="323232"/>
-                  </a:solidFill>
-                  <a:latin typeface="Yu Gothic" panose="020B0400000000000000" pitchFamily="34" charset="-128"/>
-                  <a:ea typeface="Yu Gothic" panose="020B0400000000000000" pitchFamily="34" charset="-128"/>
-                </a:rPr>
-                <a:t>3-5-1 </a:t>
-              </a:r>
-              <a:r>
-                <a:rPr kumimoji="1" lang="ja-JP" altLang="en-US" sz="1400">
-                  <a:solidFill>
-                    <a:srgbClr val="323232"/>
-                  </a:solidFill>
-                  <a:latin typeface="Yu Gothic" panose="020B0400000000000000" pitchFamily="34" charset="-128"/>
-                  <a:ea typeface="Yu Gothic" panose="020B0400000000000000" pitchFamily="34" charset="-128"/>
-                </a:rPr>
-                <a:t>静岡大学浜松キャンパス</a:t>
-              </a:r>
-            </a:p>
-          </p:txBody>
-        </p:sp>
-        <p:sp>
-          <p:nvSpPr>
-            <p:cNvPr id="31" name="正方形/長方形 30">
-              <a:extLst>
-                <a:ext uri="{FF2B5EF4-FFF2-40B4-BE49-F238E27FC236}">
-                  <a16:creationId xmlns:a16="http://schemas.microsoft.com/office/drawing/2014/main" id="{64134785-DC12-EF74-25B7-1582113EA464}"/>
-                </a:ext>
-              </a:extLst>
-            </p:cNvPr>
-            <p:cNvSpPr/>
-            <p:nvPr/>
-          </p:nvSpPr>
-          <p:spPr>
-            <a:xfrm>
-              <a:off x="993047" y="5469949"/>
-              <a:ext cx="4677925" cy="360000"/>
-            </a:xfrm>
-            <a:prstGeom prst="rect">
-              <a:avLst/>
-            </a:prstGeom>
-            <a:noFill/>
-            <a:ln>
-              <a:noFill/>
-            </a:ln>
-          </p:spPr>
-          <p:style>
-            <a:lnRef idx="2">
-              <a:schemeClr val="accent1">
-                <a:shade val="15000"/>
-              </a:schemeClr>
-            </a:lnRef>
-            <a:fillRef idx="1">
-              <a:schemeClr val="accent1"/>
-            </a:fillRef>
-            <a:effectRef idx="0">
-              <a:schemeClr val="accent1"/>
-            </a:effectRef>
-            <a:fontRef idx="minor">
-              <a:schemeClr val="lt1"/>
-            </a:fontRef>
-          </p:style>
-          <p:txBody>
-            <a:bodyPr rtlCol="0" anchor="ctr"/>
-            <a:lstStyle/>
-            <a:p>
-              <a:r>
-                <a:rPr kumimoji="1" lang="en-US" altLang="ja-JP" sz="1400" dirty="0">
-                  <a:solidFill>
-                    <a:srgbClr val="323232"/>
-                  </a:solidFill>
-                  <a:latin typeface="Yu Gothic" panose="020B0400000000000000" pitchFamily="34" charset="-128"/>
-                  <a:ea typeface="Yu Gothic" panose="020B0400000000000000" pitchFamily="34" charset="-128"/>
-                </a:rPr>
-                <a:t>ichikawa.masanari.18@shizuoka.ac.jp</a:t>
-              </a:r>
-              <a:endParaRPr kumimoji="1" lang="ja-JP" altLang="en-US" sz="1400">
-                <a:solidFill>
-                  <a:srgbClr val="323232"/>
-                </a:solidFill>
-                <a:latin typeface="Yu Gothic" panose="020B0400000000000000" pitchFamily="34" charset="-128"/>
-                <a:ea typeface="Yu Gothic" panose="020B0400000000000000" pitchFamily="34" charset="-128"/>
-              </a:endParaRPr>
-            </a:p>
-          </p:txBody>
-        </p:sp>
-        <p:sp>
-          <p:nvSpPr>
-            <p:cNvPr id="32" name="正方形/長方形 31">
-              <a:extLst>
-                <a:ext uri="{FF2B5EF4-FFF2-40B4-BE49-F238E27FC236}">
-                  <a16:creationId xmlns:a16="http://schemas.microsoft.com/office/drawing/2014/main" id="{EA986BD9-00F0-F245-F8E0-1E472116D0EB}"/>
-                </a:ext>
-              </a:extLst>
-            </p:cNvPr>
-            <p:cNvSpPr/>
-            <p:nvPr/>
-          </p:nvSpPr>
-          <p:spPr>
-            <a:xfrm>
-              <a:off x="992177" y="5850045"/>
-              <a:ext cx="5418671" cy="360000"/>
-            </a:xfrm>
-            <a:prstGeom prst="rect">
-              <a:avLst/>
-            </a:prstGeom>
-            <a:noFill/>
-            <a:ln>
-              <a:noFill/>
-            </a:ln>
-          </p:spPr>
-          <p:style>
-            <a:lnRef idx="2">
-              <a:schemeClr val="accent1">
-                <a:shade val="15000"/>
-              </a:schemeClr>
-            </a:lnRef>
-            <a:fillRef idx="1">
-              <a:schemeClr val="accent1"/>
-            </a:fillRef>
-            <a:effectRef idx="0">
-              <a:schemeClr val="accent1"/>
-            </a:effectRef>
-            <a:fontRef idx="minor">
-              <a:schemeClr val="lt1"/>
-            </a:fontRef>
-          </p:style>
-          <p:txBody>
-            <a:bodyPr rtlCol="0" anchor="ctr"/>
-            <a:lstStyle/>
-            <a:p>
-              <a:r>
-                <a:rPr kumimoji="1" lang="en-US" altLang="ja-JP" sz="1400" dirty="0" err="1">
-                  <a:solidFill>
-                    <a:srgbClr val="323232"/>
-                  </a:solidFill>
-                  <a:latin typeface="Yu Gothic" panose="020B0400000000000000" pitchFamily="34" charset="-128"/>
-                  <a:ea typeface="Yu Gothic" panose="020B0400000000000000" pitchFamily="34" charset="-128"/>
-                </a:rPr>
-                <a:t>masanarius.github.io</a:t>
-              </a:r>
-              <a:endParaRPr kumimoji="1" lang="ja-JP" altLang="en-US" sz="1400">
-                <a:solidFill>
-                  <a:srgbClr val="323232"/>
-                </a:solidFill>
-                <a:latin typeface="Yu Gothic" panose="020B0400000000000000" pitchFamily="34" charset="-128"/>
-                <a:ea typeface="Yu Gothic" panose="020B0400000000000000" pitchFamily="34" charset="-128"/>
-              </a:endParaRPr>
-            </a:p>
-          </p:txBody>
-        </p:sp>
-      </p:grpSp>
-      <p:pic>
-        <p:nvPicPr>
-          <p:cNvPr id="2" name="図 1" descr="QR コード&#10;&#10;自動的に生成された説明">
-            <a:extLst>
-              <a:ext uri="{FF2B5EF4-FFF2-40B4-BE49-F238E27FC236}">
-                <a16:creationId xmlns:a16="http://schemas.microsoft.com/office/drawing/2014/main" id="{23C496C4-D74E-2D58-7DA8-35862E7B0563}"/>
-              </a:ext>
-            </a:extLst>
-          </p:cNvPr>
-          <p:cNvPicPr>
-            <a:picLocks noChangeAspect="1"/>
-          </p:cNvPicPr>
-          <p:nvPr/>
-        </p:nvPicPr>
-        <p:blipFill>
-          <a:blip r:embed="rId11"/>
-          <a:stretch>
-            <a:fillRect/>
-          </a:stretch>
-        </p:blipFill>
-        <p:spPr>
-          <a:xfrm>
-            <a:off x="7920487" y="2390154"/>
-            <a:ext cx="2880000" cy="2880000"/>
-          </a:xfrm>
-          <a:prstGeom prst="rect">
-            <a:avLst/>
-          </a:prstGeom>
-        </p:spPr>
-      </p:pic>
-      <p:pic>
-        <p:nvPicPr>
-          <p:cNvPr id="3" name="グラフィックス 2" descr="卒業式用の角帽 単色塗りつぶし">
-            <a:extLst>
-              <a:ext uri="{FF2B5EF4-FFF2-40B4-BE49-F238E27FC236}">
-                <a16:creationId xmlns:a16="http://schemas.microsoft.com/office/drawing/2014/main" id="{72E9D41B-1335-CFD5-0436-F4CBF181D216}"/>
-              </a:ext>
-            </a:extLst>
-          </p:cNvPr>
-          <p:cNvPicPr>
-            <a:picLocks noChangeAspect="1"/>
-          </p:cNvPicPr>
-          <p:nvPr/>
-        </p:nvPicPr>
-        <p:blipFill>
-          <a:blip r:embed="rId12">
-            <a:extLst>
-              <a:ext uri="{96DAC541-7B7A-43D3-8B79-37D633B846F1}">
-                <asvg:svgBlip xmlns:asvg="http://schemas.microsoft.com/office/drawing/2016/SVG/main" r:embed="rId13"/>
-              </a:ext>
-            </a:extLst>
-          </a:blip>
-          <a:srcRect/>
-          <a:stretch/>
-        </p:blipFill>
-        <p:spPr>
-          <a:xfrm>
-            <a:off x="720870" y="4308954"/>
-            <a:ext cx="360000" cy="360000"/>
-          </a:xfrm>
-          <a:prstGeom prst="rect">
-            <a:avLst/>
-          </a:prstGeom>
-        </p:spPr>
-      </p:pic>
-      <p:sp>
-        <p:nvSpPr>
-          <p:cNvPr id="5" name="正方形/長方形 4">
-            <a:extLst>
-              <a:ext uri="{FF2B5EF4-FFF2-40B4-BE49-F238E27FC236}">
-                <a16:creationId xmlns:a16="http://schemas.microsoft.com/office/drawing/2014/main" id="{07988D22-40DF-3592-73F6-A4D17DEC1767}"/>
-              </a:ext>
-            </a:extLst>
-          </p:cNvPr>
-          <p:cNvSpPr/>
-          <p:nvPr/>
-        </p:nvSpPr>
-        <p:spPr>
-          <a:xfrm>
-            <a:off x="1080000" y="4308954"/>
-            <a:ext cx="5925918" cy="360000"/>
-          </a:xfrm>
-          <a:prstGeom prst="rect">
-            <a:avLst/>
-          </a:prstGeom>
-          <a:noFill/>
-          <a:ln>
-            <a:noFill/>
-          </a:ln>
-        </p:spPr>
-        <p:style>
-          <a:lnRef idx="2">
-            <a:schemeClr val="accent1">
-              <a:shade val="15000"/>
-            </a:schemeClr>
-          </a:lnRef>
-          <a:fillRef idx="1">
-            <a:schemeClr val="accent1"/>
-          </a:fillRef>
-          <a:effectRef idx="0">
-            <a:schemeClr val="accent1"/>
-          </a:effectRef>
-          <a:fontRef idx="minor">
-            <a:schemeClr val="lt1"/>
-          </a:fontRef>
-        </p:style>
-        <p:txBody>
-          <a:bodyPr rtlCol="0" anchor="ctr"/>
-          <a:lstStyle/>
-          <a:p>
-            <a:r>
-              <a:rPr kumimoji="1" lang="ja-JP" altLang="en-US" sz="1400">
-                <a:solidFill>
-                  <a:srgbClr val="323232"/>
-                </a:solidFill>
-                <a:latin typeface="Yu Gothic" panose="020B0400000000000000" pitchFamily="34" charset="-128"/>
-                <a:ea typeface="Yu Gothic" panose="020B0400000000000000" pitchFamily="34" charset="-128"/>
-              </a:rPr>
-              <a:t>修士（情報学）</a:t>
-            </a:r>
-          </a:p>
-        </p:txBody>
-      </p:sp>
-      <p:pic>
-        <p:nvPicPr>
-          <p:cNvPr id="6" name="図 5" descr="アイコン&#10;&#10;自動的に生成された説明">
-            <a:extLst>
-              <a:ext uri="{FF2B5EF4-FFF2-40B4-BE49-F238E27FC236}">
-                <a16:creationId xmlns:a16="http://schemas.microsoft.com/office/drawing/2014/main" id="{ADD5B2DC-EDA4-07F1-EAB2-5FE39D41E71A}"/>
-              </a:ext>
-            </a:extLst>
-          </p:cNvPr>
-          <p:cNvPicPr>
-            <a:picLocks noChangeAspect="1"/>
-          </p:cNvPicPr>
-          <p:nvPr/>
-        </p:nvPicPr>
-        <p:blipFill>
-          <a:blip r:embed="rId14"/>
-          <a:stretch>
-            <a:fillRect/>
-          </a:stretch>
-        </p:blipFill>
-        <p:spPr>
-          <a:xfrm>
-            <a:off x="9360487" y="719002"/>
-            <a:ext cx="1440000" cy="1440000"/>
-          </a:xfrm>
-          <a:prstGeom prst="rect">
-            <a:avLst/>
-          </a:prstGeom>
-        </p:spPr>
-      </p:pic>
-      <p:pic>
-        <p:nvPicPr>
-          <p:cNvPr id="7" name="図 6" descr="挿絵 が含まれている画像&#10;&#10;自動的に生成された説明">
-            <a:extLst>
-              <a:ext uri="{FF2B5EF4-FFF2-40B4-BE49-F238E27FC236}">
-                <a16:creationId xmlns:a16="http://schemas.microsoft.com/office/drawing/2014/main" id="{2BFF8685-FE09-8A90-BCDB-2AA81908550C}"/>
-              </a:ext>
-            </a:extLst>
-          </p:cNvPr>
-          <p:cNvPicPr>
-            <a:picLocks noChangeAspect="1"/>
-          </p:cNvPicPr>
-          <p:nvPr/>
-        </p:nvPicPr>
-        <p:blipFill>
-          <a:blip r:embed="rId15"/>
-          <a:stretch>
-            <a:fillRect/>
-          </a:stretch>
-        </p:blipFill>
-        <p:spPr>
-          <a:xfrm>
-            <a:off x="8341081" y="5501306"/>
-            <a:ext cx="2458537" cy="630000"/>
-          </a:xfrm>
-          <a:prstGeom prst="rect">
-            <a:avLst/>
-          </a:prstGeom>
-        </p:spPr>
-      </p:pic>
-    </p:spTree>
-    <p:extLst>
-      <p:ext uri="{BB962C8B-B14F-4D97-AF65-F5344CB8AC3E}">
-        <p14:creationId xmlns:p14="http://schemas.microsoft.com/office/powerpoint/2010/main" val="3587639753"/>
-      </p:ext>
-    </p:extLst>
-  </p:cSld>
-  <p:clrMapOvr>
-    <a:masterClrMapping/>
-  </p:clrMapOvr>
-</p:sld>
-</file>
-
-<file path=ppt/slides/slide3.xml><?xml version="1.0" encoding="utf-8"?>
-<p:sld xmlns:a="http://schemas.openxmlformats.org/drawingml/2006/main" xmlns:r="http://schemas.openxmlformats.org/officeDocument/2006/relationships" xmlns:p="http://schemas.openxmlformats.org/presentationml/2006/main">
-  <p:cSld>
-    <p:spTree>
-      <p:nvGrpSpPr>
-        <p:cNvPr id="1" name=""/>
-        <p:cNvGrpSpPr/>
-        <p:nvPr/>
-      </p:nvGrpSpPr>
-      <p:grpSpPr>
-        <a:xfrm>
-          <a:off x="0" y="0"/>
-          <a:ext cx="0" cy="0"/>
-          <a:chOff x="0" y="0"/>
-          <a:chExt cx="0" cy="0"/>
-        </a:xfrm>
-      </p:grpSpPr>
-      <p:sp>
-        <p:nvSpPr>
-          <p:cNvPr id="4" name="正方形/長方形 3">
-            <a:extLst>
-              <a:ext uri="{FF2B5EF4-FFF2-40B4-BE49-F238E27FC236}">
-                <a16:creationId xmlns:a16="http://schemas.microsoft.com/office/drawing/2014/main" id="{BD75CB29-FDF1-04EA-CBCC-0405FD653C22}"/>
-              </a:ext>
-            </a:extLst>
-          </p:cNvPr>
-          <p:cNvSpPr/>
-          <p:nvPr/>
-        </p:nvSpPr>
-        <p:spPr>
-          <a:xfrm>
-            <a:off x="720000" y="2519002"/>
-            <a:ext cx="5336108" cy="1440000"/>
-          </a:xfrm>
-          <a:prstGeom prst="rect">
-            <a:avLst/>
-          </a:prstGeom>
-          <a:noFill/>
-          <a:ln>
-            <a:noFill/>
-          </a:ln>
-        </p:spPr>
-        <p:style>
-          <a:lnRef idx="2">
-            <a:schemeClr val="accent1">
-              <a:shade val="15000"/>
-            </a:schemeClr>
-          </a:lnRef>
-          <a:fillRef idx="1">
-            <a:schemeClr val="accent1"/>
-          </a:fillRef>
-          <a:effectRef idx="0">
-            <a:schemeClr val="accent1"/>
-          </a:effectRef>
-          <a:fontRef idx="minor">
-            <a:schemeClr val="lt1"/>
-          </a:fontRef>
-        </p:style>
-        <p:txBody>
-          <a:bodyPr rtlCol="0" anchor="ctr"/>
-          <a:lstStyle/>
-          <a:p>
-            <a:r>
-              <a:rPr kumimoji="1" lang="ja-JP" altLang="en-US" sz="6000">
-                <a:solidFill>
-                  <a:srgbClr val="323232"/>
-                </a:solidFill>
-                <a:latin typeface="+mn-ea"/>
-              </a:rPr>
-              <a:t>市 川  雅 也</a:t>
-            </a:r>
-            <a:endParaRPr kumimoji="1" lang="en-US" altLang="ja-JP" sz="6000" dirty="0">
-              <a:solidFill>
-                <a:srgbClr val="323232"/>
-              </a:solidFill>
-              <a:latin typeface="+mn-ea"/>
-            </a:endParaRPr>
-          </a:p>
-          <a:p>
-            <a:r>
-              <a:rPr kumimoji="1" lang="en-US" altLang="ja-JP" sz="2400" dirty="0">
-                <a:solidFill>
-                  <a:srgbClr val="323232"/>
-                </a:solidFill>
-                <a:latin typeface="+mn-ea"/>
-              </a:rPr>
-              <a:t>Masanari ICHIKAWA</a:t>
-            </a:r>
-            <a:endParaRPr kumimoji="1" lang="ja-JP" altLang="en-US" sz="2400">
-              <a:solidFill>
-                <a:srgbClr val="323232"/>
-              </a:solidFill>
-              <a:latin typeface="+mn-ea"/>
-            </a:endParaRPr>
-          </a:p>
-        </p:txBody>
-      </p:sp>
-      <p:grpSp>
-        <p:nvGrpSpPr>
-          <p:cNvPr id="33" name="グループ化 32">
-            <a:extLst>
-              <a:ext uri="{FF2B5EF4-FFF2-40B4-BE49-F238E27FC236}">
-                <a16:creationId xmlns:a16="http://schemas.microsoft.com/office/drawing/2014/main" id="{C1BC0DFF-D215-2EAC-05E9-C95DD8AEA35F}"/>
-              </a:ext>
-            </a:extLst>
-          </p:cNvPr>
-          <p:cNvGrpSpPr/>
-          <p:nvPr/>
-        </p:nvGrpSpPr>
-        <p:grpSpPr>
-          <a:xfrm>
-            <a:off x="720000" y="4689050"/>
-            <a:ext cx="6285919" cy="1442256"/>
-            <a:chOff x="632177" y="4767789"/>
-            <a:chExt cx="6285919" cy="1442256"/>
-          </a:xfrm>
-        </p:grpSpPr>
-        <p:pic>
-          <p:nvPicPr>
-            <p:cNvPr id="24" name="グラフィックス 23">
-              <a:extLst>
-                <a:ext uri="{FF2B5EF4-FFF2-40B4-BE49-F238E27FC236}">
-                  <a16:creationId xmlns:a16="http://schemas.microsoft.com/office/drawing/2014/main" id="{A9089DB6-3D8D-B8ED-75E1-A462088C8A70}"/>
-                </a:ext>
-              </a:extLst>
-            </p:cNvPr>
-            <p:cNvPicPr>
-              <a:picLocks noChangeAspect="1"/>
-            </p:cNvPicPr>
-            <p:nvPr/>
-          </p:nvPicPr>
-          <p:blipFill>
-            <a:blip r:embed="rId3">
-              <a:extLst>
-                <a:ext uri="{96DAC541-7B7A-43D3-8B79-37D633B846F1}">
-                  <asvg:svgBlip xmlns:asvg="http://schemas.microsoft.com/office/drawing/2016/SVG/main" r:embed="rId4"/>
-                </a:ext>
-              </a:extLst>
-            </a:blip>
-            <a:srcRect/>
-            <a:stretch/>
-          </p:blipFill>
-          <p:spPr>
-            <a:xfrm>
-              <a:off x="633047" y="4767789"/>
-              <a:ext cx="360000" cy="360000"/>
-            </a:xfrm>
-            <a:prstGeom prst="rect">
-              <a:avLst/>
-            </a:prstGeom>
-          </p:spPr>
-        </p:pic>
-        <p:pic>
-          <p:nvPicPr>
-            <p:cNvPr id="25" name="グラフィックス 24">
-              <a:extLst>
-                <a:ext uri="{FF2B5EF4-FFF2-40B4-BE49-F238E27FC236}">
-                  <a16:creationId xmlns:a16="http://schemas.microsoft.com/office/drawing/2014/main" id="{3249F8CD-CAD7-7F1B-E2BB-864423EC16CC}"/>
-                </a:ext>
-              </a:extLst>
-            </p:cNvPr>
-            <p:cNvPicPr>
-              <a:picLocks noChangeAspect="1"/>
-            </p:cNvPicPr>
-            <p:nvPr/>
-          </p:nvPicPr>
-          <p:blipFill>
-            <a:blip r:embed="rId5">
-              <a:extLst>
-                <a:ext uri="{96DAC541-7B7A-43D3-8B79-37D633B846F1}">
-                  <asvg:svgBlip xmlns:asvg="http://schemas.microsoft.com/office/drawing/2016/SVG/main" r:embed="rId6"/>
-                </a:ext>
-              </a:extLst>
-            </a:blip>
-            <a:srcRect/>
-            <a:stretch/>
-          </p:blipFill>
-          <p:spPr>
-            <a:xfrm>
-              <a:off x="633047" y="5469949"/>
-              <a:ext cx="360000" cy="360000"/>
-            </a:xfrm>
-            <a:prstGeom prst="rect">
-              <a:avLst/>
-            </a:prstGeom>
-          </p:spPr>
-        </p:pic>
-        <p:pic>
-          <p:nvPicPr>
-            <p:cNvPr id="26" name="グラフィックス 25">
-              <a:extLst>
-                <a:ext uri="{FF2B5EF4-FFF2-40B4-BE49-F238E27FC236}">
-                  <a16:creationId xmlns:a16="http://schemas.microsoft.com/office/drawing/2014/main" id="{5F418B13-FFA6-807C-4553-BC4209BA1D78}"/>
-                </a:ext>
-              </a:extLst>
-            </p:cNvPr>
-            <p:cNvPicPr>
-              <a:picLocks noChangeAspect="1"/>
-            </p:cNvPicPr>
-            <p:nvPr/>
-          </p:nvPicPr>
-          <p:blipFill>
-            <a:blip r:embed="rId7">
-              <a:extLst>
-                <a:ext uri="{96DAC541-7B7A-43D3-8B79-37D633B846F1}">
-                  <asvg:svgBlip xmlns:asvg="http://schemas.microsoft.com/office/drawing/2016/SVG/main" r:embed="rId8"/>
-                </a:ext>
-              </a:extLst>
-            </a:blip>
-            <a:srcRect/>
-            <a:stretch/>
-          </p:blipFill>
-          <p:spPr>
-            <a:xfrm>
-              <a:off x="632177" y="5850045"/>
-              <a:ext cx="360000" cy="360000"/>
-            </a:xfrm>
-            <a:prstGeom prst="rect">
-              <a:avLst/>
-            </a:prstGeom>
-          </p:spPr>
-        </p:pic>
-        <p:pic>
-          <p:nvPicPr>
-            <p:cNvPr id="27" name="グラフィックス 26">
-              <a:extLst>
-                <a:ext uri="{FF2B5EF4-FFF2-40B4-BE49-F238E27FC236}">
-                  <a16:creationId xmlns:a16="http://schemas.microsoft.com/office/drawing/2014/main" id="{8EA172B0-8971-E567-5B5E-57E1088DCD63}"/>
-                </a:ext>
-              </a:extLst>
-            </p:cNvPr>
-            <p:cNvPicPr>
-              <a:picLocks noChangeAspect="1"/>
-            </p:cNvPicPr>
-            <p:nvPr/>
-          </p:nvPicPr>
-          <p:blipFill>
-            <a:blip r:embed="rId9">
-              <a:extLst>
-                <a:ext uri="{96DAC541-7B7A-43D3-8B79-37D633B846F1}">
-                  <asvg:svgBlip xmlns:asvg="http://schemas.microsoft.com/office/drawing/2016/SVG/main" r:embed="rId10"/>
-                </a:ext>
-              </a:extLst>
-            </a:blip>
-            <a:srcRect/>
-            <a:stretch/>
-          </p:blipFill>
-          <p:spPr>
-            <a:xfrm>
-              <a:off x="633047" y="5147884"/>
-              <a:ext cx="360000" cy="360000"/>
-            </a:xfrm>
-            <a:prstGeom prst="rect">
-              <a:avLst/>
-            </a:prstGeom>
-          </p:spPr>
-        </p:pic>
-        <p:sp>
-          <p:nvSpPr>
-            <p:cNvPr id="29" name="正方形/長方形 28">
-              <a:extLst>
-                <a:ext uri="{FF2B5EF4-FFF2-40B4-BE49-F238E27FC236}">
-                  <a16:creationId xmlns:a16="http://schemas.microsoft.com/office/drawing/2014/main" id="{8DC38EF7-5548-F959-64B1-E3BC4BA54357}"/>
+                  <a16:creationId xmlns:a16="http://schemas.microsoft.com/office/drawing/2014/main" id="{72EE129E-50FA-2DE9-BB22-1BA6A8C1987E}"/>
                 </a:ext>
               </a:extLst>
             </p:cNvPr>
@@ -6014,7 +6156,7 @@
             <p:cNvPr id="30" name="正方形/長方形 29">
               <a:extLst>
                 <a:ext uri="{FF2B5EF4-FFF2-40B4-BE49-F238E27FC236}">
-                  <a16:creationId xmlns:a16="http://schemas.microsoft.com/office/drawing/2014/main" id="{4ADBFF52-46C6-336B-AC3E-0478F7A04414}"/>
+                  <a16:creationId xmlns:a16="http://schemas.microsoft.com/office/drawing/2014/main" id="{68B3396C-C3D7-4373-D1F1-7573691C764E}"/>
                 </a:ext>
               </a:extLst>
             </p:cNvPr>
@@ -6119,7 +6261,7 @@
             <p:cNvPr id="31" name="正方形/長方形 30">
               <a:extLst>
                 <a:ext uri="{FF2B5EF4-FFF2-40B4-BE49-F238E27FC236}">
-                  <a16:creationId xmlns:a16="http://schemas.microsoft.com/office/drawing/2014/main" id="{64134785-DC12-EF74-25B7-1582113EA464}"/>
+                  <a16:creationId xmlns:a16="http://schemas.microsoft.com/office/drawing/2014/main" id="{D44883E9-9581-394D-263C-E4C2561778BE}"/>
                 </a:ext>
               </a:extLst>
             </p:cNvPr>
@@ -6184,7 +6326,7 @@
             <p:cNvPr id="32" name="正方形/長方形 31">
               <a:extLst>
                 <a:ext uri="{FF2B5EF4-FFF2-40B4-BE49-F238E27FC236}">
-                  <a16:creationId xmlns:a16="http://schemas.microsoft.com/office/drawing/2014/main" id="{EA986BD9-00F0-F245-F8E0-1E472116D0EB}"/>
+                  <a16:creationId xmlns:a16="http://schemas.microsoft.com/office/drawing/2014/main" id="{34B58003-DF26-ABBD-23B6-E9A3081D6822}"/>
                 </a:ext>
               </a:extLst>
             </p:cNvPr>
@@ -6250,7 +6392,7 @@
           <p:cNvPr id="2" name="グラフィックス 1" descr="卒業式用の角帽 単色塗りつぶし">
             <a:extLst>
               <a:ext uri="{FF2B5EF4-FFF2-40B4-BE49-F238E27FC236}">
-                <a16:creationId xmlns:a16="http://schemas.microsoft.com/office/drawing/2014/main" id="{044998D6-4BEF-0A3C-67B2-84D7A3318E13}"/>
+                <a16:creationId xmlns:a16="http://schemas.microsoft.com/office/drawing/2014/main" id="{27AB3825-315C-A8C1-2A12-7CAA3A06C9CD}"/>
               </a:ext>
             </a:extLst>
           </p:cNvPr>
@@ -6285,7 +6427,7 @@
           <p:cNvPr id="3" name="正方形/長方形 2">
             <a:extLst>
               <a:ext uri="{FF2B5EF4-FFF2-40B4-BE49-F238E27FC236}">
-                <a16:creationId xmlns:a16="http://schemas.microsoft.com/office/drawing/2014/main" id="{EE8DE383-3779-9DB9-45EE-639AE549A105}"/>
+                <a16:creationId xmlns:a16="http://schemas.microsoft.com/office/drawing/2014/main" id="{52914D5F-0867-5DF0-F3FC-F61C3FAB7B9C}"/>
               </a:ext>
             </a:extLst>
           </p:cNvPr>
@@ -6350,7 +6492,7 @@
           <p:cNvPr id="5" name="図 4" descr="アイコン&#10;&#10;自動的に生成された説明">
             <a:extLst>
               <a:ext uri="{FF2B5EF4-FFF2-40B4-BE49-F238E27FC236}">
-                <a16:creationId xmlns:a16="http://schemas.microsoft.com/office/drawing/2014/main" id="{B275E463-8DB1-2FE7-CF3E-99C82AE5E9A3}"/>
+                <a16:creationId xmlns:a16="http://schemas.microsoft.com/office/drawing/2014/main" id="{6942C87A-C855-9123-DE66-FC28B854AC19}"/>
               </a:ext>
             </a:extLst>
           </p:cNvPr>
@@ -6380,7 +6522,7 @@
           <p:cNvPr id="6" name="図 5" descr="挿絵 が含まれている画像&#10;&#10;自動的に生成された説明">
             <a:extLst>
               <a:ext uri="{FF2B5EF4-FFF2-40B4-BE49-F238E27FC236}">
-                <a16:creationId xmlns:a16="http://schemas.microsoft.com/office/drawing/2014/main" id="{C4A66EFC-7B54-A2FF-586C-732C7915C0DF}"/>
+                <a16:creationId xmlns:a16="http://schemas.microsoft.com/office/drawing/2014/main" id="{A85FBBB1-D2B9-A079-2481-96727CF1A168}"/>
               </a:ext>
             </a:extLst>
           </p:cNvPr>
@@ -6408,7 +6550,7 @@
     </p:spTree>
     <p:extLst>
       <p:ext uri="{BB962C8B-B14F-4D97-AF65-F5344CB8AC3E}">
-        <p14:creationId xmlns:p14="http://schemas.microsoft.com/office/powerpoint/2010/main" val="3621103076"/>
+        <p14:creationId xmlns:p14="http://schemas.microsoft.com/office/powerpoint/2010/main" val="2622215264"/>
       </p:ext>
     </p:extLst>
   </p:cSld>
@@ -6423,7 +6565,13 @@
   <p:cSld>
     <p:spTree>
       <p:nvGrpSpPr>
-        <p:cNvPr id="1" name=""/>
+        <p:cNvPr id="1" name="">
+          <a:extLst>
+            <a:ext uri="{FF2B5EF4-FFF2-40B4-BE49-F238E27FC236}">
+              <a16:creationId xmlns:a16="http://schemas.microsoft.com/office/drawing/2014/main" id="{5F799AB6-0476-384E-AAA4-C1E23DC3CB88}"/>
+            </a:ext>
+          </a:extLst>
+        </p:cNvPr>
         <p:cNvGrpSpPr/>
         <p:nvPr/>
       </p:nvGrpSpPr>
@@ -6440,7 +6588,7 @@
           <p:cNvPr id="4" name="正方形/長方形 3">
             <a:extLst>
               <a:ext uri="{FF2B5EF4-FFF2-40B4-BE49-F238E27FC236}">
-                <a16:creationId xmlns:a16="http://schemas.microsoft.com/office/drawing/2014/main" id="{BD75CB29-FDF1-04EA-CBCC-0405FD653C22}"/>
+                <a16:creationId xmlns:a16="http://schemas.microsoft.com/office/drawing/2014/main" id="{00D79710-6E99-A22A-25CF-10639F578A27}"/>
               </a:ext>
             </a:extLst>
           </p:cNvPr>
@@ -6520,7 +6668,7 @@
           <p:cNvPr id="23" name="グラフィックス 22">
             <a:extLst>
               <a:ext uri="{FF2B5EF4-FFF2-40B4-BE49-F238E27FC236}">
-                <a16:creationId xmlns:a16="http://schemas.microsoft.com/office/drawing/2014/main" id="{E9EDA729-8D21-A9F2-943F-11D83E32DCEB}"/>
+                <a16:creationId xmlns:a16="http://schemas.microsoft.com/office/drawing/2014/main" id="{235AD17C-0892-3434-7B5A-32D804851CB4}"/>
               </a:ext>
             </a:extLst>
           </p:cNvPr>
@@ -6555,7 +6703,7 @@
           <p:cNvPr id="24" name="グラフィックス 23">
             <a:extLst>
               <a:ext uri="{FF2B5EF4-FFF2-40B4-BE49-F238E27FC236}">
-                <a16:creationId xmlns:a16="http://schemas.microsoft.com/office/drawing/2014/main" id="{A9089DB6-3D8D-B8ED-75E1-A462088C8A70}"/>
+                <a16:creationId xmlns:a16="http://schemas.microsoft.com/office/drawing/2014/main" id="{B305EDEA-417A-7E1A-60C4-985144CB7E5A}"/>
               </a:ext>
             </a:extLst>
           </p:cNvPr>
@@ -6590,7 +6738,7 @@
           <p:cNvPr id="25" name="グラフィックス 24">
             <a:extLst>
               <a:ext uri="{FF2B5EF4-FFF2-40B4-BE49-F238E27FC236}">
-                <a16:creationId xmlns:a16="http://schemas.microsoft.com/office/drawing/2014/main" id="{3249F8CD-CAD7-7F1B-E2BB-864423EC16CC}"/>
+                <a16:creationId xmlns:a16="http://schemas.microsoft.com/office/drawing/2014/main" id="{DDA21894-4140-1B32-5061-B3FD58465A40}"/>
               </a:ext>
             </a:extLst>
           </p:cNvPr>
@@ -6625,7 +6773,7 @@
           <p:cNvPr id="26" name="グラフィックス 25">
             <a:extLst>
               <a:ext uri="{FF2B5EF4-FFF2-40B4-BE49-F238E27FC236}">
-                <a16:creationId xmlns:a16="http://schemas.microsoft.com/office/drawing/2014/main" id="{5F418B13-FFA6-807C-4553-BC4209BA1D78}"/>
+                <a16:creationId xmlns:a16="http://schemas.microsoft.com/office/drawing/2014/main" id="{C6A84163-E775-BFDD-D45F-1A68DF7CA317}"/>
               </a:ext>
             </a:extLst>
           </p:cNvPr>
@@ -6660,7 +6808,7 @@
           <p:cNvPr id="27" name="グラフィックス 26">
             <a:extLst>
               <a:ext uri="{FF2B5EF4-FFF2-40B4-BE49-F238E27FC236}">
-                <a16:creationId xmlns:a16="http://schemas.microsoft.com/office/drawing/2014/main" id="{8EA172B0-8971-E567-5B5E-57E1088DCD63}"/>
+                <a16:creationId xmlns:a16="http://schemas.microsoft.com/office/drawing/2014/main" id="{18EC7773-4D99-BD45-0699-C9FFD184051C}"/>
               </a:ext>
             </a:extLst>
           </p:cNvPr>
@@ -6695,7 +6843,7 @@
           <p:cNvPr id="28" name="正方形/長方形 27">
             <a:extLst>
               <a:ext uri="{FF2B5EF4-FFF2-40B4-BE49-F238E27FC236}">
-                <a16:creationId xmlns:a16="http://schemas.microsoft.com/office/drawing/2014/main" id="{36BB981A-E952-6225-0A98-C6341D3CEFDE}"/>
+                <a16:creationId xmlns:a16="http://schemas.microsoft.com/office/drawing/2014/main" id="{639C61CD-48F1-1353-E1B4-959531F0FFFB}"/>
               </a:ext>
             </a:extLst>
           </p:cNvPr>
@@ -6793,7 +6941,7 @@
           <p:cNvPr id="29" name="正方形/長方形 28">
             <a:extLst>
               <a:ext uri="{FF2B5EF4-FFF2-40B4-BE49-F238E27FC236}">
-                <a16:creationId xmlns:a16="http://schemas.microsoft.com/office/drawing/2014/main" id="{8DC38EF7-5548-F959-64B1-E3BC4BA54357}"/>
+                <a16:creationId xmlns:a16="http://schemas.microsoft.com/office/drawing/2014/main" id="{B09DA4D6-4EB7-F8FC-0783-997E1DF9ECFD}"/>
               </a:ext>
             </a:extLst>
           </p:cNvPr>
@@ -6891,7 +7039,7 @@
           <p:cNvPr id="30" name="正方形/長方形 29">
             <a:extLst>
               <a:ext uri="{FF2B5EF4-FFF2-40B4-BE49-F238E27FC236}">
-                <a16:creationId xmlns:a16="http://schemas.microsoft.com/office/drawing/2014/main" id="{4ADBFF52-46C6-336B-AC3E-0478F7A04414}"/>
+                <a16:creationId xmlns:a16="http://schemas.microsoft.com/office/drawing/2014/main" id="{01639B74-9AD6-96C7-7252-D7AEA932CDD4}"/>
               </a:ext>
             </a:extLst>
           </p:cNvPr>
@@ -6956,7 +7104,7 @@
           <p:cNvPr id="31" name="正方形/長方形 30">
             <a:extLst>
               <a:ext uri="{FF2B5EF4-FFF2-40B4-BE49-F238E27FC236}">
-                <a16:creationId xmlns:a16="http://schemas.microsoft.com/office/drawing/2014/main" id="{64134785-DC12-EF74-25B7-1582113EA464}"/>
+                <a16:creationId xmlns:a16="http://schemas.microsoft.com/office/drawing/2014/main" id="{8E6DB325-2380-9386-E25A-DC6827314BCA}"/>
               </a:ext>
             </a:extLst>
           </p:cNvPr>
@@ -7021,7 +7169,7 @@
           <p:cNvPr id="32" name="正方形/長方形 31">
             <a:extLst>
               <a:ext uri="{FF2B5EF4-FFF2-40B4-BE49-F238E27FC236}">
-                <a16:creationId xmlns:a16="http://schemas.microsoft.com/office/drawing/2014/main" id="{EA986BD9-00F0-F245-F8E0-1E472116D0EB}"/>
+                <a16:creationId xmlns:a16="http://schemas.microsoft.com/office/drawing/2014/main" id="{3CA64762-1CBB-F248-4005-54FA114F2A45}"/>
               </a:ext>
             </a:extLst>
           </p:cNvPr>
@@ -7083,10 +7231,10 @@
       </p:sp>
       <p:pic>
         <p:nvPicPr>
-          <p:cNvPr id="3" name="グラフィックス 2" descr="卒業式用の角帽 単色塗りつぶし">
+          <p:cNvPr id="2" name="図 1">
             <a:extLst>
               <a:ext uri="{FF2B5EF4-FFF2-40B4-BE49-F238E27FC236}">
-                <a16:creationId xmlns:a16="http://schemas.microsoft.com/office/drawing/2014/main" id="{351BE5EA-0028-D765-70F7-7D5D148B7D47}"/>
+                <a16:creationId xmlns:a16="http://schemas.microsoft.com/office/drawing/2014/main" id="{02B18B1C-87D7-5493-7225-B1598E1D2C51}"/>
               </a:ext>
             </a:extLst>
           </p:cNvPr>
@@ -7096,10 +7244,39 @@
           <p:nvPr/>
         </p:nvPicPr>
         <p:blipFill>
-          <a:blip r:embed="rId13">
+          <a:blip r:embed="rId13"/>
+          <a:srcRect/>
+          <a:stretch/>
+        </p:blipFill>
+        <p:spPr>
+          <a:xfrm>
+            <a:off x="7920487" y="2390154"/>
+            <a:ext cx="2880000" cy="2880000"/>
+          </a:xfrm>
+          <a:prstGeom prst="rect">
+            <a:avLst/>
+          </a:prstGeom>
+        </p:spPr>
+      </p:pic>
+      <p:pic>
+        <p:nvPicPr>
+          <p:cNvPr id="3" name="グラフィックス 2" descr="卒業式用の角帽 単色塗りつぶし">
+            <a:extLst>
+              <a:ext uri="{FF2B5EF4-FFF2-40B4-BE49-F238E27FC236}">
+                <a16:creationId xmlns:a16="http://schemas.microsoft.com/office/drawing/2014/main" id="{ADECB3FD-2C66-CFD1-B531-E2830B3EAF57}"/>
+              </a:ext>
+            </a:extLst>
+          </p:cNvPr>
+          <p:cNvPicPr>
+            <a:picLocks noChangeAspect="1"/>
+          </p:cNvPicPr>
+          <p:nvPr/>
+        </p:nvPicPr>
+        <p:blipFill>
+          <a:blip r:embed="rId14">
             <a:extLst>
               <a:ext uri="{96DAC541-7B7A-43D3-8B79-37D633B846F1}">
-                <asvg:svgBlip xmlns:asvg="http://schemas.microsoft.com/office/drawing/2016/SVG/main" r:embed="rId14"/>
+                <asvg:svgBlip xmlns:asvg="http://schemas.microsoft.com/office/drawing/2016/SVG/main" r:embed="rId15"/>
               </a:ext>
             </a:extLst>
           </a:blip>
@@ -7121,7 +7298,7 @@
           <p:cNvPr id="5" name="正方形/長方形 4">
             <a:extLst>
               <a:ext uri="{FF2B5EF4-FFF2-40B4-BE49-F238E27FC236}">
-                <a16:creationId xmlns:a16="http://schemas.microsoft.com/office/drawing/2014/main" id="{AD95561A-B0D8-F296-5752-FAF04D155DA8}"/>
+                <a16:creationId xmlns:a16="http://schemas.microsoft.com/office/drawing/2014/main" id="{2B54769B-1A65-12A7-256B-0DA72B0B601A}"/>
               </a:ext>
             </a:extLst>
           </p:cNvPr>
@@ -7176,10 +7353,10 @@
       </p:sp>
       <p:pic>
         <p:nvPicPr>
-          <p:cNvPr id="2" name="図 1" descr="アイコン&#10;&#10;自動的に生成された説明">
+          <p:cNvPr id="6" name="図 5" descr="アイコン&#10;&#10;自動的に生成された説明">
             <a:extLst>
               <a:ext uri="{FF2B5EF4-FFF2-40B4-BE49-F238E27FC236}">
-                <a16:creationId xmlns:a16="http://schemas.microsoft.com/office/drawing/2014/main" id="{611A6534-9356-D0F3-5B34-AE7E27BF2D25}"/>
+                <a16:creationId xmlns:a16="http://schemas.microsoft.com/office/drawing/2014/main" id="{93ADE508-058D-4C39-20C0-B82937416214}"/>
               </a:ext>
             </a:extLst>
           </p:cNvPr>
@@ -7189,7 +7366,7 @@
           <p:nvPr/>
         </p:nvPicPr>
         <p:blipFill>
-          <a:blip r:embed="rId15"/>
+          <a:blip r:embed="rId16"/>
           <a:stretch>
             <a:fillRect/>
           </a:stretch>
@@ -7206,10 +7383,10 @@
       </p:pic>
       <p:pic>
         <p:nvPicPr>
-          <p:cNvPr id="6" name="図 5" descr="挿絵 が含まれている画像&#10;&#10;自動的に生成された説明">
+          <p:cNvPr id="7" name="図 6" descr="挿絵 が含まれている画像&#10;&#10;自動的に生成された説明">
             <a:extLst>
               <a:ext uri="{FF2B5EF4-FFF2-40B4-BE49-F238E27FC236}">
-                <a16:creationId xmlns:a16="http://schemas.microsoft.com/office/drawing/2014/main" id="{90AE170B-49F0-DAF9-D688-7E87A9259D83}"/>
+                <a16:creationId xmlns:a16="http://schemas.microsoft.com/office/drawing/2014/main" id="{88FCCDA3-5169-B6D6-5D11-9482C9C89D70}"/>
               </a:ext>
             </a:extLst>
           </p:cNvPr>
@@ -7219,7 +7396,7 @@
           <p:nvPr/>
         </p:nvPicPr>
         <p:blipFill>
-          <a:blip r:embed="rId16"/>
+          <a:blip r:embed="rId17"/>
           <a:stretch>
             <a:fillRect/>
           </a:stretch>
@@ -7237,7 +7414,7 @@
     </p:spTree>
     <p:extLst>
       <p:ext uri="{BB962C8B-B14F-4D97-AF65-F5344CB8AC3E}">
-        <p14:creationId xmlns:p14="http://schemas.microsoft.com/office/powerpoint/2010/main" val="3415311957"/>
+        <p14:creationId xmlns:p14="http://schemas.microsoft.com/office/powerpoint/2010/main" val="1859307037"/>
       </p:ext>
     </p:extLst>
   </p:cSld>
@@ -7252,7 +7429,13 @@
   <p:cSld>
     <p:spTree>
       <p:nvGrpSpPr>
-        <p:cNvPr id="1" name=""/>
+        <p:cNvPr id="1" name="">
+          <a:extLst>
+            <a:ext uri="{FF2B5EF4-FFF2-40B4-BE49-F238E27FC236}">
+              <a16:creationId xmlns:a16="http://schemas.microsoft.com/office/drawing/2014/main" id="{A004C582-C7E7-CEC1-D7D2-34CD281E62F6}"/>
+            </a:ext>
+          </a:extLst>
+        </p:cNvPr>
         <p:cNvGrpSpPr/>
         <p:nvPr/>
       </p:nvGrpSpPr>
@@ -7269,7 +7452,7 @@
           <p:cNvPr id="4" name="正方形/長方形 3">
             <a:extLst>
               <a:ext uri="{FF2B5EF4-FFF2-40B4-BE49-F238E27FC236}">
-                <a16:creationId xmlns:a16="http://schemas.microsoft.com/office/drawing/2014/main" id="{BD75CB29-FDF1-04EA-CBCC-0405FD653C22}"/>
+                <a16:creationId xmlns:a16="http://schemas.microsoft.com/office/drawing/2014/main" id="{28F3D07D-0BBC-DBA5-E6F9-1221A8E357EA}"/>
               </a:ext>
             </a:extLst>
           </p:cNvPr>
@@ -7349,7 +7532,7 @@
           <p:cNvPr id="23" name="グラフィックス 22">
             <a:extLst>
               <a:ext uri="{FF2B5EF4-FFF2-40B4-BE49-F238E27FC236}">
-                <a16:creationId xmlns:a16="http://schemas.microsoft.com/office/drawing/2014/main" id="{E9EDA729-8D21-A9F2-943F-11D83E32DCEB}"/>
+                <a16:creationId xmlns:a16="http://schemas.microsoft.com/office/drawing/2014/main" id="{832BDF49-891B-93AC-2F29-128E45375A68}"/>
               </a:ext>
             </a:extLst>
           </p:cNvPr>
@@ -7384,7 +7567,7 @@
           <p:cNvPr id="24" name="グラフィックス 23">
             <a:extLst>
               <a:ext uri="{FF2B5EF4-FFF2-40B4-BE49-F238E27FC236}">
-                <a16:creationId xmlns:a16="http://schemas.microsoft.com/office/drawing/2014/main" id="{A9089DB6-3D8D-B8ED-75E1-A462088C8A70}"/>
+                <a16:creationId xmlns:a16="http://schemas.microsoft.com/office/drawing/2014/main" id="{DC2DB244-994C-A3E2-4414-14449DE39796}"/>
               </a:ext>
             </a:extLst>
           </p:cNvPr>
@@ -7419,7 +7602,7 @@
           <p:cNvPr id="25" name="グラフィックス 24">
             <a:extLst>
               <a:ext uri="{FF2B5EF4-FFF2-40B4-BE49-F238E27FC236}">
-                <a16:creationId xmlns:a16="http://schemas.microsoft.com/office/drawing/2014/main" id="{3249F8CD-CAD7-7F1B-E2BB-864423EC16CC}"/>
+                <a16:creationId xmlns:a16="http://schemas.microsoft.com/office/drawing/2014/main" id="{0998F22C-E024-DA0B-7159-6A2CF92DE584}"/>
               </a:ext>
             </a:extLst>
           </p:cNvPr>
@@ -7454,7 +7637,7 @@
           <p:cNvPr id="26" name="グラフィックス 25">
             <a:extLst>
               <a:ext uri="{FF2B5EF4-FFF2-40B4-BE49-F238E27FC236}">
-                <a16:creationId xmlns:a16="http://schemas.microsoft.com/office/drawing/2014/main" id="{5F418B13-FFA6-807C-4553-BC4209BA1D78}"/>
+                <a16:creationId xmlns:a16="http://schemas.microsoft.com/office/drawing/2014/main" id="{1E832B30-99A1-80AD-416C-6436CF1AD00D}"/>
               </a:ext>
             </a:extLst>
           </p:cNvPr>
@@ -7489,7 +7672,7 @@
           <p:cNvPr id="27" name="グラフィックス 26">
             <a:extLst>
               <a:ext uri="{FF2B5EF4-FFF2-40B4-BE49-F238E27FC236}">
-                <a16:creationId xmlns:a16="http://schemas.microsoft.com/office/drawing/2014/main" id="{8EA172B0-8971-E567-5B5E-57E1088DCD63}"/>
+                <a16:creationId xmlns:a16="http://schemas.microsoft.com/office/drawing/2014/main" id="{CC5242A0-4E25-483A-D7D4-72A847ED042C}"/>
               </a:ext>
             </a:extLst>
           </p:cNvPr>
@@ -7524,7 +7707,7 @@
           <p:cNvPr id="28" name="正方形/長方形 27">
             <a:extLst>
               <a:ext uri="{FF2B5EF4-FFF2-40B4-BE49-F238E27FC236}">
-                <a16:creationId xmlns:a16="http://schemas.microsoft.com/office/drawing/2014/main" id="{36BB981A-E952-6225-0A98-C6341D3CEFDE}"/>
+                <a16:creationId xmlns:a16="http://schemas.microsoft.com/office/drawing/2014/main" id="{FB3156D6-29B8-B79C-41EF-22189DF40785}"/>
               </a:ext>
             </a:extLst>
           </p:cNvPr>
@@ -7622,7 +7805,7 @@
           <p:cNvPr id="29" name="正方形/長方形 28">
             <a:extLst>
               <a:ext uri="{FF2B5EF4-FFF2-40B4-BE49-F238E27FC236}">
-                <a16:creationId xmlns:a16="http://schemas.microsoft.com/office/drawing/2014/main" id="{8DC38EF7-5548-F959-64B1-E3BC4BA54357}"/>
+                <a16:creationId xmlns:a16="http://schemas.microsoft.com/office/drawing/2014/main" id="{91054C17-491E-750C-94C7-3131CFB4F681}"/>
               </a:ext>
             </a:extLst>
           </p:cNvPr>
@@ -7720,7 +7903,7 @@
           <p:cNvPr id="30" name="正方形/長方形 29">
             <a:extLst>
               <a:ext uri="{FF2B5EF4-FFF2-40B4-BE49-F238E27FC236}">
-                <a16:creationId xmlns:a16="http://schemas.microsoft.com/office/drawing/2014/main" id="{4ADBFF52-46C6-336B-AC3E-0478F7A04414}"/>
+                <a16:creationId xmlns:a16="http://schemas.microsoft.com/office/drawing/2014/main" id="{A796F680-D23E-8B86-B938-CE2BCF3D4FF4}"/>
               </a:ext>
             </a:extLst>
           </p:cNvPr>
@@ -7785,7 +7968,7 @@
           <p:cNvPr id="31" name="正方形/長方形 30">
             <a:extLst>
               <a:ext uri="{FF2B5EF4-FFF2-40B4-BE49-F238E27FC236}">
-                <a16:creationId xmlns:a16="http://schemas.microsoft.com/office/drawing/2014/main" id="{64134785-DC12-EF74-25B7-1582113EA464}"/>
+                <a16:creationId xmlns:a16="http://schemas.microsoft.com/office/drawing/2014/main" id="{522041EE-FA5E-EB19-700C-B56812FE5E5B}"/>
               </a:ext>
             </a:extLst>
           </p:cNvPr>
@@ -7850,7 +8033,7 @@
           <p:cNvPr id="32" name="正方形/長方形 31">
             <a:extLst>
               <a:ext uri="{FF2B5EF4-FFF2-40B4-BE49-F238E27FC236}">
-                <a16:creationId xmlns:a16="http://schemas.microsoft.com/office/drawing/2014/main" id="{EA986BD9-00F0-F245-F8E0-1E472116D0EB}"/>
+                <a16:creationId xmlns:a16="http://schemas.microsoft.com/office/drawing/2014/main" id="{FAC2188D-999A-05CB-BE2A-8C5266AB1AD9}"/>
               </a:ext>
             </a:extLst>
           </p:cNvPr>
@@ -7912,10 +8095,10 @@
       </p:sp>
       <p:pic>
         <p:nvPicPr>
-          <p:cNvPr id="2" name="図 1">
+          <p:cNvPr id="3" name="グラフィックス 2" descr="卒業式用の角帽 単色塗りつぶし">
             <a:extLst>
               <a:ext uri="{FF2B5EF4-FFF2-40B4-BE49-F238E27FC236}">
-                <a16:creationId xmlns:a16="http://schemas.microsoft.com/office/drawing/2014/main" id="{D463AC66-BB2D-A440-C9FC-FD3C1B83D86C}"/>
+                <a16:creationId xmlns:a16="http://schemas.microsoft.com/office/drawing/2014/main" id="{8FDD7FEA-9508-5405-F407-77C4A697C509}"/>
               </a:ext>
             </a:extLst>
           </p:cNvPr>
@@ -7925,39 +8108,10 @@
           <p:nvPr/>
         </p:nvPicPr>
         <p:blipFill>
-          <a:blip r:embed="rId13"/>
-          <a:srcRect/>
-          <a:stretch/>
-        </p:blipFill>
-        <p:spPr>
-          <a:xfrm>
-            <a:off x="7920487" y="2390154"/>
-            <a:ext cx="2880000" cy="2880000"/>
-          </a:xfrm>
-          <a:prstGeom prst="rect">
-            <a:avLst/>
-          </a:prstGeom>
-        </p:spPr>
-      </p:pic>
-      <p:pic>
-        <p:nvPicPr>
-          <p:cNvPr id="3" name="グラフィックス 2" descr="卒業式用の角帽 単色塗りつぶし">
-            <a:extLst>
-              <a:ext uri="{FF2B5EF4-FFF2-40B4-BE49-F238E27FC236}">
-                <a16:creationId xmlns:a16="http://schemas.microsoft.com/office/drawing/2014/main" id="{351BE5EA-0028-D765-70F7-7D5D148B7D47}"/>
-              </a:ext>
-            </a:extLst>
-          </p:cNvPr>
-          <p:cNvPicPr>
-            <a:picLocks noChangeAspect="1"/>
-          </p:cNvPicPr>
-          <p:nvPr/>
-        </p:nvPicPr>
-        <p:blipFill>
-          <a:blip r:embed="rId14">
+          <a:blip r:embed="rId13">
             <a:extLst>
               <a:ext uri="{96DAC541-7B7A-43D3-8B79-37D633B846F1}">
-                <asvg:svgBlip xmlns:asvg="http://schemas.microsoft.com/office/drawing/2016/SVG/main" r:embed="rId15"/>
+                <asvg:svgBlip xmlns:asvg="http://schemas.microsoft.com/office/drawing/2016/SVG/main" r:embed="rId14"/>
               </a:ext>
             </a:extLst>
           </a:blip>
@@ -7979,7 +8133,7 @@
           <p:cNvPr id="5" name="正方形/長方形 4">
             <a:extLst>
               <a:ext uri="{FF2B5EF4-FFF2-40B4-BE49-F238E27FC236}">
-                <a16:creationId xmlns:a16="http://schemas.microsoft.com/office/drawing/2014/main" id="{AD95561A-B0D8-F296-5752-FAF04D155DA8}"/>
+                <a16:creationId xmlns:a16="http://schemas.microsoft.com/office/drawing/2014/main" id="{86F3F4A5-2801-3DC6-3930-0B27EE33DFA7}"/>
               </a:ext>
             </a:extLst>
           </p:cNvPr>
@@ -8034,10 +8188,10 @@
       </p:sp>
       <p:pic>
         <p:nvPicPr>
-          <p:cNvPr id="6" name="図 5" descr="アイコン&#10;&#10;自動的に生成された説明">
+          <p:cNvPr id="2" name="図 1" descr="アイコン&#10;&#10;自動的に生成された説明">
             <a:extLst>
               <a:ext uri="{FF2B5EF4-FFF2-40B4-BE49-F238E27FC236}">
-                <a16:creationId xmlns:a16="http://schemas.microsoft.com/office/drawing/2014/main" id="{2ED7DAB0-A3A2-3C4B-2CDF-48D546EBCDAA}"/>
+                <a16:creationId xmlns:a16="http://schemas.microsoft.com/office/drawing/2014/main" id="{657D317C-6D55-C4B1-1E27-39EFD2549F0D}"/>
               </a:ext>
             </a:extLst>
           </p:cNvPr>
@@ -8047,7 +8201,7 @@
           <p:nvPr/>
         </p:nvPicPr>
         <p:blipFill>
-          <a:blip r:embed="rId16"/>
+          <a:blip r:embed="rId15"/>
           <a:stretch>
             <a:fillRect/>
           </a:stretch>
@@ -8064,10 +8218,10 @@
       </p:pic>
       <p:pic>
         <p:nvPicPr>
-          <p:cNvPr id="7" name="図 6" descr="挿絵 が含まれている画像&#10;&#10;自動的に生成された説明">
+          <p:cNvPr id="6" name="図 5" descr="挿絵 が含まれている画像&#10;&#10;自動的に生成された説明">
             <a:extLst>
               <a:ext uri="{FF2B5EF4-FFF2-40B4-BE49-F238E27FC236}">
-                <a16:creationId xmlns:a16="http://schemas.microsoft.com/office/drawing/2014/main" id="{45677F2A-A37B-B47D-CCA7-6C031932BF12}"/>
+                <a16:creationId xmlns:a16="http://schemas.microsoft.com/office/drawing/2014/main" id="{738F66A3-452B-DB2C-22A8-E97DF374E268}"/>
               </a:ext>
             </a:extLst>
           </p:cNvPr>
@@ -8077,7 +8231,7 @@
           <p:nvPr/>
         </p:nvPicPr>
         <p:blipFill>
-          <a:blip r:embed="rId17"/>
+          <a:blip r:embed="rId16"/>
           <a:stretch>
             <a:fillRect/>
           </a:stretch>
@@ -8095,7 +8249,7 @@
     </p:spTree>
     <p:extLst>
       <p:ext uri="{BB962C8B-B14F-4D97-AF65-F5344CB8AC3E}">
-        <p14:creationId xmlns:p14="http://schemas.microsoft.com/office/powerpoint/2010/main" val="2274865211"/>
+        <p14:creationId xmlns:p14="http://schemas.microsoft.com/office/powerpoint/2010/main" val="2751144109"/>
       </p:ext>
     </p:extLst>
   </p:cSld>
@@ -8110,7 +8264,13 @@
   <p:cSld>
     <p:spTree>
       <p:nvGrpSpPr>
-        <p:cNvPr id="1" name=""/>
+        <p:cNvPr id="1" name="">
+          <a:extLst>
+            <a:ext uri="{FF2B5EF4-FFF2-40B4-BE49-F238E27FC236}">
+              <a16:creationId xmlns:a16="http://schemas.microsoft.com/office/drawing/2014/main" id="{6917CCF1-4BBF-1188-F648-8D6097A0A276}"/>
+            </a:ext>
+          </a:extLst>
+        </p:cNvPr>
         <p:cNvGrpSpPr/>
         <p:nvPr/>
       </p:nvGrpSpPr>
@@ -8127,7 +8287,7 @@
           <p:cNvPr id="33" name="グループ化 32">
             <a:extLst>
               <a:ext uri="{FF2B5EF4-FFF2-40B4-BE49-F238E27FC236}">
-                <a16:creationId xmlns:a16="http://schemas.microsoft.com/office/drawing/2014/main" id="{C1BC0DFF-D215-2EAC-05E9-C95DD8AEA35F}"/>
+                <a16:creationId xmlns:a16="http://schemas.microsoft.com/office/drawing/2014/main" id="{0A319AD3-ED0F-8A03-75B1-E8A3DCAC65E5}"/>
               </a:ext>
             </a:extLst>
           </p:cNvPr>
@@ -8147,7 +8307,7 @@
             <p:cNvPr id="23" name="グラフィックス 22">
               <a:extLst>
                 <a:ext uri="{FF2B5EF4-FFF2-40B4-BE49-F238E27FC236}">
-                  <a16:creationId xmlns:a16="http://schemas.microsoft.com/office/drawing/2014/main" id="{E9EDA729-8D21-A9F2-943F-11D83E32DCEB}"/>
+                  <a16:creationId xmlns:a16="http://schemas.microsoft.com/office/drawing/2014/main" id="{4AC4528A-4676-CB79-8D49-8A534463FD3B}"/>
                 </a:ext>
               </a:extLst>
             </p:cNvPr>
@@ -8182,7 +8342,7 @@
             <p:cNvPr id="24" name="グラフィックス 23">
               <a:extLst>
                 <a:ext uri="{FF2B5EF4-FFF2-40B4-BE49-F238E27FC236}">
-                  <a16:creationId xmlns:a16="http://schemas.microsoft.com/office/drawing/2014/main" id="{A9089DB6-3D8D-B8ED-75E1-A462088C8A70}"/>
+                  <a16:creationId xmlns:a16="http://schemas.microsoft.com/office/drawing/2014/main" id="{AEB5B41B-222A-1577-4FDD-4D56BF4B59F3}"/>
                 </a:ext>
               </a:extLst>
             </p:cNvPr>
@@ -8217,7 +8377,7 @@
             <p:cNvPr id="25" name="グラフィックス 24">
               <a:extLst>
                 <a:ext uri="{FF2B5EF4-FFF2-40B4-BE49-F238E27FC236}">
-                  <a16:creationId xmlns:a16="http://schemas.microsoft.com/office/drawing/2014/main" id="{3249F8CD-CAD7-7F1B-E2BB-864423EC16CC}"/>
+                  <a16:creationId xmlns:a16="http://schemas.microsoft.com/office/drawing/2014/main" id="{12A367A4-6404-29D4-B639-AB3281703A6F}"/>
                 </a:ext>
               </a:extLst>
             </p:cNvPr>
@@ -8252,7 +8412,7 @@
             <p:cNvPr id="26" name="グラフィックス 25">
               <a:extLst>
                 <a:ext uri="{FF2B5EF4-FFF2-40B4-BE49-F238E27FC236}">
-                  <a16:creationId xmlns:a16="http://schemas.microsoft.com/office/drawing/2014/main" id="{5F418B13-FFA6-807C-4553-BC4209BA1D78}"/>
+                  <a16:creationId xmlns:a16="http://schemas.microsoft.com/office/drawing/2014/main" id="{8E937CB4-1AA5-E175-40A6-6F18CE1BF6AC}"/>
                 </a:ext>
               </a:extLst>
             </p:cNvPr>
@@ -8287,7 +8447,7 @@
             <p:cNvPr id="27" name="グラフィックス 26">
               <a:extLst>
                 <a:ext uri="{FF2B5EF4-FFF2-40B4-BE49-F238E27FC236}">
-                  <a16:creationId xmlns:a16="http://schemas.microsoft.com/office/drawing/2014/main" id="{8EA172B0-8971-E567-5B5E-57E1088DCD63}"/>
+                  <a16:creationId xmlns:a16="http://schemas.microsoft.com/office/drawing/2014/main" id="{2ACFF935-004C-51F7-5BC9-BED94310D379}"/>
                 </a:ext>
               </a:extLst>
             </p:cNvPr>
@@ -8322,7 +8482,7 @@
             <p:cNvPr id="28" name="正方形/長方形 27">
               <a:extLst>
                 <a:ext uri="{FF2B5EF4-FFF2-40B4-BE49-F238E27FC236}">
-                  <a16:creationId xmlns:a16="http://schemas.microsoft.com/office/drawing/2014/main" id="{36BB981A-E952-6225-0A98-C6341D3CEFDE}"/>
+                  <a16:creationId xmlns:a16="http://schemas.microsoft.com/office/drawing/2014/main" id="{04334F53-15F0-8A77-B911-7C85ED6478F6}"/>
                 </a:ext>
               </a:extLst>
             </p:cNvPr>
@@ -8387,7 +8547,7 @@
             <p:cNvPr id="29" name="正方形/長方形 28">
               <a:extLst>
                 <a:ext uri="{FF2B5EF4-FFF2-40B4-BE49-F238E27FC236}">
-                  <a16:creationId xmlns:a16="http://schemas.microsoft.com/office/drawing/2014/main" id="{8DC38EF7-5548-F959-64B1-E3BC4BA54357}"/>
+                  <a16:creationId xmlns:a16="http://schemas.microsoft.com/office/drawing/2014/main" id="{342DA721-35DA-3D2A-43A2-942650318460}"/>
                 </a:ext>
               </a:extLst>
             </p:cNvPr>
@@ -8492,7 +8652,7 @@
             <p:cNvPr id="30" name="正方形/長方形 29">
               <a:extLst>
                 <a:ext uri="{FF2B5EF4-FFF2-40B4-BE49-F238E27FC236}">
-                  <a16:creationId xmlns:a16="http://schemas.microsoft.com/office/drawing/2014/main" id="{4ADBFF52-46C6-336B-AC3E-0478F7A04414}"/>
+                  <a16:creationId xmlns:a16="http://schemas.microsoft.com/office/drawing/2014/main" id="{E0E0ECDE-06B8-FEBA-8942-B8832DB6C155}"/>
                 </a:ext>
               </a:extLst>
             </p:cNvPr>
@@ -8557,7 +8717,7 @@
             <p:cNvPr id="31" name="正方形/長方形 30">
               <a:extLst>
                 <a:ext uri="{FF2B5EF4-FFF2-40B4-BE49-F238E27FC236}">
-                  <a16:creationId xmlns:a16="http://schemas.microsoft.com/office/drawing/2014/main" id="{64134785-DC12-EF74-25B7-1582113EA464}"/>
+                  <a16:creationId xmlns:a16="http://schemas.microsoft.com/office/drawing/2014/main" id="{68FF9E38-AB19-7E2A-A517-4E7C108692FF}"/>
                 </a:ext>
               </a:extLst>
             </p:cNvPr>
@@ -8622,7 +8782,7 @@
             <p:cNvPr id="32" name="正方形/長方形 31">
               <a:extLst>
                 <a:ext uri="{FF2B5EF4-FFF2-40B4-BE49-F238E27FC236}">
-                  <a16:creationId xmlns:a16="http://schemas.microsoft.com/office/drawing/2014/main" id="{EA986BD9-00F0-F245-F8E0-1E472116D0EB}"/>
+                  <a16:creationId xmlns:a16="http://schemas.microsoft.com/office/drawing/2014/main" id="{4BD49495-C48A-597F-B291-8BCAFB1D17F3}"/>
                 </a:ext>
               </a:extLst>
             </p:cNvPr>
@@ -8688,7 +8848,7 @@
           <p:cNvPr id="2" name="正方形/長方形 1">
             <a:extLst>
               <a:ext uri="{FF2B5EF4-FFF2-40B4-BE49-F238E27FC236}">
-                <a16:creationId xmlns:a16="http://schemas.microsoft.com/office/drawing/2014/main" id="{F3D10181-8B16-B2DD-A853-B319CB0DA45C}"/>
+                <a16:creationId xmlns:a16="http://schemas.microsoft.com/office/drawing/2014/main" id="{418EA2D7-5CC1-0F65-A6D0-FF43FC9655E4}"/>
               </a:ext>
             </a:extLst>
           </p:cNvPr>
@@ -8777,7 +8937,7 @@
           <p:cNvPr id="3" name="グラフィックス 2" descr="卒業式用の角帽 単色塗りつぶし">
             <a:extLst>
               <a:ext uri="{FF2B5EF4-FFF2-40B4-BE49-F238E27FC236}">
-                <a16:creationId xmlns:a16="http://schemas.microsoft.com/office/drawing/2014/main" id="{E353BDA6-BCFF-F150-07DE-D4C208F595C7}"/>
+                <a16:creationId xmlns:a16="http://schemas.microsoft.com/office/drawing/2014/main" id="{E96658C5-9B85-CFF3-3775-D99FCCB29772}"/>
               </a:ext>
             </a:extLst>
           </p:cNvPr>
@@ -8812,7 +8972,7 @@
           <p:cNvPr id="5" name="正方形/長方形 4">
             <a:extLst>
               <a:ext uri="{FF2B5EF4-FFF2-40B4-BE49-F238E27FC236}">
-                <a16:creationId xmlns:a16="http://schemas.microsoft.com/office/drawing/2014/main" id="{7DB27BEF-9DF7-53F9-159D-0696333E4C0F}"/>
+                <a16:creationId xmlns:a16="http://schemas.microsoft.com/office/drawing/2014/main" id="{8F5184B8-320F-E44E-6D9B-A14234CF1EEF}"/>
               </a:ext>
             </a:extLst>
           </p:cNvPr>
@@ -8877,7 +9037,7 @@
           <p:cNvPr id="4" name="図 3" descr="アイコン&#10;&#10;自動的に生成された説明">
             <a:extLst>
               <a:ext uri="{FF2B5EF4-FFF2-40B4-BE49-F238E27FC236}">
-                <a16:creationId xmlns:a16="http://schemas.microsoft.com/office/drawing/2014/main" id="{9726C971-4178-E27D-E36A-38F1FDDF6CA8}"/>
+                <a16:creationId xmlns:a16="http://schemas.microsoft.com/office/drawing/2014/main" id="{7B9E29FA-44BD-C447-A3E6-CB07D23894C7}"/>
               </a:ext>
             </a:extLst>
           </p:cNvPr>
@@ -8907,7 +9067,7 @@
           <p:cNvPr id="6" name="図 5" descr="挿絵 が含まれている画像&#10;&#10;自動的に生成された説明">
             <a:extLst>
               <a:ext uri="{FF2B5EF4-FFF2-40B4-BE49-F238E27FC236}">
-                <a16:creationId xmlns:a16="http://schemas.microsoft.com/office/drawing/2014/main" id="{AB32C59F-586E-F4F1-3FD8-87D376B9903F}"/>
+                <a16:creationId xmlns:a16="http://schemas.microsoft.com/office/drawing/2014/main" id="{CBED9084-0B8D-C0D0-7665-60934075743F}"/>
               </a:ext>
             </a:extLst>
           </p:cNvPr>
@@ -8935,556 +9095,7 @@
     </p:spTree>
     <p:extLst>
       <p:ext uri="{BB962C8B-B14F-4D97-AF65-F5344CB8AC3E}">
-        <p14:creationId xmlns:p14="http://schemas.microsoft.com/office/powerpoint/2010/main" val="4206856971"/>
-      </p:ext>
-    </p:extLst>
-  </p:cSld>
-  <p:clrMapOvr>
-    <a:masterClrMapping/>
-  </p:clrMapOvr>
-</p:sld>
-</file>
-
-<file path=ppt/slides/slide7.xml><?xml version="1.0" encoding="utf-8"?>
-<p:sld xmlns:a="http://schemas.openxmlformats.org/drawingml/2006/main" xmlns:r="http://schemas.openxmlformats.org/officeDocument/2006/relationships" xmlns:p="http://schemas.openxmlformats.org/presentationml/2006/main">
-  <p:cSld>
-    <p:spTree>
-      <p:nvGrpSpPr>
-        <p:cNvPr id="1" name=""/>
-        <p:cNvGrpSpPr/>
-        <p:nvPr/>
-      </p:nvGrpSpPr>
-      <p:grpSpPr>
-        <a:xfrm>
-          <a:off x="0" y="0"/>
-          <a:ext cx="0" cy="0"/>
-          <a:chOff x="0" y="0"/>
-          <a:chExt cx="0" cy="0"/>
-        </a:xfrm>
-      </p:grpSpPr>
-      <p:sp>
-        <p:nvSpPr>
-          <p:cNvPr id="2" name="タイトル 1">
-            <a:extLst>
-              <a:ext uri="{FF2B5EF4-FFF2-40B4-BE49-F238E27FC236}">
-                <a16:creationId xmlns:a16="http://schemas.microsoft.com/office/drawing/2014/main" id="{5E718385-0EE9-5877-BE1E-1026DB3C3357}"/>
-              </a:ext>
-            </a:extLst>
-          </p:cNvPr>
-          <p:cNvSpPr>
-            <a:spLocks noGrp="1"/>
-          </p:cNvSpPr>
-          <p:nvPr>
-            <p:ph type="title"/>
-          </p:nvPr>
-        </p:nvSpPr>
-        <p:spPr/>
-        <p:txBody>
-          <a:bodyPr/>
-          <a:lstStyle/>
-          <a:p>
-            <a:endParaRPr kumimoji="1" lang="ja-JP" altLang="en-US"/>
-          </a:p>
-        </p:txBody>
-      </p:sp>
-      <p:sp>
-        <p:nvSpPr>
-          <p:cNvPr id="3" name="コンテンツ プレースホルダー 2">
-            <a:extLst>
-              <a:ext uri="{FF2B5EF4-FFF2-40B4-BE49-F238E27FC236}">
-                <a16:creationId xmlns:a16="http://schemas.microsoft.com/office/drawing/2014/main" id="{8958A7F9-2556-CE3A-0102-FDDF69EEE142}"/>
-              </a:ext>
-            </a:extLst>
-          </p:cNvPr>
-          <p:cNvSpPr>
-            <a:spLocks noGrp="1"/>
-          </p:cNvSpPr>
-          <p:nvPr>
-            <p:ph idx="1"/>
-          </p:nvPr>
-        </p:nvSpPr>
-        <p:spPr/>
-        <p:txBody>
-          <a:bodyPr/>
-          <a:lstStyle/>
-          <a:p>
-            <a:endParaRPr kumimoji="1" lang="ja-JP" altLang="en-US"/>
-          </a:p>
-        </p:txBody>
-      </p:sp>
-    </p:spTree>
-    <p:extLst>
-      <p:ext uri="{BB962C8B-B14F-4D97-AF65-F5344CB8AC3E}">
-        <p14:creationId xmlns:p14="http://schemas.microsoft.com/office/powerpoint/2010/main" val="709652631"/>
-      </p:ext>
-    </p:extLst>
-  </p:cSld>
-  <p:clrMapOvr>
-    <a:masterClrMapping/>
-  </p:clrMapOvr>
-</p:sld>
-</file>
-
-<file path=ppt/slides/slide8.xml><?xml version="1.0" encoding="utf-8"?>
-<p:sld xmlns:a="http://schemas.openxmlformats.org/drawingml/2006/main" xmlns:r="http://schemas.openxmlformats.org/officeDocument/2006/relationships" xmlns:p="http://schemas.openxmlformats.org/presentationml/2006/main">
-  <p:cSld>
-    <p:bg>
-      <p:bgPr>
-        <a:gradFill>
-          <a:gsLst>
-            <a:gs pos="0">
-              <a:srgbClr val="FF7F2E"/>
-            </a:gs>
-            <a:gs pos="100000">
-              <a:srgbClr val="FF4631"/>
-            </a:gs>
-          </a:gsLst>
-          <a:lin ang="8100000" scaled="0"/>
-        </a:gradFill>
-        <a:effectLst/>
-      </p:bgPr>
-    </p:bg>
-    <p:spTree>
-      <p:nvGrpSpPr>
-        <p:cNvPr id="1" name=""/>
-        <p:cNvGrpSpPr/>
-        <p:nvPr/>
-      </p:nvGrpSpPr>
-      <p:grpSpPr>
-        <a:xfrm>
-          <a:off x="0" y="0"/>
-          <a:ext cx="0" cy="0"/>
-          <a:chOff x="0" y="0"/>
-          <a:chExt cx="0" cy="0"/>
-        </a:xfrm>
-      </p:grpSpPr>
-      <p:sp>
-        <p:nvSpPr>
-          <p:cNvPr id="8" name="角丸四角形 7">
-            <a:extLst>
-              <a:ext uri="{FF2B5EF4-FFF2-40B4-BE49-F238E27FC236}">
-                <a16:creationId xmlns:a16="http://schemas.microsoft.com/office/drawing/2014/main" id="{C55124FC-AA8B-CBF1-2FD5-EE3F12C9C15A}"/>
-              </a:ext>
-            </a:extLst>
-          </p:cNvPr>
-          <p:cNvSpPr>
-            <a:spLocks noChangeAspect="1"/>
-          </p:cNvSpPr>
-          <p:nvPr/>
-        </p:nvSpPr>
-        <p:spPr>
-          <a:xfrm>
-            <a:off x="3411948" y="1080080"/>
-            <a:ext cx="4696591" cy="4320000"/>
-          </a:xfrm>
-          <a:prstGeom prst="roundRect">
-            <a:avLst>
-              <a:gd name="adj" fmla="val 7329"/>
-            </a:avLst>
-          </a:prstGeom>
-          <a:solidFill>
-            <a:schemeClr val="bg1"/>
-          </a:solidFill>
-          <a:ln>
-            <a:noFill/>
-          </a:ln>
-        </p:spPr>
-        <p:style>
-          <a:lnRef idx="2">
-            <a:schemeClr val="accent1">
-              <a:shade val="15000"/>
-            </a:schemeClr>
-          </a:lnRef>
-          <a:fillRef idx="1">
-            <a:schemeClr val="accent1"/>
-          </a:fillRef>
-          <a:effectRef idx="0">
-            <a:schemeClr val="accent1"/>
-          </a:effectRef>
-          <a:fontRef idx="minor">
-            <a:schemeClr val="lt1"/>
-          </a:fontRef>
-        </p:style>
-        <p:txBody>
-          <a:bodyPr rtlCol="0" anchor="ctr"/>
-          <a:lstStyle/>
-          <a:p>
-            <a:pPr algn="ctr"/>
-            <a:endParaRPr kumimoji="1" lang="ja-JP" altLang="en-US"/>
-          </a:p>
-        </p:txBody>
-      </p:sp>
-      <p:grpSp>
-        <p:nvGrpSpPr>
-          <p:cNvPr id="5" name="グループ化 4">
-            <a:extLst>
-              <a:ext uri="{FF2B5EF4-FFF2-40B4-BE49-F238E27FC236}">
-                <a16:creationId xmlns:a16="http://schemas.microsoft.com/office/drawing/2014/main" id="{4F175D74-0DE7-42DC-DAE0-D290AA970092}"/>
-              </a:ext>
-            </a:extLst>
-          </p:cNvPr>
-          <p:cNvGrpSpPr/>
-          <p:nvPr/>
-        </p:nvGrpSpPr>
-        <p:grpSpPr>
-          <a:xfrm>
-            <a:off x="3960243" y="1620080"/>
-            <a:ext cx="3600000" cy="3240000"/>
-            <a:chOff x="3736832" y="1620080"/>
-            <a:chExt cx="3600000" cy="3240000"/>
-          </a:xfrm>
-        </p:grpSpPr>
-        <p:pic>
-          <p:nvPicPr>
-            <p:cNvPr id="7" name="図 6">
-              <a:extLst>
-                <a:ext uri="{FF2B5EF4-FFF2-40B4-BE49-F238E27FC236}">
-                  <a16:creationId xmlns:a16="http://schemas.microsoft.com/office/drawing/2014/main" id="{7ABB19BE-DFF8-A6A8-2A54-5655BBA923E3}"/>
-                </a:ext>
-              </a:extLst>
-            </p:cNvPr>
-            <p:cNvPicPr>
-              <a:picLocks noChangeAspect="1"/>
-            </p:cNvPicPr>
-            <p:nvPr/>
-          </p:nvPicPr>
-          <p:blipFill>
-            <a:blip r:embed="rId2"/>
-            <a:srcRect/>
-            <a:stretch/>
-          </p:blipFill>
-          <p:spPr>
-            <a:xfrm rot="16200000">
-              <a:off x="3736832" y="1620080"/>
-              <a:ext cx="3240000" cy="3240000"/>
-            </a:xfrm>
-            <a:prstGeom prst="rect">
-              <a:avLst/>
-            </a:prstGeom>
-          </p:spPr>
-        </p:pic>
-        <p:sp>
-          <p:nvSpPr>
-            <p:cNvPr id="2" name="正方形/長方形 1">
-              <a:extLst>
-                <a:ext uri="{FF2B5EF4-FFF2-40B4-BE49-F238E27FC236}">
-                  <a16:creationId xmlns:a16="http://schemas.microsoft.com/office/drawing/2014/main" id="{4D91B37E-8BC5-7E45-365F-526C37B7C856}"/>
-                </a:ext>
-              </a:extLst>
-            </p:cNvPr>
-            <p:cNvSpPr/>
-            <p:nvPr/>
-          </p:nvSpPr>
-          <p:spPr>
-            <a:xfrm rot="16200000">
-              <a:off x="5536832" y="3060080"/>
-              <a:ext cx="3240000" cy="360000"/>
-            </a:xfrm>
-            <a:prstGeom prst="rect">
-              <a:avLst/>
-            </a:prstGeom>
-            <a:noFill/>
-            <a:ln>
-              <a:noFill/>
-            </a:ln>
-          </p:spPr>
-          <p:style>
-            <a:lnRef idx="2">
-              <a:schemeClr val="accent1">
-                <a:shade val="15000"/>
-              </a:schemeClr>
-            </a:lnRef>
-            <a:fillRef idx="1">
-              <a:schemeClr val="accent1"/>
-            </a:fillRef>
-            <a:effectRef idx="0">
-              <a:schemeClr val="accent1"/>
-            </a:effectRef>
-            <a:fontRef idx="minor">
-              <a:schemeClr val="lt1"/>
-            </a:fontRef>
-          </p:style>
-          <p:txBody>
-            <a:bodyPr rtlCol="0" anchor="ctr"/>
-            <a:lstStyle/>
-            <a:p>
-              <a:pPr algn="ctr"/>
-              <a:r>
-                <a:rPr kumimoji="1" lang="en-US" altLang="ja-JP" sz="2300" dirty="0" err="1">
-                  <a:gradFill>
-                    <a:gsLst>
-                      <a:gs pos="0">
-                        <a:srgbClr val="FF7F2E"/>
-                      </a:gs>
-                      <a:gs pos="100000">
-                        <a:srgbClr val="FF4631"/>
-                      </a:gs>
-                    </a:gsLst>
-                    <a:lin ang="8100000" scaled="0"/>
-                  </a:gradFill>
-                  <a:latin typeface="Instagram Sans Medium" panose="02000000000000000000" pitchFamily="2" charset="0"/>
-                </a:rPr>
-                <a:t>masanarius.github.io</a:t>
-              </a:r>
-              <a:endParaRPr kumimoji="1" lang="ja-JP" altLang="en-US" sz="2300">
-                <a:gradFill>
-                  <a:gsLst>
-                    <a:gs pos="0">
-                      <a:srgbClr val="FF7F2E"/>
-                    </a:gs>
-                    <a:gs pos="100000">
-                      <a:srgbClr val="FF4631"/>
-                    </a:gs>
-                  </a:gsLst>
-                  <a:lin ang="8100000" scaled="0"/>
-                </a:gradFill>
-                <a:latin typeface="Instagram Sans Medium" panose="02000000000000000000" pitchFamily="2" charset="0"/>
-              </a:endParaRPr>
-            </a:p>
-          </p:txBody>
-        </p:sp>
-      </p:grpSp>
-    </p:spTree>
-    <p:extLst>
-      <p:ext uri="{BB962C8B-B14F-4D97-AF65-F5344CB8AC3E}">
-        <p14:creationId xmlns:p14="http://schemas.microsoft.com/office/powerpoint/2010/main" val="1157022536"/>
-      </p:ext>
-    </p:extLst>
-  </p:cSld>
-  <p:clrMapOvr>
-    <a:masterClrMapping/>
-  </p:clrMapOvr>
-</p:sld>
-</file>
-
-<file path=ppt/slides/slide9.xml><?xml version="1.0" encoding="utf-8"?>
-<p:sld xmlns:a="http://schemas.openxmlformats.org/drawingml/2006/main" xmlns:r="http://schemas.openxmlformats.org/officeDocument/2006/relationships" xmlns:p="http://schemas.openxmlformats.org/presentationml/2006/main">
-  <p:cSld>
-    <p:spTree>
-      <p:nvGrpSpPr>
-        <p:cNvPr id="1" name=""/>
-        <p:cNvGrpSpPr/>
-        <p:nvPr/>
-      </p:nvGrpSpPr>
-      <p:grpSpPr>
-        <a:xfrm>
-          <a:off x="0" y="0"/>
-          <a:ext cx="0" cy="0"/>
-          <a:chOff x="0" y="0"/>
-          <a:chExt cx="0" cy="0"/>
-        </a:xfrm>
-      </p:grpSpPr>
-      <p:grpSp>
-        <p:nvGrpSpPr>
-          <p:cNvPr id="3" name="グループ化 2">
-            <a:extLst>
-              <a:ext uri="{FF2B5EF4-FFF2-40B4-BE49-F238E27FC236}">
-                <a16:creationId xmlns:a16="http://schemas.microsoft.com/office/drawing/2014/main" id="{BA9D367B-441B-DD10-B9F5-351EF334AE63}"/>
-              </a:ext>
-            </a:extLst>
-          </p:cNvPr>
-          <p:cNvGrpSpPr/>
-          <p:nvPr/>
-        </p:nvGrpSpPr>
-        <p:grpSpPr>
-          <a:xfrm rot="5400000">
-            <a:off x="3411948" y="1080080"/>
-            <a:ext cx="4696591" cy="4320000"/>
-            <a:chOff x="3411948" y="1080080"/>
-            <a:chExt cx="4696591" cy="4320000"/>
-          </a:xfrm>
-        </p:grpSpPr>
-        <p:sp>
-          <p:nvSpPr>
-            <p:cNvPr id="8" name="角丸四角形 7">
-              <a:extLst>
-                <a:ext uri="{FF2B5EF4-FFF2-40B4-BE49-F238E27FC236}">
-                  <a16:creationId xmlns:a16="http://schemas.microsoft.com/office/drawing/2014/main" id="{C55124FC-AA8B-CBF1-2FD5-EE3F12C9C15A}"/>
-                </a:ext>
-              </a:extLst>
-            </p:cNvPr>
-            <p:cNvSpPr>
-              <a:spLocks noChangeAspect="1"/>
-            </p:cNvSpPr>
-            <p:nvPr/>
-          </p:nvSpPr>
-          <p:spPr>
-            <a:xfrm>
-              <a:off x="3411948" y="1080080"/>
-              <a:ext cx="4696591" cy="4320000"/>
-            </a:xfrm>
-            <a:prstGeom prst="roundRect">
-              <a:avLst>
-                <a:gd name="adj" fmla="val 7329"/>
-              </a:avLst>
-            </a:prstGeom>
-            <a:solidFill>
-              <a:schemeClr val="bg1"/>
-            </a:solidFill>
-            <a:ln>
-              <a:noFill/>
-            </a:ln>
-          </p:spPr>
-          <p:style>
-            <a:lnRef idx="2">
-              <a:schemeClr val="accent1">
-                <a:shade val="15000"/>
-              </a:schemeClr>
-            </a:lnRef>
-            <a:fillRef idx="1">
-              <a:schemeClr val="accent1"/>
-            </a:fillRef>
-            <a:effectRef idx="0">
-              <a:schemeClr val="accent1"/>
-            </a:effectRef>
-            <a:fontRef idx="minor">
-              <a:schemeClr val="lt1"/>
-            </a:fontRef>
-          </p:style>
-          <p:txBody>
-            <a:bodyPr rtlCol="0" anchor="ctr"/>
-            <a:lstStyle/>
-            <a:p>
-              <a:pPr algn="ctr"/>
-              <a:endParaRPr kumimoji="1" lang="ja-JP" altLang="en-US"/>
-            </a:p>
-          </p:txBody>
-        </p:sp>
-        <p:grpSp>
-          <p:nvGrpSpPr>
-            <p:cNvPr id="5" name="グループ化 4">
-              <a:extLst>
-                <a:ext uri="{FF2B5EF4-FFF2-40B4-BE49-F238E27FC236}">
-                  <a16:creationId xmlns:a16="http://schemas.microsoft.com/office/drawing/2014/main" id="{4F175D74-0DE7-42DC-DAE0-D290AA970092}"/>
-                </a:ext>
-              </a:extLst>
-            </p:cNvPr>
-            <p:cNvGrpSpPr/>
-            <p:nvPr/>
-          </p:nvGrpSpPr>
-          <p:grpSpPr>
-            <a:xfrm>
-              <a:off x="3960243" y="1620080"/>
-              <a:ext cx="3600000" cy="3240000"/>
-              <a:chOff x="3736832" y="1620080"/>
-              <a:chExt cx="3600000" cy="3240000"/>
-            </a:xfrm>
-          </p:grpSpPr>
-          <p:pic>
-            <p:nvPicPr>
-              <p:cNvPr id="7" name="図 6">
-                <a:extLst>
-                  <a:ext uri="{FF2B5EF4-FFF2-40B4-BE49-F238E27FC236}">
-                    <a16:creationId xmlns:a16="http://schemas.microsoft.com/office/drawing/2014/main" id="{7ABB19BE-DFF8-A6A8-2A54-5655BBA923E3}"/>
-                  </a:ext>
-                </a:extLst>
-              </p:cNvPr>
-              <p:cNvPicPr>
-                <a:picLocks noChangeAspect="1"/>
-              </p:cNvPicPr>
-              <p:nvPr/>
-            </p:nvPicPr>
-            <p:blipFill>
-              <a:blip r:embed="rId2"/>
-              <a:srcRect/>
-              <a:stretch/>
-            </p:blipFill>
-            <p:spPr>
-              <a:xfrm rot="16200000">
-                <a:off x="3736832" y="1620080"/>
-                <a:ext cx="3240000" cy="3240000"/>
-              </a:xfrm>
-              <a:prstGeom prst="rect">
-                <a:avLst/>
-              </a:prstGeom>
-            </p:spPr>
-          </p:pic>
-          <p:sp>
-            <p:nvSpPr>
-              <p:cNvPr id="2" name="正方形/長方形 1">
-                <a:extLst>
-                  <a:ext uri="{FF2B5EF4-FFF2-40B4-BE49-F238E27FC236}">
-                    <a16:creationId xmlns:a16="http://schemas.microsoft.com/office/drawing/2014/main" id="{4D91B37E-8BC5-7E45-365F-526C37B7C856}"/>
-                  </a:ext>
-                </a:extLst>
-              </p:cNvPr>
-              <p:cNvSpPr/>
-              <p:nvPr/>
-            </p:nvSpPr>
-            <p:spPr>
-              <a:xfrm rot="16200000">
-                <a:off x="5536832" y="3060080"/>
-                <a:ext cx="3240000" cy="360000"/>
-              </a:xfrm>
-              <a:prstGeom prst="rect">
-                <a:avLst/>
-              </a:prstGeom>
-              <a:noFill/>
-              <a:ln>
-                <a:noFill/>
-              </a:ln>
-            </p:spPr>
-            <p:style>
-              <a:lnRef idx="2">
-                <a:schemeClr val="accent1">
-                  <a:shade val="15000"/>
-                </a:schemeClr>
-              </a:lnRef>
-              <a:fillRef idx="1">
-                <a:schemeClr val="accent1"/>
-              </a:fillRef>
-              <a:effectRef idx="0">
-                <a:schemeClr val="accent1"/>
-              </a:effectRef>
-              <a:fontRef idx="minor">
-                <a:schemeClr val="lt1"/>
-              </a:fontRef>
-            </p:style>
-            <p:txBody>
-              <a:bodyPr rtlCol="0" anchor="ctr"/>
-              <a:lstStyle/>
-              <a:p>
-                <a:pPr algn="ctr"/>
-                <a:r>
-                  <a:rPr kumimoji="1" lang="en-US" altLang="ja-JP" sz="2300" dirty="0" err="1">
-                    <a:gradFill>
-                      <a:gsLst>
-                        <a:gs pos="0">
-                          <a:srgbClr val="FF7F2E"/>
-                        </a:gs>
-                        <a:gs pos="100000">
-                          <a:srgbClr val="FF4631"/>
-                        </a:gs>
-                      </a:gsLst>
-                      <a:lin ang="8100000" scaled="0"/>
-                    </a:gradFill>
-                    <a:latin typeface="Instagram Sans Medium" panose="02000000000000000000" pitchFamily="2" charset="0"/>
-                  </a:rPr>
-                  <a:t>masanarius.github.io</a:t>
-                </a:r>
-                <a:endParaRPr kumimoji="1" lang="ja-JP" altLang="en-US" sz="2300">
-                  <a:gradFill>
-                    <a:gsLst>
-                      <a:gs pos="0">
-                        <a:srgbClr val="FF7F2E"/>
-                      </a:gs>
-                      <a:gs pos="100000">
-                        <a:srgbClr val="FF4631"/>
-                      </a:gs>
-                    </a:gsLst>
-                    <a:lin ang="8100000" scaled="0"/>
-                  </a:gradFill>
-                  <a:latin typeface="Instagram Sans Medium" panose="02000000000000000000" pitchFamily="2" charset="0"/>
-                </a:endParaRPr>
-              </a:p>
-            </p:txBody>
-          </p:sp>
-        </p:grpSp>
-      </p:grpSp>
-    </p:spTree>
-    <p:extLst>
-      <p:ext uri="{BB962C8B-B14F-4D97-AF65-F5344CB8AC3E}">
-        <p14:creationId xmlns:p14="http://schemas.microsoft.com/office/powerpoint/2010/main" val="1338414427"/>
+        <p14:creationId xmlns:p14="http://schemas.microsoft.com/office/powerpoint/2010/main" val="3689492308"/>
       </p:ext>
     </p:extLst>
   </p:cSld>
